--- a/开题/SY1406108_陈志伟_开题ppt.pptx
+++ b/开题/SY1406108_陈志伟_开题ppt.pptx
@@ -5,7 +5,7 @@
     <p:sldMasterId id="2147483672" r:id="rId1"/>
   </p:sldMasterIdLst>
   <p:notesMasterIdLst>
-    <p:notesMasterId r:id="rId30"/>
+    <p:notesMasterId r:id="rId31"/>
   </p:notesMasterIdLst>
   <p:sldIdLst>
     <p:sldId id="466" r:id="rId2"/>
@@ -16,10 +16,10 @@
     <p:sldId id="497" r:id="rId7"/>
     <p:sldId id="499" r:id="rId8"/>
     <p:sldId id="518" r:id="rId9"/>
-    <p:sldId id="500" r:id="rId10"/>
-    <p:sldId id="501" r:id="rId11"/>
-    <p:sldId id="502" r:id="rId12"/>
-    <p:sldId id="519" r:id="rId13"/>
+    <p:sldId id="523" r:id="rId10"/>
+    <p:sldId id="500" r:id="rId11"/>
+    <p:sldId id="501" r:id="rId12"/>
+    <p:sldId id="502" r:id="rId13"/>
     <p:sldId id="503" r:id="rId14"/>
     <p:sldId id="520" r:id="rId15"/>
     <p:sldId id="508" r:id="rId16"/>
@@ -33,9 +33,10 @@
     <p:sldId id="514" r:id="rId24"/>
     <p:sldId id="512" r:id="rId25"/>
     <p:sldId id="516" r:id="rId26"/>
-    <p:sldId id="521" r:id="rId27"/>
-    <p:sldId id="522" r:id="rId28"/>
-    <p:sldId id="515" r:id="rId29"/>
+    <p:sldId id="522" r:id="rId27"/>
+    <p:sldId id="521" r:id="rId28"/>
+    <p:sldId id="524" r:id="rId29"/>
+    <p:sldId id="515" r:id="rId30"/>
   </p:sldIdLst>
   <p:sldSz cx="9144000" cy="6858000" type="screen4x3"/>
   <p:notesSz cx="6858000" cy="9144000"/>
@@ -235,7 +236,7 @@
           <a:p>
             <a:fld id="{70B15314-E3FC-4C9D-A25B-E4CA7D8DC52F}" type="datetimeFigureOut">
               <a:rPr lang="zh-CN" altLang="en-US" smtClean="0"/>
-              <a:t>2013/12/12</a:t>
+              <a:t>2015/11/29</a:t>
             </a:fld>
             <a:endParaRPr lang="zh-CN" altLang="en-US"/>
           </a:p>
@@ -563,7 +564,7 @@
           </a:bodyPr>
           <a:lstStyle/>
           <a:p>
-            <a:endParaRPr lang="zh-CN" altLang="en-US" smtClean="0"/>
+            <a:endParaRPr lang="zh-CN" altLang="en-US" dirty="0" smtClean="0"/>
           </a:p>
         </p:txBody>
       </p:sp>
@@ -653,6 +654,23 @@
           <a:bodyPr/>
           <a:lstStyle/>
           <a:p>
+            <a:pPr marL="0" marR="0" indent="0" algn="l" defTabSz="914400" rtl="0" eaLnBrk="1" fontAlgn="auto" latinLnBrk="0" hangingPunct="1">
+              <a:lnSpc>
+                <a:spcPct val="100000"/>
+              </a:lnSpc>
+              <a:spcBef>
+                <a:spcPts val="0"/>
+              </a:spcBef>
+              <a:spcAft>
+                <a:spcPts val="0"/>
+              </a:spcAft>
+              <a:buClrTx/>
+              <a:buSzTx/>
+              <a:buFontTx/>
+              <a:buNone/>
+              <a:tabLst/>
+              <a:defRPr/>
+            </a:pPr>
             <a:endParaRPr lang="zh-CN" altLang="en-US" dirty="0"/>
           </a:p>
         </p:txBody>
@@ -672,6 +690,174 @@
           <a:bodyPr/>
           <a:lstStyle/>
           <a:p>
+            <a:fld id="{867BA18B-575D-47BB-8171-D715A06AABD7}" type="slidenum">
+              <a:rPr lang="zh-CN" altLang="en-US" smtClean="0"/>
+              <a:t>10</a:t>
+            </a:fld>
+            <a:endParaRPr lang="zh-CN" altLang="en-US"/>
+          </a:p>
+        </p:txBody>
+      </p:sp>
+    </p:spTree>
+    <p:extLst>
+      <p:ext uri="{BB962C8B-B14F-4D97-AF65-F5344CB8AC3E}">
+        <p14:creationId xmlns:p14="http://schemas.microsoft.com/office/powerpoint/2010/main" val="4039122548"/>
+      </p:ext>
+    </p:extLst>
+  </p:cSld>
+  <p:clrMapOvr>
+    <a:masterClrMapping/>
+  </p:clrMapOvr>
+</p:notes>
+</file>
+
+<file path=ppt/notesSlides/notesSlide3.xml><?xml version="1.0" encoding="utf-8"?>
+<p:notes xmlns:a="http://schemas.openxmlformats.org/drawingml/2006/main" xmlns:r="http://schemas.openxmlformats.org/officeDocument/2006/relationships" xmlns:p="http://schemas.openxmlformats.org/presentationml/2006/main">
+  <p:cSld>
+    <p:spTree>
+      <p:nvGrpSpPr>
+        <p:cNvPr id="1" name=""/>
+        <p:cNvGrpSpPr/>
+        <p:nvPr/>
+      </p:nvGrpSpPr>
+      <p:grpSpPr>
+        <a:xfrm>
+          <a:off x="0" y="0"/>
+          <a:ext cx="0" cy="0"/>
+          <a:chOff x="0" y="0"/>
+          <a:chExt cx="0" cy="0"/>
+        </a:xfrm>
+      </p:grpSpPr>
+      <p:sp>
+        <p:nvSpPr>
+          <p:cNvPr id="2" name="幻灯片图像占位符 1"/>
+          <p:cNvSpPr>
+            <a:spLocks noGrp="1" noRot="1" noChangeAspect="1"/>
+          </p:cNvSpPr>
+          <p:nvPr>
+            <p:ph type="sldImg"/>
+          </p:nvPr>
+        </p:nvSpPr>
+        <p:spPr/>
+      </p:sp>
+      <p:sp>
+        <p:nvSpPr>
+          <p:cNvPr id="3" name="备注占位符 2"/>
+          <p:cNvSpPr>
+            <a:spLocks noGrp="1"/>
+          </p:cNvSpPr>
+          <p:nvPr>
+            <p:ph type="body" idx="1"/>
+          </p:nvPr>
+        </p:nvSpPr>
+        <p:spPr/>
+        <p:txBody>
+          <a:bodyPr/>
+          <a:lstStyle/>
+          <a:p>
+            <a:endParaRPr lang="zh-CN" altLang="en-US" dirty="0"/>
+          </a:p>
+        </p:txBody>
+      </p:sp>
+      <p:sp>
+        <p:nvSpPr>
+          <p:cNvPr id="4" name="灯片编号占位符 3"/>
+          <p:cNvSpPr>
+            <a:spLocks noGrp="1"/>
+          </p:cNvSpPr>
+          <p:nvPr>
+            <p:ph type="sldNum" sz="quarter" idx="10"/>
+          </p:nvPr>
+        </p:nvSpPr>
+        <p:spPr/>
+        <p:txBody>
+          <a:bodyPr/>
+          <a:lstStyle/>
+          <a:p>
+            <a:fld id="{867BA18B-575D-47BB-8171-D715A06AABD7}" type="slidenum">
+              <a:rPr lang="zh-CN" altLang="en-US" smtClean="0"/>
+              <a:t>11</a:t>
+            </a:fld>
+            <a:endParaRPr lang="zh-CN" altLang="en-US"/>
+          </a:p>
+        </p:txBody>
+      </p:sp>
+    </p:spTree>
+    <p:extLst>
+      <p:ext uri="{BB962C8B-B14F-4D97-AF65-F5344CB8AC3E}">
+        <p14:creationId xmlns:p14="http://schemas.microsoft.com/office/powerpoint/2010/main" val="224982715"/>
+      </p:ext>
+    </p:extLst>
+  </p:cSld>
+  <p:clrMapOvr>
+    <a:masterClrMapping/>
+  </p:clrMapOvr>
+</p:notes>
+</file>
+
+<file path=ppt/notesSlides/notesSlide4.xml><?xml version="1.0" encoding="utf-8"?>
+<p:notes xmlns:a="http://schemas.openxmlformats.org/drawingml/2006/main" xmlns:r="http://schemas.openxmlformats.org/officeDocument/2006/relationships" xmlns:p="http://schemas.openxmlformats.org/presentationml/2006/main">
+  <p:cSld>
+    <p:spTree>
+      <p:nvGrpSpPr>
+        <p:cNvPr id="1" name=""/>
+        <p:cNvGrpSpPr/>
+        <p:nvPr/>
+      </p:nvGrpSpPr>
+      <p:grpSpPr>
+        <a:xfrm>
+          <a:off x="0" y="0"/>
+          <a:ext cx="0" cy="0"/>
+          <a:chOff x="0" y="0"/>
+          <a:chExt cx="0" cy="0"/>
+        </a:xfrm>
+      </p:grpSpPr>
+      <p:sp>
+        <p:nvSpPr>
+          <p:cNvPr id="2" name="幻灯片图像占位符 1"/>
+          <p:cNvSpPr>
+            <a:spLocks noGrp="1" noRot="1" noChangeAspect="1"/>
+          </p:cNvSpPr>
+          <p:nvPr>
+            <p:ph type="sldImg"/>
+          </p:nvPr>
+        </p:nvSpPr>
+        <p:spPr/>
+      </p:sp>
+      <p:sp>
+        <p:nvSpPr>
+          <p:cNvPr id="3" name="备注占位符 2"/>
+          <p:cNvSpPr>
+            <a:spLocks noGrp="1"/>
+          </p:cNvSpPr>
+          <p:nvPr>
+            <p:ph type="body" idx="1"/>
+          </p:nvPr>
+        </p:nvSpPr>
+        <p:spPr/>
+        <p:txBody>
+          <a:bodyPr/>
+          <a:lstStyle/>
+          <a:p>
+            <a:endParaRPr lang="zh-CN" altLang="en-US" dirty="0"/>
+          </a:p>
+        </p:txBody>
+      </p:sp>
+      <p:sp>
+        <p:nvSpPr>
+          <p:cNvPr id="4" name="灯片编号占位符 3"/>
+          <p:cNvSpPr>
+            <a:spLocks noGrp="1"/>
+          </p:cNvSpPr>
+          <p:nvPr>
+            <p:ph type="sldNum" sz="quarter" idx="10"/>
+          </p:nvPr>
+        </p:nvSpPr>
+        <p:spPr/>
+        <p:txBody>
+          <a:bodyPr/>
+          <a:lstStyle/>
+          <a:p>
             <a:pPr>
               <a:defRPr/>
             </a:pPr>
@@ -680,7 +866,7 @@
               <a:pPr>
                 <a:defRPr/>
               </a:pPr>
-              <a:t>28</a:t>
+              <a:t>29</a:t>
             </a:fld>
             <a:endParaRPr lang="zh-CN" altLang="en-US"/>
           </a:p>
@@ -882,7 +1068,7 @@
           <a:p>
             <a:fld id="{236DEB8F-1078-4B41-AFE9-1FE79B8C146D}" type="datetimeFigureOut">
               <a:rPr lang="zh-CN" altLang="en-US" smtClean="0"/>
-              <a:t>2013/12/12</a:t>
+              <a:t>2015/11/29</a:t>
             </a:fld>
             <a:endParaRPr lang="zh-CN" altLang="en-US"/>
           </a:p>
@@ -1151,7 +1337,7 @@
           <a:p>
             <a:fld id="{236DEB8F-1078-4B41-AFE9-1FE79B8C146D}" type="datetimeFigureOut">
               <a:rPr lang="zh-CN" altLang="en-US" smtClean="0"/>
-              <a:t>2013/12/12</a:t>
+              <a:t>2015/11/29</a:t>
             </a:fld>
             <a:endParaRPr lang="zh-CN" altLang="en-US"/>
           </a:p>
@@ -1343,7 +1529,7 @@
           <a:p>
             <a:fld id="{236DEB8F-1078-4B41-AFE9-1FE79B8C146D}" type="datetimeFigureOut">
               <a:rPr lang="zh-CN" altLang="en-US" smtClean="0"/>
-              <a:t>2013/12/12</a:t>
+              <a:t>2015/11/29</a:t>
             </a:fld>
             <a:endParaRPr lang="zh-CN" altLang="en-US"/>
           </a:p>
@@ -1654,7 +1840,7 @@
           <a:p>
             <a:fld id="{236DEB8F-1078-4B41-AFE9-1FE79B8C146D}" type="datetimeFigureOut">
               <a:rPr lang="zh-CN" altLang="en-US" smtClean="0"/>
-              <a:t>2013/12/12</a:t>
+              <a:t>2015/11/29</a:t>
             </a:fld>
             <a:endParaRPr lang="zh-CN" altLang="en-US"/>
           </a:p>
@@ -1766,7 +1952,7 @@
           <a:graphicData uri="http://schemas.openxmlformats.org/presentationml/2006/ole">
             <mc:AlternateContent xmlns:mc="http://schemas.openxmlformats.org/markup-compatibility/2006">
               <mc:Choice xmlns:v="urn:schemas-microsoft-com:vml" Requires="v">
-                <p:oleObj spid="_x0000_s1520" name="Image" r:id="rId3" imgW="8228571" imgH="8711111" progId="">
+                <p:oleObj spid="_x0000_s1568" name="Image" r:id="rId3" imgW="8228571" imgH="8711111" progId="">
                   <p:embed/>
                 </p:oleObj>
               </mc:Choice>
@@ -3336,7 +3522,7 @@
           <a:p>
             <a:fld id="{236DEB8F-1078-4B41-AFE9-1FE79B8C146D}" type="datetimeFigureOut">
               <a:rPr lang="zh-CN" altLang="en-US" smtClean="0"/>
-              <a:t>2013/12/12</a:t>
+              <a:t>2015/11/29</a:t>
             </a:fld>
             <a:endParaRPr lang="zh-CN" altLang="en-US"/>
           </a:p>
@@ -3547,7 +3733,7 @@
           <a:p>
             <a:fld id="{236DEB8F-1078-4B41-AFE9-1FE79B8C146D}" type="datetimeFigureOut">
               <a:rPr lang="zh-CN" altLang="en-US" smtClean="0"/>
-              <a:t>2013/12/12</a:t>
+              <a:t>2015/11/29</a:t>
             </a:fld>
             <a:endParaRPr lang="zh-CN" altLang="en-US"/>
           </a:p>
@@ -3854,7 +4040,7 @@
           <a:p>
             <a:fld id="{236DEB8F-1078-4B41-AFE9-1FE79B8C146D}" type="datetimeFigureOut">
               <a:rPr lang="zh-CN" altLang="en-US" smtClean="0"/>
-              <a:t>2013/12/12</a:t>
+              <a:t>2015/11/29</a:t>
             </a:fld>
             <a:endParaRPr lang="zh-CN" altLang="en-US"/>
           </a:p>
@@ -4300,7 +4486,7 @@
           <a:p>
             <a:fld id="{236DEB8F-1078-4B41-AFE9-1FE79B8C146D}" type="datetimeFigureOut">
               <a:rPr lang="zh-CN" altLang="en-US" smtClean="0"/>
-              <a:t>2013/12/12</a:t>
+              <a:t>2015/11/29</a:t>
             </a:fld>
             <a:endParaRPr lang="zh-CN" altLang="en-US"/>
           </a:p>
@@ -4430,7 +4616,7 @@
           <a:p>
             <a:fld id="{236DEB8F-1078-4B41-AFE9-1FE79B8C146D}" type="datetimeFigureOut">
               <a:rPr lang="zh-CN" altLang="en-US" smtClean="0"/>
-              <a:t>2013/12/12</a:t>
+              <a:t>2015/11/29</a:t>
             </a:fld>
             <a:endParaRPr lang="zh-CN" altLang="en-US"/>
           </a:p>
@@ -4537,7 +4723,7 @@
           <a:p>
             <a:fld id="{236DEB8F-1078-4B41-AFE9-1FE79B8C146D}" type="datetimeFigureOut">
               <a:rPr lang="zh-CN" altLang="en-US" smtClean="0"/>
-              <a:t>2013/12/12</a:t>
+              <a:t>2015/11/29</a:t>
             </a:fld>
             <a:endParaRPr lang="zh-CN" altLang="en-US"/>
           </a:p>
@@ -4826,7 +5012,7 @@
           <a:p>
             <a:fld id="{236DEB8F-1078-4B41-AFE9-1FE79B8C146D}" type="datetimeFigureOut">
               <a:rPr lang="zh-CN" altLang="en-US" smtClean="0"/>
-              <a:t>2013/12/12</a:t>
+              <a:t>2015/11/29</a:t>
             </a:fld>
             <a:endParaRPr lang="zh-CN" altLang="en-US"/>
           </a:p>
@@ -5095,7 +5281,7 @@
           <a:p>
             <a:fld id="{236DEB8F-1078-4B41-AFE9-1FE79B8C146D}" type="datetimeFigureOut">
               <a:rPr lang="zh-CN" altLang="en-US" smtClean="0"/>
-              <a:t>2013/12/12</a:t>
+              <a:t>2015/11/29</a:t>
             </a:fld>
             <a:endParaRPr lang="zh-CN" altLang="en-US"/>
           </a:p>
@@ -5377,7 +5563,7 @@
           <a:p>
             <a:fld id="{236DEB8F-1078-4B41-AFE9-1FE79B8C146D}" type="datetimeFigureOut">
               <a:rPr lang="zh-CN" altLang="en-US" smtClean="0"/>
-              <a:t>2013/12/12</a:t>
+              <a:t>2015/11/29</a:t>
             </a:fld>
             <a:endParaRPr lang="zh-CN" altLang="en-US"/>
           </a:p>
@@ -6040,8 +6226,8 @@
         </p:nvSpPr>
         <p:spPr>
           <a:xfrm>
-            <a:off x="4143375" y="4286250"/>
-            <a:ext cx="5000625" cy="1374775"/>
+            <a:off x="4143376" y="4286250"/>
+            <a:ext cx="4925674" cy="1374775"/>
           </a:xfrm>
         </p:spPr>
         <p:txBody>
@@ -6056,14 +6242,28 @@
                 <a:latin typeface="宋体" panose="02010600030101010101" pitchFamily="2" charset="-122"/>
                 <a:ea typeface="宋体" panose="02010600030101010101" pitchFamily="2" charset="-122"/>
               </a:rPr>
-              <a:t>导师：韩</a:t>
+              <a:t>导师</a:t>
             </a:r>
             <a:r>
               <a:rPr lang="zh-CN" altLang="en-US" sz="2800" dirty="0" smtClean="0">
                 <a:latin typeface="宋体" panose="02010600030101010101" pitchFamily="2" charset="-122"/>
                 <a:ea typeface="宋体" panose="02010600030101010101" pitchFamily="2" charset="-122"/>
               </a:rPr>
-              <a:t>军 教授</a:t>
+              <a:t>：</a:t>
+            </a:r>
+            <a:r>
+              <a:rPr lang="zh-CN" altLang="en-US" sz="2800" dirty="0">
+                <a:latin typeface="宋体" panose="02010600030101010101" pitchFamily="2" charset="-122"/>
+                <a:ea typeface="宋体" panose="02010600030101010101" pitchFamily="2" charset="-122"/>
+              </a:rPr>
+              <a:t>马殿富</a:t>
+            </a:r>
+            <a:r>
+              <a:rPr lang="zh-CN" altLang="en-US" sz="2800" dirty="0" smtClean="0">
+                <a:latin typeface="宋体" panose="02010600030101010101" pitchFamily="2" charset="-122"/>
+                <a:ea typeface="宋体" panose="02010600030101010101" pitchFamily="2" charset="-122"/>
+              </a:rPr>
+              <a:t> 教授</a:t>
             </a:r>
             <a:endParaRPr lang="en-US" altLang="zh-CN" sz="2800" dirty="0" smtClean="0">
               <a:latin typeface="宋体" panose="02010600030101010101" pitchFamily="2" charset="-122"/>
@@ -6079,7 +6279,14 @@
                 <a:latin typeface="宋体" panose="02010600030101010101" pitchFamily="2" charset="-122"/>
                 <a:ea typeface="宋体" panose="02010600030101010101" pitchFamily="2" charset="-122"/>
               </a:rPr>
-              <a:t>学生：尹顺顺</a:t>
+              <a:t>学生：</a:t>
+            </a:r>
+            <a:r>
+              <a:rPr lang="zh-CN" altLang="en-US" sz="2800" dirty="0">
+                <a:latin typeface="宋体" panose="02010600030101010101" pitchFamily="2" charset="-122"/>
+                <a:ea typeface="宋体" panose="02010600030101010101" pitchFamily="2" charset="-122"/>
+              </a:rPr>
+              <a:t>陈志伟</a:t>
             </a:r>
             <a:endParaRPr lang="en-US" altLang="zh-CN" sz="2800" dirty="0" smtClean="0">
               <a:latin typeface="宋体" panose="02010600030101010101" pitchFamily="2" charset="-122"/>
@@ -6102,7 +6309,7 @@
                 <a:latin typeface="宋体" panose="02010600030101010101" pitchFamily="2" charset="-122"/>
                 <a:ea typeface="宋体" panose="02010600030101010101" pitchFamily="2" charset="-122"/>
               </a:rPr>
-              <a:t>SY1206301</a:t>
+              <a:t>SY1406108</a:t>
             </a:r>
           </a:p>
           <a:p>
@@ -6139,64 +6346,34 @@
           <a:lstStyle/>
           <a:p>
             <a:r>
-              <a:rPr lang="zh-CN" altLang="en-US" sz="4000" dirty="0" smtClean="0">
+              <a:rPr lang="zh-CN" altLang="en-US" sz="4000" dirty="0">
                 <a:solidFill>
                   <a:schemeClr val="tx1"/>
                 </a:solidFill>
                 <a:latin typeface="宋体" panose="02010600030101010101" pitchFamily="2" charset="-122"/>
                 <a:ea typeface="宋体" panose="02010600030101010101" pitchFamily="2" charset="-122"/>
               </a:rPr>
-              <a:t>基于</a:t>
-            </a:r>
-            <a:r>
-              <a:rPr lang="en-US" altLang="zh-CN" sz="4000" dirty="0" smtClean="0">
+              <a:t>安全</a:t>
+            </a:r>
+            <a:r>
+              <a:rPr lang="en-US" altLang="zh-CN" sz="4000" dirty="0">
                 <a:solidFill>
                   <a:schemeClr val="tx1"/>
                 </a:solidFill>
                 <a:latin typeface="宋体" panose="02010600030101010101" pitchFamily="2" charset="-122"/>
                 <a:ea typeface="宋体" panose="02010600030101010101" pitchFamily="2" charset="-122"/>
               </a:rPr>
-              <a:t>B</a:t>
-            </a:r>
-            <a:r>
-              <a:rPr lang="zh-CN" altLang="en-US" sz="4000" baseline="30000" dirty="0" smtClean="0">
+              <a:t>C</a:t>
+            </a:r>
+            <a:r>
+              <a:rPr lang="zh-CN" altLang="en-US" sz="4000" dirty="0">
                 <a:solidFill>
                   <a:schemeClr val="tx1"/>
                 </a:solidFill>
                 <a:latin typeface="宋体" panose="02010600030101010101" pitchFamily="2" charset="-122"/>
                 <a:ea typeface="宋体" panose="02010600030101010101" pitchFamily="2" charset="-122"/>
               </a:rPr>
-              <a:t>*</a:t>
-            </a:r>
-            <a:r>
-              <a:rPr lang="zh-CN" altLang="en-US" sz="4000" dirty="0" smtClean="0">
-                <a:solidFill>
-                  <a:schemeClr val="tx1"/>
-                </a:solidFill>
-                <a:latin typeface="宋体" panose="02010600030101010101" pitchFamily="2" charset="-122"/>
-                <a:ea typeface="宋体" panose="02010600030101010101" pitchFamily="2" charset="-122"/>
-              </a:rPr>
-              <a:t>形式规范语言</a:t>
-            </a:r>
-            <a:r>
-              <a:rPr lang="zh-CN" altLang="en-US" sz="4000" dirty="0">
-                <a:solidFill>
-                  <a:schemeClr val="tx1"/>
-                </a:solidFill>
-                <a:latin typeface="宋体" panose="02010600030101010101" pitchFamily="2" charset="-122"/>
-                <a:ea typeface="宋体" panose="02010600030101010101" pitchFamily="2" charset="-122"/>
-              </a:rPr>
-              <a:t>的</a:t>
-            </a:r>
-            <a:r>
-              <a:rPr lang="zh-CN" altLang="en-US" sz="4000" dirty="0" smtClean="0">
-                <a:solidFill>
-                  <a:schemeClr val="tx1"/>
-                </a:solidFill>
-                <a:latin typeface="宋体" panose="02010600030101010101" pitchFamily="2" charset="-122"/>
-                <a:ea typeface="宋体" panose="02010600030101010101" pitchFamily="2" charset="-122"/>
-              </a:rPr>
-              <a:t>程序正确性证明算法的研究与实现</a:t>
+              <a:t>编译器的形式化验证方法的研究和实现</a:t>
             </a:r>
             <a:r>
               <a:rPr lang="zh-CN" altLang="zh-CN" sz="4000" dirty="0" smtClean="0">
@@ -6357,9 +6534,6 @@
           </a:p>
           <a:p>
             <a:pPr algn="just">
-              <a:lnSpc>
-                <a:spcPct val="150000"/>
-              </a:lnSpc>
               <a:spcBef>
                 <a:spcPts val="600"/>
               </a:spcBef>
@@ -6373,34 +6547,28 @@
               <a:buChar char="Ø"/>
             </a:pPr>
             <a:r>
-              <a:rPr lang="en-US" altLang="zh-CN" sz="2000" dirty="0" smtClean="0">
-                <a:solidFill>
-                  <a:srgbClr val="FF0000"/>
-                </a:solidFill>
-                <a:latin typeface="Times New Roman" panose="02020603050405020304" pitchFamily="18" charset="0"/>
-                <a:ea typeface="宋体" panose="02010600030101010101" pitchFamily="2" charset="-122"/>
-                <a:cs typeface="Times New Roman" panose="02020603050405020304" pitchFamily="18" charset="0"/>
-              </a:rPr>
-              <a:t>B</a:t>
+              <a:rPr lang="zh-CN" altLang="en-US" sz="2000" dirty="0">
+                <a:latin typeface="Times New Roman" panose="02020603050405020304" pitchFamily="18" charset="0"/>
+                <a:ea typeface="宋体" panose="02010600030101010101" pitchFamily="2" charset="-122"/>
+                <a:cs typeface="Times New Roman" panose="02020603050405020304" pitchFamily="18" charset="0"/>
+              </a:rPr>
+              <a:t>定理证明技术是将软件系统和性质都用逻辑方法来</a:t>
             </a:r>
             <a:r>
               <a:rPr lang="zh-CN" altLang="en-US" sz="2000" dirty="0" smtClean="0">
-                <a:solidFill>
-                  <a:srgbClr val="FF0000"/>
-                </a:solidFill>
-                <a:latin typeface="Times New Roman" panose="02020603050405020304" pitchFamily="18" charset="0"/>
-                <a:ea typeface="宋体" panose="02010600030101010101" pitchFamily="2" charset="-122"/>
-                <a:cs typeface="Times New Roman" panose="02020603050405020304" pitchFamily="18" charset="0"/>
-              </a:rPr>
-              <a:t>方法</a:t>
-            </a:r>
-            <a:r>
-              <a:rPr lang="en-US" altLang="zh-CN" sz="2000" baseline="30000" dirty="0">
-                <a:latin typeface="Times New Roman" panose="02020603050405020304" pitchFamily="18" charset="0"/>
-                <a:ea typeface="宋体" panose="02010600030101010101" pitchFamily="2" charset="-122"/>
-                <a:cs typeface="Times New Roman" panose="02020603050405020304" pitchFamily="18" charset="0"/>
-              </a:rPr>
-              <a:t>[9]</a:t>
+                <a:latin typeface="Times New Roman" panose="02020603050405020304" pitchFamily="18" charset="0"/>
+                <a:ea typeface="宋体" panose="02010600030101010101" pitchFamily="2" charset="-122"/>
+                <a:cs typeface="Times New Roman" panose="02020603050405020304" pitchFamily="18" charset="0"/>
+              </a:rPr>
+              <a:t>规约，通过</a:t>
+            </a:r>
+            <a:r>
+              <a:rPr lang="zh-CN" altLang="en-US" sz="2000" dirty="0">
+                <a:latin typeface="Times New Roman" panose="02020603050405020304" pitchFamily="18" charset="0"/>
+                <a:ea typeface="宋体" panose="02010600030101010101" pitchFamily="2" charset="-122"/>
+                <a:cs typeface="Times New Roman" panose="02020603050405020304" pitchFamily="18" charset="0"/>
+              </a:rPr>
+              <a:t>基于公理和推理规则组成的形式系统，以如同数学中定理证明的方法来证明软件系统是否具备所期望的关键性质</a:t>
             </a:r>
             <a:r>
               <a:rPr lang="zh-CN" altLang="en-US" sz="2000" dirty="0" smtClean="0">
@@ -6408,61 +6576,7 @@
                 <a:ea typeface="宋体" panose="02010600030101010101" pitchFamily="2" charset="-122"/>
                 <a:cs typeface="Times New Roman" panose="02020603050405020304" pitchFamily="18" charset="0"/>
               </a:rPr>
-              <a:t>以</a:t>
-            </a:r>
-            <a:r>
-              <a:rPr lang="en-US" altLang="zh-CN" sz="2000" dirty="0" smtClean="0">
-                <a:latin typeface="Times New Roman" panose="02020603050405020304" pitchFamily="18" charset="0"/>
-                <a:ea typeface="宋体" panose="02010600030101010101" pitchFamily="2" charset="-122"/>
-                <a:cs typeface="Times New Roman" panose="02020603050405020304" pitchFamily="18" charset="0"/>
-              </a:rPr>
-              <a:t>B</a:t>
-            </a:r>
-            <a:r>
-              <a:rPr lang="zh-CN" altLang="en-US" sz="2000" dirty="0" smtClean="0">
-                <a:latin typeface="Times New Roman" panose="02020603050405020304" pitchFamily="18" charset="0"/>
-                <a:ea typeface="宋体" panose="02010600030101010101" pitchFamily="2" charset="-122"/>
-                <a:cs typeface="Times New Roman" panose="02020603050405020304" pitchFamily="18" charset="0"/>
-              </a:rPr>
-              <a:t>语言为基础，基于</a:t>
-            </a:r>
-            <a:r>
-              <a:rPr lang="zh-CN" altLang="en-US" sz="2000" dirty="0" smtClean="0">
-                <a:solidFill>
-                  <a:srgbClr val="FF0000"/>
-                </a:solidFill>
-                <a:latin typeface="Times New Roman" panose="02020603050405020304" pitchFamily="18" charset="0"/>
-                <a:ea typeface="宋体" panose="02010600030101010101" pitchFamily="2" charset="-122"/>
-                <a:cs typeface="Times New Roman" panose="02020603050405020304" pitchFamily="18" charset="0"/>
-              </a:rPr>
-              <a:t>谓词演算</a:t>
-            </a:r>
-            <a:r>
-              <a:rPr lang="zh-CN" altLang="en-US" sz="2000" dirty="0" smtClean="0">
-                <a:latin typeface="Times New Roman" panose="02020603050405020304" pitchFamily="18" charset="0"/>
-                <a:ea typeface="宋体" panose="02010600030101010101" pitchFamily="2" charset="-122"/>
-                <a:cs typeface="Times New Roman" panose="02020603050405020304" pitchFamily="18" charset="0"/>
-              </a:rPr>
-              <a:t>和</a:t>
-            </a:r>
-            <a:r>
-              <a:rPr lang="zh-CN" altLang="en-US" sz="2000" dirty="0" smtClean="0">
-                <a:solidFill>
-                  <a:srgbClr val="FF0000"/>
-                </a:solidFill>
-                <a:latin typeface="Times New Roman" panose="02020603050405020304" pitchFamily="18" charset="0"/>
-                <a:ea typeface="宋体" panose="02010600030101010101" pitchFamily="2" charset="-122"/>
-                <a:cs typeface="Times New Roman" panose="02020603050405020304" pitchFamily="18" charset="0"/>
-              </a:rPr>
-              <a:t>集合论</a:t>
-            </a:r>
-            <a:r>
-              <a:rPr lang="zh-CN" altLang="en-US" sz="2000" dirty="0" smtClean="0">
-                <a:latin typeface="Times New Roman" panose="02020603050405020304" pitchFamily="18" charset="0"/>
-                <a:ea typeface="宋体" panose="02010600030101010101" pitchFamily="2" charset="-122"/>
-                <a:cs typeface="Times New Roman" panose="02020603050405020304" pitchFamily="18" charset="0"/>
-              </a:rPr>
-              <a:t>，支持从规格说明书到程序代码生成的整个软件开发周期，是一种实用的形式化开发方法。</a:t>
+              <a:t>。</a:t>
             </a:r>
             <a:endParaRPr lang="en-US" altLang="zh-CN" sz="2000" dirty="0" smtClean="0">
               <a:latin typeface="Times New Roman" panose="02020603050405020304" pitchFamily="18" charset="0"/>
@@ -6472,9 +6586,261 @@
           </a:p>
           <a:p>
             <a:pPr algn="just">
-              <a:lnSpc>
-                <a:spcPct val="150000"/>
-              </a:lnSpc>
+              <a:spcBef>
+                <a:spcPts val="600"/>
+              </a:spcBef>
+              <a:spcAft>
+                <a:spcPts val="600"/>
+              </a:spcAft>
+              <a:buClr>
+                <a:schemeClr val="tx1"/>
+              </a:buClr>
+              <a:buFont typeface="Wingdings" panose="05000000000000000000" pitchFamily="2" charset="2"/>
+              <a:buChar char="Ø"/>
+            </a:pPr>
+            <a:r>
+              <a:rPr lang="zh-CN" altLang="en-US" sz="2000" dirty="0">
+                <a:latin typeface="Times New Roman" panose="02020603050405020304" pitchFamily="18" charset="0"/>
+                <a:ea typeface="宋体" panose="02010600030101010101" pitchFamily="2" charset="-122"/>
+                <a:cs typeface="Times New Roman" panose="02020603050405020304" pitchFamily="18" charset="0"/>
+              </a:rPr>
+              <a:t>基于定理证明的形式化验证技术可以看作是以软件系统为公理获得其性质的证明过程。</a:t>
+            </a:r>
+            <a:endParaRPr lang="en-US" altLang="zh-CN" sz="2000" dirty="0" smtClean="0">
+              <a:latin typeface="Times New Roman" panose="02020603050405020304" pitchFamily="18" charset="0"/>
+              <a:ea typeface="宋体" panose="02010600030101010101" pitchFamily="2" charset="-122"/>
+              <a:cs typeface="Times New Roman" panose="02020603050405020304" pitchFamily="18" charset="0"/>
+            </a:endParaRPr>
+          </a:p>
+          <a:p>
+            <a:pPr algn="just">
+              <a:spcBef>
+                <a:spcPts val="600"/>
+              </a:spcBef>
+              <a:spcAft>
+                <a:spcPts val="600"/>
+              </a:spcAft>
+              <a:buClr>
+                <a:schemeClr val="tx1"/>
+              </a:buClr>
+              <a:buFont typeface="Wingdings" panose="05000000000000000000" pitchFamily="2" charset="2"/>
+              <a:buChar char="Ø"/>
+            </a:pPr>
+            <a:r>
+              <a:rPr lang="zh-CN" altLang="en-US" sz="2000" dirty="0">
+                <a:latin typeface="Times New Roman" panose="02020603050405020304" pitchFamily="18" charset="0"/>
+                <a:ea typeface="宋体" panose="02010600030101010101" pitchFamily="2" charset="-122"/>
+                <a:cs typeface="Times New Roman" panose="02020603050405020304" pitchFamily="18" charset="0"/>
+              </a:rPr>
+              <a:t>编译器是一个符号转换程序</a:t>
+            </a:r>
+            <a:r>
+              <a:rPr lang="en-US" altLang="zh-CN" sz="2000" dirty="0">
+                <a:latin typeface="Times New Roman" panose="02020603050405020304" pitchFamily="18" charset="0"/>
+                <a:ea typeface="宋体" panose="02010600030101010101" pitchFamily="2" charset="-122"/>
+                <a:cs typeface="Times New Roman" panose="02020603050405020304" pitchFamily="18" charset="0"/>
+              </a:rPr>
+              <a:t>, </a:t>
+            </a:r>
+            <a:r>
+              <a:rPr lang="zh-CN" altLang="en-US" sz="2000" dirty="0">
+                <a:latin typeface="Times New Roman" panose="02020603050405020304" pitchFamily="18" charset="0"/>
+                <a:ea typeface="宋体" panose="02010600030101010101" pitchFamily="2" charset="-122"/>
+                <a:cs typeface="Times New Roman" panose="02020603050405020304" pitchFamily="18" charset="0"/>
+              </a:rPr>
+              <a:t>因此可以为编译过程建立完整的数学模型</a:t>
+            </a:r>
+            <a:r>
+              <a:rPr lang="en-US" altLang="zh-CN" sz="2000" dirty="0">
+                <a:latin typeface="Times New Roman" panose="02020603050405020304" pitchFamily="18" charset="0"/>
+                <a:ea typeface="宋体" panose="02010600030101010101" pitchFamily="2" charset="-122"/>
+                <a:cs typeface="Times New Roman" panose="02020603050405020304" pitchFamily="18" charset="0"/>
+              </a:rPr>
+              <a:t>, </a:t>
+            </a:r>
+            <a:r>
+              <a:rPr lang="zh-CN" altLang="en-US" sz="2000" dirty="0">
+                <a:latin typeface="Times New Roman" panose="02020603050405020304" pitchFamily="18" charset="0"/>
+                <a:ea typeface="宋体" panose="02010600030101010101" pitchFamily="2" charset="-122"/>
+                <a:cs typeface="Times New Roman" panose="02020603050405020304" pitchFamily="18" charset="0"/>
+              </a:rPr>
+              <a:t>利用这个模型方便地对编译过程正确性进行形式化证明。</a:t>
+            </a:r>
+          </a:p>
+          <a:p>
+            <a:pPr algn="just">
+              <a:spcBef>
+                <a:spcPts val="600"/>
+              </a:spcBef>
+              <a:spcAft>
+                <a:spcPts val="600"/>
+              </a:spcAft>
+              <a:buClr>
+                <a:schemeClr val="tx1"/>
+              </a:buClr>
+              <a:buFont typeface="Wingdings" panose="05000000000000000000" pitchFamily="2" charset="2"/>
+              <a:buChar char="Ø"/>
+            </a:pPr>
+            <a:r>
+              <a:rPr lang="zh-CN" altLang="en-US" sz="2000" dirty="0">
+                <a:latin typeface="Times New Roman" panose="02020603050405020304" pitchFamily="18" charset="0"/>
+                <a:ea typeface="宋体" panose="02010600030101010101" pitchFamily="2" charset="-122"/>
+                <a:cs typeface="Times New Roman" panose="02020603050405020304" pitchFamily="18" charset="0"/>
+              </a:rPr>
+              <a:t>定理证明的方法需要考虑</a:t>
+            </a:r>
+            <a:r>
+              <a:rPr lang="zh-CN" altLang="en-US" sz="2000" dirty="0" smtClean="0">
+                <a:latin typeface="Times New Roman" panose="02020603050405020304" pitchFamily="18" charset="0"/>
+                <a:ea typeface="宋体" panose="02010600030101010101" pitchFamily="2" charset="-122"/>
+                <a:cs typeface="Times New Roman" panose="02020603050405020304" pitchFamily="18" charset="0"/>
+              </a:rPr>
+              <a:t>采用哪一种逻辑系统、逻辑</a:t>
+            </a:r>
+            <a:r>
+              <a:rPr lang="zh-CN" altLang="en-US" sz="2000" dirty="0">
+                <a:latin typeface="Times New Roman" panose="02020603050405020304" pitchFamily="18" charset="0"/>
+                <a:ea typeface="宋体" panose="02010600030101010101" pitchFamily="2" charset="-122"/>
+                <a:cs typeface="Times New Roman" panose="02020603050405020304" pitchFamily="18" charset="0"/>
+              </a:rPr>
+              <a:t>表示、</a:t>
+            </a:r>
+            <a:r>
+              <a:rPr lang="zh-CN" altLang="en-US" sz="2000" dirty="0" smtClean="0">
+                <a:latin typeface="Times New Roman" panose="02020603050405020304" pitchFamily="18" charset="0"/>
+                <a:ea typeface="宋体" panose="02010600030101010101" pitchFamily="2" charset="-122"/>
+                <a:cs typeface="Times New Roman" panose="02020603050405020304" pitchFamily="18" charset="0"/>
+              </a:rPr>
+              <a:t>定理证明器</a:t>
+            </a:r>
+            <a:r>
+              <a:rPr lang="zh-CN" altLang="en-US" sz="2000" dirty="0">
+                <a:latin typeface="Times New Roman" panose="02020603050405020304" pitchFamily="18" charset="0"/>
+                <a:ea typeface="宋体" panose="02010600030101010101" pitchFamily="2" charset="-122"/>
+                <a:cs typeface="Times New Roman" panose="02020603050405020304" pitchFamily="18" charset="0"/>
+              </a:rPr>
+              <a:t>及</a:t>
+            </a:r>
+            <a:r>
+              <a:rPr lang="zh-CN" altLang="en-US" sz="2000" dirty="0" smtClean="0">
+                <a:latin typeface="Times New Roman" panose="02020603050405020304" pitchFamily="18" charset="0"/>
+                <a:ea typeface="宋体" panose="02010600030101010101" pitchFamily="2" charset="-122"/>
+                <a:cs typeface="Times New Roman" panose="02020603050405020304" pitchFamily="18" charset="0"/>
+              </a:rPr>
+              <a:t>如何</a:t>
+            </a:r>
+            <a:r>
+              <a:rPr lang="zh-CN" altLang="en-US" sz="2000" dirty="0">
+                <a:latin typeface="Times New Roman" panose="02020603050405020304" pitchFamily="18" charset="0"/>
+                <a:ea typeface="宋体" panose="02010600030101010101" pitchFamily="2" charset="-122"/>
+                <a:cs typeface="Times New Roman" panose="02020603050405020304" pitchFamily="18" charset="0"/>
+              </a:rPr>
+              <a:t>得到可执行的</a:t>
+            </a:r>
+            <a:r>
+              <a:rPr lang="zh-CN" altLang="en-US" sz="2000" dirty="0" smtClean="0">
+                <a:latin typeface="Times New Roman" panose="02020603050405020304" pitchFamily="18" charset="0"/>
+                <a:ea typeface="宋体" panose="02010600030101010101" pitchFamily="2" charset="-122"/>
+                <a:cs typeface="Times New Roman" panose="02020603050405020304" pitchFamily="18" charset="0"/>
+              </a:rPr>
+              <a:t>编译器代码</a:t>
+            </a:r>
+            <a:r>
+              <a:rPr lang="zh-CN" altLang="en-US" sz="2000" dirty="0">
+                <a:latin typeface="Times New Roman" panose="02020603050405020304" pitchFamily="18" charset="0"/>
+                <a:ea typeface="宋体" panose="02010600030101010101" pitchFamily="2" charset="-122"/>
+                <a:cs typeface="Times New Roman" panose="02020603050405020304" pitchFamily="18" charset="0"/>
+              </a:rPr>
+              <a:t>等问题。目前比较好的方式是使用编程和</a:t>
+            </a:r>
+            <a:r>
+              <a:rPr lang="zh-CN" altLang="en-US" sz="2000" dirty="0" smtClean="0">
+                <a:latin typeface="Times New Roman" panose="02020603050405020304" pitchFamily="18" charset="0"/>
+                <a:ea typeface="宋体" panose="02010600030101010101" pitchFamily="2" charset="-122"/>
+                <a:cs typeface="Times New Roman" panose="02020603050405020304" pitchFamily="18" charset="0"/>
+              </a:rPr>
+              <a:t>证明统一</a:t>
+            </a:r>
+            <a:r>
+              <a:rPr lang="zh-CN" altLang="en-US" sz="2000" dirty="0">
+                <a:latin typeface="Times New Roman" panose="02020603050405020304" pitchFamily="18" charset="0"/>
+                <a:ea typeface="宋体" panose="02010600030101010101" pitchFamily="2" charset="-122"/>
+                <a:cs typeface="Times New Roman" panose="02020603050405020304" pitchFamily="18" charset="0"/>
+              </a:rPr>
+              <a:t>的逻辑框架</a:t>
+            </a:r>
+            <a:r>
+              <a:rPr lang="en-US" altLang="zh-CN" sz="2000" dirty="0">
+                <a:latin typeface="Times New Roman" panose="02020603050405020304" pitchFamily="18" charset="0"/>
+                <a:ea typeface="宋体" panose="02010600030101010101" pitchFamily="2" charset="-122"/>
+                <a:cs typeface="Times New Roman" panose="02020603050405020304" pitchFamily="18" charset="0"/>
+              </a:rPr>
+              <a:t>, </a:t>
+            </a:r>
+            <a:r>
+              <a:rPr lang="zh-CN" altLang="en-US" sz="2000" dirty="0">
+                <a:latin typeface="Times New Roman" panose="02020603050405020304" pitchFamily="18" charset="0"/>
+                <a:ea typeface="宋体" panose="02010600030101010101" pitchFamily="2" charset="-122"/>
+                <a:cs typeface="Times New Roman" panose="02020603050405020304" pitchFamily="18" charset="0"/>
+              </a:rPr>
+              <a:t>如 </a:t>
+            </a:r>
+            <a:r>
+              <a:rPr lang="en-US" altLang="zh-CN" sz="2000" dirty="0">
+                <a:latin typeface="Times New Roman" panose="02020603050405020304" pitchFamily="18" charset="0"/>
+                <a:ea typeface="宋体" panose="02010600030101010101" pitchFamily="2" charset="-122"/>
+                <a:cs typeface="Times New Roman" panose="02020603050405020304" pitchFamily="18" charset="0"/>
+              </a:rPr>
+              <a:t>Coq</a:t>
+            </a:r>
+            <a:r>
+              <a:rPr lang="zh-CN" altLang="en-US" sz="2000" dirty="0">
+                <a:latin typeface="Times New Roman" panose="02020603050405020304" pitchFamily="18" charset="0"/>
+                <a:ea typeface="宋体" panose="02010600030101010101" pitchFamily="2" charset="-122"/>
+                <a:cs typeface="Times New Roman" panose="02020603050405020304" pitchFamily="18" charset="0"/>
+              </a:rPr>
+              <a:t>、</a:t>
+            </a:r>
+            <a:r>
+              <a:rPr lang="en-US" altLang="zh-CN" sz="2000" dirty="0" err="1">
+                <a:latin typeface="Times New Roman" panose="02020603050405020304" pitchFamily="18" charset="0"/>
+                <a:ea typeface="宋体" panose="02010600030101010101" pitchFamily="2" charset="-122"/>
+                <a:cs typeface="Times New Roman" panose="02020603050405020304" pitchFamily="18" charset="0"/>
+              </a:rPr>
+              <a:t>Twelf</a:t>
+            </a:r>
+            <a:r>
+              <a:rPr lang="zh-CN" altLang="en-US" sz="2000" dirty="0">
+                <a:latin typeface="Times New Roman" panose="02020603050405020304" pitchFamily="18" charset="0"/>
+                <a:ea typeface="宋体" panose="02010600030101010101" pitchFamily="2" charset="-122"/>
+                <a:cs typeface="Times New Roman" panose="02020603050405020304" pitchFamily="18" charset="0"/>
+              </a:rPr>
+              <a:t>、</a:t>
+            </a:r>
+            <a:r>
+              <a:rPr lang="en-US" altLang="zh-CN" sz="2000" dirty="0">
+                <a:latin typeface="Times New Roman" panose="02020603050405020304" pitchFamily="18" charset="0"/>
+                <a:ea typeface="宋体" panose="02010600030101010101" pitchFamily="2" charset="-122"/>
+                <a:cs typeface="Times New Roman" panose="02020603050405020304" pitchFamily="18" charset="0"/>
+              </a:rPr>
+              <a:t>Isabelle </a:t>
+            </a:r>
+            <a:r>
+              <a:rPr lang="zh-CN" altLang="en-US" sz="2000" dirty="0" smtClean="0">
+                <a:latin typeface="Times New Roman" panose="02020603050405020304" pitchFamily="18" charset="0"/>
+                <a:ea typeface="宋体" panose="02010600030101010101" pitchFamily="2" charset="-122"/>
+                <a:cs typeface="Times New Roman" panose="02020603050405020304" pitchFamily="18" charset="0"/>
+              </a:rPr>
+              <a:t>等。</a:t>
+            </a:r>
+            <a:endParaRPr lang="en-US" altLang="zh-CN" sz="2000" dirty="0">
+              <a:latin typeface="Times New Roman" panose="02020603050405020304" pitchFamily="18" charset="0"/>
+              <a:ea typeface="宋体" panose="02010600030101010101" pitchFamily="2" charset="-122"/>
+              <a:cs typeface="Times New Roman" panose="02020603050405020304" pitchFamily="18" charset="0"/>
+            </a:endParaRPr>
+          </a:p>
+          <a:p>
+            <a:pPr algn="just">
               <a:spcBef>
                 <a:spcPts val="600"/>
               </a:spcBef>
@@ -6484,42 +6850,7 @@
               <a:buFont typeface="Wingdings" panose="05000000000000000000" pitchFamily="2" charset="2"/>
               <a:buChar char="Ø"/>
             </a:pPr>
-            <a:r>
-              <a:rPr lang="en-US" altLang="zh-CN" sz="2000" dirty="0" smtClean="0">
-                <a:latin typeface="Times New Roman" panose="02020603050405020304" pitchFamily="18" charset="0"/>
-                <a:ea typeface="宋体" panose="02010600030101010101" pitchFamily="2" charset="-122"/>
-                <a:cs typeface="Times New Roman" panose="02020603050405020304" pitchFamily="18" charset="0"/>
-              </a:rPr>
-              <a:t>B</a:t>
-            </a:r>
-            <a:r>
-              <a:rPr lang="zh-CN" altLang="en-US" sz="2000" dirty="0" smtClean="0">
-                <a:latin typeface="Times New Roman" panose="02020603050405020304" pitchFamily="18" charset="0"/>
-                <a:ea typeface="宋体" panose="02010600030101010101" pitchFamily="2" charset="-122"/>
-                <a:cs typeface="Times New Roman" panose="02020603050405020304" pitchFamily="18" charset="0"/>
-              </a:rPr>
-              <a:t>方法通过对最初的抽象模型</a:t>
-            </a:r>
-            <a:r>
-              <a:rPr lang="zh-CN" altLang="en-US" sz="2000" dirty="0" smtClean="0">
-                <a:solidFill>
-                  <a:srgbClr val="FF0000"/>
-                </a:solidFill>
-                <a:latin typeface="Times New Roman" panose="02020603050405020304" pitchFamily="18" charset="0"/>
-                <a:ea typeface="宋体" panose="02010600030101010101" pitchFamily="2" charset="-122"/>
-                <a:cs typeface="Times New Roman" panose="02020603050405020304" pitchFamily="18" charset="0"/>
-              </a:rPr>
-              <a:t>逐步精化</a:t>
-            </a:r>
-            <a:r>
-              <a:rPr lang="zh-CN" altLang="en-US" sz="2000" dirty="0" smtClean="0">
-                <a:latin typeface="Times New Roman" panose="02020603050405020304" pitchFamily="18" charset="0"/>
-                <a:ea typeface="宋体" panose="02010600030101010101" pitchFamily="2" charset="-122"/>
-                <a:cs typeface="Times New Roman" panose="02020603050405020304" pitchFamily="18" charset="0"/>
-              </a:rPr>
-              <a:t>来实现最终的系统。</a:t>
-            </a:r>
-            <a:endParaRPr lang="en-US" altLang="zh-CN" sz="2000" dirty="0" smtClean="0">
+            <a:endParaRPr lang="en-US" altLang="zh-CN" sz="2000" dirty="0">
               <a:latin typeface="Times New Roman" panose="02020603050405020304" pitchFamily="18" charset="0"/>
               <a:ea typeface="宋体" panose="02010600030101010101" pitchFamily="2" charset="-122"/>
               <a:cs typeface="Times New Roman" panose="02020603050405020304" pitchFamily="18" charset="0"/>
@@ -6527,9 +6858,6 @@
           </a:p>
           <a:p>
             <a:pPr algn="just">
-              <a:lnSpc>
-                <a:spcPct val="150000"/>
-              </a:lnSpc>
               <a:spcBef>
                 <a:spcPts val="600"/>
               </a:spcBef>
@@ -6539,98 +6867,20 @@
               <a:buFont typeface="Wingdings" panose="05000000000000000000" pitchFamily="2" charset="2"/>
               <a:buChar char="Ø"/>
             </a:pPr>
-            <a:r>
-              <a:rPr lang="en-US" altLang="zh-CN" sz="2000" dirty="0" smtClean="0">
-                <a:latin typeface="Times New Roman" panose="02020603050405020304" pitchFamily="18" charset="0"/>
-                <a:ea typeface="宋体" panose="02010600030101010101" pitchFamily="2" charset="-122"/>
-                <a:cs typeface="Times New Roman" panose="02020603050405020304" pitchFamily="18" charset="0"/>
-              </a:rPr>
-              <a:t>B</a:t>
-            </a:r>
-            <a:r>
-              <a:rPr lang="zh-CN" altLang="en-US" sz="2000" dirty="0" smtClean="0">
-                <a:latin typeface="Times New Roman" panose="02020603050405020304" pitchFamily="18" charset="0"/>
-                <a:ea typeface="宋体" panose="02010600030101010101" pitchFamily="2" charset="-122"/>
-                <a:cs typeface="Times New Roman" panose="02020603050405020304" pitchFamily="18" charset="0"/>
-              </a:rPr>
-              <a:t>方法的</a:t>
-            </a:r>
-            <a:r>
-              <a:rPr lang="zh-CN" altLang="en-US" sz="2000" dirty="0" smtClean="0">
-                <a:solidFill>
-                  <a:srgbClr val="FF0000"/>
-                </a:solidFill>
-                <a:latin typeface="Times New Roman" panose="02020603050405020304" pitchFamily="18" charset="0"/>
-                <a:ea typeface="宋体" panose="02010600030101010101" pitchFamily="2" charset="-122"/>
-                <a:cs typeface="Times New Roman" panose="02020603050405020304" pitchFamily="18" charset="0"/>
-              </a:rPr>
-              <a:t>精化过程十分复杂</a:t>
-            </a:r>
-            <a:r>
-              <a:rPr lang="zh-CN" altLang="en-US" sz="2000" dirty="0" smtClean="0">
-                <a:latin typeface="Times New Roman" panose="02020603050405020304" pitchFamily="18" charset="0"/>
-                <a:ea typeface="宋体" panose="02010600030101010101" pitchFamily="2" charset="-122"/>
-                <a:cs typeface="Times New Roman" panose="02020603050405020304" pitchFamily="18" charset="0"/>
-              </a:rPr>
-              <a:t>，甚至比实际编码还要复杂，而且</a:t>
-            </a:r>
-            <a:r>
-              <a:rPr lang="zh-CN" altLang="en-US" sz="2000" dirty="0" smtClean="0">
-                <a:solidFill>
-                  <a:srgbClr val="FF0000"/>
-                </a:solidFill>
-                <a:latin typeface="Times New Roman" panose="02020603050405020304" pitchFamily="18" charset="0"/>
-                <a:ea typeface="宋体" panose="02010600030101010101" pitchFamily="2" charset="-122"/>
-                <a:cs typeface="Times New Roman" panose="02020603050405020304" pitchFamily="18" charset="0"/>
-              </a:rPr>
-              <a:t>每次精华</a:t>
-            </a:r>
-            <a:r>
-              <a:rPr lang="zh-CN" altLang="en-US" sz="2000" dirty="0" smtClean="0">
-                <a:latin typeface="Times New Roman" panose="02020603050405020304" pitchFamily="18" charset="0"/>
-                <a:ea typeface="宋体" panose="02010600030101010101" pitchFamily="2" charset="-122"/>
-                <a:cs typeface="Times New Roman" panose="02020603050405020304" pitchFamily="18" charset="0"/>
-              </a:rPr>
-              <a:t>会产生</a:t>
-            </a:r>
-            <a:r>
-              <a:rPr lang="zh-CN" altLang="en-US" sz="2000" dirty="0" smtClean="0">
-                <a:solidFill>
-                  <a:srgbClr val="FF0000"/>
-                </a:solidFill>
-                <a:latin typeface="Times New Roman" panose="02020603050405020304" pitchFamily="18" charset="0"/>
-                <a:ea typeface="宋体" panose="02010600030101010101" pitchFamily="2" charset="-122"/>
-                <a:cs typeface="Times New Roman" panose="02020603050405020304" pitchFamily="18" charset="0"/>
-              </a:rPr>
-              <a:t>大量的证明义务</a:t>
-            </a:r>
-            <a:r>
-              <a:rPr lang="zh-CN" altLang="en-US" sz="2000" dirty="0" smtClean="0">
-                <a:latin typeface="Times New Roman" panose="02020603050405020304" pitchFamily="18" charset="0"/>
-                <a:ea typeface="宋体" panose="02010600030101010101" pitchFamily="2" charset="-122"/>
-                <a:cs typeface="Times New Roman" panose="02020603050405020304" pitchFamily="18" charset="0"/>
-              </a:rPr>
-              <a:t>，</a:t>
-            </a:r>
-            <a:r>
-              <a:rPr lang="zh-CN" altLang="en-US" sz="2000" dirty="0" smtClean="0">
-                <a:solidFill>
-                  <a:srgbClr val="FF0000"/>
-                </a:solidFill>
-                <a:latin typeface="Times New Roman" panose="02020603050405020304" pitchFamily="18" charset="0"/>
-                <a:ea typeface="宋体" panose="02010600030101010101" pitchFamily="2" charset="-122"/>
-                <a:cs typeface="Times New Roman" panose="02020603050405020304" pitchFamily="18" charset="0"/>
-              </a:rPr>
-              <a:t>依赖于循环不变式</a:t>
-            </a:r>
-            <a:r>
-              <a:rPr lang="zh-CN" altLang="en-US" sz="2000" dirty="0" smtClean="0">
-                <a:latin typeface="Times New Roman" panose="02020603050405020304" pitchFamily="18" charset="0"/>
-                <a:ea typeface="宋体" panose="02010600030101010101" pitchFamily="2" charset="-122"/>
-                <a:cs typeface="Times New Roman" panose="02020603050405020304" pitchFamily="18" charset="0"/>
-              </a:rPr>
-              <a:t>，证明困难，开发成本高，开发周期长。</a:t>
-            </a:r>
+            <a:endParaRPr lang="en-US" altLang="zh-CN" sz="2000" dirty="0">
+              <a:latin typeface="Times New Roman" panose="02020603050405020304" pitchFamily="18" charset="0"/>
+              <a:ea typeface="宋体" panose="02010600030101010101" pitchFamily="2" charset="-122"/>
+              <a:cs typeface="Times New Roman" panose="02020603050405020304" pitchFamily="18" charset="0"/>
+            </a:endParaRPr>
+          </a:p>
+          <a:p>
+            <a:pPr>
+              <a:lnSpc>
+                <a:spcPct val="150000"/>
+              </a:lnSpc>
+              <a:buFont typeface="Wingdings" panose="05000000000000000000" pitchFamily="2" charset="2"/>
+              <a:buChar char="Ø"/>
+            </a:pPr>
             <a:endParaRPr lang="en-US" altLang="zh-CN" sz="2000" dirty="0">
               <a:latin typeface="Times New Roman" panose="02020603050405020304" pitchFamily="18" charset="0"/>
               <a:ea typeface="宋体" panose="02010600030101010101" pitchFamily="2" charset="-122"/>
@@ -6704,43 +6954,10 @@
                 <a:ea typeface="宋体" panose="02010600030101010101" pitchFamily="2" charset="-122"/>
                 <a:cs typeface="Times New Roman" panose="02020603050405020304" pitchFamily="18" charset="0"/>
               </a:rPr>
-              <a:t>形式化方法 </a:t>
-            </a:r>
-            <a:r>
-              <a:rPr kumimoji="1" lang="en-US" altLang="zh-CN" sz="2000" b="1" dirty="0" smtClean="0">
-                <a:solidFill>
-                  <a:schemeClr val="tx1"/>
-                </a:solidFill>
-                <a:latin typeface="Times New Roman" panose="02020603050405020304" pitchFamily="18" charset="0"/>
-                <a:ea typeface="宋体" panose="02010600030101010101" pitchFamily="2" charset="-122"/>
-                <a:cs typeface="Times New Roman" panose="02020603050405020304" pitchFamily="18" charset="0"/>
-              </a:rPr>
-              <a:t>—— </a:t>
-            </a:r>
-            <a:r>
-              <a:rPr kumimoji="1" lang="zh-CN" altLang="en-US" sz="2000" b="1" dirty="0" smtClean="0">
-                <a:solidFill>
-                  <a:schemeClr val="tx1"/>
-                </a:solidFill>
-                <a:latin typeface="Times New Roman" panose="02020603050405020304" pitchFamily="18" charset="0"/>
-                <a:ea typeface="宋体" panose="02010600030101010101" pitchFamily="2" charset="-122"/>
-                <a:cs typeface="Times New Roman" panose="02020603050405020304" pitchFamily="18" charset="0"/>
-              </a:rPr>
-              <a:t>典型的</a:t>
-            </a:r>
-            <a:r>
-              <a:rPr kumimoji="1" lang="en-US" altLang="zh-CN" sz="2000" b="1" dirty="0" smtClean="0">
-                <a:solidFill>
-                  <a:schemeClr val="tx1"/>
-                </a:solidFill>
-                <a:latin typeface="Times New Roman" panose="02020603050405020304" pitchFamily="18" charset="0"/>
-                <a:ea typeface="宋体" panose="02010600030101010101" pitchFamily="2" charset="-122"/>
-                <a:cs typeface="Times New Roman" panose="02020603050405020304" pitchFamily="18" charset="0"/>
-              </a:rPr>
-              <a:t>B</a:t>
-            </a:r>
-            <a:r>
-              <a:rPr kumimoji="1" lang="zh-CN" altLang="en-US" sz="2000" b="1" dirty="0" smtClean="0">
+              <a:t>定理证明</a:t>
+            </a:r>
+            <a:r>
+              <a:rPr kumimoji="1" lang="zh-CN" altLang="en-US" sz="2000" b="1" dirty="0">
                 <a:solidFill>
                   <a:schemeClr val="tx1"/>
                 </a:solidFill>
@@ -6764,7 +6981,7 @@
     </p:spTree>
     <p:extLst>
       <p:ext uri="{BB962C8B-B14F-4D97-AF65-F5344CB8AC3E}">
-        <p14:creationId xmlns:p14="http://schemas.microsoft.com/office/powerpoint/2010/main" val="3042729933"/>
+        <p14:creationId xmlns:p14="http://schemas.microsoft.com/office/powerpoint/2010/main" val="2345455859"/>
       </p:ext>
     </p:extLst>
   </p:cSld>
@@ -6858,132 +7075,6 @@
             </a:endParaRPr>
           </a:p>
           <a:p>
-            <a:pPr algn="just">
-              <a:spcBef>
-                <a:spcPts val="600"/>
-              </a:spcBef>
-              <a:spcAft>
-                <a:spcPts val="600"/>
-              </a:spcAft>
-              <a:buFont typeface="Wingdings" panose="05000000000000000000" pitchFamily="2" charset="2"/>
-              <a:buChar char="Ø"/>
-            </a:pPr>
-            <a:r>
-              <a:rPr lang="en-US" altLang="zh-CN" sz="2000" dirty="0" smtClean="0">
-                <a:latin typeface="Times New Roman" panose="02020603050405020304" pitchFamily="18" charset="0"/>
-                <a:ea typeface="宋体" panose="02010600030101010101" pitchFamily="2" charset="-122"/>
-                <a:cs typeface="Times New Roman" panose="02020603050405020304" pitchFamily="18" charset="0"/>
-              </a:rPr>
-              <a:t>Coq</a:t>
-            </a:r>
-            <a:r>
-              <a:rPr lang="en-US" altLang="zh-CN" sz="2000" baseline="30000" dirty="0" smtClean="0">
-                <a:latin typeface="Times New Roman" panose="02020603050405020304" pitchFamily="18" charset="0"/>
-                <a:ea typeface="宋体" panose="02010600030101010101" pitchFamily="2" charset="-122"/>
-                <a:cs typeface="Times New Roman" panose="02020603050405020304" pitchFamily="18" charset="0"/>
-              </a:rPr>
-              <a:t>[10, 13]</a:t>
-            </a:r>
-            <a:r>
-              <a:rPr lang="zh-CN" altLang="en-US" sz="2000" dirty="0" smtClean="0">
-                <a:latin typeface="Times New Roman" panose="02020603050405020304" pitchFamily="18" charset="0"/>
-                <a:ea typeface="宋体" panose="02010600030101010101" pitchFamily="2" charset="-122"/>
-                <a:cs typeface="Times New Roman" panose="02020603050405020304" pitchFamily="18" charset="0"/>
-              </a:rPr>
-              <a:t>基于</a:t>
-            </a:r>
-            <a:r>
-              <a:rPr lang="zh-CN" altLang="en-US" sz="2000" dirty="0" smtClean="0">
-                <a:solidFill>
-                  <a:srgbClr val="FF0000"/>
-                </a:solidFill>
-                <a:latin typeface="Times New Roman" panose="02020603050405020304" pitchFamily="18" charset="0"/>
-                <a:ea typeface="宋体" panose="02010600030101010101" pitchFamily="2" charset="-122"/>
-                <a:cs typeface="Times New Roman" panose="02020603050405020304" pitchFamily="18" charset="0"/>
-              </a:rPr>
-              <a:t>高阶逻辑</a:t>
-            </a:r>
-            <a:r>
-              <a:rPr lang="zh-CN" altLang="en-US" sz="2000" dirty="0" smtClean="0">
-                <a:latin typeface="Times New Roman" panose="02020603050405020304" pitchFamily="18" charset="0"/>
-                <a:ea typeface="宋体" panose="02010600030101010101" pitchFamily="2" charset="-122"/>
-                <a:cs typeface="Times New Roman" panose="02020603050405020304" pitchFamily="18" charset="0"/>
-              </a:rPr>
-              <a:t>的定理证明工具。</a:t>
-            </a:r>
-            <a:endParaRPr lang="en-US" altLang="zh-CN" sz="2000" dirty="0" smtClean="0">
-              <a:latin typeface="Times New Roman" panose="02020603050405020304" pitchFamily="18" charset="0"/>
-              <a:ea typeface="宋体" panose="02010600030101010101" pitchFamily="2" charset="-122"/>
-              <a:cs typeface="Times New Roman" panose="02020603050405020304" pitchFamily="18" charset="0"/>
-            </a:endParaRPr>
-          </a:p>
-          <a:p>
-            <a:pPr algn="just">
-              <a:lnSpc>
-                <a:spcPct val="150000"/>
-              </a:lnSpc>
-              <a:spcBef>
-                <a:spcPts val="600"/>
-              </a:spcBef>
-              <a:spcAft>
-                <a:spcPts val="600"/>
-              </a:spcAft>
-              <a:buFont typeface="Wingdings" panose="05000000000000000000" pitchFamily="2" charset="2"/>
-              <a:buChar char="Ø"/>
-            </a:pPr>
-            <a:r>
-              <a:rPr lang="zh-CN" altLang="en-US" sz="2000" dirty="0" smtClean="0">
-                <a:latin typeface="Times New Roman" panose="02020603050405020304" pitchFamily="18" charset="0"/>
-                <a:ea typeface="宋体" panose="02010600030101010101" pitchFamily="2" charset="-122"/>
-                <a:cs typeface="Times New Roman" panose="02020603050405020304" pitchFamily="18" charset="0"/>
-              </a:rPr>
-              <a:t>由两部分组成：</a:t>
-            </a:r>
-            <a:r>
-              <a:rPr lang="zh-CN" altLang="en-US" sz="2000" dirty="0" smtClean="0">
-                <a:solidFill>
-                  <a:srgbClr val="FF0000"/>
-                </a:solidFill>
-                <a:latin typeface="Times New Roman" panose="02020603050405020304" pitchFamily="18" charset="0"/>
-                <a:ea typeface="宋体" panose="02010600030101010101" pitchFamily="2" charset="-122"/>
-                <a:cs typeface="Times New Roman" panose="02020603050405020304" pitchFamily="18" charset="0"/>
-              </a:rPr>
-              <a:t>证明开发系统</a:t>
-            </a:r>
-            <a:r>
-              <a:rPr lang="zh-CN" altLang="en-US" sz="2000" dirty="0" smtClean="0">
-                <a:latin typeface="Times New Roman" panose="02020603050405020304" pitchFamily="18" charset="0"/>
-                <a:ea typeface="宋体" panose="02010600030101010101" pitchFamily="2" charset="-122"/>
-                <a:cs typeface="Times New Roman" panose="02020603050405020304" pitchFamily="18" charset="0"/>
-              </a:rPr>
-              <a:t>和</a:t>
-            </a:r>
-            <a:r>
-              <a:rPr lang="zh-CN" altLang="en-US" sz="2000" dirty="0" smtClean="0">
-                <a:solidFill>
-                  <a:srgbClr val="FF0000"/>
-                </a:solidFill>
-                <a:latin typeface="Times New Roman" panose="02020603050405020304" pitchFamily="18" charset="0"/>
-                <a:ea typeface="宋体" panose="02010600030101010101" pitchFamily="2" charset="-122"/>
-                <a:cs typeface="Times New Roman" panose="02020603050405020304" pitchFamily="18" charset="0"/>
-              </a:rPr>
-              <a:t>证明检查器</a:t>
-            </a:r>
-            <a:r>
-              <a:rPr lang="zh-CN" altLang="en-US" sz="2000" dirty="0" smtClean="0">
-                <a:latin typeface="Times New Roman" panose="02020603050405020304" pitchFamily="18" charset="0"/>
-                <a:ea typeface="宋体" panose="02010600030101010101" pitchFamily="2" charset="-122"/>
-                <a:cs typeface="Times New Roman" panose="02020603050405020304" pitchFamily="18" charset="0"/>
-              </a:rPr>
-              <a:t>。</a:t>
-            </a:r>
-            <a:endParaRPr lang="en-US" altLang="zh-CN" sz="2000" dirty="0">
-              <a:latin typeface="Times New Roman" panose="02020603050405020304" pitchFamily="18" charset="0"/>
-              <a:ea typeface="宋体" panose="02010600030101010101" pitchFamily="2" charset="-122"/>
-              <a:cs typeface="Times New Roman" panose="02020603050405020304" pitchFamily="18" charset="0"/>
-            </a:endParaRPr>
-          </a:p>
-          <a:p>
             <a:pPr>
               <a:lnSpc>
                 <a:spcPct val="150000"/>
@@ -6992,28 +7083,102 @@
               <a:buChar char="Ø"/>
             </a:pPr>
             <a:r>
+              <a:rPr lang="zh-CN" altLang="en-US" sz="2000" dirty="0">
+                <a:latin typeface="Times New Roman" panose="02020603050405020304" pitchFamily="18" charset="0"/>
+                <a:ea typeface="宋体" panose="02010600030101010101" pitchFamily="2" charset="-122"/>
+                <a:cs typeface="Times New Roman" panose="02020603050405020304" pitchFamily="18" charset="0"/>
+              </a:rPr>
+              <a:t>编译正确性可以用如下等式来表示</a:t>
+            </a:r>
+            <a:r>
               <a:rPr lang="zh-CN" altLang="en-US" sz="2000" dirty="0" smtClean="0">
                 <a:latin typeface="Times New Roman" panose="02020603050405020304" pitchFamily="18" charset="0"/>
                 <a:ea typeface="宋体" panose="02010600030101010101" pitchFamily="2" charset="-122"/>
                 <a:cs typeface="Times New Roman" panose="02020603050405020304" pitchFamily="18" charset="0"/>
               </a:rPr>
-              <a:t>使用规约语言</a:t>
-            </a:r>
-            <a:r>
-              <a:rPr lang="en-US" altLang="zh-CN" sz="2000" dirty="0" smtClean="0">
-                <a:latin typeface="Times New Roman" panose="02020603050405020304" pitchFamily="18" charset="0"/>
-                <a:ea typeface="宋体" panose="02010600030101010101" pitchFamily="2" charset="-122"/>
-                <a:cs typeface="Times New Roman" panose="02020603050405020304" pitchFamily="18" charset="0"/>
-              </a:rPr>
-              <a:t>Gallina</a:t>
-            </a:r>
+              <a:t>：</a:t>
+            </a:r>
+            <a:endParaRPr lang="en-US" altLang="zh-CN" sz="2000" dirty="0" smtClean="0">
+              <a:latin typeface="Times New Roman" panose="02020603050405020304" pitchFamily="18" charset="0"/>
+              <a:ea typeface="宋体" panose="02010600030101010101" pitchFamily="2" charset="-122"/>
+              <a:cs typeface="Times New Roman" panose="02020603050405020304" pitchFamily="18" charset="0"/>
+            </a:endParaRPr>
+          </a:p>
+          <a:p>
+            <a:pPr marL="0" indent="0" algn="ctr">
+              <a:lnSpc>
+                <a:spcPct val="150000"/>
+              </a:lnSpc>
+              <a:buNone/>
+            </a:pPr>
+            <a:r>
+              <a:rPr lang="en-US" altLang="zh-CN" sz="2000" i="1" dirty="0"/>
+              <a:t>encode(</a:t>
+            </a:r>
+            <a:r>
+              <a:rPr lang="en-US" altLang="zh-CN" sz="2000" i="1" dirty="0" err="1"/>
+              <a:t>semantics</a:t>
+            </a:r>
+            <a:r>
+              <a:rPr lang="en-US" altLang="zh-CN" sz="2000" i="1" baseline="-25000" dirty="0" err="1"/>
+              <a:t>source</a:t>
+            </a:r>
+            <a:r>
+              <a:rPr lang="en-US" altLang="zh-CN" sz="2000" i="1" dirty="0"/>
+              <a:t>(P)) = </a:t>
+            </a:r>
+            <a:r>
+              <a:rPr lang="en-US" altLang="zh-CN" sz="2000" i="1" dirty="0" err="1"/>
+              <a:t>semantics</a:t>
+            </a:r>
+            <a:r>
+              <a:rPr lang="en-US" altLang="zh-CN" sz="2000" i="1" baseline="-25000" dirty="0" err="1"/>
+              <a:t>target</a:t>
+            </a:r>
+            <a:r>
+              <a:rPr lang="en-US" altLang="zh-CN" sz="2000" i="1" dirty="0"/>
+              <a:t>(compile(P))</a:t>
+            </a:r>
+            <a:endParaRPr lang="zh-CN" altLang="zh-CN" sz="2000" dirty="0"/>
+          </a:p>
+          <a:p>
+            <a:pPr marL="0" indent="0">
+              <a:lnSpc>
+                <a:spcPct val="150000"/>
+              </a:lnSpc>
+              <a:buNone/>
+            </a:pPr>
             <a:r>
               <a:rPr lang="zh-CN" altLang="en-US" sz="2000" dirty="0" smtClean="0">
                 <a:latin typeface="Times New Roman" panose="02020603050405020304" pitchFamily="18" charset="0"/>
                 <a:ea typeface="宋体" panose="02010600030101010101" pitchFamily="2" charset="-122"/>
                 <a:cs typeface="Times New Roman" panose="02020603050405020304" pitchFamily="18" charset="0"/>
               </a:rPr>
-              <a:t>表示程序、程序属性和属性的证明。</a:t>
+              <a:t>程序</a:t>
+            </a:r>
+            <a:r>
+              <a:rPr lang="en-US" altLang="zh-CN" sz="2000" dirty="0">
+                <a:latin typeface="Times New Roman" panose="02020603050405020304" pitchFamily="18" charset="0"/>
+                <a:ea typeface="宋体" panose="02010600030101010101" pitchFamily="2" charset="-122"/>
+                <a:cs typeface="Times New Roman" panose="02020603050405020304" pitchFamily="18" charset="0"/>
+              </a:rPr>
+              <a:t>P</a:t>
+            </a:r>
+            <a:r>
+              <a:rPr lang="zh-CN" altLang="en-US" sz="2000" dirty="0">
+                <a:latin typeface="Times New Roman" panose="02020603050405020304" pitchFamily="18" charset="0"/>
+                <a:ea typeface="宋体" panose="02010600030101010101" pitchFamily="2" charset="-122"/>
+                <a:cs typeface="Times New Roman" panose="02020603050405020304" pitchFamily="18" charset="0"/>
+              </a:rPr>
+              <a:t>可以使用不同的语义来解释，如操作语义、公理语义、指称语义</a:t>
+            </a:r>
+            <a:r>
+              <a:rPr lang="zh-CN" altLang="en-US" sz="2000" dirty="0" smtClean="0">
+                <a:latin typeface="Times New Roman" panose="02020603050405020304" pitchFamily="18" charset="0"/>
+                <a:ea typeface="宋体" panose="02010600030101010101" pitchFamily="2" charset="-122"/>
+                <a:cs typeface="Times New Roman" panose="02020603050405020304" pitchFamily="18" charset="0"/>
+              </a:rPr>
+              <a:t>等。</a:t>
             </a:r>
             <a:endParaRPr lang="en-US" altLang="zh-CN" sz="2000" dirty="0" smtClean="0">
               <a:latin typeface="Times New Roman" panose="02020603050405020304" pitchFamily="18" charset="0"/>
@@ -7026,33 +7191,32 @@
               <a:lnSpc>
                 <a:spcPct val="150000"/>
               </a:lnSpc>
-              <a:buClr>
-                <a:schemeClr val="tx1"/>
-              </a:buClr>
               <a:buFont typeface="Wingdings" panose="05000000000000000000" pitchFamily="2" charset="2"/>
               <a:buChar char="Ø"/>
             </a:pPr>
             <a:r>
+              <a:rPr lang="zh-CN" altLang="en-US" sz="2000" dirty="0">
+                <a:latin typeface="Times New Roman" panose="02020603050405020304" pitchFamily="18" charset="0"/>
+                <a:ea typeface="宋体" panose="02010600030101010101" pitchFamily="2" charset="-122"/>
+                <a:cs typeface="Times New Roman" panose="02020603050405020304" pitchFamily="18" charset="0"/>
+              </a:rPr>
+              <a:t>翻译</a:t>
+            </a:r>
+            <a:r>
               <a:rPr lang="zh-CN" altLang="en-US" sz="2000" dirty="0" smtClean="0">
-                <a:solidFill>
-                  <a:srgbClr val="FF0000"/>
-                </a:solidFill>
-                <a:latin typeface="Times New Roman" panose="02020603050405020304" pitchFamily="18" charset="0"/>
-                <a:ea typeface="宋体" panose="02010600030101010101" pitchFamily="2" charset="-122"/>
-                <a:cs typeface="Times New Roman" panose="02020603050405020304" pitchFamily="18" charset="0"/>
-              </a:rPr>
-              <a:t>严重</a:t>
-            </a:r>
-            <a:r>
-              <a:rPr lang="zh-CN" altLang="en-US" sz="2000" dirty="0" smtClean="0">
-                <a:solidFill>
-                  <a:srgbClr val="FF0000"/>
-                </a:solidFill>
-                <a:latin typeface="Times New Roman" panose="02020603050405020304" pitchFamily="18" charset="0"/>
-                <a:ea typeface="宋体" panose="02010600030101010101" pitchFamily="2" charset="-122"/>
-                <a:cs typeface="Times New Roman" panose="02020603050405020304" pitchFamily="18" charset="0"/>
-              </a:rPr>
-              <a:t>依赖与人的交互，自动化能力不强，交互门槛高，难度大</a:t>
+                <a:latin typeface="Times New Roman" panose="02020603050405020304" pitchFamily="18" charset="0"/>
+                <a:ea typeface="宋体" panose="02010600030101010101" pitchFamily="2" charset="-122"/>
+                <a:cs typeface="Times New Roman" panose="02020603050405020304" pitchFamily="18" charset="0"/>
+              </a:rPr>
+              <a:t>确认是</a:t>
+            </a:r>
+            <a:r>
+              <a:rPr lang="zh-CN" altLang="en-US" sz="2000" dirty="0">
+                <a:latin typeface="Times New Roman" panose="02020603050405020304" pitchFamily="18" charset="0"/>
+                <a:ea typeface="宋体" panose="02010600030101010101" pitchFamily="2" charset="-122"/>
+                <a:cs typeface="Times New Roman" panose="02020603050405020304" pitchFamily="18" charset="0"/>
+              </a:rPr>
+              <a:t>一种用于确认编译器或代码生成器的源和目标之间的语义等价性的形式化方法，它通过证明源代码和目标代码的语义等价性来证明编译器的正确性</a:t>
             </a:r>
             <a:r>
               <a:rPr lang="zh-CN" altLang="en-US" sz="2000" dirty="0" smtClean="0">
@@ -7073,54 +7237,42 @@
               <a:lnSpc>
                 <a:spcPct val="150000"/>
               </a:lnSpc>
-              <a:buClr>
-                <a:schemeClr val="tx1"/>
-              </a:buClr>
               <a:buFont typeface="Wingdings" panose="05000000000000000000" pitchFamily="2" charset="2"/>
               <a:buChar char="Ø"/>
             </a:pPr>
             <a:r>
+              <a:rPr lang="zh-CN" altLang="en-US" sz="2000" dirty="0" smtClean="0">
+                <a:latin typeface="Times New Roman" panose="02020603050405020304" pitchFamily="18" charset="0"/>
+                <a:ea typeface="宋体" panose="02010600030101010101" pitchFamily="2" charset="-122"/>
+                <a:cs typeface="Times New Roman" panose="02020603050405020304" pitchFamily="18" charset="0"/>
+              </a:rPr>
+              <a:t>翻译</a:t>
+            </a:r>
+            <a:r>
               <a:rPr lang="zh-CN" altLang="en-US" sz="2000" dirty="0">
                 <a:latin typeface="Times New Roman" panose="02020603050405020304" pitchFamily="18" charset="0"/>
                 <a:ea typeface="宋体" panose="02010600030101010101" pitchFamily="2" charset="-122"/>
                 <a:cs typeface="Times New Roman" panose="02020603050405020304" pitchFamily="18" charset="0"/>
               </a:rPr>
-              <a:t>定理证明</a:t>
-            </a:r>
-            <a:r>
-              <a:rPr lang="zh-CN" altLang="en-US" sz="2000" dirty="0" smtClean="0">
-                <a:latin typeface="Times New Roman" panose="02020603050405020304" pitchFamily="18" charset="0"/>
-                <a:ea typeface="宋体" panose="02010600030101010101" pitchFamily="2" charset="-122"/>
-                <a:cs typeface="Times New Roman" panose="02020603050405020304" pitchFamily="18" charset="0"/>
-              </a:rPr>
-              <a:t>中</a:t>
-            </a:r>
-            <a:r>
-              <a:rPr lang="zh-CN" altLang="en-US" sz="2000" dirty="0" smtClean="0">
-                <a:solidFill>
-                  <a:srgbClr val="FF0000"/>
-                </a:solidFill>
-                <a:latin typeface="Times New Roman" panose="02020603050405020304" pitchFamily="18" charset="0"/>
-                <a:ea typeface="宋体" panose="02010600030101010101" pitchFamily="2" charset="-122"/>
-                <a:cs typeface="Times New Roman" panose="02020603050405020304" pitchFamily="18" charset="0"/>
-              </a:rPr>
-              <a:t>构造证明序列没有一般</a:t>
-            </a:r>
-            <a:r>
-              <a:rPr lang="zh-CN" altLang="en-US" sz="2000" dirty="0" smtClean="0">
-                <a:solidFill>
-                  <a:srgbClr val="FF0000"/>
-                </a:solidFill>
-                <a:latin typeface="Times New Roman" panose="02020603050405020304" pitchFamily="18" charset="0"/>
-                <a:ea typeface="宋体" panose="02010600030101010101" pitchFamily="2" charset="-122"/>
-                <a:cs typeface="Times New Roman" panose="02020603050405020304" pitchFamily="18" charset="0"/>
-              </a:rPr>
-              <a:t>方法。</a:t>
+              <a:t>确认方法需要构造一个确认器（</a:t>
+            </a:r>
+            <a:r>
+              <a:rPr lang="en-US" altLang="zh-CN" sz="2000" dirty="0">
+                <a:latin typeface="Times New Roman" panose="02020603050405020304" pitchFamily="18" charset="0"/>
+                <a:ea typeface="宋体" panose="02010600030101010101" pitchFamily="2" charset="-122"/>
+                <a:cs typeface="Times New Roman" panose="02020603050405020304" pitchFamily="18" charset="0"/>
+              </a:rPr>
+              <a:t>validator</a:t>
+            </a:r>
+            <a:r>
+              <a:rPr lang="zh-CN" altLang="en-US" sz="2000" dirty="0">
+                <a:latin typeface="Times New Roman" panose="02020603050405020304" pitchFamily="18" charset="0"/>
+                <a:ea typeface="宋体" panose="02010600030101010101" pitchFamily="2" charset="-122"/>
+                <a:cs typeface="Times New Roman" panose="02020603050405020304" pitchFamily="18" charset="0"/>
+              </a:rPr>
+              <a:t>），确认器在编译器每一次运行后形式化地证明生成的目标代码是源代码的一个正确翻译。</a:t>
             </a:r>
             <a:endParaRPr lang="zh-CN" altLang="en-US" sz="2000" dirty="0">
-              <a:solidFill>
-                <a:srgbClr val="FF0000"/>
-              </a:solidFill>
               <a:latin typeface="Times New Roman" panose="02020603050405020304" pitchFamily="18" charset="0"/>
               <a:ea typeface="宋体" panose="02010600030101010101" pitchFamily="2" charset="-122"/>
               <a:cs typeface="Times New Roman" panose="02020603050405020304" pitchFamily="18" charset="0"/>
@@ -7179,10 +7331,10 @@
                 <a:ea typeface="宋体" panose="02010600030101010101" pitchFamily="2" charset="-122"/>
                 <a:cs typeface="Times New Roman" panose="02020603050405020304" pitchFamily="18" charset="0"/>
               </a:rPr>
-              <a:t>形式化验证工具 </a:t>
-            </a:r>
-            <a:r>
-              <a:rPr kumimoji="1" lang="en-US" altLang="zh-CN" sz="2000" b="1" dirty="0" smtClean="0">
+              <a:t>翻译</a:t>
+            </a:r>
+            <a:r>
+              <a:rPr kumimoji="1" lang="zh-CN" altLang="en-US" sz="2000" b="1" dirty="0">
                 <a:solidFill>
                   <a:schemeClr val="tx1"/>
                 </a:solidFill>
@@ -7190,7 +7342,7 @@
                 <a:ea typeface="宋体" panose="02010600030101010101" pitchFamily="2" charset="-122"/>
                 <a:cs typeface="Times New Roman" panose="02020603050405020304" pitchFamily="18" charset="0"/>
               </a:rPr>
-              <a:t>—— Coq</a:t>
+              <a:t>确认方法</a:t>
             </a:r>
             <a:endParaRPr kumimoji="1" lang="zh-CN" altLang="en-US" sz="2000" b="1" dirty="0">
               <a:solidFill>
@@ -7206,7 +7358,7 @@
     </p:spTree>
     <p:extLst>
       <p:ext uri="{BB962C8B-B14F-4D97-AF65-F5344CB8AC3E}">
-        <p14:creationId xmlns:p14="http://schemas.microsoft.com/office/powerpoint/2010/main" val="2518932434"/>
+        <p14:creationId xmlns:p14="http://schemas.microsoft.com/office/powerpoint/2010/main" val="3042729933"/>
       </p:ext>
     </p:extLst>
   </p:cSld>
@@ -7286,256 +7438,174 @@
               <a:buNone/>
             </a:pPr>
             <a:endParaRPr lang="en-US" altLang="zh-CN" dirty="0" smtClean="0">
-              <a:latin typeface="宋体" panose="02010600030101010101" pitchFamily="2" charset="-122"/>
-              <a:ea typeface="宋体" panose="02010600030101010101" pitchFamily="2" charset="-122"/>
-            </a:endParaRPr>
-          </a:p>
-          <a:p>
-            <a:pPr lvl="2"/>
-            <a:endParaRPr lang="en-US" altLang="zh-CN" dirty="0">
-              <a:latin typeface="宋体" panose="02010600030101010101" pitchFamily="2" charset="-122"/>
-              <a:ea typeface="宋体" panose="02010600030101010101" pitchFamily="2" charset="-122"/>
-            </a:endParaRPr>
-          </a:p>
-          <a:p>
-            <a:pPr marL="0" indent="0">
-              <a:lnSpc>
-                <a:spcPct val="150000"/>
-              </a:lnSpc>
+              <a:latin typeface="Times New Roman" panose="02020603050405020304" pitchFamily="18" charset="0"/>
+              <a:ea typeface="宋体" panose="02010600030101010101" pitchFamily="2" charset="-122"/>
+              <a:cs typeface="Times New Roman" panose="02020603050405020304" pitchFamily="18" charset="0"/>
+            </a:endParaRPr>
+          </a:p>
+          <a:p>
+            <a:pPr marL="0" indent="0" algn="just">
+              <a:spcBef>
+                <a:spcPts val="600"/>
+              </a:spcBef>
+              <a:spcAft>
+                <a:spcPts val="600"/>
+              </a:spcAft>
               <a:buNone/>
             </a:pPr>
-            <a:r>
-              <a:rPr lang="zh-CN" altLang="en-US" sz="2000" dirty="0" smtClean="0">
-                <a:latin typeface="宋体" panose="02010600030101010101" pitchFamily="2" charset="-122"/>
-                <a:ea typeface="宋体" panose="02010600030101010101" pitchFamily="2" charset="-122"/>
-              </a:rPr>
-              <a:t>现有形式化方法和验证工具普遍存在着以下</a:t>
-            </a:r>
-            <a:r>
-              <a:rPr lang="zh-CN" altLang="en-US" sz="2000" dirty="0" smtClean="0">
-                <a:solidFill>
-                  <a:srgbClr val="FF0000"/>
-                </a:solidFill>
-                <a:latin typeface="宋体" panose="02010600030101010101" pitchFamily="2" charset="-122"/>
-                <a:ea typeface="宋体" panose="02010600030101010101" pitchFamily="2" charset="-122"/>
-              </a:rPr>
-              <a:t>问题</a:t>
-            </a:r>
-            <a:r>
-              <a:rPr lang="zh-CN" altLang="en-US" sz="2000" dirty="0" smtClean="0">
-                <a:latin typeface="宋体" panose="02010600030101010101" pitchFamily="2" charset="-122"/>
-                <a:ea typeface="宋体" panose="02010600030101010101" pitchFamily="2" charset="-122"/>
-              </a:rPr>
-              <a:t>：</a:t>
-            </a:r>
             <a:endParaRPr lang="en-US" altLang="zh-CN" sz="2000" dirty="0" smtClean="0">
-              <a:latin typeface="宋体" panose="02010600030101010101" pitchFamily="2" charset="-122"/>
-              <a:ea typeface="宋体" panose="02010600030101010101" pitchFamily="2" charset="-122"/>
-            </a:endParaRPr>
-          </a:p>
-          <a:p>
-            <a:pPr>
-              <a:lnSpc>
-                <a:spcPct val="150000"/>
-              </a:lnSpc>
+              <a:latin typeface="Times New Roman" panose="02020603050405020304" pitchFamily="18" charset="0"/>
+              <a:ea typeface="宋体" panose="02010600030101010101" pitchFamily="2" charset="-122"/>
+              <a:cs typeface="Times New Roman" panose="02020603050405020304" pitchFamily="18" charset="0"/>
+            </a:endParaRPr>
+          </a:p>
+          <a:p>
+            <a:pPr algn="just">
+              <a:spcBef>
+                <a:spcPts val="600"/>
+              </a:spcBef>
+              <a:spcAft>
+                <a:spcPts val="600"/>
+              </a:spcAft>
               <a:buFont typeface="Wingdings" panose="05000000000000000000" pitchFamily="2" charset="2"/>
               <a:buChar char="Ø"/>
             </a:pPr>
             <a:r>
+              <a:rPr lang="zh-CN" altLang="en-US" sz="2000" dirty="0">
+                <a:latin typeface="Times New Roman" panose="02020603050405020304" pitchFamily="18" charset="0"/>
+                <a:ea typeface="宋体" panose="02010600030101010101" pitchFamily="2" charset="-122"/>
+                <a:cs typeface="Times New Roman" panose="02020603050405020304" pitchFamily="18" charset="0"/>
+              </a:rPr>
+              <a:t>翻译确认的过程如下</a:t>
+            </a:r>
+            <a:r>
               <a:rPr lang="zh-CN" altLang="en-US" sz="2000" dirty="0" smtClean="0">
-                <a:latin typeface="宋体" panose="02010600030101010101" pitchFamily="2" charset="-122"/>
-                <a:ea typeface="宋体" panose="02010600030101010101" pitchFamily="2" charset="-122"/>
-              </a:rPr>
-              <a:t>形式化方法</a:t>
-            </a:r>
-            <a:r>
-              <a:rPr lang="zh-CN" altLang="en-US" sz="2000" dirty="0" smtClean="0">
-                <a:solidFill>
-                  <a:srgbClr val="FF0000"/>
-                </a:solidFill>
-                <a:latin typeface="宋体" panose="02010600030101010101" pitchFamily="2" charset="-122"/>
-                <a:ea typeface="宋体" panose="02010600030101010101" pitchFamily="2" charset="-122"/>
-              </a:rPr>
-              <a:t>时间花费大</a:t>
-            </a:r>
-            <a:r>
-              <a:rPr lang="zh-CN" altLang="en-US" sz="2000" dirty="0" smtClean="0">
-                <a:latin typeface="宋体" panose="02010600030101010101" pitchFamily="2" charset="-122"/>
-                <a:ea typeface="宋体" panose="02010600030101010101" pitchFamily="2" charset="-122"/>
-              </a:rPr>
-              <a:t>，</a:t>
-            </a:r>
-            <a:r>
-              <a:rPr lang="zh-CN" altLang="en-US" sz="2000" dirty="0" smtClean="0">
-                <a:solidFill>
-                  <a:srgbClr val="FF0000"/>
-                </a:solidFill>
-                <a:latin typeface="宋体" panose="02010600030101010101" pitchFamily="2" charset="-122"/>
-                <a:ea typeface="宋体" panose="02010600030101010101" pitchFamily="2" charset="-122"/>
-              </a:rPr>
-              <a:t>代价高</a:t>
+                <a:latin typeface="Times New Roman" panose="02020603050405020304" pitchFamily="18" charset="0"/>
+                <a:ea typeface="宋体" panose="02010600030101010101" pitchFamily="2" charset="-122"/>
+                <a:cs typeface="Times New Roman" panose="02020603050405020304" pitchFamily="18" charset="0"/>
+              </a:rPr>
+              <a:t>图：</a:t>
             </a:r>
             <a:endParaRPr lang="en-US" altLang="zh-CN" sz="2000" dirty="0" smtClean="0">
-              <a:solidFill>
-                <a:srgbClr val="FF0000"/>
-              </a:solidFill>
-              <a:latin typeface="宋体" panose="02010600030101010101" pitchFamily="2" charset="-122"/>
-              <a:ea typeface="宋体" panose="02010600030101010101" pitchFamily="2" charset="-122"/>
-            </a:endParaRPr>
-          </a:p>
-          <a:p>
-            <a:pPr>
-              <a:lnSpc>
-                <a:spcPct val="150000"/>
-              </a:lnSpc>
+              <a:latin typeface="Times New Roman" panose="02020603050405020304" pitchFamily="18" charset="0"/>
+              <a:ea typeface="宋体" panose="02010600030101010101" pitchFamily="2" charset="-122"/>
+              <a:cs typeface="Times New Roman" panose="02020603050405020304" pitchFamily="18" charset="0"/>
+            </a:endParaRPr>
+          </a:p>
+          <a:p>
+            <a:pPr algn="just">
+              <a:spcBef>
+                <a:spcPts val="600"/>
+              </a:spcBef>
+              <a:spcAft>
+                <a:spcPts val="600"/>
+              </a:spcAft>
               <a:buFont typeface="Wingdings" panose="05000000000000000000" pitchFamily="2" charset="2"/>
               <a:buChar char="Ø"/>
             </a:pPr>
-            <a:r>
-              <a:rPr lang="zh-CN" altLang="en-US" sz="2000" dirty="0" smtClean="0">
-                <a:latin typeface="宋体" panose="02010600030101010101" pitchFamily="2" charset="-122"/>
-                <a:ea typeface="宋体" panose="02010600030101010101" pitchFamily="2" charset="-122"/>
-              </a:rPr>
-              <a:t>需要</a:t>
-            </a:r>
-            <a:r>
-              <a:rPr lang="zh-CN" altLang="en-US" sz="2000" dirty="0" smtClean="0">
-                <a:solidFill>
-                  <a:srgbClr val="FF0000"/>
-                </a:solidFill>
-                <a:latin typeface="宋体" panose="02010600030101010101" pitchFamily="2" charset="-122"/>
-                <a:ea typeface="宋体" panose="02010600030101010101" pitchFamily="2" charset="-122"/>
-              </a:rPr>
-              <a:t>构造循环不变式</a:t>
-            </a:r>
-            <a:endParaRPr lang="en-US" altLang="zh-CN" sz="1600" dirty="0" smtClean="0">
-              <a:solidFill>
-                <a:srgbClr val="FF0000"/>
-              </a:solidFill>
-              <a:latin typeface="宋体" panose="02010600030101010101" pitchFamily="2" charset="-122"/>
-              <a:ea typeface="宋体" panose="02010600030101010101" pitchFamily="2" charset="-122"/>
-            </a:endParaRPr>
-          </a:p>
-          <a:p>
-            <a:pPr>
-              <a:lnSpc>
-                <a:spcPct val="150000"/>
-              </a:lnSpc>
+            <a:endParaRPr lang="en-US" altLang="zh-CN" sz="2000" dirty="0">
+              <a:latin typeface="Times New Roman" panose="02020603050405020304" pitchFamily="18" charset="0"/>
+              <a:ea typeface="宋体" panose="02010600030101010101" pitchFamily="2" charset="-122"/>
+              <a:cs typeface="Times New Roman" panose="02020603050405020304" pitchFamily="18" charset="0"/>
+            </a:endParaRPr>
+          </a:p>
+          <a:p>
+            <a:pPr algn="just">
+              <a:spcBef>
+                <a:spcPts val="600"/>
+              </a:spcBef>
+              <a:spcAft>
+                <a:spcPts val="600"/>
+              </a:spcAft>
               <a:buFont typeface="Wingdings" panose="05000000000000000000" pitchFamily="2" charset="2"/>
               <a:buChar char="Ø"/>
             </a:pPr>
-            <a:r>
-              <a:rPr lang="zh-CN" altLang="en-US" sz="2000" dirty="0" smtClean="0">
-                <a:latin typeface="宋体" panose="02010600030101010101" pitchFamily="2" charset="-122"/>
-                <a:ea typeface="宋体" panose="02010600030101010101" pitchFamily="2" charset="-122"/>
-              </a:rPr>
-              <a:t>需要构造</a:t>
-            </a:r>
-            <a:r>
-              <a:rPr lang="zh-CN" altLang="en-US" sz="2000" dirty="0" smtClean="0">
-                <a:solidFill>
-                  <a:srgbClr val="FF0000"/>
-                </a:solidFill>
-                <a:latin typeface="宋体" panose="02010600030101010101" pitchFamily="2" charset="-122"/>
-                <a:ea typeface="宋体" panose="02010600030101010101" pitchFamily="2" charset="-122"/>
-              </a:rPr>
-              <a:t>符合功能正确性的后件逻辑表达式</a:t>
-            </a:r>
             <a:endParaRPr lang="en-US" altLang="zh-CN" sz="2000" dirty="0" smtClean="0">
-              <a:solidFill>
-                <a:srgbClr val="FF0000"/>
-              </a:solidFill>
-              <a:latin typeface="宋体" panose="02010600030101010101" pitchFamily="2" charset="-122"/>
-              <a:ea typeface="宋体" panose="02010600030101010101" pitchFamily="2" charset="-122"/>
-            </a:endParaRPr>
-          </a:p>
-          <a:p>
-            <a:pPr>
-              <a:lnSpc>
-                <a:spcPct val="150000"/>
-              </a:lnSpc>
+              <a:latin typeface="Times New Roman" panose="02020603050405020304" pitchFamily="18" charset="0"/>
+              <a:ea typeface="宋体" panose="02010600030101010101" pitchFamily="2" charset="-122"/>
+              <a:cs typeface="Times New Roman" panose="02020603050405020304" pitchFamily="18" charset="0"/>
+            </a:endParaRPr>
+          </a:p>
+          <a:p>
+            <a:pPr algn="just">
+              <a:spcBef>
+                <a:spcPts val="600"/>
+              </a:spcBef>
+              <a:spcAft>
+                <a:spcPts val="600"/>
+              </a:spcAft>
               <a:buFont typeface="Wingdings" panose="05000000000000000000" pitchFamily="2" charset="2"/>
               <a:buChar char="Ø"/>
             </a:pPr>
-            <a:r>
-              <a:rPr lang="zh-CN" altLang="en-US" sz="2000" dirty="0" smtClean="0">
-                <a:latin typeface="宋体" panose="02010600030101010101" pitchFamily="2" charset="-122"/>
-                <a:ea typeface="宋体" panose="02010600030101010101" pitchFamily="2" charset="-122"/>
-              </a:rPr>
-              <a:t>依赖</a:t>
-            </a:r>
-            <a:r>
-              <a:rPr lang="zh-CN" altLang="en-US" sz="2000" dirty="0" smtClean="0">
-                <a:solidFill>
-                  <a:srgbClr val="FF0000"/>
-                </a:solidFill>
-                <a:latin typeface="宋体" panose="02010600030101010101" pitchFamily="2" charset="-122"/>
-                <a:ea typeface="宋体" panose="02010600030101010101" pitchFamily="2" charset="-122"/>
-              </a:rPr>
-              <a:t>大量的人机交互</a:t>
-            </a:r>
-            <a:r>
-              <a:rPr lang="zh-CN" altLang="en-US" sz="2000" dirty="0" smtClean="0">
-                <a:latin typeface="宋体" panose="02010600030101010101" pitchFamily="2" charset="-122"/>
-                <a:ea typeface="宋体" panose="02010600030101010101" pitchFamily="2" charset="-122"/>
-              </a:rPr>
-              <a:t>，</a:t>
-            </a:r>
-            <a:r>
-              <a:rPr lang="zh-CN" altLang="en-US" sz="2000" dirty="0">
-                <a:solidFill>
-                  <a:srgbClr val="FF0000"/>
-                </a:solidFill>
-                <a:latin typeface="宋体" panose="02010600030101010101" pitchFamily="2" charset="-122"/>
-                <a:ea typeface="宋体" panose="02010600030101010101" pitchFamily="2" charset="-122"/>
-              </a:rPr>
-              <a:t>验证</a:t>
-            </a:r>
-            <a:r>
-              <a:rPr lang="zh-CN" altLang="en-US" sz="2000" dirty="0" smtClean="0">
-                <a:solidFill>
-                  <a:srgbClr val="FF0000"/>
-                </a:solidFill>
-                <a:latin typeface="宋体" panose="02010600030101010101" pitchFamily="2" charset="-122"/>
-                <a:ea typeface="宋体" panose="02010600030101010101" pitchFamily="2" charset="-122"/>
-              </a:rPr>
-              <a:t>工具使用难度大</a:t>
-            </a:r>
-            <a:endParaRPr lang="en-US" altLang="zh-CN" sz="2000" dirty="0" smtClean="0">
-              <a:solidFill>
-                <a:srgbClr val="FF0000"/>
-              </a:solidFill>
-              <a:latin typeface="宋体" panose="02010600030101010101" pitchFamily="2" charset="-122"/>
-              <a:ea typeface="宋体" panose="02010600030101010101" pitchFamily="2" charset="-122"/>
-            </a:endParaRPr>
-          </a:p>
-          <a:p>
-            <a:pPr>
-              <a:lnSpc>
-                <a:spcPct val="150000"/>
-              </a:lnSpc>
-              <a:buClr>
-                <a:schemeClr val="tx1"/>
-              </a:buClr>
+            <a:endParaRPr lang="en-US" altLang="zh-CN" sz="2000" dirty="0">
+              <a:latin typeface="Times New Roman" panose="02020603050405020304" pitchFamily="18" charset="0"/>
+              <a:ea typeface="宋体" panose="02010600030101010101" pitchFamily="2" charset="-122"/>
+              <a:cs typeface="Times New Roman" panose="02020603050405020304" pitchFamily="18" charset="0"/>
+            </a:endParaRPr>
+          </a:p>
+          <a:p>
+            <a:pPr marL="0" indent="0" algn="just">
+              <a:spcBef>
+                <a:spcPts val="600"/>
+              </a:spcBef>
+              <a:spcAft>
+                <a:spcPts val="600"/>
+              </a:spcAft>
+              <a:buNone/>
+            </a:pPr>
+            <a:endParaRPr lang="en-US" altLang="zh-CN" sz="2000" dirty="0">
+              <a:latin typeface="Times New Roman" panose="02020603050405020304" pitchFamily="18" charset="0"/>
+              <a:ea typeface="宋体" panose="02010600030101010101" pitchFamily="2" charset="-122"/>
+              <a:cs typeface="Times New Roman" panose="02020603050405020304" pitchFamily="18" charset="0"/>
+            </a:endParaRPr>
+          </a:p>
+          <a:p>
+            <a:pPr marL="0" indent="0" algn="just">
+              <a:spcBef>
+                <a:spcPts val="600"/>
+              </a:spcBef>
+              <a:spcAft>
+                <a:spcPts val="600"/>
+              </a:spcAft>
+              <a:buNone/>
+            </a:pPr>
+            <a:endParaRPr lang="en-US" altLang="zh-CN" sz="2000" dirty="0">
+              <a:latin typeface="Times New Roman" panose="02020603050405020304" pitchFamily="18" charset="0"/>
+              <a:ea typeface="宋体" panose="02010600030101010101" pitchFamily="2" charset="-122"/>
+              <a:cs typeface="Times New Roman" panose="02020603050405020304" pitchFamily="18" charset="0"/>
+            </a:endParaRPr>
+          </a:p>
+          <a:p>
+            <a:pPr algn="just">
+              <a:spcBef>
+                <a:spcPts val="600"/>
+              </a:spcBef>
+              <a:spcAft>
+                <a:spcPts val="600"/>
+              </a:spcAft>
               <a:buFont typeface="Wingdings" panose="05000000000000000000" pitchFamily="2" charset="2"/>
               <a:buChar char="Ø"/>
             </a:pPr>
             <a:r>
               <a:rPr lang="zh-CN" altLang="en-US" sz="2000" dirty="0" smtClean="0">
-                <a:solidFill>
-                  <a:srgbClr val="FF0000"/>
-                </a:solidFill>
-                <a:latin typeface="宋体" panose="02010600030101010101" pitchFamily="2" charset="-122"/>
-                <a:ea typeface="宋体" panose="02010600030101010101" pitchFamily="2" charset="-122"/>
-              </a:rPr>
-              <a:t>定理证明中构造证明序列没有一般方法</a:t>
-            </a:r>
-            <a:endParaRPr lang="en-US" altLang="zh-CN" sz="2000" dirty="0">
-              <a:solidFill>
-                <a:srgbClr val="FF0000"/>
-              </a:solidFill>
-              <a:latin typeface="宋体" panose="02010600030101010101" pitchFamily="2" charset="-122"/>
-              <a:ea typeface="宋体" panose="02010600030101010101" pitchFamily="2" charset="-122"/>
+                <a:latin typeface="Times New Roman" panose="02020603050405020304" pitchFamily="18" charset="0"/>
+                <a:ea typeface="宋体" panose="02010600030101010101" pitchFamily="2" charset="-122"/>
+                <a:cs typeface="Times New Roman" panose="02020603050405020304" pitchFamily="18" charset="0"/>
+              </a:rPr>
+              <a:t>分析器</a:t>
+            </a:r>
+            <a:r>
+              <a:rPr lang="zh-CN" altLang="en-US" sz="2000" dirty="0">
+                <a:latin typeface="Times New Roman" panose="02020603050405020304" pitchFamily="18" charset="0"/>
+                <a:ea typeface="宋体" panose="02010600030101010101" pitchFamily="2" charset="-122"/>
+                <a:cs typeface="Times New Roman" panose="02020603050405020304" pitchFamily="18" charset="0"/>
+              </a:rPr>
+              <a:t>接收源程序和目标程序作为输入。如果分析器发现生成的目标程序正确的实现了源程序，它会产生一个详细的证明脚本。如果分析器无法建立源程序和目标程序之间的正确对应关系，它会产生一个反例。</a:t>
+            </a:r>
+            <a:endParaRPr lang="en-US" altLang="zh-CN" sz="2000" dirty="0" smtClean="0">
+              <a:latin typeface="Times New Roman" panose="02020603050405020304" pitchFamily="18" charset="0"/>
+              <a:ea typeface="宋体" panose="02010600030101010101" pitchFamily="2" charset="-122"/>
+              <a:cs typeface="Times New Roman" panose="02020603050405020304" pitchFamily="18" charset="0"/>
             </a:endParaRPr>
           </a:p>
         </p:txBody>
@@ -7583,7 +7653,7 @@
           <a:p>
             <a:pPr latinLnBrk="1"/>
             <a:r>
-              <a:rPr kumimoji="1" lang="zh-CN" altLang="en-US" sz="2000" b="1" dirty="0" smtClean="0">
+              <a:rPr kumimoji="1" lang="zh-CN" altLang="en-US" sz="2000" b="1">
                 <a:solidFill>
                   <a:schemeClr val="tx1"/>
                 </a:solidFill>
@@ -7591,7 +7661,7 @@
                 <a:ea typeface="宋体" panose="02010600030101010101" pitchFamily="2" charset="-122"/>
                 <a:cs typeface="Times New Roman" panose="02020603050405020304" pitchFamily="18" charset="0"/>
               </a:rPr>
-              <a:t>小结</a:t>
+              <a:t>翻译确认方法</a:t>
             </a:r>
             <a:endParaRPr kumimoji="1" lang="zh-CN" altLang="en-US" sz="2000" b="1" dirty="0">
               <a:solidFill>
@@ -7604,10 +7674,34 @@
           </a:p>
         </p:txBody>
       </p:sp>
+      <p:pic>
+        <p:nvPicPr>
+          <p:cNvPr id="5" name="图片 4"/>
+          <p:cNvPicPr>
+            <a:picLocks noChangeAspect="1"/>
+          </p:cNvPicPr>
+          <p:nvPr/>
+        </p:nvPicPr>
+        <p:blipFill>
+          <a:blip r:embed="rId2"/>
+          <a:stretch>
+            <a:fillRect/>
+          </a:stretch>
+        </p:blipFill>
+        <p:spPr>
+          <a:xfrm>
+            <a:off x="2101758" y="2897808"/>
+            <a:ext cx="4219213" cy="2387919"/>
+          </a:xfrm>
+          <a:prstGeom prst="rect">
+            <a:avLst/>
+          </a:prstGeom>
+        </p:spPr>
+      </p:pic>
     </p:spTree>
     <p:extLst>
       <p:ext uri="{BB962C8B-B14F-4D97-AF65-F5344CB8AC3E}">
-        <p14:creationId xmlns:p14="http://schemas.microsoft.com/office/powerpoint/2010/main" val="3404405471"/>
+        <p14:creationId xmlns:p14="http://schemas.microsoft.com/office/powerpoint/2010/main" val="2518932434"/>
       </p:ext>
     </p:extLst>
   </p:cSld>
@@ -7914,317 +8008,14 @@
             </a:endParaRPr>
           </a:p>
           <a:p>
-            <a:pPr lvl="2"/>
-            <a:endParaRPr lang="en-US" altLang="zh-CN" dirty="0">
-              <a:latin typeface="Times New Roman" panose="02020603050405020304" pitchFamily="18" charset="0"/>
-              <a:ea typeface="宋体" panose="02010600030101010101" pitchFamily="2" charset="-122"/>
-              <a:cs typeface="Times New Roman" panose="02020603050405020304" pitchFamily="18" charset="0"/>
-            </a:endParaRPr>
-          </a:p>
-          <a:p>
-            <a:pPr algn="just">
+            <a:pPr marL="457200" lvl="1" indent="0" algn="just">
               <a:spcBef>
                 <a:spcPts val="600"/>
               </a:spcBef>
               <a:spcAft>
                 <a:spcPts val="600"/>
               </a:spcAft>
-              <a:buFont typeface="Wingdings" panose="05000000000000000000" pitchFamily="2" charset="2"/>
-              <a:buChar char="Ø"/>
-            </a:pPr>
-            <a:r>
-              <a:rPr lang="zh-CN" altLang="en-US" sz="2000" dirty="0" smtClean="0">
-                <a:latin typeface="Times New Roman" panose="02020603050405020304" pitchFamily="18" charset="0"/>
-                <a:ea typeface="宋体" panose="02010600030101010101" pitchFamily="2" charset="-122"/>
-                <a:cs typeface="Times New Roman" panose="02020603050405020304" pitchFamily="18" charset="0"/>
-              </a:rPr>
-              <a:t>基于</a:t>
-            </a:r>
-            <a:r>
-              <a:rPr lang="zh-CN" altLang="en-US" sz="2000" dirty="0" smtClean="0">
-                <a:solidFill>
-                  <a:srgbClr val="FF0000"/>
-                </a:solidFill>
-                <a:latin typeface="Times New Roman" panose="02020603050405020304" pitchFamily="18" charset="0"/>
-                <a:ea typeface="宋体" panose="02010600030101010101" pitchFamily="2" charset="-122"/>
-                <a:cs typeface="Times New Roman" panose="02020603050405020304" pitchFamily="18" charset="0"/>
-              </a:rPr>
-              <a:t>一阶逻辑</a:t>
-            </a:r>
-            <a:r>
-              <a:rPr lang="zh-CN" altLang="en-US" sz="2000" dirty="0" smtClean="0">
-                <a:latin typeface="Times New Roman" panose="02020603050405020304" pitchFamily="18" charset="0"/>
-                <a:ea typeface="宋体" panose="02010600030101010101" pitchFamily="2" charset="-122"/>
-                <a:cs typeface="Times New Roman" panose="02020603050405020304" pitchFamily="18" charset="0"/>
-              </a:rPr>
-              <a:t>和</a:t>
-            </a:r>
-            <a:r>
-              <a:rPr lang="zh-CN" altLang="en-US" sz="2000" dirty="0" smtClean="0">
-                <a:solidFill>
-                  <a:srgbClr val="FF0000"/>
-                </a:solidFill>
-                <a:latin typeface="Times New Roman" panose="02020603050405020304" pitchFamily="18" charset="0"/>
-                <a:ea typeface="宋体" panose="02010600030101010101" pitchFamily="2" charset="-122"/>
-                <a:cs typeface="Times New Roman" panose="02020603050405020304" pitchFamily="18" charset="0"/>
-              </a:rPr>
-              <a:t>集合论</a:t>
-            </a:r>
-            <a:endParaRPr lang="en-US" altLang="zh-CN" sz="2000" dirty="0" smtClean="0">
-              <a:solidFill>
-                <a:srgbClr val="FF0000"/>
-              </a:solidFill>
-              <a:latin typeface="Times New Roman" panose="02020603050405020304" pitchFamily="18" charset="0"/>
-              <a:ea typeface="宋体" panose="02010600030101010101" pitchFamily="2" charset="-122"/>
-              <a:cs typeface="Times New Roman" panose="02020603050405020304" pitchFamily="18" charset="0"/>
-            </a:endParaRPr>
-          </a:p>
-          <a:p>
-            <a:pPr algn="just">
-              <a:spcBef>
-                <a:spcPts val="600"/>
-              </a:spcBef>
-              <a:spcAft>
-                <a:spcPts val="600"/>
-              </a:spcAft>
-              <a:buFont typeface="Wingdings" panose="05000000000000000000" pitchFamily="2" charset="2"/>
-              <a:buChar char="Ø"/>
-            </a:pPr>
-            <a:r>
-              <a:rPr lang="zh-CN" altLang="en-US" sz="2000" dirty="0" smtClean="0">
-                <a:latin typeface="Times New Roman" panose="02020603050405020304" pitchFamily="18" charset="0"/>
-                <a:ea typeface="宋体" panose="02010600030101010101" pitchFamily="2" charset="-122"/>
-                <a:cs typeface="Times New Roman" panose="02020603050405020304" pitchFamily="18" charset="0"/>
-              </a:rPr>
-              <a:t>将</a:t>
-            </a:r>
-            <a:r>
-              <a:rPr lang="zh-CN" altLang="en-US" sz="2000" dirty="0" smtClean="0">
-                <a:solidFill>
-                  <a:srgbClr val="FF0000"/>
-                </a:solidFill>
-                <a:latin typeface="Times New Roman" panose="02020603050405020304" pitchFamily="18" charset="0"/>
-                <a:ea typeface="宋体" panose="02010600030101010101" pitchFamily="2" charset="-122"/>
-                <a:cs typeface="Times New Roman" panose="02020603050405020304" pitchFamily="18" charset="0"/>
-              </a:rPr>
-              <a:t>复杂数据结构</a:t>
-            </a:r>
-            <a:r>
-              <a:rPr lang="zh-CN" altLang="en-US" sz="2000" dirty="0" smtClean="0">
-                <a:latin typeface="Times New Roman" panose="02020603050405020304" pitchFamily="18" charset="0"/>
-                <a:ea typeface="宋体" panose="02010600030101010101" pitchFamily="2" charset="-122"/>
-                <a:cs typeface="Times New Roman" panose="02020603050405020304" pitchFamily="18" charset="0"/>
-              </a:rPr>
-              <a:t>及数据结构上的</a:t>
-            </a:r>
-            <a:r>
-              <a:rPr lang="zh-CN" altLang="en-US" sz="2000" dirty="0" smtClean="0">
-                <a:solidFill>
-                  <a:srgbClr val="FF0000"/>
-                </a:solidFill>
-                <a:latin typeface="Times New Roman" panose="02020603050405020304" pitchFamily="18" charset="0"/>
-                <a:ea typeface="宋体" panose="02010600030101010101" pitchFamily="2" charset="-122"/>
-                <a:cs typeface="Times New Roman" panose="02020603050405020304" pitchFamily="18" charset="0"/>
-              </a:rPr>
-              <a:t>操作</a:t>
-            </a:r>
-            <a:r>
-              <a:rPr lang="zh-CN" altLang="en-US" sz="2000" dirty="0" smtClean="0">
-                <a:latin typeface="Times New Roman" panose="02020603050405020304" pitchFamily="18" charset="0"/>
-                <a:ea typeface="宋体" panose="02010600030101010101" pitchFamily="2" charset="-122"/>
-                <a:cs typeface="Times New Roman" panose="02020603050405020304" pitchFamily="18" charset="0"/>
-              </a:rPr>
-              <a:t>高度抽象为</a:t>
-            </a:r>
-            <a:r>
-              <a:rPr lang="zh-CN" altLang="en-US" sz="2000" dirty="0" smtClean="0">
-                <a:solidFill>
-                  <a:srgbClr val="FF0000"/>
-                </a:solidFill>
-                <a:latin typeface="Times New Roman" panose="02020603050405020304" pitchFamily="18" charset="0"/>
-                <a:ea typeface="宋体" panose="02010600030101010101" pitchFamily="2" charset="-122"/>
-                <a:cs typeface="Times New Roman" panose="02020603050405020304" pitchFamily="18" charset="0"/>
-              </a:rPr>
-              <a:t>集合</a:t>
-            </a:r>
-            <a:r>
-              <a:rPr lang="zh-CN" altLang="en-US" sz="2000" dirty="0" smtClean="0">
-                <a:latin typeface="Times New Roman" panose="02020603050405020304" pitchFamily="18" charset="0"/>
-                <a:ea typeface="宋体" panose="02010600030101010101" pitchFamily="2" charset="-122"/>
-                <a:cs typeface="Times New Roman" panose="02020603050405020304" pitchFamily="18" charset="0"/>
-              </a:rPr>
-              <a:t>及</a:t>
-            </a:r>
-            <a:r>
-              <a:rPr lang="zh-CN" altLang="en-US" sz="2000" dirty="0" smtClean="0">
-                <a:solidFill>
-                  <a:srgbClr val="FF0000"/>
-                </a:solidFill>
-                <a:latin typeface="Times New Roman" panose="02020603050405020304" pitchFamily="18" charset="0"/>
-                <a:ea typeface="宋体" panose="02010600030101010101" pitchFamily="2" charset="-122"/>
-                <a:cs typeface="Times New Roman" panose="02020603050405020304" pitchFamily="18" charset="0"/>
-              </a:rPr>
-              <a:t>集合上的操作</a:t>
-            </a:r>
-            <a:endParaRPr lang="en-US" altLang="zh-CN" sz="2000" dirty="0" smtClean="0">
-              <a:solidFill>
-                <a:srgbClr val="FF0000"/>
-              </a:solidFill>
-              <a:latin typeface="Times New Roman" panose="02020603050405020304" pitchFamily="18" charset="0"/>
-              <a:ea typeface="宋体" panose="02010600030101010101" pitchFamily="2" charset="-122"/>
-              <a:cs typeface="Times New Roman" panose="02020603050405020304" pitchFamily="18" charset="0"/>
-            </a:endParaRPr>
-          </a:p>
-          <a:p>
-            <a:pPr algn="just">
-              <a:spcBef>
-                <a:spcPts val="600"/>
-              </a:spcBef>
-              <a:spcAft>
-                <a:spcPts val="600"/>
-              </a:spcAft>
-              <a:buFont typeface="Wingdings" panose="05000000000000000000" pitchFamily="2" charset="2"/>
-              <a:buChar char="Ø"/>
-            </a:pPr>
-            <a:r>
-              <a:rPr lang="zh-CN" altLang="en-US" sz="2000" dirty="0" smtClean="0">
-                <a:latin typeface="Times New Roman" panose="02020603050405020304" pitchFamily="18" charset="0"/>
-                <a:ea typeface="宋体" panose="02010600030101010101" pitchFamily="2" charset="-122"/>
-                <a:cs typeface="Times New Roman" panose="02020603050405020304" pitchFamily="18" charset="0"/>
-              </a:rPr>
-              <a:t>借鉴</a:t>
-            </a:r>
-            <a:r>
-              <a:rPr lang="en-US" altLang="zh-CN" sz="2000" dirty="0" smtClean="0">
-                <a:latin typeface="Times New Roman" panose="02020603050405020304" pitchFamily="18" charset="0"/>
-                <a:ea typeface="宋体" panose="02010600030101010101" pitchFamily="2" charset="-122"/>
-                <a:cs typeface="Times New Roman" panose="02020603050405020304" pitchFamily="18" charset="0"/>
-              </a:rPr>
-              <a:t>B</a:t>
-            </a:r>
-            <a:r>
-              <a:rPr lang="zh-CN" altLang="en-US" sz="2000" dirty="0" smtClean="0">
-                <a:latin typeface="Times New Roman" panose="02020603050405020304" pitchFamily="18" charset="0"/>
-                <a:ea typeface="宋体" panose="02010600030101010101" pitchFamily="2" charset="-122"/>
-                <a:cs typeface="Times New Roman" panose="02020603050405020304" pitchFamily="18" charset="0"/>
-              </a:rPr>
-              <a:t>方法的严谨性和</a:t>
-            </a:r>
-            <a:r>
-              <a:rPr lang="en-US" altLang="zh-CN" sz="2000" dirty="0" smtClean="0">
-                <a:latin typeface="Times New Roman" panose="02020603050405020304" pitchFamily="18" charset="0"/>
-                <a:ea typeface="宋体" panose="02010600030101010101" pitchFamily="2" charset="-122"/>
-                <a:cs typeface="Times New Roman" panose="02020603050405020304" pitchFamily="18" charset="0"/>
-              </a:rPr>
-              <a:t>C</a:t>
-            </a:r>
-            <a:r>
-              <a:rPr lang="zh-CN" altLang="en-US" sz="2000" dirty="0" smtClean="0">
-                <a:latin typeface="Times New Roman" panose="02020603050405020304" pitchFamily="18" charset="0"/>
-                <a:ea typeface="宋体" panose="02010600030101010101" pitchFamily="2" charset="-122"/>
-                <a:cs typeface="Times New Roman" panose="02020603050405020304" pitchFamily="18" charset="0"/>
-              </a:rPr>
-              <a:t>语言的简洁性</a:t>
-            </a:r>
-            <a:endParaRPr lang="en-US" altLang="zh-CN" sz="2000" dirty="0" smtClean="0">
-              <a:latin typeface="Times New Roman" panose="02020603050405020304" pitchFamily="18" charset="0"/>
-              <a:ea typeface="宋体" panose="02010600030101010101" pitchFamily="2" charset="-122"/>
-              <a:cs typeface="Times New Roman" panose="02020603050405020304" pitchFamily="18" charset="0"/>
-            </a:endParaRPr>
-          </a:p>
-          <a:p>
-            <a:pPr algn="just">
-              <a:spcBef>
-                <a:spcPts val="600"/>
-              </a:spcBef>
-              <a:spcAft>
-                <a:spcPts val="600"/>
-              </a:spcAft>
-              <a:buFont typeface="Wingdings" panose="05000000000000000000" pitchFamily="2" charset="2"/>
-              <a:buChar char="Ø"/>
-            </a:pPr>
-            <a:r>
-              <a:rPr lang="zh-CN" altLang="en-US" sz="2000" dirty="0">
-                <a:latin typeface="Times New Roman" panose="02020603050405020304" pitchFamily="18" charset="0"/>
-                <a:ea typeface="宋体" panose="02010600030101010101" pitchFamily="2" charset="-122"/>
-                <a:cs typeface="Times New Roman" panose="02020603050405020304" pitchFamily="18" charset="0"/>
-              </a:rPr>
-              <a:t>相对</a:t>
-            </a:r>
-            <a:r>
-              <a:rPr lang="zh-CN" altLang="en-US" sz="2000" dirty="0" smtClean="0">
-                <a:latin typeface="Times New Roman" panose="02020603050405020304" pitchFamily="18" charset="0"/>
-                <a:ea typeface="宋体" panose="02010600030101010101" pitchFamily="2" charset="-122"/>
-                <a:cs typeface="Times New Roman" panose="02020603050405020304" pitchFamily="18" charset="0"/>
-              </a:rPr>
-              <a:t>于传统形式化方法：</a:t>
-            </a:r>
-            <a:endParaRPr lang="en-US" altLang="zh-CN" sz="2000" dirty="0" smtClean="0">
-              <a:latin typeface="Times New Roman" panose="02020603050405020304" pitchFamily="18" charset="0"/>
-              <a:ea typeface="宋体" panose="02010600030101010101" pitchFamily="2" charset="-122"/>
-              <a:cs typeface="Times New Roman" panose="02020603050405020304" pitchFamily="18" charset="0"/>
-            </a:endParaRPr>
-          </a:p>
-          <a:p>
-            <a:pPr lvl="1" algn="just">
-              <a:spcBef>
-                <a:spcPts val="600"/>
-              </a:spcBef>
-              <a:spcAft>
-                <a:spcPts val="600"/>
-              </a:spcAft>
-              <a:buFont typeface="Wingdings" panose="05000000000000000000" pitchFamily="2" charset="2"/>
-              <a:buChar char="Ø"/>
-            </a:pPr>
-            <a:r>
-              <a:rPr lang="zh-CN" altLang="en-US" sz="1600" dirty="0" smtClean="0">
-                <a:latin typeface="Times New Roman" panose="02020603050405020304" pitchFamily="18" charset="0"/>
-                <a:ea typeface="宋体" panose="02010600030101010101" pitchFamily="2" charset="-122"/>
-                <a:cs typeface="Times New Roman" panose="02020603050405020304" pitchFamily="18" charset="0"/>
-              </a:rPr>
-              <a:t>形式规范构造较为简单</a:t>
-            </a:r>
-            <a:endParaRPr lang="en-US" altLang="zh-CN" sz="1600" dirty="0" smtClean="0">
-              <a:latin typeface="Times New Roman" panose="02020603050405020304" pitchFamily="18" charset="0"/>
-              <a:ea typeface="宋体" panose="02010600030101010101" pitchFamily="2" charset="-122"/>
-              <a:cs typeface="Times New Roman" panose="02020603050405020304" pitchFamily="18" charset="0"/>
-            </a:endParaRPr>
-          </a:p>
-          <a:p>
-            <a:pPr lvl="1" algn="just">
-              <a:spcBef>
-                <a:spcPts val="600"/>
-              </a:spcBef>
-              <a:spcAft>
-                <a:spcPts val="600"/>
-              </a:spcAft>
-              <a:buFont typeface="Wingdings" panose="05000000000000000000" pitchFamily="2" charset="2"/>
-              <a:buChar char="Ø"/>
-            </a:pPr>
-            <a:r>
-              <a:rPr lang="zh-CN" altLang="en-US" sz="1600" dirty="0" smtClean="0">
-                <a:latin typeface="Times New Roman" panose="02020603050405020304" pitchFamily="18" charset="0"/>
-                <a:ea typeface="宋体" panose="02010600030101010101" pitchFamily="2" charset="-122"/>
-                <a:cs typeface="Times New Roman" panose="02020603050405020304" pitchFamily="18" charset="0"/>
-              </a:rPr>
-              <a:t>可以在自顶向下的设计过程中进行形式证明</a:t>
-            </a:r>
-            <a:endParaRPr lang="en-US" altLang="zh-CN" sz="1600" dirty="0" smtClean="0">
-              <a:latin typeface="Times New Roman" panose="02020603050405020304" pitchFamily="18" charset="0"/>
-              <a:ea typeface="宋体" panose="02010600030101010101" pitchFamily="2" charset="-122"/>
-              <a:cs typeface="Times New Roman" panose="02020603050405020304" pitchFamily="18" charset="0"/>
-            </a:endParaRPr>
-          </a:p>
-          <a:p>
-            <a:pPr lvl="1" algn="just">
-              <a:spcBef>
-                <a:spcPts val="600"/>
-              </a:spcBef>
-              <a:spcAft>
-                <a:spcPts val="600"/>
-              </a:spcAft>
-              <a:buFont typeface="Wingdings" panose="05000000000000000000" pitchFamily="2" charset="2"/>
-              <a:buChar char="Ø"/>
+              <a:buNone/>
             </a:pPr>
             <a:endParaRPr lang="en-US" altLang="zh-CN" sz="1200" dirty="0" smtClean="0">
               <a:latin typeface="Times New Roman" panose="02020603050405020304" pitchFamily="18" charset="0"/>
@@ -8240,7 +8031,39 @@
               <a:buFont typeface="Wingdings" panose="05000000000000000000" pitchFamily="2" charset="2"/>
               <a:buChar char="Ø"/>
             </a:pPr>
-            <a:endParaRPr lang="en-US" altLang="zh-CN" sz="2000" dirty="0">
+            <a:r>
+              <a:rPr lang="zh-CN" altLang="en-US" sz="2000" dirty="0">
+                <a:latin typeface="Times New Roman" panose="02020603050405020304" pitchFamily="18" charset="0"/>
+                <a:ea typeface="宋体" panose="02010600030101010101" pitchFamily="2" charset="-122"/>
+                <a:cs typeface="Times New Roman" panose="02020603050405020304" pitchFamily="18" charset="0"/>
+              </a:rPr>
+              <a:t>在安全攸关软件的开发中，编译器作为软件开发过程中的关键工具，实现把系统的源代码编译成目标代码的过程，其是否具备安全、可信的性质，是软件能否达到</a:t>
+            </a:r>
+            <a:r>
+              <a:rPr lang="en-US" altLang="zh-CN" sz="2000" dirty="0">
+                <a:latin typeface="Times New Roman" panose="02020603050405020304" pitchFamily="18" charset="0"/>
+                <a:ea typeface="宋体" panose="02010600030101010101" pitchFamily="2" charset="-122"/>
+                <a:cs typeface="Times New Roman" panose="02020603050405020304" pitchFamily="18" charset="0"/>
+              </a:rPr>
+              <a:t>A</a:t>
+            </a:r>
+            <a:r>
+              <a:rPr lang="zh-CN" altLang="en-US" sz="2000" dirty="0">
+                <a:latin typeface="Times New Roman" panose="02020603050405020304" pitchFamily="18" charset="0"/>
+                <a:ea typeface="宋体" panose="02010600030101010101" pitchFamily="2" charset="-122"/>
+                <a:cs typeface="Times New Roman" panose="02020603050405020304" pitchFamily="18" charset="0"/>
+              </a:rPr>
+              <a:t>级开发标准的重要因素</a:t>
+            </a:r>
+            <a:r>
+              <a:rPr lang="zh-CN" altLang="en-US" sz="2000" dirty="0" smtClean="0">
+                <a:latin typeface="Times New Roman" panose="02020603050405020304" pitchFamily="18" charset="0"/>
+                <a:ea typeface="宋体" panose="02010600030101010101" pitchFamily="2" charset="-122"/>
+                <a:cs typeface="Times New Roman" panose="02020603050405020304" pitchFamily="18" charset="0"/>
+              </a:rPr>
+              <a:t>。</a:t>
+            </a:r>
+            <a:endParaRPr lang="en-US" altLang="zh-CN" sz="2000" dirty="0" smtClean="0">
               <a:latin typeface="Times New Roman" panose="02020603050405020304" pitchFamily="18" charset="0"/>
               <a:ea typeface="宋体" panose="02010600030101010101" pitchFamily="2" charset="-122"/>
               <a:cs typeface="Times New Roman" panose="02020603050405020304" pitchFamily="18" charset="0"/>
@@ -8254,7 +8077,23 @@
               <a:buFont typeface="Wingdings" panose="05000000000000000000" pitchFamily="2" charset="2"/>
               <a:buChar char="Ø"/>
             </a:pPr>
-            <a:endParaRPr lang="zh-CN" altLang="en-US" sz="2000" dirty="0">
+            <a:r>
+              <a:rPr lang="zh-CN" altLang="en-US" sz="2000" dirty="0" smtClean="0">
+                <a:latin typeface="Times New Roman" panose="02020603050405020304" pitchFamily="18" charset="0"/>
+                <a:ea typeface="宋体" panose="02010600030101010101" pitchFamily="2" charset="-122"/>
+                <a:cs typeface="Times New Roman" panose="02020603050405020304" pitchFamily="18" charset="0"/>
+              </a:rPr>
+              <a:t>本</a:t>
+            </a:r>
+            <a:r>
+              <a:rPr lang="zh-CN" altLang="en-US" sz="2000" dirty="0">
+                <a:latin typeface="Times New Roman" panose="02020603050405020304" pitchFamily="18" charset="0"/>
+                <a:ea typeface="宋体" panose="02010600030101010101" pitchFamily="2" charset="-122"/>
+                <a:cs typeface="Times New Roman" panose="02020603050405020304" pitchFamily="18" charset="0"/>
+              </a:rPr>
+              <a:t>课题的研究目标是构建一个可以实现对编译器建模及形式化验证的工具，该工具可以对编译前后的源代码和目标代码进行变换和推导，验证其语义是否保持一致，从而得出编译器是否安全可信。</a:t>
+            </a:r>
+            <a:endParaRPr lang="en-US" altLang="zh-CN" sz="2000" dirty="0">
               <a:latin typeface="Times New Roman" panose="02020603050405020304" pitchFamily="18" charset="0"/>
               <a:ea typeface="宋体" panose="02010600030101010101" pitchFamily="2" charset="-122"/>
               <a:cs typeface="Times New Roman" panose="02020603050405020304" pitchFamily="18" charset="0"/>
@@ -8305,7 +8144,7 @@
           <a:p>
             <a:pPr latinLnBrk="1"/>
             <a:r>
-              <a:rPr kumimoji="1" lang="en-US" altLang="zh-CN" sz="2000" b="1" dirty="0" smtClean="0">
+              <a:rPr kumimoji="1" lang="zh-CN" altLang="en-US" sz="2000" b="1" dirty="0" smtClean="0">
                 <a:solidFill>
                   <a:schemeClr val="tx1"/>
                 </a:solidFill>
@@ -8313,10 +8152,10 @@
                 <a:ea typeface="宋体" panose="02010600030101010101" pitchFamily="2" charset="-122"/>
                 <a:cs typeface="Times New Roman" panose="02020603050405020304" pitchFamily="18" charset="0"/>
               </a:rPr>
-              <a:t>B</a:t>
-            </a:r>
-            <a:r>
-              <a:rPr kumimoji="1" lang="en-US" altLang="zh-CN" sz="2000" b="1" baseline="30000" dirty="0" smtClean="0">
+              <a:t>研究</a:t>
+            </a:r>
+            <a:r>
+              <a:rPr kumimoji="1" lang="zh-CN" altLang="en-US" sz="2000" b="1" dirty="0">
                 <a:solidFill>
                   <a:schemeClr val="tx1"/>
                 </a:solidFill>
@@ -8324,18 +8163,7 @@
                 <a:ea typeface="宋体" panose="02010600030101010101" pitchFamily="2" charset="-122"/>
                 <a:cs typeface="Times New Roman" panose="02020603050405020304" pitchFamily="18" charset="0"/>
               </a:rPr>
-              <a:t>*</a:t>
-            </a:r>
-            <a:r>
-              <a:rPr kumimoji="1" lang="zh-CN" altLang="en-US" sz="2000" b="1" dirty="0" smtClean="0">
-                <a:solidFill>
-                  <a:schemeClr val="tx1"/>
-                </a:solidFill>
-                <a:latin typeface="Times New Roman" panose="02020603050405020304" pitchFamily="18" charset="0"/>
-                <a:ea typeface="宋体" panose="02010600030101010101" pitchFamily="2" charset="-122"/>
-                <a:cs typeface="Times New Roman" panose="02020603050405020304" pitchFamily="18" charset="0"/>
-              </a:rPr>
-              <a:t>形式规范语言</a:t>
+              <a:t>目标</a:t>
             </a:r>
             <a:endParaRPr kumimoji="1" lang="zh-CN" altLang="en-US" sz="2000" b="1" dirty="0">
               <a:solidFill>
@@ -8441,480 +8269,14 @@
             </a:endParaRPr>
           </a:p>
           <a:p>
-            <a:pPr lvl="2"/>
-            <a:endParaRPr lang="en-US" altLang="zh-CN" dirty="0">
-              <a:latin typeface="宋体" panose="02010600030101010101" pitchFamily="2" charset="-122"/>
-              <a:ea typeface="宋体" panose="02010600030101010101" pitchFamily="2" charset="-122"/>
-            </a:endParaRPr>
-          </a:p>
-          <a:p>
-            <a:pPr algn="just">
+            <a:pPr marL="457200" lvl="1" indent="0" algn="just">
               <a:spcBef>
                 <a:spcPts val="600"/>
               </a:spcBef>
               <a:spcAft>
                 <a:spcPts val="600"/>
               </a:spcAft>
-              <a:buFont typeface="Wingdings" panose="05000000000000000000" pitchFamily="2" charset="2"/>
-              <a:buChar char="Ø"/>
-            </a:pPr>
-            <a:r>
-              <a:rPr lang="zh-CN" altLang="en-US" sz="2000" dirty="0" smtClean="0">
-                <a:latin typeface="宋体" panose="02010600030101010101" pitchFamily="2" charset="-122"/>
-                <a:ea typeface="宋体" panose="02010600030101010101" pitchFamily="2" charset="-122"/>
-                <a:cs typeface="Times New Roman" panose="02020603050405020304" pitchFamily="18" charset="0"/>
-              </a:rPr>
-              <a:t>在</a:t>
-            </a:r>
-            <a:r>
-              <a:rPr lang="en-US" altLang="zh-CN" sz="2000" dirty="0" smtClean="0">
-                <a:solidFill>
-                  <a:srgbClr val="FF0000"/>
-                </a:solidFill>
-                <a:latin typeface="宋体" panose="02010600030101010101" pitchFamily="2" charset="-122"/>
-                <a:ea typeface="宋体" panose="02010600030101010101" pitchFamily="2" charset="-122"/>
-                <a:cs typeface="Times New Roman" panose="02020603050405020304" pitchFamily="18" charset="0"/>
-              </a:rPr>
-              <a:t>B</a:t>
-            </a:r>
-            <a:r>
-              <a:rPr lang="en-US" altLang="zh-CN" sz="2000" baseline="30000" dirty="0" smtClean="0">
-                <a:solidFill>
-                  <a:srgbClr val="FF0000"/>
-                </a:solidFill>
-                <a:latin typeface="宋体" panose="02010600030101010101" pitchFamily="2" charset="-122"/>
-                <a:ea typeface="宋体" panose="02010600030101010101" pitchFamily="2" charset="-122"/>
-                <a:cs typeface="Times New Roman" panose="02020603050405020304" pitchFamily="18" charset="0"/>
-              </a:rPr>
-              <a:t>*</a:t>
-            </a:r>
-            <a:r>
-              <a:rPr lang="zh-CN" altLang="en-US" sz="2000" dirty="0" smtClean="0">
-                <a:latin typeface="宋体" panose="02010600030101010101" pitchFamily="2" charset="-122"/>
-                <a:ea typeface="宋体" panose="02010600030101010101" pitchFamily="2" charset="-122"/>
-                <a:cs typeface="Times New Roman" panose="02020603050405020304" pitchFamily="18" charset="0"/>
-              </a:rPr>
-              <a:t>形式规范基础上，将每条形式规范语句转换为</a:t>
-            </a:r>
-            <a:r>
-              <a:rPr lang="zh-CN" altLang="en-US" sz="2000" dirty="0" smtClean="0">
-                <a:solidFill>
-                  <a:srgbClr val="FF0000"/>
-                </a:solidFill>
-                <a:latin typeface="宋体" panose="02010600030101010101" pitchFamily="2" charset="-122"/>
-                <a:ea typeface="宋体" panose="02010600030101010101" pitchFamily="2" charset="-122"/>
-                <a:cs typeface="Times New Roman" panose="02020603050405020304" pitchFamily="18" charset="0"/>
-              </a:rPr>
-              <a:t>一阶逻辑公式</a:t>
-            </a:r>
-            <a:r>
-              <a:rPr lang="zh-CN" altLang="en-US" sz="2000" dirty="0" smtClean="0">
-                <a:latin typeface="宋体" panose="02010600030101010101" pitchFamily="2" charset="-122"/>
-                <a:ea typeface="宋体" panose="02010600030101010101" pitchFamily="2" charset="-122"/>
-                <a:cs typeface="Times New Roman" panose="02020603050405020304" pitchFamily="18" charset="0"/>
-              </a:rPr>
-              <a:t>。</a:t>
-            </a:r>
-            <a:endParaRPr lang="en-US" altLang="zh-CN" sz="2000" dirty="0" smtClean="0">
-              <a:latin typeface="宋体" panose="02010600030101010101" pitchFamily="2" charset="-122"/>
-              <a:ea typeface="宋体" panose="02010600030101010101" pitchFamily="2" charset="-122"/>
-              <a:cs typeface="Times New Roman" panose="02020603050405020304" pitchFamily="18" charset="0"/>
-            </a:endParaRPr>
-          </a:p>
-          <a:p>
-            <a:pPr algn="just">
-              <a:spcBef>
-                <a:spcPts val="600"/>
-              </a:spcBef>
-              <a:spcAft>
-                <a:spcPts val="600"/>
-              </a:spcAft>
-              <a:buFont typeface="Wingdings" panose="05000000000000000000" pitchFamily="2" charset="2"/>
-              <a:buChar char="Ø"/>
-            </a:pPr>
-            <a:r>
-              <a:rPr lang="zh-CN" altLang="en-US" sz="2000" dirty="0">
-                <a:latin typeface="宋体" panose="02010600030101010101" pitchFamily="2" charset="-122"/>
-                <a:ea typeface="宋体" panose="02010600030101010101" pitchFamily="2" charset="-122"/>
-                <a:cs typeface="Times New Roman" panose="02020603050405020304" pitchFamily="18" charset="0"/>
-              </a:rPr>
-              <a:t>引入</a:t>
-            </a:r>
-            <a:r>
-              <a:rPr lang="zh-CN" altLang="en-US" sz="2000" dirty="0" smtClean="0">
-                <a:solidFill>
-                  <a:srgbClr val="FF0000"/>
-                </a:solidFill>
-                <a:latin typeface="宋体" panose="02010600030101010101" pitchFamily="2" charset="-122"/>
-                <a:ea typeface="宋体" panose="02010600030101010101" pitchFamily="2" charset="-122"/>
-                <a:cs typeface="Times New Roman" panose="02020603050405020304" pitchFamily="18" charset="0"/>
-              </a:rPr>
-              <a:t>蒙太古</a:t>
-            </a:r>
-            <a:r>
-              <a:rPr lang="zh-CN" altLang="en-US" sz="2000" dirty="0" smtClean="0">
-                <a:latin typeface="宋体" panose="02010600030101010101" pitchFamily="2" charset="-122"/>
-                <a:ea typeface="宋体" panose="02010600030101010101" pitchFamily="2" charset="-122"/>
-                <a:cs typeface="Times New Roman" panose="02020603050405020304" pitchFamily="18" charset="0"/>
-              </a:rPr>
-              <a:t>语用学</a:t>
-            </a:r>
-            <a:r>
-              <a:rPr lang="en-US" altLang="zh-CN" sz="2000" baseline="30000" dirty="0">
-                <a:latin typeface="Times New Roman" panose="02020603050405020304" pitchFamily="18" charset="0"/>
-                <a:ea typeface="宋体" panose="02010600030101010101" pitchFamily="2" charset="-122"/>
-                <a:cs typeface="Times New Roman" panose="02020603050405020304" pitchFamily="18" charset="0"/>
-              </a:rPr>
-              <a:t>[11]</a:t>
-            </a:r>
-            <a:r>
-              <a:rPr lang="zh-CN" altLang="en-US" sz="2000" dirty="0" smtClean="0">
-                <a:latin typeface="宋体" panose="02010600030101010101" pitchFamily="2" charset="-122"/>
-                <a:ea typeface="宋体" panose="02010600030101010101" pitchFamily="2" charset="-122"/>
-                <a:cs typeface="Times New Roman" panose="02020603050405020304" pitchFamily="18" charset="0"/>
-              </a:rPr>
-              <a:t>中</a:t>
-            </a:r>
-            <a:r>
-              <a:rPr lang="zh-CN" altLang="en-US" sz="2000" dirty="0" smtClean="0">
-                <a:solidFill>
-                  <a:srgbClr val="FF0000"/>
-                </a:solidFill>
-                <a:latin typeface="宋体" panose="02010600030101010101" pitchFamily="2" charset="-122"/>
-                <a:ea typeface="宋体" panose="02010600030101010101" pitchFamily="2" charset="-122"/>
-                <a:cs typeface="Times New Roman" panose="02020603050405020304" pitchFamily="18" charset="0"/>
-              </a:rPr>
-              <a:t>相同对象在不同语境中语义不同</a:t>
-            </a:r>
-            <a:r>
-              <a:rPr lang="zh-CN" altLang="en-US" sz="2000" dirty="0" smtClean="0">
-                <a:latin typeface="宋体" panose="02010600030101010101" pitchFamily="2" charset="-122"/>
-                <a:ea typeface="宋体" panose="02010600030101010101" pitchFamily="2" charset="-122"/>
-                <a:cs typeface="Times New Roman" panose="02020603050405020304" pitchFamily="18" charset="0"/>
-              </a:rPr>
-              <a:t>的思想，提出</a:t>
-            </a:r>
-            <a:r>
-              <a:rPr lang="zh-CN" altLang="en-US" sz="2000" dirty="0" smtClean="0">
-                <a:solidFill>
-                  <a:srgbClr val="FF0000"/>
-                </a:solidFill>
-                <a:latin typeface="宋体" panose="02010600030101010101" pitchFamily="2" charset="-122"/>
-                <a:ea typeface="宋体" panose="02010600030101010101" pitchFamily="2" charset="-122"/>
-                <a:cs typeface="Times New Roman" panose="02020603050405020304" pitchFamily="18" charset="0"/>
-              </a:rPr>
-              <a:t>语境</a:t>
-            </a:r>
-            <a:r>
-              <a:rPr lang="zh-CN" altLang="en-US" sz="2000" dirty="0" smtClean="0">
-                <a:latin typeface="宋体" panose="02010600030101010101" pitchFamily="2" charset="-122"/>
-                <a:ea typeface="宋体" panose="02010600030101010101" pitchFamily="2" charset="-122"/>
-                <a:cs typeface="Times New Roman" panose="02020603050405020304" pitchFamily="18" charset="0"/>
-              </a:rPr>
-              <a:t>的概念，使用名称和变量所处语境同时对变量进行描述。</a:t>
-            </a:r>
-            <a:endParaRPr lang="en-US" altLang="zh-CN" sz="2000" dirty="0" smtClean="0">
-              <a:latin typeface="宋体" panose="02010600030101010101" pitchFamily="2" charset="-122"/>
-              <a:ea typeface="宋体" panose="02010600030101010101" pitchFamily="2" charset="-122"/>
-              <a:cs typeface="Times New Roman" panose="02020603050405020304" pitchFamily="18" charset="0"/>
-            </a:endParaRPr>
-          </a:p>
-          <a:p>
-            <a:pPr algn="just">
-              <a:spcBef>
-                <a:spcPts val="600"/>
-              </a:spcBef>
-              <a:spcAft>
-                <a:spcPts val="600"/>
-              </a:spcAft>
-              <a:buFont typeface="Wingdings" panose="05000000000000000000" pitchFamily="2" charset="2"/>
-              <a:buChar char="Ø"/>
-            </a:pPr>
-            <a:r>
-              <a:rPr lang="zh-CN" altLang="en-US" sz="2000" dirty="0" smtClean="0">
-                <a:latin typeface="宋体" panose="02010600030101010101" pitchFamily="2" charset="-122"/>
-                <a:ea typeface="宋体" panose="02010600030101010101" pitchFamily="2" charset="-122"/>
-                <a:cs typeface="Times New Roman" panose="02020603050405020304" pitchFamily="18" charset="0"/>
-              </a:rPr>
-              <a:t>引入</a:t>
-            </a:r>
-            <a:r>
-              <a:rPr lang="zh-CN" altLang="en-US" sz="2000" dirty="0" smtClean="0">
-                <a:solidFill>
-                  <a:srgbClr val="FF0000"/>
-                </a:solidFill>
-                <a:latin typeface="宋体" panose="02010600030101010101" pitchFamily="2" charset="-122"/>
-                <a:ea typeface="宋体" panose="02010600030101010101" pitchFamily="2" charset="-122"/>
-                <a:cs typeface="Times New Roman" panose="02020603050405020304" pitchFamily="18" charset="0"/>
-              </a:rPr>
-              <a:t>限定数学归纳法</a:t>
-            </a:r>
-            <a:r>
-              <a:rPr lang="zh-CN" altLang="en-US" sz="2000" dirty="0" smtClean="0">
-                <a:latin typeface="宋体" panose="02010600030101010101" pitchFamily="2" charset="-122"/>
-                <a:ea typeface="宋体" panose="02010600030101010101" pitchFamily="2" charset="-122"/>
-                <a:cs typeface="Times New Roman" panose="02020603050405020304" pitchFamily="18" charset="0"/>
-              </a:rPr>
-              <a:t>作为证明公理，解决循环结构语句的证明问题。</a:t>
-            </a:r>
-            <a:endParaRPr lang="en-US" altLang="zh-CN" sz="2000" dirty="0" smtClean="0">
-              <a:latin typeface="宋体" panose="02010600030101010101" pitchFamily="2" charset="-122"/>
-              <a:ea typeface="宋体" panose="02010600030101010101" pitchFamily="2" charset="-122"/>
-              <a:cs typeface="Times New Roman" panose="02020603050405020304" pitchFamily="18" charset="0"/>
-            </a:endParaRPr>
-          </a:p>
-          <a:p>
-            <a:pPr algn="just">
-              <a:spcBef>
-                <a:spcPts val="600"/>
-              </a:spcBef>
-              <a:spcAft>
-                <a:spcPts val="600"/>
-              </a:spcAft>
-              <a:buFont typeface="Wingdings" panose="05000000000000000000" pitchFamily="2" charset="2"/>
-              <a:buChar char="Ø"/>
-            </a:pPr>
-            <a:r>
-              <a:rPr lang="zh-CN" altLang="en-US" sz="2000" dirty="0">
-                <a:latin typeface="宋体" panose="02010600030101010101" pitchFamily="2" charset="-122"/>
-                <a:ea typeface="宋体" panose="02010600030101010101" pitchFamily="2" charset="-122"/>
-                <a:cs typeface="Times New Roman" panose="02020603050405020304" pitchFamily="18" charset="0"/>
-              </a:rPr>
-              <a:t>从</a:t>
-            </a:r>
-            <a:r>
-              <a:rPr lang="zh-CN" altLang="en-US" sz="2000" dirty="0" smtClean="0">
-                <a:latin typeface="宋体" panose="02010600030101010101" pitchFamily="2" charset="-122"/>
-                <a:ea typeface="宋体" panose="02010600030101010101" pitchFamily="2" charset="-122"/>
-                <a:cs typeface="Times New Roman" panose="02020603050405020304" pitchFamily="18" charset="0"/>
-              </a:rPr>
-              <a:t>程序的</a:t>
-            </a:r>
-            <a:r>
-              <a:rPr lang="zh-CN" altLang="en-US" sz="2000" dirty="0" smtClean="0">
-                <a:solidFill>
-                  <a:srgbClr val="FF0000"/>
-                </a:solidFill>
-                <a:latin typeface="宋体" panose="02010600030101010101" pitchFamily="2" charset="-122"/>
-                <a:ea typeface="宋体" panose="02010600030101010101" pitchFamily="2" charset="-122"/>
-                <a:cs typeface="Times New Roman" panose="02020603050405020304" pitchFamily="18" charset="0"/>
-              </a:rPr>
-              <a:t>形式化行为描述</a:t>
-            </a:r>
-            <a:r>
-              <a:rPr lang="zh-CN" altLang="en-US" sz="2000" dirty="0" smtClean="0">
-                <a:latin typeface="宋体" panose="02010600030101010101" pitchFamily="2" charset="-122"/>
-                <a:ea typeface="宋体" panose="02010600030101010101" pitchFamily="2" charset="-122"/>
-                <a:cs typeface="Times New Roman" panose="02020603050405020304" pitchFamily="18" charset="0"/>
-              </a:rPr>
-              <a:t>推导出其</a:t>
-            </a:r>
-            <a:r>
-              <a:rPr lang="zh-CN" altLang="en-US" sz="2000" dirty="0" smtClean="0">
-                <a:solidFill>
-                  <a:srgbClr val="FF0000"/>
-                </a:solidFill>
-                <a:latin typeface="宋体" panose="02010600030101010101" pitchFamily="2" charset="-122"/>
-                <a:ea typeface="宋体" panose="02010600030101010101" pitchFamily="2" charset="-122"/>
-                <a:cs typeface="Times New Roman" panose="02020603050405020304" pitchFamily="18" charset="0"/>
-              </a:rPr>
-              <a:t>功能逻辑描述</a:t>
-            </a:r>
-            <a:r>
-              <a:rPr lang="zh-CN" altLang="en-US" sz="2000" dirty="0" smtClean="0">
-                <a:latin typeface="宋体" panose="02010600030101010101" pitchFamily="2" charset="-122"/>
-                <a:ea typeface="宋体" panose="02010600030101010101" pitchFamily="2" charset="-122"/>
-                <a:cs typeface="Times New Roman" panose="02020603050405020304" pitchFamily="18" charset="0"/>
-              </a:rPr>
-              <a:t>，并通过确认功能逻辑描述的正确性来确认程序的正确性。</a:t>
-            </a:r>
-            <a:endParaRPr lang="en-US" altLang="zh-CN" sz="2000" dirty="0" smtClean="0">
-              <a:latin typeface="宋体" panose="02010600030101010101" pitchFamily="2" charset="-122"/>
-              <a:ea typeface="宋体" panose="02010600030101010101" pitchFamily="2" charset="-122"/>
-              <a:cs typeface="Times New Roman" panose="02020603050405020304" pitchFamily="18" charset="0"/>
-            </a:endParaRPr>
-          </a:p>
-          <a:p>
-            <a:pPr algn="just">
-              <a:spcBef>
-                <a:spcPts val="600"/>
-              </a:spcBef>
-              <a:spcAft>
-                <a:spcPts val="600"/>
-              </a:spcAft>
-              <a:buFont typeface="Wingdings" panose="05000000000000000000" pitchFamily="2" charset="2"/>
-              <a:buChar char="Ø"/>
-            </a:pPr>
-            <a:r>
-              <a:rPr lang="zh-CN" altLang="en-US" sz="2000" dirty="0" smtClean="0">
-                <a:latin typeface="宋体" panose="02010600030101010101" pitchFamily="2" charset="-122"/>
-                <a:ea typeface="宋体" panose="02010600030101010101" pitchFamily="2" charset="-122"/>
-                <a:cs typeface="Times New Roman" panose="02020603050405020304" pitchFamily="18" charset="0"/>
-              </a:rPr>
-              <a:t>相对于传统形式化方法的优点</a:t>
-            </a:r>
-            <a:endParaRPr lang="en-US" altLang="zh-CN" sz="2000" dirty="0" smtClean="0">
-              <a:latin typeface="宋体" panose="02010600030101010101" pitchFamily="2" charset="-122"/>
-              <a:ea typeface="宋体" panose="02010600030101010101" pitchFamily="2" charset="-122"/>
-              <a:cs typeface="Times New Roman" panose="02020603050405020304" pitchFamily="18" charset="0"/>
-            </a:endParaRPr>
-          </a:p>
-          <a:p>
-            <a:pPr lvl="1" algn="just">
-              <a:spcBef>
-                <a:spcPts val="600"/>
-              </a:spcBef>
-              <a:spcAft>
-                <a:spcPts val="600"/>
-              </a:spcAft>
-              <a:buFont typeface="Wingdings" panose="05000000000000000000" pitchFamily="2" charset="2"/>
-              <a:buChar char="Ø"/>
-            </a:pPr>
-            <a:r>
-              <a:rPr lang="zh-CN" altLang="en-US" sz="1600" dirty="0">
-                <a:solidFill>
-                  <a:srgbClr val="FF0000"/>
-                </a:solidFill>
-                <a:latin typeface="宋体" panose="02010600030101010101" pitchFamily="2" charset="-122"/>
-                <a:ea typeface="宋体" panose="02010600030101010101" pitchFamily="2" charset="-122"/>
-                <a:cs typeface="Times New Roman" panose="02020603050405020304" pitchFamily="18" charset="0"/>
-              </a:rPr>
-              <a:t>无需</a:t>
-            </a:r>
-            <a:r>
-              <a:rPr lang="zh-CN" altLang="en-US" sz="1600" dirty="0" smtClean="0">
-                <a:solidFill>
-                  <a:srgbClr val="FF0000"/>
-                </a:solidFill>
-                <a:latin typeface="宋体" panose="02010600030101010101" pitchFamily="2" charset="-122"/>
-                <a:ea typeface="宋体" panose="02010600030101010101" pitchFamily="2" charset="-122"/>
-                <a:cs typeface="Times New Roman" panose="02020603050405020304" pitchFamily="18" charset="0"/>
-              </a:rPr>
-              <a:t>构造循环不等式</a:t>
-            </a:r>
-            <a:endParaRPr lang="en-US" altLang="zh-CN" sz="1600" dirty="0" smtClean="0">
-              <a:solidFill>
-                <a:srgbClr val="FF0000"/>
-              </a:solidFill>
-              <a:latin typeface="宋体" panose="02010600030101010101" pitchFamily="2" charset="-122"/>
-              <a:ea typeface="宋体" panose="02010600030101010101" pitchFamily="2" charset="-122"/>
-              <a:cs typeface="Times New Roman" panose="02020603050405020304" pitchFamily="18" charset="0"/>
-            </a:endParaRPr>
-          </a:p>
-          <a:p>
-            <a:pPr lvl="1" algn="just">
-              <a:spcBef>
-                <a:spcPts val="600"/>
-              </a:spcBef>
-              <a:spcAft>
-                <a:spcPts val="600"/>
-              </a:spcAft>
-              <a:buFont typeface="Wingdings" panose="05000000000000000000" pitchFamily="2" charset="2"/>
-              <a:buChar char="Ø"/>
-            </a:pPr>
-            <a:r>
-              <a:rPr lang="zh-CN" altLang="en-US" sz="1600" dirty="0" smtClean="0">
-                <a:solidFill>
-                  <a:srgbClr val="FF0000"/>
-                </a:solidFill>
-                <a:latin typeface="宋体" panose="02010600030101010101" pitchFamily="2" charset="-122"/>
-                <a:ea typeface="宋体" panose="02010600030101010101" pitchFamily="2" charset="-122"/>
-                <a:cs typeface="Times New Roman" panose="02020603050405020304" pitchFamily="18" charset="0"/>
-              </a:rPr>
-              <a:t>无需构造符合功能正确性的逻辑表达式</a:t>
-            </a:r>
-            <a:endParaRPr lang="en-US" altLang="zh-CN" sz="1600" dirty="0" smtClean="0">
-              <a:solidFill>
-                <a:srgbClr val="FF0000"/>
-              </a:solidFill>
-              <a:latin typeface="宋体" panose="02010600030101010101" pitchFamily="2" charset="-122"/>
-              <a:ea typeface="宋体" panose="02010600030101010101" pitchFamily="2" charset="-122"/>
-              <a:cs typeface="Times New Roman" panose="02020603050405020304" pitchFamily="18" charset="0"/>
-            </a:endParaRPr>
-          </a:p>
-          <a:p>
-            <a:pPr lvl="1" algn="just">
-              <a:spcBef>
-                <a:spcPts val="600"/>
-              </a:spcBef>
-              <a:spcAft>
-                <a:spcPts val="600"/>
-              </a:spcAft>
-              <a:buFont typeface="Wingdings" panose="05000000000000000000" pitchFamily="2" charset="2"/>
-              <a:buChar char="Ø"/>
-            </a:pPr>
-            <a:r>
-              <a:rPr lang="zh-CN" altLang="en-US" sz="1600" dirty="0">
-                <a:solidFill>
-                  <a:srgbClr val="FF0000"/>
-                </a:solidFill>
-                <a:latin typeface="宋体" panose="02010600030101010101" pitchFamily="2" charset="-122"/>
-                <a:ea typeface="宋体" panose="02010600030101010101" pitchFamily="2" charset="-122"/>
-                <a:cs typeface="Times New Roman" panose="02020603050405020304" pitchFamily="18" charset="0"/>
-              </a:rPr>
-              <a:t>证明</a:t>
-            </a:r>
-            <a:r>
-              <a:rPr lang="zh-CN" altLang="en-US" sz="1600" dirty="0" smtClean="0">
-                <a:solidFill>
-                  <a:srgbClr val="FF0000"/>
-                </a:solidFill>
-                <a:latin typeface="宋体" panose="02010600030101010101" pitchFamily="2" charset="-122"/>
-                <a:ea typeface="宋体" panose="02010600030101010101" pitchFamily="2" charset="-122"/>
-                <a:cs typeface="Times New Roman" panose="02020603050405020304" pitchFamily="18" charset="0"/>
-              </a:rPr>
-              <a:t>序列基本确定</a:t>
-            </a:r>
-            <a:endParaRPr lang="en-US" altLang="zh-CN" sz="1600" dirty="0" smtClean="0">
-              <a:solidFill>
-                <a:srgbClr val="FF0000"/>
-              </a:solidFill>
-              <a:latin typeface="宋体" panose="02010600030101010101" pitchFamily="2" charset="-122"/>
-              <a:ea typeface="宋体" panose="02010600030101010101" pitchFamily="2" charset="-122"/>
-              <a:cs typeface="Times New Roman" panose="02020603050405020304" pitchFamily="18" charset="0"/>
-            </a:endParaRPr>
-          </a:p>
-          <a:p>
-            <a:pPr lvl="1" algn="just">
-              <a:spcBef>
-                <a:spcPts val="600"/>
-              </a:spcBef>
-              <a:spcAft>
-                <a:spcPts val="600"/>
-              </a:spcAft>
-              <a:buFont typeface="Wingdings" panose="05000000000000000000" pitchFamily="2" charset="2"/>
-              <a:buChar char="Ø"/>
-            </a:pPr>
-            <a:r>
-              <a:rPr lang="zh-CN" altLang="en-US" sz="1600" dirty="0" smtClean="0">
-                <a:solidFill>
-                  <a:srgbClr val="FF0000"/>
-                </a:solidFill>
-                <a:latin typeface="宋体" panose="02010600030101010101" pitchFamily="2" charset="-122"/>
-                <a:ea typeface="宋体" panose="02010600030101010101" pitchFamily="2" charset="-122"/>
-                <a:cs typeface="Times New Roman" panose="02020603050405020304" pitchFamily="18" charset="0"/>
-              </a:rPr>
-              <a:t>能够有效地应用于大型软件的证明</a:t>
-            </a:r>
-            <a:endParaRPr lang="en-US" altLang="zh-CN" sz="1600" dirty="0" smtClean="0">
-              <a:solidFill>
-                <a:srgbClr val="FF0000"/>
-              </a:solidFill>
-              <a:latin typeface="宋体" panose="02010600030101010101" pitchFamily="2" charset="-122"/>
-              <a:ea typeface="宋体" panose="02010600030101010101" pitchFamily="2" charset="-122"/>
-              <a:cs typeface="Times New Roman" panose="02020603050405020304" pitchFamily="18" charset="0"/>
-            </a:endParaRPr>
-          </a:p>
-          <a:p>
-            <a:pPr lvl="1" algn="just">
-              <a:spcBef>
-                <a:spcPts val="600"/>
-              </a:spcBef>
-              <a:spcAft>
-                <a:spcPts val="600"/>
-              </a:spcAft>
-              <a:buFont typeface="Wingdings" panose="05000000000000000000" pitchFamily="2" charset="2"/>
-              <a:buChar char="Ø"/>
+              <a:buNone/>
             </a:pPr>
             <a:endParaRPr lang="en-US" altLang="zh-CN" sz="1600" dirty="0" smtClean="0">
               <a:latin typeface="宋体" panose="02010600030101010101" pitchFamily="2" charset="-122"/>
@@ -8923,21 +8285,26 @@
             </a:endParaRPr>
           </a:p>
           <a:p>
-            <a:pPr lvl="1" algn="just">
-              <a:spcBef>
-                <a:spcPts val="600"/>
-              </a:spcBef>
-              <a:spcAft>
-                <a:spcPts val="600"/>
-              </a:spcAft>
-              <a:buFont typeface="Wingdings" panose="05000000000000000000" pitchFamily="2" charset="2"/>
-              <a:buChar char="Ø"/>
+            <a:pPr marL="0" indent="0">
+              <a:lnSpc>
+                <a:spcPct val="150000"/>
+              </a:lnSpc>
+              <a:buNone/>
             </a:pPr>
-            <a:endParaRPr lang="en-US" altLang="zh-CN" sz="1200" dirty="0" smtClean="0">
-              <a:latin typeface="宋体" panose="02010600030101010101" pitchFamily="2" charset="-122"/>
-              <a:ea typeface="宋体" panose="02010600030101010101" pitchFamily="2" charset="-122"/>
-              <a:cs typeface="Times New Roman" panose="02020603050405020304" pitchFamily="18" charset="0"/>
-            </a:endParaRPr>
+            <a:r>
+              <a:rPr lang="zh-CN" altLang="en-US" sz="2000" dirty="0" smtClean="0">
+                <a:latin typeface="宋体" panose="02010600030101010101" pitchFamily="2" charset="-122"/>
+                <a:ea typeface="宋体" panose="02010600030101010101" pitchFamily="2" charset="-122"/>
+              </a:rPr>
+              <a:t>本文</a:t>
+            </a:r>
+            <a:r>
+              <a:rPr lang="zh-CN" altLang="en-US" sz="2000" dirty="0">
+                <a:latin typeface="宋体" panose="02010600030101010101" pitchFamily="2" charset="-122"/>
+                <a:ea typeface="宋体" panose="02010600030101010101" pitchFamily="2" charset="-122"/>
+              </a:rPr>
+              <a:t>拟进行如下几个方面的研究：</a:t>
+            </a:r>
           </a:p>
           <a:p>
             <a:pPr>
@@ -8947,10 +8314,27 @@
               <a:buFont typeface="Wingdings" panose="05000000000000000000" pitchFamily="2" charset="2"/>
               <a:buChar char="Ø"/>
             </a:pPr>
-            <a:endParaRPr lang="en-US" altLang="zh-CN" sz="2000" dirty="0">
-              <a:latin typeface="宋体" panose="02010600030101010101" pitchFamily="2" charset="-122"/>
-              <a:ea typeface="宋体" panose="02010600030101010101" pitchFamily="2" charset="-122"/>
-            </a:endParaRPr>
+            <a:r>
+              <a:rPr lang="en-US" altLang="zh-CN" sz="2000" dirty="0" smtClean="0">
+                <a:latin typeface="宋体" panose="02010600030101010101" pitchFamily="2" charset="-122"/>
+                <a:ea typeface="宋体" panose="02010600030101010101" pitchFamily="2" charset="-122"/>
+              </a:rPr>
+              <a:t>1</a:t>
+            </a:r>
+            <a:r>
+              <a:rPr lang="zh-CN" altLang="en-US" sz="2000" dirty="0" smtClean="0">
+                <a:latin typeface="宋体" panose="02010600030101010101" pitchFamily="2" charset="-122"/>
+                <a:ea typeface="宋体" panose="02010600030101010101" pitchFamily="2" charset="-122"/>
+              </a:rPr>
+              <a:t>）形式化</a:t>
+            </a:r>
+            <a:r>
+              <a:rPr lang="zh-CN" altLang="en-US" sz="2000" dirty="0">
+                <a:latin typeface="宋体" panose="02010600030101010101" pitchFamily="2" charset="-122"/>
+                <a:ea typeface="宋体" panose="02010600030101010101" pitchFamily="2" charset="-122"/>
+              </a:rPr>
+              <a:t>验证工具系统整体框架设计；</a:t>
+            </a:r>
           </a:p>
           <a:p>
             <a:pPr>
@@ -8960,7 +8344,177 @@
               <a:buFont typeface="Wingdings" panose="05000000000000000000" pitchFamily="2" charset="2"/>
               <a:buChar char="Ø"/>
             </a:pPr>
+            <a:r>
+              <a:rPr lang="en-US" altLang="zh-CN" sz="2000" dirty="0" smtClean="0">
+                <a:latin typeface="宋体" panose="02010600030101010101" pitchFamily="2" charset="-122"/>
+                <a:ea typeface="宋体" panose="02010600030101010101" pitchFamily="2" charset="-122"/>
+              </a:rPr>
+              <a:t>2</a:t>
+            </a:r>
+            <a:r>
+              <a:rPr lang="zh-CN" altLang="en-US" sz="2000" dirty="0" smtClean="0">
+                <a:latin typeface="宋体" panose="02010600030101010101" pitchFamily="2" charset="-122"/>
+                <a:ea typeface="宋体" panose="02010600030101010101" pitchFamily="2" charset="-122"/>
+              </a:rPr>
+              <a:t>）开发</a:t>
+            </a:r>
+            <a:r>
+              <a:rPr lang="zh-CN" altLang="en-US" sz="2000" dirty="0">
+                <a:latin typeface="宋体" panose="02010600030101010101" pitchFamily="2" charset="-122"/>
+                <a:ea typeface="宋体" panose="02010600030101010101" pitchFamily="2" charset="-122"/>
+              </a:rPr>
+              <a:t>由单条安全</a:t>
+            </a:r>
+            <a:r>
+              <a:rPr lang="en-US" altLang="zh-CN" sz="2000" dirty="0">
+                <a:latin typeface="宋体" panose="02010600030101010101" pitchFamily="2" charset="-122"/>
+                <a:ea typeface="宋体" panose="02010600030101010101" pitchFamily="2" charset="-122"/>
+              </a:rPr>
+              <a:t>C</a:t>
+            </a:r>
+            <a:r>
+              <a:rPr lang="zh-CN" altLang="en-US" sz="2000" dirty="0">
+                <a:latin typeface="宋体" panose="02010600030101010101" pitchFamily="2" charset="-122"/>
+                <a:ea typeface="宋体" panose="02010600030101010101" pitchFamily="2" charset="-122"/>
+              </a:rPr>
+              <a:t>文法结构生成的目标代码的形式化验证算法；</a:t>
+            </a:r>
+          </a:p>
+          <a:p>
+            <a:pPr>
+              <a:lnSpc>
+                <a:spcPct val="150000"/>
+              </a:lnSpc>
+              <a:buFont typeface="Wingdings" panose="05000000000000000000" pitchFamily="2" charset="2"/>
+              <a:buChar char="Ø"/>
+            </a:pPr>
+            <a:r>
+              <a:rPr lang="en-US" altLang="zh-CN" sz="2000" dirty="0" smtClean="0">
+                <a:latin typeface="宋体" panose="02010600030101010101" pitchFamily="2" charset="-122"/>
+                <a:ea typeface="宋体" panose="02010600030101010101" pitchFamily="2" charset="-122"/>
+              </a:rPr>
+              <a:t>3</a:t>
+            </a:r>
+            <a:r>
+              <a:rPr lang="zh-CN" altLang="en-US" sz="2000" dirty="0" smtClean="0">
+                <a:latin typeface="宋体" panose="02010600030101010101" pitchFamily="2" charset="-122"/>
+                <a:ea typeface="宋体" panose="02010600030101010101" pitchFamily="2" charset="-122"/>
+              </a:rPr>
+              <a:t>）研究</a:t>
+            </a:r>
+            <a:r>
+              <a:rPr lang="zh-CN" altLang="en-US" sz="2000" dirty="0">
+                <a:latin typeface="宋体" panose="02010600030101010101" pitchFamily="2" charset="-122"/>
+                <a:ea typeface="宋体" panose="02010600030101010101" pitchFamily="2" charset="-122"/>
+              </a:rPr>
+              <a:t>从单条安全</a:t>
+            </a:r>
+            <a:r>
+              <a:rPr lang="en-US" altLang="zh-CN" sz="2000" dirty="0">
+                <a:latin typeface="宋体" panose="02010600030101010101" pitchFamily="2" charset="-122"/>
+                <a:ea typeface="宋体" panose="02010600030101010101" pitchFamily="2" charset="-122"/>
+              </a:rPr>
+              <a:t>C</a:t>
+            </a:r>
+            <a:r>
+              <a:rPr lang="zh-CN" altLang="en-US" sz="2000" dirty="0">
+                <a:latin typeface="宋体" panose="02010600030101010101" pitchFamily="2" charset="-122"/>
+                <a:ea typeface="宋体" panose="02010600030101010101" pitchFamily="2" charset="-122"/>
+              </a:rPr>
+              <a:t>文法结构到整个程序的目标代码的综合方法；</a:t>
+            </a:r>
+          </a:p>
+          <a:p>
+            <a:pPr>
+              <a:lnSpc>
+                <a:spcPct val="150000"/>
+              </a:lnSpc>
+              <a:buFont typeface="Wingdings" panose="05000000000000000000" pitchFamily="2" charset="2"/>
+              <a:buChar char="Ø"/>
+            </a:pPr>
+            <a:r>
+              <a:rPr lang="en-US" altLang="zh-CN" sz="2000" dirty="0">
+                <a:latin typeface="宋体" panose="02010600030101010101" pitchFamily="2" charset="-122"/>
+                <a:ea typeface="宋体" panose="02010600030101010101" pitchFamily="2" charset="-122"/>
+              </a:rPr>
+              <a:t>4</a:t>
+            </a:r>
+            <a:r>
+              <a:rPr lang="zh-CN" altLang="en-US" sz="2000" dirty="0" smtClean="0">
+                <a:latin typeface="宋体" panose="02010600030101010101" pitchFamily="2" charset="-122"/>
+                <a:ea typeface="宋体" panose="02010600030101010101" pitchFamily="2" charset="-122"/>
+              </a:rPr>
+              <a:t>）形式化</a:t>
+            </a:r>
+            <a:r>
+              <a:rPr lang="zh-CN" altLang="en-US" sz="2000" dirty="0">
+                <a:latin typeface="宋体" panose="02010600030101010101" pitchFamily="2" charset="-122"/>
+                <a:ea typeface="宋体" panose="02010600030101010101" pitchFamily="2" charset="-122"/>
+              </a:rPr>
+              <a:t>验证工具证明策略库的构建与使用；</a:t>
+            </a:r>
+          </a:p>
+          <a:p>
+            <a:pPr>
+              <a:lnSpc>
+                <a:spcPct val="150000"/>
+              </a:lnSpc>
+              <a:buFont typeface="Wingdings" panose="05000000000000000000" pitchFamily="2" charset="2"/>
+              <a:buChar char="Ø"/>
+            </a:pPr>
+            <a:r>
+              <a:rPr lang="en-US" altLang="zh-CN" sz="2000" dirty="0">
+                <a:latin typeface="宋体" panose="02010600030101010101" pitchFamily="2" charset="-122"/>
+                <a:ea typeface="宋体" panose="02010600030101010101" pitchFamily="2" charset="-122"/>
+              </a:rPr>
+              <a:t>5</a:t>
+            </a:r>
+            <a:r>
+              <a:rPr lang="zh-CN" altLang="en-US" sz="2000" dirty="0" smtClean="0">
+                <a:latin typeface="宋体" panose="02010600030101010101" pitchFamily="2" charset="-122"/>
+                <a:ea typeface="宋体" panose="02010600030101010101" pitchFamily="2" charset="-122"/>
+              </a:rPr>
+              <a:t>）形式化</a:t>
+            </a:r>
+            <a:r>
+              <a:rPr lang="zh-CN" altLang="en-US" sz="2000" dirty="0">
+                <a:latin typeface="宋体" panose="02010600030101010101" pitchFamily="2" charset="-122"/>
+                <a:ea typeface="宋体" panose="02010600030101010101" pitchFamily="2" charset="-122"/>
+              </a:rPr>
+              <a:t>验证工具用户交互界面的研究与</a:t>
+            </a:r>
+            <a:r>
+              <a:rPr lang="zh-CN" altLang="en-US" sz="2000" dirty="0" smtClean="0">
+                <a:latin typeface="宋体" panose="02010600030101010101" pitchFamily="2" charset="-122"/>
+                <a:ea typeface="宋体" panose="02010600030101010101" pitchFamily="2" charset="-122"/>
+              </a:rPr>
+              <a:t>改进。</a:t>
+            </a:r>
             <a:endParaRPr lang="zh-CN" altLang="en-US" sz="2000" dirty="0">
+              <a:latin typeface="宋体" panose="02010600030101010101" pitchFamily="2" charset="-122"/>
+              <a:ea typeface="宋体" panose="02010600030101010101" pitchFamily="2" charset="-122"/>
+            </a:endParaRPr>
+          </a:p>
+          <a:p>
+            <a:pPr marL="0" indent="0">
+              <a:lnSpc>
+                <a:spcPct val="150000"/>
+              </a:lnSpc>
+              <a:buNone/>
+            </a:pPr>
+            <a:endParaRPr lang="en-US" altLang="zh-CN" sz="2000" dirty="0">
+              <a:latin typeface="宋体" panose="02010600030101010101" pitchFamily="2" charset="-122"/>
+              <a:ea typeface="宋体" panose="02010600030101010101" pitchFamily="2" charset="-122"/>
+            </a:endParaRPr>
+          </a:p>
+          <a:p>
+            <a:pPr marL="0" indent="0">
+              <a:lnSpc>
+                <a:spcPct val="150000"/>
+              </a:lnSpc>
+              <a:buNone/>
+            </a:pPr>
+            <a:endParaRPr lang="en-US" altLang="zh-CN" sz="2000" dirty="0">
               <a:latin typeface="宋体" panose="02010600030101010101" pitchFamily="2" charset="-122"/>
               <a:ea typeface="宋体" panose="02010600030101010101" pitchFamily="2" charset="-122"/>
             </a:endParaRPr>
@@ -9018,7 +8572,18 @@
                 <a:ea typeface="宋体" panose="02010600030101010101" pitchFamily="2" charset="-122"/>
                 <a:cs typeface="Times New Roman" panose="02020603050405020304" pitchFamily="18" charset="0"/>
               </a:rPr>
-              <a:t>基于语境的形式证明方法</a:t>
+              <a:t>主要</a:t>
+            </a:r>
+            <a:r>
+              <a:rPr kumimoji="1" lang="zh-CN" altLang="en-US" sz="2000" b="1" dirty="0">
+                <a:solidFill>
+                  <a:schemeClr val="tx1"/>
+                </a:solidFill>
+                <a:latin typeface="Times New Roman" panose="02020603050405020304" pitchFamily="18" charset="0"/>
+                <a:ea typeface="宋体" panose="02010600030101010101" pitchFamily="2" charset="-122"/>
+                <a:cs typeface="Times New Roman" panose="02020603050405020304" pitchFamily="18" charset="0"/>
+              </a:rPr>
+              <a:t>研究内容</a:t>
             </a:r>
             <a:endParaRPr kumimoji="1" lang="zh-CN" altLang="en-US" sz="2000" b="1" dirty="0">
               <a:solidFill>
@@ -12501,425 +12066,6 @@
           <a:lstStyle/>
           <a:p>
             <a:pPr marL="0" indent="0">
-              <a:buNone/>
-            </a:pPr>
-            <a:endParaRPr lang="en-US" altLang="zh-CN" dirty="0" smtClean="0">
-              <a:latin typeface="宋体" panose="02010600030101010101" pitchFamily="2" charset="-122"/>
-              <a:ea typeface="宋体" panose="02010600030101010101" pitchFamily="2" charset="-122"/>
-              <a:cs typeface="Times New Roman" panose="02020603050405020304" pitchFamily="18" charset="0"/>
-            </a:endParaRPr>
-          </a:p>
-          <a:p>
-            <a:pPr lvl="2"/>
-            <a:endParaRPr lang="en-US" altLang="zh-CN" dirty="0">
-              <a:latin typeface="宋体" panose="02010600030101010101" pitchFamily="2" charset="-122"/>
-              <a:ea typeface="宋体" panose="02010600030101010101" pitchFamily="2" charset="-122"/>
-              <a:cs typeface="Times New Roman" panose="02020603050405020304" pitchFamily="18" charset="0"/>
-            </a:endParaRPr>
-          </a:p>
-          <a:p>
-            <a:pPr algn="just">
-              <a:lnSpc>
-                <a:spcPct val="150000"/>
-              </a:lnSpc>
-              <a:buFont typeface="Arial" panose="020B0604020202020204" pitchFamily="34" charset="0"/>
-              <a:buChar char="•"/>
-            </a:pPr>
-            <a:r>
-              <a:rPr lang="en-US" altLang="zh-CN" sz="2000" dirty="0">
-                <a:latin typeface="宋体" panose="02010600030101010101" pitchFamily="2" charset="-122"/>
-                <a:ea typeface="宋体" panose="02010600030101010101" pitchFamily="2" charset="-122"/>
-                <a:cs typeface="Times New Roman" panose="02020603050405020304" pitchFamily="18" charset="0"/>
-              </a:rPr>
-              <a:t>2013</a:t>
-            </a:r>
-            <a:r>
-              <a:rPr lang="zh-CN" altLang="en-US" sz="2000" dirty="0">
-                <a:latin typeface="宋体" panose="02010600030101010101" pitchFamily="2" charset="-122"/>
-                <a:ea typeface="宋体" panose="02010600030101010101" pitchFamily="2" charset="-122"/>
-                <a:cs typeface="Times New Roman" panose="02020603050405020304" pitchFamily="18" charset="0"/>
-              </a:rPr>
-              <a:t>年</a:t>
-            </a:r>
-            <a:r>
-              <a:rPr lang="en-US" altLang="zh-CN" sz="2000" dirty="0">
-                <a:latin typeface="宋体" panose="02010600030101010101" pitchFamily="2" charset="-122"/>
-                <a:ea typeface="宋体" panose="02010600030101010101" pitchFamily="2" charset="-122"/>
-                <a:cs typeface="Times New Roman" panose="02020603050405020304" pitchFamily="18" charset="0"/>
-              </a:rPr>
-              <a:t>11</a:t>
-            </a:r>
-            <a:r>
-              <a:rPr lang="zh-CN" altLang="en-US" sz="2000" dirty="0">
-                <a:latin typeface="宋体" panose="02010600030101010101" pitchFamily="2" charset="-122"/>
-                <a:ea typeface="宋体" panose="02010600030101010101" pitchFamily="2" charset="-122"/>
-                <a:cs typeface="Times New Roman" panose="02020603050405020304" pitchFamily="18" charset="0"/>
-              </a:rPr>
-              <a:t>月 </a:t>
-            </a:r>
-            <a:r>
-              <a:rPr lang="en-US" altLang="zh-CN" sz="2000" dirty="0">
-                <a:latin typeface="宋体" panose="02010600030101010101" pitchFamily="2" charset="-122"/>
-                <a:ea typeface="宋体" panose="02010600030101010101" pitchFamily="2" charset="-122"/>
-                <a:cs typeface="Times New Roman" panose="02020603050405020304" pitchFamily="18" charset="0"/>
-              </a:rPr>
-              <a:t>— 2013</a:t>
-            </a:r>
-            <a:r>
-              <a:rPr lang="zh-CN" altLang="en-US" sz="2000" dirty="0">
-                <a:latin typeface="宋体" panose="02010600030101010101" pitchFamily="2" charset="-122"/>
-                <a:ea typeface="宋体" panose="02010600030101010101" pitchFamily="2" charset="-122"/>
-                <a:cs typeface="Times New Roman" panose="02020603050405020304" pitchFamily="18" charset="0"/>
-              </a:rPr>
-              <a:t>年</a:t>
-            </a:r>
-            <a:r>
-              <a:rPr lang="en-US" altLang="zh-CN" sz="2000" dirty="0">
-                <a:latin typeface="宋体" panose="02010600030101010101" pitchFamily="2" charset="-122"/>
-                <a:ea typeface="宋体" panose="02010600030101010101" pitchFamily="2" charset="-122"/>
-                <a:cs typeface="Times New Roman" panose="02020603050405020304" pitchFamily="18" charset="0"/>
-              </a:rPr>
-              <a:t>12</a:t>
-            </a:r>
-            <a:r>
-              <a:rPr lang="zh-CN" altLang="en-US" sz="2000" dirty="0">
-                <a:latin typeface="宋体" panose="02010600030101010101" pitchFamily="2" charset="-122"/>
-                <a:ea typeface="宋体" panose="02010600030101010101" pitchFamily="2" charset="-122"/>
-                <a:cs typeface="Times New Roman" panose="02020603050405020304" pitchFamily="18" charset="0"/>
-              </a:rPr>
-              <a:t>月  资料调研，研究相关技术，开题</a:t>
-            </a:r>
-            <a:endParaRPr lang="en-US" altLang="zh-CN" sz="2000" dirty="0">
-              <a:latin typeface="宋体" panose="02010600030101010101" pitchFamily="2" charset="-122"/>
-              <a:ea typeface="宋体" panose="02010600030101010101" pitchFamily="2" charset="-122"/>
-              <a:cs typeface="Times New Roman" panose="02020603050405020304" pitchFamily="18" charset="0"/>
-            </a:endParaRPr>
-          </a:p>
-          <a:p>
-            <a:pPr algn="just">
-              <a:lnSpc>
-                <a:spcPct val="150000"/>
-              </a:lnSpc>
-              <a:buFont typeface="Arial" panose="020B0604020202020204" pitchFamily="34" charset="0"/>
-              <a:buChar char="•"/>
-            </a:pPr>
-            <a:r>
-              <a:rPr lang="en-US" altLang="zh-CN" sz="2000" dirty="0">
-                <a:latin typeface="宋体" panose="02010600030101010101" pitchFamily="2" charset="-122"/>
-                <a:ea typeface="宋体" panose="02010600030101010101" pitchFamily="2" charset="-122"/>
-                <a:cs typeface="Times New Roman" panose="02020603050405020304" pitchFamily="18" charset="0"/>
-              </a:rPr>
-              <a:t>2014</a:t>
-            </a:r>
-            <a:r>
-              <a:rPr lang="zh-CN" altLang="en-US" sz="2000" dirty="0">
-                <a:latin typeface="宋体" panose="02010600030101010101" pitchFamily="2" charset="-122"/>
-                <a:ea typeface="宋体" panose="02010600030101010101" pitchFamily="2" charset="-122"/>
-                <a:cs typeface="Times New Roman" panose="02020603050405020304" pitchFamily="18" charset="0"/>
-              </a:rPr>
-              <a:t>年</a:t>
-            </a:r>
-            <a:r>
-              <a:rPr lang="en-US" altLang="zh-CN" sz="2000" dirty="0">
-                <a:latin typeface="宋体" panose="02010600030101010101" pitchFamily="2" charset="-122"/>
-                <a:ea typeface="宋体" panose="02010600030101010101" pitchFamily="2" charset="-122"/>
-                <a:cs typeface="Times New Roman" panose="02020603050405020304" pitchFamily="18" charset="0"/>
-              </a:rPr>
-              <a:t>01</a:t>
-            </a:r>
-            <a:r>
-              <a:rPr lang="zh-CN" altLang="en-US" sz="2000" dirty="0">
-                <a:latin typeface="宋体" panose="02010600030101010101" pitchFamily="2" charset="-122"/>
-                <a:ea typeface="宋体" panose="02010600030101010101" pitchFamily="2" charset="-122"/>
-                <a:cs typeface="Times New Roman" panose="02020603050405020304" pitchFamily="18" charset="0"/>
-              </a:rPr>
-              <a:t>月 </a:t>
-            </a:r>
-            <a:r>
-              <a:rPr lang="en-US" altLang="zh-CN" sz="2000" dirty="0">
-                <a:latin typeface="宋体" panose="02010600030101010101" pitchFamily="2" charset="-122"/>
-                <a:ea typeface="宋体" panose="02010600030101010101" pitchFamily="2" charset="-122"/>
-                <a:cs typeface="Times New Roman" panose="02020603050405020304" pitchFamily="18" charset="0"/>
-              </a:rPr>
-              <a:t>— 2014</a:t>
-            </a:r>
-            <a:r>
-              <a:rPr lang="zh-CN" altLang="en-US" sz="2000" dirty="0">
-                <a:latin typeface="宋体" panose="02010600030101010101" pitchFamily="2" charset="-122"/>
-                <a:ea typeface="宋体" panose="02010600030101010101" pitchFamily="2" charset="-122"/>
-                <a:cs typeface="Times New Roman" panose="02020603050405020304" pitchFamily="18" charset="0"/>
-              </a:rPr>
-              <a:t>年</a:t>
-            </a:r>
-            <a:r>
-              <a:rPr lang="en-US" altLang="zh-CN" sz="2000" dirty="0">
-                <a:latin typeface="宋体" panose="02010600030101010101" pitchFamily="2" charset="-122"/>
-                <a:ea typeface="宋体" panose="02010600030101010101" pitchFamily="2" charset="-122"/>
-                <a:cs typeface="Times New Roman" panose="02020603050405020304" pitchFamily="18" charset="0"/>
-              </a:rPr>
-              <a:t>02</a:t>
-            </a:r>
-            <a:r>
-              <a:rPr lang="zh-CN" altLang="en-US" sz="2000" dirty="0">
-                <a:latin typeface="宋体" panose="02010600030101010101" pitchFamily="2" charset="-122"/>
-                <a:ea typeface="宋体" panose="02010600030101010101" pitchFamily="2" charset="-122"/>
-                <a:cs typeface="Times New Roman" panose="02020603050405020304" pitchFamily="18" charset="0"/>
-              </a:rPr>
-              <a:t>月  分析典型形式化验证工具源代码</a:t>
-            </a:r>
-            <a:endParaRPr lang="en-US" altLang="zh-CN" sz="2000" dirty="0">
-              <a:latin typeface="宋体" panose="02010600030101010101" pitchFamily="2" charset="-122"/>
-              <a:ea typeface="宋体" panose="02010600030101010101" pitchFamily="2" charset="-122"/>
-              <a:cs typeface="Times New Roman" panose="02020603050405020304" pitchFamily="18" charset="0"/>
-            </a:endParaRPr>
-          </a:p>
-          <a:p>
-            <a:pPr algn="just">
-              <a:lnSpc>
-                <a:spcPct val="150000"/>
-              </a:lnSpc>
-              <a:buFont typeface="Arial" panose="020B0604020202020204" pitchFamily="34" charset="0"/>
-              <a:buChar char="•"/>
-            </a:pPr>
-            <a:r>
-              <a:rPr lang="en-US" altLang="zh-CN" sz="2000" dirty="0">
-                <a:latin typeface="宋体" panose="02010600030101010101" pitchFamily="2" charset="-122"/>
-                <a:ea typeface="宋体" panose="02010600030101010101" pitchFamily="2" charset="-122"/>
-                <a:cs typeface="Times New Roman" panose="02020603050405020304" pitchFamily="18" charset="0"/>
-              </a:rPr>
-              <a:t>2014</a:t>
-            </a:r>
-            <a:r>
-              <a:rPr lang="zh-CN" altLang="en-US" sz="2000" dirty="0">
-                <a:latin typeface="宋体" panose="02010600030101010101" pitchFamily="2" charset="-122"/>
-                <a:ea typeface="宋体" panose="02010600030101010101" pitchFamily="2" charset="-122"/>
-                <a:cs typeface="Times New Roman" panose="02020603050405020304" pitchFamily="18" charset="0"/>
-              </a:rPr>
-              <a:t>年</a:t>
-            </a:r>
-            <a:r>
-              <a:rPr lang="en-US" altLang="zh-CN" sz="2000" dirty="0">
-                <a:latin typeface="宋体" panose="02010600030101010101" pitchFamily="2" charset="-122"/>
-                <a:ea typeface="宋体" panose="02010600030101010101" pitchFamily="2" charset="-122"/>
-                <a:cs typeface="Times New Roman" panose="02020603050405020304" pitchFamily="18" charset="0"/>
-              </a:rPr>
-              <a:t>03</a:t>
-            </a:r>
-            <a:r>
-              <a:rPr lang="zh-CN" altLang="en-US" sz="2000" dirty="0">
-                <a:latin typeface="宋体" panose="02010600030101010101" pitchFamily="2" charset="-122"/>
-                <a:ea typeface="宋体" panose="02010600030101010101" pitchFamily="2" charset="-122"/>
-                <a:cs typeface="Times New Roman" panose="02020603050405020304" pitchFamily="18" charset="0"/>
-              </a:rPr>
-              <a:t>月 </a:t>
-            </a:r>
-            <a:r>
-              <a:rPr lang="en-US" altLang="zh-CN" sz="2000" dirty="0">
-                <a:latin typeface="宋体" panose="02010600030101010101" pitchFamily="2" charset="-122"/>
-                <a:ea typeface="宋体" panose="02010600030101010101" pitchFamily="2" charset="-122"/>
-                <a:cs typeface="Times New Roman" panose="02020603050405020304" pitchFamily="18" charset="0"/>
-              </a:rPr>
-              <a:t>— 2014</a:t>
-            </a:r>
-            <a:r>
-              <a:rPr lang="zh-CN" altLang="en-US" sz="2000" dirty="0">
-                <a:latin typeface="宋体" panose="02010600030101010101" pitchFamily="2" charset="-122"/>
-                <a:ea typeface="宋体" panose="02010600030101010101" pitchFamily="2" charset="-122"/>
-                <a:cs typeface="Times New Roman" panose="02020603050405020304" pitchFamily="18" charset="0"/>
-              </a:rPr>
-              <a:t>年</a:t>
-            </a:r>
-            <a:r>
-              <a:rPr lang="en-US" altLang="zh-CN" sz="2000" dirty="0">
-                <a:latin typeface="宋体" panose="02010600030101010101" pitchFamily="2" charset="-122"/>
-                <a:ea typeface="宋体" panose="02010600030101010101" pitchFamily="2" charset="-122"/>
-                <a:cs typeface="Times New Roman" panose="02020603050405020304" pitchFamily="18" charset="0"/>
-              </a:rPr>
-              <a:t>07</a:t>
-            </a:r>
-            <a:r>
-              <a:rPr lang="zh-CN" altLang="en-US" sz="2000" dirty="0">
-                <a:latin typeface="宋体" panose="02010600030101010101" pitchFamily="2" charset="-122"/>
-                <a:ea typeface="宋体" panose="02010600030101010101" pitchFamily="2" charset="-122"/>
-                <a:cs typeface="Times New Roman" panose="02020603050405020304" pitchFamily="18" charset="0"/>
-              </a:rPr>
-              <a:t>月  设计和改进程序正确性验证算法</a:t>
-            </a:r>
-            <a:endParaRPr lang="en-US" altLang="zh-CN" sz="2000" dirty="0">
-              <a:latin typeface="宋体" panose="02010600030101010101" pitchFamily="2" charset="-122"/>
-              <a:ea typeface="宋体" panose="02010600030101010101" pitchFamily="2" charset="-122"/>
-              <a:cs typeface="Times New Roman" panose="02020603050405020304" pitchFamily="18" charset="0"/>
-            </a:endParaRPr>
-          </a:p>
-          <a:p>
-            <a:pPr algn="just">
-              <a:lnSpc>
-                <a:spcPct val="150000"/>
-              </a:lnSpc>
-              <a:buFont typeface="Arial" panose="020B0604020202020204" pitchFamily="34" charset="0"/>
-              <a:buChar char="•"/>
-            </a:pPr>
-            <a:r>
-              <a:rPr lang="en-US" altLang="zh-CN" sz="2000" dirty="0">
-                <a:latin typeface="宋体" panose="02010600030101010101" pitchFamily="2" charset="-122"/>
-                <a:ea typeface="宋体" panose="02010600030101010101" pitchFamily="2" charset="-122"/>
-                <a:cs typeface="Times New Roman" panose="02020603050405020304" pitchFamily="18" charset="0"/>
-              </a:rPr>
-              <a:t>2014</a:t>
-            </a:r>
-            <a:r>
-              <a:rPr lang="zh-CN" altLang="en-US" sz="2000" dirty="0">
-                <a:latin typeface="宋体" panose="02010600030101010101" pitchFamily="2" charset="-122"/>
-                <a:ea typeface="宋体" panose="02010600030101010101" pitchFamily="2" charset="-122"/>
-                <a:cs typeface="Times New Roman" panose="02020603050405020304" pitchFamily="18" charset="0"/>
-              </a:rPr>
-              <a:t>年</a:t>
-            </a:r>
-            <a:r>
-              <a:rPr lang="en-US" altLang="zh-CN" sz="2000" dirty="0">
-                <a:latin typeface="宋体" panose="02010600030101010101" pitchFamily="2" charset="-122"/>
-                <a:ea typeface="宋体" panose="02010600030101010101" pitchFamily="2" charset="-122"/>
-                <a:cs typeface="Times New Roman" panose="02020603050405020304" pitchFamily="18" charset="0"/>
-              </a:rPr>
-              <a:t>08</a:t>
-            </a:r>
-            <a:r>
-              <a:rPr lang="zh-CN" altLang="en-US" sz="2000" dirty="0">
-                <a:latin typeface="宋体" panose="02010600030101010101" pitchFamily="2" charset="-122"/>
-                <a:ea typeface="宋体" panose="02010600030101010101" pitchFamily="2" charset="-122"/>
-                <a:cs typeface="Times New Roman" panose="02020603050405020304" pitchFamily="18" charset="0"/>
-              </a:rPr>
-              <a:t>月 </a:t>
-            </a:r>
-            <a:r>
-              <a:rPr lang="en-US" altLang="zh-CN" sz="2000" dirty="0">
-                <a:latin typeface="宋体" panose="02010600030101010101" pitchFamily="2" charset="-122"/>
-                <a:ea typeface="宋体" panose="02010600030101010101" pitchFamily="2" charset="-122"/>
-                <a:cs typeface="Times New Roman" panose="02020603050405020304" pitchFamily="18" charset="0"/>
-              </a:rPr>
-              <a:t>— 2014</a:t>
-            </a:r>
-            <a:r>
-              <a:rPr lang="zh-CN" altLang="en-US" sz="2000" dirty="0">
-                <a:latin typeface="宋体" panose="02010600030101010101" pitchFamily="2" charset="-122"/>
-                <a:ea typeface="宋体" panose="02010600030101010101" pitchFamily="2" charset="-122"/>
-                <a:cs typeface="Times New Roman" panose="02020603050405020304" pitchFamily="18" charset="0"/>
-              </a:rPr>
-              <a:t>年</a:t>
-            </a:r>
-            <a:r>
-              <a:rPr lang="en-US" altLang="zh-CN" sz="2000" dirty="0">
-                <a:latin typeface="宋体" panose="02010600030101010101" pitchFamily="2" charset="-122"/>
-                <a:ea typeface="宋体" panose="02010600030101010101" pitchFamily="2" charset="-122"/>
-                <a:cs typeface="Times New Roman" panose="02020603050405020304" pitchFamily="18" charset="0"/>
-              </a:rPr>
-              <a:t>09</a:t>
-            </a:r>
-            <a:r>
-              <a:rPr lang="zh-CN" altLang="en-US" sz="2000" dirty="0">
-                <a:latin typeface="宋体" panose="02010600030101010101" pitchFamily="2" charset="-122"/>
-                <a:ea typeface="宋体" panose="02010600030101010101" pitchFamily="2" charset="-122"/>
-                <a:cs typeface="Times New Roman" panose="02020603050405020304" pitchFamily="18" charset="0"/>
-              </a:rPr>
-              <a:t>月  改进用户界面，编码实现验证工具</a:t>
-            </a:r>
-            <a:endParaRPr lang="en-US" altLang="zh-CN" sz="2000" dirty="0">
-              <a:latin typeface="宋体" panose="02010600030101010101" pitchFamily="2" charset="-122"/>
-              <a:ea typeface="宋体" panose="02010600030101010101" pitchFamily="2" charset="-122"/>
-              <a:cs typeface="Times New Roman" panose="02020603050405020304" pitchFamily="18" charset="0"/>
-            </a:endParaRPr>
-          </a:p>
-          <a:p>
-            <a:pPr algn="just">
-              <a:lnSpc>
-                <a:spcPct val="150000"/>
-              </a:lnSpc>
-              <a:buFont typeface="Arial" panose="020B0604020202020204" pitchFamily="34" charset="0"/>
-              <a:buChar char="•"/>
-            </a:pPr>
-            <a:r>
-              <a:rPr lang="en-US" altLang="zh-CN" sz="2000" dirty="0">
-                <a:latin typeface="宋体" panose="02010600030101010101" pitchFamily="2" charset="-122"/>
-                <a:ea typeface="宋体" panose="02010600030101010101" pitchFamily="2" charset="-122"/>
-                <a:cs typeface="Times New Roman" panose="02020603050405020304" pitchFamily="18" charset="0"/>
-              </a:rPr>
-              <a:t>2014</a:t>
-            </a:r>
-            <a:r>
-              <a:rPr lang="zh-CN" altLang="en-US" sz="2000" dirty="0">
-                <a:latin typeface="宋体" panose="02010600030101010101" pitchFamily="2" charset="-122"/>
-                <a:ea typeface="宋体" panose="02010600030101010101" pitchFamily="2" charset="-122"/>
-                <a:cs typeface="Times New Roman" panose="02020603050405020304" pitchFamily="18" charset="0"/>
-              </a:rPr>
-              <a:t>年</a:t>
-            </a:r>
-            <a:r>
-              <a:rPr lang="en-US" altLang="zh-CN" sz="2000" dirty="0">
-                <a:latin typeface="宋体" panose="02010600030101010101" pitchFamily="2" charset="-122"/>
-                <a:ea typeface="宋体" panose="02010600030101010101" pitchFamily="2" charset="-122"/>
-                <a:cs typeface="Times New Roman" panose="02020603050405020304" pitchFamily="18" charset="0"/>
-              </a:rPr>
-              <a:t>10</a:t>
-            </a:r>
-            <a:r>
-              <a:rPr lang="zh-CN" altLang="en-US" sz="2000" dirty="0">
-                <a:latin typeface="宋体" panose="02010600030101010101" pitchFamily="2" charset="-122"/>
-                <a:ea typeface="宋体" panose="02010600030101010101" pitchFamily="2" charset="-122"/>
-                <a:cs typeface="Times New Roman" panose="02020603050405020304" pitchFamily="18" charset="0"/>
-              </a:rPr>
-              <a:t>月 </a:t>
-            </a:r>
-            <a:r>
-              <a:rPr lang="en-US" altLang="zh-CN" sz="2000" dirty="0">
-                <a:latin typeface="宋体" panose="02010600030101010101" pitchFamily="2" charset="-122"/>
-                <a:ea typeface="宋体" panose="02010600030101010101" pitchFamily="2" charset="-122"/>
-                <a:cs typeface="Times New Roman" panose="02020603050405020304" pitchFamily="18" charset="0"/>
-              </a:rPr>
-              <a:t>— 2014</a:t>
-            </a:r>
-            <a:r>
-              <a:rPr lang="zh-CN" altLang="en-US" sz="2000" dirty="0">
-                <a:latin typeface="宋体" panose="02010600030101010101" pitchFamily="2" charset="-122"/>
-                <a:ea typeface="宋体" panose="02010600030101010101" pitchFamily="2" charset="-122"/>
-                <a:cs typeface="Times New Roman" panose="02020603050405020304" pitchFamily="18" charset="0"/>
-              </a:rPr>
-              <a:t>年</a:t>
-            </a:r>
-            <a:r>
-              <a:rPr lang="en-US" altLang="zh-CN" sz="2000" dirty="0">
-                <a:latin typeface="宋体" panose="02010600030101010101" pitchFamily="2" charset="-122"/>
-                <a:ea typeface="宋体" panose="02010600030101010101" pitchFamily="2" charset="-122"/>
-                <a:cs typeface="Times New Roman" panose="02020603050405020304" pitchFamily="18" charset="0"/>
-              </a:rPr>
-              <a:t>12</a:t>
-            </a:r>
-            <a:r>
-              <a:rPr lang="zh-CN" altLang="en-US" sz="2000" dirty="0">
-                <a:latin typeface="宋体" panose="02010600030101010101" pitchFamily="2" charset="-122"/>
-                <a:ea typeface="宋体" panose="02010600030101010101" pitchFamily="2" charset="-122"/>
-                <a:cs typeface="Times New Roman" panose="02020603050405020304" pitchFamily="18" charset="0"/>
-              </a:rPr>
-              <a:t>月  整理资料，撰写毕业论文</a:t>
-            </a:r>
-            <a:r>
-              <a:rPr lang="en-US" altLang="zh-CN" sz="2000" dirty="0">
-                <a:latin typeface="宋体" panose="02010600030101010101" pitchFamily="2" charset="-122"/>
-                <a:ea typeface="宋体" panose="02010600030101010101" pitchFamily="2" charset="-122"/>
-                <a:cs typeface="Times New Roman" panose="02020603050405020304" pitchFamily="18" charset="0"/>
-              </a:rPr>
-              <a:t> </a:t>
-            </a:r>
-            <a:r>
-              <a:rPr lang="zh-CN" altLang="en-US" sz="2000" dirty="0">
-                <a:latin typeface="宋体" panose="02010600030101010101" pitchFamily="2" charset="-122"/>
-                <a:ea typeface="宋体" panose="02010600030101010101" pitchFamily="2" charset="-122"/>
-                <a:cs typeface="Times New Roman" panose="02020603050405020304" pitchFamily="18" charset="0"/>
-              </a:rPr>
-              <a:t> </a:t>
-            </a:r>
-          </a:p>
-          <a:p>
-            <a:pPr marL="0" indent="0">
               <a:lnSpc>
                 <a:spcPct val="150000"/>
               </a:lnSpc>
@@ -12930,6 +12076,491 @@
               <a:ea typeface="宋体" panose="02010600030101010101" pitchFamily="2" charset="-122"/>
               <a:cs typeface="Times New Roman" panose="02020603050405020304" pitchFamily="18" charset="0"/>
             </a:endParaRPr>
+          </a:p>
+          <a:p>
+            <a:pPr lvl="1">
+              <a:lnSpc>
+                <a:spcPct val="150000"/>
+              </a:lnSpc>
+              <a:buFont typeface="Wingdings" panose="05000000000000000000" pitchFamily="2" charset="2"/>
+              <a:buChar char="Ø"/>
+            </a:pPr>
+            <a:r>
+              <a:rPr lang="en-US" altLang="zh-CN" dirty="0" smtClean="0">
+                <a:solidFill>
+                  <a:schemeClr val="tx1"/>
+                </a:solidFill>
+                <a:latin typeface="宋体" panose="02010600030101010101" pitchFamily="2" charset="-122"/>
+                <a:ea typeface="宋体" panose="02010600030101010101" pitchFamily="2" charset="-122"/>
+                <a:cs typeface="Times New Roman" panose="02020603050405020304" pitchFamily="18" charset="0"/>
+              </a:rPr>
+              <a:t>2015</a:t>
+            </a:r>
+            <a:r>
+              <a:rPr lang="zh-CN" altLang="en-US" dirty="0">
+                <a:solidFill>
+                  <a:schemeClr val="tx1"/>
+                </a:solidFill>
+                <a:latin typeface="宋体" panose="02010600030101010101" pitchFamily="2" charset="-122"/>
+                <a:ea typeface="宋体" panose="02010600030101010101" pitchFamily="2" charset="-122"/>
+                <a:cs typeface="Times New Roman" panose="02020603050405020304" pitchFamily="18" charset="0"/>
+              </a:rPr>
+              <a:t>年</a:t>
+            </a:r>
+            <a:r>
+              <a:rPr lang="en-US" altLang="zh-CN" dirty="0">
+                <a:solidFill>
+                  <a:schemeClr val="tx1"/>
+                </a:solidFill>
+                <a:latin typeface="宋体" panose="02010600030101010101" pitchFamily="2" charset="-122"/>
+                <a:ea typeface="宋体" panose="02010600030101010101" pitchFamily="2" charset="-122"/>
+                <a:cs typeface="Times New Roman" panose="02020603050405020304" pitchFamily="18" charset="0"/>
+              </a:rPr>
+              <a:t>12</a:t>
+            </a:r>
+            <a:r>
+              <a:rPr lang="zh-CN" altLang="en-US" dirty="0">
+                <a:solidFill>
+                  <a:schemeClr val="tx1"/>
+                </a:solidFill>
+                <a:latin typeface="宋体" panose="02010600030101010101" pitchFamily="2" charset="-122"/>
+                <a:ea typeface="宋体" panose="02010600030101010101" pitchFamily="2" charset="-122"/>
+                <a:cs typeface="Times New Roman" panose="02020603050405020304" pitchFamily="18" charset="0"/>
+              </a:rPr>
+              <a:t>月－</a:t>
+            </a:r>
+            <a:r>
+              <a:rPr lang="en-US" altLang="zh-CN" dirty="0">
+                <a:solidFill>
+                  <a:schemeClr val="tx1"/>
+                </a:solidFill>
+                <a:latin typeface="宋体" panose="02010600030101010101" pitchFamily="2" charset="-122"/>
+                <a:ea typeface="宋体" panose="02010600030101010101" pitchFamily="2" charset="-122"/>
+                <a:cs typeface="Times New Roman" panose="02020603050405020304" pitchFamily="18" charset="0"/>
+              </a:rPr>
+              <a:t>2016</a:t>
+            </a:r>
+            <a:r>
+              <a:rPr lang="zh-CN" altLang="en-US" dirty="0">
+                <a:solidFill>
+                  <a:schemeClr val="tx1"/>
+                </a:solidFill>
+                <a:latin typeface="宋体" panose="02010600030101010101" pitchFamily="2" charset="-122"/>
+                <a:ea typeface="宋体" panose="02010600030101010101" pitchFamily="2" charset="-122"/>
+                <a:cs typeface="Times New Roman" panose="02020603050405020304" pitchFamily="18" charset="0"/>
+              </a:rPr>
+              <a:t>年</a:t>
+            </a:r>
+            <a:r>
+              <a:rPr lang="en-US" altLang="zh-CN" dirty="0">
+                <a:solidFill>
+                  <a:schemeClr val="tx1"/>
+                </a:solidFill>
+                <a:latin typeface="宋体" panose="02010600030101010101" pitchFamily="2" charset="-122"/>
+                <a:ea typeface="宋体" panose="02010600030101010101" pitchFamily="2" charset="-122"/>
+                <a:cs typeface="Times New Roman" panose="02020603050405020304" pitchFamily="18" charset="0"/>
+              </a:rPr>
+              <a:t>01</a:t>
+            </a:r>
+            <a:r>
+              <a:rPr lang="zh-CN" altLang="en-US" dirty="0">
+                <a:solidFill>
+                  <a:schemeClr val="tx1"/>
+                </a:solidFill>
+                <a:latin typeface="宋体" panose="02010600030101010101" pitchFamily="2" charset="-122"/>
+                <a:ea typeface="宋体" panose="02010600030101010101" pitchFamily="2" charset="-122"/>
+                <a:cs typeface="Times New Roman" panose="02020603050405020304" pitchFamily="18" charset="0"/>
+              </a:rPr>
+              <a:t>月  研究相关资料和技术</a:t>
+            </a:r>
+          </a:p>
+          <a:p>
+            <a:pPr lvl="1">
+              <a:lnSpc>
+                <a:spcPct val="150000"/>
+              </a:lnSpc>
+              <a:buFont typeface="Wingdings" panose="05000000000000000000" pitchFamily="2" charset="2"/>
+              <a:buChar char="Ø"/>
+            </a:pPr>
+            <a:r>
+              <a:rPr lang="en-US" altLang="zh-CN" dirty="0" smtClean="0">
+                <a:solidFill>
+                  <a:schemeClr val="tx1"/>
+                </a:solidFill>
+                <a:latin typeface="宋体" panose="02010600030101010101" pitchFamily="2" charset="-122"/>
+                <a:ea typeface="宋体" panose="02010600030101010101" pitchFamily="2" charset="-122"/>
+                <a:cs typeface="Times New Roman" panose="02020603050405020304" pitchFamily="18" charset="0"/>
+              </a:rPr>
+              <a:t>2016</a:t>
+            </a:r>
+            <a:r>
+              <a:rPr lang="zh-CN" altLang="en-US" dirty="0">
+                <a:solidFill>
+                  <a:schemeClr val="tx1"/>
+                </a:solidFill>
+                <a:latin typeface="宋体" panose="02010600030101010101" pitchFamily="2" charset="-122"/>
+                <a:ea typeface="宋体" panose="02010600030101010101" pitchFamily="2" charset="-122"/>
+                <a:cs typeface="Times New Roman" panose="02020603050405020304" pitchFamily="18" charset="0"/>
+              </a:rPr>
+              <a:t>年</a:t>
+            </a:r>
+            <a:r>
+              <a:rPr lang="en-US" altLang="zh-CN" dirty="0">
+                <a:solidFill>
+                  <a:schemeClr val="tx1"/>
+                </a:solidFill>
+                <a:latin typeface="宋体" panose="02010600030101010101" pitchFamily="2" charset="-122"/>
+                <a:ea typeface="宋体" panose="02010600030101010101" pitchFamily="2" charset="-122"/>
+                <a:cs typeface="Times New Roman" panose="02020603050405020304" pitchFamily="18" charset="0"/>
+              </a:rPr>
+              <a:t>02</a:t>
+            </a:r>
+            <a:r>
+              <a:rPr lang="zh-CN" altLang="en-US" dirty="0">
+                <a:solidFill>
+                  <a:schemeClr val="tx1"/>
+                </a:solidFill>
+                <a:latin typeface="宋体" panose="02010600030101010101" pitchFamily="2" charset="-122"/>
+                <a:ea typeface="宋体" panose="02010600030101010101" pitchFamily="2" charset="-122"/>
+                <a:cs typeface="Times New Roman" panose="02020603050405020304" pitchFamily="18" charset="0"/>
+              </a:rPr>
+              <a:t>月－</a:t>
+            </a:r>
+            <a:r>
+              <a:rPr lang="en-US" altLang="zh-CN" dirty="0">
+                <a:solidFill>
+                  <a:schemeClr val="tx1"/>
+                </a:solidFill>
+                <a:latin typeface="宋体" panose="02010600030101010101" pitchFamily="2" charset="-122"/>
+                <a:ea typeface="宋体" panose="02010600030101010101" pitchFamily="2" charset="-122"/>
+                <a:cs typeface="Times New Roman" panose="02020603050405020304" pitchFamily="18" charset="0"/>
+              </a:rPr>
+              <a:t>2016</a:t>
+            </a:r>
+            <a:r>
+              <a:rPr lang="zh-CN" altLang="en-US" dirty="0">
+                <a:solidFill>
+                  <a:schemeClr val="tx1"/>
+                </a:solidFill>
+                <a:latin typeface="宋体" panose="02010600030101010101" pitchFamily="2" charset="-122"/>
+                <a:ea typeface="宋体" panose="02010600030101010101" pitchFamily="2" charset="-122"/>
+                <a:cs typeface="Times New Roman" panose="02020603050405020304" pitchFamily="18" charset="0"/>
+              </a:rPr>
+              <a:t>年</a:t>
+            </a:r>
+            <a:r>
+              <a:rPr lang="en-US" altLang="zh-CN" dirty="0">
+                <a:solidFill>
+                  <a:schemeClr val="tx1"/>
+                </a:solidFill>
+                <a:latin typeface="宋体" panose="02010600030101010101" pitchFamily="2" charset="-122"/>
+                <a:ea typeface="宋体" panose="02010600030101010101" pitchFamily="2" charset="-122"/>
+                <a:cs typeface="Times New Roman" panose="02020603050405020304" pitchFamily="18" charset="0"/>
+              </a:rPr>
+              <a:t>03</a:t>
+            </a:r>
+            <a:r>
+              <a:rPr lang="zh-CN" altLang="en-US" dirty="0">
+                <a:solidFill>
+                  <a:schemeClr val="tx1"/>
+                </a:solidFill>
+                <a:latin typeface="宋体" panose="02010600030101010101" pitchFamily="2" charset="-122"/>
+                <a:ea typeface="宋体" panose="02010600030101010101" pitchFamily="2" charset="-122"/>
+                <a:cs typeface="Times New Roman" panose="02020603050405020304" pitchFamily="18" charset="0"/>
+              </a:rPr>
+              <a:t>月  技术尝试，概要设计</a:t>
+            </a:r>
+          </a:p>
+          <a:p>
+            <a:pPr lvl="1">
+              <a:lnSpc>
+                <a:spcPct val="150000"/>
+              </a:lnSpc>
+              <a:buFont typeface="Wingdings" panose="05000000000000000000" pitchFamily="2" charset="2"/>
+              <a:buChar char="Ø"/>
+            </a:pPr>
+            <a:r>
+              <a:rPr lang="en-US" altLang="zh-CN" dirty="0" smtClean="0">
+                <a:solidFill>
+                  <a:schemeClr val="tx1"/>
+                </a:solidFill>
+                <a:latin typeface="宋体" panose="02010600030101010101" pitchFamily="2" charset="-122"/>
+                <a:ea typeface="宋体" panose="02010600030101010101" pitchFamily="2" charset="-122"/>
+                <a:cs typeface="Times New Roman" panose="02020603050405020304" pitchFamily="18" charset="0"/>
+              </a:rPr>
+              <a:t>2016</a:t>
+            </a:r>
+            <a:r>
+              <a:rPr lang="zh-CN" altLang="en-US" dirty="0">
+                <a:solidFill>
+                  <a:schemeClr val="tx1"/>
+                </a:solidFill>
+                <a:latin typeface="宋体" panose="02010600030101010101" pitchFamily="2" charset="-122"/>
+                <a:ea typeface="宋体" panose="02010600030101010101" pitchFamily="2" charset="-122"/>
+                <a:cs typeface="Times New Roman" panose="02020603050405020304" pitchFamily="18" charset="0"/>
+              </a:rPr>
+              <a:t>年</a:t>
+            </a:r>
+            <a:r>
+              <a:rPr lang="en-US" altLang="zh-CN" dirty="0">
+                <a:solidFill>
+                  <a:schemeClr val="tx1"/>
+                </a:solidFill>
+                <a:latin typeface="宋体" panose="02010600030101010101" pitchFamily="2" charset="-122"/>
+                <a:ea typeface="宋体" panose="02010600030101010101" pitchFamily="2" charset="-122"/>
+                <a:cs typeface="Times New Roman" panose="02020603050405020304" pitchFamily="18" charset="0"/>
+              </a:rPr>
+              <a:t>04</a:t>
+            </a:r>
+            <a:r>
+              <a:rPr lang="zh-CN" altLang="en-US" dirty="0">
+                <a:solidFill>
+                  <a:schemeClr val="tx1"/>
+                </a:solidFill>
+                <a:latin typeface="宋体" panose="02010600030101010101" pitchFamily="2" charset="-122"/>
+                <a:ea typeface="宋体" panose="02010600030101010101" pitchFamily="2" charset="-122"/>
+                <a:cs typeface="Times New Roman" panose="02020603050405020304" pitchFamily="18" charset="0"/>
+              </a:rPr>
+              <a:t>月－</a:t>
+            </a:r>
+            <a:r>
+              <a:rPr lang="en-US" altLang="zh-CN" dirty="0">
+                <a:solidFill>
+                  <a:schemeClr val="tx1"/>
+                </a:solidFill>
+                <a:latin typeface="宋体" panose="02010600030101010101" pitchFamily="2" charset="-122"/>
+                <a:ea typeface="宋体" panose="02010600030101010101" pitchFamily="2" charset="-122"/>
+                <a:cs typeface="Times New Roman" panose="02020603050405020304" pitchFamily="18" charset="0"/>
+              </a:rPr>
+              <a:t>2016</a:t>
+            </a:r>
+            <a:r>
+              <a:rPr lang="zh-CN" altLang="en-US" dirty="0">
+                <a:solidFill>
+                  <a:schemeClr val="tx1"/>
+                </a:solidFill>
+                <a:latin typeface="宋体" panose="02010600030101010101" pitchFamily="2" charset="-122"/>
+                <a:ea typeface="宋体" panose="02010600030101010101" pitchFamily="2" charset="-122"/>
+                <a:cs typeface="Times New Roman" panose="02020603050405020304" pitchFamily="18" charset="0"/>
+              </a:rPr>
+              <a:t>年</a:t>
+            </a:r>
+            <a:r>
+              <a:rPr lang="en-US" altLang="zh-CN" dirty="0">
+                <a:solidFill>
+                  <a:schemeClr val="tx1"/>
+                </a:solidFill>
+                <a:latin typeface="宋体" panose="02010600030101010101" pitchFamily="2" charset="-122"/>
+                <a:ea typeface="宋体" panose="02010600030101010101" pitchFamily="2" charset="-122"/>
+                <a:cs typeface="Times New Roman" panose="02020603050405020304" pitchFamily="18" charset="0"/>
+              </a:rPr>
+              <a:t>05</a:t>
+            </a:r>
+            <a:r>
+              <a:rPr lang="zh-CN" altLang="en-US" dirty="0">
+                <a:solidFill>
+                  <a:schemeClr val="tx1"/>
+                </a:solidFill>
+                <a:latin typeface="宋体" panose="02010600030101010101" pitchFamily="2" charset="-122"/>
+                <a:ea typeface="宋体" panose="02010600030101010101" pitchFamily="2" charset="-122"/>
+                <a:cs typeface="Times New Roman" panose="02020603050405020304" pitchFamily="18" charset="0"/>
+              </a:rPr>
+              <a:t>月  详细设计，撰写小论文</a:t>
+            </a:r>
+          </a:p>
+          <a:p>
+            <a:pPr lvl="1">
+              <a:lnSpc>
+                <a:spcPct val="150000"/>
+              </a:lnSpc>
+              <a:buFont typeface="Wingdings" panose="05000000000000000000" pitchFamily="2" charset="2"/>
+              <a:buChar char="Ø"/>
+            </a:pPr>
+            <a:r>
+              <a:rPr lang="en-US" altLang="zh-CN" dirty="0" smtClean="0">
+                <a:solidFill>
+                  <a:schemeClr val="tx1"/>
+                </a:solidFill>
+                <a:latin typeface="宋体" panose="02010600030101010101" pitchFamily="2" charset="-122"/>
+                <a:ea typeface="宋体" panose="02010600030101010101" pitchFamily="2" charset="-122"/>
+                <a:cs typeface="Times New Roman" panose="02020603050405020304" pitchFamily="18" charset="0"/>
+              </a:rPr>
+              <a:t>2016</a:t>
+            </a:r>
+            <a:r>
+              <a:rPr lang="zh-CN" altLang="en-US" dirty="0">
+                <a:solidFill>
+                  <a:schemeClr val="tx1"/>
+                </a:solidFill>
+                <a:latin typeface="宋体" panose="02010600030101010101" pitchFamily="2" charset="-122"/>
+                <a:ea typeface="宋体" panose="02010600030101010101" pitchFamily="2" charset="-122"/>
+                <a:cs typeface="Times New Roman" panose="02020603050405020304" pitchFamily="18" charset="0"/>
+              </a:rPr>
+              <a:t>年</a:t>
+            </a:r>
+            <a:r>
+              <a:rPr lang="en-US" altLang="zh-CN" dirty="0">
+                <a:solidFill>
+                  <a:schemeClr val="tx1"/>
+                </a:solidFill>
+                <a:latin typeface="宋体" panose="02010600030101010101" pitchFamily="2" charset="-122"/>
+                <a:ea typeface="宋体" panose="02010600030101010101" pitchFamily="2" charset="-122"/>
+                <a:cs typeface="Times New Roman" panose="02020603050405020304" pitchFamily="18" charset="0"/>
+              </a:rPr>
+              <a:t>06</a:t>
+            </a:r>
+            <a:r>
+              <a:rPr lang="zh-CN" altLang="en-US" dirty="0">
+                <a:solidFill>
+                  <a:schemeClr val="tx1"/>
+                </a:solidFill>
+                <a:latin typeface="宋体" panose="02010600030101010101" pitchFamily="2" charset="-122"/>
+                <a:ea typeface="宋体" panose="02010600030101010101" pitchFamily="2" charset="-122"/>
+                <a:cs typeface="Times New Roman" panose="02020603050405020304" pitchFamily="18" charset="0"/>
+              </a:rPr>
+              <a:t>月－</a:t>
+            </a:r>
+            <a:r>
+              <a:rPr lang="en-US" altLang="zh-CN" dirty="0">
+                <a:solidFill>
+                  <a:schemeClr val="tx1"/>
+                </a:solidFill>
+                <a:latin typeface="宋体" panose="02010600030101010101" pitchFamily="2" charset="-122"/>
+                <a:ea typeface="宋体" panose="02010600030101010101" pitchFamily="2" charset="-122"/>
+                <a:cs typeface="Times New Roman" panose="02020603050405020304" pitchFamily="18" charset="0"/>
+              </a:rPr>
+              <a:t>2016</a:t>
+            </a:r>
+            <a:r>
+              <a:rPr lang="zh-CN" altLang="en-US" dirty="0">
+                <a:solidFill>
+                  <a:schemeClr val="tx1"/>
+                </a:solidFill>
+                <a:latin typeface="宋体" panose="02010600030101010101" pitchFamily="2" charset="-122"/>
+                <a:ea typeface="宋体" panose="02010600030101010101" pitchFamily="2" charset="-122"/>
+                <a:cs typeface="Times New Roman" panose="02020603050405020304" pitchFamily="18" charset="0"/>
+              </a:rPr>
+              <a:t>年</a:t>
+            </a:r>
+            <a:r>
+              <a:rPr lang="en-US" altLang="zh-CN" dirty="0">
+                <a:solidFill>
+                  <a:schemeClr val="tx1"/>
+                </a:solidFill>
+                <a:latin typeface="宋体" panose="02010600030101010101" pitchFamily="2" charset="-122"/>
+                <a:ea typeface="宋体" panose="02010600030101010101" pitchFamily="2" charset="-122"/>
+                <a:cs typeface="Times New Roman" panose="02020603050405020304" pitchFamily="18" charset="0"/>
+              </a:rPr>
+              <a:t>09</a:t>
+            </a:r>
+            <a:r>
+              <a:rPr lang="zh-CN" altLang="en-US" dirty="0">
+                <a:solidFill>
+                  <a:schemeClr val="tx1"/>
+                </a:solidFill>
+                <a:latin typeface="宋体" panose="02010600030101010101" pitchFamily="2" charset="-122"/>
+                <a:ea typeface="宋体" panose="02010600030101010101" pitchFamily="2" charset="-122"/>
+                <a:cs typeface="Times New Roman" panose="02020603050405020304" pitchFamily="18" charset="0"/>
+              </a:rPr>
+              <a:t>月  编码实现，测试分析</a:t>
+            </a:r>
+          </a:p>
+          <a:p>
+            <a:pPr lvl="1">
+              <a:lnSpc>
+                <a:spcPct val="150000"/>
+              </a:lnSpc>
+              <a:buFont typeface="Wingdings" panose="05000000000000000000" pitchFamily="2" charset="2"/>
+              <a:buChar char="Ø"/>
+            </a:pPr>
+            <a:r>
+              <a:rPr lang="en-US" altLang="zh-CN" dirty="0" smtClean="0">
+                <a:solidFill>
+                  <a:schemeClr val="tx1"/>
+                </a:solidFill>
+                <a:latin typeface="宋体" panose="02010600030101010101" pitchFamily="2" charset="-122"/>
+                <a:ea typeface="宋体" panose="02010600030101010101" pitchFamily="2" charset="-122"/>
+                <a:cs typeface="Times New Roman" panose="02020603050405020304" pitchFamily="18" charset="0"/>
+              </a:rPr>
+              <a:t>2016</a:t>
+            </a:r>
+            <a:r>
+              <a:rPr lang="zh-CN" altLang="en-US" dirty="0">
+                <a:solidFill>
+                  <a:schemeClr val="tx1"/>
+                </a:solidFill>
+                <a:latin typeface="宋体" panose="02010600030101010101" pitchFamily="2" charset="-122"/>
+                <a:ea typeface="宋体" panose="02010600030101010101" pitchFamily="2" charset="-122"/>
+                <a:cs typeface="Times New Roman" panose="02020603050405020304" pitchFamily="18" charset="0"/>
+              </a:rPr>
+              <a:t>年</a:t>
+            </a:r>
+            <a:r>
+              <a:rPr lang="en-US" altLang="zh-CN" dirty="0">
+                <a:solidFill>
+                  <a:schemeClr val="tx1"/>
+                </a:solidFill>
+                <a:latin typeface="宋体" panose="02010600030101010101" pitchFamily="2" charset="-122"/>
+                <a:ea typeface="宋体" panose="02010600030101010101" pitchFamily="2" charset="-122"/>
+                <a:cs typeface="Times New Roman" panose="02020603050405020304" pitchFamily="18" charset="0"/>
+              </a:rPr>
+              <a:t>10</a:t>
+            </a:r>
+            <a:r>
+              <a:rPr lang="zh-CN" altLang="en-US" dirty="0">
+                <a:solidFill>
+                  <a:schemeClr val="tx1"/>
+                </a:solidFill>
+                <a:latin typeface="宋体" panose="02010600030101010101" pitchFamily="2" charset="-122"/>
+                <a:ea typeface="宋体" panose="02010600030101010101" pitchFamily="2" charset="-122"/>
+                <a:cs typeface="Times New Roman" panose="02020603050405020304" pitchFamily="18" charset="0"/>
+              </a:rPr>
+              <a:t>月－</a:t>
+            </a:r>
+            <a:r>
+              <a:rPr lang="en-US" altLang="zh-CN" dirty="0">
+                <a:solidFill>
+                  <a:schemeClr val="tx1"/>
+                </a:solidFill>
+                <a:latin typeface="宋体" panose="02010600030101010101" pitchFamily="2" charset="-122"/>
+                <a:ea typeface="宋体" panose="02010600030101010101" pitchFamily="2" charset="-122"/>
+                <a:cs typeface="Times New Roman" panose="02020603050405020304" pitchFamily="18" charset="0"/>
+              </a:rPr>
+              <a:t>2016</a:t>
+            </a:r>
+            <a:r>
+              <a:rPr lang="zh-CN" altLang="en-US" dirty="0">
+                <a:solidFill>
+                  <a:schemeClr val="tx1"/>
+                </a:solidFill>
+                <a:latin typeface="宋体" panose="02010600030101010101" pitchFamily="2" charset="-122"/>
+                <a:ea typeface="宋体" panose="02010600030101010101" pitchFamily="2" charset="-122"/>
+                <a:cs typeface="Times New Roman" panose="02020603050405020304" pitchFamily="18" charset="0"/>
+              </a:rPr>
+              <a:t>年</a:t>
+            </a:r>
+            <a:r>
+              <a:rPr lang="en-US" altLang="zh-CN" dirty="0">
+                <a:solidFill>
+                  <a:schemeClr val="tx1"/>
+                </a:solidFill>
+                <a:latin typeface="宋体" panose="02010600030101010101" pitchFamily="2" charset="-122"/>
+                <a:ea typeface="宋体" panose="02010600030101010101" pitchFamily="2" charset="-122"/>
+                <a:cs typeface="Times New Roman" panose="02020603050405020304" pitchFamily="18" charset="0"/>
+              </a:rPr>
+              <a:t>12</a:t>
+            </a:r>
+            <a:r>
+              <a:rPr lang="zh-CN" altLang="en-US" dirty="0">
+                <a:solidFill>
+                  <a:schemeClr val="tx1"/>
+                </a:solidFill>
+                <a:latin typeface="宋体" panose="02010600030101010101" pitchFamily="2" charset="-122"/>
+                <a:ea typeface="宋体" panose="02010600030101010101" pitchFamily="2" charset="-122"/>
+                <a:cs typeface="Times New Roman" panose="02020603050405020304" pitchFamily="18" charset="0"/>
+              </a:rPr>
+              <a:t>月  整理资料，撰写毕业论文</a:t>
+            </a:r>
           </a:p>
           <a:p>
             <a:pPr>
@@ -13253,54 +12884,52 @@
               <a:buNone/>
             </a:pPr>
             <a:r>
+              <a:rPr lang="en-US" altLang="zh-CN" sz="1400" dirty="0">
+                <a:latin typeface="Times New Roman" panose="02020603050405020304" pitchFamily="18" charset="0"/>
+                <a:ea typeface="宋体" panose="02010600030101010101" pitchFamily="2" charset="-122"/>
+                <a:cs typeface="Times New Roman" panose="02020603050405020304" pitchFamily="18" charset="0"/>
+              </a:rPr>
+              <a:t>[</a:t>
+            </a:r>
+            <a:r>
               <a:rPr lang="en-US" altLang="zh-CN" sz="1400" dirty="0" smtClean="0">
                 <a:latin typeface="Times New Roman" panose="02020603050405020304" pitchFamily="18" charset="0"/>
                 <a:ea typeface="宋体" panose="02010600030101010101" pitchFamily="2" charset="-122"/>
                 <a:cs typeface="Times New Roman" panose="02020603050405020304" pitchFamily="18" charset="0"/>
               </a:rPr>
-              <a:t>[1] </a:t>
+              <a:t>1] </a:t>
+            </a:r>
+            <a:r>
+              <a:rPr lang="en-US" altLang="zh-CN" sz="1400" dirty="0" err="1" smtClean="0">
+                <a:latin typeface="Times New Roman" panose="02020603050405020304" pitchFamily="18" charset="0"/>
+                <a:ea typeface="宋体" panose="02010600030101010101" pitchFamily="2" charset="-122"/>
+                <a:cs typeface="Times New Roman" panose="02020603050405020304" pitchFamily="18" charset="0"/>
+              </a:rPr>
+              <a:t>A.S.Boujanvah</a:t>
+            </a:r>
+            <a:r>
+              <a:rPr lang="en-US" altLang="zh-CN" sz="1400" dirty="0">
+                <a:latin typeface="Times New Roman" panose="02020603050405020304" pitchFamily="18" charset="0"/>
+                <a:ea typeface="宋体" panose="02010600030101010101" pitchFamily="2" charset="-122"/>
+                <a:cs typeface="Times New Roman" panose="02020603050405020304" pitchFamily="18" charset="0"/>
+              </a:rPr>
+              <a:t>, </a:t>
             </a:r>
             <a:r>
               <a:rPr lang="en-US" altLang="zh-CN" sz="1400" dirty="0" err="1">
                 <a:latin typeface="Times New Roman" panose="02020603050405020304" pitchFamily="18" charset="0"/>
-                <a:cs typeface="Times New Roman" panose="02020603050405020304" pitchFamily="18" charset="0"/>
-              </a:rPr>
-              <a:t>Boydston</a:t>
+                <a:ea typeface="宋体" panose="02010600030101010101" pitchFamily="2" charset="-122"/>
+                <a:cs typeface="Times New Roman" panose="02020603050405020304" pitchFamily="18" charset="0"/>
+              </a:rPr>
+              <a:t>K.Salehf</a:t>
             </a:r>
             <a:r>
               <a:rPr lang="en-US" altLang="zh-CN" sz="1400" dirty="0">
                 <a:latin typeface="Times New Roman" panose="02020603050405020304" pitchFamily="18" charset="0"/>
-                <a:cs typeface="Times New Roman" panose="02020603050405020304" pitchFamily="18" charset="0"/>
-              </a:rPr>
-              <a:t>, Alex, and William Lewis. "Qualification and reliability of </a:t>
-            </a:r>
-            <a:r>
-              <a:rPr lang="en-US" altLang="zh-CN" sz="1400" dirty="0" smtClean="0">
-                <a:latin typeface="Times New Roman" panose="02020603050405020304" pitchFamily="18" charset="0"/>
-                <a:cs typeface="Times New Roman" panose="02020603050405020304" pitchFamily="18" charset="0"/>
-              </a:rPr>
-              <a:t>complex </a:t>
-            </a:r>
-            <a:r>
-              <a:rPr lang="en-US" altLang="zh-CN" sz="1400" dirty="0">
-                <a:latin typeface="Times New Roman" panose="02020603050405020304" pitchFamily="18" charset="0"/>
-                <a:cs typeface="Times New Roman" panose="02020603050405020304" pitchFamily="18" charset="0"/>
-              </a:rPr>
-              <a:t>electronic </a:t>
-            </a:r>
-            <a:r>
-              <a:rPr lang="en-US" altLang="zh-CN" sz="1400" dirty="0" smtClean="0">
-                <a:latin typeface="Times New Roman" panose="02020603050405020304" pitchFamily="18" charset="0"/>
-                <a:cs typeface="Times New Roman" panose="02020603050405020304" pitchFamily="18" charset="0"/>
-              </a:rPr>
-              <a:t>  rotorcraft </a:t>
-            </a:r>
-            <a:r>
-              <a:rPr lang="en-US" altLang="zh-CN" sz="1400" dirty="0">
-                <a:latin typeface="Times New Roman" panose="02020603050405020304" pitchFamily="18" charset="0"/>
-                <a:cs typeface="Times New Roman" panose="02020603050405020304" pitchFamily="18" charset="0"/>
-              </a:rPr>
-              <a:t>systems." Army Helicopter Society System Engineering Meeting. 2009.</a:t>
+                <a:ea typeface="宋体" panose="02010600030101010101" pitchFamily="2" charset="-122"/>
+                <a:cs typeface="Times New Roman" panose="02020603050405020304" pitchFamily="18" charset="0"/>
+              </a:rPr>
+              <a:t>. Compiler test case generation methods: a survey and assessment. Information and Software Technology, 39 -1997, 617-625.</a:t>
             </a:r>
           </a:p>
           <a:p>
@@ -13311,46 +12940,61 @@
               <a:buNone/>
             </a:pPr>
             <a:r>
+              <a:rPr lang="en-US" altLang="zh-CN" sz="1400" dirty="0">
+                <a:latin typeface="Times New Roman" panose="02020603050405020304" pitchFamily="18" charset="0"/>
+                <a:ea typeface="宋体" panose="02010600030101010101" pitchFamily="2" charset="-122"/>
+                <a:cs typeface="Times New Roman" panose="02020603050405020304" pitchFamily="18" charset="0"/>
+              </a:rPr>
+              <a:t>[</a:t>
+            </a:r>
+            <a:r>
               <a:rPr lang="en-US" altLang="zh-CN" sz="1400" dirty="0" smtClean="0">
                 <a:latin typeface="Times New Roman" panose="02020603050405020304" pitchFamily="18" charset="0"/>
                 <a:ea typeface="宋体" panose="02010600030101010101" pitchFamily="2" charset="-122"/>
                 <a:cs typeface="Times New Roman" panose="02020603050405020304" pitchFamily="18" charset="0"/>
               </a:rPr>
-              <a:t>[2] </a:t>
+              <a:t>2] Clarke </a:t>
             </a:r>
             <a:r>
               <a:rPr lang="en-US" altLang="zh-CN" sz="1400" dirty="0">
                 <a:latin typeface="Times New Roman" panose="02020603050405020304" pitchFamily="18" charset="0"/>
-                <a:cs typeface="Times New Roman" panose="02020603050405020304" pitchFamily="18" charset="0"/>
-              </a:rPr>
-              <a:t>RTCA DO-178B. "Software considerations in airborne systems and equipment certification." Washington, DC: Radio Technical Commission for Aeronautics, </a:t>
+                <a:ea typeface="宋体" panose="02010600030101010101" pitchFamily="2" charset="-122"/>
+                <a:cs typeface="Times New Roman" panose="02020603050405020304" pitchFamily="18" charset="0"/>
+              </a:rPr>
+              <a:t>E M, </a:t>
             </a:r>
             <a:r>
               <a:rPr lang="en-US" altLang="zh-CN" sz="1400" dirty="0" err="1">
                 <a:latin typeface="Times New Roman" panose="02020603050405020304" pitchFamily="18" charset="0"/>
-                <a:cs typeface="Times New Roman" panose="02020603050405020304" pitchFamily="18" charset="0"/>
-              </a:rPr>
-              <a:t>Inc</a:t>
+                <a:ea typeface="宋体" panose="02010600030101010101" pitchFamily="2" charset="-122"/>
+                <a:cs typeface="Times New Roman" panose="02020603050405020304" pitchFamily="18" charset="0"/>
+              </a:rPr>
+              <a:t>Grumber</a:t>
             </a:r>
             <a:r>
               <a:rPr lang="en-US" altLang="zh-CN" sz="1400" dirty="0">
                 <a:latin typeface="Times New Roman" panose="02020603050405020304" pitchFamily="18" charset="0"/>
-                <a:cs typeface="Times New Roman" panose="02020603050405020304" pitchFamily="18" charset="0"/>
-              </a:rPr>
-              <a:t> (RTCA), </a:t>
-            </a:r>
-            <a:r>
-              <a:rPr lang="en-US" altLang="zh-CN" sz="1400" dirty="0" smtClean="0">
-                <a:latin typeface="Times New Roman" panose="02020603050405020304" pitchFamily="18" charset="0"/>
-                <a:cs typeface="Times New Roman" panose="02020603050405020304" pitchFamily="18" charset="0"/>
-              </a:rPr>
-              <a:t>1992.</a:t>
-            </a:r>
-            <a:endParaRPr lang="en-US" altLang="zh-CN" sz="1400" dirty="0" smtClean="0">
-              <a:latin typeface="Times New Roman" panose="02020603050405020304" pitchFamily="18" charset="0"/>
-              <a:ea typeface="宋体" panose="02010600030101010101" pitchFamily="2" charset="-122"/>
-              <a:cs typeface="Times New Roman" panose="02020603050405020304" pitchFamily="18" charset="0"/>
-            </a:endParaRPr>
+                <a:ea typeface="宋体" panose="02010600030101010101" pitchFamily="2" charset="-122"/>
+                <a:cs typeface="Times New Roman" panose="02020603050405020304" pitchFamily="18" charset="0"/>
+              </a:rPr>
+              <a:t> O, </a:t>
+            </a:r>
+            <a:r>
+              <a:rPr lang="en-US" altLang="zh-CN" sz="1400" dirty="0" err="1">
+                <a:latin typeface="Times New Roman" panose="02020603050405020304" pitchFamily="18" charset="0"/>
+                <a:ea typeface="宋体" panose="02010600030101010101" pitchFamily="2" charset="-122"/>
+                <a:cs typeface="Times New Roman" panose="02020603050405020304" pitchFamily="18" charset="0"/>
+              </a:rPr>
+              <a:t>Peled</a:t>
+            </a:r>
+            <a:r>
+              <a:rPr lang="en-US" altLang="zh-CN" sz="1400" dirty="0">
+                <a:latin typeface="Times New Roman" panose="02020603050405020304" pitchFamily="18" charset="0"/>
+                <a:ea typeface="宋体" panose="02010600030101010101" pitchFamily="2" charset="-122"/>
+                <a:cs typeface="Times New Roman" panose="02020603050405020304" pitchFamily="18" charset="0"/>
+              </a:rPr>
+              <a:t> D. Model Checking[M]. Cambridge: MIT Press, 1999.</a:t>
+            </a:r>
           </a:p>
           <a:p>
             <a:pPr marL="0" indent="0" algn="just">
@@ -13360,32 +13004,61 @@
               <a:buNone/>
             </a:pPr>
             <a:r>
+              <a:rPr lang="en-US" altLang="zh-CN" sz="1400" dirty="0">
+                <a:latin typeface="Times New Roman" panose="02020603050405020304" pitchFamily="18" charset="0"/>
+                <a:ea typeface="宋体" panose="02010600030101010101" pitchFamily="2" charset="-122"/>
+                <a:cs typeface="Times New Roman" panose="02020603050405020304" pitchFamily="18" charset="0"/>
+              </a:rPr>
+              <a:t>[</a:t>
+            </a:r>
+            <a:r>
               <a:rPr lang="en-US" altLang="zh-CN" sz="1400" dirty="0" smtClean="0">
                 <a:latin typeface="Times New Roman" panose="02020603050405020304" pitchFamily="18" charset="0"/>
                 <a:ea typeface="宋体" panose="02010600030101010101" pitchFamily="2" charset="-122"/>
                 <a:cs typeface="Times New Roman" panose="02020603050405020304" pitchFamily="18" charset="0"/>
               </a:rPr>
-              <a:t>[3] </a:t>
+              <a:t>3] </a:t>
+            </a:r>
+            <a:r>
+              <a:rPr lang="en-US" altLang="zh-CN" sz="1400" dirty="0" err="1" smtClean="0">
+                <a:latin typeface="Times New Roman" panose="02020603050405020304" pitchFamily="18" charset="0"/>
+                <a:ea typeface="宋体" panose="02010600030101010101" pitchFamily="2" charset="-122"/>
+                <a:cs typeface="Times New Roman" panose="02020603050405020304" pitchFamily="18" charset="0"/>
+              </a:rPr>
+              <a:t>Baier</a:t>
+            </a:r>
+            <a:r>
+              <a:rPr lang="en-US" altLang="zh-CN" sz="1400" dirty="0" smtClean="0">
+                <a:latin typeface="Times New Roman" panose="02020603050405020304" pitchFamily="18" charset="0"/>
+                <a:ea typeface="宋体" panose="02010600030101010101" pitchFamily="2" charset="-122"/>
+                <a:cs typeface="Times New Roman" panose="02020603050405020304" pitchFamily="18" charset="0"/>
+              </a:rPr>
+              <a:t> </a:t>
             </a:r>
             <a:r>
               <a:rPr lang="en-US" altLang="zh-CN" sz="1400" dirty="0">
                 <a:latin typeface="Times New Roman" panose="02020603050405020304" pitchFamily="18" charset="0"/>
-                <a:cs typeface="Times New Roman" panose="02020603050405020304" pitchFamily="18" charset="0"/>
-              </a:rPr>
-              <a:t>SC-205, "Software Considerations in Airborne Systems and Equipment Certification" (DO-178C), RTCA, Inc. December </a:t>
-            </a:r>
-            <a:r>
-              <a:rPr lang="en-US" altLang="zh-CN" sz="1400" dirty="0" smtClean="0">
-                <a:latin typeface="Times New Roman" panose="02020603050405020304" pitchFamily="18" charset="0"/>
-                <a:cs typeface="Times New Roman" panose="02020603050405020304" pitchFamily="18" charset="0"/>
-              </a:rPr>
-              <a:t>2011.</a:t>
-            </a:r>
-            <a:endParaRPr lang="en-US" altLang="zh-CN" sz="1400" dirty="0" smtClean="0">
-              <a:latin typeface="Times New Roman" panose="02020603050405020304" pitchFamily="18" charset="0"/>
-              <a:ea typeface="宋体" panose="02010600030101010101" pitchFamily="2" charset="-122"/>
-              <a:cs typeface="Times New Roman" panose="02020603050405020304" pitchFamily="18" charset="0"/>
-            </a:endParaRPr>
+                <a:ea typeface="宋体" panose="02010600030101010101" pitchFamily="2" charset="-122"/>
+                <a:cs typeface="Times New Roman" panose="02020603050405020304" pitchFamily="18" charset="0"/>
+              </a:rPr>
+              <a:t>C, </a:t>
+            </a:r>
+            <a:r>
+              <a:rPr lang="en-US" altLang="zh-CN" sz="1400" dirty="0" err="1">
+                <a:latin typeface="Times New Roman" panose="02020603050405020304" pitchFamily="18" charset="0"/>
+                <a:ea typeface="宋体" panose="02010600030101010101" pitchFamily="2" charset="-122"/>
+                <a:cs typeface="Times New Roman" panose="02020603050405020304" pitchFamily="18" charset="0"/>
+              </a:rPr>
+              <a:t>Katoen</a:t>
+            </a:r>
+            <a:r>
+              <a:rPr lang="en-US" altLang="zh-CN" sz="1400" dirty="0">
+                <a:latin typeface="Times New Roman" panose="02020603050405020304" pitchFamily="18" charset="0"/>
+                <a:ea typeface="宋体" panose="02010600030101010101" pitchFamily="2" charset="-122"/>
+                <a:cs typeface="Times New Roman" panose="02020603050405020304" pitchFamily="18" charset="0"/>
+              </a:rPr>
+              <a:t> J P. Principles of Model Checking[M]. Cambridge: MIT Press, 2008.</a:t>
+            </a:r>
           </a:p>
           <a:p>
             <a:pPr marL="0" indent="0" algn="just">
@@ -13395,46 +13068,85 @@
               <a:buNone/>
             </a:pPr>
             <a:r>
+              <a:rPr lang="en-US" altLang="zh-CN" sz="1400" dirty="0">
+                <a:latin typeface="Times New Roman" panose="02020603050405020304" pitchFamily="18" charset="0"/>
+                <a:ea typeface="宋体" panose="02010600030101010101" pitchFamily="2" charset="-122"/>
+                <a:cs typeface="Times New Roman" panose="02020603050405020304" pitchFamily="18" charset="0"/>
+              </a:rPr>
+              <a:t>[</a:t>
+            </a:r>
+            <a:r>
               <a:rPr lang="en-US" altLang="zh-CN" sz="1400" dirty="0" smtClean="0">
                 <a:latin typeface="Times New Roman" panose="02020603050405020304" pitchFamily="18" charset="0"/>
                 <a:ea typeface="宋体" panose="02010600030101010101" pitchFamily="2" charset="-122"/>
                 <a:cs typeface="Times New Roman" panose="02020603050405020304" pitchFamily="18" charset="0"/>
               </a:rPr>
-              <a:t>[4] </a:t>
+              <a:t>4] Lin </a:t>
+            </a:r>
+            <a:r>
+              <a:rPr lang="en-US" altLang="zh-CN" sz="1400" dirty="0" err="1">
+                <a:latin typeface="Times New Roman" panose="02020603050405020304" pitchFamily="18" charset="0"/>
+                <a:ea typeface="宋体" panose="02010600030101010101" pitchFamily="2" charset="-122"/>
+                <a:cs typeface="Times New Roman" panose="02020603050405020304" pitchFamily="18" charset="0"/>
+              </a:rPr>
+              <a:t>Huimin</a:t>
             </a:r>
             <a:r>
               <a:rPr lang="en-US" altLang="zh-CN" sz="1400" dirty="0">
                 <a:latin typeface="Times New Roman" panose="02020603050405020304" pitchFamily="18" charset="0"/>
-                <a:cs typeface="Times New Roman" panose="02020603050405020304" pitchFamily="18" charset="0"/>
-              </a:rPr>
-              <a:t>Butler, Ricky W. "What is formal methods." NASA </a:t>
+                <a:ea typeface="宋体" panose="02010600030101010101" pitchFamily="2" charset="-122"/>
+                <a:cs typeface="Times New Roman" panose="02020603050405020304" pitchFamily="18" charset="0"/>
+              </a:rPr>
+              <a:t>, Zhang </a:t>
             </a:r>
             <a:r>
               <a:rPr lang="en-US" altLang="zh-CN" sz="1400" dirty="0" err="1">
                 <a:latin typeface="Times New Roman" panose="02020603050405020304" pitchFamily="18" charset="0"/>
-                <a:cs typeface="Times New Roman" panose="02020603050405020304" pitchFamily="18" charset="0"/>
-              </a:rPr>
-              <a:t>LaRC</a:t>
+                <a:ea typeface="宋体" panose="02010600030101010101" pitchFamily="2" charset="-122"/>
+                <a:cs typeface="Times New Roman" panose="02020603050405020304" pitchFamily="18" charset="0"/>
+              </a:rPr>
+              <a:t>Wenhui</a:t>
             </a:r>
             <a:r>
               <a:rPr lang="en-US" altLang="zh-CN" sz="1400" dirty="0">
                 <a:latin typeface="Times New Roman" panose="02020603050405020304" pitchFamily="18" charset="0"/>
-                <a:cs typeface="Times New Roman" panose="02020603050405020304" pitchFamily="18" charset="0"/>
-              </a:rPr>
-              <a:t> Formal Methods </a:t>
-            </a:r>
-            <a:r>
-              <a:rPr lang="en-US" altLang="zh-CN" sz="1400" dirty="0" smtClean="0">
-                <a:latin typeface="Times New Roman" panose="02020603050405020304" pitchFamily="18" charset="0"/>
-                <a:cs typeface="Times New Roman" panose="02020603050405020304" pitchFamily="18" charset="0"/>
-              </a:rPr>
-              <a:t>Program, 2001.</a:t>
-            </a:r>
-            <a:endParaRPr lang="en-US" altLang="zh-CN" sz="1400" dirty="0" smtClean="0">
-              <a:latin typeface="Times New Roman" panose="02020603050405020304" pitchFamily="18" charset="0"/>
-              <a:ea typeface="宋体" panose="02010600030101010101" pitchFamily="2" charset="-122"/>
-              <a:cs typeface="Times New Roman" panose="02020603050405020304" pitchFamily="18" charset="0"/>
-            </a:endParaRPr>
+                <a:ea typeface="宋体" panose="02010600030101010101" pitchFamily="2" charset="-122"/>
+                <a:cs typeface="Times New Roman" panose="02020603050405020304" pitchFamily="18" charset="0"/>
+              </a:rPr>
+              <a:t>. Model checking: Theories, techniques and applications[J]. </a:t>
+            </a:r>
+            <a:r>
+              <a:rPr lang="en-US" altLang="zh-CN" sz="1400" dirty="0" err="1">
+                <a:latin typeface="Times New Roman" panose="02020603050405020304" pitchFamily="18" charset="0"/>
+                <a:ea typeface="宋体" panose="02010600030101010101" pitchFamily="2" charset="-122"/>
+                <a:cs typeface="Times New Roman" panose="02020603050405020304" pitchFamily="18" charset="0"/>
+              </a:rPr>
+              <a:t>Acta</a:t>
+            </a:r>
+            <a:r>
+              <a:rPr lang="en-US" altLang="zh-CN" sz="1400" dirty="0">
+                <a:latin typeface="Times New Roman" panose="02020603050405020304" pitchFamily="18" charset="0"/>
+                <a:ea typeface="宋体" panose="02010600030101010101" pitchFamily="2" charset="-122"/>
+                <a:cs typeface="Times New Roman" panose="02020603050405020304" pitchFamily="18" charset="0"/>
+              </a:rPr>
+              <a:t> Electronica </a:t>
+            </a:r>
+            <a:r>
+              <a:rPr lang="en-US" altLang="zh-CN" sz="1400" dirty="0" err="1">
+                <a:latin typeface="Times New Roman" panose="02020603050405020304" pitchFamily="18" charset="0"/>
+                <a:ea typeface="宋体" panose="02010600030101010101" pitchFamily="2" charset="-122"/>
+                <a:cs typeface="Times New Roman" panose="02020603050405020304" pitchFamily="18" charset="0"/>
+              </a:rPr>
+              <a:t>Sinica</a:t>
+            </a:r>
+            <a:r>
+              <a:rPr lang="en-US" altLang="zh-CN" sz="1400" dirty="0">
+                <a:latin typeface="Times New Roman" panose="02020603050405020304" pitchFamily="18" charset="0"/>
+                <a:ea typeface="宋体" panose="02010600030101010101" pitchFamily="2" charset="-122"/>
+                <a:cs typeface="Times New Roman" panose="02020603050405020304" pitchFamily="18" charset="0"/>
+              </a:rPr>
+              <a:t>, 2002, 30(12): 1907-1912.</a:t>
+            </a:r>
           </a:p>
           <a:p>
             <a:pPr marL="0" indent="0" algn="just">
@@ -13444,32 +13156,45 @@
               <a:buNone/>
             </a:pPr>
             <a:r>
+              <a:rPr lang="en-US" altLang="zh-CN" sz="1400" dirty="0">
+                <a:latin typeface="Times New Roman" panose="02020603050405020304" pitchFamily="18" charset="0"/>
+                <a:ea typeface="宋体" panose="02010600030101010101" pitchFamily="2" charset="-122"/>
+                <a:cs typeface="Times New Roman" panose="02020603050405020304" pitchFamily="18" charset="0"/>
+              </a:rPr>
+              <a:t>[</a:t>
+            </a:r>
+            <a:r>
               <a:rPr lang="en-US" altLang="zh-CN" sz="1400" dirty="0" smtClean="0">
                 <a:latin typeface="Times New Roman" panose="02020603050405020304" pitchFamily="18" charset="0"/>
                 <a:ea typeface="宋体" panose="02010600030101010101" pitchFamily="2" charset="-122"/>
                 <a:cs typeface="Times New Roman" panose="02020603050405020304" pitchFamily="18" charset="0"/>
               </a:rPr>
-              <a:t>[5] </a:t>
+              <a:t>5] Clarke </a:t>
             </a:r>
             <a:r>
               <a:rPr lang="en-US" altLang="zh-CN" sz="1400" dirty="0">
                 <a:latin typeface="Times New Roman" panose="02020603050405020304" pitchFamily="18" charset="0"/>
-                <a:cs typeface="Times New Roman" panose="02020603050405020304" pitchFamily="18" charset="0"/>
-              </a:rPr>
-              <a:t>Floyd, Robert W. "Assigning meanings to programs." Mathematical aspects of computer science </a:t>
-            </a:r>
-            <a:r>
-              <a:rPr lang="en-US" altLang="zh-CN" sz="1400" dirty="0" smtClean="0">
-                <a:latin typeface="Times New Roman" panose="02020603050405020304" pitchFamily="18" charset="0"/>
-                <a:cs typeface="Times New Roman" panose="02020603050405020304" pitchFamily="18" charset="0"/>
-              </a:rPr>
-              <a:t>19.19-32, 1967.</a:t>
-            </a:r>
-            <a:endParaRPr lang="en-US" altLang="zh-CN" sz="1400" dirty="0" smtClean="0">
-              <a:latin typeface="Times New Roman" panose="02020603050405020304" pitchFamily="18" charset="0"/>
-              <a:ea typeface="宋体" panose="02010600030101010101" pitchFamily="2" charset="-122"/>
-              <a:cs typeface="Times New Roman" panose="02020603050405020304" pitchFamily="18" charset="0"/>
-            </a:endParaRPr>
+                <a:ea typeface="宋体" panose="02010600030101010101" pitchFamily="2" charset="-122"/>
+                <a:cs typeface="Times New Roman" panose="02020603050405020304" pitchFamily="18" charset="0"/>
+              </a:rPr>
+              <a:t>E M, Emerson E A, </a:t>
+            </a:r>
+            <a:r>
+              <a:rPr lang="en-US" altLang="zh-CN" sz="1400" dirty="0" err="1">
+                <a:latin typeface="Times New Roman" panose="02020603050405020304" pitchFamily="18" charset="0"/>
+                <a:ea typeface="宋体" panose="02010600030101010101" pitchFamily="2" charset="-122"/>
+                <a:cs typeface="Times New Roman" panose="02020603050405020304" pitchFamily="18" charset="0"/>
+              </a:rPr>
+              <a:t>Sistla</a:t>
+            </a:r>
+            <a:r>
+              <a:rPr lang="en-US" altLang="zh-CN" sz="1400" dirty="0">
+                <a:latin typeface="Times New Roman" panose="02020603050405020304" pitchFamily="18" charset="0"/>
+                <a:ea typeface="宋体" panose="02010600030101010101" pitchFamily="2" charset="-122"/>
+                <a:cs typeface="Times New Roman" panose="02020603050405020304" pitchFamily="18" charset="0"/>
+              </a:rPr>
+              <a:t> A P. Automatic verification of finite state concurrent system using temporal logic specifications[A]. 10th Annual ACM Symposium on Principle of Programming Languages[C]. New York: ACM Press, 1983, 117-126.</a:t>
+            </a:r>
           </a:p>
           <a:p>
             <a:pPr marL="0" indent="0" algn="just">
@@ -13479,52 +13204,61 @@
               <a:buNone/>
             </a:pPr>
             <a:r>
+              <a:rPr lang="en-US" altLang="zh-CN" sz="1400" dirty="0">
+                <a:latin typeface="Times New Roman" panose="02020603050405020304" pitchFamily="18" charset="0"/>
+                <a:ea typeface="宋体" panose="02010600030101010101" pitchFamily="2" charset="-122"/>
+                <a:cs typeface="Times New Roman" panose="02020603050405020304" pitchFamily="18" charset="0"/>
+              </a:rPr>
+              <a:t>[</a:t>
+            </a:r>
+            <a:r>
               <a:rPr lang="en-US" altLang="zh-CN" sz="1400" dirty="0" smtClean="0">
                 <a:latin typeface="Times New Roman" panose="02020603050405020304" pitchFamily="18" charset="0"/>
                 <a:ea typeface="宋体" panose="02010600030101010101" pitchFamily="2" charset="-122"/>
                 <a:cs typeface="Times New Roman" panose="02020603050405020304" pitchFamily="18" charset="0"/>
               </a:rPr>
-              <a:t>[6] </a:t>
+              <a:t>6] M </a:t>
             </a:r>
             <a:r>
               <a:rPr lang="en-US" altLang="zh-CN" sz="1400" dirty="0">
                 <a:latin typeface="Times New Roman" panose="02020603050405020304" pitchFamily="18" charset="0"/>
-                <a:cs typeface="Times New Roman" panose="02020603050405020304" pitchFamily="18" charset="0"/>
-              </a:rPr>
-              <a:t>Hoare, Charles Antony Richard. "An axiomatic basis for </a:t>
-            </a:r>
-            <a:r>
-              <a:rPr lang="en-US" altLang="zh-CN" sz="1400" dirty="0" smtClean="0">
-                <a:latin typeface="Times New Roman" panose="02020603050405020304" pitchFamily="18" charset="0"/>
-                <a:cs typeface="Times New Roman" panose="02020603050405020304" pitchFamily="18" charset="0"/>
-              </a:rPr>
-              <a:t>computer programming." </a:t>
+                <a:ea typeface="宋体" panose="02010600030101010101" pitchFamily="2" charset="-122"/>
+                <a:cs typeface="Times New Roman" panose="02020603050405020304" pitchFamily="18" charset="0"/>
+              </a:rPr>
+              <a:t>Y </a:t>
+            </a:r>
+            <a:r>
+              <a:rPr lang="en-US" altLang="zh-CN" sz="1400" dirty="0" err="1">
+                <a:latin typeface="Times New Roman" panose="02020603050405020304" pitchFamily="18" charset="0"/>
+                <a:ea typeface="宋体" panose="02010600030101010101" pitchFamily="2" charset="-122"/>
+                <a:cs typeface="Times New Roman" panose="02020603050405020304" pitchFamily="18" charset="0"/>
+              </a:rPr>
+              <a:t>Vardi</a:t>
             </a:r>
             <a:r>
               <a:rPr lang="en-US" altLang="zh-CN" sz="1400" dirty="0">
                 <a:latin typeface="Times New Roman" panose="02020603050405020304" pitchFamily="18" charset="0"/>
-                <a:cs typeface="Times New Roman" panose="02020603050405020304" pitchFamily="18" charset="0"/>
-              </a:rPr>
-              <a:t> Communications of the ACM </a:t>
-            </a:r>
-            <a:r>
-              <a:rPr lang="en-US" altLang="zh-CN" sz="1400">
-                <a:latin typeface="Times New Roman" panose="02020603050405020304" pitchFamily="18" charset="0"/>
-                <a:cs typeface="Times New Roman" panose="02020603050405020304" pitchFamily="18" charset="0"/>
-              </a:rPr>
-              <a:t>12.10 </a:t>
-            </a:r>
-            <a:r>
-              <a:rPr lang="en-US" altLang="zh-CN" sz="1400" smtClean="0">
-                <a:latin typeface="Times New Roman" panose="02020603050405020304" pitchFamily="18" charset="0"/>
-                <a:cs typeface="Times New Roman" panose="02020603050405020304" pitchFamily="18" charset="0"/>
-              </a:rPr>
-              <a:t>, 1969.</a:t>
-            </a:r>
-            <a:endParaRPr lang="en-US" altLang="zh-CN" sz="1400" dirty="0" smtClean="0">
-              <a:latin typeface="Times New Roman" panose="02020603050405020304" pitchFamily="18" charset="0"/>
-              <a:cs typeface="Times New Roman" panose="02020603050405020304" pitchFamily="18" charset="0"/>
-            </a:endParaRPr>
+                <a:ea typeface="宋体" panose="02010600030101010101" pitchFamily="2" charset="-122"/>
+                <a:cs typeface="Times New Roman" panose="02020603050405020304" pitchFamily="18" charset="0"/>
+              </a:rPr>
+              <a:t>, P </a:t>
+            </a:r>
+            <a:r>
+              <a:rPr lang="en-US" altLang="zh-CN" sz="1400" dirty="0" err="1">
+                <a:latin typeface="Times New Roman" panose="02020603050405020304" pitchFamily="18" charset="0"/>
+                <a:ea typeface="宋体" panose="02010600030101010101" pitchFamily="2" charset="-122"/>
+                <a:cs typeface="Times New Roman" panose="02020603050405020304" pitchFamily="18" charset="0"/>
+              </a:rPr>
+              <a:t>Wolper</a:t>
+            </a:r>
+            <a:r>
+              <a:rPr lang="en-US" altLang="zh-CN" sz="1400" dirty="0">
+                <a:latin typeface="Times New Roman" panose="02020603050405020304" pitchFamily="18" charset="0"/>
+                <a:ea typeface="宋体" panose="02010600030101010101" pitchFamily="2" charset="-122"/>
+                <a:cs typeface="Times New Roman" panose="02020603050405020304" pitchFamily="18" charset="0"/>
+              </a:rPr>
+              <a:t>. An automata – theoretic approach to automatic program verification[A]. 1st IEEE Symposium on Logic in Computer Science[C]. Los Alamitos: IEEE Computer Society, 1986, 322-331.</a:t>
+            </a:r>
           </a:p>
           <a:p>
             <a:pPr marL="0" indent="0" algn="just">
@@ -13534,119 +13268,110 @@
               <a:buNone/>
             </a:pPr>
             <a:r>
+              <a:rPr lang="en-US" altLang="zh-CN" sz="1400" dirty="0">
+                <a:latin typeface="Times New Roman" panose="02020603050405020304" pitchFamily="18" charset="0"/>
+                <a:ea typeface="宋体" panose="02010600030101010101" pitchFamily="2" charset="-122"/>
+                <a:cs typeface="Times New Roman" panose="02020603050405020304" pitchFamily="18" charset="0"/>
+              </a:rPr>
+              <a:t>[</a:t>
+            </a:r>
+            <a:r>
               <a:rPr lang="en-US" altLang="zh-CN" sz="1400" dirty="0" smtClean="0">
                 <a:latin typeface="Times New Roman" panose="02020603050405020304" pitchFamily="18" charset="0"/>
                 <a:ea typeface="宋体" panose="02010600030101010101" pitchFamily="2" charset="-122"/>
                 <a:cs typeface="Times New Roman" panose="02020603050405020304" pitchFamily="18" charset="0"/>
               </a:rPr>
-              <a:t>[7] </a:t>
+              <a:t>7] E </a:t>
+            </a:r>
+            <a:r>
+              <a:rPr lang="en-US" altLang="zh-CN" sz="1400" dirty="0" err="1">
+                <a:latin typeface="Times New Roman" panose="02020603050405020304" pitchFamily="18" charset="0"/>
+                <a:ea typeface="宋体" panose="02010600030101010101" pitchFamily="2" charset="-122"/>
+                <a:cs typeface="Times New Roman" panose="02020603050405020304" pitchFamily="18" charset="0"/>
+              </a:rPr>
+              <a:t>AIIen</a:t>
             </a:r>
             <a:r>
               <a:rPr lang="en-US" altLang="zh-CN" sz="1400" dirty="0">
                 <a:latin typeface="Times New Roman" panose="02020603050405020304" pitchFamily="18" charset="0"/>
-                <a:cs typeface="Times New Roman" panose="02020603050405020304" pitchFamily="18" charset="0"/>
-              </a:rPr>
-              <a:t>Dijkstra, </a:t>
+                <a:ea typeface="宋体" panose="02010600030101010101" pitchFamily="2" charset="-122"/>
+                <a:cs typeface="Times New Roman" panose="02020603050405020304" pitchFamily="18" charset="0"/>
+              </a:rPr>
+              <a:t> Emerson, Chin-</a:t>
             </a:r>
             <a:r>
               <a:rPr lang="en-US" altLang="zh-CN" sz="1400" dirty="0" err="1">
                 <a:latin typeface="Times New Roman" panose="02020603050405020304" pitchFamily="18" charset="0"/>
-                <a:cs typeface="Times New Roman" panose="02020603050405020304" pitchFamily="18" charset="0"/>
-              </a:rPr>
-              <a:t>Edsger</a:t>
+                <a:ea typeface="宋体" panose="02010600030101010101" pitchFamily="2" charset="-122"/>
+                <a:cs typeface="Times New Roman" panose="02020603050405020304" pitchFamily="18" charset="0"/>
+              </a:rPr>
+              <a:t>Laung</a:t>
             </a:r>
             <a:r>
               <a:rPr lang="en-US" altLang="zh-CN" sz="1400" dirty="0">
                 <a:latin typeface="Times New Roman" panose="02020603050405020304" pitchFamily="18" charset="0"/>
-                <a:cs typeface="Times New Roman" panose="02020603050405020304" pitchFamily="18" charset="0"/>
-              </a:rPr>
-              <a:t> </a:t>
+                <a:ea typeface="宋体" panose="02010600030101010101" pitchFamily="2" charset="-122"/>
+                <a:cs typeface="Times New Roman" panose="02020603050405020304" pitchFamily="18" charset="0"/>
+              </a:rPr>
+              <a:t> Lei. Efficient </a:t>
             </a:r>
             <a:r>
               <a:rPr lang="en-US" altLang="zh-CN" sz="1400" dirty="0" err="1">
                 <a:latin typeface="Times New Roman" panose="02020603050405020304" pitchFamily="18" charset="0"/>
-                <a:cs typeface="Times New Roman" panose="02020603050405020304" pitchFamily="18" charset="0"/>
-              </a:rPr>
-              <a:t>Wybe</a:t>
+                <a:ea typeface="宋体" panose="02010600030101010101" pitchFamily="2" charset="-122"/>
+                <a:cs typeface="Times New Roman" panose="02020603050405020304" pitchFamily="18" charset="0"/>
+              </a:rPr>
+              <a:t>modeI</a:t>
             </a:r>
             <a:r>
               <a:rPr lang="en-US" altLang="zh-CN" sz="1400" dirty="0">
                 <a:latin typeface="Times New Roman" panose="02020603050405020304" pitchFamily="18" charset="0"/>
-                <a:cs typeface="Times New Roman" panose="02020603050405020304" pitchFamily="18" charset="0"/>
-              </a:rPr>
-              <a:t>, et al. "A discipline of programming." Vol. 1. Englewood Cliffs: prentice-hall, 1976</a:t>
+                <a:ea typeface="宋体" panose="02010600030101010101" pitchFamily="2" charset="-122"/>
+                <a:cs typeface="Times New Roman" panose="02020603050405020304" pitchFamily="18" charset="0"/>
+              </a:rPr>
+              <a:t> checking in fragments of the propositional Mu-</a:t>
+            </a:r>
+            <a:r>
+              <a:rPr lang="en-US" altLang="zh-CN" sz="1400" dirty="0" err="1">
+                <a:latin typeface="Times New Roman" panose="02020603050405020304" pitchFamily="18" charset="0"/>
+                <a:ea typeface="宋体" panose="02010600030101010101" pitchFamily="2" charset="-122"/>
+                <a:cs typeface="Times New Roman" panose="02020603050405020304" pitchFamily="18" charset="0"/>
+              </a:rPr>
+              <a:t>CaIcuIus</a:t>
+            </a:r>
+            <a:r>
+              <a:rPr lang="en-US" altLang="zh-CN" sz="1400" dirty="0">
+                <a:latin typeface="Times New Roman" panose="02020603050405020304" pitchFamily="18" charset="0"/>
+                <a:ea typeface="宋体" panose="02010600030101010101" pitchFamily="2" charset="-122"/>
+                <a:cs typeface="Times New Roman" panose="02020603050405020304" pitchFamily="18" charset="0"/>
+              </a:rPr>
+              <a:t>[A]. 1st IEEE Symposium on Logic in Computer Science[C]. Los Alamitos</a:t>
+            </a:r>
+            <a:r>
+              <a:rPr lang="zh-CN" altLang="en-US" sz="1400" dirty="0">
+                <a:latin typeface="Times New Roman" panose="02020603050405020304" pitchFamily="18" charset="0"/>
+                <a:ea typeface="宋体" panose="02010600030101010101" pitchFamily="2" charset="-122"/>
+                <a:cs typeface="Times New Roman" panose="02020603050405020304" pitchFamily="18" charset="0"/>
+              </a:rPr>
+              <a:t>：</a:t>
+            </a:r>
+            <a:r>
+              <a:rPr lang="en-US" altLang="zh-CN" sz="1400" dirty="0">
+                <a:latin typeface="Times New Roman" panose="02020603050405020304" pitchFamily="18" charset="0"/>
+                <a:ea typeface="宋体" panose="02010600030101010101" pitchFamily="2" charset="-122"/>
+                <a:cs typeface="Times New Roman" panose="02020603050405020304" pitchFamily="18" charset="0"/>
+              </a:rPr>
+              <a:t>IEEE Computer Society, 1986, 267 - 278</a:t>
             </a:r>
             <a:r>
               <a:rPr lang="en-US" altLang="zh-CN" sz="1400" dirty="0" smtClean="0">
                 <a:latin typeface="Times New Roman" panose="02020603050405020304" pitchFamily="18" charset="0"/>
+                <a:ea typeface="宋体" panose="02010600030101010101" pitchFamily="2" charset="-122"/>
                 <a:cs typeface="Times New Roman" panose="02020603050405020304" pitchFamily="18" charset="0"/>
               </a:rPr>
               <a:t>.</a:t>
             </a:r>
-          </a:p>
-          <a:p>
-            <a:pPr marL="0" indent="0" algn="just">
-              <a:lnSpc>
-                <a:spcPct val="150000"/>
-              </a:lnSpc>
-              <a:buNone/>
-            </a:pPr>
-            <a:r>
-              <a:rPr lang="en-US" altLang="zh-CN" sz="1400" dirty="0" smtClean="0">
-                <a:latin typeface="Times New Roman" panose="02020603050405020304" pitchFamily="18" charset="0"/>
-                <a:ea typeface="宋体" panose="02010600030101010101" pitchFamily="2" charset="-122"/>
-                <a:cs typeface="Times New Roman" panose="02020603050405020304" pitchFamily="18" charset="0"/>
-              </a:rPr>
-              <a:t>[8] </a:t>
-            </a:r>
-            <a:r>
-              <a:rPr lang="en-US" altLang="zh-CN" sz="1400" dirty="0">
-                <a:latin typeface="Times New Roman" panose="02020603050405020304" pitchFamily="18" charset="0"/>
-                <a:cs typeface="Times New Roman" panose="02020603050405020304" pitchFamily="18" charset="0"/>
-              </a:rPr>
-              <a:t>Knuth, Donald E. "Examples of formal semantics." Symposium on semantics of algorithmic languages. Springer Berlin Heidelberg, 1971.</a:t>
-            </a:r>
-            <a:endParaRPr lang="en-US" altLang="zh-CN" sz="1400" dirty="0" smtClean="0">
-              <a:latin typeface="Times New Roman" panose="02020603050405020304" pitchFamily="18" charset="0"/>
-              <a:ea typeface="宋体" panose="02010600030101010101" pitchFamily="2" charset="-122"/>
-              <a:cs typeface="Times New Roman" panose="02020603050405020304" pitchFamily="18" charset="0"/>
-            </a:endParaRPr>
-          </a:p>
-          <a:p>
-            <a:pPr marL="0" indent="0" algn="just">
-              <a:lnSpc>
-                <a:spcPct val="150000"/>
-              </a:lnSpc>
-              <a:buNone/>
-            </a:pPr>
-            <a:endParaRPr lang="en-US" altLang="zh-CN" sz="1400" dirty="0" smtClean="0">
-              <a:latin typeface="Times New Roman" panose="02020603050405020304" pitchFamily="18" charset="0"/>
-              <a:ea typeface="宋体" panose="02010600030101010101" pitchFamily="2" charset="-122"/>
-              <a:cs typeface="Times New Roman" panose="02020603050405020304" pitchFamily="18" charset="0"/>
-            </a:endParaRPr>
-          </a:p>
-          <a:p>
-            <a:pPr marL="0" indent="0" algn="just">
-              <a:lnSpc>
-                <a:spcPct val="150000"/>
-              </a:lnSpc>
-              <a:buNone/>
-            </a:pPr>
             <a:endParaRPr lang="en-US" altLang="zh-CN" sz="1400" dirty="0">
-              <a:latin typeface="Times New Roman" panose="02020603050405020304" pitchFamily="18" charset="0"/>
-              <a:ea typeface="宋体" panose="02010600030101010101" pitchFamily="2" charset="-122"/>
-              <a:cs typeface="Times New Roman" panose="02020603050405020304" pitchFamily="18" charset="0"/>
-            </a:endParaRPr>
-          </a:p>
-          <a:p>
-            <a:pPr algn="just">
-              <a:lnSpc>
-                <a:spcPct val="150000"/>
-              </a:lnSpc>
-              <a:buFont typeface="Wingdings" panose="05000000000000000000" pitchFamily="2" charset="2"/>
-              <a:buChar char="Ø"/>
-            </a:pPr>
-            <a:endParaRPr lang="zh-CN" altLang="en-US" sz="1400" dirty="0">
               <a:latin typeface="Times New Roman" panose="02020603050405020304" pitchFamily="18" charset="0"/>
               <a:ea typeface="宋体" panose="02010600030101010101" pitchFamily="2" charset="-122"/>
               <a:cs typeface="Times New Roman" panose="02020603050405020304" pitchFamily="18" charset="0"/>
@@ -13657,7 +13382,7 @@
     </p:spTree>
     <p:extLst>
       <p:ext uri="{BB962C8B-B14F-4D97-AF65-F5344CB8AC3E}">
-        <p14:creationId xmlns:p14="http://schemas.microsoft.com/office/powerpoint/2010/main" val="2239087562"/>
+        <p14:creationId xmlns:p14="http://schemas.microsoft.com/office/powerpoint/2010/main" val="2043029272"/>
       </p:ext>
     </p:extLst>
   </p:cSld>
@@ -13751,26 +13476,84 @@
               <a:buNone/>
             </a:pPr>
             <a:r>
+              <a:rPr lang="en-US" altLang="zh-CN" sz="1400" dirty="0">
+                <a:latin typeface="Times New Roman" panose="02020603050405020304" pitchFamily="18" charset="0"/>
+                <a:ea typeface="宋体" panose="02010600030101010101" pitchFamily="2" charset="-122"/>
+                <a:cs typeface="Times New Roman" panose="02020603050405020304" pitchFamily="18" charset="0"/>
+              </a:rPr>
+              <a:t>[</a:t>
+            </a:r>
+            <a:r>
               <a:rPr lang="en-US" altLang="zh-CN" sz="1400" dirty="0" smtClean="0">
                 <a:latin typeface="Times New Roman" panose="02020603050405020304" pitchFamily="18" charset="0"/>
                 <a:ea typeface="宋体" panose="02010600030101010101" pitchFamily="2" charset="-122"/>
                 <a:cs typeface="Times New Roman" panose="02020603050405020304" pitchFamily="18" charset="0"/>
               </a:rPr>
-              <a:t>[</a:t>
+              <a:t>8] Colin </a:t>
+            </a:r>
+            <a:r>
+              <a:rPr lang="en-US" altLang="zh-CN" sz="1400" dirty="0" err="1">
+                <a:latin typeface="Times New Roman" panose="02020603050405020304" pitchFamily="18" charset="0"/>
+                <a:ea typeface="宋体" panose="02010600030101010101" pitchFamily="2" charset="-122"/>
+                <a:cs typeface="Times New Roman" panose="02020603050405020304" pitchFamily="18" charset="0"/>
+              </a:rPr>
+              <a:t>Stirling</a:t>
             </a:r>
             <a:r>
               <a:rPr lang="en-US" altLang="zh-CN" sz="1400" dirty="0">
                 <a:latin typeface="Times New Roman" panose="02020603050405020304" pitchFamily="18" charset="0"/>
-                <a:cs typeface="Times New Roman" panose="02020603050405020304" pitchFamily="18" charset="0"/>
-              </a:rPr>
-              <a:t>9] "The B-Toolkit". B-Core (UK) Limited. Archive.org. 2004. Retrieved February 22, </a:t>
-            </a:r>
-            <a:r>
-              <a:rPr lang="en-US" altLang="zh-CN" sz="1400" dirty="0" smtClean="0">
-                <a:latin typeface="Times New Roman" panose="02020603050405020304" pitchFamily="18" charset="0"/>
-                <a:cs typeface="Times New Roman" panose="02020603050405020304" pitchFamily="18" charset="0"/>
-              </a:rPr>
-              <a:t>2012.</a:t>
+                <a:ea typeface="宋体" panose="02010600030101010101" pitchFamily="2" charset="-122"/>
+                <a:cs typeface="Times New Roman" panose="02020603050405020304" pitchFamily="18" charset="0"/>
+              </a:rPr>
+              <a:t>, David Walker. </a:t>
+            </a:r>
+            <a:r>
+              <a:rPr lang="en-US" altLang="zh-CN" sz="1400" dirty="0" err="1">
+                <a:latin typeface="Times New Roman" panose="02020603050405020304" pitchFamily="18" charset="0"/>
+                <a:ea typeface="宋体" panose="02010600030101010101" pitchFamily="2" charset="-122"/>
+                <a:cs typeface="Times New Roman" panose="02020603050405020304" pitchFamily="18" charset="0"/>
+              </a:rPr>
+              <a:t>LocaI</a:t>
+            </a:r>
+            <a:r>
+              <a:rPr lang="en-US" altLang="zh-CN" sz="1400" dirty="0">
+                <a:latin typeface="Times New Roman" panose="02020603050405020304" pitchFamily="18" charset="0"/>
+                <a:ea typeface="宋体" panose="02010600030101010101" pitchFamily="2" charset="-122"/>
+                <a:cs typeface="Times New Roman" panose="02020603050405020304" pitchFamily="18" charset="0"/>
+              </a:rPr>
+              <a:t> model checking in the </a:t>
+            </a:r>
+            <a:r>
+              <a:rPr lang="en-US" altLang="zh-CN" sz="1400" dirty="0" err="1">
+                <a:latin typeface="Times New Roman" panose="02020603050405020304" pitchFamily="18" charset="0"/>
+                <a:ea typeface="宋体" panose="02010600030101010101" pitchFamily="2" charset="-122"/>
+                <a:cs typeface="Times New Roman" panose="02020603050405020304" pitchFamily="18" charset="0"/>
+              </a:rPr>
+              <a:t>modaI</a:t>
+            </a:r>
+            <a:r>
+              <a:rPr lang="en-US" altLang="zh-CN" sz="1400" dirty="0">
+                <a:latin typeface="Times New Roman" panose="02020603050405020304" pitchFamily="18" charset="0"/>
+                <a:ea typeface="宋体" panose="02010600030101010101" pitchFamily="2" charset="-122"/>
+                <a:cs typeface="Times New Roman" panose="02020603050405020304" pitchFamily="18" charset="0"/>
+              </a:rPr>
+              <a:t> Mu-Calculus[A]. Lecture Notes in Computer Science 351 - 3rd International Joint Conference on Theory and Practice of Software Development[C]. Berlin: Springer-</a:t>
+            </a:r>
+            <a:r>
+              <a:rPr lang="en-US" altLang="zh-CN" sz="1400" dirty="0" err="1">
+                <a:latin typeface="Times New Roman" panose="02020603050405020304" pitchFamily="18" charset="0"/>
+                <a:ea typeface="宋体" panose="02010600030101010101" pitchFamily="2" charset="-122"/>
+                <a:cs typeface="Times New Roman" panose="02020603050405020304" pitchFamily="18" charset="0"/>
+              </a:rPr>
+              <a:t>Verlag</a:t>
+            </a:r>
+            <a:r>
+              <a:rPr lang="en-US" altLang="zh-CN" sz="1400" dirty="0">
+                <a:latin typeface="Times New Roman" panose="02020603050405020304" pitchFamily="18" charset="0"/>
+                <a:ea typeface="宋体" panose="02010600030101010101" pitchFamily="2" charset="-122"/>
+                <a:cs typeface="Times New Roman" panose="02020603050405020304" pitchFamily="18" charset="0"/>
+              </a:rPr>
+              <a:t>, 1989, 369 - 383.</a:t>
             </a:r>
           </a:p>
           <a:p>
@@ -13781,47 +13564,108 @@
               <a:buNone/>
             </a:pPr>
             <a:r>
+              <a:rPr lang="en-US" altLang="zh-CN" sz="1400" dirty="0">
+                <a:latin typeface="Times New Roman" panose="02020603050405020304" pitchFamily="18" charset="0"/>
+                <a:ea typeface="宋体" panose="02010600030101010101" pitchFamily="2" charset="-122"/>
+                <a:cs typeface="Times New Roman" panose="02020603050405020304" pitchFamily="18" charset="0"/>
+              </a:rPr>
+              <a:t>[</a:t>
+            </a:r>
+            <a:r>
               <a:rPr lang="en-US" altLang="zh-CN" sz="1400" dirty="0" smtClean="0">
                 <a:latin typeface="Times New Roman" panose="02020603050405020304" pitchFamily="18" charset="0"/>
                 <a:ea typeface="宋体" panose="02010600030101010101" pitchFamily="2" charset="-122"/>
                 <a:cs typeface="Times New Roman" panose="02020603050405020304" pitchFamily="18" charset="0"/>
               </a:rPr>
-              <a:t>[10] </a:t>
+              <a:t>9] Clarke </a:t>
+            </a:r>
+            <a:r>
+              <a:rPr lang="en-US" altLang="zh-CN" sz="1400" dirty="0">
+                <a:latin typeface="Times New Roman" panose="02020603050405020304" pitchFamily="18" charset="0"/>
+                <a:ea typeface="宋体" panose="02010600030101010101" pitchFamily="2" charset="-122"/>
+                <a:cs typeface="Times New Roman" panose="02020603050405020304" pitchFamily="18" charset="0"/>
+              </a:rPr>
+              <a:t>E M</a:t>
+            </a:r>
+            <a:r>
+              <a:rPr lang="zh-CN" altLang="en-US" sz="1400" dirty="0">
+                <a:latin typeface="Times New Roman" panose="02020603050405020304" pitchFamily="18" charset="0"/>
+                <a:ea typeface="宋体" panose="02010600030101010101" pitchFamily="2" charset="-122"/>
+                <a:cs typeface="Times New Roman" panose="02020603050405020304" pitchFamily="18" charset="0"/>
+              </a:rPr>
+              <a:t>． </a:t>
+            </a:r>
+            <a:r>
+              <a:rPr lang="en-US" altLang="zh-CN" sz="1400" dirty="0">
+                <a:latin typeface="Times New Roman" panose="02020603050405020304" pitchFamily="18" charset="0"/>
+                <a:ea typeface="宋体" panose="02010600030101010101" pitchFamily="2" charset="-122"/>
+                <a:cs typeface="Times New Roman" panose="02020603050405020304" pitchFamily="18" charset="0"/>
+              </a:rPr>
+              <a:t>My  27-year quest to overcome the state explosion problem </a:t>
+            </a:r>
+            <a:r>
+              <a:rPr lang="zh-CN" altLang="en-US" sz="1400" dirty="0">
+                <a:latin typeface="Times New Roman" panose="02020603050405020304" pitchFamily="18" charset="0"/>
+                <a:ea typeface="宋体" panose="02010600030101010101" pitchFamily="2" charset="-122"/>
+                <a:cs typeface="Times New Roman" panose="02020603050405020304" pitchFamily="18" charset="0"/>
+              </a:rPr>
+              <a:t>［</a:t>
+            </a:r>
+            <a:r>
+              <a:rPr lang="en-US" altLang="zh-CN" sz="1400" dirty="0">
+                <a:latin typeface="Times New Roman" panose="02020603050405020304" pitchFamily="18" charset="0"/>
+                <a:ea typeface="宋体" panose="02010600030101010101" pitchFamily="2" charset="-122"/>
+                <a:cs typeface="Times New Roman" panose="02020603050405020304" pitchFamily="18" charset="0"/>
+              </a:rPr>
+              <a:t>C</a:t>
+            </a:r>
+            <a:r>
+              <a:rPr lang="zh-CN" altLang="en-US" sz="1400" dirty="0">
+                <a:latin typeface="Times New Roman" panose="02020603050405020304" pitchFamily="18" charset="0"/>
+                <a:ea typeface="宋体" panose="02010600030101010101" pitchFamily="2" charset="-122"/>
+                <a:cs typeface="Times New Roman" panose="02020603050405020304" pitchFamily="18" charset="0"/>
+              </a:rPr>
+              <a:t>］ </a:t>
+            </a:r>
+            <a:r>
+              <a:rPr lang="en-US" altLang="zh-CN" sz="1400" dirty="0">
+                <a:latin typeface="Times New Roman" panose="02020603050405020304" pitchFamily="18" charset="0"/>
+                <a:ea typeface="宋体" panose="02010600030101010101" pitchFamily="2" charset="-122"/>
+                <a:cs typeface="Times New Roman" panose="02020603050405020304" pitchFamily="18" charset="0"/>
+              </a:rPr>
+              <a:t>//</a:t>
             </a:r>
             <a:r>
               <a:rPr lang="en-US" altLang="zh-CN" sz="1400" dirty="0" err="1">
                 <a:latin typeface="Times New Roman" panose="02020603050405020304" pitchFamily="18" charset="0"/>
-                <a:cs typeface="Times New Roman" panose="02020603050405020304" pitchFamily="18" charset="0"/>
-              </a:rPr>
-              <a:t>Huet</a:t>
+                <a:ea typeface="宋体" panose="02010600030101010101" pitchFamily="2" charset="-122"/>
+                <a:cs typeface="Times New Roman" panose="02020603050405020304" pitchFamily="18" charset="0"/>
+              </a:rPr>
+              <a:t>Proc</a:t>
             </a:r>
             <a:r>
               <a:rPr lang="en-US" altLang="zh-CN" sz="1400" dirty="0">
                 <a:latin typeface="Times New Roman" panose="02020603050405020304" pitchFamily="18" charset="0"/>
-                <a:cs typeface="Times New Roman" panose="02020603050405020304" pitchFamily="18" charset="0"/>
-              </a:rPr>
-              <a:t>, Gérard, Gilles Kahn, and Christine </a:t>
+                <a:ea typeface="宋体" panose="02010600030101010101" pitchFamily="2" charset="-122"/>
+                <a:cs typeface="Times New Roman" panose="02020603050405020304" pitchFamily="18" charset="0"/>
+              </a:rPr>
+              <a:t> of the 24th Annual IEEE </a:t>
             </a:r>
             <a:r>
               <a:rPr lang="en-US" altLang="zh-CN" sz="1400" dirty="0" err="1">
                 <a:latin typeface="Times New Roman" panose="02020603050405020304" pitchFamily="18" charset="0"/>
-                <a:cs typeface="Times New Roman" panose="02020603050405020304" pitchFamily="18" charset="0"/>
-              </a:rPr>
-              <a:t>Paulin-Mohring</a:t>
+                <a:ea typeface="宋体" panose="02010600030101010101" pitchFamily="2" charset="-122"/>
+                <a:cs typeface="Times New Roman" panose="02020603050405020304" pitchFamily="18" charset="0"/>
+              </a:rPr>
+              <a:t>Symp</a:t>
             </a:r>
             <a:r>
               <a:rPr lang="en-US" altLang="zh-CN" sz="1400" dirty="0">
                 <a:latin typeface="Times New Roman" panose="02020603050405020304" pitchFamily="18" charset="0"/>
-                <a:cs typeface="Times New Roman" panose="02020603050405020304" pitchFamily="18" charset="0"/>
-              </a:rPr>
-              <a:t>. "The Coq Proof Assistant A Tutorial." Rapport Technique 178 (1997</a:t>
-            </a:r>
-            <a:r>
-              <a:rPr lang="en-US" altLang="zh-CN" sz="1400" dirty="0" smtClean="0">
-                <a:latin typeface="Times New Roman" panose="02020603050405020304" pitchFamily="18" charset="0"/>
-                <a:cs typeface="Times New Roman" panose="02020603050405020304" pitchFamily="18" charset="0"/>
-              </a:rPr>
-              <a:t>).</a:t>
+                <a:ea typeface="宋体" panose="02010600030101010101" pitchFamily="2" charset="-122"/>
+                <a:cs typeface="Times New Roman" panose="02020603050405020304" pitchFamily="18" charset="0"/>
+              </a:rPr>
+              <a:t> on Logic in Computer Science(LICS’09). Piscataway, NJ: IEEE, 2009: No, 3.</a:t>
             </a:r>
           </a:p>
           <a:p>
@@ -13832,40 +13676,68 @@
               <a:buNone/>
             </a:pPr>
             <a:r>
+              <a:rPr lang="en-US" altLang="zh-CN" sz="1400" dirty="0">
+                <a:latin typeface="Times New Roman" panose="02020603050405020304" pitchFamily="18" charset="0"/>
+                <a:ea typeface="宋体" panose="02010600030101010101" pitchFamily="2" charset="-122"/>
+                <a:cs typeface="Times New Roman" panose="02020603050405020304" pitchFamily="18" charset="0"/>
+              </a:rPr>
+              <a:t>[10</a:t>
+            </a:r>
+            <a:r>
               <a:rPr lang="en-US" altLang="zh-CN" sz="1400" dirty="0" smtClean="0">
                 <a:latin typeface="Times New Roman" panose="02020603050405020304" pitchFamily="18" charset="0"/>
                 <a:ea typeface="宋体" panose="02010600030101010101" pitchFamily="2" charset="-122"/>
                 <a:cs typeface="Times New Roman" panose="02020603050405020304" pitchFamily="18" charset="0"/>
               </a:rPr>
-              <a:t>[11] </a:t>
+              <a:t>] </a:t>
+            </a:r>
+            <a:r>
+              <a:rPr lang="en-US" altLang="zh-CN" sz="1400" dirty="0" err="1">
+                <a:latin typeface="Times New Roman" panose="02020603050405020304" pitchFamily="18" charset="0"/>
+                <a:ea typeface="宋体" panose="02010600030101010101" pitchFamily="2" charset="-122"/>
+                <a:cs typeface="Times New Roman" panose="02020603050405020304" pitchFamily="18" charset="0"/>
+              </a:rPr>
+              <a:t>Cousot</a:t>
             </a:r>
             <a:r>
               <a:rPr lang="en-US" altLang="zh-CN" sz="1400" dirty="0">
                 <a:latin typeface="Times New Roman" panose="02020603050405020304" pitchFamily="18" charset="0"/>
-                <a:cs typeface="Times New Roman" panose="02020603050405020304" pitchFamily="18" charset="0"/>
-              </a:rPr>
-              <a:t>Partee B H. "Montague grammar." Academic </a:t>
+                <a:ea typeface="宋体" panose="02010600030101010101" pitchFamily="2" charset="-122"/>
+                <a:cs typeface="Times New Roman" panose="02020603050405020304" pitchFamily="18" charset="0"/>
+              </a:rPr>
+              <a:t> P, </a:t>
             </a:r>
             <a:r>
               <a:rPr lang="en-US" altLang="zh-CN" sz="1400" dirty="0" err="1">
                 <a:latin typeface="Times New Roman" panose="02020603050405020304" pitchFamily="18" charset="0"/>
-                <a:cs typeface="Times New Roman" panose="02020603050405020304" pitchFamily="18" charset="0"/>
-              </a:rPr>
-              <a:t>Pr</a:t>
+                <a:ea typeface="宋体" panose="02010600030101010101" pitchFamily="2" charset="-122"/>
+                <a:cs typeface="Times New Roman" panose="02020603050405020304" pitchFamily="18" charset="0"/>
+              </a:rPr>
+              <a:t>Cousot</a:t>
             </a:r>
             <a:r>
               <a:rPr lang="en-US" altLang="zh-CN" sz="1400" dirty="0">
                 <a:latin typeface="Times New Roman" panose="02020603050405020304" pitchFamily="18" charset="0"/>
-                <a:cs typeface="Times New Roman" panose="02020603050405020304" pitchFamily="18" charset="0"/>
-              </a:rPr>
-              <a:t>, </a:t>
-            </a:r>
-            <a:r>
-              <a:rPr lang="en-US" altLang="zh-CN" sz="1400" dirty="0" smtClean="0">
-                <a:latin typeface="Times New Roman" panose="02020603050405020304" pitchFamily="18" charset="0"/>
-                <a:cs typeface="Times New Roman" panose="02020603050405020304" pitchFamily="18" charset="0"/>
-              </a:rPr>
-              <a:t>1976.</a:t>
+                <a:ea typeface="宋体" panose="02010600030101010101" pitchFamily="2" charset="-122"/>
+                <a:cs typeface="Times New Roman" panose="02020603050405020304" pitchFamily="18" charset="0"/>
+              </a:rPr>
+              <a:t> R, Mauborgne L. Theories, solvers and static analysis by  abstract interpretation[J]. Journal of the ACM (JACM), 2012, 59(</a:t>
+            </a:r>
+            <a:r>
+              <a:rPr lang="zh-CN" altLang="en-US" sz="1400" dirty="0">
+                <a:latin typeface="Times New Roman" panose="02020603050405020304" pitchFamily="18" charset="0"/>
+                <a:ea typeface="宋体" panose="02010600030101010101" pitchFamily="2" charset="-122"/>
+                <a:cs typeface="Times New Roman" panose="02020603050405020304" pitchFamily="18" charset="0"/>
+              </a:rPr>
+              <a:t>６</a:t>
+            </a:r>
+            <a:r>
+              <a:rPr lang="en-US" altLang="zh-CN" sz="1400" dirty="0">
+                <a:latin typeface="Times New Roman" panose="02020603050405020304" pitchFamily="18" charset="0"/>
+                <a:ea typeface="宋体" panose="02010600030101010101" pitchFamily="2" charset="-122"/>
+                <a:cs typeface="Times New Roman" panose="02020603050405020304" pitchFamily="18" charset="0"/>
+              </a:rPr>
+              <a:t>): 1-56.</a:t>
             </a:r>
           </a:p>
           <a:p>
@@ -13876,53 +13748,76 @@
               <a:buNone/>
             </a:pPr>
             <a:r>
+              <a:rPr lang="en-US" altLang="zh-CN" sz="1400" dirty="0">
+                <a:latin typeface="Times New Roman" panose="02020603050405020304" pitchFamily="18" charset="0"/>
+                <a:ea typeface="宋体" panose="02010600030101010101" pitchFamily="2" charset="-122"/>
+                <a:cs typeface="Times New Roman" panose="02020603050405020304" pitchFamily="18" charset="0"/>
+              </a:rPr>
+              <a:t>[11</a:t>
+            </a:r>
+            <a:r>
               <a:rPr lang="en-US" altLang="zh-CN" sz="1400" dirty="0" smtClean="0">
                 <a:latin typeface="Times New Roman" panose="02020603050405020304" pitchFamily="18" charset="0"/>
-                <a:cs typeface="Times New Roman" panose="02020603050405020304" pitchFamily="18" charset="0"/>
-              </a:rPr>
-              <a:t>[12</a:t>
+                <a:ea typeface="宋体" panose="02010600030101010101" pitchFamily="2" charset="-122"/>
+                <a:cs typeface="Times New Roman" panose="02020603050405020304" pitchFamily="18" charset="0"/>
+              </a:rPr>
+              <a:t>] </a:t>
             </a:r>
             <a:r>
               <a:rPr lang="en-US" altLang="zh-CN" sz="1400" dirty="0">
                 <a:latin typeface="Times New Roman" panose="02020603050405020304" pitchFamily="18" charset="0"/>
-                <a:cs typeface="Times New Roman" panose="02020603050405020304" pitchFamily="18" charset="0"/>
-              </a:rPr>
-              <a:t>] </a:t>
+                <a:ea typeface="宋体" panose="02010600030101010101" pitchFamily="2" charset="-122"/>
+                <a:cs typeface="Times New Roman" panose="02020603050405020304" pitchFamily="18" charset="0"/>
+              </a:rPr>
+              <a:t>Li </a:t>
             </a:r>
             <a:r>
               <a:rPr lang="en-US" altLang="zh-CN" sz="1400" dirty="0" err="1">
                 <a:latin typeface="Times New Roman" panose="02020603050405020304" pitchFamily="18" charset="0"/>
-                <a:cs typeface="Times New Roman" panose="02020603050405020304" pitchFamily="18" charset="0"/>
-              </a:rPr>
-              <a:t>Marcil</a:t>
+                <a:ea typeface="宋体" panose="02010600030101010101" pitchFamily="2" charset="-122"/>
+                <a:cs typeface="Times New Roman" panose="02020603050405020304" pitchFamily="18" charset="0"/>
+              </a:rPr>
+              <a:t>Mengjun</a:t>
             </a:r>
             <a:r>
               <a:rPr lang="en-US" altLang="zh-CN" sz="1400" dirty="0">
                 <a:latin typeface="Times New Roman" panose="02020603050405020304" pitchFamily="18" charset="0"/>
-                <a:cs typeface="Times New Roman" panose="02020603050405020304" pitchFamily="18" charset="0"/>
-              </a:rPr>
-              <a:t>, Luc, and Mark </a:t>
+                <a:ea typeface="宋体" panose="02010600030101010101" pitchFamily="2" charset="-122"/>
+                <a:cs typeface="Times New Roman" panose="02020603050405020304" pitchFamily="18" charset="0"/>
+              </a:rPr>
+              <a:t>, Li </a:t>
             </a:r>
             <a:r>
               <a:rPr lang="en-US" altLang="zh-CN" sz="1400" dirty="0" err="1">
                 <a:latin typeface="Times New Roman" panose="02020603050405020304" pitchFamily="18" charset="0"/>
-                <a:cs typeface="Times New Roman" panose="02020603050405020304" pitchFamily="18" charset="0"/>
-              </a:rPr>
-              <a:t>Hawthornthwaite</a:t>
+                <a:ea typeface="宋体" panose="02010600030101010101" pitchFamily="2" charset="-122"/>
+                <a:cs typeface="Times New Roman" panose="02020603050405020304" pitchFamily="18" charset="0"/>
+              </a:rPr>
+              <a:t>Zhoujun</a:t>
             </a:r>
             <a:r>
               <a:rPr lang="en-US" altLang="zh-CN" sz="1400" dirty="0">
                 <a:latin typeface="Times New Roman" panose="02020603050405020304" pitchFamily="18" charset="0"/>
-                <a:cs typeface="Times New Roman" panose="02020603050405020304" pitchFamily="18" charset="0"/>
-              </a:rPr>
-              <a:t>. "Realizing DO-178C's value by using new technology: OOT, MBDV, TQC &amp; FM." Digital Avionics Systems Conference (DASC), </a:t>
-            </a:r>
-            <a:r>
-              <a:rPr lang="en-US" altLang="zh-CN" sz="1400" dirty="0" smtClean="0">
-                <a:latin typeface="Times New Roman" panose="02020603050405020304" pitchFamily="18" charset="0"/>
-                <a:cs typeface="Times New Roman" panose="02020603050405020304" pitchFamily="18" charset="0"/>
-              </a:rPr>
-              <a:t>2012.</a:t>
+                <a:ea typeface="宋体" panose="02010600030101010101" pitchFamily="2" charset="-122"/>
+                <a:cs typeface="Times New Roman" panose="02020603050405020304" pitchFamily="18" charset="0"/>
+              </a:rPr>
+              <a:t>, Chen </a:t>
+            </a:r>
+            <a:r>
+              <a:rPr lang="en-US" altLang="zh-CN" sz="1400" dirty="0" err="1">
+                <a:latin typeface="Times New Roman" panose="02020603050405020304" pitchFamily="18" charset="0"/>
+                <a:ea typeface="宋体" panose="02010600030101010101" pitchFamily="2" charset="-122"/>
+                <a:cs typeface="Times New Roman" panose="02020603050405020304" pitchFamily="18" charset="0"/>
+              </a:rPr>
+              <a:t>Huowang</a:t>
+            </a:r>
+            <a:r>
+              <a:rPr lang="en-US" altLang="zh-CN" sz="1400" dirty="0">
+                <a:latin typeface="Times New Roman" panose="02020603050405020304" pitchFamily="18" charset="0"/>
+                <a:ea typeface="宋体" panose="02010600030101010101" pitchFamily="2" charset="-122"/>
+                <a:cs typeface="Times New Roman" panose="02020603050405020304" pitchFamily="18" charset="0"/>
+              </a:rPr>
+              <a:t>. Program verification techniques based on abstract interpretation theory[J]. Journal of Software, 2008, 19(1): 17-26.</a:t>
             </a:r>
           </a:p>
           <a:p>
@@ -13933,102 +13828,60 @@
               <a:buNone/>
             </a:pPr>
             <a:r>
+              <a:rPr lang="en-US" altLang="zh-CN" sz="1400" dirty="0">
+                <a:latin typeface="Times New Roman" panose="02020603050405020304" pitchFamily="18" charset="0"/>
+                <a:ea typeface="宋体" panose="02010600030101010101" pitchFamily="2" charset="-122"/>
+                <a:cs typeface="Times New Roman" panose="02020603050405020304" pitchFamily="18" charset="0"/>
+              </a:rPr>
+              <a:t>[12</a:t>
+            </a:r>
+            <a:r>
               <a:rPr lang="en-US" altLang="zh-CN" sz="1400" dirty="0" smtClean="0">
                 <a:latin typeface="Times New Roman" panose="02020603050405020304" pitchFamily="18" charset="0"/>
-                <a:cs typeface="Times New Roman" panose="02020603050405020304" pitchFamily="18" charset="0"/>
-              </a:rPr>
-              <a:t>[13] </a:t>
+                <a:ea typeface="宋体" panose="02010600030101010101" pitchFamily="2" charset="-122"/>
+                <a:cs typeface="Times New Roman" panose="02020603050405020304" pitchFamily="18" charset="0"/>
+              </a:rPr>
+              <a:t>] </a:t>
+            </a:r>
+            <a:r>
+              <a:rPr lang="en-US" altLang="zh-CN" sz="1400" dirty="0">
+                <a:latin typeface="Times New Roman" panose="02020603050405020304" pitchFamily="18" charset="0"/>
+                <a:ea typeface="宋体" panose="02010600030101010101" pitchFamily="2" charset="-122"/>
+                <a:cs typeface="Times New Roman" panose="02020603050405020304" pitchFamily="18" charset="0"/>
+              </a:rPr>
+              <a:t>Clarke E, </a:t>
             </a:r>
             <a:r>
               <a:rPr lang="en-US" altLang="zh-CN" sz="1400" dirty="0" err="1">
                 <a:latin typeface="Times New Roman" panose="02020603050405020304" pitchFamily="18" charset="0"/>
-                <a:cs typeface="Times New Roman" panose="02020603050405020304" pitchFamily="18" charset="0"/>
-              </a:rPr>
-              <a:t>Bertot</a:t>
+                <a:ea typeface="宋体" panose="02010600030101010101" pitchFamily="2" charset="-122"/>
+                <a:cs typeface="Times New Roman" panose="02020603050405020304" pitchFamily="18" charset="0"/>
+              </a:rPr>
+              <a:t>Grumberg</a:t>
             </a:r>
             <a:r>
               <a:rPr lang="en-US" altLang="zh-CN" sz="1400" dirty="0">
                 <a:latin typeface="Times New Roman" panose="02020603050405020304" pitchFamily="18" charset="0"/>
-                <a:cs typeface="Times New Roman" panose="02020603050405020304" pitchFamily="18" charset="0"/>
-              </a:rPr>
-              <a:t> Y, </a:t>
+                <a:ea typeface="宋体" panose="02010600030101010101" pitchFamily="2" charset="-122"/>
+                <a:cs typeface="Times New Roman" panose="02020603050405020304" pitchFamily="18" charset="0"/>
+              </a:rPr>
+              <a:t> O, </a:t>
             </a:r>
             <a:r>
               <a:rPr lang="en-US" altLang="zh-CN" sz="1400" dirty="0" err="1">
                 <a:latin typeface="Times New Roman" panose="02020603050405020304" pitchFamily="18" charset="0"/>
-                <a:cs typeface="Times New Roman" panose="02020603050405020304" pitchFamily="18" charset="0"/>
-              </a:rPr>
-              <a:t>Castéran</a:t>
+                <a:ea typeface="宋体" panose="02010600030101010101" pitchFamily="2" charset="-122"/>
+                <a:cs typeface="Times New Roman" panose="02020603050405020304" pitchFamily="18" charset="0"/>
+              </a:rPr>
+              <a:t>Jha</a:t>
             </a:r>
             <a:r>
               <a:rPr lang="en-US" altLang="zh-CN" sz="1400" dirty="0">
                 <a:latin typeface="Times New Roman" panose="02020603050405020304" pitchFamily="18" charset="0"/>
-                <a:cs typeface="Times New Roman" panose="02020603050405020304" pitchFamily="18" charset="0"/>
-              </a:rPr>
-              <a:t> P, </a:t>
-            </a:r>
-            <a:r>
-              <a:rPr lang="zh-CN" altLang="zh-CN" sz="1400" dirty="0">
-                <a:latin typeface="Times New Roman" panose="02020603050405020304" pitchFamily="18" charset="0"/>
-                <a:cs typeface="Times New Roman" panose="02020603050405020304" pitchFamily="18" charset="0"/>
-              </a:rPr>
-              <a:t>顾明</a:t>
-            </a:r>
-            <a:r>
-              <a:rPr lang="en-US" altLang="zh-CN" sz="1400" dirty="0">
-                <a:latin typeface="Times New Roman" panose="02020603050405020304" pitchFamily="18" charset="0"/>
-                <a:cs typeface="Times New Roman" panose="02020603050405020304" pitchFamily="18" charset="0"/>
-              </a:rPr>
-              <a:t>. </a:t>
-            </a:r>
-            <a:r>
-              <a:rPr lang="zh-CN" altLang="zh-CN" sz="1400" dirty="0">
-                <a:latin typeface="Times New Roman" panose="02020603050405020304" pitchFamily="18" charset="0"/>
-                <a:cs typeface="Times New Roman" panose="02020603050405020304" pitchFamily="18" charset="0"/>
-              </a:rPr>
-              <a:t>交互式定理证明与程序开发</a:t>
-            </a:r>
-            <a:r>
-              <a:rPr lang="en-US" altLang="zh-CN" sz="1400" dirty="0">
-                <a:latin typeface="Times New Roman" panose="02020603050405020304" pitchFamily="18" charset="0"/>
-                <a:cs typeface="Times New Roman" panose="02020603050405020304" pitchFamily="18" charset="0"/>
-              </a:rPr>
-              <a:t>: Coq </a:t>
-            </a:r>
-            <a:r>
-              <a:rPr lang="zh-CN" altLang="zh-CN" sz="1400" dirty="0">
-                <a:latin typeface="Times New Roman" panose="02020603050405020304" pitchFamily="18" charset="0"/>
-                <a:cs typeface="Times New Roman" panose="02020603050405020304" pitchFamily="18" charset="0"/>
-              </a:rPr>
-              <a:t>归纳构造演算的艺术</a:t>
-            </a:r>
-            <a:r>
-              <a:rPr lang="en-US" altLang="zh-CN" sz="1400" dirty="0">
-                <a:latin typeface="Times New Roman" panose="02020603050405020304" pitchFamily="18" charset="0"/>
-                <a:cs typeface="Times New Roman" panose="02020603050405020304" pitchFamily="18" charset="0"/>
-              </a:rPr>
-              <a:t>[M]. </a:t>
-            </a:r>
-            <a:r>
-              <a:rPr lang="zh-CN" altLang="zh-CN" sz="1400" dirty="0">
-                <a:latin typeface="Times New Roman" panose="02020603050405020304" pitchFamily="18" charset="0"/>
-                <a:cs typeface="Times New Roman" panose="02020603050405020304" pitchFamily="18" charset="0"/>
-              </a:rPr>
-              <a:t>清华大学出版社</a:t>
-            </a:r>
-            <a:r>
-              <a:rPr lang="en-US" altLang="zh-CN" sz="1400" dirty="0">
-                <a:latin typeface="Times New Roman" panose="02020603050405020304" pitchFamily="18" charset="0"/>
-                <a:cs typeface="Times New Roman" panose="02020603050405020304" pitchFamily="18" charset="0"/>
-              </a:rPr>
-              <a:t>, 2010</a:t>
-            </a:r>
-            <a:r>
-              <a:rPr lang="en-US" altLang="zh-CN" sz="1400" dirty="0" smtClean="0">
-                <a:latin typeface="Times New Roman" panose="02020603050405020304" pitchFamily="18" charset="0"/>
-                <a:cs typeface="Times New Roman" panose="02020603050405020304" pitchFamily="18" charset="0"/>
-              </a:rPr>
-              <a:t>.</a:t>
+                <a:ea typeface="宋体" panose="02010600030101010101" pitchFamily="2" charset="-122"/>
+                <a:cs typeface="Times New Roman" panose="02020603050405020304" pitchFamily="18" charset="0"/>
+              </a:rPr>
+              <a:t> S, et al. Counterexample-guided abstraction refinement for symbolic model checking[J]. Journal of the ACM, 2003, 50(5): 752-794.</a:t>
             </a:r>
           </a:p>
           <a:p>
@@ -14039,25 +13892,28 @@
               <a:buNone/>
             </a:pPr>
             <a:r>
+              <a:rPr lang="en-US" altLang="zh-CN" sz="1400" dirty="0">
+                <a:latin typeface="Times New Roman" panose="02020603050405020304" pitchFamily="18" charset="0"/>
+                <a:ea typeface="宋体" panose="02010600030101010101" pitchFamily="2" charset="-122"/>
+                <a:cs typeface="Times New Roman" panose="02020603050405020304" pitchFamily="18" charset="0"/>
+              </a:rPr>
+              <a:t>[13</a:t>
+            </a:r>
+            <a:r>
               <a:rPr lang="en-US" altLang="zh-CN" sz="1400" dirty="0" smtClean="0">
                 <a:latin typeface="Times New Roman" panose="02020603050405020304" pitchFamily="18" charset="0"/>
-                <a:cs typeface="Times New Roman" panose="02020603050405020304" pitchFamily="18" charset="0"/>
-              </a:rPr>
-              <a:t>[14] </a:t>
+                <a:ea typeface="宋体" panose="02010600030101010101" pitchFamily="2" charset="-122"/>
+                <a:cs typeface="Times New Roman" panose="02020603050405020304" pitchFamily="18" charset="0"/>
+              </a:rPr>
+              <a:t>] </a:t>
             </a:r>
             <a:r>
               <a:rPr lang="en-US" altLang="zh-CN" sz="1400" dirty="0">
                 <a:latin typeface="Times New Roman" panose="02020603050405020304" pitchFamily="18" charset="0"/>
-                <a:cs typeface="Times New Roman" panose="02020603050405020304" pitchFamily="18" charset="0"/>
-              </a:rPr>
-              <a:t>Woodcock, Jim, et al. "Formal methods: Practice and experience." ACM Computing Surveys (CSUR) 41.4 (2009): 19</a:t>
-            </a:r>
-            <a:r>
-              <a:rPr lang="en-US" altLang="zh-CN" sz="1400" dirty="0" smtClean="0">
-                <a:latin typeface="Times New Roman" panose="02020603050405020304" pitchFamily="18" charset="0"/>
-                <a:cs typeface="Times New Roman" panose="02020603050405020304" pitchFamily="18" charset="0"/>
-              </a:rPr>
-              <a:t>.</a:t>
+                <a:ea typeface="宋体" panose="02010600030101010101" pitchFamily="2" charset="-122"/>
+                <a:cs typeface="Times New Roman" panose="02020603050405020304" pitchFamily="18" charset="0"/>
+              </a:rPr>
+              <a:t>Hoare C A R. An axiomatic basis for computer programming[J]. Communications of the ACM, 1969, 12: 576-580.</a:t>
             </a:r>
           </a:p>
           <a:p>
@@ -14068,207 +13924,30 @@
               <a:buNone/>
             </a:pPr>
             <a:r>
+              <a:rPr lang="en-US" altLang="zh-CN" sz="1400" dirty="0">
+                <a:latin typeface="Times New Roman" panose="02020603050405020304" pitchFamily="18" charset="0"/>
+                <a:ea typeface="宋体" panose="02010600030101010101" pitchFamily="2" charset="-122"/>
+                <a:cs typeface="Times New Roman" panose="02020603050405020304" pitchFamily="18" charset="0"/>
+              </a:rPr>
+              <a:t>[</a:t>
+            </a:r>
+            <a:r>
               <a:rPr lang="en-US" altLang="zh-CN" sz="1400" dirty="0" smtClean="0">
                 <a:latin typeface="Times New Roman" panose="02020603050405020304" pitchFamily="18" charset="0"/>
-                <a:cs typeface="Times New Roman" panose="02020603050405020304" pitchFamily="18" charset="0"/>
-              </a:rPr>
-              <a:t>[15] </a:t>
-            </a:r>
-            <a:r>
-              <a:rPr lang="zh-CN" altLang="zh-CN" sz="1400" dirty="0" smtClean="0">
-                <a:latin typeface="Times New Roman" panose="02020603050405020304" pitchFamily="18" charset="0"/>
-                <a:cs typeface="Times New Roman" panose="02020603050405020304" pitchFamily="18" charset="0"/>
-              </a:rPr>
-              <a:t>张</a:t>
-            </a:r>
-            <a:r>
-              <a:rPr lang="zh-CN" altLang="zh-CN" sz="1400" dirty="0">
-                <a:latin typeface="Times New Roman" panose="02020603050405020304" pitchFamily="18" charset="0"/>
-                <a:cs typeface="Times New Roman" panose="02020603050405020304" pitchFamily="18" charset="0"/>
-              </a:rPr>
-              <a:t>忠秋</a:t>
+                <a:ea typeface="宋体" panose="02010600030101010101" pitchFamily="2" charset="-122"/>
+                <a:cs typeface="Times New Roman" panose="02020603050405020304" pitchFamily="18" charset="0"/>
+              </a:rPr>
+              <a:t>14] Floyd </a:t>
             </a:r>
             <a:r>
               <a:rPr lang="en-US" altLang="zh-CN" sz="1400" dirty="0">
                 <a:latin typeface="Times New Roman" panose="02020603050405020304" pitchFamily="18" charset="0"/>
-                <a:cs typeface="Times New Roman" panose="02020603050405020304" pitchFamily="18" charset="0"/>
-              </a:rPr>
-              <a:t>, </a:t>
-            </a:r>
-            <a:r>
-              <a:rPr lang="zh-CN" altLang="zh-CN" sz="1400" dirty="0">
-                <a:latin typeface="Times New Roman" panose="02020603050405020304" pitchFamily="18" charset="0"/>
-                <a:cs typeface="Times New Roman" panose="02020603050405020304" pitchFamily="18" charset="0"/>
-              </a:rPr>
-              <a:t>董云卫</a:t>
-            </a:r>
-            <a:r>
-              <a:rPr lang="en-US" altLang="zh-CN" sz="1400" dirty="0">
-                <a:latin typeface="Times New Roman" panose="02020603050405020304" pitchFamily="18" charset="0"/>
-                <a:cs typeface="Times New Roman" panose="02020603050405020304" pitchFamily="18" charset="0"/>
-              </a:rPr>
-              <a:t>, </a:t>
-            </a:r>
-            <a:r>
-              <a:rPr lang="zh-CN" altLang="zh-CN" sz="1400" dirty="0">
-                <a:latin typeface="Times New Roman" panose="02020603050405020304" pitchFamily="18" charset="0"/>
-                <a:cs typeface="Times New Roman" panose="02020603050405020304" pitchFamily="18" charset="0"/>
-              </a:rPr>
-              <a:t>张雨</a:t>
-            </a:r>
-            <a:r>
-              <a:rPr lang="en-US" altLang="zh-CN" sz="1400" dirty="0">
-                <a:latin typeface="Times New Roman" panose="02020603050405020304" pitchFamily="18" charset="0"/>
-                <a:cs typeface="Times New Roman" panose="02020603050405020304" pitchFamily="18" charset="0"/>
-              </a:rPr>
-              <a:t>, </a:t>
-            </a:r>
-            <a:r>
-              <a:rPr lang="zh-CN" altLang="zh-CN" sz="1400" dirty="0">
-                <a:latin typeface="Times New Roman" panose="02020603050405020304" pitchFamily="18" charset="0"/>
-                <a:cs typeface="Times New Roman" panose="02020603050405020304" pitchFamily="18" charset="0"/>
-              </a:rPr>
-              <a:t>等</a:t>
-            </a:r>
-            <a:r>
-              <a:rPr lang="en-US" altLang="zh-CN" sz="1400" dirty="0">
-                <a:latin typeface="Times New Roman" panose="02020603050405020304" pitchFamily="18" charset="0"/>
-                <a:cs typeface="Times New Roman" panose="02020603050405020304" pitchFamily="18" charset="0"/>
-              </a:rPr>
-              <a:t>. </a:t>
-            </a:r>
-            <a:r>
-              <a:rPr lang="zh-CN" altLang="zh-CN" sz="1400" dirty="0">
-                <a:latin typeface="Times New Roman" panose="02020603050405020304" pitchFamily="18" charset="0"/>
-                <a:cs typeface="Times New Roman" panose="02020603050405020304" pitchFamily="18" charset="0"/>
-              </a:rPr>
-              <a:t>基于</a:t>
-            </a:r>
-            <a:r>
-              <a:rPr lang="en-US" altLang="zh-CN" sz="1400" dirty="0">
-                <a:latin typeface="Times New Roman" panose="02020603050405020304" pitchFamily="18" charset="0"/>
-                <a:cs typeface="Times New Roman" panose="02020603050405020304" pitchFamily="18" charset="0"/>
-              </a:rPr>
-              <a:t> Coq </a:t>
-            </a:r>
-            <a:r>
-              <a:rPr lang="zh-CN" altLang="zh-CN" sz="1400" dirty="0">
-                <a:latin typeface="Times New Roman" panose="02020603050405020304" pitchFamily="18" charset="0"/>
-                <a:cs typeface="Times New Roman" panose="02020603050405020304" pitchFamily="18" charset="0"/>
-              </a:rPr>
-              <a:t>的微内核操作系统程序验证方法研究</a:t>
-            </a:r>
-            <a:r>
-              <a:rPr lang="en-US" altLang="zh-CN" sz="1400" dirty="0">
-                <a:latin typeface="Times New Roman" panose="02020603050405020304" pitchFamily="18" charset="0"/>
-                <a:cs typeface="Times New Roman" panose="02020603050405020304" pitchFamily="18" charset="0"/>
-              </a:rPr>
-              <a:t>[J]. </a:t>
-            </a:r>
-            <a:r>
-              <a:rPr lang="zh-CN" altLang="zh-CN" sz="1400" dirty="0">
-                <a:latin typeface="Times New Roman" panose="02020603050405020304" pitchFamily="18" charset="0"/>
-                <a:cs typeface="Times New Roman" panose="02020603050405020304" pitchFamily="18" charset="0"/>
-              </a:rPr>
-              <a:t>计算机测量与控制</a:t>
-            </a:r>
-            <a:r>
-              <a:rPr lang="en-US" altLang="zh-CN" sz="1400" dirty="0">
-                <a:latin typeface="Times New Roman" panose="02020603050405020304" pitchFamily="18" charset="0"/>
-                <a:cs typeface="Times New Roman" panose="02020603050405020304" pitchFamily="18" charset="0"/>
-              </a:rPr>
-              <a:t>, </a:t>
-            </a:r>
-            <a:r>
-              <a:rPr lang="en-US" altLang="zh-CN" sz="1400" dirty="0" smtClean="0">
-                <a:latin typeface="Times New Roman" panose="02020603050405020304" pitchFamily="18" charset="0"/>
-                <a:cs typeface="Times New Roman" panose="02020603050405020304" pitchFamily="18" charset="0"/>
-              </a:rPr>
-              <a:t>2011.</a:t>
-            </a:r>
-          </a:p>
-          <a:p>
-            <a:pPr marL="0" indent="0" algn="just">
-              <a:lnSpc>
-                <a:spcPct val="150000"/>
-              </a:lnSpc>
-              <a:buNone/>
-            </a:pPr>
-            <a:r>
-              <a:rPr lang="en-US" altLang="zh-CN" sz="1400" dirty="0" smtClean="0">
-                <a:latin typeface="Times New Roman" panose="02020603050405020304" pitchFamily="18" charset="0"/>
-                <a:cs typeface="Times New Roman" panose="02020603050405020304" pitchFamily="18" charset="0"/>
-              </a:rPr>
-              <a:t>[16] </a:t>
-            </a:r>
-            <a:r>
-              <a:rPr lang="en-US" altLang="zh-CN" sz="1400" dirty="0" err="1">
-                <a:latin typeface="Times New Roman" panose="02020603050405020304" pitchFamily="18" charset="0"/>
-                <a:cs typeface="Times New Roman" panose="02020603050405020304" pitchFamily="18" charset="0"/>
-              </a:rPr>
-              <a:t>Jacklin</a:t>
-            </a:r>
-            <a:r>
-              <a:rPr lang="en-US" altLang="zh-CN" sz="1400" dirty="0">
-                <a:latin typeface="Times New Roman" panose="02020603050405020304" pitchFamily="18" charset="0"/>
-                <a:cs typeface="Times New Roman" panose="02020603050405020304" pitchFamily="18" charset="0"/>
-              </a:rPr>
-              <a:t>, Stephen A., et al. "Development of Advanced Verification and Validation Procedures and Tools for the Certification of Learning Systems in Aerospace Applications." Proceedings of </a:t>
-            </a:r>
-            <a:r>
-              <a:rPr lang="en-US" altLang="zh-CN" sz="1400" dirty="0" err="1">
-                <a:latin typeface="Times New Roman" panose="02020603050405020304" pitchFamily="18" charset="0"/>
-                <a:cs typeface="Times New Roman" panose="02020603050405020304" pitchFamily="18" charset="0"/>
-              </a:rPr>
-              <a:t>Infotech</a:t>
-            </a:r>
-            <a:r>
-              <a:rPr lang="en-US" altLang="zh-CN" sz="1400" dirty="0">
-                <a:latin typeface="Times New Roman" panose="02020603050405020304" pitchFamily="18" charset="0"/>
-                <a:cs typeface="Times New Roman" panose="02020603050405020304" pitchFamily="18" charset="0"/>
-              </a:rPr>
-              <a:t>@ aerospace Conference, Arlington, VA. 2005.</a:t>
+                <a:ea typeface="宋体" panose="02010600030101010101" pitchFamily="2" charset="-122"/>
+                <a:cs typeface="Times New Roman" panose="02020603050405020304" pitchFamily="18" charset="0"/>
+              </a:rPr>
+              <a:t>R W. Assigning meanings to programs[C]//Proceedings of Symposium on Applied Mathematics, 1967, 19-31. </a:t>
             </a:r>
             <a:endParaRPr lang="en-US" altLang="zh-CN" sz="1400" dirty="0" smtClean="0">
-              <a:latin typeface="Times New Roman" panose="02020603050405020304" pitchFamily="18" charset="0"/>
-              <a:cs typeface="Times New Roman" panose="02020603050405020304" pitchFamily="18" charset="0"/>
-            </a:endParaRPr>
-          </a:p>
-          <a:p>
-            <a:pPr marL="0" indent="0" algn="just">
-              <a:lnSpc>
-                <a:spcPct val="150000"/>
-              </a:lnSpc>
-              <a:buNone/>
-            </a:pPr>
-            <a:endParaRPr lang="en-US" altLang="zh-CN" sz="1400" dirty="0" smtClean="0">
-              <a:latin typeface="Times New Roman" panose="02020603050405020304" pitchFamily="18" charset="0"/>
-              <a:ea typeface="宋体" panose="02010600030101010101" pitchFamily="2" charset="-122"/>
-              <a:cs typeface="Times New Roman" panose="02020603050405020304" pitchFamily="18" charset="0"/>
-            </a:endParaRPr>
-          </a:p>
-          <a:p>
-            <a:pPr marL="0" indent="0" algn="just">
-              <a:lnSpc>
-                <a:spcPct val="150000"/>
-              </a:lnSpc>
-              <a:buNone/>
-            </a:pPr>
-            <a:endParaRPr lang="en-US" altLang="zh-CN" sz="1400" dirty="0">
-              <a:latin typeface="Times New Roman" panose="02020603050405020304" pitchFamily="18" charset="0"/>
-              <a:ea typeface="宋体" panose="02010600030101010101" pitchFamily="2" charset="-122"/>
-              <a:cs typeface="Times New Roman" panose="02020603050405020304" pitchFamily="18" charset="0"/>
-            </a:endParaRPr>
-          </a:p>
-          <a:p>
-            <a:pPr algn="just">
-              <a:lnSpc>
-                <a:spcPct val="150000"/>
-              </a:lnSpc>
-              <a:buFont typeface="Wingdings" panose="05000000000000000000" pitchFamily="2" charset="2"/>
-              <a:buChar char="Ø"/>
-            </a:pPr>
-            <a:endParaRPr lang="zh-CN" altLang="en-US" sz="1400" dirty="0">
               <a:latin typeface="Times New Roman" panose="02020603050405020304" pitchFamily="18" charset="0"/>
               <a:ea typeface="宋体" panose="02010600030101010101" pitchFamily="2" charset="-122"/>
               <a:cs typeface="Times New Roman" panose="02020603050405020304" pitchFamily="18" charset="0"/>
@@ -14279,7 +13958,7 @@
     </p:spTree>
     <p:extLst>
       <p:ext uri="{BB962C8B-B14F-4D97-AF65-F5344CB8AC3E}">
-        <p14:creationId xmlns:p14="http://schemas.microsoft.com/office/powerpoint/2010/main" val="2043029272"/>
+        <p14:creationId xmlns:p14="http://schemas.microsoft.com/office/powerpoint/2010/main" val="2239087562"/>
       </p:ext>
     </p:extLst>
   </p:cSld>
@@ -14297,6 +13976,518 @@
 </file>
 
 <file path=ppt/slides/slide28.xml><?xml version="1.0" encoding="utf-8"?>
+<p:sld xmlns:a="http://schemas.openxmlformats.org/drawingml/2006/main" xmlns:r="http://schemas.openxmlformats.org/officeDocument/2006/relationships" xmlns:p="http://schemas.openxmlformats.org/presentationml/2006/main">
+  <p:cSld>
+    <p:spTree>
+      <p:nvGrpSpPr>
+        <p:cNvPr id="1" name=""/>
+        <p:cNvGrpSpPr/>
+        <p:nvPr/>
+      </p:nvGrpSpPr>
+      <p:grpSpPr>
+        <a:xfrm>
+          <a:off x="0" y="0"/>
+          <a:ext cx="0" cy="0"/>
+          <a:chOff x="0" y="0"/>
+          <a:chExt cx="0" cy="0"/>
+        </a:xfrm>
+      </p:grpSpPr>
+      <p:sp>
+        <p:nvSpPr>
+          <p:cNvPr id="2" name="标题 1"/>
+          <p:cNvSpPr>
+            <a:spLocks noGrp="1"/>
+          </p:cNvSpPr>
+          <p:nvPr>
+            <p:ph type="title"/>
+          </p:nvPr>
+        </p:nvSpPr>
+        <p:spPr/>
+        <p:txBody>
+          <a:bodyPr/>
+          <a:lstStyle/>
+          <a:p>
+            <a:r>
+              <a:rPr kumimoji="1" lang="zh-CN" altLang="en-US" sz="4000" dirty="0" smtClean="0">
+                <a:solidFill>
+                  <a:srgbClr val="003366"/>
+                </a:solidFill>
+                <a:ea typeface="宋体" pitchFamily="2" charset="-122"/>
+              </a:rPr>
+              <a:t>主要参考文献</a:t>
+            </a:r>
+            <a:endParaRPr kumimoji="1" lang="zh-CN" altLang="en-US" sz="4000" dirty="0">
+              <a:solidFill>
+                <a:srgbClr val="003366"/>
+              </a:solidFill>
+              <a:ea typeface="宋体" pitchFamily="2" charset="-122"/>
+            </a:endParaRPr>
+          </a:p>
+        </p:txBody>
+      </p:sp>
+      <p:sp>
+        <p:nvSpPr>
+          <p:cNvPr id="3" name="内容占位符 2"/>
+          <p:cNvSpPr>
+            <a:spLocks noGrp="1"/>
+          </p:cNvSpPr>
+          <p:nvPr>
+            <p:ph idx="1"/>
+          </p:nvPr>
+        </p:nvSpPr>
+        <p:spPr>
+          <a:xfrm>
+            <a:off x="87549" y="1600200"/>
+            <a:ext cx="8949447" cy="4852988"/>
+          </a:xfrm>
+        </p:spPr>
+        <p:txBody>
+          <a:bodyPr/>
+          <a:lstStyle/>
+          <a:p>
+            <a:pPr marL="0" indent="0" algn="just">
+              <a:lnSpc>
+                <a:spcPct val="150000"/>
+              </a:lnSpc>
+              <a:buNone/>
+            </a:pPr>
+            <a:r>
+              <a:rPr lang="en-US" altLang="zh-CN" sz="1400" dirty="0" smtClean="0">
+                <a:latin typeface="Times New Roman" panose="02020603050405020304" pitchFamily="18" charset="0"/>
+                <a:ea typeface="宋体" panose="02010600030101010101" pitchFamily="2" charset="-122"/>
+                <a:cs typeface="Times New Roman" panose="02020603050405020304" pitchFamily="18" charset="0"/>
+              </a:rPr>
+              <a:t>[15] Magill </a:t>
+            </a:r>
+            <a:r>
+              <a:rPr lang="en-US" altLang="zh-CN" sz="1400" dirty="0">
+                <a:latin typeface="Times New Roman" panose="02020603050405020304" pitchFamily="18" charset="0"/>
+                <a:ea typeface="宋体" panose="02010600030101010101" pitchFamily="2" charset="-122"/>
+                <a:cs typeface="Times New Roman" panose="02020603050405020304" pitchFamily="18" charset="0"/>
+              </a:rPr>
+              <a:t>S, </a:t>
+            </a:r>
+            <a:r>
+              <a:rPr lang="en-US" altLang="zh-CN" sz="1400" dirty="0" err="1">
+                <a:latin typeface="Times New Roman" panose="02020603050405020304" pitchFamily="18" charset="0"/>
+                <a:ea typeface="宋体" panose="02010600030101010101" pitchFamily="2" charset="-122"/>
+                <a:cs typeface="Times New Roman" panose="02020603050405020304" pitchFamily="18" charset="0"/>
+              </a:rPr>
+              <a:t>Nanevski</a:t>
+            </a:r>
+            <a:r>
+              <a:rPr lang="en-US" altLang="zh-CN" sz="1400" dirty="0">
+                <a:latin typeface="Times New Roman" panose="02020603050405020304" pitchFamily="18" charset="0"/>
+                <a:ea typeface="宋体" panose="02010600030101010101" pitchFamily="2" charset="-122"/>
+                <a:cs typeface="Times New Roman" panose="02020603050405020304" pitchFamily="18" charset="0"/>
+              </a:rPr>
+              <a:t> A, Clarke E, et al. Inferring invariants in separation logic for imperative list-processing programs[C]//</a:t>
+            </a:r>
+            <a:r>
+              <a:rPr lang="en-US" altLang="zh-CN" sz="1400" dirty="0" err="1">
+                <a:latin typeface="Times New Roman" panose="02020603050405020304" pitchFamily="18" charset="0"/>
+                <a:ea typeface="宋体" panose="02010600030101010101" pitchFamily="2" charset="-122"/>
+                <a:cs typeface="Times New Roman" panose="02020603050405020304" pitchFamily="18" charset="0"/>
+              </a:rPr>
+              <a:t>Proc</a:t>
+            </a:r>
+            <a:r>
+              <a:rPr lang="en-US" altLang="zh-CN" sz="1400" dirty="0">
+                <a:latin typeface="Times New Roman" panose="02020603050405020304" pitchFamily="18" charset="0"/>
+                <a:ea typeface="宋体" panose="02010600030101010101" pitchFamily="2" charset="-122"/>
+                <a:cs typeface="Times New Roman" panose="02020603050405020304" pitchFamily="18" charset="0"/>
+              </a:rPr>
+              <a:t> of the 3rd Workshop on Semantics, Program Analysis and Computing Environments for Memory Management (SPACE 2006), Charleston, 2006: 47-60.</a:t>
+            </a:r>
+          </a:p>
+          <a:p>
+            <a:pPr marL="0" indent="0" algn="just">
+              <a:lnSpc>
+                <a:spcPct val="150000"/>
+              </a:lnSpc>
+              <a:buNone/>
+            </a:pPr>
+            <a:r>
+              <a:rPr lang="en-US" altLang="zh-CN" sz="1400" dirty="0">
+                <a:latin typeface="Times New Roman" panose="02020603050405020304" pitchFamily="18" charset="0"/>
+                <a:ea typeface="宋体" panose="02010600030101010101" pitchFamily="2" charset="-122"/>
+                <a:cs typeface="Times New Roman" panose="02020603050405020304" pitchFamily="18" charset="0"/>
+              </a:rPr>
+              <a:t>[16</a:t>
+            </a:r>
+            <a:r>
+              <a:rPr lang="en-US" altLang="zh-CN" sz="1400" dirty="0" smtClean="0">
+                <a:latin typeface="Times New Roman" panose="02020603050405020304" pitchFamily="18" charset="0"/>
+                <a:ea typeface="宋体" panose="02010600030101010101" pitchFamily="2" charset="-122"/>
+                <a:cs typeface="Times New Roman" panose="02020603050405020304" pitchFamily="18" charset="0"/>
+              </a:rPr>
+              <a:t>] </a:t>
+            </a:r>
+            <a:r>
+              <a:rPr lang="en-US" altLang="zh-CN" sz="1400" dirty="0">
+                <a:latin typeface="Times New Roman" panose="02020603050405020304" pitchFamily="18" charset="0"/>
+                <a:ea typeface="宋体" panose="02010600030101010101" pitchFamily="2" charset="-122"/>
+                <a:cs typeface="Times New Roman" panose="02020603050405020304" pitchFamily="18" charset="0"/>
+              </a:rPr>
+              <a:t>Ireland A. Towards automatic assertion refinement for separation logic[C]//</a:t>
+            </a:r>
+            <a:r>
+              <a:rPr lang="en-US" altLang="zh-CN" sz="1400" dirty="0" err="1">
+                <a:latin typeface="Times New Roman" panose="02020603050405020304" pitchFamily="18" charset="0"/>
+                <a:ea typeface="宋体" panose="02010600030101010101" pitchFamily="2" charset="-122"/>
+                <a:cs typeface="Times New Roman" panose="02020603050405020304" pitchFamily="18" charset="0"/>
+              </a:rPr>
+              <a:t>Proc</a:t>
+            </a:r>
+            <a:r>
+              <a:rPr lang="en-US" altLang="zh-CN" sz="1400" dirty="0">
+                <a:latin typeface="Times New Roman" panose="02020603050405020304" pitchFamily="18" charset="0"/>
+                <a:ea typeface="宋体" panose="02010600030101010101" pitchFamily="2" charset="-122"/>
+                <a:cs typeface="Times New Roman" panose="02020603050405020304" pitchFamily="18" charset="0"/>
+              </a:rPr>
+              <a:t> of the ASE 2006. [</a:t>
+            </a:r>
+            <a:r>
+              <a:rPr lang="en-US" altLang="zh-CN" sz="1400" dirty="0" err="1">
+                <a:latin typeface="Times New Roman" panose="02020603050405020304" pitchFamily="18" charset="0"/>
+                <a:ea typeface="宋体" panose="02010600030101010101" pitchFamily="2" charset="-122"/>
+                <a:cs typeface="Times New Roman" panose="02020603050405020304" pitchFamily="18" charset="0"/>
+              </a:rPr>
+              <a:t>S.l.</a:t>
+            </a:r>
+            <a:r>
+              <a:rPr lang="en-US" altLang="zh-CN" sz="1400" dirty="0">
+                <a:latin typeface="Times New Roman" panose="02020603050405020304" pitchFamily="18" charset="0"/>
+                <a:ea typeface="宋体" panose="02010600030101010101" pitchFamily="2" charset="-122"/>
+                <a:cs typeface="Times New Roman" panose="02020603050405020304" pitchFamily="18" charset="0"/>
+              </a:rPr>
+              <a:t>]: IEEE Computer Society, 2006: 309-312.</a:t>
+            </a:r>
+          </a:p>
+          <a:p>
+            <a:pPr marL="0" indent="0" algn="just">
+              <a:lnSpc>
+                <a:spcPct val="150000"/>
+              </a:lnSpc>
+              <a:buNone/>
+            </a:pPr>
+            <a:r>
+              <a:rPr lang="en-US" altLang="zh-CN" sz="1400" dirty="0">
+                <a:latin typeface="Times New Roman" panose="02020603050405020304" pitchFamily="18" charset="0"/>
+                <a:ea typeface="宋体" panose="02010600030101010101" pitchFamily="2" charset="-122"/>
+                <a:cs typeface="Times New Roman" panose="02020603050405020304" pitchFamily="18" charset="0"/>
+              </a:rPr>
+              <a:t>[17</a:t>
+            </a:r>
+            <a:r>
+              <a:rPr lang="en-US" altLang="zh-CN" sz="1400" dirty="0" smtClean="0">
+                <a:latin typeface="Times New Roman" panose="02020603050405020304" pitchFamily="18" charset="0"/>
+                <a:ea typeface="宋体" panose="02010600030101010101" pitchFamily="2" charset="-122"/>
+                <a:cs typeface="Times New Roman" panose="02020603050405020304" pitchFamily="18" charset="0"/>
+              </a:rPr>
+              <a:t>] </a:t>
+            </a:r>
+            <a:r>
+              <a:rPr lang="en-US" altLang="zh-CN" sz="1400" dirty="0" err="1">
+                <a:latin typeface="Times New Roman" panose="02020603050405020304" pitchFamily="18" charset="0"/>
+                <a:ea typeface="宋体" panose="02010600030101010101" pitchFamily="2" charset="-122"/>
+                <a:cs typeface="Times New Roman" panose="02020603050405020304" pitchFamily="18" charset="0"/>
+              </a:rPr>
+              <a:t>Schürmann</a:t>
+            </a:r>
+            <a:r>
+              <a:rPr lang="en-US" altLang="zh-CN" sz="1400" dirty="0">
+                <a:latin typeface="Times New Roman" panose="02020603050405020304" pitchFamily="18" charset="0"/>
+                <a:ea typeface="宋体" panose="02010600030101010101" pitchFamily="2" charset="-122"/>
+                <a:cs typeface="Times New Roman" panose="02020603050405020304" pitchFamily="18" charset="0"/>
+              </a:rPr>
+              <a:t> C. The </a:t>
+            </a:r>
+            <a:r>
+              <a:rPr lang="en-US" altLang="zh-CN" sz="1400" dirty="0" err="1">
+                <a:latin typeface="Times New Roman" panose="02020603050405020304" pitchFamily="18" charset="0"/>
+                <a:ea typeface="宋体" panose="02010600030101010101" pitchFamily="2" charset="-122"/>
+                <a:cs typeface="Times New Roman" panose="02020603050405020304" pitchFamily="18" charset="0"/>
+              </a:rPr>
+              <a:t>Twelf</a:t>
+            </a:r>
+            <a:r>
+              <a:rPr lang="en-US" altLang="zh-CN" sz="1400" dirty="0">
+                <a:latin typeface="Times New Roman" panose="02020603050405020304" pitchFamily="18" charset="0"/>
+                <a:ea typeface="宋体" panose="02010600030101010101" pitchFamily="2" charset="-122"/>
+                <a:cs typeface="Times New Roman" panose="02020603050405020304" pitchFamily="18" charset="0"/>
+              </a:rPr>
+              <a:t> proof assistant[M]//Theorem Proving in Higher Order Logics. Springer Berlin Heidelberg, 2009: 79-83.</a:t>
+            </a:r>
+          </a:p>
+          <a:p>
+            <a:pPr marL="0" indent="0" algn="just">
+              <a:lnSpc>
+                <a:spcPct val="150000"/>
+              </a:lnSpc>
+              <a:buNone/>
+            </a:pPr>
+            <a:r>
+              <a:rPr lang="en-US" altLang="zh-CN" sz="1400" dirty="0">
+                <a:latin typeface="Times New Roman" panose="02020603050405020304" pitchFamily="18" charset="0"/>
+                <a:ea typeface="宋体" panose="02010600030101010101" pitchFamily="2" charset="-122"/>
+                <a:cs typeface="Times New Roman" panose="02020603050405020304" pitchFamily="18" charset="0"/>
+              </a:rPr>
+              <a:t>[18</a:t>
+            </a:r>
+            <a:r>
+              <a:rPr lang="en-US" altLang="zh-CN" sz="1400" dirty="0" smtClean="0">
+                <a:latin typeface="Times New Roman" panose="02020603050405020304" pitchFamily="18" charset="0"/>
+                <a:ea typeface="宋体" panose="02010600030101010101" pitchFamily="2" charset="-122"/>
+                <a:cs typeface="Times New Roman" panose="02020603050405020304" pitchFamily="18" charset="0"/>
+              </a:rPr>
+              <a:t>] </a:t>
+            </a:r>
+            <a:r>
+              <a:rPr lang="en-US" altLang="zh-CN" sz="1400" dirty="0" err="1">
+                <a:latin typeface="Times New Roman" panose="02020603050405020304" pitchFamily="18" charset="0"/>
+                <a:ea typeface="宋体" panose="02010600030101010101" pitchFamily="2" charset="-122"/>
+                <a:cs typeface="Times New Roman" panose="02020603050405020304" pitchFamily="18" charset="0"/>
+              </a:rPr>
+              <a:t>Huet</a:t>
+            </a:r>
+            <a:r>
+              <a:rPr lang="en-US" altLang="zh-CN" sz="1400" dirty="0">
+                <a:latin typeface="Times New Roman" panose="02020603050405020304" pitchFamily="18" charset="0"/>
+                <a:ea typeface="宋体" panose="02010600030101010101" pitchFamily="2" charset="-122"/>
+                <a:cs typeface="Times New Roman" panose="02020603050405020304" pitchFamily="18" charset="0"/>
+              </a:rPr>
+              <a:t>, Gérard, Gilles Kahn, and Christine Paulin-</a:t>
+            </a:r>
+            <a:r>
+              <a:rPr lang="en-US" altLang="zh-CN" sz="1400" dirty="0" err="1">
+                <a:latin typeface="Times New Roman" panose="02020603050405020304" pitchFamily="18" charset="0"/>
+                <a:ea typeface="宋体" panose="02010600030101010101" pitchFamily="2" charset="-122"/>
+                <a:cs typeface="Times New Roman" panose="02020603050405020304" pitchFamily="18" charset="0"/>
+              </a:rPr>
+              <a:t>Mohring</a:t>
+            </a:r>
+            <a:r>
+              <a:rPr lang="en-US" altLang="zh-CN" sz="1400" dirty="0">
+                <a:latin typeface="Times New Roman" panose="02020603050405020304" pitchFamily="18" charset="0"/>
+                <a:ea typeface="宋体" panose="02010600030101010101" pitchFamily="2" charset="-122"/>
+                <a:cs typeface="Times New Roman" panose="02020603050405020304" pitchFamily="18" charset="0"/>
+              </a:rPr>
+              <a:t>. "The Coq Proof Assistant A Tutorial." Rapport Technique 178 (1997).</a:t>
+            </a:r>
+          </a:p>
+          <a:p>
+            <a:pPr marL="0" indent="0" algn="just">
+              <a:lnSpc>
+                <a:spcPct val="150000"/>
+              </a:lnSpc>
+              <a:buNone/>
+            </a:pPr>
+            <a:r>
+              <a:rPr lang="en-US" altLang="zh-CN" sz="1400" dirty="0">
+                <a:latin typeface="Times New Roman" panose="02020603050405020304" pitchFamily="18" charset="0"/>
+                <a:ea typeface="宋体" panose="02010600030101010101" pitchFamily="2" charset="-122"/>
+                <a:cs typeface="Times New Roman" panose="02020603050405020304" pitchFamily="18" charset="0"/>
+              </a:rPr>
+              <a:t>[19</a:t>
+            </a:r>
+            <a:r>
+              <a:rPr lang="en-US" altLang="zh-CN" sz="1400" dirty="0" smtClean="0">
+                <a:latin typeface="Times New Roman" panose="02020603050405020304" pitchFamily="18" charset="0"/>
+                <a:ea typeface="宋体" panose="02010600030101010101" pitchFamily="2" charset="-122"/>
+                <a:cs typeface="Times New Roman" panose="02020603050405020304" pitchFamily="18" charset="0"/>
+              </a:rPr>
+              <a:t>] </a:t>
+            </a:r>
+            <a:r>
+              <a:rPr lang="en-US" altLang="zh-CN" sz="1400" dirty="0">
+                <a:latin typeface="Times New Roman" panose="02020603050405020304" pitchFamily="18" charset="0"/>
+                <a:ea typeface="宋体" panose="02010600030101010101" pitchFamily="2" charset="-122"/>
+                <a:cs typeface="Times New Roman" panose="02020603050405020304" pitchFamily="18" charset="0"/>
+              </a:rPr>
+              <a:t>Paulson, Lawrence C., and Markus Wenzel. Isabelle/HOL: a proof assistant for higher-order logic. Vol. 2283. Springer, 2002.</a:t>
+            </a:r>
+          </a:p>
+          <a:p>
+            <a:pPr marL="0" indent="0" algn="just">
+              <a:lnSpc>
+                <a:spcPct val="150000"/>
+              </a:lnSpc>
+              <a:buNone/>
+            </a:pPr>
+            <a:r>
+              <a:rPr lang="en-US" altLang="zh-CN" sz="1400" dirty="0">
+                <a:latin typeface="Times New Roman" panose="02020603050405020304" pitchFamily="18" charset="0"/>
+                <a:ea typeface="宋体" panose="02010600030101010101" pitchFamily="2" charset="-122"/>
+                <a:cs typeface="Times New Roman" panose="02020603050405020304" pitchFamily="18" charset="0"/>
+              </a:rPr>
+              <a:t>[20</a:t>
+            </a:r>
+            <a:r>
+              <a:rPr lang="en-US" altLang="zh-CN" sz="1400" dirty="0" smtClean="0">
+                <a:latin typeface="Times New Roman" panose="02020603050405020304" pitchFamily="18" charset="0"/>
+                <a:ea typeface="宋体" panose="02010600030101010101" pitchFamily="2" charset="-122"/>
+                <a:cs typeface="Times New Roman" panose="02020603050405020304" pitchFamily="18" charset="0"/>
+              </a:rPr>
+              <a:t>] </a:t>
+            </a:r>
+            <a:r>
+              <a:rPr lang="en-US" altLang="zh-CN" sz="1400" dirty="0">
+                <a:latin typeface="Times New Roman" panose="02020603050405020304" pitchFamily="18" charset="0"/>
+                <a:ea typeface="宋体" panose="02010600030101010101" pitchFamily="2" charset="-122"/>
+                <a:cs typeface="Times New Roman" panose="02020603050405020304" pitchFamily="18" charset="0"/>
+              </a:rPr>
+              <a:t>Charles N. Fischer, Ronald K. </a:t>
+            </a:r>
+            <a:r>
+              <a:rPr lang="en-US" altLang="zh-CN" sz="1400" dirty="0" err="1">
+                <a:latin typeface="Times New Roman" panose="02020603050405020304" pitchFamily="18" charset="0"/>
+                <a:ea typeface="宋体" panose="02010600030101010101" pitchFamily="2" charset="-122"/>
+                <a:cs typeface="Times New Roman" panose="02020603050405020304" pitchFamily="18" charset="0"/>
+              </a:rPr>
+              <a:t>Cytron</a:t>
+            </a:r>
+            <a:r>
+              <a:rPr lang="en-US" altLang="zh-CN" sz="1400" dirty="0">
+                <a:latin typeface="Times New Roman" panose="02020603050405020304" pitchFamily="18" charset="0"/>
+                <a:ea typeface="宋体" panose="02010600030101010101" pitchFamily="2" charset="-122"/>
+                <a:cs typeface="Times New Roman" panose="02020603050405020304" pitchFamily="18" charset="0"/>
+              </a:rPr>
+              <a:t>, Richard J. LeBlanc, Jr. </a:t>
+            </a:r>
+            <a:r>
+              <a:rPr lang="zh-CN" altLang="en-US" sz="1400" dirty="0">
+                <a:latin typeface="Times New Roman" panose="02020603050405020304" pitchFamily="18" charset="0"/>
+                <a:ea typeface="宋体" panose="02010600030101010101" pitchFamily="2" charset="-122"/>
+                <a:cs typeface="Times New Roman" panose="02020603050405020304" pitchFamily="18" charset="0"/>
+              </a:rPr>
+              <a:t>编译器构造</a:t>
+            </a:r>
+            <a:r>
+              <a:rPr lang="en-US" altLang="zh-CN" sz="1400" dirty="0">
+                <a:latin typeface="Times New Roman" panose="02020603050405020304" pitchFamily="18" charset="0"/>
+                <a:ea typeface="宋体" panose="02010600030101010101" pitchFamily="2" charset="-122"/>
+                <a:cs typeface="Times New Roman" panose="02020603050405020304" pitchFamily="18" charset="0"/>
+              </a:rPr>
+              <a:t>. </a:t>
+            </a:r>
+            <a:r>
+              <a:rPr lang="zh-CN" altLang="en-US" sz="1400" dirty="0">
+                <a:latin typeface="Times New Roman" panose="02020603050405020304" pitchFamily="18" charset="0"/>
+                <a:ea typeface="宋体" panose="02010600030101010101" pitchFamily="2" charset="-122"/>
+                <a:cs typeface="Times New Roman" panose="02020603050405020304" pitchFamily="18" charset="0"/>
+              </a:rPr>
+              <a:t>北京</a:t>
+            </a:r>
+            <a:r>
+              <a:rPr lang="en-US" altLang="zh-CN" sz="1400" dirty="0">
+                <a:latin typeface="Times New Roman" panose="02020603050405020304" pitchFamily="18" charset="0"/>
+                <a:ea typeface="宋体" panose="02010600030101010101" pitchFamily="2" charset="-122"/>
+                <a:cs typeface="Times New Roman" panose="02020603050405020304" pitchFamily="18" charset="0"/>
+              </a:rPr>
+              <a:t>: </a:t>
+            </a:r>
+            <a:r>
+              <a:rPr lang="zh-CN" altLang="en-US" sz="1400" dirty="0">
+                <a:latin typeface="Times New Roman" panose="02020603050405020304" pitchFamily="18" charset="0"/>
+                <a:ea typeface="宋体" panose="02010600030101010101" pitchFamily="2" charset="-122"/>
+                <a:cs typeface="Times New Roman" panose="02020603050405020304" pitchFamily="18" charset="0"/>
+              </a:rPr>
+              <a:t>清华大学出版社</a:t>
+            </a:r>
+            <a:r>
+              <a:rPr lang="en-US" altLang="zh-CN" sz="1400" dirty="0">
+                <a:latin typeface="Times New Roman" panose="02020603050405020304" pitchFamily="18" charset="0"/>
+                <a:ea typeface="宋体" panose="02010600030101010101" pitchFamily="2" charset="-122"/>
+                <a:cs typeface="Times New Roman" panose="02020603050405020304" pitchFamily="18" charset="0"/>
+              </a:rPr>
+              <a:t>, 2012: 7~10.</a:t>
+            </a:r>
+          </a:p>
+          <a:p>
+            <a:pPr marL="0" indent="0" algn="just">
+              <a:lnSpc>
+                <a:spcPct val="150000"/>
+              </a:lnSpc>
+              <a:buNone/>
+            </a:pPr>
+            <a:r>
+              <a:rPr lang="en-US" altLang="zh-CN" sz="1400" dirty="0">
+                <a:latin typeface="Times New Roman" panose="02020603050405020304" pitchFamily="18" charset="0"/>
+                <a:ea typeface="宋体" panose="02010600030101010101" pitchFamily="2" charset="-122"/>
+                <a:cs typeface="Times New Roman" panose="02020603050405020304" pitchFamily="18" charset="0"/>
+              </a:rPr>
+              <a:t>[21</a:t>
+            </a:r>
+            <a:r>
+              <a:rPr lang="en-US" altLang="zh-CN" sz="1400" dirty="0" smtClean="0">
+                <a:latin typeface="Times New Roman" panose="02020603050405020304" pitchFamily="18" charset="0"/>
+                <a:ea typeface="宋体" panose="02010600030101010101" pitchFamily="2" charset="-122"/>
+                <a:cs typeface="Times New Roman" panose="02020603050405020304" pitchFamily="18" charset="0"/>
+              </a:rPr>
+              <a:t>] </a:t>
+            </a:r>
+            <a:r>
+              <a:rPr lang="en-US" altLang="zh-CN" sz="1400" dirty="0">
+                <a:latin typeface="Times New Roman" panose="02020603050405020304" pitchFamily="18" charset="0"/>
+                <a:ea typeface="宋体" panose="02010600030101010101" pitchFamily="2" charset="-122"/>
+                <a:cs typeface="Times New Roman" panose="02020603050405020304" pitchFamily="18" charset="0"/>
+              </a:rPr>
+              <a:t>McCarthy J, Painter J. Correctness of a compiler for arithmetical expressions[C]//Mathematical Aspects of Computer Science 19: </a:t>
+            </a:r>
+            <a:r>
+              <a:rPr lang="en-US" altLang="zh-CN" sz="1400" dirty="0" err="1">
+                <a:latin typeface="Times New Roman" panose="02020603050405020304" pitchFamily="18" charset="0"/>
+                <a:ea typeface="宋体" panose="02010600030101010101" pitchFamily="2" charset="-122"/>
+                <a:cs typeface="Times New Roman" panose="02020603050405020304" pitchFamily="18" charset="0"/>
+              </a:rPr>
+              <a:t>Proc</a:t>
+            </a:r>
+            <a:r>
+              <a:rPr lang="en-US" altLang="zh-CN" sz="1400" dirty="0">
+                <a:latin typeface="Times New Roman" panose="02020603050405020304" pitchFamily="18" charset="0"/>
+                <a:ea typeface="宋体" panose="02010600030101010101" pitchFamily="2" charset="-122"/>
+                <a:cs typeface="Times New Roman" panose="02020603050405020304" pitchFamily="18" charset="0"/>
+              </a:rPr>
+              <a:t> of Symposia in Applied Mathematics, 1967: 33−41.</a:t>
+            </a:r>
+          </a:p>
+          <a:p>
+            <a:pPr marL="0" indent="0" algn="just">
+              <a:lnSpc>
+                <a:spcPct val="150000"/>
+              </a:lnSpc>
+              <a:buNone/>
+            </a:pPr>
+            <a:endParaRPr lang="en-US" altLang="zh-CN" sz="1400" dirty="0" smtClean="0">
+              <a:latin typeface="Times New Roman" panose="02020603050405020304" pitchFamily="18" charset="0"/>
+              <a:ea typeface="宋体" panose="02010600030101010101" pitchFamily="2" charset="-122"/>
+              <a:cs typeface="Times New Roman" panose="02020603050405020304" pitchFamily="18" charset="0"/>
+            </a:endParaRPr>
+          </a:p>
+        </p:txBody>
+      </p:sp>
+    </p:spTree>
+    <p:extLst>
+      <p:ext uri="{BB962C8B-B14F-4D97-AF65-F5344CB8AC3E}">
+        <p14:creationId xmlns:p14="http://schemas.microsoft.com/office/powerpoint/2010/main" val="637080490"/>
+      </p:ext>
+    </p:extLst>
+  </p:cSld>
+  <p:clrMapOvr>
+    <a:masterClrMapping/>
+  </p:clrMapOvr>
+  <p:timing>
+    <p:tnLst>
+      <p:par>
+        <p:cTn id="1" dur="indefinite" restart="never" nodeType="tmRoot"/>
+      </p:par>
+    </p:tnLst>
+  </p:timing>
+</p:sld>
+</file>
+
+<file path=ppt/slides/slide29.xml><?xml version="1.0" encoding="utf-8"?>
 <p:sld xmlns:a="http://schemas.openxmlformats.org/drawingml/2006/main" xmlns:r="http://schemas.openxmlformats.org/officeDocument/2006/relationships" xmlns:p="http://schemas.openxmlformats.org/presentationml/2006/main">
   <p:cSld>
     <p:spTree>
@@ -14867,28 +15058,15 @@
             <p:ph idx="1"/>
           </p:nvPr>
         </p:nvSpPr>
-        <p:spPr/>
+        <p:spPr>
+          <a:xfrm>
+            <a:off x="457200" y="2053652"/>
+            <a:ext cx="8229600" cy="4399535"/>
+          </a:xfrm>
+        </p:spPr>
         <p:txBody>
           <a:bodyPr/>
           <a:lstStyle/>
-          <a:p>
-            <a:pPr marL="0" indent="0">
-              <a:buNone/>
-            </a:pPr>
-            <a:endParaRPr lang="en-US" altLang="zh-CN" dirty="0" smtClean="0">
-              <a:latin typeface="Times New Roman" panose="02020603050405020304" pitchFamily="18" charset="0"/>
-              <a:ea typeface="宋体" panose="02010600030101010101" pitchFamily="2" charset="-122"/>
-              <a:cs typeface="Times New Roman" panose="02020603050405020304" pitchFamily="18" charset="0"/>
-            </a:endParaRPr>
-          </a:p>
-          <a:p>
-            <a:pPr lvl="2"/>
-            <a:endParaRPr lang="en-US" altLang="zh-CN" dirty="0">
-              <a:latin typeface="Times New Roman" panose="02020603050405020304" pitchFamily="18" charset="0"/>
-              <a:ea typeface="宋体" panose="02010600030101010101" pitchFamily="2" charset="-122"/>
-              <a:cs typeface="Times New Roman" panose="02020603050405020304" pitchFamily="18" charset="0"/>
-            </a:endParaRPr>
-          </a:p>
           <a:p>
             <a:pPr>
               <a:lnSpc>
@@ -14898,23 +15076,31 @@
               <a:buChar char="Ø"/>
             </a:pPr>
             <a:r>
-              <a:rPr lang="zh-CN" altLang="zh-CN" sz="2000" dirty="0" smtClean="0">
-                <a:latin typeface="Times New Roman" panose="02020603050405020304" pitchFamily="18" charset="0"/>
-                <a:ea typeface="宋体" panose="02010600030101010101" pitchFamily="2" charset="-122"/>
-                <a:cs typeface="Times New Roman" panose="02020603050405020304" pitchFamily="18" charset="0"/>
-              </a:rPr>
-              <a:t>现代</a:t>
-            </a:r>
-            <a:r>
-              <a:rPr lang="zh-CN" altLang="zh-CN" sz="2000" dirty="0">
-                <a:latin typeface="Times New Roman" panose="02020603050405020304" pitchFamily="18" charset="0"/>
-                <a:ea typeface="宋体" panose="02010600030101010101" pitchFamily="2" charset="-122"/>
-                <a:cs typeface="Times New Roman" panose="02020603050405020304" pitchFamily="18" charset="0"/>
-              </a:rPr>
-              <a:t>飞机几乎所有重要功能系统都与</a:t>
-            </a:r>
-            <a:r>
-              <a:rPr lang="zh-CN" altLang="zh-CN" sz="2000" dirty="0">
+              <a:rPr lang="zh-CN" altLang="en-US" sz="2000" dirty="0" smtClean="0">
+                <a:latin typeface="Times New Roman" panose="02020603050405020304" pitchFamily="18" charset="0"/>
+                <a:ea typeface="宋体" panose="02010600030101010101" pitchFamily="2" charset="-122"/>
+                <a:cs typeface="Times New Roman" panose="02020603050405020304" pitchFamily="18" charset="0"/>
+              </a:rPr>
+              <a:t>随着</a:t>
+            </a:r>
+            <a:r>
+              <a:rPr lang="zh-CN" altLang="en-US" sz="2000" dirty="0">
+                <a:latin typeface="Times New Roman" panose="02020603050405020304" pitchFamily="18" charset="0"/>
+                <a:ea typeface="宋体" panose="02010600030101010101" pitchFamily="2" charset="-122"/>
+                <a:cs typeface="Times New Roman" panose="02020603050405020304" pitchFamily="18" charset="0"/>
+              </a:rPr>
+              <a:t>计算机应用的飞速发展，软件已渗透到国民经济和国防建设的各个</a:t>
+            </a:r>
+            <a:r>
+              <a:rPr lang="zh-CN" altLang="en-US" sz="2000" dirty="0" smtClean="0">
+                <a:latin typeface="Times New Roman" panose="02020603050405020304" pitchFamily="18" charset="0"/>
+                <a:ea typeface="宋体" panose="02010600030101010101" pitchFamily="2" charset="-122"/>
+                <a:cs typeface="Times New Roman" panose="02020603050405020304" pitchFamily="18" charset="0"/>
+              </a:rPr>
+              <a:t>领域。</a:t>
+            </a:r>
+            <a:r>
+              <a:rPr lang="zh-CN" altLang="en-US" sz="2000" dirty="0" smtClean="0">
                 <a:solidFill>
                   <a:srgbClr val="FF0000"/>
                 </a:solidFill>
@@ -14922,15 +15108,45 @@
                 <a:ea typeface="宋体" panose="02010600030101010101" pitchFamily="2" charset="-122"/>
                 <a:cs typeface="Times New Roman" panose="02020603050405020304" pitchFamily="18" charset="0"/>
               </a:rPr>
-              <a:t>计算机软件</a:t>
-            </a:r>
-            <a:r>
-              <a:rPr lang="zh-CN" altLang="zh-CN" sz="2000" dirty="0" smtClean="0">
-                <a:latin typeface="Times New Roman" panose="02020603050405020304" pitchFamily="18" charset="0"/>
-                <a:ea typeface="宋体" panose="02010600030101010101" pitchFamily="2" charset="-122"/>
-                <a:cs typeface="Times New Roman" panose="02020603050405020304" pitchFamily="18" charset="0"/>
-              </a:rPr>
-              <a:t>密切相关</a:t>
+              <a:t>安全</a:t>
+            </a:r>
+            <a:r>
+              <a:rPr lang="zh-CN" altLang="en-US" sz="2000" dirty="0">
+                <a:solidFill>
+                  <a:srgbClr val="FF0000"/>
+                </a:solidFill>
+                <a:latin typeface="Times New Roman" panose="02020603050405020304" pitchFamily="18" charset="0"/>
+                <a:ea typeface="宋体" panose="02010600030101010101" pitchFamily="2" charset="-122"/>
+                <a:cs typeface="Times New Roman" panose="02020603050405020304" pitchFamily="18" charset="0"/>
+              </a:rPr>
+              <a:t>攸关软件</a:t>
+            </a:r>
+            <a:r>
+              <a:rPr lang="zh-CN" altLang="en-US" sz="2000" dirty="0">
+                <a:latin typeface="Times New Roman" panose="02020603050405020304" pitchFamily="18" charset="0"/>
+                <a:ea typeface="宋体" panose="02010600030101010101" pitchFamily="2" charset="-122"/>
+                <a:cs typeface="Times New Roman" panose="02020603050405020304" pitchFamily="18" charset="0"/>
+              </a:rPr>
+              <a:t>，如航空机载软件，作为各类安全关键系统的构成部分，其内部结构越来越复杂、应用环境越来越开放，这些因素使得人们更加关注其</a:t>
+            </a:r>
+            <a:r>
+              <a:rPr lang="zh-CN" altLang="en-US" sz="2000" dirty="0">
+                <a:solidFill>
+                  <a:srgbClr val="FF0000"/>
+                </a:solidFill>
+                <a:latin typeface="Times New Roman" panose="02020603050405020304" pitchFamily="18" charset="0"/>
+                <a:ea typeface="宋体" panose="02010600030101010101" pitchFamily="2" charset="-122"/>
+                <a:cs typeface="Times New Roman" panose="02020603050405020304" pitchFamily="18" charset="0"/>
+              </a:rPr>
+              <a:t>可信性</a:t>
+            </a:r>
+            <a:r>
+              <a:rPr lang="zh-CN" altLang="en-US" sz="2000" dirty="0">
+                <a:latin typeface="Times New Roman" panose="02020603050405020304" pitchFamily="18" charset="0"/>
+                <a:ea typeface="宋体" panose="02010600030101010101" pitchFamily="2" charset="-122"/>
+                <a:cs typeface="Times New Roman" panose="02020603050405020304" pitchFamily="18" charset="0"/>
+              </a:rPr>
+              <a:t>问题</a:t>
             </a:r>
             <a:r>
               <a:rPr lang="zh-CN" altLang="en-US" sz="2000" dirty="0" smtClean="0">
@@ -14955,12 +15171,31 @@
               <a:buChar char="Ø"/>
             </a:pPr>
             <a:r>
+              <a:rPr lang="en-US" altLang="zh-CN" sz="2000" dirty="0">
+                <a:solidFill>
+                  <a:srgbClr val="FF0000"/>
+                </a:solidFill>
+                <a:latin typeface="Times New Roman" panose="02020603050405020304" pitchFamily="18" charset="0"/>
+                <a:ea typeface="宋体" panose="02010600030101010101" pitchFamily="2" charset="-122"/>
+                <a:cs typeface="Times New Roman" panose="02020603050405020304" pitchFamily="18" charset="0"/>
+              </a:rPr>
+              <a:t>TCG</a:t>
+            </a:r>
+            <a:r>
+              <a:rPr lang="en-US" altLang="zh-CN" sz="2000" dirty="0">
+                <a:latin typeface="Times New Roman" panose="02020603050405020304" pitchFamily="18" charset="0"/>
+                <a:ea typeface="宋体" panose="02010600030101010101" pitchFamily="2" charset="-122"/>
+                <a:cs typeface="Times New Roman" panose="02020603050405020304" pitchFamily="18" charset="0"/>
+              </a:rPr>
+              <a:t>(trusted computing group)</a:t>
+            </a:r>
+            <a:r>
               <a:rPr lang="zh-CN" altLang="en-US" sz="2000" dirty="0">
                 <a:latin typeface="Times New Roman" panose="02020603050405020304" pitchFamily="18" charset="0"/>
                 <a:ea typeface="宋体" panose="02010600030101010101" pitchFamily="2" charset="-122"/>
                 <a:cs typeface="Times New Roman" panose="02020603050405020304" pitchFamily="18" charset="0"/>
               </a:rPr>
-              <a:t>软件的</a:t>
+              <a:t>对可信的定义是：一个实体在实现预定目标时，若其行为总是符合预期，则该实体是可信的。</a:t>
             </a:r>
             <a:r>
               <a:rPr lang="zh-CN" altLang="en-US" sz="2000" dirty="0">
@@ -14971,15 +15206,7 @@
                 <a:ea typeface="宋体" panose="02010600030101010101" pitchFamily="2" charset="-122"/>
                 <a:cs typeface="Times New Roman" panose="02020603050405020304" pitchFamily="18" charset="0"/>
               </a:rPr>
-              <a:t>高度复杂性</a:t>
-            </a:r>
-            <a:r>
-              <a:rPr lang="zh-CN" altLang="en-US" sz="2000" dirty="0">
-                <a:latin typeface="Times New Roman" panose="02020603050405020304" pitchFamily="18" charset="0"/>
-                <a:ea typeface="宋体" panose="02010600030101010101" pitchFamily="2" charset="-122"/>
-                <a:cs typeface="Times New Roman" panose="02020603050405020304" pitchFamily="18" charset="0"/>
-              </a:rPr>
-              <a:t>，使得其质量和可靠性远远低于硬件，对机载</a:t>
+              <a:t>一个软件若是可信的，则必然是正确的，能够如预期那样工作</a:t>
             </a:r>
             <a:r>
               <a:rPr lang="zh-CN" altLang="en-US" sz="2000" dirty="0" smtClean="0">
@@ -14987,467 +15214,10 @@
                 <a:ea typeface="宋体" panose="02010600030101010101" pitchFamily="2" charset="-122"/>
                 <a:cs typeface="Times New Roman" panose="02020603050405020304" pitchFamily="18" charset="0"/>
               </a:rPr>
-              <a:t>软件安全性</a:t>
-            </a:r>
-            <a:r>
-              <a:rPr lang="zh-CN" altLang="en-US" sz="2000" dirty="0">
-                <a:latin typeface="Times New Roman" panose="02020603050405020304" pitchFamily="18" charset="0"/>
-                <a:ea typeface="宋体" panose="02010600030101010101" pitchFamily="2" charset="-122"/>
-                <a:cs typeface="Times New Roman" panose="02020603050405020304" pitchFamily="18" charset="0"/>
-              </a:rPr>
-              <a:t>产生的极大的负面</a:t>
-            </a:r>
-            <a:r>
-              <a:rPr lang="zh-CN" altLang="en-US" sz="2000" dirty="0" smtClean="0">
-                <a:latin typeface="Times New Roman" panose="02020603050405020304" pitchFamily="18" charset="0"/>
-                <a:ea typeface="宋体" panose="02010600030101010101" pitchFamily="2" charset="-122"/>
-                <a:cs typeface="Times New Roman" panose="02020603050405020304" pitchFamily="18" charset="0"/>
-              </a:rPr>
-              <a:t>影响，</a:t>
-            </a:r>
-            <a:r>
-              <a:rPr lang="zh-CN" altLang="en-US" sz="2000" dirty="0" smtClean="0">
-                <a:solidFill>
-                  <a:srgbClr val="FF0000"/>
-                </a:solidFill>
-                <a:latin typeface="Times New Roman" panose="02020603050405020304" pitchFamily="18" charset="0"/>
-                <a:ea typeface="宋体" panose="02010600030101010101" pitchFamily="2" charset="-122"/>
-                <a:cs typeface="Times New Roman" panose="02020603050405020304" pitchFamily="18" charset="0"/>
-              </a:rPr>
-              <a:t>适航验证</a:t>
-            </a:r>
-            <a:r>
-              <a:rPr lang="zh-CN" altLang="en-US" sz="2000" dirty="0" smtClean="0">
-                <a:latin typeface="Times New Roman" panose="02020603050405020304" pitchFamily="18" charset="0"/>
-                <a:ea typeface="宋体" panose="02010600030101010101" pitchFamily="2" charset="-122"/>
-                <a:cs typeface="Times New Roman" panose="02020603050405020304" pitchFamily="18" charset="0"/>
-              </a:rPr>
-              <a:t>变得尤为重要</a:t>
-            </a:r>
-            <a:r>
-              <a:rPr lang="en-US" altLang="zh-CN" sz="2000" baseline="30000" dirty="0" smtClean="0">
-                <a:latin typeface="Times New Roman" panose="02020603050405020304" pitchFamily="18" charset="0"/>
-                <a:ea typeface="宋体" panose="02010600030101010101" pitchFamily="2" charset="-122"/>
-                <a:cs typeface="Times New Roman" panose="02020603050405020304" pitchFamily="18" charset="0"/>
-              </a:rPr>
-              <a:t>[1]</a:t>
-            </a:r>
-            <a:r>
-              <a:rPr lang="zh-CN" altLang="en-US" sz="2000" dirty="0" smtClean="0">
-                <a:latin typeface="Times New Roman" panose="02020603050405020304" pitchFamily="18" charset="0"/>
-                <a:ea typeface="宋体" panose="02010600030101010101" pitchFamily="2" charset="-122"/>
-                <a:cs typeface="Times New Roman" panose="02020603050405020304" pitchFamily="18" charset="0"/>
-              </a:rPr>
               <a:t>。</a:t>
-            </a:r>
-            <a:endParaRPr lang="en-US" altLang="zh-CN" sz="2000" dirty="0" smtClean="0">
-              <a:latin typeface="Times New Roman" panose="02020603050405020304" pitchFamily="18" charset="0"/>
-              <a:ea typeface="宋体" panose="02010600030101010101" pitchFamily="2" charset="-122"/>
-              <a:cs typeface="Times New Roman" panose="02020603050405020304" pitchFamily="18" charset="0"/>
-            </a:endParaRPr>
-          </a:p>
-          <a:p>
-            <a:pPr>
-              <a:lnSpc>
-                <a:spcPct val="150000"/>
-              </a:lnSpc>
-              <a:buFont typeface="Wingdings" panose="05000000000000000000" pitchFamily="2" charset="2"/>
-              <a:buChar char="Ø"/>
-            </a:pPr>
-            <a:r>
-              <a:rPr lang="zh-CN" altLang="en-US" sz="2000" dirty="0">
-                <a:latin typeface="Times New Roman" panose="02020603050405020304" pitchFamily="18" charset="0"/>
-                <a:ea typeface="宋体" panose="02010600030101010101" pitchFamily="2" charset="-122"/>
-                <a:cs typeface="Times New Roman" panose="02020603050405020304" pitchFamily="18" charset="0"/>
-              </a:rPr>
-              <a:t>机载软件适航验证标准</a:t>
-            </a:r>
-            <a:r>
-              <a:rPr lang="en-US" altLang="zh-CN" sz="2000" dirty="0" smtClean="0">
-                <a:solidFill>
-                  <a:srgbClr val="FF0000"/>
-                </a:solidFill>
-                <a:latin typeface="Times New Roman" panose="02020603050405020304" pitchFamily="18" charset="0"/>
-                <a:ea typeface="宋体" panose="02010600030101010101" pitchFamily="2" charset="-122"/>
-                <a:cs typeface="Times New Roman" panose="02020603050405020304" pitchFamily="18" charset="0"/>
-              </a:rPr>
-              <a:t>DO-178B</a:t>
-            </a:r>
-            <a:r>
-              <a:rPr lang="en-US" altLang="zh-CN" sz="2000" baseline="30000" dirty="0">
-                <a:latin typeface="Times New Roman" panose="02020603050405020304" pitchFamily="18" charset="0"/>
-                <a:ea typeface="宋体" panose="02010600030101010101" pitchFamily="2" charset="-122"/>
-                <a:cs typeface="Times New Roman" panose="02020603050405020304" pitchFamily="18" charset="0"/>
-              </a:rPr>
-              <a:t>[2]</a:t>
-            </a:r>
-            <a:r>
-              <a:rPr lang="zh-CN" altLang="en-US" sz="2000" dirty="0" smtClean="0">
-                <a:latin typeface="Times New Roman" panose="02020603050405020304" pitchFamily="18" charset="0"/>
-                <a:ea typeface="宋体" panose="02010600030101010101" pitchFamily="2" charset="-122"/>
-                <a:cs typeface="Times New Roman" panose="02020603050405020304" pitchFamily="18" charset="0"/>
-              </a:rPr>
-              <a:t>和</a:t>
-            </a:r>
-            <a:r>
-              <a:rPr lang="en-US" altLang="zh-CN" sz="2000" dirty="0" smtClean="0">
-                <a:solidFill>
-                  <a:srgbClr val="FF0000"/>
-                </a:solidFill>
-                <a:latin typeface="Times New Roman" panose="02020603050405020304" pitchFamily="18" charset="0"/>
-                <a:ea typeface="宋体" panose="02010600030101010101" pitchFamily="2" charset="-122"/>
-                <a:cs typeface="Times New Roman" panose="02020603050405020304" pitchFamily="18" charset="0"/>
-              </a:rPr>
-              <a:t>DO-178C</a:t>
-            </a:r>
-            <a:r>
-              <a:rPr lang="en-US" altLang="zh-CN" sz="2000" baseline="30000" dirty="0">
-                <a:latin typeface="Times New Roman" panose="02020603050405020304" pitchFamily="18" charset="0"/>
-                <a:ea typeface="宋体" panose="02010600030101010101" pitchFamily="2" charset="-122"/>
-                <a:cs typeface="Times New Roman" panose="02020603050405020304" pitchFamily="18" charset="0"/>
-              </a:rPr>
-              <a:t>[3]</a:t>
-            </a:r>
-            <a:r>
-              <a:rPr lang="zh-CN" altLang="en-US" sz="2000" dirty="0" smtClean="0">
-                <a:latin typeface="Times New Roman" panose="02020603050405020304" pitchFamily="18" charset="0"/>
-                <a:ea typeface="宋体" panose="02010600030101010101" pitchFamily="2" charset="-122"/>
-                <a:cs typeface="Times New Roman" panose="02020603050405020304" pitchFamily="18" charset="0"/>
-              </a:rPr>
-              <a:t>的提出。</a:t>
             </a:r>
             <a:endParaRPr lang="en-US" altLang="zh-CN" sz="2000" dirty="0">
               <a:latin typeface="Times New Roman" panose="02020603050405020304" pitchFamily="18" charset="0"/>
-              <a:ea typeface="宋体" panose="02010600030101010101" pitchFamily="2" charset="-122"/>
-              <a:cs typeface="Times New Roman" panose="02020603050405020304" pitchFamily="18" charset="0"/>
-            </a:endParaRPr>
-          </a:p>
-          <a:p>
-            <a:pPr>
-              <a:lnSpc>
-                <a:spcPct val="150000"/>
-              </a:lnSpc>
-              <a:buFont typeface="Wingdings" panose="05000000000000000000" pitchFamily="2" charset="2"/>
-              <a:buChar char="Ø"/>
-            </a:pPr>
-            <a:r>
-              <a:rPr lang="zh-CN" altLang="en-US" sz="2000" dirty="0">
-                <a:latin typeface="Times New Roman" panose="02020603050405020304" pitchFamily="18" charset="0"/>
-                <a:ea typeface="宋体" panose="02010600030101010101" pitchFamily="2" charset="-122"/>
-                <a:cs typeface="Times New Roman" panose="02020603050405020304" pitchFamily="18" charset="0"/>
-              </a:rPr>
-              <a:t>基于</a:t>
-            </a:r>
-            <a:r>
-              <a:rPr lang="zh-CN" altLang="en-US" sz="2000" dirty="0">
-                <a:solidFill>
-                  <a:srgbClr val="FF0000"/>
-                </a:solidFill>
-                <a:latin typeface="Times New Roman" panose="02020603050405020304" pitchFamily="18" charset="0"/>
-                <a:ea typeface="宋体" panose="02010600030101010101" pitchFamily="2" charset="-122"/>
-                <a:cs typeface="Times New Roman" panose="02020603050405020304" pitchFamily="18" charset="0"/>
-              </a:rPr>
-              <a:t>软件测试</a:t>
-            </a:r>
-            <a:r>
-              <a:rPr lang="zh-CN" altLang="en-US" sz="2000" dirty="0">
-                <a:latin typeface="Times New Roman" panose="02020603050405020304" pitchFamily="18" charset="0"/>
-                <a:ea typeface="宋体" panose="02010600030101010101" pitchFamily="2" charset="-122"/>
-                <a:cs typeface="Times New Roman" panose="02020603050405020304" pitchFamily="18" charset="0"/>
-              </a:rPr>
-              <a:t>的传统验证方法已经</a:t>
-            </a:r>
-            <a:r>
-              <a:rPr lang="zh-CN" altLang="en-US" sz="2000" dirty="0">
-                <a:solidFill>
-                  <a:srgbClr val="FF0000"/>
-                </a:solidFill>
-                <a:latin typeface="Times New Roman" panose="02020603050405020304" pitchFamily="18" charset="0"/>
-                <a:ea typeface="宋体" panose="02010600030101010101" pitchFamily="2" charset="-122"/>
-                <a:cs typeface="Times New Roman" panose="02020603050405020304" pitchFamily="18" charset="0"/>
-              </a:rPr>
-              <a:t>不能满足</a:t>
-            </a:r>
-            <a:r>
-              <a:rPr lang="zh-CN" altLang="en-US" sz="2000" dirty="0">
-                <a:latin typeface="Times New Roman" panose="02020603050405020304" pitchFamily="18" charset="0"/>
-                <a:ea typeface="宋体" panose="02010600030101010101" pitchFamily="2" charset="-122"/>
-                <a:cs typeface="Times New Roman" panose="02020603050405020304" pitchFamily="18" charset="0"/>
-              </a:rPr>
-              <a:t>机载软件的</a:t>
-            </a:r>
-            <a:r>
-              <a:rPr lang="zh-CN" altLang="en-US" sz="2000" dirty="0" smtClean="0">
-                <a:latin typeface="Times New Roman" panose="02020603050405020304" pitchFamily="18" charset="0"/>
-                <a:ea typeface="宋体" panose="02010600030101010101" pitchFamily="2" charset="-122"/>
-                <a:cs typeface="Times New Roman" panose="02020603050405020304" pitchFamily="18" charset="0"/>
-              </a:rPr>
-              <a:t>安全性需求</a:t>
-            </a:r>
-            <a:r>
-              <a:rPr lang="zh-CN" altLang="en-US" sz="2000" dirty="0">
-                <a:latin typeface="Times New Roman" panose="02020603050405020304" pitchFamily="18" charset="0"/>
-                <a:ea typeface="宋体" panose="02010600030101010101" pitchFamily="2" charset="-122"/>
-                <a:cs typeface="Times New Roman" panose="02020603050405020304" pitchFamily="18" charset="0"/>
-              </a:rPr>
-              <a:t>。</a:t>
-            </a:r>
-            <a:endParaRPr lang="en-US" altLang="zh-CN" sz="2000" dirty="0">
-              <a:latin typeface="Times New Roman" panose="02020603050405020304" pitchFamily="18" charset="0"/>
-              <a:ea typeface="宋体" panose="02010600030101010101" pitchFamily="2" charset="-122"/>
-              <a:cs typeface="Times New Roman" panose="02020603050405020304" pitchFamily="18" charset="0"/>
-            </a:endParaRPr>
-          </a:p>
-          <a:p>
-            <a:pPr>
-              <a:lnSpc>
-                <a:spcPct val="150000"/>
-              </a:lnSpc>
-              <a:buFont typeface="Wingdings" panose="05000000000000000000" pitchFamily="2" charset="2"/>
-              <a:buChar char="Ø"/>
-            </a:pPr>
-            <a:r>
-              <a:rPr lang="zh-CN" altLang="en-US" sz="2000" dirty="0" smtClean="0">
-                <a:latin typeface="Times New Roman" panose="02020603050405020304" pitchFamily="18" charset="0"/>
-                <a:ea typeface="宋体" panose="02010600030101010101" pitchFamily="2" charset="-122"/>
-                <a:cs typeface="Times New Roman" panose="02020603050405020304" pitchFamily="18" charset="0"/>
-              </a:rPr>
-              <a:t>新的适航验证标准</a:t>
-            </a:r>
-            <a:r>
-              <a:rPr lang="en-US" altLang="zh-CN" sz="2000" dirty="0" smtClean="0">
-                <a:solidFill>
-                  <a:srgbClr val="FF0000"/>
-                </a:solidFill>
-                <a:latin typeface="Times New Roman" panose="02020603050405020304" pitchFamily="18" charset="0"/>
-                <a:ea typeface="宋体" panose="02010600030101010101" pitchFamily="2" charset="-122"/>
-                <a:cs typeface="Times New Roman" panose="02020603050405020304" pitchFamily="18" charset="0"/>
-              </a:rPr>
-              <a:t>DO-178C</a:t>
-            </a:r>
-            <a:r>
-              <a:rPr lang="zh-CN" altLang="en-US" sz="2000" dirty="0" smtClean="0">
-                <a:latin typeface="Times New Roman" panose="02020603050405020304" pitchFamily="18" charset="0"/>
-                <a:ea typeface="宋体" panose="02010600030101010101" pitchFamily="2" charset="-122"/>
-                <a:cs typeface="Times New Roman" panose="02020603050405020304" pitchFamily="18" charset="0"/>
-              </a:rPr>
-              <a:t>针对</a:t>
-            </a:r>
-            <a:r>
-              <a:rPr lang="en-US" altLang="zh-CN" sz="2000" dirty="0">
-                <a:latin typeface="Times New Roman" panose="02020603050405020304" pitchFamily="18" charset="0"/>
-                <a:ea typeface="宋体" panose="02010600030101010101" pitchFamily="2" charset="-122"/>
-                <a:cs typeface="Times New Roman" panose="02020603050405020304" pitchFamily="18" charset="0"/>
-              </a:rPr>
-              <a:t>DO-178B</a:t>
-            </a:r>
-            <a:r>
-              <a:rPr lang="zh-CN" altLang="en-US" sz="2000" dirty="0" smtClean="0">
-                <a:latin typeface="Times New Roman" panose="02020603050405020304" pitchFamily="18" charset="0"/>
-                <a:ea typeface="宋体" panose="02010600030101010101" pitchFamily="2" charset="-122"/>
-                <a:cs typeface="Times New Roman" panose="02020603050405020304" pitchFamily="18" charset="0"/>
-              </a:rPr>
-              <a:t>的不足，将基于</a:t>
-            </a:r>
-            <a:r>
-              <a:rPr lang="zh-CN" altLang="en-US" sz="2000" dirty="0">
-                <a:solidFill>
-                  <a:srgbClr val="FF0000"/>
-                </a:solidFill>
-                <a:latin typeface="Times New Roman" panose="02020603050405020304" pitchFamily="18" charset="0"/>
-                <a:ea typeface="宋体" panose="02010600030101010101" pitchFamily="2" charset="-122"/>
-                <a:cs typeface="Times New Roman" panose="02020603050405020304" pitchFamily="18" charset="0"/>
-              </a:rPr>
-              <a:t>逻辑证明</a:t>
-            </a:r>
-            <a:r>
-              <a:rPr lang="zh-CN" altLang="en-US" sz="2000" dirty="0">
-                <a:latin typeface="Times New Roman" panose="02020603050405020304" pitchFamily="18" charset="0"/>
-                <a:ea typeface="宋体" panose="02010600030101010101" pitchFamily="2" charset="-122"/>
-                <a:cs typeface="Times New Roman" panose="02020603050405020304" pitchFamily="18" charset="0"/>
-              </a:rPr>
-              <a:t>的</a:t>
-            </a:r>
-            <a:r>
-              <a:rPr lang="zh-CN" altLang="en-US" sz="2000" dirty="0">
-                <a:solidFill>
-                  <a:srgbClr val="FF0000"/>
-                </a:solidFill>
-                <a:latin typeface="Times New Roman" panose="02020603050405020304" pitchFamily="18" charset="0"/>
-                <a:ea typeface="宋体" panose="02010600030101010101" pitchFamily="2" charset="-122"/>
-                <a:cs typeface="Times New Roman" panose="02020603050405020304" pitchFamily="18" charset="0"/>
-              </a:rPr>
-              <a:t>形式化方法</a:t>
-            </a:r>
-            <a:r>
-              <a:rPr lang="zh-CN" altLang="en-US" sz="2000" dirty="0" smtClean="0">
-                <a:latin typeface="Times New Roman" panose="02020603050405020304" pitchFamily="18" charset="0"/>
-                <a:ea typeface="宋体" panose="02010600030101010101" pitchFamily="2" charset="-122"/>
-                <a:cs typeface="Times New Roman" panose="02020603050405020304" pitchFamily="18" charset="0"/>
-              </a:rPr>
-              <a:t>引入</a:t>
-            </a:r>
-            <a:r>
-              <a:rPr lang="zh-CN" altLang="en-US" sz="2000" dirty="0">
-                <a:latin typeface="Times New Roman" panose="02020603050405020304" pitchFamily="18" charset="0"/>
-                <a:ea typeface="宋体" panose="02010600030101010101" pitchFamily="2" charset="-122"/>
-                <a:cs typeface="Times New Roman" panose="02020603050405020304" pitchFamily="18" charset="0"/>
-              </a:rPr>
-              <a:t>到机载软件的开发验证</a:t>
-            </a:r>
-            <a:r>
-              <a:rPr lang="zh-CN" altLang="en-US" sz="2000" dirty="0" smtClean="0">
-                <a:latin typeface="Times New Roman" panose="02020603050405020304" pitchFamily="18" charset="0"/>
-                <a:ea typeface="宋体" panose="02010600030101010101" pitchFamily="2" charset="-122"/>
-                <a:cs typeface="Times New Roman" panose="02020603050405020304" pitchFamily="18" charset="0"/>
-              </a:rPr>
-              <a:t>过程中。</a:t>
-            </a:r>
-            <a:endParaRPr lang="en-US" altLang="zh-CN" sz="2000" dirty="0">
-              <a:latin typeface="宋体" panose="02010600030101010101" pitchFamily="2" charset="-122"/>
-              <a:ea typeface="宋体" panose="02010600030101010101" pitchFamily="2" charset="-122"/>
-            </a:endParaRPr>
-          </a:p>
-          <a:p>
-            <a:pPr marL="0" indent="0">
-              <a:lnSpc>
-                <a:spcPct val="150000"/>
-              </a:lnSpc>
-              <a:buNone/>
-            </a:pPr>
-            <a:endParaRPr lang="en-US" altLang="zh-CN" sz="2000" dirty="0">
-              <a:latin typeface="Times New Roman" panose="02020603050405020304" pitchFamily="18" charset="0"/>
-              <a:ea typeface="宋体" panose="02010600030101010101" pitchFamily="2" charset="-122"/>
-              <a:cs typeface="Times New Roman" panose="02020603050405020304" pitchFamily="18" charset="0"/>
-            </a:endParaRPr>
-          </a:p>
-          <a:p>
-            <a:pPr>
-              <a:lnSpc>
-                <a:spcPct val="150000"/>
-              </a:lnSpc>
-              <a:buFont typeface="Wingdings" panose="05000000000000000000" pitchFamily="2" charset="2"/>
-              <a:buChar char="Ø"/>
-            </a:pPr>
-            <a:endParaRPr lang="en-US" altLang="zh-CN" sz="2000" dirty="0">
-              <a:latin typeface="Times New Roman" panose="02020603050405020304" pitchFamily="18" charset="0"/>
-              <a:ea typeface="宋体" panose="02010600030101010101" pitchFamily="2" charset="-122"/>
-              <a:cs typeface="Times New Roman" panose="02020603050405020304" pitchFamily="18" charset="0"/>
-            </a:endParaRPr>
-          </a:p>
-          <a:p>
-            <a:pPr>
-              <a:lnSpc>
-                <a:spcPct val="150000"/>
-              </a:lnSpc>
-              <a:buFont typeface="Wingdings" panose="05000000000000000000" pitchFamily="2" charset="2"/>
-              <a:buChar char="Ø"/>
-            </a:pPr>
-            <a:endParaRPr lang="en-US" altLang="zh-CN" sz="2000" dirty="0" smtClean="0">
-              <a:latin typeface="Times New Roman" panose="02020603050405020304" pitchFamily="18" charset="0"/>
-              <a:ea typeface="宋体" panose="02010600030101010101" pitchFamily="2" charset="-122"/>
-              <a:cs typeface="Times New Roman" panose="02020603050405020304" pitchFamily="18" charset="0"/>
-            </a:endParaRPr>
-          </a:p>
-          <a:p>
-            <a:pPr>
-              <a:lnSpc>
-                <a:spcPct val="150000"/>
-              </a:lnSpc>
-              <a:buFont typeface="Wingdings" panose="05000000000000000000" pitchFamily="2" charset="2"/>
-              <a:buChar char="Ø"/>
-            </a:pPr>
-            <a:endParaRPr lang="en-US" altLang="zh-CN" sz="2000" dirty="0">
-              <a:latin typeface="Times New Roman" panose="02020603050405020304" pitchFamily="18" charset="0"/>
-              <a:ea typeface="宋体" panose="02010600030101010101" pitchFamily="2" charset="-122"/>
-              <a:cs typeface="Times New Roman" panose="02020603050405020304" pitchFamily="18" charset="0"/>
-            </a:endParaRPr>
-          </a:p>
-          <a:p>
-            <a:pPr>
-              <a:lnSpc>
-                <a:spcPct val="150000"/>
-              </a:lnSpc>
-              <a:buFont typeface="Wingdings" panose="05000000000000000000" pitchFamily="2" charset="2"/>
-              <a:buChar char="Ø"/>
-            </a:pPr>
-            <a:endParaRPr lang="zh-CN" altLang="en-US" sz="2000" dirty="0">
-              <a:latin typeface="Times New Roman" panose="02020603050405020304" pitchFamily="18" charset="0"/>
-              <a:ea typeface="宋体" panose="02010600030101010101" pitchFamily="2" charset="-122"/>
-              <a:cs typeface="Times New Roman" panose="02020603050405020304" pitchFamily="18" charset="0"/>
-            </a:endParaRPr>
-          </a:p>
-        </p:txBody>
-      </p:sp>
-      <p:sp>
-        <p:nvSpPr>
-          <p:cNvPr id="4" name="圆角矩形 3"/>
-          <p:cNvSpPr/>
-          <p:nvPr/>
-        </p:nvSpPr>
-        <p:spPr bwMode="auto">
-          <a:xfrm>
-            <a:off x="559316" y="1714487"/>
-            <a:ext cx="6072230" cy="571504"/>
-          </a:xfrm>
-          <a:prstGeom prst="roundRect">
-            <a:avLst/>
-          </a:prstGeom>
-          <a:ln>
-            <a:headEnd type="none" w="med" len="med"/>
-            <a:tailEnd type="none" w="med" len="med"/>
-          </a:ln>
-        </p:spPr>
-        <p:style>
-          <a:lnRef idx="1">
-            <a:schemeClr val="accent1"/>
-          </a:lnRef>
-          <a:fillRef idx="2">
-            <a:schemeClr val="accent1"/>
-          </a:fillRef>
-          <a:effectRef idx="1">
-            <a:schemeClr val="accent1"/>
-          </a:effectRef>
-          <a:fontRef idx="minor">
-            <a:schemeClr val="dk1"/>
-          </a:fontRef>
-        </p:style>
-        <p:txBody>
-          <a:bodyPr vert="horz" wrap="square" lIns="91440" tIns="45720" rIns="91440" bIns="45720" numCol="1" rtlCol="0" anchor="t" anchorCtr="0" compatLnSpc="1">
-            <a:prstTxWarp prst="textNoShape">
-              <a:avLst/>
-            </a:prstTxWarp>
-          </a:bodyPr>
-          <a:lstStyle/>
-          <a:p>
-            <a:pPr latinLnBrk="1"/>
-            <a:r>
-              <a:rPr kumimoji="1" lang="zh-CN" altLang="en-US" sz="2000" b="1" dirty="0">
-                <a:solidFill>
-                  <a:schemeClr val="tx1"/>
-                </a:solidFill>
-                <a:latin typeface="宋体" panose="02010600030101010101" pitchFamily="2" charset="-122"/>
-                <a:ea typeface="宋体" panose="02010600030101010101" pitchFamily="2" charset="-122"/>
-                <a:cs typeface="Times New Roman" panose="02020603050405020304" pitchFamily="18" charset="0"/>
-              </a:rPr>
-              <a:t>机载</a:t>
-            </a:r>
-            <a:r>
-              <a:rPr kumimoji="1" lang="zh-CN" altLang="en-US" sz="2000" b="1" dirty="0" smtClean="0">
-                <a:solidFill>
-                  <a:schemeClr val="tx1"/>
-                </a:solidFill>
-                <a:latin typeface="宋体" panose="02010600030101010101" pitchFamily="2" charset="-122"/>
-                <a:ea typeface="宋体" panose="02010600030101010101" pitchFamily="2" charset="-122"/>
-                <a:cs typeface="Times New Roman" panose="02020603050405020304" pitchFamily="18" charset="0"/>
-              </a:rPr>
-              <a:t>软件的高安全性需求</a:t>
-            </a:r>
-            <a:endParaRPr kumimoji="1" lang="zh-CN" altLang="en-US" sz="2000" b="1" dirty="0">
-              <a:solidFill>
-                <a:schemeClr val="tx1"/>
-              </a:solidFill>
-              <a:latin typeface="宋体" panose="02010600030101010101" pitchFamily="2" charset="-122"/>
               <a:ea typeface="宋体" panose="02010600030101010101" pitchFamily="2" charset="-122"/>
               <a:cs typeface="Times New Roman" panose="02020603050405020304" pitchFamily="18" charset="0"/>
             </a:endParaRPr>
@@ -15528,26 +15298,15 @@
             <p:ph idx="1"/>
           </p:nvPr>
         </p:nvSpPr>
-        <p:spPr/>
+        <p:spPr>
+          <a:xfrm>
+            <a:off x="457200" y="1603948"/>
+            <a:ext cx="8229600" cy="4849240"/>
+          </a:xfrm>
+        </p:spPr>
         <p:txBody>
           <a:bodyPr/>
           <a:lstStyle/>
-          <a:p>
-            <a:pPr marL="0" indent="0">
-              <a:buNone/>
-            </a:pPr>
-            <a:endParaRPr lang="en-US" altLang="zh-CN" dirty="0" smtClean="0">
-              <a:latin typeface="宋体" panose="02010600030101010101" pitchFamily="2" charset="-122"/>
-              <a:ea typeface="宋体" panose="02010600030101010101" pitchFamily="2" charset="-122"/>
-            </a:endParaRPr>
-          </a:p>
-          <a:p>
-            <a:pPr lvl="2"/>
-            <a:endParaRPr lang="en-US" altLang="zh-CN" dirty="0">
-              <a:latin typeface="宋体" panose="02010600030101010101" pitchFamily="2" charset="-122"/>
-              <a:ea typeface="宋体" panose="02010600030101010101" pitchFamily="2" charset="-122"/>
-            </a:endParaRPr>
-          </a:p>
           <a:p>
             <a:pPr>
               <a:lnSpc>
@@ -15557,36 +15316,15 @@
               <a:buChar char="Ø"/>
             </a:pPr>
             <a:r>
-              <a:rPr lang="en-US" altLang="zh-CN" sz="2000" dirty="0" smtClean="0">
-                <a:latin typeface="Times New Roman" panose="02020603050405020304" pitchFamily="18" charset="0"/>
-                <a:ea typeface="宋体" panose="02010600030101010101" pitchFamily="2" charset="-122"/>
-                <a:cs typeface="Times New Roman" panose="02020603050405020304" pitchFamily="18" charset="0"/>
-              </a:rPr>
-              <a:t>DO-178C</a:t>
-            </a:r>
-            <a:r>
-              <a:rPr lang="en-US" altLang="zh-CN" sz="2000" baseline="30000" dirty="0" smtClean="0">
-                <a:latin typeface="Times New Roman" panose="02020603050405020304" pitchFamily="18" charset="0"/>
-                <a:ea typeface="宋体" panose="02010600030101010101" pitchFamily="2" charset="-122"/>
-                <a:cs typeface="Times New Roman" panose="02020603050405020304" pitchFamily="18" charset="0"/>
-              </a:rPr>
-              <a:t>[3]</a:t>
-            </a:r>
-            <a:r>
               <a:rPr lang="zh-CN" altLang="en-US" sz="2000" dirty="0">
-                <a:latin typeface="Times New Roman" panose="02020603050405020304" pitchFamily="18" charset="0"/>
-                <a:ea typeface="宋体" panose="02010600030101010101" pitchFamily="2" charset="-122"/>
-                <a:cs typeface="Times New Roman" panose="02020603050405020304" pitchFamily="18" charset="0"/>
-              </a:rPr>
-              <a:t>将</a:t>
-            </a:r>
-            <a:r>
-              <a:rPr lang="en-US" altLang="zh-CN" sz="2000" dirty="0">
-                <a:latin typeface="Times New Roman" panose="02020603050405020304" pitchFamily="18" charset="0"/>
-                <a:ea typeface="宋体" panose="02010600030101010101" pitchFamily="2" charset="-122"/>
-                <a:cs typeface="Times New Roman" panose="02020603050405020304" pitchFamily="18" charset="0"/>
-              </a:rPr>
-              <a:t>A</a:t>
+                <a:solidFill>
+                  <a:srgbClr val="FF0000"/>
+                </a:solidFill>
+                <a:latin typeface="Times New Roman" panose="02020603050405020304" pitchFamily="18" charset="0"/>
+                <a:ea typeface="宋体" panose="02010600030101010101" pitchFamily="2" charset="-122"/>
+                <a:cs typeface="Times New Roman" panose="02020603050405020304" pitchFamily="18" charset="0"/>
+              </a:rPr>
+              <a:t>编译器</a:t>
             </a:r>
             <a:r>
               <a:rPr lang="zh-CN" altLang="en-US" sz="2000" dirty="0">
@@ -15594,7 +15332,61 @@
                 <a:ea typeface="宋体" panose="02010600030101010101" pitchFamily="2" charset="-122"/>
                 <a:cs typeface="Times New Roman" panose="02020603050405020304" pitchFamily="18" charset="0"/>
               </a:rPr>
-              <a:t>级软件开发验证过程分为：系统需求开发、高层需求开发、软件设计（软件架构、底层需求）、源代码、可执行目标代码生成。</a:t>
+              <a:t>作为软件开发过程中的关键工具，</a:t>
+            </a:r>
+            <a:r>
+              <a:rPr lang="zh-CN" altLang="en-US" sz="2000" dirty="0" smtClean="0">
+                <a:latin typeface="Times New Roman" panose="02020603050405020304" pitchFamily="18" charset="0"/>
+                <a:ea typeface="宋体" panose="02010600030101010101" pitchFamily="2" charset="-122"/>
+                <a:cs typeface="Times New Roman" panose="02020603050405020304" pitchFamily="18" charset="0"/>
+              </a:rPr>
+              <a:t>如果其不</a:t>
+            </a:r>
+            <a:r>
+              <a:rPr lang="zh-CN" altLang="en-US" sz="2000" dirty="0">
+                <a:latin typeface="Times New Roman" panose="02020603050405020304" pitchFamily="18" charset="0"/>
+                <a:ea typeface="宋体" panose="02010600030101010101" pitchFamily="2" charset="-122"/>
+                <a:cs typeface="Times New Roman" panose="02020603050405020304" pitchFamily="18" charset="0"/>
+              </a:rPr>
+              <a:t>可信，则无法保证其所生成代码的可信性，非可信编译器在对程序代码进行编译的过程中，很可能篡改其</a:t>
+            </a:r>
+            <a:r>
+              <a:rPr lang="zh-CN" altLang="en-US" sz="2000" dirty="0">
+                <a:solidFill>
+                  <a:srgbClr val="FF0000"/>
+                </a:solidFill>
+                <a:latin typeface="Times New Roman" panose="02020603050405020304" pitchFamily="18" charset="0"/>
+                <a:ea typeface="宋体" panose="02010600030101010101" pitchFamily="2" charset="-122"/>
+                <a:cs typeface="Times New Roman" panose="02020603050405020304" pitchFamily="18" charset="0"/>
+              </a:rPr>
+              <a:t>原本语义</a:t>
+            </a:r>
+            <a:r>
+              <a:rPr lang="zh-CN" altLang="en-US" sz="2000" dirty="0">
+                <a:latin typeface="Times New Roman" panose="02020603050405020304" pitchFamily="18" charset="0"/>
+                <a:ea typeface="宋体" panose="02010600030101010101" pitchFamily="2" charset="-122"/>
+                <a:cs typeface="Times New Roman" panose="02020603050405020304" pitchFamily="18" charset="0"/>
+              </a:rPr>
+              <a:t>，生成不安全的</a:t>
+            </a:r>
+            <a:r>
+              <a:rPr lang="zh-CN" altLang="en-US" sz="2000" dirty="0">
+                <a:solidFill>
+                  <a:srgbClr val="FF0000"/>
+                </a:solidFill>
+                <a:latin typeface="Times New Roman" panose="02020603050405020304" pitchFamily="18" charset="0"/>
+                <a:ea typeface="宋体" panose="02010600030101010101" pitchFamily="2" charset="-122"/>
+                <a:cs typeface="Times New Roman" panose="02020603050405020304" pitchFamily="18" charset="0"/>
+              </a:rPr>
+              <a:t>目标代码</a:t>
+            </a:r>
+            <a:r>
+              <a:rPr lang="zh-CN" altLang="en-US" sz="2000" dirty="0">
+                <a:latin typeface="Times New Roman" panose="02020603050405020304" pitchFamily="18" charset="0"/>
+                <a:ea typeface="宋体" panose="02010600030101010101" pitchFamily="2" charset="-122"/>
+                <a:cs typeface="Times New Roman" panose="02020603050405020304" pitchFamily="18" charset="0"/>
+              </a:rPr>
+              <a:t>。</a:t>
             </a:r>
             <a:endParaRPr lang="en-US" altLang="zh-CN" sz="2000" dirty="0">
               <a:latin typeface="Times New Roman" panose="02020603050405020304" pitchFamily="18" charset="0"/>
@@ -15611,149 +15403,50 @@
               <a:buChar char="Ø"/>
             </a:pPr>
             <a:r>
+              <a:rPr lang="zh-CN" altLang="en-US" sz="2000" dirty="0">
+                <a:latin typeface="宋体" panose="02010600030101010101" pitchFamily="2" charset="-122"/>
+                <a:ea typeface="宋体" panose="02010600030101010101" pitchFamily="2" charset="-122"/>
+              </a:rPr>
+              <a:t>航空领域由于机载软件的安全性问题所造成</a:t>
+            </a:r>
+            <a:r>
               <a:rPr lang="zh-CN" altLang="en-US" sz="2000" dirty="0" smtClean="0">
-                <a:latin typeface="Times New Roman" panose="02020603050405020304" pitchFamily="18" charset="0"/>
-                <a:ea typeface="宋体" panose="02010600030101010101" pitchFamily="2" charset="-122"/>
-                <a:cs typeface="Times New Roman" panose="02020603050405020304" pitchFamily="18" charset="0"/>
-              </a:rPr>
-              <a:t>针对</a:t>
+                <a:latin typeface="宋体" panose="02010600030101010101" pitchFamily="2" charset="-122"/>
+                <a:ea typeface="宋体" panose="02010600030101010101" pitchFamily="2" charset="-122"/>
+              </a:rPr>
+              <a:t>的事故正在</a:t>
+            </a:r>
+            <a:r>
+              <a:rPr lang="zh-CN" altLang="en-US" sz="2000" dirty="0">
+                <a:latin typeface="宋体" panose="02010600030101010101" pitchFamily="2" charset="-122"/>
+                <a:ea typeface="宋体" panose="02010600030101010101" pitchFamily="2" charset="-122"/>
+              </a:rPr>
+              <a:t>呈规模性上升</a:t>
+            </a:r>
+            <a:r>
+              <a:rPr lang="zh-CN" altLang="en-US" sz="2000" dirty="0" smtClean="0">
+                <a:latin typeface="宋体" panose="02010600030101010101" pitchFamily="2" charset="-122"/>
+                <a:ea typeface="宋体" panose="02010600030101010101" pitchFamily="2" charset="-122"/>
+              </a:rPr>
+              <a:t>趋势，如</a:t>
             </a:r>
             <a:r>
               <a:rPr lang="en-US" altLang="zh-CN" sz="2000" dirty="0" smtClean="0">
-                <a:latin typeface="Times New Roman" panose="02020603050405020304" pitchFamily="18" charset="0"/>
-                <a:ea typeface="宋体" panose="02010600030101010101" pitchFamily="2" charset="-122"/>
-                <a:cs typeface="Times New Roman" panose="02020603050405020304" pitchFamily="18" charset="0"/>
-              </a:rPr>
-              <a:t>DO178B</a:t>
-            </a:r>
-            <a:r>
-              <a:rPr lang="zh-CN" altLang="en-US" sz="2000" dirty="0" smtClean="0">
-                <a:latin typeface="Times New Roman" panose="02020603050405020304" pitchFamily="18" charset="0"/>
-                <a:ea typeface="宋体" panose="02010600030101010101" pitchFamily="2" charset="-122"/>
-                <a:cs typeface="Times New Roman" panose="02020603050405020304" pitchFamily="18" charset="0"/>
-              </a:rPr>
-              <a:t>的不足，</a:t>
-            </a:r>
-            <a:r>
-              <a:rPr lang="en-US" altLang="zh-CN" sz="2000" dirty="0" smtClean="0">
-                <a:solidFill>
-                  <a:srgbClr val="FF0000"/>
-                </a:solidFill>
-                <a:latin typeface="Times New Roman" panose="02020603050405020304" pitchFamily="18" charset="0"/>
-                <a:ea typeface="宋体" panose="02010600030101010101" pitchFamily="2" charset="-122"/>
-                <a:cs typeface="Times New Roman" panose="02020603050405020304" pitchFamily="18" charset="0"/>
-              </a:rPr>
-              <a:t>DO-178C</a:t>
-            </a:r>
-            <a:r>
-              <a:rPr lang="en-US" altLang="zh-CN" sz="2000" baseline="30000" dirty="0">
-                <a:latin typeface="Times New Roman" panose="02020603050405020304" pitchFamily="18" charset="0"/>
-                <a:ea typeface="宋体" panose="02010600030101010101" pitchFamily="2" charset="-122"/>
-                <a:cs typeface="Times New Roman" panose="02020603050405020304" pitchFamily="18" charset="0"/>
-              </a:rPr>
-              <a:t>[3, </a:t>
-            </a:r>
-            <a:r>
-              <a:rPr lang="en-US" altLang="zh-CN" sz="2000" baseline="30000" dirty="0" smtClean="0">
-                <a:latin typeface="Times New Roman" panose="02020603050405020304" pitchFamily="18" charset="0"/>
-                <a:ea typeface="宋体" panose="02010600030101010101" pitchFamily="2" charset="-122"/>
-                <a:cs typeface="Times New Roman" panose="02020603050405020304" pitchFamily="18" charset="0"/>
-              </a:rPr>
-              <a:t>12]</a:t>
-            </a:r>
-            <a:r>
-              <a:rPr lang="zh-CN" altLang="zh-CN" sz="2000" dirty="0" smtClean="0">
-                <a:latin typeface="Times New Roman" panose="02020603050405020304" pitchFamily="18" charset="0"/>
-                <a:ea typeface="宋体" panose="02010600030101010101" pitchFamily="2" charset="-122"/>
-                <a:cs typeface="Times New Roman" panose="02020603050405020304" pitchFamily="18" charset="0"/>
-              </a:rPr>
-              <a:t>首次</a:t>
-            </a:r>
-            <a:r>
-              <a:rPr lang="zh-CN" altLang="zh-CN" sz="2000" dirty="0">
-                <a:latin typeface="Times New Roman" panose="02020603050405020304" pitchFamily="18" charset="0"/>
-                <a:ea typeface="宋体" panose="02010600030101010101" pitchFamily="2" charset="-122"/>
-                <a:cs typeface="Times New Roman" panose="02020603050405020304" pitchFamily="18" charset="0"/>
-              </a:rPr>
-              <a:t>明确地为</a:t>
-            </a:r>
-            <a:r>
-              <a:rPr lang="zh-CN" altLang="zh-CN" sz="2000" dirty="0">
-                <a:solidFill>
-                  <a:srgbClr val="FF0000"/>
-                </a:solidFill>
-                <a:latin typeface="Times New Roman" panose="02020603050405020304" pitchFamily="18" charset="0"/>
-                <a:ea typeface="宋体" panose="02010600030101010101" pitchFamily="2" charset="-122"/>
-                <a:cs typeface="Times New Roman" panose="02020603050405020304" pitchFamily="18" charset="0"/>
-              </a:rPr>
-              <a:t>需求正确性</a:t>
-            </a:r>
-            <a:r>
-              <a:rPr lang="zh-CN" altLang="zh-CN" sz="2000" dirty="0">
-                <a:latin typeface="Times New Roman" panose="02020603050405020304" pitchFamily="18" charset="0"/>
-                <a:ea typeface="宋体" panose="02010600030101010101" pitchFamily="2" charset="-122"/>
-                <a:cs typeface="Times New Roman" panose="02020603050405020304" pitchFamily="18" charset="0"/>
-              </a:rPr>
-              <a:t>，自动代码生成的评审，覆盖低层需求的测试用例等</a:t>
-            </a:r>
-            <a:r>
-              <a:rPr lang="zh-CN" altLang="zh-CN" sz="2000" dirty="0">
-                <a:solidFill>
-                  <a:srgbClr val="FF0000"/>
-                </a:solidFill>
-                <a:latin typeface="Times New Roman" panose="02020603050405020304" pitchFamily="18" charset="0"/>
-                <a:ea typeface="宋体" panose="02010600030101010101" pitchFamily="2" charset="-122"/>
-                <a:cs typeface="Times New Roman" panose="02020603050405020304" pitchFamily="18" charset="0"/>
-              </a:rPr>
-              <a:t>形式化</a:t>
-            </a:r>
-            <a:r>
-              <a:rPr lang="zh-CN" altLang="zh-CN" sz="2000" dirty="0" smtClean="0">
-                <a:solidFill>
-                  <a:srgbClr val="FF0000"/>
-                </a:solidFill>
-                <a:latin typeface="Times New Roman" panose="02020603050405020304" pitchFamily="18" charset="0"/>
-                <a:ea typeface="宋体" panose="02010600030101010101" pitchFamily="2" charset="-122"/>
-                <a:cs typeface="Times New Roman" panose="02020603050405020304" pitchFamily="18" charset="0"/>
-              </a:rPr>
-              <a:t>方法</a:t>
-            </a:r>
-            <a:r>
-              <a:rPr lang="zh-CN" altLang="zh-CN" sz="2000" dirty="0" smtClean="0">
-                <a:latin typeface="Times New Roman" panose="02020603050405020304" pitchFamily="18" charset="0"/>
-                <a:ea typeface="宋体" panose="02010600030101010101" pitchFamily="2" charset="-122"/>
-                <a:cs typeface="Times New Roman" panose="02020603050405020304" pitchFamily="18" charset="0"/>
-              </a:rPr>
-              <a:t>的识别验证</a:t>
-            </a:r>
-            <a:r>
-              <a:rPr lang="zh-CN" altLang="zh-CN" sz="2000" dirty="0">
-                <a:latin typeface="Times New Roman" panose="02020603050405020304" pitchFamily="18" charset="0"/>
-                <a:ea typeface="宋体" panose="02010600030101010101" pitchFamily="2" charset="-122"/>
-                <a:cs typeface="Times New Roman" panose="02020603050405020304" pitchFamily="18" charset="0"/>
-              </a:rPr>
-              <a:t>设定</a:t>
-            </a:r>
-            <a:r>
-              <a:rPr lang="zh-CN" altLang="zh-CN" sz="2000" dirty="0" smtClean="0">
-                <a:latin typeface="Times New Roman" panose="02020603050405020304" pitchFamily="18" charset="0"/>
-                <a:ea typeface="宋体" panose="02010600030101010101" pitchFamily="2" charset="-122"/>
-                <a:cs typeface="Times New Roman" panose="02020603050405020304" pitchFamily="18" charset="0"/>
-              </a:rPr>
-              <a:t>标准</a:t>
-            </a:r>
-            <a:r>
-              <a:rPr lang="zh-CN" altLang="en-US" sz="2000" dirty="0" smtClean="0">
-                <a:latin typeface="Times New Roman" panose="02020603050405020304" pitchFamily="18" charset="0"/>
-                <a:ea typeface="宋体" panose="02010600030101010101" pitchFamily="2" charset="-122"/>
-                <a:cs typeface="Times New Roman" panose="02020603050405020304" pitchFamily="18" charset="0"/>
-              </a:rPr>
-              <a:t>。</a:t>
-            </a:r>
-            <a:endParaRPr lang="en-US" altLang="zh-CN" sz="2000" dirty="0" smtClean="0">
-              <a:latin typeface="Times New Roman" panose="02020603050405020304" pitchFamily="18" charset="0"/>
-              <a:ea typeface="宋体" panose="02010600030101010101" pitchFamily="2" charset="-122"/>
-              <a:cs typeface="Times New Roman" panose="02020603050405020304" pitchFamily="18" charset="0"/>
+                <a:latin typeface="宋体" panose="02010600030101010101" pitchFamily="2" charset="-122"/>
+                <a:ea typeface="宋体" panose="02010600030101010101" pitchFamily="2" charset="-122"/>
+              </a:rPr>
+              <a:t>2010</a:t>
+            </a:r>
+            <a:r>
+              <a:rPr lang="zh-CN" altLang="en-US" sz="2000" dirty="0">
+                <a:latin typeface="宋体" panose="02010600030101010101" pitchFamily="2" charset="-122"/>
+                <a:ea typeface="宋体" panose="02010600030101010101" pitchFamily="2" charset="-122"/>
+              </a:rPr>
+              <a:t>年，由于软件故障，导致美国海军的一架无人直升机发生系统故障，闯进华盛顿上空的禁飞区。</a:t>
+            </a:r>
+            <a:endParaRPr lang="en-US" altLang="zh-CN" sz="2000" dirty="0">
+              <a:latin typeface="宋体" panose="02010600030101010101" pitchFamily="2" charset="-122"/>
+              <a:ea typeface="宋体" panose="02010600030101010101" pitchFamily="2" charset="-122"/>
             </a:endParaRPr>
           </a:p>
           <a:p>
@@ -15765,154 +15458,66 @@
               <a:buChar char="Ø"/>
             </a:pPr>
             <a:r>
-              <a:rPr lang="zh-CN" altLang="en-US" sz="2000" dirty="0" smtClean="0">
-                <a:latin typeface="Times New Roman" panose="02020603050405020304" pitchFamily="18" charset="0"/>
-                <a:ea typeface="宋体" panose="02010600030101010101" pitchFamily="2" charset="-122"/>
-                <a:cs typeface="Times New Roman" panose="02020603050405020304" pitchFamily="18" charset="0"/>
-              </a:rPr>
-              <a:t>基于</a:t>
-            </a:r>
-            <a:r>
-              <a:rPr lang="zh-CN" altLang="en-US" sz="2000" dirty="0">
-                <a:solidFill>
-                  <a:srgbClr val="FF0000"/>
-                </a:solidFill>
-                <a:latin typeface="Times New Roman" panose="02020603050405020304" pitchFamily="18" charset="0"/>
-                <a:ea typeface="宋体" panose="02010600030101010101" pitchFamily="2" charset="-122"/>
-                <a:cs typeface="Times New Roman" panose="02020603050405020304" pitchFamily="18" charset="0"/>
-              </a:rPr>
-              <a:t>逻辑证明</a:t>
-            </a:r>
-            <a:r>
-              <a:rPr lang="zh-CN" altLang="en-US" sz="2000" dirty="0">
-                <a:latin typeface="Times New Roman" panose="02020603050405020304" pitchFamily="18" charset="0"/>
-                <a:ea typeface="宋体" panose="02010600030101010101" pitchFamily="2" charset="-122"/>
-                <a:cs typeface="Times New Roman" panose="02020603050405020304" pitchFamily="18" charset="0"/>
-              </a:rPr>
-              <a:t>的形式化方法被引入到机载软件的</a:t>
-            </a:r>
-            <a:r>
-              <a:rPr lang="zh-CN" altLang="en-US" sz="2000" dirty="0">
-                <a:solidFill>
-                  <a:srgbClr val="FF0000"/>
-                </a:solidFill>
-                <a:latin typeface="Times New Roman" panose="02020603050405020304" pitchFamily="18" charset="0"/>
-                <a:ea typeface="宋体" panose="02010600030101010101" pitchFamily="2" charset="-122"/>
-                <a:cs typeface="Times New Roman" panose="02020603050405020304" pitchFamily="18" charset="0"/>
-              </a:rPr>
-              <a:t>开发验证</a:t>
-            </a:r>
-            <a:r>
-              <a:rPr lang="zh-CN" altLang="en-US" sz="2000" dirty="0" smtClean="0">
-                <a:solidFill>
-                  <a:srgbClr val="FF0000"/>
-                </a:solidFill>
-                <a:latin typeface="Times New Roman" panose="02020603050405020304" pitchFamily="18" charset="0"/>
-                <a:ea typeface="宋体" panose="02010600030101010101" pitchFamily="2" charset="-122"/>
-                <a:cs typeface="Times New Roman" panose="02020603050405020304" pitchFamily="18" charset="0"/>
-              </a:rPr>
-              <a:t>过程</a:t>
-            </a:r>
-            <a:r>
               <a:rPr lang="zh-CN" altLang="en-US" sz="2000" dirty="0">
                 <a:latin typeface="宋体" panose="02010600030101010101" pitchFamily="2" charset="-122"/>
                 <a:ea typeface="宋体" panose="02010600030101010101" pitchFamily="2" charset="-122"/>
               </a:rPr>
-              <a:t>。</a:t>
-            </a:r>
-            <a:endParaRPr lang="en-US" altLang="zh-CN" sz="2000" dirty="0">
-              <a:latin typeface="宋体" panose="02010600030101010101" pitchFamily="2" charset="-122"/>
-              <a:ea typeface="宋体" panose="02010600030101010101" pitchFamily="2" charset="-122"/>
-            </a:endParaRPr>
-          </a:p>
-          <a:p>
-            <a:pPr>
-              <a:lnSpc>
-                <a:spcPct val="150000"/>
-              </a:lnSpc>
-              <a:buFont typeface="Wingdings" panose="05000000000000000000" pitchFamily="2" charset="2"/>
-              <a:buChar char="Ø"/>
-            </a:pPr>
-            <a:endParaRPr lang="en-US" altLang="zh-CN" sz="2000" dirty="0">
-              <a:latin typeface="宋体" panose="02010600030101010101" pitchFamily="2" charset="-122"/>
-              <a:ea typeface="宋体" panose="02010600030101010101" pitchFamily="2" charset="-122"/>
-            </a:endParaRPr>
-          </a:p>
-          <a:p>
-            <a:pPr>
-              <a:lnSpc>
-                <a:spcPct val="150000"/>
-              </a:lnSpc>
-              <a:buFont typeface="Wingdings" panose="05000000000000000000" pitchFamily="2" charset="2"/>
-              <a:buChar char="Ø"/>
-            </a:pPr>
+              <a:t>传统的编译器验证方法是大量的进行</a:t>
+            </a:r>
+            <a:r>
+              <a:rPr lang="zh-CN" altLang="en-US" sz="2000" dirty="0">
+                <a:solidFill>
+                  <a:srgbClr val="FF0000"/>
+                </a:solidFill>
+                <a:latin typeface="宋体" panose="02010600030101010101" pitchFamily="2" charset="-122"/>
+                <a:ea typeface="宋体" panose="02010600030101010101" pitchFamily="2" charset="-122"/>
+              </a:rPr>
+              <a:t>软件测试</a:t>
+            </a:r>
+            <a:r>
+              <a:rPr lang="zh-CN" altLang="en-US" sz="2000" dirty="0">
+                <a:latin typeface="宋体" panose="02010600030101010101" pitchFamily="2" charset="-122"/>
+                <a:ea typeface="宋体" panose="02010600030101010101" pitchFamily="2" charset="-122"/>
+              </a:rPr>
+              <a:t>，但是软件测试难以达到完全覆盖，并不能充分地保证编译器的安全可信，同时，软件测试的验证方法日益受到</a:t>
+            </a:r>
+            <a:r>
+              <a:rPr lang="zh-CN" altLang="en-US" sz="2000" dirty="0">
+                <a:solidFill>
+                  <a:srgbClr val="FF0000"/>
+                </a:solidFill>
+                <a:latin typeface="宋体" panose="02010600030101010101" pitchFamily="2" charset="-122"/>
+                <a:ea typeface="宋体" panose="02010600030101010101" pitchFamily="2" charset="-122"/>
+              </a:rPr>
+              <a:t>复杂软件测试的正确性</a:t>
+            </a:r>
+            <a:r>
+              <a:rPr lang="zh-CN" altLang="en-US" sz="2000" dirty="0">
+                <a:latin typeface="宋体" panose="02010600030101010101" pitchFamily="2" charset="-122"/>
+                <a:ea typeface="宋体" panose="02010600030101010101" pitchFamily="2" charset="-122"/>
+              </a:rPr>
+              <a:t>以及</a:t>
+            </a:r>
+            <a:r>
+              <a:rPr lang="zh-CN" altLang="en-US" sz="2000" dirty="0">
+                <a:solidFill>
+                  <a:srgbClr val="FF0000"/>
+                </a:solidFill>
+                <a:latin typeface="宋体" panose="02010600030101010101" pitchFamily="2" charset="-122"/>
+                <a:ea typeface="宋体" panose="02010600030101010101" pitchFamily="2" charset="-122"/>
+              </a:rPr>
+              <a:t>软件测试效率</a:t>
+            </a:r>
+            <a:r>
+              <a:rPr lang="zh-CN" altLang="en-US" sz="2000" dirty="0">
+                <a:latin typeface="宋体" panose="02010600030101010101" pitchFamily="2" charset="-122"/>
+                <a:ea typeface="宋体" panose="02010600030101010101" pitchFamily="2" charset="-122"/>
+              </a:rPr>
+              <a:t>等问题的挑战。</a:t>
+            </a:r>
             <a:endParaRPr lang="zh-CN" altLang="en-US" sz="2000" dirty="0">
               <a:latin typeface="宋体" panose="02010600030101010101" pitchFamily="2" charset="-122"/>
               <a:ea typeface="宋体" panose="02010600030101010101" pitchFamily="2" charset="-122"/>
-            </a:endParaRPr>
-          </a:p>
-        </p:txBody>
-      </p:sp>
-      <p:sp>
-        <p:nvSpPr>
-          <p:cNvPr id="4" name="圆角矩形 3"/>
-          <p:cNvSpPr/>
-          <p:nvPr/>
-        </p:nvSpPr>
-        <p:spPr bwMode="auto">
-          <a:xfrm>
-            <a:off x="559316" y="1714487"/>
-            <a:ext cx="6072230" cy="571504"/>
-          </a:xfrm>
-          <a:prstGeom prst="roundRect">
-            <a:avLst/>
-          </a:prstGeom>
-          <a:ln>
-            <a:headEnd type="none" w="med" len="med"/>
-            <a:tailEnd type="none" w="med" len="med"/>
-          </a:ln>
-        </p:spPr>
-        <p:style>
-          <a:lnRef idx="1">
-            <a:schemeClr val="accent1"/>
-          </a:lnRef>
-          <a:fillRef idx="2">
-            <a:schemeClr val="accent1"/>
-          </a:fillRef>
-          <a:effectRef idx="1">
-            <a:schemeClr val="accent1"/>
-          </a:effectRef>
-          <a:fontRef idx="minor">
-            <a:schemeClr val="dk1"/>
-          </a:fontRef>
-        </p:style>
-        <p:txBody>
-          <a:bodyPr vert="horz" wrap="square" lIns="91440" tIns="45720" rIns="91440" bIns="45720" numCol="1" rtlCol="0" anchor="t" anchorCtr="0" compatLnSpc="1">
-            <a:prstTxWarp prst="textNoShape">
-              <a:avLst/>
-            </a:prstTxWarp>
-          </a:bodyPr>
-          <a:lstStyle/>
-          <a:p>
-            <a:pPr latinLnBrk="1"/>
-            <a:r>
-              <a:rPr kumimoji="1" lang="en-US" altLang="zh-CN" sz="2000" b="1" dirty="0" smtClean="0">
-                <a:solidFill>
-                  <a:schemeClr val="tx1"/>
-                </a:solidFill>
-                <a:latin typeface="Times New Roman" panose="02020603050405020304" pitchFamily="18" charset="0"/>
-                <a:ea typeface="宋体" panose="02010600030101010101" pitchFamily="2" charset="-122"/>
-                <a:cs typeface="Times New Roman" panose="02020603050405020304" pitchFamily="18" charset="0"/>
-              </a:rPr>
-              <a:t>DO178C</a:t>
-            </a:r>
-            <a:endParaRPr kumimoji="1" lang="zh-CN" altLang="en-US" sz="2000" b="1" dirty="0">
-              <a:solidFill>
-                <a:schemeClr val="tx1"/>
-              </a:solidFill>
-              <a:latin typeface="Times New Roman" panose="02020603050405020304" pitchFamily="18" charset="0"/>
-              <a:ea typeface="宋体" panose="02010600030101010101" pitchFamily="2" charset="-122"/>
-              <a:cs typeface="Times New Roman" panose="02020603050405020304" pitchFamily="18" charset="0"/>
             </a:endParaRPr>
           </a:p>
         </p:txBody>
@@ -15991,237 +15596,15 @@
             <p:ph idx="1"/>
           </p:nvPr>
         </p:nvSpPr>
-        <p:spPr/>
+        <p:spPr>
+          <a:xfrm>
+            <a:off x="457200" y="2256020"/>
+            <a:ext cx="8229600" cy="4197168"/>
+          </a:xfrm>
+        </p:spPr>
         <p:txBody>
           <a:bodyPr/>
           <a:lstStyle/>
-          <a:p>
-            <a:pPr marL="0" indent="0">
-              <a:buNone/>
-            </a:pPr>
-            <a:endParaRPr lang="en-US" altLang="zh-CN" dirty="0" smtClean="0">
-              <a:latin typeface="宋体" panose="02010600030101010101" pitchFamily="2" charset="-122"/>
-              <a:ea typeface="宋体" panose="02010600030101010101" pitchFamily="2" charset="-122"/>
-            </a:endParaRPr>
-          </a:p>
-          <a:p>
-            <a:pPr lvl="2"/>
-            <a:endParaRPr lang="en-US" altLang="zh-CN" dirty="0">
-              <a:latin typeface="宋体" panose="02010600030101010101" pitchFamily="2" charset="-122"/>
-              <a:ea typeface="宋体" panose="02010600030101010101" pitchFamily="2" charset="-122"/>
-            </a:endParaRPr>
-          </a:p>
-          <a:p>
-            <a:pPr>
-              <a:lnSpc>
-                <a:spcPct val="150000"/>
-              </a:lnSpc>
-              <a:buFont typeface="Wingdings" panose="05000000000000000000" pitchFamily="2" charset="2"/>
-              <a:buChar char="Ø"/>
-            </a:pPr>
-            <a:r>
-              <a:rPr lang="zh-CN" altLang="en-US" sz="2000" dirty="0" smtClean="0">
-                <a:latin typeface="宋体" panose="02010600030101010101" pitchFamily="2" charset="-122"/>
-                <a:ea typeface="宋体" panose="02010600030101010101" pitchFamily="2" charset="-122"/>
-              </a:rPr>
-              <a:t>基于严格的</a:t>
-            </a:r>
-            <a:r>
-              <a:rPr lang="zh-CN" altLang="en-US" sz="2000" dirty="0" smtClean="0">
-                <a:solidFill>
-                  <a:srgbClr val="FF0000"/>
-                </a:solidFill>
-                <a:latin typeface="宋体" panose="02010600030101010101" pitchFamily="2" charset="-122"/>
-                <a:ea typeface="宋体" panose="02010600030101010101" pitchFamily="2" charset="-122"/>
-              </a:rPr>
-              <a:t>数学理论</a:t>
-            </a:r>
-            <a:r>
-              <a:rPr lang="zh-CN" altLang="en-US" sz="2000" dirty="0" smtClean="0">
-                <a:latin typeface="宋体" panose="02010600030101010101" pitchFamily="2" charset="-122"/>
-                <a:ea typeface="宋体" panose="02010600030101010101" pitchFamily="2" charset="-122"/>
-              </a:rPr>
-              <a:t>为软件和硬件系统提供精确的</a:t>
-            </a:r>
-            <a:r>
-              <a:rPr lang="zh-CN" altLang="en-US" sz="2000" dirty="0" smtClean="0">
-                <a:solidFill>
-                  <a:srgbClr val="FF0000"/>
-                </a:solidFill>
-                <a:latin typeface="宋体" panose="02010600030101010101" pitchFamily="2" charset="-122"/>
-                <a:ea typeface="宋体" panose="02010600030101010101" pitchFamily="2" charset="-122"/>
-              </a:rPr>
-              <a:t>形式规约，形式开发</a:t>
-            </a:r>
-            <a:r>
-              <a:rPr lang="zh-CN" altLang="en-US" sz="2000" dirty="0" smtClean="0">
-                <a:latin typeface="宋体" panose="02010600030101010101" pitchFamily="2" charset="-122"/>
-                <a:ea typeface="宋体" panose="02010600030101010101" pitchFamily="2" charset="-122"/>
-              </a:rPr>
-              <a:t>和</a:t>
-            </a:r>
-            <a:r>
-              <a:rPr lang="zh-CN" altLang="en-US" sz="2000" dirty="0" smtClean="0">
-                <a:solidFill>
-                  <a:srgbClr val="FF0000"/>
-                </a:solidFill>
-                <a:latin typeface="宋体" panose="02010600030101010101" pitchFamily="2" charset="-122"/>
-                <a:ea typeface="宋体" panose="02010600030101010101" pitchFamily="2" charset="-122"/>
-              </a:rPr>
-              <a:t>形式验证</a:t>
-            </a:r>
-            <a:r>
-              <a:rPr lang="zh-CN" altLang="en-US" sz="2000" dirty="0" smtClean="0">
-                <a:latin typeface="宋体" panose="02010600030101010101" pitchFamily="2" charset="-122"/>
-                <a:ea typeface="宋体" panose="02010600030101010101" pitchFamily="2" charset="-122"/>
-              </a:rPr>
-              <a:t>的方法</a:t>
-            </a:r>
-            <a:r>
-              <a:rPr lang="en-US" altLang="zh-CN" sz="2000" baseline="30000" dirty="0" smtClean="0">
-                <a:latin typeface="宋体" panose="02010600030101010101" pitchFamily="2" charset="-122"/>
-                <a:ea typeface="宋体" panose="02010600030101010101" pitchFamily="2" charset="-122"/>
-              </a:rPr>
-              <a:t>[4]</a:t>
-            </a:r>
-            <a:r>
-              <a:rPr lang="zh-CN" altLang="en-US" sz="2000" dirty="0" smtClean="0">
-                <a:latin typeface="宋体" panose="02010600030101010101" pitchFamily="2" charset="-122"/>
-                <a:ea typeface="宋体" panose="02010600030101010101" pitchFamily="2" charset="-122"/>
-              </a:rPr>
-              <a:t>，</a:t>
-            </a:r>
-            <a:r>
-              <a:rPr lang="zh-CN" altLang="en-US" sz="2000" dirty="0">
-                <a:latin typeface="宋体" panose="02010600030101010101" pitchFamily="2" charset="-122"/>
-                <a:ea typeface="宋体" panose="02010600030101010101" pitchFamily="2" charset="-122"/>
-              </a:rPr>
-              <a:t>确保正确性、鲁棒性、一致性以及</a:t>
-            </a:r>
-            <a:r>
-              <a:rPr lang="zh-CN" altLang="en-US" sz="2000" dirty="0" smtClean="0">
-                <a:latin typeface="宋体" panose="02010600030101010101" pitchFamily="2" charset="-122"/>
-                <a:ea typeface="宋体" panose="02010600030101010101" pitchFamily="2" charset="-122"/>
-              </a:rPr>
-              <a:t>安全性等</a:t>
-            </a:r>
-            <a:endParaRPr lang="en-US" altLang="zh-CN" sz="2000" dirty="0" smtClean="0">
-              <a:latin typeface="宋体" panose="02010600030101010101" pitchFamily="2" charset="-122"/>
-              <a:ea typeface="宋体" panose="02010600030101010101" pitchFamily="2" charset="-122"/>
-            </a:endParaRPr>
-          </a:p>
-          <a:p>
-            <a:pPr>
-              <a:lnSpc>
-                <a:spcPct val="150000"/>
-              </a:lnSpc>
-              <a:buFont typeface="Wingdings" panose="05000000000000000000" pitchFamily="2" charset="2"/>
-              <a:buChar char="Ø"/>
-            </a:pPr>
-            <a:r>
-              <a:rPr lang="zh-CN" altLang="zh-CN" sz="2000" dirty="0" smtClean="0">
-                <a:latin typeface="宋体" panose="02010600030101010101" pitchFamily="2" charset="-122"/>
-                <a:ea typeface="宋体" panose="02010600030101010101" pitchFamily="2" charset="-122"/>
-              </a:rPr>
-              <a:t>相对</a:t>
-            </a:r>
-            <a:r>
-              <a:rPr lang="zh-CN" altLang="zh-CN" sz="2000" dirty="0">
-                <a:latin typeface="宋体" panose="02010600030101010101" pitchFamily="2" charset="-122"/>
-                <a:ea typeface="宋体" panose="02010600030101010101" pitchFamily="2" charset="-122"/>
-              </a:rPr>
-              <a:t>于</a:t>
-            </a:r>
-            <a:r>
-              <a:rPr lang="zh-CN" altLang="zh-CN" sz="2000" dirty="0">
-                <a:solidFill>
-                  <a:srgbClr val="FF0000"/>
-                </a:solidFill>
-                <a:latin typeface="宋体" panose="02010600030101010101" pitchFamily="2" charset="-122"/>
-                <a:ea typeface="宋体" panose="02010600030101010101" pitchFamily="2" charset="-122"/>
-              </a:rPr>
-              <a:t>传统的软件测试</a:t>
-            </a:r>
-            <a:r>
-              <a:rPr lang="zh-CN" altLang="zh-CN" sz="2000" dirty="0">
-                <a:latin typeface="宋体" panose="02010600030101010101" pitchFamily="2" charset="-122"/>
-                <a:ea typeface="宋体" panose="02010600030101010101" pitchFamily="2" charset="-122"/>
-              </a:rPr>
-              <a:t>方法，形式化方法通过严格的逻辑推导使得开发验证的软件完全符合其</a:t>
-            </a:r>
-            <a:r>
-              <a:rPr lang="zh-CN" altLang="zh-CN" sz="2000" dirty="0">
-                <a:solidFill>
-                  <a:srgbClr val="FF0000"/>
-                </a:solidFill>
-                <a:latin typeface="宋体" panose="02010600030101010101" pitchFamily="2" charset="-122"/>
-                <a:ea typeface="宋体" panose="02010600030101010101" pitchFamily="2" charset="-122"/>
-              </a:rPr>
-              <a:t>形式化需求</a:t>
-            </a:r>
-            <a:r>
-              <a:rPr lang="zh-CN" altLang="zh-CN" sz="2000" dirty="0">
-                <a:latin typeface="宋体" panose="02010600030101010101" pitchFamily="2" charset="-122"/>
-                <a:ea typeface="宋体" panose="02010600030101010101" pitchFamily="2" charset="-122"/>
-              </a:rPr>
-              <a:t>，更能保证所设计软件</a:t>
-            </a:r>
-            <a:r>
-              <a:rPr lang="zh-CN" altLang="zh-CN" sz="2000" dirty="0" smtClean="0">
-                <a:latin typeface="宋体" panose="02010600030101010101" pitchFamily="2" charset="-122"/>
-                <a:ea typeface="宋体" panose="02010600030101010101" pitchFamily="2" charset="-122"/>
-              </a:rPr>
-              <a:t>的</a:t>
-            </a:r>
-            <a:r>
-              <a:rPr lang="zh-CN" altLang="en-US" sz="2000" dirty="0" smtClean="0">
-                <a:solidFill>
-                  <a:srgbClr val="FF0000"/>
-                </a:solidFill>
-                <a:latin typeface="宋体" panose="02010600030101010101" pitchFamily="2" charset="-122"/>
-                <a:ea typeface="宋体" panose="02010600030101010101" pitchFamily="2" charset="-122"/>
-              </a:rPr>
-              <a:t>安全性</a:t>
-            </a:r>
-            <a:r>
-              <a:rPr lang="zh-CN" altLang="en-US" sz="2000" dirty="0">
-                <a:solidFill>
-                  <a:srgbClr val="FF0000"/>
-                </a:solidFill>
-                <a:latin typeface="宋体" panose="02010600030101010101" pitchFamily="2" charset="-122"/>
-                <a:ea typeface="宋体" panose="02010600030101010101" pitchFamily="2" charset="-122"/>
-              </a:rPr>
-              <a:t>和</a:t>
-            </a:r>
-            <a:r>
-              <a:rPr lang="zh-CN" altLang="zh-CN" sz="2000" dirty="0">
-                <a:solidFill>
-                  <a:srgbClr val="FF0000"/>
-                </a:solidFill>
-                <a:latin typeface="宋体" panose="02010600030101010101" pitchFamily="2" charset="-122"/>
-                <a:ea typeface="宋体" panose="02010600030101010101" pitchFamily="2" charset="-122"/>
-              </a:rPr>
-              <a:t>鲁棒性</a:t>
-            </a:r>
-            <a:r>
-              <a:rPr lang="zh-CN" altLang="en-US" sz="2000" dirty="0">
-                <a:latin typeface="宋体" panose="02010600030101010101" pitchFamily="2" charset="-122"/>
-                <a:ea typeface="宋体" panose="02010600030101010101" pitchFamily="2" charset="-122"/>
-              </a:rPr>
-              <a:t>，满足机载软件的</a:t>
-            </a:r>
-            <a:r>
-              <a:rPr lang="zh-CN" altLang="en-US" sz="2000" dirty="0" smtClean="0">
-                <a:latin typeface="宋体" panose="02010600030101010101" pitchFamily="2" charset="-122"/>
-                <a:ea typeface="宋体" panose="02010600030101010101" pitchFamily="2" charset="-122"/>
-              </a:rPr>
-              <a:t>要求。</a:t>
-            </a:r>
-            <a:endParaRPr lang="en-US" altLang="zh-CN" sz="2000" dirty="0" smtClean="0">
-              <a:latin typeface="宋体" panose="02010600030101010101" pitchFamily="2" charset="-122"/>
-              <a:ea typeface="宋体" panose="02010600030101010101" pitchFamily="2" charset="-122"/>
-            </a:endParaRPr>
-          </a:p>
           <a:p>
             <a:pPr algn="just">
               <a:lnSpc>
@@ -16231,172 +15614,155 @@
               <a:buChar char="Ø"/>
             </a:pPr>
             <a:r>
+              <a:rPr lang="zh-CN" altLang="en-US" sz="2000" dirty="0">
+                <a:latin typeface="宋体" panose="02010600030101010101" pitchFamily="2" charset="-122"/>
+                <a:ea typeface="宋体" panose="02010600030101010101" pitchFamily="2" charset="-122"/>
+              </a:rPr>
+              <a:t>近年来，</a:t>
+            </a:r>
+            <a:r>
+              <a:rPr lang="zh-CN" altLang="en-US" sz="2000" dirty="0">
+                <a:solidFill>
+                  <a:srgbClr val="FF0000"/>
+                </a:solidFill>
+                <a:latin typeface="宋体" panose="02010600030101010101" pitchFamily="2" charset="-122"/>
+                <a:ea typeface="宋体" panose="02010600030101010101" pitchFamily="2" charset="-122"/>
+              </a:rPr>
+              <a:t>形式化验证方法</a:t>
+            </a:r>
+            <a:r>
+              <a:rPr lang="zh-CN" altLang="en-US" sz="2000" dirty="0">
+                <a:latin typeface="宋体" panose="02010600030101010101" pitchFamily="2" charset="-122"/>
+                <a:ea typeface="宋体" panose="02010600030101010101" pitchFamily="2" charset="-122"/>
+              </a:rPr>
+              <a:t>在编译器的可信性验证中得到了持续的关注。形式化验证方法可以从数学角度对编译器进行描述，对编译过程的语义和语言属性的</a:t>
+            </a:r>
+            <a:r>
+              <a:rPr lang="zh-CN" altLang="en-US" sz="2000" dirty="0">
+                <a:solidFill>
+                  <a:srgbClr val="FF0000"/>
+                </a:solidFill>
+                <a:latin typeface="宋体" panose="02010600030101010101" pitchFamily="2" charset="-122"/>
+                <a:ea typeface="宋体" panose="02010600030101010101" pitchFamily="2" charset="-122"/>
+              </a:rPr>
+              <a:t>等价性</a:t>
+            </a:r>
+            <a:r>
+              <a:rPr lang="zh-CN" altLang="en-US" sz="2000" dirty="0">
+                <a:latin typeface="宋体" panose="02010600030101010101" pitchFamily="2" charset="-122"/>
+                <a:ea typeface="宋体" panose="02010600030101010101" pitchFamily="2" charset="-122"/>
+              </a:rPr>
+              <a:t>进行证明，能够充分地保证编译器可信性</a:t>
+            </a:r>
+            <a:r>
               <a:rPr lang="zh-CN" altLang="en-US" sz="2000" dirty="0" smtClean="0">
                 <a:latin typeface="宋体" panose="02010600030101010101" pitchFamily="2" charset="-122"/>
                 <a:ea typeface="宋体" panose="02010600030101010101" pitchFamily="2" charset="-122"/>
               </a:rPr>
-              <a:t>现有的</a:t>
-            </a:r>
-            <a:r>
-              <a:rPr lang="zh-CN" altLang="zh-CN" sz="2000" dirty="0" smtClean="0">
+              <a:t>。</a:t>
+            </a:r>
+            <a:endParaRPr lang="en-US" altLang="zh-CN" sz="2000" dirty="0">
+              <a:latin typeface="宋体" panose="02010600030101010101" pitchFamily="2" charset="-122"/>
+              <a:ea typeface="宋体" panose="02010600030101010101" pitchFamily="2" charset="-122"/>
+            </a:endParaRPr>
+          </a:p>
+          <a:p>
+            <a:pPr algn="just">
+              <a:lnSpc>
+                <a:spcPct val="150000"/>
+              </a:lnSpc>
+              <a:buFont typeface="Wingdings" panose="05000000000000000000" pitchFamily="2" charset="2"/>
+              <a:buChar char="Ø"/>
+            </a:pPr>
+            <a:r>
+              <a:rPr lang="zh-CN" altLang="en-US" sz="2000" dirty="0" smtClean="0">
                 <a:latin typeface="宋体" panose="02010600030101010101" pitchFamily="2" charset="-122"/>
                 <a:ea typeface="宋体" panose="02010600030101010101" pitchFamily="2" charset="-122"/>
               </a:rPr>
-              <a:t>形式化方法存在</a:t>
+              <a:t>现有</a:t>
+            </a:r>
+            <a:r>
+              <a:rPr lang="zh-CN" altLang="en-US" sz="2000" dirty="0">
+                <a:latin typeface="宋体" panose="02010600030101010101" pitchFamily="2" charset="-122"/>
+                <a:ea typeface="宋体" panose="02010600030101010101" pitchFamily="2" charset="-122"/>
+              </a:rPr>
+              <a:t>的</a:t>
             </a:r>
             <a:r>
               <a:rPr lang="zh-CN" altLang="zh-CN" sz="2000" dirty="0">
                 <a:latin typeface="宋体" panose="02010600030101010101" pitchFamily="2" charset="-122"/>
                 <a:ea typeface="宋体" panose="02010600030101010101" pitchFamily="2" charset="-122"/>
               </a:rPr>
-              <a:t>着用形式化语言描述</a:t>
-            </a:r>
-            <a:r>
-              <a:rPr lang="zh-CN" altLang="zh-CN" sz="2000" dirty="0" smtClean="0">
-                <a:latin typeface="宋体" panose="02010600030101010101" pitchFamily="2" charset="-122"/>
-                <a:ea typeface="宋体" panose="02010600030101010101" pitchFamily="2" charset="-122"/>
-              </a:rPr>
-              <a:t>需求</a:t>
-            </a:r>
-            <a:r>
-              <a:rPr lang="zh-CN" altLang="en-US" sz="2000" dirty="0" smtClean="0">
-                <a:solidFill>
-                  <a:srgbClr val="FF0000"/>
-                </a:solidFill>
-                <a:latin typeface="宋体" panose="02010600030101010101" pitchFamily="2" charset="-122"/>
-                <a:ea typeface="宋体" panose="02010600030101010101" pitchFamily="2" charset="-122"/>
-              </a:rPr>
-              <a:t>时间花费大</a:t>
-            </a:r>
-            <a:r>
-              <a:rPr lang="zh-CN" altLang="zh-CN" sz="2000" dirty="0" smtClean="0">
-                <a:latin typeface="宋体" panose="02010600030101010101" pitchFamily="2" charset="-122"/>
-                <a:ea typeface="宋体" panose="02010600030101010101" pitchFamily="2" charset="-122"/>
-              </a:rPr>
-              <a:t>，</a:t>
-            </a:r>
-            <a:r>
-              <a:rPr lang="zh-CN" altLang="zh-CN" sz="2000" dirty="0">
-                <a:latin typeface="宋体" panose="02010600030101010101" pitchFamily="2" charset="-122"/>
-                <a:ea typeface="宋体" panose="02010600030101010101" pitchFamily="2" charset="-122"/>
-              </a:rPr>
-              <a:t>软件正确性证明</a:t>
-            </a:r>
-            <a:r>
-              <a:rPr lang="zh-CN" altLang="zh-CN" sz="2000" dirty="0">
-                <a:solidFill>
-                  <a:srgbClr val="FF0000"/>
-                </a:solidFill>
-                <a:latin typeface="宋体" panose="02010600030101010101" pitchFamily="2" charset="-122"/>
-                <a:ea typeface="宋体" panose="02010600030101010101" pitchFamily="2" charset="-122"/>
-              </a:rPr>
-              <a:t>算法复杂度高</a:t>
-            </a:r>
-            <a:r>
-              <a:rPr lang="zh-CN" altLang="zh-CN" sz="2000" dirty="0" smtClean="0">
-                <a:latin typeface="宋体" panose="02010600030101010101" pitchFamily="2" charset="-122"/>
-                <a:ea typeface="宋体" panose="02010600030101010101" pitchFamily="2" charset="-122"/>
-              </a:rPr>
-              <a:t>，</a:t>
-            </a:r>
-            <a:r>
-              <a:rPr lang="zh-CN" altLang="en-US" sz="2000" dirty="0" smtClean="0">
-                <a:solidFill>
-                  <a:srgbClr val="FF0000"/>
-                </a:solidFill>
-                <a:latin typeface="宋体" panose="02010600030101010101" pitchFamily="2" charset="-122"/>
-                <a:ea typeface="宋体" panose="02010600030101010101" pitchFamily="2" charset="-122"/>
-              </a:rPr>
-              <a:t>循环不变式寻找难度大，不唯一</a:t>
+              <a:t>形式化方法</a:t>
             </a:r>
             <a:r>
               <a:rPr lang="zh-CN" altLang="en-US" sz="2000" dirty="0" smtClean="0">
                 <a:latin typeface="宋体" panose="02010600030101010101" pitchFamily="2" charset="-122"/>
                 <a:ea typeface="宋体" panose="02010600030101010101" pitchFamily="2" charset="-122"/>
               </a:rPr>
-              <a:t>，</a:t>
-            </a:r>
-            <a:r>
-              <a:rPr lang="zh-CN" altLang="zh-CN" sz="2000" dirty="0" smtClean="0">
+              <a:t>仍然</a:t>
+            </a:r>
+            <a:r>
+              <a:rPr lang="zh-CN" altLang="en-US" sz="2000" dirty="0">
                 <a:latin typeface="宋体" panose="02010600030101010101" pitchFamily="2" charset="-122"/>
                 <a:ea typeface="宋体" panose="02010600030101010101" pitchFamily="2" charset="-122"/>
               </a:rPr>
-              <a:t>在</a:t>
-            </a:r>
-            <a:r>
-              <a:rPr lang="zh-CN" altLang="zh-CN" sz="2000" dirty="0">
+              <a:t>存在许多问题：</a:t>
+            </a:r>
+            <a:r>
+              <a:rPr lang="zh-CN" altLang="en-US" sz="2000" dirty="0">
+                <a:solidFill>
+                  <a:srgbClr val="FF0000"/>
+                </a:solidFill>
                 <a:latin typeface="宋体" panose="02010600030101010101" pitchFamily="2" charset="-122"/>
                 <a:ea typeface="宋体" panose="02010600030101010101" pitchFamily="2" charset="-122"/>
               </a:rPr>
-              <a:t>证明过程中需要与</a:t>
-            </a:r>
-            <a:r>
-              <a:rPr lang="zh-CN" altLang="zh-CN" sz="2000" dirty="0">
-                <a:solidFill>
-                  <a:srgbClr val="FF0000"/>
-                </a:solidFill>
+              <a:t>开发过程复杂</a:t>
+            </a:r>
+            <a:r>
+              <a:rPr lang="zh-CN" altLang="en-US" sz="2000" dirty="0">
                 <a:latin typeface="宋体" panose="02010600030101010101" pitchFamily="2" charset="-122"/>
                 <a:ea typeface="宋体" panose="02010600030101010101" pitchFamily="2" charset="-122"/>
               </a:rPr>
-              <a:t>用户进行大量的交互</a:t>
-            </a:r>
-            <a:r>
-              <a:rPr lang="zh-CN" altLang="zh-CN" sz="2000" dirty="0" smtClean="0">
-                <a:latin typeface="宋体" panose="02010600030101010101" pitchFamily="2" charset="-122"/>
-                <a:ea typeface="宋体" panose="02010600030101010101" pitchFamily="2" charset="-122"/>
-              </a:rPr>
-              <a:t>以及</a:t>
-            </a:r>
-            <a:r>
-              <a:rPr lang="zh-CN" altLang="en-US" sz="2000" dirty="0" smtClean="0">
-                <a:solidFill>
-                  <a:srgbClr val="FF0000"/>
-                </a:solidFill>
-                <a:latin typeface="宋体" panose="02010600030101010101" pitchFamily="2" charset="-122"/>
-                <a:ea typeface="宋体" panose="02010600030101010101" pitchFamily="2" charset="-122"/>
-              </a:rPr>
-              <a:t>交互</a:t>
-            </a:r>
-            <a:r>
-              <a:rPr lang="zh-CN" altLang="zh-CN" sz="2000" dirty="0" smtClean="0">
-                <a:solidFill>
-                  <a:srgbClr val="FF0000"/>
-                </a:solidFill>
-                <a:latin typeface="宋体" panose="02010600030101010101" pitchFamily="2" charset="-122"/>
-                <a:ea typeface="宋体" panose="02010600030101010101" pitchFamily="2" charset="-122"/>
-              </a:rPr>
-              <a:t>过程</a:t>
-            </a:r>
-            <a:r>
-              <a:rPr lang="zh-CN" altLang="zh-CN" sz="2000" dirty="0">
-                <a:solidFill>
-                  <a:srgbClr val="FF0000"/>
-                </a:solidFill>
-                <a:latin typeface="宋体" panose="02010600030101010101" pitchFamily="2" charset="-122"/>
-                <a:ea typeface="宋体" panose="02010600030101010101" pitchFamily="2" charset="-122"/>
-              </a:rPr>
-              <a:t>难度较大</a:t>
-            </a:r>
-            <a:r>
-              <a:rPr lang="zh-CN" altLang="zh-CN" sz="2000" dirty="0">
-                <a:latin typeface="宋体" panose="02010600030101010101" pitchFamily="2" charset="-122"/>
-                <a:ea typeface="宋体" panose="02010600030101010101" pitchFamily="2" charset="-122"/>
-              </a:rPr>
-              <a:t>等一系列</a:t>
-            </a:r>
-            <a:r>
-              <a:rPr lang="zh-CN" altLang="zh-CN" sz="2000" dirty="0" smtClean="0">
-                <a:latin typeface="宋体" panose="02010600030101010101" pitchFamily="2" charset="-122"/>
-                <a:ea typeface="宋体" panose="02010600030101010101" pitchFamily="2" charset="-122"/>
-              </a:rPr>
-              <a:t>难题</a:t>
+              <a:t>，证明困难，开发成本高周期长，无法很好</a:t>
             </a:r>
             <a:r>
               <a:rPr lang="zh-CN" altLang="en-US" sz="2000" dirty="0" smtClean="0">
                 <a:latin typeface="宋体" panose="02010600030101010101" pitchFamily="2" charset="-122"/>
                 <a:ea typeface="宋体" panose="02010600030101010101" pitchFamily="2" charset="-122"/>
               </a:rPr>
-              <a:t>。</a:t>
+              <a:t>应对</a:t>
+            </a:r>
+            <a:r>
+              <a:rPr lang="zh-CN" altLang="en-US" sz="2000" dirty="0" smtClean="0">
+                <a:solidFill>
+                  <a:srgbClr val="FF0000"/>
+                </a:solidFill>
+                <a:latin typeface="宋体" panose="02010600030101010101" pitchFamily="2" charset="-122"/>
+                <a:ea typeface="宋体" panose="02010600030101010101" pitchFamily="2" charset="-122"/>
+              </a:rPr>
+              <a:t>规模巨大的系统软件</a:t>
+            </a:r>
+            <a:r>
+              <a:rPr lang="zh-CN" altLang="en-US" sz="2000" dirty="0" smtClean="0">
+                <a:latin typeface="宋体" panose="02010600030101010101" pitchFamily="2" charset="-122"/>
+                <a:ea typeface="宋体" panose="02010600030101010101" pitchFamily="2" charset="-122"/>
+              </a:rPr>
+              <a:t>（如：编译器），</a:t>
+            </a:r>
+            <a:r>
+              <a:rPr lang="zh-CN" altLang="en-US" sz="2000" dirty="0">
+                <a:latin typeface="宋体" panose="02010600030101010101" pitchFamily="2" charset="-122"/>
+                <a:ea typeface="宋体" panose="02010600030101010101" pitchFamily="2" charset="-122"/>
+              </a:rPr>
+              <a:t>本身不够</a:t>
+            </a:r>
+            <a:r>
+              <a:rPr lang="zh-CN" altLang="en-US" sz="2000" dirty="0" smtClean="0">
+                <a:latin typeface="宋体" panose="02010600030101010101" pitchFamily="2" charset="-122"/>
+                <a:ea typeface="宋体" panose="02010600030101010101" pitchFamily="2" charset="-122"/>
+              </a:rPr>
+              <a:t>成熟等。</a:t>
             </a:r>
             <a:endParaRPr lang="en-US" altLang="zh-CN" sz="2000" dirty="0">
               <a:latin typeface="宋体" panose="02010600030101010101" pitchFamily="2" charset="-122"/>
@@ -16404,7 +15770,7 @@
             </a:endParaRPr>
           </a:p>
           <a:p>
-            <a:pPr>
+            <a:pPr algn="just">
               <a:lnSpc>
                 <a:spcPct val="150000"/>
               </a:lnSpc>
@@ -16414,94 +15780,6 @@
             <a:endParaRPr lang="en-US" altLang="zh-CN" sz="2000" dirty="0">
               <a:latin typeface="宋体" panose="02010600030101010101" pitchFamily="2" charset="-122"/>
               <a:ea typeface="宋体" panose="02010600030101010101" pitchFamily="2" charset="-122"/>
-            </a:endParaRPr>
-          </a:p>
-          <a:p>
-            <a:pPr>
-              <a:lnSpc>
-                <a:spcPct val="150000"/>
-              </a:lnSpc>
-              <a:buFont typeface="Wingdings" panose="05000000000000000000" pitchFamily="2" charset="2"/>
-              <a:buChar char="Ø"/>
-            </a:pPr>
-            <a:endParaRPr lang="zh-CN" altLang="en-US" sz="2000" dirty="0">
-              <a:latin typeface="宋体" panose="02010600030101010101" pitchFamily="2" charset="-122"/>
-              <a:ea typeface="宋体" panose="02010600030101010101" pitchFamily="2" charset="-122"/>
-            </a:endParaRPr>
-          </a:p>
-        </p:txBody>
-      </p:sp>
-      <p:sp>
-        <p:nvSpPr>
-          <p:cNvPr id="4" name="圆角矩形 3"/>
-          <p:cNvSpPr/>
-          <p:nvPr/>
-        </p:nvSpPr>
-        <p:spPr bwMode="auto">
-          <a:xfrm>
-            <a:off x="559316" y="1714487"/>
-            <a:ext cx="6072230" cy="571504"/>
-          </a:xfrm>
-          <a:prstGeom prst="roundRect">
-            <a:avLst/>
-          </a:prstGeom>
-          <a:ln>
-            <a:headEnd type="none" w="med" len="med"/>
-            <a:tailEnd type="none" w="med" len="med"/>
-          </a:ln>
-        </p:spPr>
-        <p:style>
-          <a:lnRef idx="1">
-            <a:schemeClr val="accent1"/>
-          </a:lnRef>
-          <a:fillRef idx="2">
-            <a:schemeClr val="accent1"/>
-          </a:fillRef>
-          <a:effectRef idx="1">
-            <a:schemeClr val="accent1"/>
-          </a:effectRef>
-          <a:fontRef idx="minor">
-            <a:schemeClr val="dk1"/>
-          </a:fontRef>
-        </p:style>
-        <p:txBody>
-          <a:bodyPr vert="horz" wrap="square" lIns="91440" tIns="45720" rIns="91440" bIns="45720" numCol="1" rtlCol="0" anchor="t" anchorCtr="0" compatLnSpc="1">
-            <a:prstTxWarp prst="textNoShape">
-              <a:avLst/>
-            </a:prstTxWarp>
-          </a:bodyPr>
-          <a:lstStyle/>
-          <a:p>
-            <a:pPr latinLnBrk="1"/>
-            <a:r>
-              <a:rPr kumimoji="1" lang="zh-CN" altLang="en-US" sz="2000" b="1" dirty="0" smtClean="0">
-                <a:solidFill>
-                  <a:schemeClr val="tx1"/>
-                </a:solidFill>
-                <a:latin typeface="Times New Roman" panose="02020603050405020304" pitchFamily="18" charset="0"/>
-                <a:ea typeface="宋体" panose="02010600030101010101" pitchFamily="2" charset="-122"/>
-                <a:cs typeface="Times New Roman" panose="02020603050405020304" pitchFamily="18" charset="0"/>
-              </a:rPr>
-              <a:t>形式化方法及其</a:t>
-            </a:r>
-            <a:r>
-              <a:rPr kumimoji="1" lang="zh-CN" altLang="en-US" sz="2000" b="1" dirty="0" smtClean="0">
-                <a:solidFill>
-                  <a:srgbClr val="FF0000"/>
-                </a:solidFill>
-                <a:latin typeface="Times New Roman" panose="02020603050405020304" pitchFamily="18" charset="0"/>
-                <a:ea typeface="宋体" panose="02010600030101010101" pitchFamily="2" charset="-122"/>
-                <a:cs typeface="Times New Roman" panose="02020603050405020304" pitchFamily="18" charset="0"/>
-              </a:rPr>
-              <a:t>面临的问题</a:t>
-            </a:r>
-            <a:endParaRPr kumimoji="1" lang="zh-CN" altLang="en-US" sz="2000" b="1" dirty="0">
-              <a:solidFill>
-                <a:srgbClr val="FF0000"/>
-              </a:solidFill>
-              <a:latin typeface="Times New Roman" panose="02020603050405020304" pitchFamily="18" charset="0"/>
-              <a:ea typeface="宋体" panose="02010600030101010101" pitchFamily="2" charset="-122"/>
-              <a:cs typeface="Times New Roman" panose="02020603050405020304" pitchFamily="18" charset="0"/>
             </a:endParaRPr>
           </a:p>
         </p:txBody>
@@ -16835,15 +16113,31 @@
                 <a:ea typeface="宋体" panose="02010600030101010101" pitchFamily="2" charset="-122"/>
                 <a:cs typeface="Times New Roman" panose="02020603050405020304" pitchFamily="18" charset="0"/>
               </a:rPr>
-              <a:t>程序规约：对程序（记为</a:t>
-            </a:r>
-            <a:r>
-              <a:rPr lang="en-US" altLang="zh-CN" sz="2000" dirty="0" smtClean="0">
-                <a:latin typeface="Times New Roman" panose="02020603050405020304" pitchFamily="18" charset="0"/>
-                <a:ea typeface="宋体" panose="02010600030101010101" pitchFamily="2" charset="-122"/>
-                <a:cs typeface="Times New Roman" panose="02020603050405020304" pitchFamily="18" charset="0"/>
-              </a:rPr>
-              <a:t>C</a:t>
+              <a:t>软件测试</a:t>
+            </a:r>
+            <a:r>
+              <a:rPr lang="zh-CN" altLang="en-US" sz="2000" dirty="0">
+                <a:latin typeface="Times New Roman" panose="02020603050405020304" pitchFamily="18" charset="0"/>
+                <a:ea typeface="宋体" panose="02010600030101010101" pitchFamily="2" charset="-122"/>
+                <a:cs typeface="Times New Roman" panose="02020603050405020304" pitchFamily="18" charset="0"/>
+              </a:rPr>
+              <a:t>是通过执行软件来判断软件是否具备所期望的性质</a:t>
+            </a:r>
+            <a:r>
+              <a:rPr lang="en-US" altLang="zh-CN" sz="2000" dirty="0">
+                <a:latin typeface="Times New Roman" panose="02020603050405020304" pitchFamily="18" charset="0"/>
+                <a:ea typeface="宋体" panose="02010600030101010101" pitchFamily="2" charset="-122"/>
+                <a:cs typeface="Times New Roman" panose="02020603050405020304" pitchFamily="18" charset="0"/>
+              </a:rPr>
+              <a:t>,</a:t>
+            </a:r>
+            <a:r>
+              <a:rPr lang="zh-CN" altLang="en-US" sz="2000" dirty="0">
+                <a:latin typeface="Times New Roman" panose="02020603050405020304" pitchFamily="18" charset="0"/>
+                <a:ea typeface="宋体" panose="02010600030101010101" pitchFamily="2" charset="-122"/>
+                <a:cs typeface="Times New Roman" panose="02020603050405020304" pitchFamily="18" charset="0"/>
+              </a:rPr>
+              <a:t>是可信软件开发中一个行之有效的、必不可少的、客观地评估软件可信性的方法</a:t>
             </a:r>
             <a:r>
               <a:rPr lang="zh-CN" altLang="en-US" sz="2000" dirty="0" smtClean="0">
@@ -16851,61 +16145,47 @@
                 <a:ea typeface="宋体" panose="02010600030101010101" pitchFamily="2" charset="-122"/>
                 <a:cs typeface="Times New Roman" panose="02020603050405020304" pitchFamily="18" charset="0"/>
               </a:rPr>
-              <a:t>）所实现功能的精确描述，由程序的</a:t>
+              <a:t>。在</a:t>
+            </a:r>
+            <a:r>
+              <a:rPr lang="zh-CN" altLang="en-US" sz="2000" dirty="0">
+                <a:latin typeface="Times New Roman" panose="02020603050405020304" pitchFamily="18" charset="0"/>
+                <a:ea typeface="宋体" panose="02010600030101010101" pitchFamily="2" charset="-122"/>
+                <a:cs typeface="Times New Roman" panose="02020603050405020304" pitchFamily="18" charset="0"/>
+              </a:rPr>
+              <a:t>高可信软件开发中</a:t>
+            </a:r>
+            <a:r>
+              <a:rPr lang="en-US" altLang="zh-CN" sz="2000" dirty="0">
+                <a:latin typeface="Times New Roman" panose="02020603050405020304" pitchFamily="18" charset="0"/>
+                <a:ea typeface="宋体" panose="02010600030101010101" pitchFamily="2" charset="-122"/>
+                <a:cs typeface="Times New Roman" panose="02020603050405020304" pitchFamily="18" charset="0"/>
+              </a:rPr>
+              <a:t>, </a:t>
+            </a:r>
+            <a:r>
+              <a:rPr lang="zh-CN" altLang="en-US" sz="2000" dirty="0">
+                <a:latin typeface="Times New Roman" panose="02020603050405020304" pitchFamily="18" charset="0"/>
+                <a:ea typeface="宋体" panose="02010600030101010101" pitchFamily="2" charset="-122"/>
+                <a:cs typeface="Times New Roman" panose="02020603050405020304" pitchFamily="18" charset="0"/>
+              </a:rPr>
+              <a:t>软件测试的开销往往大于</a:t>
+            </a:r>
+            <a:r>
+              <a:rPr lang="en-US" altLang="zh-CN" sz="2000" dirty="0">
+                <a:latin typeface="Times New Roman" panose="02020603050405020304" pitchFamily="18" charset="0"/>
+                <a:ea typeface="宋体" panose="02010600030101010101" pitchFamily="2" charset="-122"/>
+                <a:cs typeface="Times New Roman" panose="02020603050405020304" pitchFamily="18" charset="0"/>
+              </a:rPr>
+              <a:t>50%</a:t>
             </a:r>
             <a:r>
               <a:rPr lang="zh-CN" altLang="en-US" sz="2000" dirty="0" smtClean="0">
-                <a:solidFill>
-                  <a:srgbClr val="FF0000"/>
-                </a:solidFill>
-                <a:latin typeface="Times New Roman" panose="02020603050405020304" pitchFamily="18" charset="0"/>
-                <a:ea typeface="宋体" panose="02010600030101010101" pitchFamily="2" charset="-122"/>
-                <a:cs typeface="Times New Roman" panose="02020603050405020304" pitchFamily="18" charset="0"/>
-              </a:rPr>
-              <a:t>前置断言</a:t>
-            </a:r>
-            <a:r>
-              <a:rPr lang="zh-CN" altLang="en-US" sz="2000" dirty="0" smtClean="0">
-                <a:latin typeface="Times New Roman" panose="02020603050405020304" pitchFamily="18" charset="0"/>
-                <a:ea typeface="宋体" panose="02010600030101010101" pitchFamily="2" charset="-122"/>
-                <a:cs typeface="Times New Roman" panose="02020603050405020304" pitchFamily="18" charset="0"/>
-              </a:rPr>
-              <a:t>和</a:t>
-            </a:r>
-            <a:r>
-              <a:rPr lang="zh-CN" altLang="en-US" sz="2000" dirty="0" smtClean="0">
-                <a:solidFill>
-                  <a:srgbClr val="FF0000"/>
-                </a:solidFill>
-                <a:latin typeface="Times New Roman" panose="02020603050405020304" pitchFamily="18" charset="0"/>
-                <a:ea typeface="宋体" panose="02010600030101010101" pitchFamily="2" charset="-122"/>
-                <a:cs typeface="Times New Roman" panose="02020603050405020304" pitchFamily="18" charset="0"/>
-              </a:rPr>
-              <a:t>后置断言</a:t>
-            </a:r>
-            <a:r>
-              <a:rPr lang="zh-CN" altLang="en-US" sz="2000" dirty="0" smtClean="0">
-                <a:latin typeface="Times New Roman" panose="02020603050405020304" pitchFamily="18" charset="0"/>
-                <a:ea typeface="宋体" panose="02010600030101010101" pitchFamily="2" charset="-122"/>
-                <a:cs typeface="Times New Roman" panose="02020603050405020304" pitchFamily="18" charset="0"/>
-              </a:rPr>
-              <a:t>组成，形如 </a:t>
-            </a:r>
-            <a:r>
-              <a:rPr lang="en-US" altLang="zh-CN" sz="2000" dirty="0" smtClean="0">
-                <a:latin typeface="Times New Roman" panose="02020603050405020304" pitchFamily="18" charset="0"/>
-                <a:ea typeface="宋体" panose="02010600030101010101" pitchFamily="2" charset="-122"/>
-                <a:cs typeface="Times New Roman" panose="02020603050405020304" pitchFamily="18" charset="0"/>
-              </a:rPr>
-              <a:t>P { C } Q </a:t>
-            </a:r>
-            <a:r>
-              <a:rPr lang="zh-CN" altLang="en-US" sz="2000" dirty="0" smtClean="0">
-                <a:latin typeface="Times New Roman" panose="02020603050405020304" pitchFamily="18" charset="0"/>
-                <a:ea typeface="宋体" panose="02010600030101010101" pitchFamily="2" charset="-122"/>
-                <a:cs typeface="Times New Roman" panose="02020603050405020304" pitchFamily="18" charset="0"/>
-              </a:rPr>
-              <a:t>三元组。</a:t>
+                <a:latin typeface="Times New Roman" panose="02020603050405020304" pitchFamily="18" charset="0"/>
+                <a:ea typeface="宋体" panose="02010600030101010101" pitchFamily="2" charset="-122"/>
+                <a:cs typeface="Times New Roman" panose="02020603050405020304" pitchFamily="18" charset="0"/>
+              </a:rPr>
+              <a:t>。</a:t>
             </a:r>
             <a:endParaRPr lang="en-US" altLang="zh-CN" sz="2000" dirty="0" smtClean="0">
               <a:latin typeface="Times New Roman" panose="02020603050405020304" pitchFamily="18" charset="0"/>
@@ -16925,12 +16205,36 @@
               <a:buChar char="Ø"/>
             </a:pPr>
             <a:r>
+              <a:rPr lang="zh-CN" altLang="en-US" sz="2000" dirty="0" smtClean="0">
+                <a:latin typeface="Times New Roman" panose="02020603050405020304" pitchFamily="18" charset="0"/>
+                <a:ea typeface="宋体" panose="02010600030101010101" pitchFamily="2" charset="-122"/>
+                <a:cs typeface="Times New Roman" panose="02020603050405020304" pitchFamily="18" charset="0"/>
+              </a:rPr>
+              <a:t>测试常用的有两种策略</a:t>
+            </a:r>
+            <a:r>
+              <a:rPr lang="en-US" altLang="zh-CN" sz="2000" dirty="0" smtClean="0">
+                <a:latin typeface="Times New Roman" panose="02020603050405020304" pitchFamily="18" charset="0"/>
+                <a:ea typeface="宋体" panose="02010600030101010101" pitchFamily="2" charset="-122"/>
+                <a:cs typeface="Times New Roman" panose="02020603050405020304" pitchFamily="18" charset="0"/>
+              </a:rPr>
+              <a:t>:</a:t>
+            </a:r>
+            <a:r>
+              <a:rPr lang="zh-CN" altLang="en-US" sz="2000" dirty="0" smtClean="0">
+                <a:latin typeface="Times New Roman" panose="02020603050405020304" pitchFamily="18" charset="0"/>
+                <a:ea typeface="宋体" panose="02010600030101010101" pitchFamily="2" charset="-122"/>
+                <a:cs typeface="Times New Roman" panose="02020603050405020304" pitchFamily="18" charset="0"/>
+              </a:rPr>
+              <a:t>动态测试和静态测试。对编译器的测试往往使用动态测试</a:t>
+            </a:r>
+            <a:r>
               <a:rPr lang="zh-CN" altLang="en-US" sz="2000" dirty="0">
                 <a:latin typeface="Times New Roman" panose="02020603050405020304" pitchFamily="18" charset="0"/>
                 <a:ea typeface="宋体" panose="02010600030101010101" pitchFamily="2" charset="-122"/>
                 <a:cs typeface="Times New Roman" panose="02020603050405020304" pitchFamily="18" charset="0"/>
               </a:rPr>
-              <a:t>前置</a:t>
+              <a:t>策略，动态测试可以被划分为白盒测试技术和黑盒测试技术</a:t>
             </a:r>
             <a:r>
               <a:rPr lang="zh-CN" altLang="en-US" sz="2000" dirty="0" smtClean="0">
@@ -16938,39 +16242,7 @@
                 <a:ea typeface="宋体" panose="02010600030101010101" pitchFamily="2" charset="-122"/>
                 <a:cs typeface="Times New Roman" panose="02020603050405020304" pitchFamily="18" charset="0"/>
               </a:rPr>
-              <a:t>断言：程序</a:t>
-            </a:r>
-            <a:r>
-              <a:rPr lang="en-US" altLang="zh-CN" sz="2000" dirty="0" smtClean="0">
-                <a:latin typeface="Times New Roman" panose="02020603050405020304" pitchFamily="18" charset="0"/>
-                <a:ea typeface="宋体" panose="02010600030101010101" pitchFamily="2" charset="-122"/>
-                <a:cs typeface="Times New Roman" panose="02020603050405020304" pitchFamily="18" charset="0"/>
-              </a:rPr>
-              <a:t>C</a:t>
-            </a:r>
-            <a:r>
-              <a:rPr lang="zh-CN" altLang="en-US" sz="2000" dirty="0" smtClean="0">
-                <a:latin typeface="Times New Roman" panose="02020603050405020304" pitchFamily="18" charset="0"/>
-                <a:ea typeface="宋体" panose="02010600030101010101" pitchFamily="2" charset="-122"/>
-                <a:cs typeface="Times New Roman" panose="02020603050405020304" pitchFamily="18" charset="0"/>
-              </a:rPr>
-              <a:t>执行前应满足的条件，记为</a:t>
-            </a:r>
-            <a:r>
-              <a:rPr lang="en-US" altLang="zh-CN" sz="2000" dirty="0" smtClean="0">
-                <a:latin typeface="Times New Roman" panose="02020603050405020304" pitchFamily="18" charset="0"/>
-                <a:ea typeface="宋体" panose="02010600030101010101" pitchFamily="2" charset="-122"/>
-                <a:cs typeface="Times New Roman" panose="02020603050405020304" pitchFamily="18" charset="0"/>
-              </a:rPr>
-              <a:t>P</a:t>
-            </a:r>
-            <a:r>
-              <a:rPr lang="zh-CN" altLang="en-US" sz="2000" dirty="0" smtClean="0">
-                <a:latin typeface="Times New Roman" panose="02020603050405020304" pitchFamily="18" charset="0"/>
-                <a:ea typeface="宋体" panose="02010600030101010101" pitchFamily="2" charset="-122"/>
-                <a:cs typeface="Times New Roman" panose="02020603050405020304" pitchFamily="18" charset="0"/>
-              </a:rPr>
-              <a:t>。</a:t>
+              <a:t>两种。</a:t>
             </a:r>
             <a:endParaRPr lang="en-US" altLang="zh-CN" sz="2000" dirty="0" smtClean="0">
               <a:latin typeface="Times New Roman" panose="02020603050405020304" pitchFamily="18" charset="0"/>
@@ -16995,7 +16267,7 @@
                 <a:ea typeface="宋体" panose="02010600030101010101" pitchFamily="2" charset="-122"/>
                 <a:cs typeface="Times New Roman" panose="02020603050405020304" pitchFamily="18" charset="0"/>
               </a:rPr>
-              <a:t>后置</a:t>
+              <a:t>白盒测试技术是基于对编译器内部结构的检查，即使用测试数据对程序的控制结构、数据流等逻辑进行检查。黑盒测试技术被用来测试编译器对编程语言声明和对用户的</a:t>
             </a:r>
             <a:r>
               <a:rPr lang="zh-CN" altLang="en-US" sz="2000" dirty="0" smtClean="0">
@@ -17003,39 +16275,7 @@
                 <a:ea typeface="宋体" panose="02010600030101010101" pitchFamily="2" charset="-122"/>
                 <a:cs typeface="Times New Roman" panose="02020603050405020304" pitchFamily="18" charset="0"/>
               </a:rPr>
-              <a:t>断言：程序</a:t>
-            </a:r>
-            <a:r>
-              <a:rPr lang="en-US" altLang="zh-CN" sz="2000" dirty="0" smtClean="0">
-                <a:latin typeface="Times New Roman" panose="02020603050405020304" pitchFamily="18" charset="0"/>
-                <a:ea typeface="宋体" panose="02010600030101010101" pitchFamily="2" charset="-122"/>
-                <a:cs typeface="Times New Roman" panose="02020603050405020304" pitchFamily="18" charset="0"/>
-              </a:rPr>
-              <a:t>C</a:t>
-            </a:r>
-            <a:r>
-              <a:rPr lang="zh-CN" altLang="en-US" sz="2000" dirty="0" smtClean="0">
-                <a:latin typeface="Times New Roman" panose="02020603050405020304" pitchFamily="18" charset="0"/>
-                <a:ea typeface="宋体" panose="02010600030101010101" pitchFamily="2" charset="-122"/>
-                <a:cs typeface="Times New Roman" panose="02020603050405020304" pitchFamily="18" charset="0"/>
-              </a:rPr>
-              <a:t>执行后应满足的条件，记为</a:t>
-            </a:r>
-            <a:r>
-              <a:rPr lang="en-US" altLang="zh-CN" sz="2000" dirty="0" smtClean="0">
-                <a:latin typeface="Times New Roman" panose="02020603050405020304" pitchFamily="18" charset="0"/>
-                <a:ea typeface="宋体" panose="02010600030101010101" pitchFamily="2" charset="-122"/>
-                <a:cs typeface="Times New Roman" panose="02020603050405020304" pitchFamily="18" charset="0"/>
-              </a:rPr>
-              <a:t>Q</a:t>
-            </a:r>
-            <a:r>
-              <a:rPr lang="zh-CN" altLang="en-US" sz="2000" dirty="0" smtClean="0">
-                <a:latin typeface="Times New Roman" panose="02020603050405020304" pitchFamily="18" charset="0"/>
-                <a:ea typeface="宋体" panose="02010600030101010101" pitchFamily="2" charset="-122"/>
-                <a:cs typeface="Times New Roman" panose="02020603050405020304" pitchFamily="18" charset="0"/>
-              </a:rPr>
-              <a:t>。</a:t>
+              <a:t>接口。 </a:t>
             </a:r>
             <a:endParaRPr lang="en-US" altLang="zh-CN" sz="2000" dirty="0" smtClean="0">
               <a:latin typeface="Times New Roman" panose="02020603050405020304" pitchFamily="18" charset="0"/>
@@ -17060,106 +16300,9 @@
                 <a:ea typeface="宋体" panose="02010600030101010101" pitchFamily="2" charset="-122"/>
                 <a:cs typeface="Times New Roman" panose="02020603050405020304" pitchFamily="18" charset="0"/>
               </a:rPr>
-              <a:t>部分正确性：</a:t>
-            </a:r>
-            <a:r>
-              <a:rPr lang="zh-CN" altLang="zh-CN" sz="2000" dirty="0">
-                <a:latin typeface="Times New Roman" panose="02020603050405020304" pitchFamily="18" charset="0"/>
-                <a:ea typeface="宋体" panose="02010600030101010101" pitchFamily="2" charset="-122"/>
-                <a:cs typeface="Times New Roman" panose="02020603050405020304" pitchFamily="18" charset="0"/>
-              </a:rPr>
-              <a:t>若</a:t>
-            </a:r>
-            <a:r>
-              <a:rPr lang="en-US" altLang="zh-CN" sz="2000" dirty="0">
-                <a:latin typeface="Times New Roman" panose="02020603050405020304" pitchFamily="18" charset="0"/>
-                <a:ea typeface="宋体" panose="02010600030101010101" pitchFamily="2" charset="-122"/>
-                <a:cs typeface="Times New Roman" panose="02020603050405020304" pitchFamily="18" charset="0"/>
-              </a:rPr>
-              <a:t>C</a:t>
-            </a:r>
-            <a:r>
-              <a:rPr lang="zh-CN" altLang="zh-CN" sz="2000" dirty="0">
-                <a:latin typeface="Times New Roman" panose="02020603050405020304" pitchFamily="18" charset="0"/>
-                <a:ea typeface="宋体" panose="02010600030101010101" pitchFamily="2" charset="-122"/>
-                <a:cs typeface="Times New Roman" panose="02020603050405020304" pitchFamily="18" charset="0"/>
-              </a:rPr>
-              <a:t>的执行开始于一个满足</a:t>
-            </a:r>
-            <a:r>
-              <a:rPr lang="en-US" altLang="zh-CN" sz="2000" dirty="0">
-                <a:latin typeface="Times New Roman" panose="02020603050405020304" pitchFamily="18" charset="0"/>
-                <a:ea typeface="宋体" panose="02010600030101010101" pitchFamily="2" charset="-122"/>
-                <a:cs typeface="Times New Roman" panose="02020603050405020304" pitchFamily="18" charset="0"/>
-              </a:rPr>
-              <a:t>P</a:t>
-            </a:r>
-            <a:r>
-              <a:rPr lang="zh-CN" altLang="zh-CN" sz="2000" dirty="0">
-                <a:latin typeface="Times New Roman" panose="02020603050405020304" pitchFamily="18" charset="0"/>
-                <a:ea typeface="宋体" panose="02010600030101010101" pitchFamily="2" charset="-122"/>
-                <a:cs typeface="Times New Roman" panose="02020603050405020304" pitchFamily="18" charset="0"/>
-              </a:rPr>
-              <a:t>的状态，</a:t>
-            </a:r>
-            <a:r>
-              <a:rPr lang="zh-CN" altLang="zh-CN" sz="2000" dirty="0">
-                <a:solidFill>
-                  <a:srgbClr val="FF0000"/>
-                </a:solidFill>
-                <a:latin typeface="Times New Roman" panose="02020603050405020304" pitchFamily="18" charset="0"/>
-                <a:ea typeface="宋体" panose="02010600030101010101" pitchFamily="2" charset="-122"/>
-                <a:cs typeface="Times New Roman" panose="02020603050405020304" pitchFamily="18" charset="0"/>
-              </a:rPr>
-              <a:t>若</a:t>
-            </a:r>
-            <a:r>
-              <a:rPr lang="en-US" altLang="zh-CN" sz="2000" dirty="0">
-                <a:solidFill>
-                  <a:srgbClr val="FF0000"/>
-                </a:solidFill>
-                <a:latin typeface="Times New Roman" panose="02020603050405020304" pitchFamily="18" charset="0"/>
-                <a:ea typeface="宋体" panose="02010600030101010101" pitchFamily="2" charset="-122"/>
-                <a:cs typeface="Times New Roman" panose="02020603050405020304" pitchFamily="18" charset="0"/>
-              </a:rPr>
-              <a:t>C</a:t>
-            </a:r>
-            <a:r>
-              <a:rPr lang="zh-CN" altLang="zh-CN" sz="2000" dirty="0">
-                <a:solidFill>
-                  <a:srgbClr val="FF0000"/>
-                </a:solidFill>
-                <a:latin typeface="Times New Roman" panose="02020603050405020304" pitchFamily="18" charset="0"/>
-                <a:ea typeface="宋体" panose="02010600030101010101" pitchFamily="2" charset="-122"/>
-                <a:cs typeface="Times New Roman" panose="02020603050405020304" pitchFamily="18" charset="0"/>
-              </a:rPr>
-              <a:t>的执行能够终止</a:t>
-            </a:r>
-            <a:r>
-              <a:rPr lang="zh-CN" altLang="zh-CN" sz="2000" dirty="0">
-                <a:latin typeface="Times New Roman" panose="02020603050405020304" pitchFamily="18" charset="0"/>
-                <a:ea typeface="宋体" panose="02010600030101010101" pitchFamily="2" charset="-122"/>
-                <a:cs typeface="Times New Roman" panose="02020603050405020304" pitchFamily="18" charset="0"/>
-              </a:rPr>
-              <a:t>，则终止时的结果状态一定满足</a:t>
-            </a:r>
-            <a:r>
-              <a:rPr lang="en-US" altLang="zh-CN" sz="2000" dirty="0" smtClean="0">
-                <a:latin typeface="Times New Roman" panose="02020603050405020304" pitchFamily="18" charset="0"/>
-                <a:ea typeface="宋体" panose="02010600030101010101" pitchFamily="2" charset="-122"/>
-                <a:cs typeface="Times New Roman" panose="02020603050405020304" pitchFamily="18" charset="0"/>
-              </a:rPr>
-              <a:t>Q</a:t>
-            </a:r>
-            <a:r>
-              <a:rPr lang="zh-CN" altLang="en-US" sz="2000" dirty="0" smtClean="0">
-                <a:latin typeface="Times New Roman" panose="02020603050405020304" pitchFamily="18" charset="0"/>
-                <a:ea typeface="宋体" panose="02010600030101010101" pitchFamily="2" charset="-122"/>
-                <a:cs typeface="Times New Roman" panose="02020603050405020304" pitchFamily="18" charset="0"/>
-              </a:rPr>
-              <a:t>。</a:t>
-            </a:r>
-            <a:endParaRPr lang="en-US" altLang="zh-CN" sz="2000" dirty="0">
+              <a:t>对于安全攸关系统，软件测试技术依旧面临着重大挑战。往往难以获得充分的数据来测试软件应付危险情况的能力，不能满足可靠安全性测试的需求。</a:t>
+            </a:r>
+            <a:endParaRPr lang="en-US" altLang="zh-CN" sz="2000" dirty="0" smtClean="0">
               <a:latin typeface="Times New Roman" panose="02020603050405020304" pitchFamily="18" charset="0"/>
               <a:ea typeface="宋体" panose="02010600030101010101" pitchFamily="2" charset="-122"/>
               <a:cs typeface="Times New Roman" panose="02020603050405020304" pitchFamily="18" charset="0"/>
@@ -17176,112 +16319,7 @@
               <a:buFont typeface="Wingdings" panose="05000000000000000000" pitchFamily="2" charset="2"/>
               <a:buChar char="Ø"/>
             </a:pPr>
-            <a:r>
-              <a:rPr lang="zh-CN" altLang="en-US" sz="2000" dirty="0">
-                <a:latin typeface="Times New Roman" panose="02020603050405020304" pitchFamily="18" charset="0"/>
-                <a:ea typeface="宋体" panose="02010600030101010101" pitchFamily="2" charset="-122"/>
-                <a:cs typeface="Times New Roman" panose="02020603050405020304" pitchFamily="18" charset="0"/>
-              </a:rPr>
-              <a:t>完全正确性：</a:t>
-            </a:r>
-            <a:r>
-              <a:rPr lang="zh-CN" altLang="zh-CN" sz="2000" dirty="0">
-                <a:latin typeface="Times New Roman" panose="02020603050405020304" pitchFamily="18" charset="0"/>
-                <a:ea typeface="宋体" panose="02010600030101010101" pitchFamily="2" charset="-122"/>
-                <a:cs typeface="Times New Roman" panose="02020603050405020304" pitchFamily="18" charset="0"/>
-              </a:rPr>
-              <a:t>若</a:t>
-            </a:r>
-            <a:r>
-              <a:rPr lang="en-US" altLang="zh-CN" sz="2000" dirty="0">
-                <a:latin typeface="Times New Roman" panose="02020603050405020304" pitchFamily="18" charset="0"/>
-                <a:ea typeface="宋体" panose="02010600030101010101" pitchFamily="2" charset="-122"/>
-                <a:cs typeface="Times New Roman" panose="02020603050405020304" pitchFamily="18" charset="0"/>
-              </a:rPr>
-              <a:t>C</a:t>
-            </a:r>
-            <a:r>
-              <a:rPr lang="zh-CN" altLang="zh-CN" sz="2000" dirty="0">
-                <a:latin typeface="Times New Roman" panose="02020603050405020304" pitchFamily="18" charset="0"/>
-                <a:ea typeface="宋体" panose="02010600030101010101" pitchFamily="2" charset="-122"/>
-                <a:cs typeface="Times New Roman" panose="02020603050405020304" pitchFamily="18" charset="0"/>
-              </a:rPr>
-              <a:t>的执行开始于一个满足</a:t>
-            </a:r>
-            <a:r>
-              <a:rPr lang="en-US" altLang="zh-CN" sz="2000" dirty="0">
-                <a:latin typeface="Times New Roman" panose="02020603050405020304" pitchFamily="18" charset="0"/>
-                <a:ea typeface="宋体" panose="02010600030101010101" pitchFamily="2" charset="-122"/>
-                <a:cs typeface="Times New Roman" panose="02020603050405020304" pitchFamily="18" charset="0"/>
-              </a:rPr>
-              <a:t>P</a:t>
-            </a:r>
-            <a:r>
-              <a:rPr lang="zh-CN" altLang="zh-CN" sz="2000" dirty="0">
-                <a:latin typeface="Times New Roman" panose="02020603050405020304" pitchFamily="18" charset="0"/>
-                <a:ea typeface="宋体" panose="02010600030101010101" pitchFamily="2" charset="-122"/>
-                <a:cs typeface="Times New Roman" panose="02020603050405020304" pitchFamily="18" charset="0"/>
-              </a:rPr>
-              <a:t>的状态，</a:t>
-            </a:r>
-            <a:r>
-              <a:rPr lang="zh-CN" altLang="zh-CN" sz="2000" dirty="0">
-                <a:solidFill>
-                  <a:srgbClr val="FF0000"/>
-                </a:solidFill>
-                <a:latin typeface="Times New Roman" panose="02020603050405020304" pitchFamily="18" charset="0"/>
-                <a:ea typeface="宋体" panose="02010600030101010101" pitchFamily="2" charset="-122"/>
-                <a:cs typeface="Times New Roman" panose="02020603050405020304" pitchFamily="18" charset="0"/>
-              </a:rPr>
-              <a:t>且</a:t>
-            </a:r>
-            <a:r>
-              <a:rPr lang="en-US" altLang="zh-CN" sz="2000" dirty="0">
-                <a:solidFill>
-                  <a:srgbClr val="FF0000"/>
-                </a:solidFill>
-                <a:latin typeface="Times New Roman" panose="02020603050405020304" pitchFamily="18" charset="0"/>
-                <a:ea typeface="宋体" panose="02010600030101010101" pitchFamily="2" charset="-122"/>
-                <a:cs typeface="Times New Roman" panose="02020603050405020304" pitchFamily="18" charset="0"/>
-              </a:rPr>
-              <a:t>C</a:t>
-            </a:r>
-            <a:r>
-              <a:rPr lang="zh-CN" altLang="zh-CN" sz="2000" dirty="0">
-                <a:solidFill>
-                  <a:srgbClr val="FF0000"/>
-                </a:solidFill>
-                <a:latin typeface="Times New Roman" panose="02020603050405020304" pitchFamily="18" charset="0"/>
-                <a:ea typeface="宋体" panose="02010600030101010101" pitchFamily="2" charset="-122"/>
-                <a:cs typeface="Times New Roman" panose="02020603050405020304" pitchFamily="18" charset="0"/>
-              </a:rPr>
-              <a:t>的执行必定能终止</a:t>
-            </a:r>
-            <a:r>
-              <a:rPr lang="zh-CN" altLang="zh-CN" sz="2000" dirty="0">
-                <a:latin typeface="Times New Roman" panose="02020603050405020304" pitchFamily="18" charset="0"/>
-                <a:ea typeface="宋体" panose="02010600030101010101" pitchFamily="2" charset="-122"/>
-                <a:cs typeface="Times New Roman" panose="02020603050405020304" pitchFamily="18" charset="0"/>
-              </a:rPr>
-              <a:t>，则终止时的结果状态一定满足</a:t>
-            </a:r>
-            <a:r>
-              <a:rPr lang="en-US" altLang="zh-CN" sz="2000" dirty="0" smtClean="0">
-                <a:latin typeface="Times New Roman" panose="02020603050405020304" pitchFamily="18" charset="0"/>
-                <a:ea typeface="宋体" panose="02010600030101010101" pitchFamily="2" charset="-122"/>
-                <a:cs typeface="Times New Roman" panose="02020603050405020304" pitchFamily="18" charset="0"/>
-              </a:rPr>
-              <a:t>Q</a:t>
-            </a:r>
-            <a:r>
-              <a:rPr lang="zh-CN" altLang="en-US" sz="2000" dirty="0" smtClean="0">
-                <a:latin typeface="Times New Roman" panose="02020603050405020304" pitchFamily="18" charset="0"/>
-                <a:ea typeface="宋体" panose="02010600030101010101" pitchFamily="2" charset="-122"/>
-                <a:cs typeface="Times New Roman" panose="02020603050405020304" pitchFamily="18" charset="0"/>
-              </a:rPr>
-              <a:t>。</a:t>
-            </a:r>
-            <a:endParaRPr lang="en-US" altLang="zh-CN" sz="2000" dirty="0">
+            <a:endParaRPr lang="en-US" altLang="zh-CN" sz="2000" dirty="0" smtClean="0">
               <a:latin typeface="Times New Roman" panose="02020603050405020304" pitchFamily="18" charset="0"/>
               <a:ea typeface="宋体" panose="02010600030101010101" pitchFamily="2" charset="-122"/>
               <a:cs typeface="Times New Roman" panose="02020603050405020304" pitchFamily="18" charset="0"/>
@@ -17298,51 +16336,7 @@
               <a:buFont typeface="Wingdings" panose="05000000000000000000" pitchFamily="2" charset="2"/>
               <a:buChar char="Ø"/>
             </a:pPr>
-            <a:r>
-              <a:rPr lang="zh-CN" altLang="zh-CN" sz="2000" dirty="0">
-                <a:latin typeface="Times New Roman" panose="02020603050405020304" pitchFamily="18" charset="0"/>
-                <a:ea typeface="宋体" panose="02010600030101010101" pitchFamily="2" charset="-122"/>
-                <a:cs typeface="Times New Roman" panose="02020603050405020304" pitchFamily="18" charset="0"/>
-              </a:rPr>
-              <a:t>一个程序的完全正确，等价于该程序是部分正确的，同时又是终止的</a:t>
-            </a:r>
-            <a:r>
-              <a:rPr lang="zh-CN" altLang="en-US" sz="2000" dirty="0">
-                <a:latin typeface="Times New Roman" panose="02020603050405020304" pitchFamily="18" charset="0"/>
-                <a:ea typeface="宋体" panose="02010600030101010101" pitchFamily="2" charset="-122"/>
-                <a:cs typeface="Times New Roman" panose="02020603050405020304" pitchFamily="18" charset="0"/>
-              </a:rPr>
-              <a:t>。</a:t>
-            </a:r>
-            <a:endParaRPr lang="en-US" altLang="zh-CN" sz="2000" dirty="0">
-              <a:latin typeface="Times New Roman" panose="02020603050405020304" pitchFamily="18" charset="0"/>
-              <a:ea typeface="宋体" panose="02010600030101010101" pitchFamily="2" charset="-122"/>
-              <a:cs typeface="Times New Roman" panose="02020603050405020304" pitchFamily="18" charset="0"/>
-            </a:endParaRPr>
-          </a:p>
-          <a:p>
-            <a:pPr>
-              <a:lnSpc>
-                <a:spcPct val="150000"/>
-              </a:lnSpc>
-              <a:buFont typeface="Wingdings" panose="05000000000000000000" pitchFamily="2" charset="2"/>
-              <a:buChar char="Ø"/>
-            </a:pPr>
-            <a:endParaRPr lang="en-US" altLang="zh-CN" sz="2000" dirty="0">
-              <a:latin typeface="Times New Roman" panose="02020603050405020304" pitchFamily="18" charset="0"/>
-              <a:ea typeface="宋体" panose="02010600030101010101" pitchFamily="2" charset="-122"/>
-              <a:cs typeface="Times New Roman" panose="02020603050405020304" pitchFamily="18" charset="0"/>
-            </a:endParaRPr>
-          </a:p>
-          <a:p>
-            <a:pPr>
-              <a:lnSpc>
-                <a:spcPct val="150000"/>
-              </a:lnSpc>
-              <a:buFont typeface="Wingdings" panose="05000000000000000000" pitchFamily="2" charset="2"/>
-              <a:buChar char="Ø"/>
-            </a:pPr>
-            <a:endParaRPr lang="zh-CN" altLang="en-US" sz="2000" dirty="0">
+            <a:endParaRPr lang="en-US" altLang="zh-CN" sz="2000" dirty="0" smtClean="0">
               <a:latin typeface="Times New Roman" panose="02020603050405020304" pitchFamily="18" charset="0"/>
               <a:ea typeface="宋体" panose="02010600030101010101" pitchFamily="2" charset="-122"/>
               <a:cs typeface="Times New Roman" panose="02020603050405020304" pitchFamily="18" charset="0"/>
@@ -17358,7 +16352,7 @@
         </p:nvSpPr>
         <p:spPr bwMode="auto">
           <a:xfrm>
-            <a:off x="559316" y="1714487"/>
+            <a:off x="559316" y="1692001"/>
             <a:ext cx="6072230" cy="571504"/>
           </a:xfrm>
           <a:prstGeom prst="roundRect">
@@ -17393,6 +16387,17 @@
           <a:p>
             <a:pPr latinLnBrk="1"/>
             <a:r>
+              <a:rPr kumimoji="1" lang="zh-CN" altLang="en-US" sz="2000" b="1" dirty="0">
+                <a:solidFill>
+                  <a:schemeClr val="tx1"/>
+                </a:solidFill>
+                <a:latin typeface="Times New Roman" panose="02020603050405020304" pitchFamily="18" charset="0"/>
+                <a:ea typeface="宋体" panose="02010600030101010101" pitchFamily="2" charset="-122"/>
+                <a:cs typeface="Times New Roman" panose="02020603050405020304" pitchFamily="18" charset="0"/>
+              </a:rPr>
+              <a:t>测试</a:t>
+            </a:r>
+            <a:r>
               <a:rPr kumimoji="1" lang="zh-CN" altLang="en-US" sz="2000" b="1" dirty="0" smtClean="0">
                 <a:solidFill>
                   <a:schemeClr val="tx1"/>
@@ -17401,19 +16406,16 @@
                 <a:ea typeface="宋体" panose="02010600030101010101" pitchFamily="2" charset="-122"/>
                 <a:cs typeface="Times New Roman" panose="02020603050405020304" pitchFamily="18" charset="0"/>
               </a:rPr>
-              <a:t>程序正确性证明</a:t>
-            </a:r>
-            <a:r>
-              <a:rPr kumimoji="1" lang="zh-CN" altLang="en-US" sz="2000" b="1" dirty="0">
-                <a:solidFill>
-                  <a:schemeClr val="tx1"/>
-                </a:solidFill>
-                <a:latin typeface="Times New Roman" panose="02020603050405020304" pitchFamily="18" charset="0"/>
-                <a:ea typeface="宋体" panose="02010600030101010101" pitchFamily="2" charset="-122"/>
-                <a:cs typeface="Times New Roman" panose="02020603050405020304" pitchFamily="18" charset="0"/>
-              </a:rPr>
-              <a:t>理论</a:t>
-            </a:r>
+              <a:t>方法</a:t>
+            </a:r>
+            <a:endParaRPr kumimoji="1" lang="zh-CN" altLang="en-US" sz="2000" b="1" dirty="0">
+              <a:solidFill>
+                <a:schemeClr val="tx1"/>
+              </a:solidFill>
+              <a:latin typeface="Times New Roman" panose="02020603050405020304" pitchFamily="18" charset="0"/>
+              <a:ea typeface="宋体" panose="02010600030101010101" pitchFamily="2" charset="-122"/>
+              <a:cs typeface="Times New Roman" panose="02020603050405020304" pitchFamily="18" charset="0"/>
+            </a:endParaRPr>
           </a:p>
         </p:txBody>
       </p:sp>
@@ -17521,30 +16523,31 @@
               <a:spcAft>
                 <a:spcPts val="600"/>
               </a:spcAft>
-              <a:buClr>
-                <a:schemeClr val="tx1"/>
-              </a:buClr>
               <a:buFont typeface="Wingdings" panose="05000000000000000000" pitchFamily="2" charset="2"/>
               <a:buChar char="Ø"/>
             </a:pPr>
             <a:r>
-              <a:rPr lang="en-US" altLang="zh-CN" sz="2000" dirty="0" smtClean="0">
-                <a:solidFill>
-                  <a:srgbClr val="FF0000"/>
-                </a:solidFill>
-                <a:latin typeface="Times New Roman" panose="02020603050405020304" pitchFamily="18" charset="0"/>
-                <a:ea typeface="宋体" panose="02010600030101010101" pitchFamily="2" charset="-122"/>
-                <a:cs typeface="Times New Roman" panose="02020603050405020304" pitchFamily="18" charset="0"/>
-              </a:rPr>
-              <a:t>Floyd</a:t>
-            </a:r>
-            <a:r>
               <a:rPr lang="zh-CN" altLang="en-US" sz="2000" dirty="0" smtClean="0">
                 <a:latin typeface="Times New Roman" panose="02020603050405020304" pitchFamily="18" charset="0"/>
                 <a:ea typeface="宋体" panose="02010600030101010101" pitchFamily="2" charset="-122"/>
                 <a:cs typeface="Times New Roman" panose="02020603050405020304" pitchFamily="18" charset="0"/>
               </a:rPr>
-              <a:t>确立</a:t>
+              <a:t>模型</a:t>
+            </a:r>
+            <a:r>
+              <a:rPr lang="zh-CN" altLang="zh-CN" sz="2000" dirty="0" smtClean="0">
+                <a:latin typeface="宋体" panose="02010600030101010101" pitchFamily="2" charset="-122"/>
+                <a:ea typeface="宋体" panose="02010600030101010101" pitchFamily="2" charset="-122"/>
+              </a:rPr>
+              <a:t>检测</a:t>
+            </a:r>
+            <a:r>
+              <a:rPr lang="zh-CN" altLang="en-US" sz="2000" dirty="0" smtClean="0">
+                <a:latin typeface="Times New Roman" panose="02020603050405020304" pitchFamily="18" charset="0"/>
+                <a:ea typeface="宋体" panose="02010600030101010101" pitchFamily="2" charset="-122"/>
+                <a:cs typeface="Times New Roman" panose="02020603050405020304" pitchFamily="18" charset="0"/>
+              </a:rPr>
+              <a:t>是</a:t>
             </a:r>
             <a:r>
               <a:rPr lang="zh-CN" altLang="en-US" sz="2000" dirty="0">
@@ -17552,7 +16555,7 @@
                 <a:ea typeface="宋体" panose="02010600030101010101" pitchFamily="2" charset="-122"/>
                 <a:cs typeface="Times New Roman" panose="02020603050405020304" pitchFamily="18" charset="0"/>
               </a:rPr>
-              <a:t>了通过对程序本身的研究来验证</a:t>
+              <a:t>一种自动形式化验证技术，用于对一个计算机系统的正确行为属性进行判断</a:t>
             </a:r>
             <a:r>
               <a:rPr lang="zh-CN" altLang="en-US" sz="2000" dirty="0" smtClean="0">
@@ -17560,616 +16563,9 @@
                 <a:ea typeface="宋体" panose="02010600030101010101" pitchFamily="2" charset="-122"/>
                 <a:cs typeface="Times New Roman" panose="02020603050405020304" pitchFamily="18" charset="0"/>
               </a:rPr>
-              <a:t>程序</a:t>
-            </a:r>
-            <a:r>
-              <a:rPr lang="zh-CN" altLang="en-US" sz="2000" dirty="0" smtClean="0">
-                <a:solidFill>
-                  <a:srgbClr val="FF0000"/>
-                </a:solidFill>
-                <a:latin typeface="Times New Roman" panose="02020603050405020304" pitchFamily="18" charset="0"/>
-                <a:ea typeface="宋体" panose="02010600030101010101" pitchFamily="2" charset="-122"/>
-                <a:cs typeface="Times New Roman" panose="02020603050405020304" pitchFamily="18" charset="0"/>
-              </a:rPr>
-              <a:t>部分正确性</a:t>
-            </a:r>
-            <a:r>
-              <a:rPr lang="zh-CN" altLang="en-US" sz="2000" dirty="0">
-                <a:latin typeface="Times New Roman" panose="02020603050405020304" pitchFamily="18" charset="0"/>
-                <a:ea typeface="宋体" panose="02010600030101010101" pitchFamily="2" charset="-122"/>
-                <a:cs typeface="Times New Roman" panose="02020603050405020304" pitchFamily="18" charset="0"/>
-              </a:rPr>
-              <a:t>的方法，提出了用断言方法证明框图程序的</a:t>
-            </a:r>
-            <a:r>
-              <a:rPr lang="zh-CN" altLang="en-US" sz="2000" dirty="0" smtClean="0">
-                <a:latin typeface="Times New Roman" panose="02020603050405020304" pitchFamily="18" charset="0"/>
-                <a:ea typeface="宋体" panose="02010600030101010101" pitchFamily="2" charset="-122"/>
-                <a:cs typeface="Times New Roman" panose="02020603050405020304" pitchFamily="18" charset="0"/>
-              </a:rPr>
-              <a:t>正确性</a:t>
-            </a:r>
-            <a:r>
-              <a:rPr lang="en-US" altLang="zh-CN" sz="2000" baseline="30000" dirty="0">
-                <a:latin typeface="Times New Roman" panose="02020603050405020304" pitchFamily="18" charset="0"/>
-                <a:ea typeface="宋体" panose="02010600030101010101" pitchFamily="2" charset="-122"/>
-                <a:cs typeface="Times New Roman" panose="02020603050405020304" pitchFamily="18" charset="0"/>
-              </a:rPr>
-              <a:t>[5]</a:t>
-            </a:r>
-            <a:r>
-              <a:rPr lang="zh-CN" altLang="en-US" sz="2000" dirty="0" smtClean="0">
-                <a:latin typeface="Times New Roman" panose="02020603050405020304" pitchFamily="18" charset="0"/>
-                <a:ea typeface="宋体" panose="02010600030101010101" pitchFamily="2" charset="-122"/>
-                <a:cs typeface="Times New Roman" panose="02020603050405020304" pitchFamily="18" charset="0"/>
-              </a:rPr>
               <a:t>。</a:t>
             </a:r>
-            <a:endParaRPr lang="en-US" altLang="zh-CN" sz="2000" dirty="0">
-              <a:latin typeface="Times New Roman" panose="02020603050405020304" pitchFamily="18" charset="0"/>
-              <a:ea typeface="宋体" panose="02010600030101010101" pitchFamily="2" charset="-122"/>
-              <a:cs typeface="Times New Roman" panose="02020603050405020304" pitchFamily="18" charset="0"/>
-            </a:endParaRPr>
-          </a:p>
-          <a:p>
-            <a:pPr algn="just">
-              <a:spcBef>
-                <a:spcPts val="600"/>
-              </a:spcBef>
-              <a:spcAft>
-                <a:spcPts val="600"/>
-              </a:spcAft>
-              <a:buClr>
-                <a:schemeClr val="tx1"/>
-              </a:buClr>
-              <a:buFont typeface="Wingdings" panose="05000000000000000000" pitchFamily="2" charset="2"/>
-              <a:buChar char="Ø"/>
-            </a:pPr>
-            <a:r>
-              <a:rPr lang="en-US" altLang="zh-CN" sz="2000" dirty="0" smtClean="0">
-                <a:solidFill>
-                  <a:srgbClr val="FF0000"/>
-                </a:solidFill>
-                <a:latin typeface="Times New Roman" panose="02020603050405020304" pitchFamily="18" charset="0"/>
-                <a:ea typeface="宋体" panose="02010600030101010101" pitchFamily="2" charset="-122"/>
-                <a:cs typeface="Times New Roman" panose="02020603050405020304" pitchFamily="18" charset="0"/>
-              </a:rPr>
-              <a:t>Hoare</a:t>
-            </a:r>
-            <a:r>
-              <a:rPr lang="zh-CN" altLang="en-US" sz="2000" dirty="0">
-                <a:latin typeface="Times New Roman" panose="02020603050405020304" pitchFamily="18" charset="0"/>
-                <a:ea typeface="宋体" panose="02010600030101010101" pitchFamily="2" charset="-122"/>
-                <a:cs typeface="Times New Roman" panose="02020603050405020304" pitchFamily="18" charset="0"/>
-              </a:rPr>
-              <a:t>在</a:t>
-            </a:r>
-            <a:r>
-              <a:rPr lang="en-US" altLang="zh-CN" sz="2000" dirty="0">
-                <a:latin typeface="Times New Roman" panose="02020603050405020304" pitchFamily="18" charset="0"/>
-                <a:ea typeface="宋体" panose="02010600030101010101" pitchFamily="2" charset="-122"/>
-                <a:cs typeface="Times New Roman" panose="02020603050405020304" pitchFamily="18" charset="0"/>
-              </a:rPr>
-              <a:t>Floyd</a:t>
-            </a:r>
-            <a:r>
-              <a:rPr lang="zh-CN" altLang="en-US" sz="2000" dirty="0">
-                <a:latin typeface="Times New Roman" panose="02020603050405020304" pitchFamily="18" charset="0"/>
-                <a:ea typeface="宋体" panose="02010600030101010101" pitchFamily="2" charset="-122"/>
-                <a:cs typeface="Times New Roman" panose="02020603050405020304" pitchFamily="18" charset="0"/>
-              </a:rPr>
-              <a:t>的基础</a:t>
-            </a:r>
-            <a:r>
-              <a:rPr lang="zh-CN" altLang="en-US" sz="2000" dirty="0" smtClean="0">
-                <a:latin typeface="Times New Roman" panose="02020603050405020304" pitchFamily="18" charset="0"/>
-                <a:ea typeface="宋体" panose="02010600030101010101" pitchFamily="2" charset="-122"/>
-                <a:cs typeface="Times New Roman" panose="02020603050405020304" pitchFamily="18" charset="0"/>
-              </a:rPr>
-              <a:t>上，提出了</a:t>
-            </a:r>
-            <a:r>
-              <a:rPr lang="en-US" altLang="zh-CN" sz="2000" dirty="0">
-                <a:solidFill>
-                  <a:srgbClr val="FF0000"/>
-                </a:solidFill>
-                <a:latin typeface="Times New Roman" panose="02020603050405020304" pitchFamily="18" charset="0"/>
-                <a:ea typeface="宋体" panose="02010600030101010101" pitchFamily="2" charset="-122"/>
-                <a:cs typeface="Times New Roman" panose="02020603050405020304" pitchFamily="18" charset="0"/>
-              </a:rPr>
-              <a:t>Hoare</a:t>
-            </a:r>
-            <a:r>
-              <a:rPr lang="zh-CN" altLang="zh-CN" sz="2000" dirty="0">
-                <a:solidFill>
-                  <a:srgbClr val="FF0000"/>
-                </a:solidFill>
-                <a:latin typeface="Times New Roman" panose="02020603050405020304" pitchFamily="18" charset="0"/>
-                <a:ea typeface="宋体" panose="02010600030101010101" pitchFamily="2" charset="-122"/>
-                <a:cs typeface="Times New Roman" panose="02020603050405020304" pitchFamily="18" charset="0"/>
-              </a:rPr>
-              <a:t>逻辑和</a:t>
-            </a:r>
-            <a:r>
-              <a:rPr lang="en-US" altLang="zh-CN" sz="2000" dirty="0">
-                <a:solidFill>
-                  <a:srgbClr val="FF0000"/>
-                </a:solidFill>
-                <a:latin typeface="Times New Roman" panose="02020603050405020304" pitchFamily="18" charset="0"/>
-                <a:ea typeface="宋体" panose="02010600030101010101" pitchFamily="2" charset="-122"/>
-                <a:cs typeface="Times New Roman" panose="02020603050405020304" pitchFamily="18" charset="0"/>
-              </a:rPr>
-              <a:t>Hoare</a:t>
-            </a:r>
-            <a:r>
-              <a:rPr lang="zh-CN" altLang="zh-CN" sz="2000" dirty="0">
-                <a:solidFill>
-                  <a:srgbClr val="FF0000"/>
-                </a:solidFill>
-                <a:latin typeface="Times New Roman" panose="02020603050405020304" pitchFamily="18" charset="0"/>
-                <a:ea typeface="宋体" panose="02010600030101010101" pitchFamily="2" charset="-122"/>
-                <a:cs typeface="Times New Roman" panose="02020603050405020304" pitchFamily="18" charset="0"/>
-              </a:rPr>
-              <a:t>公理</a:t>
-            </a:r>
-            <a:r>
-              <a:rPr lang="zh-CN" altLang="zh-CN" sz="2000" dirty="0" smtClean="0">
-                <a:solidFill>
-                  <a:srgbClr val="FF0000"/>
-                </a:solidFill>
-                <a:latin typeface="Times New Roman" panose="02020603050405020304" pitchFamily="18" charset="0"/>
-                <a:ea typeface="宋体" panose="02010600030101010101" pitchFamily="2" charset="-122"/>
-                <a:cs typeface="Times New Roman" panose="02020603050405020304" pitchFamily="18" charset="0"/>
-              </a:rPr>
-              <a:t>系统</a:t>
-            </a:r>
-            <a:r>
-              <a:rPr lang="en-US" altLang="zh-CN" sz="2000" baseline="30000" dirty="0">
-                <a:latin typeface="Times New Roman" panose="02020603050405020304" pitchFamily="18" charset="0"/>
-                <a:ea typeface="宋体" panose="02010600030101010101" pitchFamily="2" charset="-122"/>
-                <a:cs typeface="Times New Roman" panose="02020603050405020304" pitchFamily="18" charset="0"/>
-              </a:rPr>
-              <a:t>[6]</a:t>
-            </a:r>
-            <a:r>
-              <a:rPr lang="zh-CN" altLang="zh-CN" sz="2000" dirty="0" smtClean="0">
-                <a:latin typeface="Times New Roman" panose="02020603050405020304" pitchFamily="18" charset="0"/>
-                <a:ea typeface="宋体" panose="02010600030101010101" pitchFamily="2" charset="-122"/>
-                <a:cs typeface="Times New Roman" panose="02020603050405020304" pitchFamily="18" charset="0"/>
-              </a:rPr>
-              <a:t>，</a:t>
-            </a:r>
-            <a:r>
-              <a:rPr lang="zh-CN" altLang="zh-CN" sz="2000" dirty="0">
-                <a:latin typeface="Times New Roman" panose="02020603050405020304" pitchFamily="18" charset="0"/>
-                <a:ea typeface="宋体" panose="02010600030101010101" pitchFamily="2" charset="-122"/>
-                <a:cs typeface="Times New Roman" panose="02020603050405020304" pitchFamily="18" charset="0"/>
-              </a:rPr>
-              <a:t>它为</a:t>
-            </a:r>
-            <a:r>
-              <a:rPr lang="zh-CN" altLang="zh-CN" sz="2000" dirty="0" smtClean="0">
-                <a:latin typeface="Times New Roman" panose="02020603050405020304" pitchFamily="18" charset="0"/>
-                <a:ea typeface="宋体" panose="02010600030101010101" pitchFamily="2" charset="-122"/>
-                <a:cs typeface="Times New Roman" panose="02020603050405020304" pitchFamily="18" charset="0"/>
-              </a:rPr>
-              <a:t>使用</a:t>
-            </a:r>
-            <a:r>
-              <a:rPr lang="zh-CN" altLang="zh-CN" sz="2000" dirty="0">
-                <a:latin typeface="Times New Roman" panose="02020603050405020304" pitchFamily="18" charset="0"/>
-                <a:ea typeface="宋体" panose="02010600030101010101" pitchFamily="2" charset="-122"/>
-                <a:cs typeface="Times New Roman" panose="02020603050405020304" pitchFamily="18" charset="0"/>
-              </a:rPr>
-              <a:t>严格的数理逻辑推理计算机程序的部分正确性提供了一组逻辑规则</a:t>
-            </a:r>
-            <a:r>
-              <a:rPr lang="zh-CN" altLang="zh-CN" sz="2000" dirty="0" smtClean="0">
-                <a:latin typeface="Times New Roman" panose="02020603050405020304" pitchFamily="18" charset="0"/>
-                <a:ea typeface="宋体" panose="02010600030101010101" pitchFamily="2" charset="-122"/>
-                <a:cs typeface="Times New Roman" panose="02020603050405020304" pitchFamily="18" charset="0"/>
-              </a:rPr>
-              <a:t>。</a:t>
-            </a:r>
             <a:endParaRPr lang="en-US" altLang="zh-CN" sz="2000" dirty="0" smtClean="0">
-              <a:latin typeface="Times New Roman" panose="02020603050405020304" pitchFamily="18" charset="0"/>
-              <a:ea typeface="宋体" panose="02010600030101010101" pitchFamily="2" charset="-122"/>
-              <a:cs typeface="Times New Roman" panose="02020603050405020304" pitchFamily="18" charset="0"/>
-            </a:endParaRPr>
-          </a:p>
-          <a:p>
-            <a:pPr algn="just">
-              <a:spcBef>
-                <a:spcPts val="600"/>
-              </a:spcBef>
-              <a:spcAft>
-                <a:spcPts val="600"/>
-              </a:spcAft>
-              <a:buClr>
-                <a:schemeClr val="tx1"/>
-              </a:buClr>
-              <a:buFont typeface="Wingdings" panose="05000000000000000000" pitchFamily="2" charset="2"/>
-              <a:buChar char="Ø"/>
-            </a:pPr>
-            <a:r>
-              <a:rPr lang="en-US" altLang="zh-CN" sz="2000" dirty="0" smtClean="0">
-                <a:solidFill>
-                  <a:srgbClr val="FF0000"/>
-                </a:solidFill>
-                <a:latin typeface="Times New Roman" panose="02020603050405020304" pitchFamily="18" charset="0"/>
-                <a:ea typeface="宋体" panose="02010600030101010101" pitchFamily="2" charset="-122"/>
-                <a:cs typeface="Times New Roman" panose="02020603050405020304" pitchFamily="18" charset="0"/>
-              </a:rPr>
-              <a:t>Dijkstra</a:t>
-            </a:r>
-            <a:r>
-              <a:rPr lang="zh-CN" altLang="en-US" sz="2000" dirty="0">
-                <a:latin typeface="Times New Roman" panose="02020603050405020304" pitchFamily="18" charset="0"/>
-                <a:ea typeface="宋体" panose="02010600030101010101" pitchFamily="2" charset="-122"/>
-                <a:cs typeface="Times New Roman" panose="02020603050405020304" pitchFamily="18" charset="0"/>
-              </a:rPr>
-              <a:t>提出</a:t>
-            </a:r>
-            <a:r>
-              <a:rPr lang="zh-CN" altLang="en-US" sz="2000" dirty="0">
-                <a:solidFill>
-                  <a:srgbClr val="FF0000"/>
-                </a:solidFill>
-                <a:latin typeface="Times New Roman" panose="02020603050405020304" pitchFamily="18" charset="0"/>
-                <a:ea typeface="宋体" panose="02010600030101010101" pitchFamily="2" charset="-122"/>
-                <a:cs typeface="Times New Roman" panose="02020603050405020304" pitchFamily="18" charset="0"/>
-              </a:rPr>
-              <a:t>最</a:t>
-            </a:r>
-            <a:r>
-              <a:rPr lang="zh-CN" altLang="en-US" sz="2000" dirty="0" smtClean="0">
-                <a:solidFill>
-                  <a:srgbClr val="FF0000"/>
-                </a:solidFill>
-                <a:latin typeface="Times New Roman" panose="02020603050405020304" pitchFamily="18" charset="0"/>
-                <a:ea typeface="宋体" panose="02010600030101010101" pitchFamily="2" charset="-122"/>
-                <a:cs typeface="Times New Roman" panose="02020603050405020304" pitchFamily="18" charset="0"/>
-              </a:rPr>
-              <a:t>弱谓词方法</a:t>
-            </a:r>
-            <a:r>
-              <a:rPr lang="en-US" altLang="zh-CN" sz="2000" baseline="30000" dirty="0">
-                <a:latin typeface="Times New Roman" panose="02020603050405020304" pitchFamily="18" charset="0"/>
-                <a:ea typeface="宋体" panose="02010600030101010101" pitchFamily="2" charset="-122"/>
-                <a:cs typeface="Times New Roman" panose="02020603050405020304" pitchFamily="18" charset="0"/>
-              </a:rPr>
-              <a:t>[7]</a:t>
-            </a:r>
-            <a:r>
-              <a:rPr lang="zh-CN" altLang="en-US" sz="2000" dirty="0" smtClean="0">
-                <a:latin typeface="Times New Roman" panose="02020603050405020304" pitchFamily="18" charset="0"/>
-                <a:ea typeface="宋体" panose="02010600030101010101" pitchFamily="2" charset="-122"/>
-                <a:cs typeface="Times New Roman" panose="02020603050405020304" pitchFamily="18" charset="0"/>
-              </a:rPr>
-              <a:t>，</a:t>
-            </a:r>
-            <a:r>
-              <a:rPr lang="zh-CN" altLang="en-US" sz="2000" dirty="0">
-                <a:latin typeface="Times New Roman" panose="02020603050405020304" pitchFamily="18" charset="0"/>
-                <a:ea typeface="宋体" panose="02010600030101010101" pitchFamily="2" charset="-122"/>
-                <a:cs typeface="Times New Roman" panose="02020603050405020304" pitchFamily="18" charset="0"/>
-              </a:rPr>
-              <a:t>解决</a:t>
-            </a:r>
-            <a:r>
-              <a:rPr lang="zh-CN" altLang="en-US" sz="2000" dirty="0" smtClean="0">
-                <a:latin typeface="Times New Roman" panose="02020603050405020304" pitchFamily="18" charset="0"/>
-                <a:ea typeface="宋体" panose="02010600030101010101" pitchFamily="2" charset="-122"/>
-                <a:cs typeface="Times New Roman" panose="02020603050405020304" pitchFamily="18" charset="0"/>
-              </a:rPr>
-              <a:t>了</a:t>
-            </a:r>
-            <a:r>
-              <a:rPr lang="en-US" altLang="zh-CN" sz="2000" dirty="0" smtClean="0">
-                <a:latin typeface="Times New Roman" panose="02020603050405020304" pitchFamily="18" charset="0"/>
-                <a:ea typeface="宋体" panose="02010600030101010101" pitchFamily="2" charset="-122"/>
-                <a:cs typeface="Times New Roman" panose="02020603050405020304" pitchFamily="18" charset="0"/>
-              </a:rPr>
-              <a:t>Floyd</a:t>
-            </a:r>
-            <a:r>
-              <a:rPr lang="zh-CN" altLang="en-US" sz="2000" dirty="0" smtClean="0">
-                <a:latin typeface="Times New Roman" panose="02020603050405020304" pitchFamily="18" charset="0"/>
-                <a:ea typeface="宋体" panose="02010600030101010101" pitchFamily="2" charset="-122"/>
-                <a:cs typeface="Times New Roman" panose="02020603050405020304" pitchFamily="18" charset="0"/>
-              </a:rPr>
-              <a:t>断言法和</a:t>
-            </a:r>
-            <a:r>
-              <a:rPr lang="en-US" altLang="zh-CN" sz="2000" dirty="0" smtClean="0">
-                <a:latin typeface="Times New Roman" panose="02020603050405020304" pitchFamily="18" charset="0"/>
-                <a:ea typeface="宋体" panose="02010600030101010101" pitchFamily="2" charset="-122"/>
-                <a:cs typeface="Times New Roman" panose="02020603050405020304" pitchFamily="18" charset="0"/>
-              </a:rPr>
-              <a:t>Hoare</a:t>
-            </a:r>
-            <a:r>
-              <a:rPr lang="zh-CN" altLang="en-US" sz="2000" dirty="0" smtClean="0">
-                <a:latin typeface="Times New Roman" panose="02020603050405020304" pitchFamily="18" charset="0"/>
-                <a:ea typeface="宋体" panose="02010600030101010101" pitchFamily="2" charset="-122"/>
-                <a:cs typeface="Times New Roman" panose="02020603050405020304" pitchFamily="18" charset="0"/>
-              </a:rPr>
-              <a:t>公理法存在的</a:t>
-            </a:r>
-            <a:r>
-              <a:rPr lang="zh-CN" altLang="en-US" sz="2000" dirty="0" smtClean="0">
-                <a:solidFill>
-                  <a:srgbClr val="FF0000"/>
-                </a:solidFill>
-                <a:latin typeface="Times New Roman" panose="02020603050405020304" pitchFamily="18" charset="0"/>
-                <a:ea typeface="宋体" panose="02010600030101010101" pitchFamily="2" charset="-122"/>
-                <a:cs typeface="Times New Roman" panose="02020603050405020304" pitchFamily="18" charset="0"/>
-              </a:rPr>
-              <a:t>中间断言</a:t>
-            </a:r>
-            <a:r>
-              <a:rPr lang="zh-CN" altLang="en-US" sz="2000" dirty="0">
-                <a:solidFill>
-                  <a:srgbClr val="FF0000"/>
-                </a:solidFill>
-                <a:latin typeface="Times New Roman" panose="02020603050405020304" pitchFamily="18" charset="0"/>
-                <a:ea typeface="宋体" panose="02010600030101010101" pitchFamily="2" charset="-122"/>
-                <a:cs typeface="Times New Roman" panose="02020603050405020304" pitchFamily="18" charset="0"/>
-              </a:rPr>
-              <a:t>构造困难</a:t>
-            </a:r>
-            <a:r>
-              <a:rPr lang="zh-CN" altLang="en-US" sz="2000" dirty="0">
-                <a:latin typeface="Times New Roman" panose="02020603050405020304" pitchFamily="18" charset="0"/>
-                <a:ea typeface="宋体" panose="02010600030101010101" pitchFamily="2" charset="-122"/>
-                <a:cs typeface="Times New Roman" panose="02020603050405020304" pitchFamily="18" charset="0"/>
-              </a:rPr>
-              <a:t>的问题，可从程序规约</a:t>
-            </a:r>
-            <a:r>
-              <a:rPr lang="zh-CN" altLang="en-US" sz="2000" dirty="0">
-                <a:solidFill>
-                  <a:srgbClr val="FF0000"/>
-                </a:solidFill>
-                <a:latin typeface="Times New Roman" panose="02020603050405020304" pitchFamily="18" charset="0"/>
-                <a:ea typeface="宋体" panose="02010600030101010101" pitchFamily="2" charset="-122"/>
-                <a:cs typeface="Times New Roman" panose="02020603050405020304" pitchFamily="18" charset="0"/>
-              </a:rPr>
-              <a:t>自底向上进行推导</a:t>
-            </a:r>
-            <a:r>
-              <a:rPr lang="zh-CN" altLang="en-US" sz="2000" dirty="0">
-                <a:latin typeface="Times New Roman" panose="02020603050405020304" pitchFamily="18" charset="0"/>
-                <a:ea typeface="宋体" panose="02010600030101010101" pitchFamily="2" charset="-122"/>
-                <a:cs typeface="Times New Roman" panose="02020603050405020304" pitchFamily="18" charset="0"/>
-              </a:rPr>
-              <a:t>，产生</a:t>
-            </a:r>
-            <a:r>
-              <a:rPr lang="zh-CN" altLang="en-US" sz="2000" dirty="0" smtClean="0">
-                <a:solidFill>
-                  <a:srgbClr val="FF0000"/>
-                </a:solidFill>
-                <a:latin typeface="Times New Roman" panose="02020603050405020304" pitchFamily="18" charset="0"/>
-                <a:ea typeface="宋体" panose="02010600030101010101" pitchFamily="2" charset="-122"/>
-                <a:cs typeface="Times New Roman" panose="02020603050405020304" pitchFamily="18" charset="0"/>
-              </a:rPr>
-              <a:t>验证</a:t>
-            </a:r>
-            <a:r>
-              <a:rPr lang="zh-CN" altLang="en-US" sz="2000" dirty="0">
-                <a:solidFill>
-                  <a:srgbClr val="FF0000"/>
-                </a:solidFill>
-                <a:latin typeface="Times New Roman" panose="02020603050405020304" pitchFamily="18" charset="0"/>
-                <a:ea typeface="宋体" panose="02010600030101010101" pitchFamily="2" charset="-122"/>
-                <a:cs typeface="Times New Roman" panose="02020603050405020304" pitchFamily="18" charset="0"/>
-              </a:rPr>
-              <a:t>条件</a:t>
-            </a:r>
-            <a:r>
-              <a:rPr lang="zh-CN" altLang="en-US" sz="2000" dirty="0">
-                <a:latin typeface="Times New Roman" panose="02020603050405020304" pitchFamily="18" charset="0"/>
-                <a:ea typeface="宋体" panose="02010600030101010101" pitchFamily="2" charset="-122"/>
-                <a:cs typeface="Times New Roman" panose="02020603050405020304" pitchFamily="18" charset="0"/>
-              </a:rPr>
-              <a:t>，并通过证明验证条件的正确性来证明程序正确性</a:t>
-            </a:r>
-            <a:r>
-              <a:rPr lang="zh-CN" altLang="en-US" sz="2000" dirty="0" smtClean="0">
-                <a:latin typeface="Times New Roman" panose="02020603050405020304" pitchFamily="18" charset="0"/>
-                <a:ea typeface="宋体" panose="02010600030101010101" pitchFamily="2" charset="-122"/>
-                <a:cs typeface="Times New Roman" panose="02020603050405020304" pitchFamily="18" charset="0"/>
-              </a:rPr>
-              <a:t>。</a:t>
-            </a:r>
-            <a:endParaRPr lang="en-US" altLang="zh-CN" sz="2000" dirty="0" smtClean="0">
-              <a:latin typeface="Times New Roman" panose="02020603050405020304" pitchFamily="18" charset="0"/>
-              <a:ea typeface="宋体" panose="02010600030101010101" pitchFamily="2" charset="-122"/>
-              <a:cs typeface="Times New Roman" panose="02020603050405020304" pitchFamily="18" charset="0"/>
-            </a:endParaRPr>
-          </a:p>
-          <a:p>
-            <a:pPr algn="just">
-              <a:spcBef>
-                <a:spcPts val="600"/>
-              </a:spcBef>
-              <a:spcAft>
-                <a:spcPts val="600"/>
-              </a:spcAft>
-              <a:buClr>
-                <a:schemeClr val="tx1"/>
-              </a:buClr>
-              <a:buFont typeface="Wingdings" panose="05000000000000000000" pitchFamily="2" charset="2"/>
-              <a:buChar char="Ø"/>
-            </a:pPr>
-            <a:r>
-              <a:rPr lang="en-US" altLang="zh-CN" sz="2000" dirty="0" smtClean="0">
-                <a:solidFill>
-                  <a:srgbClr val="FF0000"/>
-                </a:solidFill>
-                <a:latin typeface="Times New Roman" panose="02020603050405020304" pitchFamily="18" charset="0"/>
-                <a:ea typeface="宋体" panose="02010600030101010101" pitchFamily="2" charset="-122"/>
-                <a:cs typeface="Times New Roman" panose="02020603050405020304" pitchFamily="18" charset="0"/>
-              </a:rPr>
-              <a:t>Knuth</a:t>
-            </a:r>
-            <a:r>
-              <a:rPr lang="zh-CN" altLang="en-US" sz="2000" dirty="0">
-                <a:latin typeface="Times New Roman" panose="02020603050405020304" pitchFamily="18" charset="0"/>
-                <a:ea typeface="宋体" panose="02010600030101010101" pitchFamily="2" charset="-122"/>
-                <a:cs typeface="Times New Roman" panose="02020603050405020304" pitchFamily="18" charset="0"/>
-              </a:rPr>
-              <a:t>提出</a:t>
-            </a:r>
-            <a:r>
-              <a:rPr lang="zh-CN" altLang="en-US" sz="2000" dirty="0">
-                <a:solidFill>
-                  <a:srgbClr val="FF0000"/>
-                </a:solidFill>
-                <a:latin typeface="Times New Roman" panose="02020603050405020304" pitchFamily="18" charset="0"/>
-                <a:ea typeface="宋体" panose="02010600030101010101" pitchFamily="2" charset="-122"/>
-                <a:cs typeface="Times New Roman" panose="02020603050405020304" pitchFamily="18" charset="0"/>
-              </a:rPr>
-              <a:t>计数器</a:t>
-            </a:r>
-            <a:r>
-              <a:rPr lang="zh-CN" altLang="en-US" sz="2000" dirty="0" smtClean="0">
-                <a:solidFill>
-                  <a:srgbClr val="FF0000"/>
-                </a:solidFill>
-                <a:latin typeface="Times New Roman" panose="02020603050405020304" pitchFamily="18" charset="0"/>
-                <a:ea typeface="宋体" panose="02010600030101010101" pitchFamily="2" charset="-122"/>
-                <a:cs typeface="Times New Roman" panose="02020603050405020304" pitchFamily="18" charset="0"/>
-              </a:rPr>
-              <a:t>方法</a:t>
-            </a:r>
-            <a:r>
-              <a:rPr lang="en-US" altLang="zh-CN" sz="2000" baseline="30000" dirty="0">
-                <a:latin typeface="Times New Roman" panose="02020603050405020304" pitchFamily="18" charset="0"/>
-                <a:ea typeface="宋体" panose="02010600030101010101" pitchFamily="2" charset="-122"/>
-                <a:cs typeface="Times New Roman" panose="02020603050405020304" pitchFamily="18" charset="0"/>
-              </a:rPr>
-              <a:t>[8]</a:t>
-            </a:r>
-            <a:r>
-              <a:rPr lang="zh-CN" altLang="en-US" sz="2000" dirty="0" smtClean="0">
-                <a:latin typeface="Times New Roman" panose="02020603050405020304" pitchFamily="18" charset="0"/>
-                <a:ea typeface="宋体" panose="02010600030101010101" pitchFamily="2" charset="-122"/>
-                <a:cs typeface="Times New Roman" panose="02020603050405020304" pitchFamily="18" charset="0"/>
-              </a:rPr>
-              <a:t>来</a:t>
-            </a:r>
-            <a:r>
-              <a:rPr lang="zh-CN" altLang="en-US" sz="2000" dirty="0">
-                <a:latin typeface="Times New Roman" panose="02020603050405020304" pitchFamily="18" charset="0"/>
-                <a:ea typeface="宋体" panose="02010600030101010101" pitchFamily="2" charset="-122"/>
-                <a:cs typeface="Times New Roman" panose="02020603050405020304" pitchFamily="18" charset="0"/>
-              </a:rPr>
-              <a:t>证明程序的终止性</a:t>
-            </a:r>
-            <a:r>
-              <a:rPr lang="zh-CN" altLang="en-US" sz="2000" dirty="0" smtClean="0">
-                <a:latin typeface="Times New Roman" panose="02020603050405020304" pitchFamily="18" charset="0"/>
-                <a:ea typeface="宋体" panose="02010600030101010101" pitchFamily="2" charset="-122"/>
-                <a:cs typeface="Times New Roman" panose="02020603050405020304" pitchFamily="18" charset="0"/>
-              </a:rPr>
-              <a:t>。</a:t>
-            </a:r>
-            <a:endParaRPr lang="en-US" altLang="zh-CN" sz="2000" dirty="0" smtClean="0">
-              <a:latin typeface="Times New Roman" panose="02020603050405020304" pitchFamily="18" charset="0"/>
-              <a:ea typeface="宋体" panose="02010600030101010101" pitchFamily="2" charset="-122"/>
-              <a:cs typeface="Times New Roman" panose="02020603050405020304" pitchFamily="18" charset="0"/>
-            </a:endParaRPr>
-          </a:p>
-          <a:p>
-            <a:pPr algn="just">
-              <a:spcBef>
-                <a:spcPts val="600"/>
-              </a:spcBef>
-              <a:spcAft>
-                <a:spcPts val="600"/>
-              </a:spcAft>
-              <a:buClr>
-                <a:schemeClr val="tx1"/>
-              </a:buClr>
-              <a:buFont typeface="Wingdings" panose="05000000000000000000" pitchFamily="2" charset="2"/>
-              <a:buChar char="Ø"/>
-            </a:pPr>
-            <a:r>
-              <a:rPr lang="zh-CN" altLang="en-US" sz="2000" dirty="0">
-                <a:latin typeface="Times New Roman" panose="02020603050405020304" pitchFamily="18" charset="0"/>
-                <a:ea typeface="宋体" panose="02010600030101010101" pitchFamily="2" charset="-122"/>
-                <a:cs typeface="Times New Roman" panose="02020603050405020304" pitchFamily="18" charset="0"/>
-              </a:rPr>
-              <a:t>现有</a:t>
-            </a:r>
-            <a:r>
-              <a:rPr lang="zh-CN" altLang="en-US" sz="2000" dirty="0" smtClean="0">
-                <a:latin typeface="Times New Roman" panose="02020603050405020304" pitchFamily="18" charset="0"/>
-                <a:ea typeface="宋体" panose="02010600030101010101" pitchFamily="2" charset="-122"/>
-                <a:cs typeface="Times New Roman" panose="02020603050405020304" pitchFamily="18" charset="0"/>
-              </a:rPr>
-              <a:t>的证明方法都需要构造</a:t>
-            </a:r>
-            <a:r>
-              <a:rPr lang="zh-CN" altLang="en-US" sz="2000" dirty="0" smtClean="0">
-                <a:solidFill>
-                  <a:srgbClr val="FF0000"/>
-                </a:solidFill>
-                <a:latin typeface="Times New Roman" panose="02020603050405020304" pitchFamily="18" charset="0"/>
-                <a:ea typeface="宋体" panose="02010600030101010101" pitchFamily="2" charset="-122"/>
-                <a:cs typeface="Times New Roman" panose="02020603050405020304" pitchFamily="18" charset="0"/>
-              </a:rPr>
-              <a:t>循环不变式</a:t>
-            </a:r>
-            <a:r>
-              <a:rPr lang="zh-CN" altLang="en-US" sz="2000" dirty="0" smtClean="0">
-                <a:latin typeface="Times New Roman" panose="02020603050405020304" pitchFamily="18" charset="0"/>
-                <a:ea typeface="宋体" panose="02010600030101010101" pitchFamily="2" charset="-122"/>
-                <a:cs typeface="Times New Roman" panose="02020603050405020304" pitchFamily="18" charset="0"/>
-              </a:rPr>
-              <a:t>，然而循环不变式的构造</a:t>
-            </a:r>
-            <a:r>
-              <a:rPr lang="zh-CN" altLang="en-US" sz="2000" dirty="0" smtClean="0">
-                <a:solidFill>
-                  <a:srgbClr val="FF0000"/>
-                </a:solidFill>
-                <a:latin typeface="Times New Roman" panose="02020603050405020304" pitchFamily="18" charset="0"/>
-                <a:ea typeface="宋体" panose="02010600030101010101" pitchFamily="2" charset="-122"/>
-                <a:cs typeface="Times New Roman" panose="02020603050405020304" pitchFamily="18" charset="0"/>
-              </a:rPr>
-              <a:t>没有一般方法，难度大</a:t>
-            </a:r>
-            <a:r>
-              <a:rPr lang="zh-CN" altLang="en-US" sz="2000" dirty="0" smtClean="0">
-                <a:latin typeface="Times New Roman" panose="02020603050405020304" pitchFamily="18" charset="0"/>
-                <a:ea typeface="宋体" panose="02010600030101010101" pitchFamily="2" charset="-122"/>
-                <a:cs typeface="Times New Roman" panose="02020603050405020304" pitchFamily="18" charset="0"/>
-              </a:rPr>
-              <a:t>。一些方法面临着</a:t>
-            </a:r>
-            <a:r>
-              <a:rPr lang="zh-CN" altLang="en-US" sz="2000" dirty="0" smtClean="0">
-                <a:solidFill>
-                  <a:srgbClr val="FF0000"/>
-                </a:solidFill>
-                <a:latin typeface="Times New Roman" panose="02020603050405020304" pitchFamily="18" charset="0"/>
-                <a:ea typeface="宋体" panose="02010600030101010101" pitchFamily="2" charset="-122"/>
-                <a:cs typeface="Times New Roman" panose="02020603050405020304" pitchFamily="18" charset="0"/>
-              </a:rPr>
-              <a:t>中间断言构造困难</a:t>
-            </a:r>
-            <a:r>
-              <a:rPr lang="zh-CN" altLang="en-US" sz="2000" dirty="0" smtClean="0">
-                <a:latin typeface="Times New Roman" panose="02020603050405020304" pitchFamily="18" charset="0"/>
-                <a:ea typeface="宋体" panose="02010600030101010101" pitchFamily="2" charset="-122"/>
-                <a:cs typeface="Times New Roman" panose="02020603050405020304" pitchFamily="18" charset="0"/>
-              </a:rPr>
-              <a:t>的问题。</a:t>
-            </a:r>
-            <a:endParaRPr lang="en-US" altLang="zh-CN" sz="2000" dirty="0">
               <a:latin typeface="Times New Roman" panose="02020603050405020304" pitchFamily="18" charset="0"/>
               <a:ea typeface="宋体" panose="02010600030101010101" pitchFamily="2" charset="-122"/>
               <a:cs typeface="Times New Roman" panose="02020603050405020304" pitchFamily="18" charset="0"/>
@@ -18186,40 +16582,70 @@
               <a:buFont typeface="Wingdings" panose="05000000000000000000" pitchFamily="2" charset="2"/>
               <a:buChar char="Ø"/>
             </a:pPr>
-            <a:endParaRPr lang="en-US" altLang="zh-CN" sz="2000" dirty="0" smtClean="0">
-              <a:latin typeface="Times New Roman" panose="02020603050405020304" pitchFamily="18" charset="0"/>
-              <a:ea typeface="宋体" panose="02010600030101010101" pitchFamily="2" charset="-122"/>
-              <a:cs typeface="Times New Roman" panose="02020603050405020304" pitchFamily="18" charset="0"/>
-            </a:endParaRPr>
-          </a:p>
-          <a:p>
-            <a:pPr algn="just">
-              <a:spcBef>
-                <a:spcPts val="600"/>
-              </a:spcBef>
-              <a:spcAft>
-                <a:spcPts val="600"/>
-              </a:spcAft>
-              <a:buFont typeface="Wingdings" panose="05000000000000000000" pitchFamily="2" charset="2"/>
-              <a:buChar char="Ø"/>
-            </a:pPr>
-            <a:endParaRPr lang="en-US" altLang="zh-CN" sz="2000" dirty="0">
-              <a:latin typeface="Times New Roman" panose="02020603050405020304" pitchFamily="18" charset="0"/>
-              <a:ea typeface="宋体" panose="02010600030101010101" pitchFamily="2" charset="-122"/>
-              <a:cs typeface="Times New Roman" panose="02020603050405020304" pitchFamily="18" charset="0"/>
-            </a:endParaRPr>
-          </a:p>
-          <a:p>
-            <a:pPr algn="just">
-              <a:spcBef>
-                <a:spcPts val="600"/>
-              </a:spcBef>
-              <a:spcAft>
-                <a:spcPts val="600"/>
-              </a:spcAft>
-              <a:buFont typeface="Wingdings" panose="05000000000000000000" pitchFamily="2" charset="2"/>
-              <a:buChar char="Ø"/>
-            </a:pPr>
+            <a:r>
+              <a:rPr lang="zh-CN" altLang="en-US" sz="2000" dirty="0">
+                <a:latin typeface="Times New Roman" panose="02020603050405020304" pitchFamily="18" charset="0"/>
+                <a:ea typeface="宋体" panose="02010600030101010101" pitchFamily="2" charset="-122"/>
+                <a:cs typeface="Times New Roman" panose="02020603050405020304" pitchFamily="18" charset="0"/>
+              </a:rPr>
+              <a:t>模型检测的基本方法是用一个状态迁移图</a:t>
+            </a:r>
+            <a:r>
+              <a:rPr lang="en-US" altLang="zh-CN" sz="2000" dirty="0">
+                <a:latin typeface="Times New Roman" panose="02020603050405020304" pitchFamily="18" charset="0"/>
+                <a:ea typeface="宋体" panose="02010600030101010101" pitchFamily="2" charset="-122"/>
+                <a:cs typeface="Times New Roman" panose="02020603050405020304" pitchFamily="18" charset="0"/>
+              </a:rPr>
+              <a:t>M </a:t>
+            </a:r>
+            <a:r>
+              <a:rPr lang="zh-CN" altLang="en-US" sz="2000" dirty="0">
+                <a:latin typeface="Times New Roman" panose="02020603050405020304" pitchFamily="18" charset="0"/>
+                <a:ea typeface="宋体" panose="02010600030101010101" pitchFamily="2" charset="-122"/>
+                <a:cs typeface="Times New Roman" panose="02020603050405020304" pitchFamily="18" charset="0"/>
+              </a:rPr>
+              <a:t>来表示所要检测的系统的模型，并用模态</a:t>
+            </a:r>
+            <a:r>
+              <a:rPr lang="en-US" altLang="zh-CN" sz="2000" dirty="0">
+                <a:latin typeface="Times New Roman" panose="02020603050405020304" pitchFamily="18" charset="0"/>
+                <a:ea typeface="宋体" panose="02010600030101010101" pitchFamily="2" charset="-122"/>
+                <a:cs typeface="Times New Roman" panose="02020603050405020304" pitchFamily="18" charset="0"/>
+              </a:rPr>
+              <a:t>/</a:t>
+            </a:r>
+            <a:r>
+              <a:rPr lang="zh-CN" altLang="en-US" sz="2000" dirty="0">
+                <a:latin typeface="Times New Roman" panose="02020603050405020304" pitchFamily="18" charset="0"/>
+                <a:ea typeface="宋体" panose="02010600030101010101" pitchFamily="2" charset="-122"/>
+                <a:cs typeface="Times New Roman" panose="02020603050405020304" pitchFamily="18" charset="0"/>
+              </a:rPr>
+              <a:t>时序</a:t>
+            </a:r>
+            <a:r>
+              <a:rPr lang="zh-CN" altLang="en-US" sz="2000" dirty="0" smtClean="0">
+                <a:latin typeface="Times New Roman" panose="02020603050405020304" pitchFamily="18" charset="0"/>
+                <a:ea typeface="宋体" panose="02010600030101010101" pitchFamily="2" charset="-122"/>
+                <a:cs typeface="Times New Roman" panose="02020603050405020304" pitchFamily="18" charset="0"/>
+              </a:rPr>
+              <a:t>逻辑公式</a:t>
+            </a:r>
+            <a:r>
+              <a:rPr lang="en-US" altLang="zh-CN" sz="2000" dirty="0">
+                <a:latin typeface="Times New Roman" panose="02020603050405020304" pitchFamily="18" charset="0"/>
+                <a:ea typeface="宋体" panose="02010600030101010101" pitchFamily="2" charset="-122"/>
+                <a:cs typeface="Times New Roman" panose="02020603050405020304" pitchFamily="18" charset="0"/>
+              </a:rPr>
+              <a:t>φ </a:t>
+            </a:r>
+            <a:r>
+              <a:rPr lang="zh-CN" altLang="en-US" sz="2000" dirty="0">
+                <a:latin typeface="Times New Roman" panose="02020603050405020304" pitchFamily="18" charset="0"/>
+                <a:ea typeface="宋体" panose="02010600030101010101" pitchFamily="2" charset="-122"/>
+                <a:cs typeface="Times New Roman" panose="02020603050405020304" pitchFamily="18" charset="0"/>
+              </a:rPr>
+              <a:t>来描述系统的正确行为属性，然后通过对模型状态空间穷举搜索来判断该公式是否能够在模型上被满足。</a:t>
+            </a:r>
             <a:endParaRPr lang="en-US" altLang="zh-CN" sz="2000" dirty="0">
               <a:latin typeface="Times New Roman" panose="02020603050405020304" pitchFamily="18" charset="0"/>
               <a:ea typeface="宋体" panose="02010600030101010101" pitchFamily="2" charset="-122"/>
@@ -18234,7 +16660,111 @@
               <a:buFont typeface="Wingdings" panose="05000000000000000000" pitchFamily="2" charset="2"/>
               <a:buChar char="Ø"/>
             </a:pPr>
-            <a:endParaRPr lang="en-US" altLang="zh-CN" sz="2000" dirty="0">
+            <a:r>
+              <a:rPr lang="zh-CN" altLang="en-US" sz="2000" dirty="0">
+                <a:latin typeface="Times New Roman" panose="02020603050405020304" pitchFamily="18" charset="0"/>
+                <a:ea typeface="宋体" panose="02010600030101010101" pitchFamily="2" charset="-122"/>
+                <a:cs typeface="Times New Roman" panose="02020603050405020304" pitchFamily="18" charset="0"/>
+              </a:rPr>
+              <a:t>如果公式在模型上满足，</a:t>
+            </a:r>
+            <a:r>
+              <a:rPr lang="zh-CN" altLang="en-US" sz="2000" dirty="0" smtClean="0">
+                <a:latin typeface="Times New Roman" panose="02020603050405020304" pitchFamily="18" charset="0"/>
+                <a:ea typeface="宋体" panose="02010600030101010101" pitchFamily="2" charset="-122"/>
+                <a:cs typeface="Times New Roman" panose="02020603050405020304" pitchFamily="18" charset="0"/>
+              </a:rPr>
+              <a:t>即</a:t>
+            </a:r>
+            <a:r>
+              <a:rPr lang="en-US" altLang="zh-CN" sz="2000" dirty="0" smtClean="0">
+                <a:latin typeface="Times New Roman" panose="02020603050405020304" pitchFamily="18" charset="0"/>
+                <a:ea typeface="宋体" panose="02010600030101010101" pitchFamily="2" charset="-122"/>
+                <a:cs typeface="Times New Roman" panose="02020603050405020304" pitchFamily="18" charset="0"/>
+              </a:rPr>
+              <a:t>|M </a:t>
+            </a:r>
+            <a:r>
+              <a:rPr lang="en-US" altLang="zh-CN" sz="2000" dirty="0">
+                <a:latin typeface="Times New Roman" panose="02020603050405020304" pitchFamily="18" charset="0"/>
+                <a:ea typeface="宋体" panose="02010600030101010101" pitchFamily="2" charset="-122"/>
+                <a:cs typeface="Times New Roman" panose="02020603050405020304" pitchFamily="18" charset="0"/>
+              </a:rPr>
+              <a:t>|= φ</a:t>
+            </a:r>
+            <a:r>
+              <a:rPr lang="zh-CN" altLang="en-US" sz="2000" dirty="0">
+                <a:latin typeface="Times New Roman" panose="02020603050405020304" pitchFamily="18" charset="0"/>
+                <a:ea typeface="宋体" panose="02010600030101010101" pitchFamily="2" charset="-122"/>
+                <a:cs typeface="Times New Roman" panose="02020603050405020304" pitchFamily="18" charset="0"/>
+              </a:rPr>
+              <a:t>，则系统的正确性得到证实（</a:t>
+            </a:r>
+            <a:r>
+              <a:rPr lang="en-US" altLang="zh-CN" sz="2000" dirty="0" smtClean="0">
+                <a:latin typeface="Times New Roman" panose="02020603050405020304" pitchFamily="18" charset="0"/>
+                <a:ea typeface="宋体" panose="02010600030101010101" pitchFamily="2" charset="-122"/>
+                <a:cs typeface="Times New Roman" panose="02020603050405020304" pitchFamily="18" charset="0"/>
+              </a:rPr>
+              <a:t>verified</a:t>
+            </a:r>
+            <a:r>
+              <a:rPr lang="zh-CN" altLang="en-US" sz="2000" dirty="0" smtClean="0">
+                <a:latin typeface="Times New Roman" panose="02020603050405020304" pitchFamily="18" charset="0"/>
+                <a:ea typeface="宋体" panose="02010600030101010101" pitchFamily="2" charset="-122"/>
+                <a:cs typeface="Times New Roman" panose="02020603050405020304" pitchFamily="18" charset="0"/>
+              </a:rPr>
+              <a:t>）（即系统的所有状态都在正确行为属性集中）；</a:t>
+            </a:r>
+            <a:r>
+              <a:rPr lang="zh-CN" altLang="en-US" sz="2000" dirty="0">
+                <a:latin typeface="Times New Roman" panose="02020603050405020304" pitchFamily="18" charset="0"/>
+                <a:ea typeface="宋体" panose="02010600030101010101" pitchFamily="2" charset="-122"/>
+                <a:cs typeface="Times New Roman" panose="02020603050405020304" pitchFamily="18" charset="0"/>
+              </a:rPr>
+              <a:t>否则，就表明系统中存在错误，即</a:t>
+            </a:r>
+            <a:r>
+              <a:rPr lang="en-US" altLang="zh-CN" sz="2000" dirty="0">
+                <a:latin typeface="Times New Roman" panose="02020603050405020304" pitchFamily="18" charset="0"/>
+                <a:ea typeface="宋体" panose="02010600030101010101" pitchFamily="2" charset="-122"/>
+                <a:cs typeface="Times New Roman" panose="02020603050405020304" pitchFamily="18" charset="0"/>
+              </a:rPr>
+              <a:t>M |= ~φ</a:t>
+            </a:r>
+            <a:r>
+              <a:rPr lang="zh-CN" altLang="en-US" sz="2000" dirty="0">
+                <a:latin typeface="Times New Roman" panose="02020603050405020304" pitchFamily="18" charset="0"/>
+                <a:ea typeface="宋体" panose="02010600030101010101" pitchFamily="2" charset="-122"/>
+                <a:cs typeface="Times New Roman" panose="02020603050405020304" pitchFamily="18" charset="0"/>
+              </a:rPr>
+              <a:t>，系统正确性被证伪（</a:t>
+            </a:r>
+            <a:r>
+              <a:rPr lang="en-US" altLang="zh-CN" sz="2000" dirty="0">
+                <a:latin typeface="Times New Roman" panose="02020603050405020304" pitchFamily="18" charset="0"/>
+                <a:ea typeface="宋体" panose="02010600030101010101" pitchFamily="2" charset="-122"/>
+                <a:cs typeface="Times New Roman" panose="02020603050405020304" pitchFamily="18" charset="0"/>
+              </a:rPr>
+              <a:t>falsified</a:t>
+            </a:r>
+            <a:r>
+              <a:rPr lang="zh-CN" altLang="en-US" sz="2000" dirty="0">
+                <a:latin typeface="Times New Roman" panose="02020603050405020304" pitchFamily="18" charset="0"/>
+                <a:ea typeface="宋体" panose="02010600030101010101" pitchFamily="2" charset="-122"/>
+                <a:cs typeface="Times New Roman" panose="02020603050405020304" pitchFamily="18" charset="0"/>
+              </a:rPr>
+              <a:t>）</a:t>
+            </a:r>
+            <a:r>
+              <a:rPr lang="zh-CN" altLang="en-US" sz="2000" dirty="0" smtClean="0">
+                <a:latin typeface="Times New Roman" panose="02020603050405020304" pitchFamily="18" charset="0"/>
+                <a:ea typeface="宋体" panose="02010600030101010101" pitchFamily="2" charset="-122"/>
+                <a:cs typeface="Times New Roman" panose="02020603050405020304" pitchFamily="18" charset="0"/>
+              </a:rPr>
+              <a:t>。</a:t>
+            </a:r>
+            <a:endParaRPr lang="en-US" altLang="zh-CN" sz="2000" dirty="0" smtClean="0">
               <a:latin typeface="Times New Roman" panose="02020603050405020304" pitchFamily="18" charset="0"/>
               <a:ea typeface="宋体" panose="02010600030101010101" pitchFamily="2" charset="-122"/>
               <a:cs typeface="Times New Roman" panose="02020603050405020304" pitchFamily="18" charset="0"/>
@@ -18248,6 +16778,38 @@
               <a:buFont typeface="Wingdings" panose="05000000000000000000" pitchFamily="2" charset="2"/>
               <a:buChar char="Ø"/>
             </a:pPr>
+            <a:r>
+              <a:rPr lang="zh-CN" altLang="en-US" sz="2000" dirty="0">
+                <a:latin typeface="Times New Roman" panose="02020603050405020304" pitchFamily="18" charset="0"/>
+                <a:ea typeface="宋体" panose="02010600030101010101" pitchFamily="2" charset="-122"/>
+                <a:cs typeface="Times New Roman" panose="02020603050405020304" pitchFamily="18" charset="0"/>
+              </a:rPr>
+              <a:t>模型检测在实际中应用的主要瓶颈是状态爆炸问题（</a:t>
+            </a:r>
+            <a:r>
+              <a:rPr lang="en-US" altLang="zh-CN" sz="2000" dirty="0">
+                <a:latin typeface="Times New Roman" panose="02020603050405020304" pitchFamily="18" charset="0"/>
+                <a:ea typeface="宋体" panose="02010600030101010101" pitchFamily="2" charset="-122"/>
+                <a:cs typeface="Times New Roman" panose="02020603050405020304" pitchFamily="18" charset="0"/>
+              </a:rPr>
+              <a:t>state‐explosion problem</a:t>
+            </a:r>
+            <a:r>
+              <a:rPr lang="zh-CN" altLang="en-US" sz="2000" dirty="0" smtClean="0">
+                <a:latin typeface="Times New Roman" panose="02020603050405020304" pitchFamily="18" charset="0"/>
+                <a:ea typeface="宋体" panose="02010600030101010101" pitchFamily="2" charset="-122"/>
+                <a:cs typeface="Times New Roman" panose="02020603050405020304" pitchFamily="18" charset="0"/>
+              </a:rPr>
+              <a:t>）</a:t>
+            </a:r>
+            <a:r>
+              <a:rPr lang="zh-CN" altLang="en-US" sz="2000" dirty="0" smtClean="0">
+                <a:latin typeface="Times New Roman" panose="02020603050405020304" pitchFamily="18" charset="0"/>
+                <a:ea typeface="宋体" panose="02010600030101010101" pitchFamily="2" charset="-122"/>
+                <a:cs typeface="Times New Roman" panose="02020603050405020304" pitchFamily="18" charset="0"/>
+              </a:rPr>
+              <a:t>。</a:t>
+            </a:r>
             <a:endParaRPr lang="zh-CN" altLang="en-US" sz="2000" dirty="0">
               <a:latin typeface="Times New Roman" panose="02020603050405020304" pitchFamily="18" charset="0"/>
               <a:ea typeface="宋体" panose="02010600030101010101" pitchFamily="2" charset="-122"/>
@@ -18264,7 +16826,7 @@
         </p:nvSpPr>
         <p:spPr bwMode="auto">
           <a:xfrm>
-            <a:off x="559316" y="1714487"/>
+            <a:off x="559316" y="1692001"/>
             <a:ext cx="6072230" cy="571504"/>
           </a:xfrm>
           <a:prstGeom prst="roundRect">
@@ -18307,7 +16869,18 @@
                 <a:ea typeface="宋体" panose="02010600030101010101" pitchFamily="2" charset="-122"/>
                 <a:cs typeface="Times New Roman" panose="02020603050405020304" pitchFamily="18" charset="0"/>
               </a:rPr>
-              <a:t>程序正确性证明方法</a:t>
+              <a:t>模型</a:t>
+            </a:r>
+            <a:r>
+              <a:rPr kumimoji="1" lang="zh-CN" altLang="en-US" sz="2000" b="1" dirty="0">
+                <a:solidFill>
+                  <a:schemeClr val="tx1"/>
+                </a:solidFill>
+                <a:latin typeface="Times New Roman" panose="02020603050405020304" pitchFamily="18" charset="0"/>
+                <a:ea typeface="宋体" panose="02010600030101010101" pitchFamily="2" charset="-122"/>
+                <a:cs typeface="Times New Roman" panose="02020603050405020304" pitchFamily="18" charset="0"/>
+              </a:rPr>
+              <a:t>检验方法</a:t>
             </a:r>
             <a:endParaRPr kumimoji="1" lang="zh-CN" altLang="en-US" sz="2000" b="1" dirty="0">
               <a:solidFill>
@@ -18323,7 +16896,7 @@
     </p:spTree>
     <p:extLst>
       <p:ext uri="{BB962C8B-B14F-4D97-AF65-F5344CB8AC3E}">
-        <p14:creationId xmlns:p14="http://schemas.microsoft.com/office/powerpoint/2010/main" val="2345455859"/>
+        <p14:creationId xmlns:p14="http://schemas.microsoft.com/office/powerpoint/2010/main" val="4181768163"/>
       </p:ext>
     </p:extLst>
   </p:cSld>

--- a/开题/SY1406108_陈志伟_开题ppt.pptx
+++ b/开题/SY1406108_陈志伟_开题ppt.pptx
@@ -1724,6 +1724,90 @@
           <a:bodyPr/>
           <a:lstStyle/>
           <a:p>
+            <a:fld id="{867BA18B-575D-47BB-8171-D715A06AABD7}" type="slidenum">
+              <a:rPr lang="zh-CN" altLang="en-US" smtClean="0"/>
+              <a:t>16</a:t>
+            </a:fld>
+            <a:endParaRPr lang="zh-CN" altLang="en-US"/>
+          </a:p>
+        </p:txBody>
+      </p:sp>
+    </p:spTree>
+    <p:extLst>
+      <p:ext uri="{BB962C8B-B14F-4D97-AF65-F5344CB8AC3E}">
+        <p14:creationId xmlns:p14="http://schemas.microsoft.com/office/powerpoint/2010/main" val="2767154178"/>
+      </p:ext>
+    </p:extLst>
+  </p:cSld>
+  <p:clrMapOvr>
+    <a:masterClrMapping/>
+  </p:clrMapOvr>
+</p:notes>
+</file>
+
+<file path=ppt/notesSlides/notesSlide7.xml><?xml version="1.0" encoding="utf-8"?>
+<p:notes xmlns:a="http://schemas.openxmlformats.org/drawingml/2006/main" xmlns:r="http://schemas.openxmlformats.org/officeDocument/2006/relationships" xmlns:p="http://schemas.openxmlformats.org/presentationml/2006/main">
+  <p:cSld>
+    <p:spTree>
+      <p:nvGrpSpPr>
+        <p:cNvPr id="1" name=""/>
+        <p:cNvGrpSpPr/>
+        <p:nvPr/>
+      </p:nvGrpSpPr>
+      <p:grpSpPr>
+        <a:xfrm>
+          <a:off x="0" y="0"/>
+          <a:ext cx="0" cy="0"/>
+          <a:chOff x="0" y="0"/>
+          <a:chExt cx="0" cy="0"/>
+        </a:xfrm>
+      </p:grpSpPr>
+      <p:sp>
+        <p:nvSpPr>
+          <p:cNvPr id="2" name="幻灯片图像占位符 1"/>
+          <p:cNvSpPr>
+            <a:spLocks noGrp="1" noRot="1" noChangeAspect="1"/>
+          </p:cNvSpPr>
+          <p:nvPr>
+            <p:ph type="sldImg"/>
+          </p:nvPr>
+        </p:nvSpPr>
+        <p:spPr/>
+      </p:sp>
+      <p:sp>
+        <p:nvSpPr>
+          <p:cNvPr id="3" name="备注占位符 2"/>
+          <p:cNvSpPr>
+            <a:spLocks noGrp="1"/>
+          </p:cNvSpPr>
+          <p:nvPr>
+            <p:ph type="body" idx="1"/>
+          </p:nvPr>
+        </p:nvSpPr>
+        <p:spPr/>
+        <p:txBody>
+          <a:bodyPr/>
+          <a:lstStyle/>
+          <a:p>
+            <a:endParaRPr lang="zh-CN" altLang="en-US" dirty="0"/>
+          </a:p>
+        </p:txBody>
+      </p:sp>
+      <p:sp>
+        <p:nvSpPr>
+          <p:cNvPr id="4" name="灯片编号占位符 3"/>
+          <p:cNvSpPr>
+            <a:spLocks noGrp="1"/>
+          </p:cNvSpPr>
+          <p:nvPr>
+            <p:ph type="sldNum" sz="quarter" idx="10"/>
+          </p:nvPr>
+        </p:nvSpPr>
+        <p:spPr/>
+        <p:txBody>
+          <a:bodyPr/>
+          <a:lstStyle/>
+          <a:p>
             <a:pPr>
               <a:defRPr/>
             </a:pPr>
@@ -2818,7 +2902,7 @@
           <a:graphicData uri="http://schemas.openxmlformats.org/presentationml/2006/ole">
             <mc:AlternateContent xmlns:mc="http://schemas.openxmlformats.org/markup-compatibility/2006">
               <mc:Choice xmlns:v="urn:schemas-microsoft-com:vml" Requires="v">
-                <p:oleObj spid="_x0000_s1588" name="Image" r:id="rId3" imgW="8228571" imgH="8711111" progId="">
+                <p:oleObj spid="_x0000_s1598" name="Image" r:id="rId3" imgW="8228571" imgH="8711111" progId="">
                   <p:embed/>
                 </p:oleObj>
               </mc:Choice>
@@ -9948,26 +10032,45 @@
                 <a:ea typeface="宋体" panose="02010600030101010101" pitchFamily="2" charset="-122"/>
                 <a:cs typeface="Times New Roman" panose="02020603050405020304" pitchFamily="18" charset="0"/>
               </a:rPr>
-              <a:t>课题的研究目标是构建一个可以</a:t>
-            </a:r>
-            <a:r>
-              <a:rPr lang="zh-CN" altLang="en-US" sz="2000" dirty="0">
-                <a:solidFill>
-                  <a:srgbClr val="FF0000"/>
-                </a:solidFill>
-                <a:latin typeface="Times New Roman" panose="02020603050405020304" pitchFamily="18" charset="0"/>
-                <a:ea typeface="宋体" panose="02010600030101010101" pitchFamily="2" charset="-122"/>
-                <a:cs typeface="Times New Roman" panose="02020603050405020304" pitchFamily="18" charset="0"/>
-              </a:rPr>
-              <a:t>实现对编译器建模及形式化验证的工具</a:t>
-            </a:r>
-            <a:r>
-              <a:rPr lang="zh-CN" altLang="en-US" sz="2000" dirty="0">
-                <a:latin typeface="Times New Roman" panose="02020603050405020304" pitchFamily="18" charset="0"/>
-                <a:ea typeface="宋体" panose="02010600030101010101" pitchFamily="2" charset="-122"/>
-                <a:cs typeface="Times New Roman" panose="02020603050405020304" pitchFamily="18" charset="0"/>
-              </a:rPr>
-              <a:t>，该工具可以对编译前后的源代码和目标代码进行变换和推导，验证其语义是否保持一致，从而得出编译器是否安全可信。</a:t>
+              <a:t>课题的研究目标是构建一个实现对编译器形式化建模和验证的工具，该工具能对源代码和编译后的目标代码进行形式化，通过变换和推导获得</a:t>
+            </a:r>
+            <a:r>
+              <a:rPr lang="zh-CN" altLang="en-US" sz="2000" dirty="0" smtClean="0">
+                <a:latin typeface="Times New Roman" panose="02020603050405020304" pitchFamily="18" charset="0"/>
+                <a:ea typeface="宋体" panose="02010600030101010101" pitchFamily="2" charset="-122"/>
+                <a:cs typeface="Times New Roman" panose="02020603050405020304" pitchFamily="18" charset="0"/>
+              </a:rPr>
+              <a:t>其最终语义。</a:t>
+            </a:r>
+            <a:endParaRPr lang="en-US" altLang="zh-CN" sz="2000" dirty="0" smtClean="0">
+              <a:latin typeface="Times New Roman" panose="02020603050405020304" pitchFamily="18" charset="0"/>
+              <a:ea typeface="宋体" panose="02010600030101010101" pitchFamily="2" charset="-122"/>
+              <a:cs typeface="Times New Roman" panose="02020603050405020304" pitchFamily="18" charset="0"/>
+            </a:endParaRPr>
+          </a:p>
+          <a:p>
+            <a:pPr>
+              <a:lnSpc>
+                <a:spcPct val="150000"/>
+              </a:lnSpc>
+              <a:buFont typeface="Wingdings" panose="05000000000000000000" pitchFamily="2" charset="2"/>
+              <a:buChar char="Ø"/>
+            </a:pPr>
+            <a:r>
+              <a:rPr lang="zh-CN" altLang="en-US" sz="2000" dirty="0" smtClean="0">
+                <a:latin typeface="Times New Roman" panose="02020603050405020304" pitchFamily="18" charset="0"/>
+                <a:ea typeface="宋体" panose="02010600030101010101" pitchFamily="2" charset="-122"/>
+                <a:cs typeface="Times New Roman" panose="02020603050405020304" pitchFamily="18" charset="0"/>
+              </a:rPr>
+              <a:t>最后</a:t>
+            </a:r>
+            <a:r>
+              <a:rPr lang="zh-CN" altLang="en-US" sz="2000" dirty="0">
+                <a:latin typeface="Times New Roman" panose="02020603050405020304" pitchFamily="18" charset="0"/>
+                <a:ea typeface="宋体" panose="02010600030101010101" pitchFamily="2" charset="-122"/>
+                <a:cs typeface="Times New Roman" panose="02020603050405020304" pitchFamily="18" charset="0"/>
+              </a:rPr>
+              <a:t>，通过验证编译前后源代码和目标代码的语义是否保持一致，从而得出编译器是否具备安全可信性质。</a:t>
             </a:r>
             <a:endParaRPr lang="en-US" altLang="zh-CN" sz="2000" dirty="0">
               <a:latin typeface="Times New Roman" panose="02020603050405020304" pitchFamily="18" charset="0"/>
@@ -10183,7 +10286,7 @@
               <a:buChar char="Ø"/>
             </a:pPr>
             <a:r>
-              <a:rPr lang="en-US" altLang="zh-CN" sz="2000" dirty="0" smtClean="0">
+              <a:rPr lang="en-US" altLang="zh-CN" sz="2000" dirty="0">
                 <a:latin typeface="宋体" panose="02010600030101010101" pitchFamily="2" charset="-122"/>
                 <a:ea typeface="宋体" panose="02010600030101010101" pitchFamily="2" charset="-122"/>
               </a:rPr>
@@ -10201,7 +10304,24 @@
                 <a:latin typeface="宋体" panose="02010600030101010101" pitchFamily="2" charset="-122"/>
                 <a:ea typeface="宋体" panose="02010600030101010101" pitchFamily="2" charset="-122"/>
               </a:rPr>
-              <a:t>验证工具系统整体框架设计；</a:t>
+              <a:t>验证工具系统</a:t>
+            </a:r>
+            <a:r>
+              <a:rPr lang="zh-CN" altLang="en-US" sz="2000" dirty="0">
+                <a:solidFill>
+                  <a:srgbClr val="FF0000"/>
+                </a:solidFill>
+                <a:latin typeface="宋体" panose="02010600030101010101" pitchFamily="2" charset="-122"/>
+                <a:ea typeface="宋体" panose="02010600030101010101" pitchFamily="2" charset="-122"/>
+              </a:rPr>
+              <a:t>整体框架</a:t>
+            </a:r>
+            <a:r>
+              <a:rPr lang="zh-CN" altLang="en-US" sz="2000" dirty="0">
+                <a:latin typeface="宋体" panose="02010600030101010101" pitchFamily="2" charset="-122"/>
+                <a:ea typeface="宋体" panose="02010600030101010101" pitchFamily="2" charset="-122"/>
+              </a:rPr>
+              <a:t>设计；</a:t>
             </a:r>
           </a:p>
           <a:p>
@@ -10213,7 +10333,7 @@
               <a:buChar char="Ø"/>
             </a:pPr>
             <a:r>
-              <a:rPr lang="en-US" altLang="zh-CN" sz="2000" dirty="0" smtClean="0">
+              <a:rPr lang="en-US" altLang="zh-CN" sz="2000" dirty="0">
                 <a:latin typeface="宋体" panose="02010600030101010101" pitchFamily="2" charset="-122"/>
                 <a:ea typeface="宋体" panose="02010600030101010101" pitchFamily="2" charset="-122"/>
               </a:rPr>
@@ -10224,14 +10344,7 @@
                 <a:latin typeface="宋体" panose="02010600030101010101" pitchFamily="2" charset="-122"/>
                 <a:ea typeface="宋体" panose="02010600030101010101" pitchFamily="2" charset="-122"/>
               </a:rPr>
-              <a:t>）开发</a:t>
-            </a:r>
-            <a:r>
-              <a:rPr lang="zh-CN" altLang="en-US" sz="2000" dirty="0">
-                <a:latin typeface="宋体" panose="02010600030101010101" pitchFamily="2" charset="-122"/>
-                <a:ea typeface="宋体" panose="02010600030101010101" pitchFamily="2" charset="-122"/>
-              </a:rPr>
-              <a:t>由</a:t>
+              <a:t>）研究</a:t>
             </a:r>
             <a:r>
               <a:rPr lang="zh-CN" altLang="en-US" sz="2000" dirty="0">
@@ -10241,7 +10354,7 @@
                 <a:latin typeface="宋体" panose="02010600030101010101" pitchFamily="2" charset="-122"/>
                 <a:ea typeface="宋体" panose="02010600030101010101" pitchFamily="2" charset="-122"/>
               </a:rPr>
-              <a:t>单条安全</a:t>
+              <a:t>单条</a:t>
             </a:r>
             <a:r>
               <a:rPr lang="en-US" altLang="zh-CN" sz="2000" dirty="0">
@@ -10268,7 +10381,7 @@
                 <a:latin typeface="宋体" panose="02010600030101010101" pitchFamily="2" charset="-122"/>
                 <a:ea typeface="宋体" panose="02010600030101010101" pitchFamily="2" charset="-122"/>
               </a:rPr>
-              <a:t>生成的目标代码的形式化验证算法；</a:t>
+              <a:t>的语义生成算法；</a:t>
             </a:r>
           </a:p>
           <a:p>
@@ -10280,7 +10393,7 @@
               <a:buChar char="Ø"/>
             </a:pPr>
             <a:r>
-              <a:rPr lang="en-US" altLang="zh-CN" sz="2000" dirty="0" smtClean="0">
+              <a:rPr lang="en-US" altLang="zh-CN" sz="2000" dirty="0">
                 <a:latin typeface="宋体" panose="02010600030101010101" pitchFamily="2" charset="-122"/>
                 <a:ea typeface="宋体" panose="02010600030101010101" pitchFamily="2" charset="-122"/>
               </a:rPr>
@@ -10298,7 +10411,7 @@
                 <a:latin typeface="宋体" panose="02010600030101010101" pitchFamily="2" charset="-122"/>
                 <a:ea typeface="宋体" panose="02010600030101010101" pitchFamily="2" charset="-122"/>
               </a:rPr>
-              <a:t>从单条安全</a:t>
+              <a:t>由单条</a:t>
             </a:r>
             <a:r>
               <a:rPr lang="en-US" altLang="zh-CN" sz="2000" dirty="0">
@@ -10312,7 +10425,7 @@
                 <a:latin typeface="宋体" panose="02010600030101010101" pitchFamily="2" charset="-122"/>
                 <a:ea typeface="宋体" panose="02010600030101010101" pitchFamily="2" charset="-122"/>
               </a:rPr>
-              <a:t>文法结构到</a:t>
+              <a:t>文法结构编译生成的</a:t>
             </a:r>
             <a:r>
               <a:rPr lang="zh-CN" altLang="en-US" sz="2000" dirty="0">
@@ -10322,14 +10435,14 @@
                 <a:latin typeface="宋体" panose="02010600030101010101" pitchFamily="2" charset="-122"/>
                 <a:ea typeface="宋体" panose="02010600030101010101" pitchFamily="2" charset="-122"/>
               </a:rPr>
-              <a:t>整个程序的目标代码</a:t>
-            </a:r>
-            <a:r>
-              <a:rPr lang="zh-CN" altLang="en-US" sz="2000" dirty="0">
-                <a:latin typeface="宋体" panose="02010600030101010101" pitchFamily="2" charset="-122"/>
-                <a:ea typeface="宋体" panose="02010600030101010101" pitchFamily="2" charset="-122"/>
-              </a:rPr>
-              <a:t>的综合方法；</a:t>
+              <a:t>目标代码</a:t>
+            </a:r>
+            <a:r>
+              <a:rPr lang="zh-CN" altLang="en-US" sz="2000" dirty="0">
+                <a:latin typeface="宋体" panose="02010600030101010101" pitchFamily="2" charset="-122"/>
+                <a:ea typeface="宋体" panose="02010600030101010101" pitchFamily="2" charset="-122"/>
+              </a:rPr>
+              <a:t>的语义生成算法；</a:t>
             </a:r>
           </a:p>
           <a:p>
@@ -10352,31 +10465,45 @@
                 <a:latin typeface="宋体" panose="02010600030101010101" pitchFamily="2" charset="-122"/>
                 <a:ea typeface="宋体" panose="02010600030101010101" pitchFamily="2" charset="-122"/>
               </a:rPr>
-              <a:t>）形式化</a:t>
-            </a:r>
-            <a:r>
-              <a:rPr lang="zh-CN" altLang="en-US" sz="2000" dirty="0" smtClean="0">
-                <a:latin typeface="宋体" panose="02010600030101010101" pitchFamily="2" charset="-122"/>
-                <a:ea typeface="宋体" panose="02010600030101010101" pitchFamily="2" charset="-122"/>
-              </a:rPr>
-              <a:t>验证</a:t>
-            </a:r>
-            <a:r>
-              <a:rPr lang="zh-CN" altLang="en-US" sz="2000" dirty="0" smtClean="0">
+              <a:t>）研究</a:t>
+            </a:r>
+            <a:r>
+              <a:rPr lang="zh-CN" altLang="en-US" sz="2000" dirty="0">
+                <a:latin typeface="宋体" panose="02010600030101010101" pitchFamily="2" charset="-122"/>
+                <a:ea typeface="宋体" panose="02010600030101010101" pitchFamily="2" charset="-122"/>
+              </a:rPr>
+              <a:t>确认单条</a:t>
+            </a:r>
+            <a:r>
+              <a:rPr lang="en-US" altLang="zh-CN" sz="2000" dirty="0">
+                <a:latin typeface="宋体" panose="02010600030101010101" pitchFamily="2" charset="-122"/>
+                <a:ea typeface="宋体" panose="02010600030101010101" pitchFamily="2" charset="-122"/>
+              </a:rPr>
+              <a:t>C</a:t>
+            </a:r>
+            <a:r>
+              <a:rPr lang="zh-CN" altLang="en-US" sz="2000" dirty="0">
+                <a:latin typeface="宋体" panose="02010600030101010101" pitchFamily="2" charset="-122"/>
+                <a:ea typeface="宋体" panose="02010600030101010101" pitchFamily="2" charset="-122"/>
+              </a:rPr>
+              <a:t>文法结构和编译生成的目标代码</a:t>
+            </a:r>
+            <a:r>
+              <a:rPr lang="zh-CN" altLang="en-US" sz="2000" dirty="0">
                 <a:solidFill>
                   <a:srgbClr val="FF0000"/>
                 </a:solidFill>
                 <a:latin typeface="宋体" panose="02010600030101010101" pitchFamily="2" charset="-122"/>
                 <a:ea typeface="宋体" panose="02010600030101010101" pitchFamily="2" charset="-122"/>
               </a:rPr>
-              <a:t>公理库</a:t>
-            </a:r>
-            <a:r>
-              <a:rPr lang="zh-CN" altLang="en-US" sz="2000" dirty="0">
-                <a:latin typeface="宋体" panose="02010600030101010101" pitchFamily="2" charset="-122"/>
-                <a:ea typeface="宋体" panose="02010600030101010101" pitchFamily="2" charset="-122"/>
-              </a:rPr>
-              <a:t>的构建与使用；</a:t>
+              <a:t>语义一致</a:t>
+            </a:r>
+            <a:r>
+              <a:rPr lang="zh-CN" altLang="en-US" sz="2000" dirty="0">
+                <a:latin typeface="宋体" panose="02010600030101010101" pitchFamily="2" charset="-122"/>
+                <a:ea typeface="宋体" panose="02010600030101010101" pitchFamily="2" charset="-122"/>
+              </a:rPr>
+              <a:t>的算法；</a:t>
             </a:r>
           </a:p>
           <a:p>
@@ -10399,6 +10526,87 @@
                 <a:latin typeface="宋体" panose="02010600030101010101" pitchFamily="2" charset="-122"/>
                 <a:ea typeface="宋体" panose="02010600030101010101" pitchFamily="2" charset="-122"/>
               </a:rPr>
+              <a:t>）研究</a:t>
+            </a:r>
+            <a:r>
+              <a:rPr lang="zh-CN" altLang="en-US" sz="2000" dirty="0">
+                <a:latin typeface="宋体" panose="02010600030101010101" pitchFamily="2" charset="-122"/>
+                <a:ea typeface="宋体" panose="02010600030101010101" pitchFamily="2" charset="-122"/>
+              </a:rPr>
+              <a:t>如何单条</a:t>
+            </a:r>
+            <a:r>
+              <a:rPr lang="en-US" altLang="zh-CN" sz="2000" dirty="0">
+                <a:latin typeface="宋体" panose="02010600030101010101" pitchFamily="2" charset="-122"/>
+                <a:ea typeface="宋体" panose="02010600030101010101" pitchFamily="2" charset="-122"/>
+              </a:rPr>
+              <a:t>C</a:t>
+            </a:r>
+            <a:r>
+              <a:rPr lang="zh-CN" altLang="en-US" sz="2000" dirty="0">
+                <a:latin typeface="宋体" panose="02010600030101010101" pitchFamily="2" charset="-122"/>
+                <a:ea typeface="宋体" panose="02010600030101010101" pitchFamily="2" charset="-122"/>
+              </a:rPr>
+              <a:t>文法结构的证明思路扩展到</a:t>
+            </a:r>
+            <a:r>
+              <a:rPr lang="zh-CN" altLang="en-US" sz="2000" dirty="0">
+                <a:solidFill>
+                  <a:srgbClr val="FF0000"/>
+                </a:solidFill>
+                <a:latin typeface="宋体" panose="02010600030101010101" pitchFamily="2" charset="-122"/>
+                <a:ea typeface="宋体" panose="02010600030101010101" pitchFamily="2" charset="-122"/>
+              </a:rPr>
+              <a:t>整个</a:t>
+            </a:r>
+            <a:r>
+              <a:rPr lang="en-US" altLang="zh-CN" sz="2000" dirty="0">
+                <a:solidFill>
+                  <a:srgbClr val="FF0000"/>
+                </a:solidFill>
+                <a:latin typeface="宋体" panose="02010600030101010101" pitchFamily="2" charset="-122"/>
+                <a:ea typeface="宋体" panose="02010600030101010101" pitchFamily="2" charset="-122"/>
+              </a:rPr>
+              <a:t>C</a:t>
+            </a:r>
+            <a:r>
+              <a:rPr lang="zh-CN" altLang="en-US" sz="2000" dirty="0">
+                <a:solidFill>
+                  <a:srgbClr val="FF0000"/>
+                </a:solidFill>
+                <a:latin typeface="宋体" panose="02010600030101010101" pitchFamily="2" charset="-122"/>
+                <a:ea typeface="宋体" panose="02010600030101010101" pitchFamily="2" charset="-122"/>
+              </a:rPr>
+              <a:t>源代码</a:t>
+            </a:r>
+            <a:r>
+              <a:rPr lang="zh-CN" altLang="en-US" sz="2000" dirty="0">
+                <a:latin typeface="宋体" panose="02010600030101010101" pitchFamily="2" charset="-122"/>
+                <a:ea typeface="宋体" panose="02010600030101010101" pitchFamily="2" charset="-122"/>
+              </a:rPr>
+              <a:t>的方法；</a:t>
+            </a:r>
+          </a:p>
+          <a:p>
+            <a:pPr>
+              <a:lnSpc>
+                <a:spcPct val="150000"/>
+              </a:lnSpc>
+              <a:buFont typeface="Wingdings" panose="05000000000000000000" pitchFamily="2" charset="2"/>
+              <a:buChar char="Ø"/>
+            </a:pPr>
+            <a:r>
+              <a:rPr lang="en-US" altLang="zh-CN" sz="2000" dirty="0">
+                <a:latin typeface="宋体" panose="02010600030101010101" pitchFamily="2" charset="-122"/>
+                <a:ea typeface="宋体" panose="02010600030101010101" pitchFamily="2" charset="-122"/>
+              </a:rPr>
+              <a:t>6</a:t>
+            </a:r>
+            <a:r>
+              <a:rPr lang="zh-CN" altLang="en-US" sz="2000" dirty="0" smtClean="0">
+                <a:latin typeface="宋体" panose="02010600030101010101" pitchFamily="2" charset="-122"/>
+                <a:ea typeface="宋体" panose="02010600030101010101" pitchFamily="2" charset="-122"/>
+              </a:rPr>
               <a:t>）形式化</a:t>
             </a:r>
             <a:r>
@@ -10406,19 +10614,72 @@
                 <a:latin typeface="宋体" panose="02010600030101010101" pitchFamily="2" charset="-122"/>
                 <a:ea typeface="宋体" panose="02010600030101010101" pitchFamily="2" charset="-122"/>
               </a:rPr>
-              <a:t>验证工具用户交互界面的研究与</a:t>
+              <a:t>验证</a:t>
+            </a:r>
+            <a:r>
+              <a:rPr lang="zh-CN" altLang="en-US" sz="2000" dirty="0">
+                <a:solidFill>
+                  <a:srgbClr val="FF0000"/>
+                </a:solidFill>
+                <a:latin typeface="宋体" panose="02010600030101010101" pitchFamily="2" charset="-122"/>
+                <a:ea typeface="宋体" panose="02010600030101010101" pitchFamily="2" charset="-122"/>
+              </a:rPr>
+              <a:t>公理库</a:t>
+            </a:r>
+            <a:r>
+              <a:rPr lang="zh-CN" altLang="en-US" sz="2000" dirty="0">
+                <a:latin typeface="宋体" panose="02010600030101010101" pitchFamily="2" charset="-122"/>
+                <a:ea typeface="宋体" panose="02010600030101010101" pitchFamily="2" charset="-122"/>
+              </a:rPr>
+              <a:t>的构建与使用；</a:t>
+            </a:r>
+          </a:p>
+          <a:p>
+            <a:pPr>
+              <a:lnSpc>
+                <a:spcPct val="150000"/>
+              </a:lnSpc>
+              <a:buFont typeface="Wingdings" panose="05000000000000000000" pitchFamily="2" charset="2"/>
+              <a:buChar char="Ø"/>
+            </a:pPr>
+            <a:r>
+              <a:rPr lang="en-US" altLang="zh-CN" sz="2000" dirty="0">
+                <a:latin typeface="宋体" panose="02010600030101010101" pitchFamily="2" charset="-122"/>
+                <a:ea typeface="宋体" panose="02010600030101010101" pitchFamily="2" charset="-122"/>
+              </a:rPr>
+              <a:t>7</a:t>
             </a:r>
             <a:r>
               <a:rPr lang="zh-CN" altLang="en-US" sz="2000" dirty="0" smtClean="0">
                 <a:latin typeface="宋体" panose="02010600030101010101" pitchFamily="2" charset="-122"/>
                 <a:ea typeface="宋体" panose="02010600030101010101" pitchFamily="2" charset="-122"/>
               </a:rPr>
-              <a:t>改进。</a:t>
-            </a:r>
-            <a:endParaRPr lang="zh-CN" altLang="en-US" sz="2000" dirty="0">
-              <a:latin typeface="宋体" panose="02010600030101010101" pitchFamily="2" charset="-122"/>
-              <a:ea typeface="宋体" panose="02010600030101010101" pitchFamily="2" charset="-122"/>
-            </a:endParaRPr>
+              <a:t>）形式化</a:t>
+            </a:r>
+            <a:r>
+              <a:rPr lang="zh-CN" altLang="en-US" sz="2000" dirty="0">
+                <a:latin typeface="宋体" panose="02010600030101010101" pitchFamily="2" charset="-122"/>
+                <a:ea typeface="宋体" panose="02010600030101010101" pitchFamily="2" charset="-122"/>
+              </a:rPr>
+              <a:t>验证工具用户交互</a:t>
+            </a:r>
+            <a:r>
+              <a:rPr lang="zh-CN" altLang="en-US" sz="2000" dirty="0">
+                <a:solidFill>
+                  <a:srgbClr val="FF0000"/>
+                </a:solidFill>
+                <a:latin typeface="宋体" panose="02010600030101010101" pitchFamily="2" charset="-122"/>
+                <a:ea typeface="宋体" panose="02010600030101010101" pitchFamily="2" charset="-122"/>
+              </a:rPr>
+              <a:t>界面</a:t>
+            </a:r>
+            <a:r>
+              <a:rPr lang="zh-CN" altLang="en-US" sz="2000" dirty="0">
+                <a:latin typeface="宋体" panose="02010600030101010101" pitchFamily="2" charset="-122"/>
+                <a:ea typeface="宋体" panose="02010600030101010101" pitchFamily="2" charset="-122"/>
+              </a:rPr>
+              <a:t>的研究与改进；</a:t>
+            </a:r>
           </a:p>
           <a:p>
             <a:pPr marL="0" indent="0">
@@ -10427,7 +10688,7 @@
               </a:lnSpc>
               <a:buNone/>
             </a:pPr>
-            <a:endParaRPr lang="en-US" altLang="zh-CN" sz="2000" dirty="0">
+            <a:endParaRPr lang="en-US" altLang="zh-CN" sz="2000" dirty="0" smtClean="0">
               <a:latin typeface="宋体" panose="02010600030101010101" pitchFamily="2" charset="-122"/>
               <a:ea typeface="宋体" panose="02010600030101010101" pitchFamily="2" charset="-122"/>
             </a:endParaRPr>
@@ -10967,14 +11228,6 @@
               </a:rPr>
               <a:t>验证工具系统框架架构</a:t>
             </a:r>
-            <a:endParaRPr kumimoji="1" lang="zh-CN" altLang="en-US" sz="2000" b="1" dirty="0">
-              <a:solidFill>
-                <a:schemeClr val="tx1"/>
-              </a:solidFill>
-              <a:latin typeface="Times New Roman" panose="02020603050405020304" pitchFamily="18" charset="0"/>
-              <a:ea typeface="宋体" panose="02010600030101010101" pitchFamily="2" charset="-122"/>
-              <a:cs typeface="Times New Roman" panose="02020603050405020304" pitchFamily="18" charset="0"/>
-            </a:endParaRPr>
           </a:p>
         </p:txBody>
       </p:sp>
@@ -11293,14 +11546,6 @@
               </a:rPr>
               <a:t>库的构建与使用</a:t>
             </a:r>
-            <a:endParaRPr kumimoji="1" lang="zh-CN" altLang="en-US" sz="2000" b="1" dirty="0">
-              <a:solidFill>
-                <a:schemeClr val="tx1"/>
-              </a:solidFill>
-              <a:latin typeface="Times New Roman" panose="02020603050405020304" pitchFamily="18" charset="0"/>
-              <a:ea typeface="宋体" panose="02010600030101010101" pitchFamily="2" charset="-122"/>
-              <a:cs typeface="Times New Roman" panose="02020603050405020304" pitchFamily="18" charset="0"/>
-            </a:endParaRPr>
           </a:p>
         </p:txBody>
       </p:sp>
@@ -11838,14 +12083,6 @@
               </a:rPr>
               <a:t>验证算法</a:t>
             </a:r>
-            <a:endParaRPr kumimoji="1" lang="zh-CN" altLang="en-US" sz="2000" b="1" dirty="0">
-              <a:solidFill>
-                <a:schemeClr val="tx1"/>
-              </a:solidFill>
-              <a:latin typeface="Times New Roman" panose="02020603050405020304" pitchFamily="18" charset="0"/>
-              <a:ea typeface="宋体" panose="02010600030101010101" pitchFamily="2" charset="-122"/>
-              <a:cs typeface="Times New Roman" panose="02020603050405020304" pitchFamily="18" charset="0"/>
-            </a:endParaRPr>
           </a:p>
         </p:txBody>
       </p:sp>
@@ -12792,14 +13029,6 @@
               </a:rPr>
               <a:t>文法结构</a:t>
             </a:r>
-            <a:endParaRPr kumimoji="1" lang="zh-CN" altLang="en-US" sz="2000" b="1" dirty="0">
-              <a:solidFill>
-                <a:schemeClr val="tx1"/>
-              </a:solidFill>
-              <a:latin typeface="Times New Roman" panose="02020603050405020304" pitchFamily="18" charset="0"/>
-              <a:ea typeface="宋体" panose="02010600030101010101" pitchFamily="2" charset="-122"/>
-              <a:cs typeface="Times New Roman" panose="02020603050405020304" pitchFamily="18" charset="0"/>
-            </a:endParaRPr>
           </a:p>
         </p:txBody>
       </p:sp>
@@ -13349,14 +13578,6 @@
               </a:rPr>
               <a:t>一致</a:t>
             </a:r>
-            <a:endParaRPr kumimoji="1" lang="zh-CN" altLang="en-US" sz="2000" b="1" dirty="0">
-              <a:solidFill>
-                <a:schemeClr val="tx1"/>
-              </a:solidFill>
-              <a:latin typeface="Times New Roman" panose="02020603050405020304" pitchFamily="18" charset="0"/>
-              <a:ea typeface="宋体" panose="02010600030101010101" pitchFamily="2" charset="-122"/>
-              <a:cs typeface="Times New Roman" panose="02020603050405020304" pitchFamily="18" charset="0"/>
-            </a:endParaRPr>
           </a:p>
         </p:txBody>
       </p:sp>
@@ -17127,10 +17348,6 @@
               </a:rPr>
               <a:t>。</a:t>
             </a:r>
-            <a:endParaRPr lang="zh-CN" altLang="en-US" sz="2000" dirty="0">
-              <a:latin typeface="宋体" panose="02010600030101010101" pitchFamily="2" charset="-122"/>
-              <a:ea typeface="宋体" panose="02010600030101010101" pitchFamily="2" charset="-122"/>
-            </a:endParaRPr>
           </a:p>
         </p:txBody>
       </p:sp>
@@ -17879,7 +18096,15 @@
                 <a:ea typeface="宋体" panose="02010600030101010101" pitchFamily="2" charset="-122"/>
                 <a:cs typeface="Times New Roman" panose="02020603050405020304" pitchFamily="18" charset="0"/>
               </a:rPr>
-              <a:t>测试常用的有两种</a:t>
+              <a:t>测试常用的有两种策略</a:t>
+            </a:r>
+            <a:r>
+              <a:rPr lang="zh-CN" altLang="en-US" sz="2000" dirty="0">
+                <a:latin typeface="Times New Roman" panose="02020603050405020304" pitchFamily="18" charset="0"/>
+                <a:ea typeface="宋体" panose="02010600030101010101" pitchFamily="2" charset="-122"/>
+                <a:cs typeface="Times New Roman" panose="02020603050405020304" pitchFamily="18" charset="0"/>
+              </a:rPr>
+              <a:t>：</a:t>
             </a:r>
             <a:r>
               <a:rPr lang="zh-CN" altLang="en-US" sz="2000" dirty="0" smtClean="0">
@@ -17887,31 +18112,7 @@
                 <a:ea typeface="宋体" panose="02010600030101010101" pitchFamily="2" charset="-122"/>
                 <a:cs typeface="Times New Roman" panose="02020603050405020304" pitchFamily="18" charset="0"/>
               </a:rPr>
-              <a:t>策略</a:t>
-            </a:r>
-            <a:r>
-              <a:rPr lang="zh-CN" altLang="en-US" sz="2000" dirty="0">
-                <a:latin typeface="Times New Roman" panose="02020603050405020304" pitchFamily="18" charset="0"/>
-                <a:ea typeface="宋体" panose="02010600030101010101" pitchFamily="2" charset="-122"/>
-                <a:cs typeface="Times New Roman" panose="02020603050405020304" pitchFamily="18" charset="0"/>
-              </a:rPr>
-              <a:t>：</a:t>
-            </a:r>
-            <a:r>
-              <a:rPr lang="zh-CN" altLang="en-US" sz="2000" dirty="0" smtClean="0">
-                <a:latin typeface="Times New Roman" panose="02020603050405020304" pitchFamily="18" charset="0"/>
-                <a:ea typeface="宋体" panose="02010600030101010101" pitchFamily="2" charset="-122"/>
-                <a:cs typeface="Times New Roman" panose="02020603050405020304" pitchFamily="18" charset="0"/>
-              </a:rPr>
-              <a:t>动态</a:t>
-            </a:r>
-            <a:r>
-              <a:rPr lang="zh-CN" altLang="en-US" sz="2000" dirty="0" smtClean="0">
-                <a:latin typeface="Times New Roman" panose="02020603050405020304" pitchFamily="18" charset="0"/>
-                <a:ea typeface="宋体" panose="02010600030101010101" pitchFamily="2" charset="-122"/>
-                <a:cs typeface="Times New Roman" panose="02020603050405020304" pitchFamily="18" charset="0"/>
-              </a:rPr>
-              <a:t>测试和静态测试。对编译器的测试往往使用</a:t>
+              <a:t>动态测试和静态测试。对编译器的测试往往使用</a:t>
             </a:r>
             <a:r>
               <a:rPr lang="zh-CN" altLang="en-US" sz="2000" dirty="0" smtClean="0">

--- a/开题/SY1406108_陈志伟_开题ppt.pptx
+++ b/开题/SY1406108_陈志伟_开题ppt.pptx
@@ -237,7 +237,7 @@
           <a:p>
             <a:fld id="{70B15314-E3FC-4C9D-A25B-E4CA7D8DC52F}" type="datetimeFigureOut">
               <a:rPr lang="zh-CN" altLang="en-US" smtClean="0"/>
-              <a:t>2015/11/30</a:t>
+              <a:t>2015/12/1</a:t>
             </a:fld>
             <a:endParaRPr lang="zh-CN" altLang="en-US"/>
           </a:p>
@@ -2018,7 +2018,7 @@
           <a:p>
             <a:fld id="{236DEB8F-1078-4B41-AFE9-1FE79B8C146D}" type="datetimeFigureOut">
               <a:rPr lang="zh-CN" altLang="en-US" smtClean="0"/>
-              <a:t>2015/11/30</a:t>
+              <a:t>2015/12/1</a:t>
             </a:fld>
             <a:endParaRPr lang="zh-CN" altLang="en-US"/>
           </a:p>
@@ -2287,7 +2287,7 @@
           <a:p>
             <a:fld id="{236DEB8F-1078-4B41-AFE9-1FE79B8C146D}" type="datetimeFigureOut">
               <a:rPr lang="zh-CN" altLang="en-US" smtClean="0"/>
-              <a:t>2015/11/30</a:t>
+              <a:t>2015/12/1</a:t>
             </a:fld>
             <a:endParaRPr lang="zh-CN" altLang="en-US"/>
           </a:p>
@@ -2479,7 +2479,7 @@
           <a:p>
             <a:fld id="{236DEB8F-1078-4B41-AFE9-1FE79B8C146D}" type="datetimeFigureOut">
               <a:rPr lang="zh-CN" altLang="en-US" smtClean="0"/>
-              <a:t>2015/11/30</a:t>
+              <a:t>2015/12/1</a:t>
             </a:fld>
             <a:endParaRPr lang="zh-CN" altLang="en-US"/>
           </a:p>
@@ -2790,7 +2790,7 @@
           <a:p>
             <a:fld id="{236DEB8F-1078-4B41-AFE9-1FE79B8C146D}" type="datetimeFigureOut">
               <a:rPr lang="zh-CN" altLang="en-US" smtClean="0"/>
-              <a:t>2015/11/30</a:t>
+              <a:t>2015/12/1</a:t>
             </a:fld>
             <a:endParaRPr lang="zh-CN" altLang="en-US"/>
           </a:p>
@@ -2902,7 +2902,7 @@
           <a:graphicData uri="http://schemas.openxmlformats.org/presentationml/2006/ole">
             <mc:AlternateContent xmlns:mc="http://schemas.openxmlformats.org/markup-compatibility/2006">
               <mc:Choice xmlns:v="urn:schemas-microsoft-com:vml" Requires="v">
-                <p:oleObj spid="_x0000_s1598" name="Image" r:id="rId3" imgW="8228571" imgH="8711111" progId="">
+                <p:oleObj spid="_x0000_s1602" name="Image" r:id="rId3" imgW="8228571" imgH="8711111" progId="">
                   <p:embed/>
                 </p:oleObj>
               </mc:Choice>
@@ -4472,7 +4472,7 @@
           <a:p>
             <a:fld id="{236DEB8F-1078-4B41-AFE9-1FE79B8C146D}" type="datetimeFigureOut">
               <a:rPr lang="zh-CN" altLang="en-US" smtClean="0"/>
-              <a:t>2015/11/30</a:t>
+              <a:t>2015/12/1</a:t>
             </a:fld>
             <a:endParaRPr lang="zh-CN" altLang="en-US"/>
           </a:p>
@@ -4683,7 +4683,7 @@
           <a:p>
             <a:fld id="{236DEB8F-1078-4B41-AFE9-1FE79B8C146D}" type="datetimeFigureOut">
               <a:rPr lang="zh-CN" altLang="en-US" smtClean="0"/>
-              <a:t>2015/11/30</a:t>
+              <a:t>2015/12/1</a:t>
             </a:fld>
             <a:endParaRPr lang="zh-CN" altLang="en-US"/>
           </a:p>
@@ -4990,7 +4990,7 @@
           <a:p>
             <a:fld id="{236DEB8F-1078-4B41-AFE9-1FE79B8C146D}" type="datetimeFigureOut">
               <a:rPr lang="zh-CN" altLang="en-US" smtClean="0"/>
-              <a:t>2015/11/30</a:t>
+              <a:t>2015/12/1</a:t>
             </a:fld>
             <a:endParaRPr lang="zh-CN" altLang="en-US"/>
           </a:p>
@@ -5436,7 +5436,7 @@
           <a:p>
             <a:fld id="{236DEB8F-1078-4B41-AFE9-1FE79B8C146D}" type="datetimeFigureOut">
               <a:rPr lang="zh-CN" altLang="en-US" smtClean="0"/>
-              <a:t>2015/11/30</a:t>
+              <a:t>2015/12/1</a:t>
             </a:fld>
             <a:endParaRPr lang="zh-CN" altLang="en-US"/>
           </a:p>
@@ -5566,7 +5566,7 @@
           <a:p>
             <a:fld id="{236DEB8F-1078-4B41-AFE9-1FE79B8C146D}" type="datetimeFigureOut">
               <a:rPr lang="zh-CN" altLang="en-US" smtClean="0"/>
-              <a:t>2015/11/30</a:t>
+              <a:t>2015/12/1</a:t>
             </a:fld>
             <a:endParaRPr lang="zh-CN" altLang="en-US"/>
           </a:p>
@@ -5673,7 +5673,7 @@
           <a:p>
             <a:fld id="{236DEB8F-1078-4B41-AFE9-1FE79B8C146D}" type="datetimeFigureOut">
               <a:rPr lang="zh-CN" altLang="en-US" smtClean="0"/>
-              <a:t>2015/11/30</a:t>
+              <a:t>2015/12/1</a:t>
             </a:fld>
             <a:endParaRPr lang="zh-CN" altLang="en-US"/>
           </a:p>
@@ -5962,7 +5962,7 @@
           <a:p>
             <a:fld id="{236DEB8F-1078-4B41-AFE9-1FE79B8C146D}" type="datetimeFigureOut">
               <a:rPr lang="zh-CN" altLang="en-US" smtClean="0"/>
-              <a:t>2015/11/30</a:t>
+              <a:t>2015/12/1</a:t>
             </a:fld>
             <a:endParaRPr lang="zh-CN" altLang="en-US"/>
           </a:p>
@@ -6231,7 +6231,7 @@
           <a:p>
             <a:fld id="{236DEB8F-1078-4B41-AFE9-1FE79B8C146D}" type="datetimeFigureOut">
               <a:rPr lang="zh-CN" altLang="en-US" smtClean="0"/>
-              <a:t>2015/11/30</a:t>
+              <a:t>2015/12/1</a:t>
             </a:fld>
             <a:endParaRPr lang="zh-CN" altLang="en-US"/>
           </a:p>
@@ -6513,7 +6513,7 @@
           <a:p>
             <a:fld id="{236DEB8F-1078-4B41-AFE9-1FE79B8C146D}" type="datetimeFigureOut">
               <a:rPr lang="zh-CN" altLang="en-US" smtClean="0"/>
-              <a:t>2015/11/30</a:t>
+              <a:t>2015/12/1</a:t>
             </a:fld>
             <a:endParaRPr lang="zh-CN" altLang="en-US"/>
           </a:p>
@@ -12778,7 +12778,39 @@
                 <a:ea typeface="宋体" panose="02010600030101010101" pitchFamily="2" charset="-122"/>
                 <a:cs typeface="Times New Roman" panose="02020603050405020304" pitchFamily="18" charset="0"/>
               </a:rPr>
-              <a:t>表示待证明序列中每一个证明项所在的环境和上下文，蒙太古语用学中提到相同对象在不同语境中语义不同。因而，在把</a:t>
+              <a:t>表示待证明序列中每一个证明项所在的环境和上下文，蒙太古语用学</a:t>
+            </a:r>
+            <a:r>
+              <a:rPr lang="zh-CN" altLang="en-US" sz="2000" dirty="0" smtClean="0">
+                <a:latin typeface="Times New Roman" panose="02020603050405020304" pitchFamily="18" charset="0"/>
+                <a:ea typeface="宋体" panose="02010600030101010101" pitchFamily="2" charset="-122"/>
+                <a:cs typeface="Times New Roman" panose="02020603050405020304" pitchFamily="18" charset="0"/>
+              </a:rPr>
+              <a:t>中</a:t>
+            </a:r>
+            <a:r>
+              <a:rPr lang="zh-CN" altLang="en-US" sz="2000" dirty="0">
+                <a:latin typeface="Times New Roman" panose="02020603050405020304" pitchFamily="18" charset="0"/>
+                <a:ea typeface="宋体" panose="02010600030101010101" pitchFamily="2" charset="-122"/>
+                <a:cs typeface="Times New Roman" panose="02020603050405020304" pitchFamily="18" charset="0"/>
+              </a:rPr>
+              <a:t>指出</a:t>
+            </a:r>
+            <a:r>
+              <a:rPr lang="zh-CN" altLang="en-US" sz="2000" dirty="0" smtClean="0">
+                <a:latin typeface="Times New Roman" panose="02020603050405020304" pitchFamily="18" charset="0"/>
+                <a:ea typeface="宋体" panose="02010600030101010101" pitchFamily="2" charset="-122"/>
+                <a:cs typeface="Times New Roman" panose="02020603050405020304" pitchFamily="18" charset="0"/>
+              </a:rPr>
+              <a:t>相同</a:t>
+            </a:r>
+            <a:r>
+              <a:rPr lang="zh-CN" altLang="en-US" sz="2000" dirty="0">
+                <a:latin typeface="Times New Roman" panose="02020603050405020304" pitchFamily="18" charset="0"/>
+                <a:ea typeface="宋体" panose="02010600030101010101" pitchFamily="2" charset="-122"/>
+                <a:cs typeface="Times New Roman" panose="02020603050405020304" pitchFamily="18" charset="0"/>
+              </a:rPr>
+              <a:t>对象在不同语境中语义不同。因而，在把</a:t>
             </a:r>
             <a:r>
               <a:rPr lang="en-US" altLang="zh-CN" sz="2000" dirty="0">
@@ -13158,7 +13190,23 @@
                 <a:ea typeface="宋体" panose="02010600030101010101" pitchFamily="2" charset="-122"/>
                 <a:cs typeface="Times New Roman" panose="02020603050405020304" pitchFamily="18" charset="0"/>
               </a:rPr>
-              <a:t>等）对一个即定形式语言的语义进行注释的学问。指称语义还可以解释为：存在着两个域，一个是语法域，在语法域中定义了一个形式语言系统；另外一个是数学域（或称之为已知语义的形式系统）</a:t>
+              <a:t>等）对一个即定形式语言的语义进行注释的学问。指称语义还可以解释为：存在着两个域，一个是语法域，在语法域中定义了一个形式语言</a:t>
+            </a:r>
+            <a:r>
+              <a:rPr lang="zh-CN" altLang="en-US" sz="2000" dirty="0" smtClean="0">
+                <a:latin typeface="Times New Roman" panose="02020603050405020304" pitchFamily="18" charset="0"/>
+                <a:ea typeface="宋体" panose="02010600030101010101" pitchFamily="2" charset="-122"/>
+                <a:cs typeface="Times New Roman" panose="02020603050405020304" pitchFamily="18" charset="0"/>
+              </a:rPr>
+              <a:t>系统；另外</a:t>
+            </a:r>
+            <a:r>
+              <a:rPr lang="zh-CN" altLang="en-US" sz="2000" dirty="0">
+                <a:latin typeface="Times New Roman" panose="02020603050405020304" pitchFamily="18" charset="0"/>
+                <a:ea typeface="宋体" panose="02010600030101010101" pitchFamily="2" charset="-122"/>
+                <a:cs typeface="Times New Roman" panose="02020603050405020304" pitchFamily="18" charset="0"/>
+              </a:rPr>
+              <a:t>一个是数学域（或称之为已知语义的形式系统）</a:t>
             </a:r>
             <a:r>
               <a:rPr lang="zh-CN" altLang="en-US" sz="2000" dirty="0" smtClean="0">
@@ -17332,7 +17380,24 @@
                 <a:latin typeface="宋体" panose="02010600030101010101" pitchFamily="2" charset="-122"/>
                 <a:ea typeface="宋体" panose="02010600030101010101" pitchFamily="2" charset="-122"/>
               </a:rPr>
-              <a:t>，但是软件测试难以达到完全覆盖，并不能充分地保证编译器的安全</a:t>
+              <a:t>，但是软件测试</a:t>
+            </a:r>
+            <a:r>
+              <a:rPr lang="zh-CN" altLang="en-US" sz="2000" dirty="0">
+                <a:solidFill>
+                  <a:srgbClr val="FF0000"/>
+                </a:solidFill>
+                <a:latin typeface="宋体" panose="02010600030101010101" pitchFamily="2" charset="-122"/>
+                <a:ea typeface="宋体" panose="02010600030101010101" pitchFamily="2" charset="-122"/>
+              </a:rPr>
+              <a:t>难以达到</a:t>
+            </a:r>
+            <a:r>
+              <a:rPr lang="zh-CN" altLang="en-US" sz="2000" dirty="0">
+                <a:latin typeface="宋体" panose="02010600030101010101" pitchFamily="2" charset="-122"/>
+                <a:ea typeface="宋体" panose="02010600030101010101" pitchFamily="2" charset="-122"/>
+              </a:rPr>
+              <a:t>完全覆盖，并不能充分地保证编译器的安全</a:t>
             </a:r>
             <a:r>
               <a:rPr lang="zh-CN" altLang="en-US" sz="2000" dirty="0" smtClean="0">

--- a/开题/SY1406108_陈志伟_开题ppt.pptx
+++ b/开题/SY1406108_陈志伟_开题ppt.pptx
@@ -25,8 +25,8 @@
     <p:sldId id="520" r:id="rId16"/>
     <p:sldId id="508" r:id="rId17"/>
     <p:sldId id="509" r:id="rId18"/>
-    <p:sldId id="510" r:id="rId19"/>
-    <p:sldId id="511" r:id="rId20"/>
+    <p:sldId id="511" r:id="rId19"/>
+    <p:sldId id="510" r:id="rId20"/>
     <p:sldId id="504" r:id="rId21"/>
     <p:sldId id="505" r:id="rId22"/>
     <p:sldId id="506" r:id="rId23"/>
@@ -237,7 +237,7 @@
           <a:p>
             <a:fld id="{70B15314-E3FC-4C9D-A25B-E4CA7D8DC52F}" type="datetimeFigureOut">
               <a:rPr lang="zh-CN" altLang="en-US" smtClean="0"/>
-              <a:t>2015/12/1</a:t>
+              <a:t>2015/12/13</a:t>
             </a:fld>
             <a:endParaRPr lang="zh-CN" altLang="en-US"/>
           </a:p>
@@ -655,152 +655,6 @@
           <a:bodyPr/>
           <a:lstStyle/>
           <a:p>
-            <a:r>
-              <a:rPr lang="en-US" altLang="zh-CN" dirty="0" smtClean="0"/>
-              <a:t>TCG</a:t>
-            </a:r>
-            <a:r>
-              <a:rPr lang="zh-CN" altLang="en-US" dirty="0" smtClean="0"/>
-              <a:t>（</a:t>
-            </a:r>
-            <a:r>
-              <a:rPr lang="en-US" altLang="zh-CN" dirty="0" smtClean="0"/>
-              <a:t>Trusted Computing Group</a:t>
-            </a:r>
-            <a:r>
-              <a:rPr lang="zh-CN" altLang="en-US" dirty="0" smtClean="0"/>
-              <a:t>）</a:t>
-            </a:r>
-            <a:r>
-              <a:rPr lang="zh-CN" altLang="en-US" dirty="0" smtClean="0">
-                <a:hlinkClick r:id="rId3"/>
-              </a:rPr>
-              <a:t>可信计算</a:t>
-            </a:r>
-            <a:r>
-              <a:rPr lang="zh-CN" altLang="en-US" dirty="0" smtClean="0"/>
-              <a:t>组织，</a:t>
-            </a:r>
-            <a:r>
-              <a:rPr lang="en-US" altLang="zh-CN" dirty="0" smtClean="0"/>
-              <a:t>1999</a:t>
-            </a:r>
-            <a:r>
-              <a:rPr lang="zh-CN" altLang="en-US" dirty="0" smtClean="0"/>
-              <a:t>年由</a:t>
-            </a:r>
-            <a:r>
-              <a:rPr lang="en-US" altLang="zh-CN" dirty="0" smtClean="0"/>
-              <a:t>Compaq</a:t>
-            </a:r>
-            <a:r>
-              <a:rPr lang="zh-CN" altLang="en-US" dirty="0" smtClean="0"/>
-              <a:t>、</a:t>
-            </a:r>
-            <a:r>
-              <a:rPr lang="en-US" altLang="zh-CN" dirty="0" smtClean="0"/>
-              <a:t>HP</a:t>
-            </a:r>
-            <a:r>
-              <a:rPr lang="zh-CN" altLang="en-US" dirty="0" smtClean="0"/>
-              <a:t>、</a:t>
-            </a:r>
-            <a:r>
-              <a:rPr lang="en-US" altLang="zh-CN" dirty="0" smtClean="0"/>
-              <a:t>IBM</a:t>
-            </a:r>
-            <a:r>
-              <a:rPr lang="zh-CN" altLang="en-US" dirty="0" smtClean="0"/>
-              <a:t>、</a:t>
-            </a:r>
-            <a:r>
-              <a:rPr lang="en-US" altLang="zh-CN" dirty="0" smtClean="0"/>
-              <a:t>Intel</a:t>
-            </a:r>
-            <a:r>
-              <a:rPr lang="zh-CN" altLang="en-US" dirty="0" smtClean="0"/>
-              <a:t>和</a:t>
-            </a:r>
-            <a:r>
-              <a:rPr lang="en-US" altLang="zh-CN" dirty="0" smtClean="0"/>
-              <a:t>Microsoft</a:t>
-            </a:r>
-            <a:r>
-              <a:rPr lang="zh-CN" altLang="en-US" dirty="0" smtClean="0"/>
-              <a:t>牵头组织</a:t>
-            </a:r>
-            <a:r>
-              <a:rPr lang="en-US" altLang="zh-CN" dirty="0" smtClean="0"/>
-              <a:t>TCPA( Trusted Computing Platform Alliance)</a:t>
-            </a:r>
-            <a:r>
-              <a:rPr lang="zh-CN" altLang="en-US" dirty="0" smtClean="0"/>
-              <a:t>，已发展成员</a:t>
-            </a:r>
-            <a:r>
-              <a:rPr lang="en-US" altLang="zh-CN" dirty="0" smtClean="0"/>
-              <a:t>190</a:t>
-            </a:r>
-            <a:r>
-              <a:rPr lang="zh-CN" altLang="en-US" dirty="0" smtClean="0"/>
-              <a:t>家，遍布全球各大洲主力厂商。</a:t>
-            </a:r>
-            <a:r>
-              <a:rPr lang="en-US" altLang="zh-CN" dirty="0" smtClean="0"/>
-              <a:t>TCPA</a:t>
-            </a:r>
-            <a:r>
-              <a:rPr lang="zh-CN" altLang="en-US" dirty="0" smtClean="0"/>
-              <a:t>专注于从计算平台体系结构上增强其安全性，并于</a:t>
-            </a:r>
-            <a:r>
-              <a:rPr lang="en-US" altLang="zh-CN" dirty="0" smtClean="0"/>
-              <a:t>2001</a:t>
-            </a:r>
-            <a:r>
-              <a:rPr lang="zh-CN" altLang="en-US" dirty="0" smtClean="0"/>
-              <a:t>年</a:t>
-            </a:r>
-            <a:r>
-              <a:rPr lang="en-US" altLang="zh-CN" dirty="0" smtClean="0"/>
-              <a:t>1</a:t>
-            </a:r>
-            <a:r>
-              <a:rPr lang="zh-CN" altLang="en-US" dirty="0" smtClean="0"/>
-              <a:t>月发布了可信计算平台标准规范。</a:t>
-            </a:r>
-            <a:r>
-              <a:rPr lang="en-US" altLang="zh-CN" dirty="0" smtClean="0"/>
-              <a:t>2003</a:t>
-            </a:r>
-            <a:r>
-              <a:rPr lang="zh-CN" altLang="en-US" dirty="0" smtClean="0"/>
-              <a:t>年</a:t>
-            </a:r>
-            <a:r>
-              <a:rPr lang="en-US" altLang="zh-CN" dirty="0" smtClean="0"/>
-              <a:t>3</a:t>
-            </a:r>
-            <a:r>
-              <a:rPr lang="zh-CN" altLang="en-US" dirty="0" smtClean="0"/>
-              <a:t>月</a:t>
-            </a:r>
-            <a:r>
-              <a:rPr lang="en-US" altLang="zh-CN" dirty="0" smtClean="0"/>
-              <a:t>TCPA</a:t>
-            </a:r>
-            <a:r>
-              <a:rPr lang="zh-CN" altLang="en-US" dirty="0" smtClean="0"/>
-              <a:t>改组为</a:t>
-            </a:r>
-            <a:r>
-              <a:rPr lang="en-US" altLang="zh-CN" dirty="0" smtClean="0"/>
-              <a:t>TCG(Trusted Computing Group)</a:t>
-            </a:r>
-            <a:r>
-              <a:rPr lang="zh-CN" altLang="en-US" dirty="0" smtClean="0"/>
-              <a:t>，其目的是在计算和通信系统中广泛使用基于硬件安全模块支持下的可信计算平台，以提高整体的安全性。</a:t>
-            </a:r>
             <a:endParaRPr lang="zh-CN" altLang="en-US" dirty="0"/>
           </a:p>
         </p:txBody>
@@ -1746,6 +1600,174 @@
 </file>
 
 <file path=ppt/notesSlides/notesSlide7.xml><?xml version="1.0" encoding="utf-8"?>
+<p:notes xmlns:a="http://schemas.openxmlformats.org/drawingml/2006/main" xmlns:r="http://schemas.openxmlformats.org/officeDocument/2006/relationships" xmlns:p="http://schemas.openxmlformats.org/presentationml/2006/main">
+  <p:cSld>
+    <p:spTree>
+      <p:nvGrpSpPr>
+        <p:cNvPr id="1" name=""/>
+        <p:cNvGrpSpPr/>
+        <p:nvPr/>
+      </p:nvGrpSpPr>
+      <p:grpSpPr>
+        <a:xfrm>
+          <a:off x="0" y="0"/>
+          <a:ext cx="0" cy="0"/>
+          <a:chOff x="0" y="0"/>
+          <a:chExt cx="0" cy="0"/>
+        </a:xfrm>
+      </p:grpSpPr>
+      <p:sp>
+        <p:nvSpPr>
+          <p:cNvPr id="2" name="幻灯片图像占位符 1"/>
+          <p:cNvSpPr>
+            <a:spLocks noGrp="1" noRot="1" noChangeAspect="1"/>
+          </p:cNvSpPr>
+          <p:nvPr>
+            <p:ph type="sldImg"/>
+          </p:nvPr>
+        </p:nvSpPr>
+        <p:spPr/>
+      </p:sp>
+      <p:sp>
+        <p:nvSpPr>
+          <p:cNvPr id="3" name="备注占位符 2"/>
+          <p:cNvSpPr>
+            <a:spLocks noGrp="1"/>
+          </p:cNvSpPr>
+          <p:nvPr>
+            <p:ph type="body" idx="1"/>
+          </p:nvPr>
+        </p:nvSpPr>
+        <p:spPr/>
+        <p:txBody>
+          <a:bodyPr/>
+          <a:lstStyle/>
+          <a:p>
+            <a:endParaRPr lang="zh-CN" altLang="en-US" dirty="0"/>
+          </a:p>
+        </p:txBody>
+      </p:sp>
+      <p:sp>
+        <p:nvSpPr>
+          <p:cNvPr id="4" name="灯片编号占位符 3"/>
+          <p:cNvSpPr>
+            <a:spLocks noGrp="1"/>
+          </p:cNvSpPr>
+          <p:nvPr>
+            <p:ph type="sldNum" sz="quarter" idx="10"/>
+          </p:nvPr>
+        </p:nvSpPr>
+        <p:spPr/>
+        <p:txBody>
+          <a:bodyPr/>
+          <a:lstStyle/>
+          <a:p>
+            <a:fld id="{867BA18B-575D-47BB-8171-D715A06AABD7}" type="slidenum">
+              <a:rPr lang="zh-CN" altLang="en-US" smtClean="0"/>
+              <a:t>17</a:t>
+            </a:fld>
+            <a:endParaRPr lang="zh-CN" altLang="en-US"/>
+          </a:p>
+        </p:txBody>
+      </p:sp>
+    </p:spTree>
+    <p:extLst>
+      <p:ext uri="{BB962C8B-B14F-4D97-AF65-F5344CB8AC3E}">
+        <p14:creationId xmlns:p14="http://schemas.microsoft.com/office/powerpoint/2010/main" val="967260923"/>
+      </p:ext>
+    </p:extLst>
+  </p:cSld>
+  <p:clrMapOvr>
+    <a:masterClrMapping/>
+  </p:clrMapOvr>
+</p:notes>
+</file>
+
+<file path=ppt/notesSlides/notesSlide8.xml><?xml version="1.0" encoding="utf-8"?>
+<p:notes xmlns:a="http://schemas.openxmlformats.org/drawingml/2006/main" xmlns:r="http://schemas.openxmlformats.org/officeDocument/2006/relationships" xmlns:p="http://schemas.openxmlformats.org/presentationml/2006/main">
+  <p:cSld>
+    <p:spTree>
+      <p:nvGrpSpPr>
+        <p:cNvPr id="1" name=""/>
+        <p:cNvGrpSpPr/>
+        <p:nvPr/>
+      </p:nvGrpSpPr>
+      <p:grpSpPr>
+        <a:xfrm>
+          <a:off x="0" y="0"/>
+          <a:ext cx="0" cy="0"/>
+          <a:chOff x="0" y="0"/>
+          <a:chExt cx="0" cy="0"/>
+        </a:xfrm>
+      </p:grpSpPr>
+      <p:sp>
+        <p:nvSpPr>
+          <p:cNvPr id="2" name="幻灯片图像占位符 1"/>
+          <p:cNvSpPr>
+            <a:spLocks noGrp="1" noRot="1" noChangeAspect="1"/>
+          </p:cNvSpPr>
+          <p:nvPr>
+            <p:ph type="sldImg"/>
+          </p:nvPr>
+        </p:nvSpPr>
+        <p:spPr/>
+      </p:sp>
+      <p:sp>
+        <p:nvSpPr>
+          <p:cNvPr id="3" name="备注占位符 2"/>
+          <p:cNvSpPr>
+            <a:spLocks noGrp="1"/>
+          </p:cNvSpPr>
+          <p:nvPr>
+            <p:ph type="body" idx="1"/>
+          </p:nvPr>
+        </p:nvSpPr>
+        <p:spPr/>
+        <p:txBody>
+          <a:bodyPr/>
+          <a:lstStyle/>
+          <a:p>
+            <a:endParaRPr lang="zh-CN" altLang="en-US" dirty="0"/>
+          </a:p>
+        </p:txBody>
+      </p:sp>
+      <p:sp>
+        <p:nvSpPr>
+          <p:cNvPr id="4" name="灯片编号占位符 3"/>
+          <p:cNvSpPr>
+            <a:spLocks noGrp="1"/>
+          </p:cNvSpPr>
+          <p:nvPr>
+            <p:ph type="sldNum" sz="quarter" idx="10"/>
+          </p:nvPr>
+        </p:nvSpPr>
+        <p:spPr/>
+        <p:txBody>
+          <a:bodyPr/>
+          <a:lstStyle/>
+          <a:p>
+            <a:fld id="{867BA18B-575D-47BB-8171-D715A06AABD7}" type="slidenum">
+              <a:rPr lang="zh-CN" altLang="en-US" smtClean="0"/>
+              <a:t>18</a:t>
+            </a:fld>
+            <a:endParaRPr lang="zh-CN" altLang="en-US"/>
+          </a:p>
+        </p:txBody>
+      </p:sp>
+    </p:spTree>
+    <p:extLst>
+      <p:ext uri="{BB962C8B-B14F-4D97-AF65-F5344CB8AC3E}">
+        <p14:creationId xmlns:p14="http://schemas.microsoft.com/office/powerpoint/2010/main" val="2530893758"/>
+      </p:ext>
+    </p:extLst>
+  </p:cSld>
+  <p:clrMapOvr>
+    <a:masterClrMapping/>
+  </p:clrMapOvr>
+</p:notes>
+</file>
+
+<file path=ppt/notesSlides/notesSlide9.xml><?xml version="1.0" encoding="utf-8"?>
 <p:notes xmlns:a="http://schemas.openxmlformats.org/drawingml/2006/main" xmlns:r="http://schemas.openxmlformats.org/officeDocument/2006/relationships" xmlns:p="http://schemas.openxmlformats.org/presentationml/2006/main">
   <p:cSld>
     <p:spTree>
@@ -2018,7 +2040,7 @@
           <a:p>
             <a:fld id="{236DEB8F-1078-4B41-AFE9-1FE79B8C146D}" type="datetimeFigureOut">
               <a:rPr lang="zh-CN" altLang="en-US" smtClean="0"/>
-              <a:t>2015/12/1</a:t>
+              <a:t>2015/12/13</a:t>
             </a:fld>
             <a:endParaRPr lang="zh-CN" altLang="en-US"/>
           </a:p>
@@ -2287,7 +2309,7 @@
           <a:p>
             <a:fld id="{236DEB8F-1078-4B41-AFE9-1FE79B8C146D}" type="datetimeFigureOut">
               <a:rPr lang="zh-CN" altLang="en-US" smtClean="0"/>
-              <a:t>2015/12/1</a:t>
+              <a:t>2015/12/13</a:t>
             </a:fld>
             <a:endParaRPr lang="zh-CN" altLang="en-US"/>
           </a:p>
@@ -2479,7 +2501,7 @@
           <a:p>
             <a:fld id="{236DEB8F-1078-4B41-AFE9-1FE79B8C146D}" type="datetimeFigureOut">
               <a:rPr lang="zh-CN" altLang="en-US" smtClean="0"/>
-              <a:t>2015/12/1</a:t>
+              <a:t>2015/12/13</a:t>
             </a:fld>
             <a:endParaRPr lang="zh-CN" altLang="en-US"/>
           </a:p>
@@ -2790,7 +2812,7 @@
           <a:p>
             <a:fld id="{236DEB8F-1078-4B41-AFE9-1FE79B8C146D}" type="datetimeFigureOut">
               <a:rPr lang="zh-CN" altLang="en-US" smtClean="0"/>
-              <a:t>2015/12/1</a:t>
+              <a:t>2015/12/13</a:t>
             </a:fld>
             <a:endParaRPr lang="zh-CN" altLang="en-US"/>
           </a:p>
@@ -2902,7 +2924,7 @@
           <a:graphicData uri="http://schemas.openxmlformats.org/presentationml/2006/ole">
             <mc:AlternateContent xmlns:mc="http://schemas.openxmlformats.org/markup-compatibility/2006">
               <mc:Choice xmlns:v="urn:schemas-microsoft-com:vml" Requires="v">
-                <p:oleObj spid="_x0000_s1602" name="Image" r:id="rId3" imgW="8228571" imgH="8711111" progId="">
+                <p:oleObj spid="_x0000_s1687" name="Image" r:id="rId3" imgW="8228571" imgH="8711111" progId="">
                   <p:embed/>
                 </p:oleObj>
               </mc:Choice>
@@ -4472,7 +4494,7 @@
           <a:p>
             <a:fld id="{236DEB8F-1078-4B41-AFE9-1FE79B8C146D}" type="datetimeFigureOut">
               <a:rPr lang="zh-CN" altLang="en-US" smtClean="0"/>
-              <a:t>2015/12/1</a:t>
+              <a:t>2015/12/13</a:t>
             </a:fld>
             <a:endParaRPr lang="zh-CN" altLang="en-US"/>
           </a:p>
@@ -4683,7 +4705,7 @@
           <a:p>
             <a:fld id="{236DEB8F-1078-4B41-AFE9-1FE79B8C146D}" type="datetimeFigureOut">
               <a:rPr lang="zh-CN" altLang="en-US" smtClean="0"/>
-              <a:t>2015/12/1</a:t>
+              <a:t>2015/12/13</a:t>
             </a:fld>
             <a:endParaRPr lang="zh-CN" altLang="en-US"/>
           </a:p>
@@ -4990,7 +5012,7 @@
           <a:p>
             <a:fld id="{236DEB8F-1078-4B41-AFE9-1FE79B8C146D}" type="datetimeFigureOut">
               <a:rPr lang="zh-CN" altLang="en-US" smtClean="0"/>
-              <a:t>2015/12/1</a:t>
+              <a:t>2015/12/13</a:t>
             </a:fld>
             <a:endParaRPr lang="zh-CN" altLang="en-US"/>
           </a:p>
@@ -5436,7 +5458,7 @@
           <a:p>
             <a:fld id="{236DEB8F-1078-4B41-AFE9-1FE79B8C146D}" type="datetimeFigureOut">
               <a:rPr lang="zh-CN" altLang="en-US" smtClean="0"/>
-              <a:t>2015/12/1</a:t>
+              <a:t>2015/12/13</a:t>
             </a:fld>
             <a:endParaRPr lang="zh-CN" altLang="en-US"/>
           </a:p>
@@ -5566,7 +5588,7 @@
           <a:p>
             <a:fld id="{236DEB8F-1078-4B41-AFE9-1FE79B8C146D}" type="datetimeFigureOut">
               <a:rPr lang="zh-CN" altLang="en-US" smtClean="0"/>
-              <a:t>2015/12/1</a:t>
+              <a:t>2015/12/13</a:t>
             </a:fld>
             <a:endParaRPr lang="zh-CN" altLang="en-US"/>
           </a:p>
@@ -5673,7 +5695,7 @@
           <a:p>
             <a:fld id="{236DEB8F-1078-4B41-AFE9-1FE79B8C146D}" type="datetimeFigureOut">
               <a:rPr lang="zh-CN" altLang="en-US" smtClean="0"/>
-              <a:t>2015/12/1</a:t>
+              <a:t>2015/12/13</a:t>
             </a:fld>
             <a:endParaRPr lang="zh-CN" altLang="en-US"/>
           </a:p>
@@ -5962,7 +5984,7 @@
           <a:p>
             <a:fld id="{236DEB8F-1078-4B41-AFE9-1FE79B8C146D}" type="datetimeFigureOut">
               <a:rPr lang="zh-CN" altLang="en-US" smtClean="0"/>
-              <a:t>2015/12/1</a:t>
+              <a:t>2015/12/13</a:t>
             </a:fld>
             <a:endParaRPr lang="zh-CN" altLang="en-US"/>
           </a:p>
@@ -6231,7 +6253,7 @@
           <a:p>
             <a:fld id="{236DEB8F-1078-4B41-AFE9-1FE79B8C146D}" type="datetimeFigureOut">
               <a:rPr lang="zh-CN" altLang="en-US" smtClean="0"/>
-              <a:t>2015/12/1</a:t>
+              <a:t>2015/12/13</a:t>
             </a:fld>
             <a:endParaRPr lang="zh-CN" altLang="en-US"/>
           </a:p>
@@ -6513,7 +6535,7 @@
           <a:p>
             <a:fld id="{236DEB8F-1078-4B41-AFE9-1FE79B8C146D}" type="datetimeFigureOut">
               <a:rPr lang="zh-CN" altLang="en-US" smtClean="0"/>
-              <a:t>2015/12/1</a:t>
+              <a:t>2015/12/13</a:t>
             </a:fld>
             <a:endParaRPr lang="zh-CN" altLang="en-US"/>
           </a:p>
@@ -7323,7 +7345,7 @@
                 <a:latin typeface="宋体" panose="02010600030101010101" pitchFamily="2" charset="-122"/>
                 <a:ea typeface="宋体" panose="02010600030101010101" pitchFamily="2" charset="-122"/>
               </a:rPr>
-              <a:t>编译器的形式化验证方法的研究和实现</a:t>
+              <a:t>编译器的构建和形式验证方法的研究与实现</a:t>
             </a:r>
             <a:r>
               <a:rPr lang="zh-CN" altLang="zh-CN" sz="4000" dirty="0" smtClean="0">
@@ -7912,7 +7934,7 @@
               <a:t>Coq</a:t>
             </a:r>
             <a:r>
-              <a:rPr lang="zh-CN" altLang="en-US" sz="2000" dirty="0">
+              <a:rPr lang="zh-CN" altLang="en-US" sz="2000" dirty="0" smtClean="0">
                 <a:latin typeface="Times New Roman" panose="02020603050405020304" pitchFamily="18" charset="0"/>
                 <a:ea typeface="宋体" panose="02010600030101010101" pitchFamily="2" charset="-122"/>
                 <a:cs typeface="Times New Roman" panose="02020603050405020304" pitchFamily="18" charset="0"/>
@@ -7920,15 +7942,15 @@
               <a:t>、</a:t>
             </a:r>
             <a:r>
-              <a:rPr lang="en-US" altLang="zh-CN" sz="2000" dirty="0" err="1">
-                <a:latin typeface="Times New Roman" panose="02020603050405020304" pitchFamily="18" charset="0"/>
-                <a:ea typeface="宋体" panose="02010600030101010101" pitchFamily="2" charset="-122"/>
-                <a:cs typeface="Times New Roman" panose="02020603050405020304" pitchFamily="18" charset="0"/>
-              </a:rPr>
-              <a:t>Twelf</a:t>
-            </a:r>
-            <a:r>
-              <a:rPr lang="zh-CN" altLang="en-US" sz="2000" dirty="0">
+              <a:rPr lang="en-US" altLang="zh-CN" sz="2000" dirty="0" smtClean="0">
+                <a:latin typeface="Times New Roman" panose="02020603050405020304" pitchFamily="18" charset="0"/>
+                <a:ea typeface="宋体" panose="02010600030101010101" pitchFamily="2" charset="-122"/>
+                <a:cs typeface="Times New Roman" panose="02020603050405020304" pitchFamily="18" charset="0"/>
+              </a:rPr>
+              <a:t>PVS</a:t>
+            </a:r>
+            <a:r>
+              <a:rPr lang="zh-CN" altLang="en-US" sz="2000" dirty="0" smtClean="0">
                 <a:latin typeface="Times New Roman" panose="02020603050405020304" pitchFamily="18" charset="0"/>
                 <a:ea typeface="宋体" panose="02010600030101010101" pitchFamily="2" charset="-122"/>
                 <a:cs typeface="Times New Roman" panose="02020603050405020304" pitchFamily="18" charset="0"/>
@@ -8233,10 +8255,21 @@
                 <a:ea typeface="宋体" panose="02010600030101010101" pitchFamily="2" charset="-122"/>
                 <a:cs typeface="Times New Roman" panose="02020603050405020304" pitchFamily="18" charset="0"/>
               </a:rPr>
-              <a:t>带领的 </a:t>
-            </a:r>
-            <a:r>
-              <a:rPr lang="en-US" altLang="zh-CN" sz="2000" dirty="0" err="1">
+              <a:t>带领</a:t>
+            </a:r>
+            <a:r>
+              <a:rPr lang="zh-CN" altLang="en-US" sz="2000" dirty="0" smtClean="0">
+                <a:latin typeface="Times New Roman" panose="02020603050405020304" pitchFamily="18" charset="0"/>
+                <a:ea typeface="宋体" panose="02010600030101010101" pitchFamily="2" charset="-122"/>
+                <a:cs typeface="Times New Roman" panose="02020603050405020304" pitchFamily="18" charset="0"/>
+              </a:rPr>
+              <a:t>的</a:t>
+            </a:r>
+            <a:r>
+              <a:rPr lang="en-US" altLang="zh-CN" sz="2000" dirty="0" err="1" smtClean="0">
+                <a:solidFill>
+                  <a:srgbClr val="FF0000"/>
+                </a:solidFill>
                 <a:latin typeface="Times New Roman" panose="02020603050405020304" pitchFamily="18" charset="0"/>
                 <a:ea typeface="宋体" panose="02010600030101010101" pitchFamily="2" charset="-122"/>
                 <a:cs typeface="Times New Roman" panose="02020603050405020304" pitchFamily="18" charset="0"/>
@@ -8244,7 +8277,10 @@
               <a:t>CompCert</a:t>
             </a:r>
             <a:r>
-              <a:rPr lang="en-US" altLang="zh-CN" sz="2000" dirty="0">
+              <a:rPr lang="en-US" altLang="zh-CN" sz="2000" dirty="0" smtClean="0">
+                <a:solidFill>
+                  <a:srgbClr val="FF0000"/>
+                </a:solidFill>
                 <a:latin typeface="Times New Roman" panose="02020603050405020304" pitchFamily="18" charset="0"/>
                 <a:ea typeface="宋体" panose="02010600030101010101" pitchFamily="2" charset="-122"/>
                 <a:cs typeface="Times New Roman" panose="02020603050405020304" pitchFamily="18" charset="0"/>
@@ -8253,11 +8289,22 @@
             </a:r>
             <a:r>
               <a:rPr lang="zh-CN" altLang="en-US" sz="2000" dirty="0">
-                <a:latin typeface="Times New Roman" panose="02020603050405020304" pitchFamily="18" charset="0"/>
-                <a:ea typeface="宋体" panose="02010600030101010101" pitchFamily="2" charset="-122"/>
-                <a:cs typeface="Times New Roman" panose="02020603050405020304" pitchFamily="18" charset="0"/>
-              </a:rPr>
-              <a:t>项目组所</a:t>
+                <a:solidFill>
+                  <a:srgbClr val="FF0000"/>
+                </a:solidFill>
+                <a:latin typeface="Times New Roman" panose="02020603050405020304" pitchFamily="18" charset="0"/>
+                <a:ea typeface="宋体" panose="02010600030101010101" pitchFamily="2" charset="-122"/>
+                <a:cs typeface="Times New Roman" panose="02020603050405020304" pitchFamily="18" charset="0"/>
+              </a:rPr>
+              <a:t>项目</a:t>
+            </a:r>
+            <a:r>
+              <a:rPr lang="zh-CN" altLang="en-US" sz="2000" dirty="0">
+                <a:latin typeface="Times New Roman" panose="02020603050405020304" pitchFamily="18" charset="0"/>
+                <a:ea typeface="宋体" panose="02010600030101010101" pitchFamily="2" charset="-122"/>
+                <a:cs typeface="Times New Roman" panose="02020603050405020304" pitchFamily="18" charset="0"/>
+              </a:rPr>
+              <a:t>组所</a:t>
             </a:r>
             <a:r>
               <a:rPr lang="zh-CN" altLang="en-US" sz="2000" dirty="0" smtClean="0">
@@ -8276,20 +8323,63 @@
               <a:t>，</a:t>
             </a:r>
             <a:r>
+              <a:rPr lang="zh-CN" altLang="en-US" sz="2000" dirty="0">
+                <a:latin typeface="Times New Roman" panose="02020603050405020304" pitchFamily="18" charset="0"/>
+                <a:ea typeface="宋体" panose="02010600030101010101" pitchFamily="2" charset="-122"/>
+                <a:cs typeface="Times New Roman" panose="02020603050405020304" pitchFamily="18" charset="0"/>
+              </a:rPr>
+              <a:t>他们采用辅助定理证明</a:t>
+            </a:r>
+            <a:r>
               <a:rPr lang="zh-CN" altLang="en-US" sz="2000" dirty="0" smtClean="0">
                 <a:latin typeface="Times New Roman" panose="02020603050405020304" pitchFamily="18" charset="0"/>
                 <a:ea typeface="宋体" panose="02010600030101010101" pitchFamily="2" charset="-122"/>
                 <a:cs typeface="Times New Roman" panose="02020603050405020304" pitchFamily="18" charset="0"/>
               </a:rPr>
-              <a:t>他们</a:t>
-            </a:r>
-            <a:r>
-              <a:rPr lang="zh-CN" altLang="en-US" sz="2000" dirty="0">
-                <a:latin typeface="Times New Roman" panose="02020603050405020304" pitchFamily="18" charset="0"/>
-                <a:ea typeface="宋体" panose="02010600030101010101" pitchFamily="2" charset="-122"/>
-                <a:cs typeface="Times New Roman" panose="02020603050405020304" pitchFamily="18" charset="0"/>
-              </a:rPr>
-              <a:t>首次完成了对一个完整且实际</a:t>
+              <a:t>工具</a:t>
+            </a:r>
+            <a:r>
+              <a:rPr lang="en-US" altLang="zh-CN" sz="2000" dirty="0" smtClean="0">
+                <a:solidFill>
+                  <a:srgbClr val="FF0000"/>
+                </a:solidFill>
+                <a:latin typeface="Times New Roman" panose="02020603050405020304" pitchFamily="18" charset="0"/>
+                <a:ea typeface="宋体" panose="02010600030101010101" pitchFamily="2" charset="-122"/>
+                <a:cs typeface="Times New Roman" panose="02020603050405020304" pitchFamily="18" charset="0"/>
+              </a:rPr>
+              <a:t>Coq Assistant</a:t>
+            </a:r>
+            <a:r>
+              <a:rPr lang="zh-CN" altLang="en-US" sz="2000" dirty="0">
+                <a:latin typeface="Times New Roman" panose="02020603050405020304" pitchFamily="18" charset="0"/>
+                <a:ea typeface="宋体" panose="02010600030101010101" pitchFamily="2" charset="-122"/>
+                <a:cs typeface="Times New Roman" panose="02020603050405020304" pitchFamily="18" charset="0"/>
+              </a:rPr>
+              <a:t>对编译过程进行重新构造</a:t>
+            </a:r>
+            <a:r>
+              <a:rPr lang="zh-CN" altLang="en-US" sz="2000" dirty="0" smtClean="0">
+                <a:latin typeface="Times New Roman" panose="02020603050405020304" pitchFamily="18" charset="0"/>
+                <a:ea typeface="宋体" panose="02010600030101010101" pitchFamily="2" charset="-122"/>
+                <a:cs typeface="Times New Roman" panose="02020603050405020304" pitchFamily="18" charset="0"/>
+              </a:rPr>
+              <a:t>，</a:t>
+            </a:r>
+            <a:r>
+              <a:rPr lang="zh-CN" altLang="en-US" sz="2000" dirty="0" smtClean="0">
+                <a:latin typeface="Times New Roman" panose="02020603050405020304" pitchFamily="18" charset="0"/>
+                <a:ea typeface="宋体" panose="02010600030101010101" pitchFamily="2" charset="-122"/>
+                <a:cs typeface="Times New Roman" panose="02020603050405020304" pitchFamily="18" charset="0"/>
+              </a:rPr>
+              <a:t>首次</a:t>
+            </a:r>
+            <a:r>
+              <a:rPr lang="zh-CN" altLang="en-US" sz="2000" dirty="0">
+                <a:latin typeface="Times New Roman" panose="02020603050405020304" pitchFamily="18" charset="0"/>
+                <a:ea typeface="宋体" panose="02010600030101010101" pitchFamily="2" charset="-122"/>
+                <a:cs typeface="Times New Roman" panose="02020603050405020304" pitchFamily="18" charset="0"/>
+              </a:rPr>
+              <a:t>完成了对一个完整且实际</a:t>
             </a:r>
             <a:r>
               <a:rPr lang="zh-CN" altLang="en-US" sz="2000" dirty="0" smtClean="0">
@@ -8373,20 +8463,77 @@
               <a:buChar char="Ø"/>
             </a:pPr>
             <a:r>
+              <a:rPr lang="zh-CN" altLang="en-US" sz="2000" dirty="0" smtClean="0">
+                <a:latin typeface="Times New Roman" panose="02020603050405020304" pitchFamily="18" charset="0"/>
+                <a:ea typeface="宋体" panose="02010600030101010101" pitchFamily="2" charset="-122"/>
+                <a:cs typeface="Times New Roman" panose="02020603050405020304" pitchFamily="18" charset="0"/>
+              </a:rPr>
+              <a:t>目前 </a:t>
+            </a:r>
+            <a:r>
+              <a:rPr lang="en-US" altLang="zh-CN" sz="2000" dirty="0" err="1">
+                <a:latin typeface="Times New Roman" panose="02020603050405020304" pitchFamily="18" charset="0"/>
+                <a:ea typeface="宋体" panose="02010600030101010101" pitchFamily="2" charset="-122"/>
+                <a:cs typeface="Times New Roman" panose="02020603050405020304" pitchFamily="18" charset="0"/>
+              </a:rPr>
+              <a:t>CompCert</a:t>
+            </a:r>
+            <a:r>
+              <a:rPr lang="en-US" altLang="zh-CN" sz="2000" dirty="0">
+                <a:latin typeface="Times New Roman" panose="02020603050405020304" pitchFamily="18" charset="0"/>
+                <a:ea typeface="宋体" panose="02010600030101010101" pitchFamily="2" charset="-122"/>
+                <a:cs typeface="Times New Roman" panose="02020603050405020304" pitchFamily="18" charset="0"/>
+              </a:rPr>
+              <a:t> </a:t>
+            </a:r>
+            <a:r>
+              <a:rPr lang="zh-CN" altLang="en-US" sz="2000" dirty="0">
+                <a:latin typeface="Times New Roman" panose="02020603050405020304" pitchFamily="18" charset="0"/>
+                <a:ea typeface="宋体" panose="02010600030101010101" pitchFamily="2" charset="-122"/>
+                <a:cs typeface="Times New Roman" panose="02020603050405020304" pitchFamily="18" charset="0"/>
+              </a:rPr>
+              <a:t>编译器只能实现对一个 </a:t>
+            </a:r>
+            <a:r>
               <a:rPr lang="en-US" altLang="zh-CN" sz="2000" dirty="0" smtClean="0">
-                <a:latin typeface="Times New Roman" panose="02020603050405020304" pitchFamily="18" charset="0"/>
-                <a:ea typeface="宋体" panose="02010600030101010101" pitchFamily="2" charset="-122"/>
-                <a:cs typeface="Times New Roman" panose="02020603050405020304" pitchFamily="18" charset="0"/>
-              </a:rPr>
-              <a:t> </a:t>
-            </a:r>
-            <a:r>
-              <a:rPr lang="en-US" altLang="zh-CN" sz="2000" dirty="0" err="1">
-                <a:latin typeface="Times New Roman" panose="02020603050405020304" pitchFamily="18" charset="0"/>
-                <a:ea typeface="宋体" panose="02010600030101010101" pitchFamily="2" charset="-122"/>
-                <a:cs typeface="Times New Roman" panose="02020603050405020304" pitchFamily="18" charset="0"/>
-              </a:rPr>
-              <a:t>CompCert</a:t>
+                <a:solidFill>
+                  <a:srgbClr val="FF0000"/>
+                </a:solidFill>
+                <a:latin typeface="Times New Roman" panose="02020603050405020304" pitchFamily="18" charset="0"/>
+                <a:ea typeface="宋体" panose="02010600030101010101" pitchFamily="2" charset="-122"/>
+                <a:cs typeface="Times New Roman" panose="02020603050405020304" pitchFamily="18" charset="0"/>
+              </a:rPr>
+              <a:t>C</a:t>
+            </a:r>
+            <a:r>
+              <a:rPr lang="zh-CN" altLang="en-US" sz="2000" dirty="0" smtClean="0">
+                <a:solidFill>
+                  <a:srgbClr val="FF0000"/>
+                </a:solidFill>
+                <a:latin typeface="Times New Roman" panose="02020603050405020304" pitchFamily="18" charset="0"/>
+                <a:ea typeface="宋体" panose="02010600030101010101" pitchFamily="2" charset="-122"/>
+                <a:cs typeface="Times New Roman" panose="02020603050405020304" pitchFamily="18" charset="0"/>
+              </a:rPr>
+              <a:t>语言</a:t>
+            </a:r>
+            <a:r>
+              <a:rPr lang="zh-CN" altLang="en-US" sz="2000" dirty="0">
+                <a:solidFill>
+                  <a:srgbClr val="FF0000"/>
+                </a:solidFill>
+                <a:latin typeface="Times New Roman" panose="02020603050405020304" pitchFamily="18" charset="0"/>
+                <a:ea typeface="宋体" panose="02010600030101010101" pitchFamily="2" charset="-122"/>
+                <a:cs typeface="Times New Roman" panose="02020603050405020304" pitchFamily="18" charset="0"/>
+              </a:rPr>
+              <a:t>子集</a:t>
+            </a:r>
+            <a:r>
+              <a:rPr lang="zh-CN" altLang="en-US" sz="2000" dirty="0">
+                <a:latin typeface="Times New Roman" panose="02020603050405020304" pitchFamily="18" charset="0"/>
+                <a:ea typeface="宋体" panose="02010600030101010101" pitchFamily="2" charset="-122"/>
+                <a:cs typeface="Times New Roman" panose="02020603050405020304" pitchFamily="18" charset="0"/>
+              </a:rPr>
+              <a:t>的编译</a:t>
             </a:r>
             <a:r>
               <a:rPr lang="en-US" altLang="zh-CN" sz="2000" dirty="0">
@@ -8394,23 +8541,15 @@
                 <a:ea typeface="宋体" panose="02010600030101010101" pitchFamily="2" charset="-122"/>
                 <a:cs typeface="Times New Roman" panose="02020603050405020304" pitchFamily="18" charset="0"/>
               </a:rPr>
-              <a:t> </a:t>
-            </a:r>
-            <a:r>
-              <a:rPr lang="zh-CN" altLang="en-US" sz="2000" dirty="0">
-                <a:latin typeface="Times New Roman" panose="02020603050405020304" pitchFamily="18" charset="0"/>
-                <a:ea typeface="宋体" panose="02010600030101010101" pitchFamily="2" charset="-122"/>
-                <a:cs typeface="Times New Roman" panose="02020603050405020304" pitchFamily="18" charset="0"/>
-              </a:rPr>
-              <a:t>先采用辅助定理证明工具 </a:t>
-            </a:r>
-            <a:r>
-              <a:rPr lang="en-US" altLang="zh-CN" sz="2000" dirty="0" smtClean="0">
-                <a:latin typeface="Times New Roman" panose="02020603050405020304" pitchFamily="18" charset="0"/>
-                <a:ea typeface="宋体" panose="02010600030101010101" pitchFamily="2" charset="-122"/>
-                <a:cs typeface="Times New Roman" panose="02020603050405020304" pitchFamily="18" charset="0"/>
-              </a:rPr>
-              <a:t>Coq Assistant(http</a:t>
+              <a:t>, </a:t>
+            </a:r>
+            <a:r>
+              <a:rPr lang="zh-CN" altLang="en-US" sz="2000" dirty="0">
+                <a:latin typeface="Times New Roman" panose="02020603050405020304" pitchFamily="18" charset="0"/>
+                <a:ea typeface="宋体" panose="02010600030101010101" pitchFamily="2" charset="-122"/>
+                <a:cs typeface="Times New Roman" panose="02020603050405020304" pitchFamily="18" charset="0"/>
+              </a:rPr>
+              <a:t>还不能完全覆盖所有 </a:t>
             </a:r>
             <a:r>
               <a:rPr lang="en-US" altLang="zh-CN" sz="2000" dirty="0">
@@ -8418,15 +8557,15 @@
                 <a:ea typeface="宋体" panose="02010600030101010101" pitchFamily="2" charset="-122"/>
                 <a:cs typeface="Times New Roman" panose="02020603050405020304" pitchFamily="18" charset="0"/>
               </a:rPr>
-              <a:t>://coq.inria.fr/)</a:t>
-            </a:r>
-            <a:r>
-              <a:rPr lang="zh-CN" altLang="en-US" sz="2000" dirty="0">
-                <a:latin typeface="Times New Roman" panose="02020603050405020304" pitchFamily="18" charset="0"/>
-                <a:ea typeface="宋体" panose="02010600030101010101" pitchFamily="2" charset="-122"/>
-                <a:cs typeface="Times New Roman" panose="02020603050405020304" pitchFamily="18" charset="0"/>
-              </a:rPr>
-              <a:t>对编译过程进行重新</a:t>
+              <a:t>C </a:t>
+            </a:r>
+            <a:r>
+              <a:rPr lang="zh-CN" altLang="en-US" sz="2000" dirty="0">
+                <a:latin typeface="Times New Roman" panose="02020603050405020304" pitchFamily="18" charset="0"/>
+                <a:ea typeface="宋体" panose="02010600030101010101" pitchFamily="2" charset="-122"/>
+                <a:cs typeface="Times New Roman" panose="02020603050405020304" pitchFamily="18" charset="0"/>
+              </a:rPr>
+              <a:t>语言</a:t>
             </a:r>
             <a:r>
               <a:rPr lang="zh-CN" altLang="en-US" sz="2000" dirty="0" smtClean="0">
@@ -8434,23 +8573,15 @@
                 <a:ea typeface="宋体" panose="02010600030101010101" pitchFamily="2" charset="-122"/>
                 <a:cs typeface="Times New Roman" panose="02020603050405020304" pitchFamily="18" charset="0"/>
               </a:rPr>
-              <a:t>构造</a:t>
-            </a:r>
-            <a:r>
-              <a:rPr lang="en-US" altLang="zh-CN" sz="2000" dirty="0">
-                <a:latin typeface="Times New Roman" panose="02020603050405020304" pitchFamily="18" charset="0"/>
-                <a:ea typeface="宋体" panose="02010600030101010101" pitchFamily="2" charset="-122"/>
-                <a:cs typeface="Times New Roman" panose="02020603050405020304" pitchFamily="18" charset="0"/>
-              </a:rPr>
-              <a:t>, </a:t>
-            </a:r>
-            <a:r>
-              <a:rPr lang="zh-CN" altLang="en-US" sz="2000" dirty="0">
-                <a:latin typeface="Times New Roman" panose="02020603050405020304" pitchFamily="18" charset="0"/>
-                <a:ea typeface="宋体" panose="02010600030101010101" pitchFamily="2" charset="-122"/>
-                <a:cs typeface="Times New Roman" panose="02020603050405020304" pitchFamily="18" charset="0"/>
-              </a:rPr>
-              <a:t>此编译过程完成了从一种结构化的</a:t>
+              <a:t>元素</a:t>
+            </a:r>
+            <a:r>
+              <a:rPr lang="zh-CN" altLang="en-US" sz="2000" dirty="0">
+                <a:latin typeface="Times New Roman" panose="02020603050405020304" pitchFamily="18" charset="0"/>
+                <a:ea typeface="宋体" panose="02010600030101010101" pitchFamily="2" charset="-122"/>
+                <a:cs typeface="Times New Roman" panose="02020603050405020304" pitchFamily="18" charset="0"/>
+              </a:rPr>
+              <a:t>，</a:t>
             </a:r>
             <a:r>
               <a:rPr lang="zh-CN" altLang="en-US" sz="2000" dirty="0" smtClean="0">
@@ -8458,63 +8589,15 @@
                 <a:ea typeface="宋体" panose="02010600030101010101" pitchFamily="2" charset="-122"/>
                 <a:cs typeface="Times New Roman" panose="02020603050405020304" pitchFamily="18" charset="0"/>
               </a:rPr>
-              <a:t>函数式语言</a:t>
-            </a:r>
-            <a:r>
-              <a:rPr lang="en-US" altLang="zh-CN" sz="2000" dirty="0" err="1" smtClean="0">
-                <a:latin typeface="Times New Roman" panose="02020603050405020304" pitchFamily="18" charset="0"/>
-                <a:ea typeface="宋体" panose="02010600030101010101" pitchFamily="2" charset="-122"/>
-                <a:cs typeface="Times New Roman" panose="02020603050405020304" pitchFamily="18" charset="0"/>
-              </a:rPr>
-              <a:t>Clight</a:t>
-            </a:r>
-            <a:r>
-              <a:rPr lang="en-US" altLang="zh-CN" sz="2000" dirty="0" smtClean="0">
-                <a:latin typeface="Times New Roman" panose="02020603050405020304" pitchFamily="18" charset="0"/>
-                <a:ea typeface="宋体" panose="02010600030101010101" pitchFamily="2" charset="-122"/>
-                <a:cs typeface="Times New Roman" panose="02020603050405020304" pitchFamily="18" charset="0"/>
-              </a:rPr>
-              <a:t> </a:t>
-            </a:r>
-            <a:r>
-              <a:rPr lang="zh-CN" altLang="en-US" sz="2000" dirty="0">
-                <a:latin typeface="Times New Roman" panose="02020603050405020304" pitchFamily="18" charset="0"/>
-                <a:ea typeface="宋体" panose="02010600030101010101" pitchFamily="2" charset="-122"/>
-                <a:cs typeface="Times New Roman" panose="02020603050405020304" pitchFamily="18" charset="0"/>
-              </a:rPr>
-              <a:t>到汇编代码 </a:t>
-            </a:r>
-            <a:r>
-              <a:rPr lang="en-US" altLang="zh-CN" sz="2000" dirty="0">
-                <a:latin typeface="Times New Roman" panose="02020603050405020304" pitchFamily="18" charset="0"/>
-                <a:ea typeface="宋体" panose="02010600030101010101" pitchFamily="2" charset="-122"/>
-                <a:cs typeface="Times New Roman" panose="02020603050405020304" pitchFamily="18" charset="0"/>
-              </a:rPr>
-              <a:t>PowerPC </a:t>
-            </a:r>
-            <a:r>
-              <a:rPr lang="zh-CN" altLang="en-US" sz="2000" dirty="0">
-                <a:latin typeface="Times New Roman" panose="02020603050405020304" pitchFamily="18" charset="0"/>
-                <a:ea typeface="宋体" panose="02010600030101010101" pitchFamily="2" charset="-122"/>
-                <a:cs typeface="Times New Roman" panose="02020603050405020304" pitchFamily="18" charset="0"/>
-              </a:rPr>
-              <a:t>的转换</a:t>
-            </a:r>
-            <a:r>
-              <a:rPr lang="en-US" altLang="zh-CN" sz="2000" dirty="0">
-                <a:latin typeface="Times New Roman" panose="02020603050405020304" pitchFamily="18" charset="0"/>
-                <a:ea typeface="宋体" panose="02010600030101010101" pitchFamily="2" charset="-122"/>
-                <a:cs typeface="Times New Roman" panose="02020603050405020304" pitchFamily="18" charset="0"/>
-              </a:rPr>
-              <a:t>, </a:t>
-            </a:r>
-            <a:r>
-              <a:rPr lang="zh-CN" altLang="en-US" sz="2000" dirty="0">
-                <a:latin typeface="Times New Roman" panose="02020603050405020304" pitchFamily="18" charset="0"/>
-                <a:ea typeface="宋体" panose="02010600030101010101" pitchFamily="2" charset="-122"/>
-                <a:cs typeface="Times New Roman" panose="02020603050405020304" pitchFamily="18" charset="0"/>
-              </a:rPr>
-              <a:t>整个过程由</a:t>
+              <a:t>且</a:t>
+            </a:r>
+            <a:r>
+              <a:rPr lang="zh-CN" altLang="en-US" sz="2000" dirty="0">
+                <a:latin typeface="Times New Roman" panose="02020603050405020304" pitchFamily="18" charset="0"/>
+                <a:ea typeface="宋体" panose="02010600030101010101" pitchFamily="2" charset="-122"/>
+                <a:cs typeface="Times New Roman" panose="02020603050405020304" pitchFamily="18" charset="0"/>
+              </a:rPr>
+              <a:t>后端优化程度还比</a:t>
             </a:r>
             <a:r>
               <a:rPr lang="zh-CN" altLang="en-US" sz="2000" dirty="0" smtClean="0">
@@ -8522,47 +8605,15 @@
                 <a:ea typeface="宋体" panose="02010600030101010101" pitchFamily="2" charset="-122"/>
                 <a:cs typeface="Times New Roman" panose="02020603050405020304" pitchFamily="18" charset="0"/>
               </a:rPr>
-              <a:t>八种</a:t>
-            </a:r>
-            <a:r>
-              <a:rPr lang="zh-CN" altLang="en-US" sz="2000" dirty="0">
-                <a:latin typeface="Times New Roman" panose="02020603050405020304" pitchFamily="18" charset="0"/>
-                <a:ea typeface="宋体" panose="02010600030101010101" pitchFamily="2" charset="-122"/>
-                <a:cs typeface="Times New Roman" panose="02020603050405020304" pitchFamily="18" charset="0"/>
-              </a:rPr>
-              <a:t>不同的中间语言之间的转换构成</a:t>
-            </a:r>
-            <a:r>
-              <a:rPr lang="en-US" altLang="zh-CN" sz="2000" dirty="0">
-                <a:latin typeface="Times New Roman" panose="02020603050405020304" pitchFamily="18" charset="0"/>
-                <a:ea typeface="宋体" panose="02010600030101010101" pitchFamily="2" charset="-122"/>
-                <a:cs typeface="Times New Roman" panose="02020603050405020304" pitchFamily="18" charset="0"/>
-              </a:rPr>
-              <a:t>, </a:t>
-            </a:r>
-            <a:r>
-              <a:rPr lang="zh-CN" altLang="en-US" sz="2000" dirty="0">
-                <a:latin typeface="Times New Roman" panose="02020603050405020304" pitchFamily="18" charset="0"/>
-                <a:ea typeface="宋体" panose="02010600030101010101" pitchFamily="2" charset="-122"/>
-                <a:cs typeface="Times New Roman" panose="02020603050405020304" pitchFamily="18" charset="0"/>
-              </a:rPr>
-              <a:t>然后使用 </a:t>
-            </a:r>
-            <a:r>
-              <a:rPr lang="en-US" altLang="zh-CN" sz="2000" dirty="0" smtClean="0">
-                <a:latin typeface="Times New Roman" panose="02020603050405020304" pitchFamily="18" charset="0"/>
-                <a:ea typeface="宋体" panose="02010600030101010101" pitchFamily="2" charset="-122"/>
-                <a:cs typeface="Times New Roman" panose="02020603050405020304" pitchFamily="18" charset="0"/>
-              </a:rPr>
-              <a:t>Coq Assistant </a:t>
-            </a:r>
-            <a:r>
-              <a:rPr lang="zh-CN" altLang="en-US" sz="2000" dirty="0">
-                <a:latin typeface="Times New Roman" panose="02020603050405020304" pitchFamily="18" charset="0"/>
-                <a:ea typeface="宋体" panose="02010600030101010101" pitchFamily="2" charset="-122"/>
-                <a:cs typeface="Times New Roman" panose="02020603050405020304" pitchFamily="18" charset="0"/>
-              </a:rPr>
-              <a:t>对整个编译过程的正确性即语义可保持</a:t>
+              <a:t>较低</a:t>
+            </a:r>
+            <a:r>
+              <a:rPr lang="zh-CN" altLang="en-US" sz="2000" dirty="0">
+                <a:latin typeface="Times New Roman" panose="02020603050405020304" pitchFamily="18" charset="0"/>
+                <a:ea typeface="宋体" panose="02010600030101010101" pitchFamily="2" charset="-122"/>
+                <a:cs typeface="Times New Roman" panose="02020603050405020304" pitchFamily="18" charset="0"/>
+              </a:rPr>
+              <a:t>，</a:t>
             </a:r>
             <a:r>
               <a:rPr lang="zh-CN" altLang="en-US" sz="2000" dirty="0" smtClean="0">
@@ -8570,15 +8621,15 @@
                 <a:ea typeface="宋体" panose="02010600030101010101" pitchFamily="2" charset="-122"/>
                 <a:cs typeface="Times New Roman" panose="02020603050405020304" pitchFamily="18" charset="0"/>
               </a:rPr>
-              <a:t>性进行</a:t>
-            </a:r>
-            <a:r>
-              <a:rPr lang="zh-CN" altLang="en-US" sz="2000" dirty="0">
-                <a:latin typeface="Times New Roman" panose="02020603050405020304" pitchFamily="18" charset="0"/>
-                <a:ea typeface="宋体" panose="02010600030101010101" pitchFamily="2" charset="-122"/>
-                <a:cs typeface="Times New Roman" panose="02020603050405020304" pitchFamily="18" charset="0"/>
-              </a:rPr>
-              <a:t>证明</a:t>
+              <a:t>项目</a:t>
+            </a:r>
+            <a:r>
+              <a:rPr lang="zh-CN" altLang="en-US" sz="2000" dirty="0">
+                <a:latin typeface="Times New Roman" panose="02020603050405020304" pitchFamily="18" charset="0"/>
+                <a:ea typeface="宋体" panose="02010600030101010101" pitchFamily="2" charset="-122"/>
+                <a:cs typeface="Times New Roman" panose="02020603050405020304" pitchFamily="18" charset="0"/>
+              </a:rPr>
+              <a:t>也正在进一步</a:t>
             </a:r>
             <a:r>
               <a:rPr lang="zh-CN" altLang="en-US" sz="2000" dirty="0" smtClean="0">
@@ -8586,9 +8637,17 @@
                 <a:ea typeface="宋体" panose="02010600030101010101" pitchFamily="2" charset="-122"/>
                 <a:cs typeface="Times New Roman" panose="02020603050405020304" pitchFamily="18" charset="0"/>
               </a:rPr>
+              <a:t>研究中</a:t>
+            </a:r>
+            <a:r>
+              <a:rPr lang="zh-CN" altLang="en-US" sz="2000" dirty="0">
+                <a:latin typeface="Times New Roman" panose="02020603050405020304" pitchFamily="18" charset="0"/>
+                <a:ea typeface="宋体" panose="02010600030101010101" pitchFamily="2" charset="-122"/>
+                <a:cs typeface="Times New Roman" panose="02020603050405020304" pitchFamily="18" charset="0"/>
+              </a:rPr>
               <a:t>。</a:t>
             </a:r>
-            <a:endParaRPr lang="en-US" altLang="zh-CN" sz="2000" dirty="0" smtClean="0">
+            <a:endParaRPr lang="en-US" altLang="zh-CN" sz="2000" dirty="0">
               <a:latin typeface="Times New Roman" panose="02020603050405020304" pitchFamily="18" charset="0"/>
               <a:ea typeface="宋体" panose="02010600030101010101" pitchFamily="2" charset="-122"/>
               <a:cs typeface="Times New Roman" panose="02020603050405020304" pitchFamily="18" charset="0"/>
@@ -8606,12 +8665,58 @@
               <a:buChar char="Ø"/>
             </a:pPr>
             <a:r>
+              <a:rPr lang="en-US" altLang="zh-CN" sz="2000" dirty="0">
+                <a:latin typeface="Times New Roman" panose="02020603050405020304" pitchFamily="18" charset="0"/>
+                <a:ea typeface="宋体" panose="02010600030101010101" pitchFamily="2" charset="-122"/>
+                <a:cs typeface="Times New Roman" panose="02020603050405020304" pitchFamily="18" charset="0"/>
+              </a:rPr>
+              <a:t>2011</a:t>
+            </a:r>
+            <a:r>
+              <a:rPr lang="zh-CN" altLang="en-US" sz="2000" dirty="0">
+                <a:latin typeface="Times New Roman" panose="02020603050405020304" pitchFamily="18" charset="0"/>
+                <a:ea typeface="宋体" panose="02010600030101010101" pitchFamily="2" charset="-122"/>
+                <a:cs typeface="Times New Roman" panose="02020603050405020304" pitchFamily="18" charset="0"/>
+              </a:rPr>
+              <a:t>年</a:t>
+            </a:r>
+            <a:r>
               <a:rPr lang="zh-CN" altLang="en-US" sz="2000" dirty="0" smtClean="0">
                 <a:latin typeface="Times New Roman" panose="02020603050405020304" pitchFamily="18" charset="0"/>
                 <a:ea typeface="宋体" panose="02010600030101010101" pitchFamily="2" charset="-122"/>
                 <a:cs typeface="Times New Roman" panose="02020603050405020304" pitchFamily="18" charset="0"/>
               </a:rPr>
-              <a:t>目前 </a:t>
+              <a:t>，</a:t>
+            </a:r>
+            <a:r>
+              <a:rPr lang="en-US" altLang="zh-CN" sz="2000" dirty="0" smtClean="0">
+                <a:latin typeface="Times New Roman" panose="02020603050405020304" pitchFamily="18" charset="0"/>
+                <a:cs typeface="Times New Roman" panose="02020603050405020304" pitchFamily="18" charset="0"/>
+              </a:rPr>
+              <a:t>Yang</a:t>
+            </a:r>
+            <a:r>
+              <a:rPr lang="en-US" altLang="zh-CN" sz="2000" baseline="30000" dirty="0" smtClean="0">
+                <a:latin typeface="Times New Roman" panose="02020603050405020304" pitchFamily="18" charset="0"/>
+                <a:cs typeface="Times New Roman" panose="02020603050405020304" pitchFamily="18" charset="0"/>
+              </a:rPr>
+              <a:t>[21]</a:t>
+            </a:r>
+            <a:r>
+              <a:rPr lang="zh-CN" altLang="en-US" sz="2000" dirty="0" smtClean="0">
+                <a:latin typeface="Times New Roman" panose="02020603050405020304" pitchFamily="18" charset="0"/>
+                <a:ea typeface="宋体" panose="02010600030101010101" pitchFamily="2" charset="-122"/>
+                <a:cs typeface="Times New Roman" panose="02020603050405020304" pitchFamily="18" charset="0"/>
+              </a:rPr>
+              <a:t>等</a:t>
+            </a:r>
+            <a:r>
+              <a:rPr lang="zh-CN" altLang="en-US" sz="2000" dirty="0">
+                <a:latin typeface="Times New Roman" panose="02020603050405020304" pitchFamily="18" charset="0"/>
+                <a:ea typeface="宋体" panose="02010600030101010101" pitchFamily="2" charset="-122"/>
+                <a:cs typeface="Times New Roman" panose="02020603050405020304" pitchFamily="18" charset="0"/>
+              </a:rPr>
+              <a:t>人在关于</a:t>
             </a:r>
             <a:r>
               <a:rPr lang="en-US" altLang="zh-CN" sz="2000" dirty="0" err="1">
@@ -8619,127 +8724,252 @@
                 <a:ea typeface="宋体" panose="02010600030101010101" pitchFamily="2" charset="-122"/>
                 <a:cs typeface="Times New Roman" panose="02020603050405020304" pitchFamily="18" charset="0"/>
               </a:rPr>
+              <a:t>Csmith</a:t>
+            </a:r>
+            <a:r>
+              <a:rPr lang="zh-CN" altLang="en-US" sz="2000" dirty="0">
+                <a:latin typeface="Times New Roman" panose="02020603050405020304" pitchFamily="18" charset="0"/>
+                <a:ea typeface="宋体" panose="02010600030101010101" pitchFamily="2" charset="-122"/>
+                <a:cs typeface="Times New Roman" panose="02020603050405020304" pitchFamily="18" charset="0"/>
+              </a:rPr>
+              <a:t>的研究工作中对</a:t>
+            </a:r>
+            <a:r>
+              <a:rPr lang="zh-CN" altLang="en-US" sz="2000" dirty="0">
+                <a:solidFill>
+                  <a:srgbClr val="FF0000"/>
+                </a:solidFill>
+                <a:latin typeface="Times New Roman" panose="02020603050405020304" pitchFamily="18" charset="0"/>
+                <a:ea typeface="宋体" panose="02010600030101010101" pitchFamily="2" charset="-122"/>
+                <a:cs typeface="Times New Roman" panose="02020603050405020304" pitchFamily="18" charset="0"/>
+              </a:rPr>
+              <a:t>主流的</a:t>
+            </a:r>
+            <a:r>
+              <a:rPr lang="en-US" altLang="zh-CN" sz="2000" dirty="0">
+                <a:solidFill>
+                  <a:srgbClr val="FF0000"/>
+                </a:solidFill>
+                <a:latin typeface="Times New Roman" panose="02020603050405020304" pitchFamily="18" charset="0"/>
+                <a:ea typeface="宋体" panose="02010600030101010101" pitchFamily="2" charset="-122"/>
+                <a:cs typeface="Times New Roman" panose="02020603050405020304" pitchFamily="18" charset="0"/>
+              </a:rPr>
+              <a:t>C</a:t>
+            </a:r>
+            <a:r>
+              <a:rPr lang="zh-CN" altLang="en-US" sz="2000" dirty="0">
+                <a:solidFill>
+                  <a:srgbClr val="FF0000"/>
+                </a:solidFill>
+                <a:latin typeface="Times New Roman" panose="02020603050405020304" pitchFamily="18" charset="0"/>
+                <a:ea typeface="宋体" panose="02010600030101010101" pitchFamily="2" charset="-122"/>
+                <a:cs typeface="Times New Roman" panose="02020603050405020304" pitchFamily="18" charset="0"/>
+              </a:rPr>
+              <a:t>编译器</a:t>
+            </a:r>
+            <a:r>
+              <a:rPr lang="zh-CN" altLang="en-US" sz="2000" dirty="0">
+                <a:latin typeface="Times New Roman" panose="02020603050405020304" pitchFamily="18" charset="0"/>
+                <a:ea typeface="宋体" panose="02010600030101010101" pitchFamily="2" charset="-122"/>
+                <a:cs typeface="Times New Roman" panose="02020603050405020304" pitchFamily="18" charset="0"/>
+              </a:rPr>
+              <a:t>进行测试，共</a:t>
+            </a:r>
+            <a:r>
+              <a:rPr lang="zh-CN" altLang="en-US" sz="2000" dirty="0" smtClean="0">
+                <a:latin typeface="Times New Roman" panose="02020603050405020304" pitchFamily="18" charset="0"/>
+                <a:ea typeface="宋体" panose="02010600030101010101" pitchFamily="2" charset="-122"/>
+                <a:cs typeface="Times New Roman" panose="02020603050405020304" pitchFamily="18" charset="0"/>
+              </a:rPr>
+              <a:t>报告</a:t>
+            </a:r>
+            <a:r>
+              <a:rPr lang="zh-CN" altLang="en-US" sz="2000" dirty="0">
+                <a:latin typeface="Times New Roman" panose="02020603050405020304" pitchFamily="18" charset="0"/>
+                <a:ea typeface="宋体" panose="02010600030101010101" pitchFamily="2" charset="-122"/>
+                <a:cs typeface="Times New Roman" panose="02020603050405020304" pitchFamily="18" charset="0"/>
+              </a:rPr>
+              <a:t>了</a:t>
+            </a:r>
+            <a:r>
+              <a:rPr lang="en-US" altLang="zh-CN" sz="2000" dirty="0">
+                <a:latin typeface="Times New Roman" panose="02020603050405020304" pitchFamily="18" charset="0"/>
+                <a:ea typeface="宋体" panose="02010600030101010101" pitchFamily="2" charset="-122"/>
+                <a:cs typeface="Times New Roman" panose="02020603050405020304" pitchFamily="18" charset="0"/>
+              </a:rPr>
+              <a:t>325</a:t>
+            </a:r>
+            <a:r>
+              <a:rPr lang="zh-CN" altLang="en-US" sz="2000" dirty="0">
+                <a:latin typeface="Times New Roman" panose="02020603050405020304" pitchFamily="18" charset="0"/>
+                <a:ea typeface="宋体" panose="02010600030101010101" pitchFamily="2" charset="-122"/>
+                <a:cs typeface="Times New Roman" panose="02020603050405020304" pitchFamily="18" charset="0"/>
+              </a:rPr>
+              <a:t>个</a:t>
+            </a:r>
+            <a:r>
+              <a:rPr lang="en-US" altLang="zh-CN" sz="2000" dirty="0">
+                <a:latin typeface="Times New Roman" panose="02020603050405020304" pitchFamily="18" charset="0"/>
+                <a:ea typeface="宋体" panose="02010600030101010101" pitchFamily="2" charset="-122"/>
+                <a:cs typeface="Times New Roman" panose="02020603050405020304" pitchFamily="18" charset="0"/>
+              </a:rPr>
+              <a:t>bugs</a:t>
+            </a:r>
+            <a:r>
+              <a:rPr lang="zh-CN" altLang="en-US" sz="2000" dirty="0">
+                <a:latin typeface="Times New Roman" panose="02020603050405020304" pitchFamily="18" charset="0"/>
+                <a:ea typeface="宋体" panose="02010600030101010101" pitchFamily="2" charset="-122"/>
+                <a:cs typeface="Times New Roman" panose="02020603050405020304" pitchFamily="18" charset="0"/>
+              </a:rPr>
+              <a:t>，其中包括</a:t>
+            </a:r>
+            <a:r>
+              <a:rPr lang="en-US" altLang="zh-CN" sz="2000" dirty="0">
+                <a:latin typeface="Times New Roman" panose="02020603050405020304" pitchFamily="18" charset="0"/>
+                <a:ea typeface="宋体" panose="02010600030101010101" pitchFamily="2" charset="-122"/>
+                <a:cs typeface="Times New Roman" panose="02020603050405020304" pitchFamily="18" charset="0"/>
+              </a:rPr>
+              <a:t>Intel CC</a:t>
+            </a:r>
+            <a:r>
+              <a:rPr lang="zh-CN" altLang="en-US" sz="2000" dirty="0">
+                <a:latin typeface="Times New Roman" panose="02020603050405020304" pitchFamily="18" charset="0"/>
+                <a:ea typeface="宋体" panose="02010600030101010101" pitchFamily="2" charset="-122"/>
+                <a:cs typeface="Times New Roman" panose="02020603050405020304" pitchFamily="18" charset="0"/>
+              </a:rPr>
+              <a:t>，</a:t>
+            </a:r>
+            <a:r>
+              <a:rPr lang="en-US" altLang="zh-CN" sz="2000" dirty="0">
+                <a:latin typeface="Times New Roman" panose="02020603050405020304" pitchFamily="18" charset="0"/>
+                <a:ea typeface="宋体" panose="02010600030101010101" pitchFamily="2" charset="-122"/>
+                <a:cs typeface="Times New Roman" panose="02020603050405020304" pitchFamily="18" charset="0"/>
+              </a:rPr>
+              <a:t>GCC</a:t>
+            </a:r>
+            <a:r>
+              <a:rPr lang="zh-CN" altLang="en-US" sz="2000" dirty="0">
+                <a:latin typeface="Times New Roman" panose="02020603050405020304" pitchFamily="18" charset="0"/>
+                <a:ea typeface="宋体" panose="02010600030101010101" pitchFamily="2" charset="-122"/>
+                <a:cs typeface="Times New Roman" panose="02020603050405020304" pitchFamily="18" charset="0"/>
+              </a:rPr>
+              <a:t>和</a:t>
+            </a:r>
+            <a:r>
+              <a:rPr lang="en-US" altLang="zh-CN" sz="2000" dirty="0">
+                <a:latin typeface="Times New Roman" panose="02020603050405020304" pitchFamily="18" charset="0"/>
+                <a:ea typeface="宋体" panose="02010600030101010101" pitchFamily="2" charset="-122"/>
+                <a:cs typeface="Times New Roman" panose="02020603050405020304" pitchFamily="18" charset="0"/>
+              </a:rPr>
+              <a:t>LLVM</a:t>
+            </a:r>
+            <a:r>
+              <a:rPr lang="zh-CN" altLang="en-US" sz="2000" dirty="0">
+                <a:latin typeface="Times New Roman" panose="02020603050405020304" pitchFamily="18" charset="0"/>
+                <a:ea typeface="宋体" panose="02010600030101010101" pitchFamily="2" charset="-122"/>
+                <a:cs typeface="Times New Roman" panose="02020603050405020304" pitchFamily="18" charset="0"/>
+              </a:rPr>
+              <a:t>等。在所比较的</a:t>
+            </a:r>
+            <a:r>
+              <a:rPr lang="en-US" altLang="zh-CN" sz="2000" dirty="0">
+                <a:latin typeface="Times New Roman" panose="02020603050405020304" pitchFamily="18" charset="0"/>
+                <a:ea typeface="宋体" panose="02010600030101010101" pitchFamily="2" charset="-122"/>
+                <a:cs typeface="Times New Roman" panose="02020603050405020304" pitchFamily="18" charset="0"/>
+              </a:rPr>
+              <a:t>11</a:t>
+            </a:r>
+            <a:r>
+              <a:rPr lang="zh-CN" altLang="en-US" sz="2000" dirty="0">
+                <a:latin typeface="Times New Roman" panose="02020603050405020304" pitchFamily="18" charset="0"/>
+                <a:ea typeface="宋体" panose="02010600030101010101" pitchFamily="2" charset="-122"/>
+                <a:cs typeface="Times New Roman" panose="02020603050405020304" pitchFamily="18" charset="0"/>
+              </a:rPr>
+              <a:t>种开源或商用的</a:t>
+            </a:r>
+            <a:r>
+              <a:rPr lang="en-US" altLang="zh-CN" sz="2000" dirty="0">
+                <a:latin typeface="Times New Roman" panose="02020603050405020304" pitchFamily="18" charset="0"/>
+                <a:ea typeface="宋体" panose="02010600030101010101" pitchFamily="2" charset="-122"/>
+                <a:cs typeface="Times New Roman" panose="02020603050405020304" pitchFamily="18" charset="0"/>
+              </a:rPr>
+              <a:t>C</a:t>
+            </a:r>
+            <a:r>
+              <a:rPr lang="zh-CN" altLang="en-US" sz="2000" dirty="0">
+                <a:latin typeface="Times New Roman" panose="02020603050405020304" pitchFamily="18" charset="0"/>
+                <a:ea typeface="宋体" panose="02010600030101010101" pitchFamily="2" charset="-122"/>
+                <a:cs typeface="Times New Roman" panose="02020603050405020304" pitchFamily="18" charset="0"/>
+              </a:rPr>
+              <a:t>编译器中，</a:t>
+            </a:r>
+            <a:r>
+              <a:rPr lang="en-US" altLang="zh-CN" sz="2000" dirty="0" err="1">
+                <a:solidFill>
+                  <a:srgbClr val="FF0000"/>
+                </a:solidFill>
+                <a:latin typeface="Times New Roman" panose="02020603050405020304" pitchFamily="18" charset="0"/>
+                <a:ea typeface="宋体" panose="02010600030101010101" pitchFamily="2" charset="-122"/>
+                <a:cs typeface="Times New Roman" panose="02020603050405020304" pitchFamily="18" charset="0"/>
+              </a:rPr>
               <a:t>CompCert</a:t>
             </a:r>
             <a:r>
-              <a:rPr lang="en-US" altLang="zh-CN" sz="2000" dirty="0">
-                <a:latin typeface="Times New Roman" panose="02020603050405020304" pitchFamily="18" charset="0"/>
-                <a:ea typeface="宋体" panose="02010600030101010101" pitchFamily="2" charset="-122"/>
-                <a:cs typeface="Times New Roman" panose="02020603050405020304" pitchFamily="18" charset="0"/>
-              </a:rPr>
-              <a:t> </a:t>
-            </a:r>
-            <a:r>
-              <a:rPr lang="zh-CN" altLang="en-US" sz="2000" dirty="0">
-                <a:latin typeface="Times New Roman" panose="02020603050405020304" pitchFamily="18" charset="0"/>
-                <a:ea typeface="宋体" panose="02010600030101010101" pitchFamily="2" charset="-122"/>
-                <a:cs typeface="Times New Roman" panose="02020603050405020304" pitchFamily="18" charset="0"/>
-              </a:rPr>
-              <a:t>编译器只能实现对一个 </a:t>
+              <a:rPr lang="zh-CN" altLang="en-US" sz="2000" dirty="0">
+                <a:latin typeface="Times New Roman" panose="02020603050405020304" pitchFamily="18" charset="0"/>
+                <a:ea typeface="宋体" panose="02010600030101010101" pitchFamily="2" charset="-122"/>
+                <a:cs typeface="Times New Roman" panose="02020603050405020304" pitchFamily="18" charset="0"/>
+              </a:rPr>
+              <a:t>表现较为突出</a:t>
+            </a:r>
+            <a:r>
+              <a:rPr lang="zh-CN" altLang="en-US" sz="2000" dirty="0" smtClean="0">
+                <a:latin typeface="Times New Roman" panose="02020603050405020304" pitchFamily="18" charset="0"/>
+                <a:ea typeface="宋体" panose="02010600030101010101" pitchFamily="2" charset="-122"/>
+                <a:cs typeface="Times New Roman" panose="02020603050405020304" pitchFamily="18" charset="0"/>
+              </a:rPr>
+              <a:t>，其</a:t>
+            </a:r>
+            <a:r>
+              <a:rPr lang="zh-CN" altLang="en-US" sz="2000" dirty="0">
+                <a:latin typeface="Times New Roman" panose="02020603050405020304" pitchFamily="18" charset="0"/>
+                <a:ea typeface="宋体" panose="02010600030101010101" pitchFamily="2" charset="-122"/>
+                <a:cs typeface="Times New Roman" panose="02020603050405020304" pitchFamily="18" charset="0"/>
+              </a:rPr>
+              <a:t>中间转换过程</a:t>
+            </a:r>
+            <a:r>
+              <a:rPr lang="zh-CN" altLang="en-US" sz="2000" dirty="0">
+                <a:solidFill>
+                  <a:srgbClr val="FF0000"/>
+                </a:solidFill>
+                <a:latin typeface="Times New Roman" panose="02020603050405020304" pitchFamily="18" charset="0"/>
+                <a:ea typeface="宋体" panose="02010600030101010101" pitchFamily="2" charset="-122"/>
+                <a:cs typeface="Times New Roman" panose="02020603050405020304" pitchFamily="18" charset="0"/>
+              </a:rPr>
+              <a:t>没有</a:t>
+            </a:r>
+            <a:r>
+              <a:rPr lang="zh-CN" altLang="en-US" sz="2000" dirty="0" smtClean="0">
+                <a:solidFill>
+                  <a:srgbClr val="FF0000"/>
+                </a:solidFill>
+                <a:latin typeface="Times New Roman" panose="02020603050405020304" pitchFamily="18" charset="0"/>
+                <a:ea typeface="宋体" panose="02010600030101010101" pitchFamily="2" charset="-122"/>
+                <a:cs typeface="Times New Roman" panose="02020603050405020304" pitchFamily="18" charset="0"/>
+              </a:rPr>
+              <a:t>发现任何</a:t>
             </a:r>
             <a:r>
               <a:rPr lang="en-US" altLang="zh-CN" sz="2000" dirty="0" smtClean="0">
-                <a:latin typeface="Times New Roman" panose="02020603050405020304" pitchFamily="18" charset="0"/>
-                <a:ea typeface="宋体" panose="02010600030101010101" pitchFamily="2" charset="-122"/>
-                <a:cs typeface="Times New Roman" panose="02020603050405020304" pitchFamily="18" charset="0"/>
-              </a:rPr>
-              <a:t>C</a:t>
-            </a:r>
-            <a:r>
-              <a:rPr lang="zh-CN" altLang="en-US" sz="2000" dirty="0" smtClean="0">
-                <a:latin typeface="Times New Roman" panose="02020603050405020304" pitchFamily="18" charset="0"/>
-                <a:ea typeface="宋体" panose="02010600030101010101" pitchFamily="2" charset="-122"/>
-                <a:cs typeface="Times New Roman" panose="02020603050405020304" pitchFamily="18" charset="0"/>
-              </a:rPr>
-              <a:t>语言</a:t>
-            </a:r>
-            <a:r>
-              <a:rPr lang="zh-CN" altLang="en-US" sz="2000" dirty="0">
-                <a:latin typeface="Times New Roman" panose="02020603050405020304" pitchFamily="18" charset="0"/>
-                <a:ea typeface="宋体" panose="02010600030101010101" pitchFamily="2" charset="-122"/>
-                <a:cs typeface="Times New Roman" panose="02020603050405020304" pitchFamily="18" charset="0"/>
-              </a:rPr>
-              <a:t>子集的编译</a:t>
-            </a:r>
-            <a:r>
-              <a:rPr lang="en-US" altLang="zh-CN" sz="2000" dirty="0">
-                <a:latin typeface="Times New Roman" panose="02020603050405020304" pitchFamily="18" charset="0"/>
-                <a:ea typeface="宋体" panose="02010600030101010101" pitchFamily="2" charset="-122"/>
-                <a:cs typeface="Times New Roman" panose="02020603050405020304" pitchFamily="18" charset="0"/>
-              </a:rPr>
-              <a:t>, </a:t>
-            </a:r>
-            <a:r>
-              <a:rPr lang="zh-CN" altLang="en-US" sz="2000" dirty="0">
-                <a:latin typeface="Times New Roman" panose="02020603050405020304" pitchFamily="18" charset="0"/>
-                <a:ea typeface="宋体" panose="02010600030101010101" pitchFamily="2" charset="-122"/>
-                <a:cs typeface="Times New Roman" panose="02020603050405020304" pitchFamily="18" charset="0"/>
-              </a:rPr>
-              <a:t>还不能完全覆盖所有 </a:t>
-            </a:r>
-            <a:r>
-              <a:rPr lang="en-US" altLang="zh-CN" sz="2000" dirty="0">
-                <a:latin typeface="Times New Roman" panose="02020603050405020304" pitchFamily="18" charset="0"/>
-                <a:ea typeface="宋体" panose="02010600030101010101" pitchFamily="2" charset="-122"/>
-                <a:cs typeface="Times New Roman" panose="02020603050405020304" pitchFamily="18" charset="0"/>
-              </a:rPr>
-              <a:t>C </a:t>
-            </a:r>
-            <a:r>
-              <a:rPr lang="zh-CN" altLang="en-US" sz="2000" dirty="0">
-                <a:latin typeface="Times New Roman" panose="02020603050405020304" pitchFamily="18" charset="0"/>
-                <a:ea typeface="宋体" panose="02010600030101010101" pitchFamily="2" charset="-122"/>
-                <a:cs typeface="Times New Roman" panose="02020603050405020304" pitchFamily="18" charset="0"/>
-              </a:rPr>
-              <a:t>语言元素</a:t>
-            </a:r>
-            <a:r>
-              <a:rPr lang="en-US" altLang="zh-CN" sz="2000" dirty="0" smtClean="0">
-                <a:latin typeface="Times New Roman" panose="02020603050405020304" pitchFamily="18" charset="0"/>
-                <a:ea typeface="宋体" panose="02010600030101010101" pitchFamily="2" charset="-122"/>
-                <a:cs typeface="Times New Roman" panose="02020603050405020304" pitchFamily="18" charset="0"/>
-              </a:rPr>
-              <a:t>,</a:t>
-            </a:r>
-            <a:r>
-              <a:rPr lang="zh-CN" altLang="en-US" sz="2000" dirty="0" smtClean="0">
-                <a:latin typeface="Times New Roman" panose="02020603050405020304" pitchFamily="18" charset="0"/>
-                <a:ea typeface="宋体" panose="02010600030101010101" pitchFamily="2" charset="-122"/>
-                <a:cs typeface="Times New Roman" panose="02020603050405020304" pitchFamily="18" charset="0"/>
-              </a:rPr>
-              <a:t>且</a:t>
-            </a:r>
-            <a:r>
-              <a:rPr lang="zh-CN" altLang="en-US" sz="2000" dirty="0">
-                <a:latin typeface="Times New Roman" panose="02020603050405020304" pitchFamily="18" charset="0"/>
-                <a:ea typeface="宋体" panose="02010600030101010101" pitchFamily="2" charset="-122"/>
-                <a:cs typeface="Times New Roman" panose="02020603050405020304" pitchFamily="18" charset="0"/>
-              </a:rPr>
-              <a:t>后端优化程度还比较低</a:t>
-            </a:r>
-            <a:r>
-              <a:rPr lang="en-US" altLang="zh-CN" sz="2000" dirty="0">
-                <a:latin typeface="Times New Roman" panose="02020603050405020304" pitchFamily="18" charset="0"/>
-                <a:ea typeface="宋体" panose="02010600030101010101" pitchFamily="2" charset="-122"/>
-                <a:cs typeface="Times New Roman" panose="02020603050405020304" pitchFamily="18" charset="0"/>
-              </a:rPr>
-              <a:t>, </a:t>
-            </a:r>
-            <a:r>
-              <a:rPr lang="zh-CN" altLang="en-US" sz="2000" dirty="0">
-                <a:latin typeface="Times New Roman" panose="02020603050405020304" pitchFamily="18" charset="0"/>
-                <a:ea typeface="宋体" panose="02010600030101010101" pitchFamily="2" charset="-122"/>
-                <a:cs typeface="Times New Roman" panose="02020603050405020304" pitchFamily="18" charset="0"/>
-              </a:rPr>
-              <a:t>项目也正在进一步</a:t>
-            </a:r>
-            <a:r>
-              <a:rPr lang="zh-CN" altLang="en-US" sz="2000" dirty="0" smtClean="0">
-                <a:latin typeface="Times New Roman" panose="02020603050405020304" pitchFamily="18" charset="0"/>
-                <a:ea typeface="宋体" panose="02010600030101010101" pitchFamily="2" charset="-122"/>
-                <a:cs typeface="Times New Roman" panose="02020603050405020304" pitchFamily="18" charset="0"/>
-              </a:rPr>
-              <a:t>研究中</a:t>
+                <a:solidFill>
+                  <a:srgbClr val="FF0000"/>
+                </a:solidFill>
+                <a:latin typeface="Times New Roman" panose="02020603050405020304" pitchFamily="18" charset="0"/>
+                <a:ea typeface="宋体" panose="02010600030101010101" pitchFamily="2" charset="-122"/>
+                <a:cs typeface="Times New Roman" panose="02020603050405020304" pitchFamily="18" charset="0"/>
+              </a:rPr>
+              <a:t>bugs</a:t>
             </a:r>
             <a:r>
               <a:rPr lang="zh-CN" altLang="en-US" sz="2000" dirty="0">
@@ -8749,23 +8979,6 @@
               </a:rPr>
               <a:t>。</a:t>
             </a:r>
-            <a:endParaRPr lang="en-US" altLang="zh-CN" sz="2000" dirty="0">
-              <a:latin typeface="Times New Roman" panose="02020603050405020304" pitchFamily="18" charset="0"/>
-              <a:ea typeface="宋体" panose="02010600030101010101" pitchFamily="2" charset="-122"/>
-              <a:cs typeface="Times New Roman" panose="02020603050405020304" pitchFamily="18" charset="0"/>
-            </a:endParaRPr>
-          </a:p>
-          <a:p>
-            <a:pPr algn="just">
-              <a:spcBef>
-                <a:spcPts val="600"/>
-              </a:spcBef>
-              <a:spcAft>
-                <a:spcPts val="600"/>
-              </a:spcAft>
-              <a:buFont typeface="Wingdings" panose="05000000000000000000" pitchFamily="2" charset="2"/>
-              <a:buChar char="Ø"/>
-            </a:pPr>
             <a:endParaRPr lang="en-US" altLang="zh-CN" sz="2000" dirty="0">
               <a:latin typeface="Times New Roman" panose="02020603050405020304" pitchFamily="18" charset="0"/>
               <a:ea typeface="宋体" panose="02010600030101010101" pitchFamily="2" charset="-122"/>
@@ -10019,20 +10232,91 @@
               <a:buChar char="Ø"/>
             </a:pPr>
             <a:r>
+              <a:rPr lang="zh-CN" altLang="en-US" sz="2000" dirty="0">
+                <a:latin typeface="Times New Roman" panose="02020603050405020304" pitchFamily="18" charset="0"/>
+                <a:ea typeface="宋体" panose="02010600030101010101" pitchFamily="2" charset="-122"/>
+                <a:cs typeface="Times New Roman" panose="02020603050405020304" pitchFamily="18" charset="0"/>
+              </a:rPr>
+              <a:t>本课题的研究目标是构建一个</a:t>
+            </a:r>
+            <a:r>
+              <a:rPr lang="zh-CN" altLang="en-US" sz="2000" dirty="0">
+                <a:solidFill>
+                  <a:srgbClr val="FF0000"/>
+                </a:solidFill>
+                <a:latin typeface="Times New Roman" panose="02020603050405020304" pitchFamily="18" charset="0"/>
+                <a:ea typeface="宋体" panose="02010600030101010101" pitchFamily="2" charset="-122"/>
+                <a:cs typeface="Times New Roman" panose="02020603050405020304" pitchFamily="18" charset="0"/>
+              </a:rPr>
+              <a:t>带有形式验证功能的编译工具</a:t>
+            </a:r>
+            <a:r>
               <a:rPr lang="zh-CN" altLang="en-US" sz="2000" dirty="0" smtClean="0">
                 <a:latin typeface="Times New Roman" panose="02020603050405020304" pitchFamily="18" charset="0"/>
                 <a:ea typeface="宋体" panose="02010600030101010101" pitchFamily="2" charset="-122"/>
                 <a:cs typeface="Times New Roman" panose="02020603050405020304" pitchFamily="18" charset="0"/>
               </a:rPr>
-              <a:t>本</a:t>
-            </a:r>
-            <a:r>
-              <a:rPr lang="zh-CN" altLang="en-US" sz="2000" dirty="0">
-                <a:latin typeface="Times New Roman" panose="02020603050405020304" pitchFamily="18" charset="0"/>
-                <a:ea typeface="宋体" panose="02010600030101010101" pitchFamily="2" charset="-122"/>
-                <a:cs typeface="Times New Roman" panose="02020603050405020304" pitchFamily="18" charset="0"/>
-              </a:rPr>
-              <a:t>课题的研究目标是构建一个实现对编译器形式化建模和验证的工具，该工具能对源代码和编译后的目标代码进行形式化，通过变换和推导获得</a:t>
+              <a:t>。该</a:t>
+            </a:r>
+            <a:r>
+              <a:rPr lang="zh-CN" altLang="en-US" sz="2000" dirty="0">
+                <a:latin typeface="Times New Roman" panose="02020603050405020304" pitchFamily="18" charset="0"/>
+                <a:ea typeface="宋体" panose="02010600030101010101" pitchFamily="2" charset="-122"/>
+                <a:cs typeface="Times New Roman" panose="02020603050405020304" pitchFamily="18" charset="0"/>
+              </a:rPr>
+              <a:t>工具不仅能完成</a:t>
+            </a:r>
+            <a:r>
+              <a:rPr lang="zh-CN" altLang="en-US" sz="2000" dirty="0">
+                <a:solidFill>
+                  <a:srgbClr val="FF0000"/>
+                </a:solidFill>
+                <a:latin typeface="Times New Roman" panose="02020603050405020304" pitchFamily="18" charset="0"/>
+                <a:ea typeface="宋体" panose="02010600030101010101" pitchFamily="2" charset="-122"/>
+                <a:cs typeface="Times New Roman" panose="02020603050405020304" pitchFamily="18" charset="0"/>
+              </a:rPr>
+              <a:t>基本的编译功能</a:t>
+            </a:r>
+            <a:r>
+              <a:rPr lang="zh-CN" altLang="en-US" sz="2000" dirty="0">
+                <a:latin typeface="Times New Roman" panose="02020603050405020304" pitchFamily="18" charset="0"/>
+                <a:ea typeface="宋体" panose="02010600030101010101" pitchFamily="2" charset="-122"/>
+                <a:cs typeface="Times New Roman" panose="02020603050405020304" pitchFamily="18" charset="0"/>
+              </a:rPr>
+              <a:t>，如词法分析、语法分析等，还可以</a:t>
+            </a:r>
+            <a:r>
+              <a:rPr lang="zh-CN" altLang="en-US" sz="2000" dirty="0">
+                <a:solidFill>
+                  <a:srgbClr val="FF0000"/>
+                </a:solidFill>
+                <a:latin typeface="Times New Roman" panose="02020603050405020304" pitchFamily="18" charset="0"/>
+                <a:ea typeface="宋体" panose="02010600030101010101" pitchFamily="2" charset="-122"/>
+                <a:cs typeface="Times New Roman" panose="02020603050405020304" pitchFamily="18" charset="0"/>
+              </a:rPr>
+              <a:t>检查源代码是否符合安全</a:t>
+            </a:r>
+            <a:r>
+              <a:rPr lang="en-US" altLang="zh-CN" sz="2000" dirty="0">
+                <a:solidFill>
+                  <a:srgbClr val="FF0000"/>
+                </a:solidFill>
+                <a:latin typeface="Times New Roman" panose="02020603050405020304" pitchFamily="18" charset="0"/>
+                <a:ea typeface="宋体" panose="02010600030101010101" pitchFamily="2" charset="-122"/>
+                <a:cs typeface="Times New Roman" panose="02020603050405020304" pitchFamily="18" charset="0"/>
+              </a:rPr>
+              <a:t>C</a:t>
+            </a:r>
+            <a:r>
+              <a:rPr lang="zh-CN" altLang="en-US" sz="2000" dirty="0">
+                <a:solidFill>
+                  <a:srgbClr val="FF0000"/>
+                </a:solidFill>
+                <a:latin typeface="Times New Roman" panose="02020603050405020304" pitchFamily="18" charset="0"/>
+                <a:ea typeface="宋体" panose="02010600030101010101" pitchFamily="2" charset="-122"/>
+                <a:cs typeface="Times New Roman" panose="02020603050405020304" pitchFamily="18" charset="0"/>
+              </a:rPr>
+              <a:t>标准</a:t>
             </a:r>
             <a:r>
               <a:rPr lang="zh-CN" altLang="en-US" sz="2000" dirty="0" smtClean="0">
@@ -10040,7 +10324,7 @@
                 <a:ea typeface="宋体" panose="02010600030101010101" pitchFamily="2" charset="-122"/>
                 <a:cs typeface="Times New Roman" panose="02020603050405020304" pitchFamily="18" charset="0"/>
               </a:rPr>
-              <a:t>其最终语义。</a:t>
+              <a:t>；</a:t>
             </a:r>
             <a:endParaRPr lang="en-US" altLang="zh-CN" sz="2000" dirty="0" smtClean="0">
               <a:latin typeface="Times New Roman" panose="02020603050405020304" pitchFamily="18" charset="0"/>
@@ -10062,16 +10346,123 @@
                 <a:ea typeface="宋体" panose="02010600030101010101" pitchFamily="2" charset="-122"/>
                 <a:cs typeface="Times New Roman" panose="02020603050405020304" pitchFamily="18" charset="0"/>
               </a:rPr>
-              <a:t>最后</a:t>
-            </a:r>
-            <a:r>
-              <a:rPr lang="zh-CN" altLang="en-US" sz="2000" dirty="0">
-                <a:latin typeface="Times New Roman" panose="02020603050405020304" pitchFamily="18" charset="0"/>
-                <a:ea typeface="宋体" panose="02010600030101010101" pitchFamily="2" charset="-122"/>
-                <a:cs typeface="Times New Roman" panose="02020603050405020304" pitchFamily="18" charset="0"/>
-              </a:rPr>
-              <a:t>，通过验证编译前后源代码和目标代码的语义是否保持一致，从而得出编译器是否具备安全可信性质。</a:t>
-            </a:r>
+              <a:t>能够</a:t>
+            </a:r>
+            <a:r>
+              <a:rPr lang="zh-CN" altLang="en-US" sz="2000" dirty="0">
+                <a:solidFill>
+                  <a:srgbClr val="FF0000"/>
+                </a:solidFill>
+                <a:latin typeface="Times New Roman" panose="02020603050405020304" pitchFamily="18" charset="0"/>
+                <a:ea typeface="宋体" panose="02010600030101010101" pitchFamily="2" charset="-122"/>
+                <a:cs typeface="Times New Roman" panose="02020603050405020304" pitchFamily="18" charset="0"/>
+              </a:rPr>
+              <a:t>正确的生成目标代码</a:t>
+            </a:r>
+            <a:r>
+              <a:rPr lang="zh-CN" altLang="en-US" sz="2000" dirty="0">
+                <a:latin typeface="Times New Roman" panose="02020603050405020304" pitchFamily="18" charset="0"/>
+                <a:ea typeface="宋体" panose="02010600030101010101" pitchFamily="2" charset="-122"/>
+                <a:cs typeface="Times New Roman" panose="02020603050405020304" pitchFamily="18" charset="0"/>
+              </a:rPr>
+              <a:t>，使用</a:t>
+            </a:r>
+            <a:r>
+              <a:rPr lang="zh-CN" altLang="en-US" sz="2000" dirty="0">
+                <a:solidFill>
+                  <a:srgbClr val="FF0000"/>
+                </a:solidFill>
+                <a:latin typeface="Times New Roman" panose="02020603050405020304" pitchFamily="18" charset="0"/>
+                <a:ea typeface="宋体" panose="02010600030101010101" pitchFamily="2" charset="-122"/>
+                <a:cs typeface="Times New Roman" panose="02020603050405020304" pitchFamily="18" charset="0"/>
+              </a:rPr>
+              <a:t>基于语义的形式验证方法</a:t>
+            </a:r>
+            <a:r>
+              <a:rPr lang="zh-CN" altLang="en-US" sz="2000" dirty="0">
+                <a:latin typeface="Times New Roman" panose="02020603050405020304" pitchFamily="18" charset="0"/>
+                <a:ea typeface="宋体" panose="02010600030101010101" pitchFamily="2" charset="-122"/>
+                <a:cs typeface="Times New Roman" panose="02020603050405020304" pitchFamily="18" charset="0"/>
+              </a:rPr>
+              <a:t>来保证编译过程的正确性</a:t>
+            </a:r>
+            <a:r>
+              <a:rPr lang="zh-CN" altLang="en-US" sz="2000" dirty="0" smtClean="0">
+                <a:latin typeface="Times New Roman" panose="02020603050405020304" pitchFamily="18" charset="0"/>
+                <a:ea typeface="宋体" panose="02010600030101010101" pitchFamily="2" charset="-122"/>
+                <a:cs typeface="Times New Roman" panose="02020603050405020304" pitchFamily="18" charset="0"/>
+              </a:rPr>
+              <a:t>；</a:t>
+            </a:r>
+            <a:endParaRPr lang="en-US" altLang="zh-CN" sz="2000" dirty="0" smtClean="0">
+              <a:latin typeface="Times New Roman" panose="02020603050405020304" pitchFamily="18" charset="0"/>
+              <a:ea typeface="宋体" panose="02010600030101010101" pitchFamily="2" charset="-122"/>
+              <a:cs typeface="Times New Roman" panose="02020603050405020304" pitchFamily="18" charset="0"/>
+            </a:endParaRPr>
+          </a:p>
+          <a:p>
+            <a:pPr>
+              <a:lnSpc>
+                <a:spcPct val="150000"/>
+              </a:lnSpc>
+              <a:buFont typeface="Wingdings" panose="05000000000000000000" pitchFamily="2" charset="2"/>
+              <a:buChar char="Ø"/>
+            </a:pPr>
+            <a:r>
+              <a:rPr lang="zh-CN" altLang="en-US" sz="2000" dirty="0" smtClean="0">
+                <a:latin typeface="Times New Roman" panose="02020603050405020304" pitchFamily="18" charset="0"/>
+                <a:ea typeface="宋体" panose="02010600030101010101" pitchFamily="2" charset="-122"/>
+                <a:cs typeface="Times New Roman" panose="02020603050405020304" pitchFamily="18" charset="0"/>
+              </a:rPr>
+              <a:t>能够</a:t>
+            </a:r>
+            <a:r>
+              <a:rPr lang="zh-CN" altLang="en-US" sz="2000" dirty="0">
+                <a:solidFill>
+                  <a:srgbClr val="FF0000"/>
+                </a:solidFill>
+                <a:latin typeface="Times New Roman" panose="02020603050405020304" pitchFamily="18" charset="0"/>
+                <a:ea typeface="宋体" panose="02010600030101010101" pitchFamily="2" charset="-122"/>
+                <a:cs typeface="Times New Roman" panose="02020603050405020304" pitchFamily="18" charset="0"/>
+              </a:rPr>
+              <a:t>实时反馈</a:t>
+            </a:r>
+            <a:r>
+              <a:rPr lang="zh-CN" altLang="en-US" sz="2000" dirty="0">
+                <a:latin typeface="Times New Roman" panose="02020603050405020304" pitchFamily="18" charset="0"/>
+                <a:ea typeface="宋体" panose="02010600030101010101" pitchFamily="2" charset="-122"/>
+                <a:cs typeface="Times New Roman" panose="02020603050405020304" pitchFamily="18" charset="0"/>
+              </a:rPr>
+              <a:t>编译和验证过程的信息；能够从源代码追溯到目标代码，实现编译过程的完整性、一致性和准确性的需求。</a:t>
+            </a:r>
+            <a:endParaRPr lang="en-US" altLang="zh-CN" sz="2000" dirty="0">
+              <a:latin typeface="Times New Roman" panose="02020603050405020304" pitchFamily="18" charset="0"/>
+              <a:ea typeface="宋体" panose="02010600030101010101" pitchFamily="2" charset="-122"/>
+              <a:cs typeface="Times New Roman" panose="02020603050405020304" pitchFamily="18" charset="0"/>
+            </a:endParaRPr>
+          </a:p>
+          <a:p>
+            <a:pPr>
+              <a:lnSpc>
+                <a:spcPct val="150000"/>
+              </a:lnSpc>
+              <a:buFont typeface="Wingdings" panose="05000000000000000000" pitchFamily="2" charset="2"/>
+              <a:buChar char="Ø"/>
+            </a:pPr>
+            <a:endParaRPr lang="en-US" altLang="zh-CN" sz="2000" dirty="0" smtClean="0">
+              <a:latin typeface="Times New Roman" panose="02020603050405020304" pitchFamily="18" charset="0"/>
+              <a:ea typeface="宋体" panose="02010600030101010101" pitchFamily="2" charset="-122"/>
+              <a:cs typeface="Times New Roman" panose="02020603050405020304" pitchFamily="18" charset="0"/>
+            </a:endParaRPr>
+          </a:p>
+          <a:p>
+            <a:pPr>
+              <a:lnSpc>
+                <a:spcPct val="150000"/>
+              </a:lnSpc>
+              <a:buFont typeface="Wingdings" panose="05000000000000000000" pitchFamily="2" charset="2"/>
+              <a:buChar char="Ø"/>
+            </a:pPr>
             <a:endParaRPr lang="en-US" altLang="zh-CN" sz="2000" dirty="0">
               <a:latin typeface="Times New Roman" panose="02020603050405020304" pitchFamily="18" charset="0"/>
               <a:ea typeface="宋体" panose="02010600030101010101" pitchFamily="2" charset="-122"/>
@@ -10263,14 +10654,14 @@
               <a:buNone/>
             </a:pPr>
             <a:r>
-              <a:rPr lang="zh-CN" altLang="en-US" sz="2000" dirty="0" smtClean="0">
+              <a:rPr lang="zh-CN" altLang="en-US" sz="1800" dirty="0" smtClean="0">
                 <a:latin typeface="宋体" panose="02010600030101010101" pitchFamily="2" charset="-122"/>
                 <a:ea typeface="宋体" panose="02010600030101010101" pitchFamily="2" charset="-122"/>
               </a:rPr>
               <a:t>本文</a:t>
             </a:r>
             <a:r>
-              <a:rPr lang="zh-CN" altLang="en-US" sz="2000" dirty="0">
+              <a:rPr lang="zh-CN" altLang="en-US" sz="1800" dirty="0">
                 <a:latin typeface="宋体" panose="02010600030101010101" pitchFamily="2" charset="-122"/>
                 <a:ea typeface="宋体" panose="02010600030101010101" pitchFamily="2" charset="-122"/>
               </a:rPr>
@@ -10278,407 +10669,318 @@
             </a:r>
           </a:p>
           <a:p>
-            <a:pPr>
+            <a:pPr marL="0" indent="0">
               <a:lnSpc>
                 <a:spcPct val="150000"/>
               </a:lnSpc>
-              <a:buFont typeface="Wingdings" panose="05000000000000000000" pitchFamily="2" charset="2"/>
-              <a:buChar char="Ø"/>
+              <a:buNone/>
             </a:pPr>
             <a:r>
-              <a:rPr lang="en-US" altLang="zh-CN" sz="2000" dirty="0">
+              <a:rPr lang="zh-CN" altLang="en-US" sz="1800" dirty="0">
+                <a:latin typeface="宋体" panose="02010600030101010101" pitchFamily="2" charset="-122"/>
+                <a:ea typeface="宋体" panose="02010600030101010101" pitchFamily="2" charset="-122"/>
+              </a:rPr>
+              <a:t>（</a:t>
+            </a:r>
+            <a:r>
+              <a:rPr lang="en-US" altLang="zh-CN" sz="1800" dirty="0">
                 <a:latin typeface="宋体" panose="02010600030101010101" pitchFamily="2" charset="-122"/>
                 <a:ea typeface="宋体" panose="02010600030101010101" pitchFamily="2" charset="-122"/>
               </a:rPr>
               <a:t>1</a:t>
             </a:r>
             <a:r>
-              <a:rPr lang="zh-CN" altLang="en-US" sz="2000" dirty="0" smtClean="0">
-                <a:latin typeface="宋体" panose="02010600030101010101" pitchFamily="2" charset="-122"/>
-                <a:ea typeface="宋体" panose="02010600030101010101" pitchFamily="2" charset="-122"/>
-              </a:rPr>
-              <a:t>）形式化</a:t>
-            </a:r>
-            <a:r>
-              <a:rPr lang="zh-CN" altLang="en-US" sz="2000" dirty="0">
-                <a:latin typeface="宋体" panose="02010600030101010101" pitchFamily="2" charset="-122"/>
-                <a:ea typeface="宋体" panose="02010600030101010101" pitchFamily="2" charset="-122"/>
-              </a:rPr>
-              <a:t>验证工具系统</a:t>
-            </a:r>
-            <a:r>
-              <a:rPr lang="zh-CN" altLang="en-US" sz="2000" dirty="0">
+              <a:rPr lang="zh-CN" altLang="en-US" sz="1800" dirty="0" smtClean="0">
+                <a:latin typeface="宋体" panose="02010600030101010101" pitchFamily="2" charset="-122"/>
+                <a:ea typeface="宋体" panose="02010600030101010101" pitchFamily="2" charset="-122"/>
+              </a:rPr>
+              <a:t>）研究</a:t>
+            </a:r>
+            <a:r>
+              <a:rPr lang="zh-CN" altLang="en-US" sz="1800" dirty="0">
+                <a:latin typeface="宋体" panose="02010600030101010101" pitchFamily="2" charset="-122"/>
+                <a:ea typeface="宋体" panose="02010600030101010101" pitchFamily="2" charset="-122"/>
+              </a:rPr>
+              <a:t>如何在编译的初始阶段，即词法分析和语法分析中</a:t>
+            </a:r>
+            <a:r>
+              <a:rPr lang="zh-CN" altLang="en-US" sz="1800" dirty="0">
                 <a:solidFill>
                   <a:srgbClr val="FF0000"/>
                 </a:solidFill>
                 <a:latin typeface="宋体" panose="02010600030101010101" pitchFamily="2" charset="-122"/>
                 <a:ea typeface="宋体" panose="02010600030101010101" pitchFamily="2" charset="-122"/>
               </a:rPr>
-              <a:t>整体框架</a:t>
-            </a:r>
-            <a:r>
-              <a:rPr lang="zh-CN" altLang="en-US" sz="2000" dirty="0">
-                <a:latin typeface="宋体" panose="02010600030101010101" pitchFamily="2" charset="-122"/>
-                <a:ea typeface="宋体" panose="02010600030101010101" pitchFamily="2" charset="-122"/>
-              </a:rPr>
-              <a:t>设计；</a:t>
-            </a:r>
-          </a:p>
-          <a:p>
-            <a:pPr>
+              <a:t>加入对安全</a:t>
+            </a:r>
+            <a:r>
+              <a:rPr lang="en-US" altLang="zh-CN" sz="1800" dirty="0">
+                <a:solidFill>
+                  <a:srgbClr val="FF0000"/>
+                </a:solidFill>
+                <a:latin typeface="宋体" panose="02010600030101010101" pitchFamily="2" charset="-122"/>
+                <a:ea typeface="宋体" panose="02010600030101010101" pitchFamily="2" charset="-122"/>
+              </a:rPr>
+              <a:t>C</a:t>
+            </a:r>
+            <a:r>
+              <a:rPr lang="zh-CN" altLang="en-US" sz="1800" dirty="0">
+                <a:solidFill>
+                  <a:srgbClr val="FF0000"/>
+                </a:solidFill>
+                <a:latin typeface="宋体" panose="02010600030101010101" pitchFamily="2" charset="-122"/>
+                <a:ea typeface="宋体" panose="02010600030101010101" pitchFamily="2" charset="-122"/>
+              </a:rPr>
+              <a:t>约束规则的检验</a:t>
+            </a:r>
+            <a:r>
+              <a:rPr lang="zh-CN" altLang="en-US" sz="1800" dirty="0">
+                <a:latin typeface="宋体" panose="02010600030101010101" pitchFamily="2" charset="-122"/>
+                <a:ea typeface="宋体" panose="02010600030101010101" pitchFamily="2" charset="-122"/>
+              </a:rPr>
+              <a:t>过程，使得不符合安全</a:t>
+            </a:r>
+            <a:r>
+              <a:rPr lang="en-US" altLang="zh-CN" sz="1800" dirty="0">
+                <a:latin typeface="宋体" panose="02010600030101010101" pitchFamily="2" charset="-122"/>
+                <a:ea typeface="宋体" panose="02010600030101010101" pitchFamily="2" charset="-122"/>
+              </a:rPr>
+              <a:t>C</a:t>
+            </a:r>
+            <a:r>
+              <a:rPr lang="zh-CN" altLang="en-US" sz="1800" dirty="0">
+                <a:latin typeface="宋体" panose="02010600030101010101" pitchFamily="2" charset="-122"/>
+                <a:ea typeface="宋体" panose="02010600030101010101" pitchFamily="2" charset="-122"/>
+              </a:rPr>
+              <a:t>标准的源代码在初始阶段就能被识别出，提高编译的效率。</a:t>
+            </a:r>
+          </a:p>
+          <a:p>
+            <a:pPr marL="0" indent="0">
               <a:lnSpc>
                 <a:spcPct val="150000"/>
               </a:lnSpc>
-              <a:buFont typeface="Wingdings" panose="05000000000000000000" pitchFamily="2" charset="2"/>
-              <a:buChar char="Ø"/>
+              <a:buNone/>
             </a:pPr>
             <a:r>
-              <a:rPr lang="en-US" altLang="zh-CN" sz="2000" dirty="0">
+              <a:rPr lang="zh-CN" altLang="en-US" sz="1800" dirty="0">
+                <a:latin typeface="宋体" panose="02010600030101010101" pitchFamily="2" charset="-122"/>
+                <a:ea typeface="宋体" panose="02010600030101010101" pitchFamily="2" charset="-122"/>
+              </a:rPr>
+              <a:t>（</a:t>
+            </a:r>
+            <a:r>
+              <a:rPr lang="en-US" altLang="zh-CN" sz="1800" dirty="0">
                 <a:latin typeface="宋体" panose="02010600030101010101" pitchFamily="2" charset="-122"/>
                 <a:ea typeface="宋体" panose="02010600030101010101" pitchFamily="2" charset="-122"/>
               </a:rPr>
               <a:t>2</a:t>
             </a:r>
             <a:r>
-              <a:rPr lang="zh-CN" altLang="en-US" sz="2000" dirty="0" smtClean="0">
+              <a:rPr lang="zh-CN" altLang="en-US" sz="1800" dirty="0" smtClean="0">
                 <a:latin typeface="宋体" panose="02010600030101010101" pitchFamily="2" charset="-122"/>
                 <a:ea typeface="宋体" panose="02010600030101010101" pitchFamily="2" charset="-122"/>
               </a:rPr>
               <a:t>）研究</a:t>
             </a:r>
             <a:r>
-              <a:rPr lang="zh-CN" altLang="en-US" sz="2000" dirty="0">
+              <a:rPr lang="zh-CN" altLang="en-US" sz="1800" dirty="0">
+                <a:latin typeface="宋体" panose="02010600030101010101" pitchFamily="2" charset="-122"/>
+                <a:ea typeface="宋体" panose="02010600030101010101" pitchFamily="2" charset="-122"/>
+              </a:rPr>
+              <a:t>如何获得源代码</a:t>
+            </a:r>
+            <a:r>
+              <a:rPr lang="zh-CN" altLang="en-US" sz="1800" dirty="0">
                 <a:solidFill>
                   <a:srgbClr val="FF0000"/>
                 </a:solidFill>
                 <a:latin typeface="宋体" panose="02010600030101010101" pitchFamily="2" charset="-122"/>
                 <a:ea typeface="宋体" panose="02010600030101010101" pitchFamily="2" charset="-122"/>
               </a:rPr>
-              <a:t>单条</a:t>
-            </a:r>
-            <a:r>
-              <a:rPr lang="en-US" altLang="zh-CN" sz="2000" dirty="0">
+              <a:t>文法单元的语义</a:t>
+            </a:r>
+            <a:r>
+              <a:rPr lang="zh-CN" altLang="en-US" sz="1800" dirty="0">
+                <a:latin typeface="宋体" panose="02010600030101010101" pitchFamily="2" charset="-122"/>
+                <a:ea typeface="宋体" panose="02010600030101010101" pitchFamily="2" charset="-122"/>
+              </a:rPr>
+              <a:t>和编译后</a:t>
+            </a:r>
+            <a:r>
+              <a:rPr lang="zh-CN" altLang="en-US" sz="1800" dirty="0">
                 <a:solidFill>
                   <a:srgbClr val="FF0000"/>
                 </a:solidFill>
                 <a:latin typeface="宋体" panose="02010600030101010101" pitchFamily="2" charset="-122"/>
                 <a:ea typeface="宋体" panose="02010600030101010101" pitchFamily="2" charset="-122"/>
               </a:rPr>
-              <a:t>C</a:t>
-            </a:r>
-            <a:r>
-              <a:rPr lang="zh-CN" altLang="en-US" sz="2000" dirty="0">
-                <a:solidFill>
-                  <a:srgbClr val="FF0000"/>
-                </a:solidFill>
-                <a:latin typeface="宋体" panose="02010600030101010101" pitchFamily="2" charset="-122"/>
-                <a:ea typeface="宋体" panose="02010600030101010101" pitchFamily="2" charset="-122"/>
-              </a:rPr>
-              <a:t>文法结构</a:t>
-            </a:r>
-            <a:r>
-              <a:rPr lang="zh-CN" altLang="en-US" sz="2000" dirty="0">
-                <a:latin typeface="宋体" panose="02010600030101010101" pitchFamily="2" charset="-122"/>
-                <a:ea typeface="宋体" panose="02010600030101010101" pitchFamily="2" charset="-122"/>
-              </a:rPr>
-              <a:t>的语义生成算法；</a:t>
-            </a:r>
-          </a:p>
-          <a:p>
-            <a:pPr>
+              <a:t>目标代码段语义</a:t>
+            </a:r>
+            <a:r>
+              <a:rPr lang="zh-CN" altLang="en-US" sz="1800" dirty="0">
+                <a:latin typeface="宋体" panose="02010600030101010101" pitchFamily="2" charset="-122"/>
+                <a:ea typeface="宋体" panose="02010600030101010101" pitchFamily="2" charset="-122"/>
+              </a:rPr>
+              <a:t>的方法。</a:t>
+            </a:r>
+          </a:p>
+          <a:p>
+            <a:pPr marL="0" indent="0">
               <a:lnSpc>
                 <a:spcPct val="150000"/>
               </a:lnSpc>
-              <a:buFont typeface="Wingdings" panose="05000000000000000000" pitchFamily="2" charset="2"/>
-              <a:buChar char="Ø"/>
+              <a:buNone/>
             </a:pPr>
             <a:r>
-              <a:rPr lang="en-US" altLang="zh-CN" sz="2000" dirty="0">
+              <a:rPr lang="zh-CN" altLang="en-US" sz="1800" dirty="0">
+                <a:latin typeface="宋体" panose="02010600030101010101" pitchFamily="2" charset="-122"/>
+                <a:ea typeface="宋体" panose="02010600030101010101" pitchFamily="2" charset="-122"/>
+              </a:rPr>
+              <a:t>（</a:t>
+            </a:r>
+            <a:r>
+              <a:rPr lang="en-US" altLang="zh-CN" sz="1800" dirty="0">
                 <a:latin typeface="宋体" panose="02010600030101010101" pitchFamily="2" charset="-122"/>
                 <a:ea typeface="宋体" panose="02010600030101010101" pitchFamily="2" charset="-122"/>
               </a:rPr>
               <a:t>3</a:t>
             </a:r>
             <a:r>
-              <a:rPr lang="zh-CN" altLang="en-US" sz="2000" dirty="0" smtClean="0">
+              <a:rPr lang="zh-CN" altLang="en-US" sz="1800" dirty="0" smtClean="0">
                 <a:latin typeface="宋体" panose="02010600030101010101" pitchFamily="2" charset="-122"/>
                 <a:ea typeface="宋体" panose="02010600030101010101" pitchFamily="2" charset="-122"/>
               </a:rPr>
               <a:t>）研究</a:t>
             </a:r>
             <a:r>
-              <a:rPr lang="zh-CN" altLang="en-US" sz="2000" dirty="0">
-                <a:latin typeface="宋体" panose="02010600030101010101" pitchFamily="2" charset="-122"/>
-                <a:ea typeface="宋体" panose="02010600030101010101" pitchFamily="2" charset="-122"/>
-              </a:rPr>
-              <a:t>由单条</a:t>
-            </a:r>
-            <a:r>
-              <a:rPr lang="en-US" altLang="zh-CN" sz="2000" dirty="0">
-                <a:latin typeface="宋体" panose="02010600030101010101" pitchFamily="2" charset="-122"/>
-                <a:ea typeface="宋体" panose="02010600030101010101" pitchFamily="2" charset="-122"/>
-              </a:rPr>
-              <a:t>C</a:t>
-            </a:r>
-            <a:r>
-              <a:rPr lang="zh-CN" altLang="en-US" sz="2000" dirty="0">
-                <a:latin typeface="宋体" panose="02010600030101010101" pitchFamily="2" charset="-122"/>
-                <a:ea typeface="宋体" panose="02010600030101010101" pitchFamily="2" charset="-122"/>
-              </a:rPr>
-              <a:t>文法结构编译生成的</a:t>
-            </a:r>
-            <a:r>
-              <a:rPr lang="zh-CN" altLang="en-US" sz="2000" dirty="0">
+              <a:rPr lang="zh-CN" altLang="en-US" sz="1800" dirty="0">
+                <a:latin typeface="宋体" panose="02010600030101010101" pitchFamily="2" charset="-122"/>
+                <a:ea typeface="宋体" panose="02010600030101010101" pitchFamily="2" charset="-122"/>
+              </a:rPr>
+              <a:t>一种</a:t>
+            </a:r>
+            <a:r>
+              <a:rPr lang="zh-CN" altLang="en-US" sz="1800" dirty="0">
                 <a:solidFill>
                   <a:srgbClr val="FF0000"/>
                 </a:solidFill>
                 <a:latin typeface="宋体" panose="02010600030101010101" pitchFamily="2" charset="-122"/>
                 <a:ea typeface="宋体" panose="02010600030101010101" pitchFamily="2" charset="-122"/>
               </a:rPr>
-              <a:t>目标代码</a:t>
-            </a:r>
-            <a:r>
-              <a:rPr lang="zh-CN" altLang="en-US" sz="2000" dirty="0">
-                <a:latin typeface="宋体" panose="02010600030101010101" pitchFamily="2" charset="-122"/>
-                <a:ea typeface="宋体" panose="02010600030101010101" pitchFamily="2" charset="-122"/>
-              </a:rPr>
-              <a:t>的语义生成算法；</a:t>
-            </a:r>
-          </a:p>
-          <a:p>
-            <a:pPr>
+              <a:t>基于语义的形式验证方法</a:t>
+            </a:r>
+            <a:r>
+              <a:rPr lang="zh-CN" altLang="en-US" sz="1800" dirty="0">
+                <a:latin typeface="宋体" panose="02010600030101010101" pitchFamily="2" charset="-122"/>
+                <a:ea typeface="宋体" panose="02010600030101010101" pitchFamily="2" charset="-122"/>
+              </a:rPr>
+              <a:t>，能</a:t>
+            </a:r>
+            <a:r>
+              <a:rPr lang="zh-CN" altLang="en-US" sz="1800" dirty="0">
+                <a:solidFill>
+                  <a:srgbClr val="FF0000"/>
+                </a:solidFill>
+                <a:latin typeface="宋体" panose="02010600030101010101" pitchFamily="2" charset="-122"/>
+                <a:ea typeface="宋体" panose="02010600030101010101" pitchFamily="2" charset="-122"/>
+              </a:rPr>
+              <a:t>确认</a:t>
+            </a:r>
+            <a:r>
+              <a:rPr lang="zh-CN" altLang="en-US" sz="1800" dirty="0">
+                <a:latin typeface="宋体" panose="02010600030101010101" pitchFamily="2" charset="-122"/>
+                <a:ea typeface="宋体" panose="02010600030101010101" pitchFamily="2" charset="-122"/>
+              </a:rPr>
+              <a:t>生成的目标代码的语义和源代码的</a:t>
+            </a:r>
+            <a:r>
+              <a:rPr lang="zh-CN" altLang="en-US" sz="1800" dirty="0">
+                <a:solidFill>
+                  <a:srgbClr val="FF0000"/>
+                </a:solidFill>
+                <a:latin typeface="宋体" panose="02010600030101010101" pitchFamily="2" charset="-122"/>
+                <a:ea typeface="宋体" panose="02010600030101010101" pitchFamily="2" charset="-122"/>
+              </a:rPr>
+              <a:t>语义是否保持一致</a:t>
+            </a:r>
+            <a:r>
+              <a:rPr lang="zh-CN" altLang="en-US" sz="1800" dirty="0" smtClean="0">
+                <a:latin typeface="宋体" panose="02010600030101010101" pitchFamily="2" charset="-122"/>
+                <a:ea typeface="宋体" panose="02010600030101010101" pitchFamily="2" charset="-122"/>
+              </a:rPr>
+              <a:t>。</a:t>
+            </a:r>
+            <a:endParaRPr lang="zh-CN" altLang="en-US" sz="1800" dirty="0">
+              <a:latin typeface="宋体" panose="02010600030101010101" pitchFamily="2" charset="-122"/>
+              <a:ea typeface="宋体" panose="02010600030101010101" pitchFamily="2" charset="-122"/>
+            </a:endParaRPr>
+          </a:p>
+          <a:p>
+            <a:pPr marL="0" indent="0">
               <a:lnSpc>
                 <a:spcPct val="150000"/>
               </a:lnSpc>
-              <a:buFont typeface="Wingdings" panose="05000000000000000000" pitchFamily="2" charset="2"/>
-              <a:buChar char="Ø"/>
+              <a:buNone/>
             </a:pPr>
             <a:r>
-              <a:rPr lang="en-US" altLang="zh-CN" sz="2000" dirty="0">
+              <a:rPr lang="zh-CN" altLang="en-US" sz="1800" dirty="0">
+                <a:latin typeface="宋体" panose="02010600030101010101" pitchFamily="2" charset="-122"/>
+                <a:ea typeface="宋体" panose="02010600030101010101" pitchFamily="2" charset="-122"/>
+              </a:rPr>
+              <a:t>（</a:t>
+            </a:r>
+            <a:r>
+              <a:rPr lang="en-US" altLang="zh-CN" sz="1800" dirty="0">
                 <a:latin typeface="宋体" panose="02010600030101010101" pitchFamily="2" charset="-122"/>
                 <a:ea typeface="宋体" panose="02010600030101010101" pitchFamily="2" charset="-122"/>
               </a:rPr>
               <a:t>4</a:t>
             </a:r>
             <a:r>
-              <a:rPr lang="zh-CN" altLang="en-US" sz="2000" dirty="0" smtClean="0">
+              <a:rPr lang="zh-CN" altLang="en-US" sz="1800" dirty="0" smtClean="0">
                 <a:latin typeface="宋体" panose="02010600030101010101" pitchFamily="2" charset="-122"/>
                 <a:ea typeface="宋体" panose="02010600030101010101" pitchFamily="2" charset="-122"/>
               </a:rPr>
               <a:t>）研究</a:t>
             </a:r>
             <a:r>
-              <a:rPr lang="zh-CN" altLang="en-US" sz="2000" dirty="0">
-                <a:latin typeface="宋体" panose="02010600030101010101" pitchFamily="2" charset="-122"/>
-                <a:ea typeface="宋体" panose="02010600030101010101" pitchFamily="2" charset="-122"/>
-              </a:rPr>
-              <a:t>确认单条</a:t>
-            </a:r>
-            <a:r>
-              <a:rPr lang="en-US" altLang="zh-CN" sz="2000" dirty="0">
+              <a:rPr lang="zh-CN" altLang="en-US" sz="1800" dirty="0">
+                <a:latin typeface="宋体" panose="02010600030101010101" pitchFamily="2" charset="-122"/>
+                <a:ea typeface="宋体" panose="02010600030101010101" pitchFamily="2" charset="-122"/>
+              </a:rPr>
+              <a:t>如何构建一个</a:t>
+            </a:r>
+            <a:r>
+              <a:rPr lang="zh-CN" altLang="en-US" sz="1800" dirty="0">
+                <a:solidFill>
+                  <a:srgbClr val="FF0000"/>
+                </a:solidFill>
+                <a:latin typeface="宋体" panose="02010600030101010101" pitchFamily="2" charset="-122"/>
+                <a:ea typeface="宋体" panose="02010600030101010101" pitchFamily="2" charset="-122"/>
+              </a:rPr>
+              <a:t>专用公理集</a:t>
+            </a:r>
+            <a:r>
+              <a:rPr lang="zh-CN" altLang="en-US" sz="1800" dirty="0">
+                <a:latin typeface="宋体" panose="02010600030101010101" pitchFamily="2" charset="-122"/>
+                <a:ea typeface="宋体" panose="02010600030101010101" pitchFamily="2" charset="-122"/>
+              </a:rPr>
+              <a:t>，其中包含了安全</a:t>
+            </a:r>
+            <a:r>
+              <a:rPr lang="en-US" altLang="zh-CN" sz="1800" dirty="0">
                 <a:latin typeface="宋体" panose="02010600030101010101" pitchFamily="2" charset="-122"/>
                 <a:ea typeface="宋体" panose="02010600030101010101" pitchFamily="2" charset="-122"/>
               </a:rPr>
               <a:t>C</a:t>
             </a:r>
             <a:r>
-              <a:rPr lang="zh-CN" altLang="en-US" sz="2000" dirty="0">
-                <a:latin typeface="宋体" panose="02010600030101010101" pitchFamily="2" charset="-122"/>
-                <a:ea typeface="宋体" panose="02010600030101010101" pitchFamily="2" charset="-122"/>
-              </a:rPr>
-              <a:t>文法结构和编译生成的目标代码</a:t>
-            </a:r>
-            <a:r>
-              <a:rPr lang="zh-CN" altLang="en-US" sz="2000" dirty="0">
-                <a:solidFill>
-                  <a:srgbClr val="FF0000"/>
-                </a:solidFill>
-                <a:latin typeface="宋体" panose="02010600030101010101" pitchFamily="2" charset="-122"/>
-                <a:ea typeface="宋体" panose="02010600030101010101" pitchFamily="2" charset="-122"/>
-              </a:rPr>
-              <a:t>语义一致</a:t>
-            </a:r>
-            <a:r>
-              <a:rPr lang="zh-CN" altLang="en-US" sz="2000" dirty="0">
-                <a:latin typeface="宋体" panose="02010600030101010101" pitchFamily="2" charset="-122"/>
-                <a:ea typeface="宋体" panose="02010600030101010101" pitchFamily="2" charset="-122"/>
-              </a:rPr>
-              <a:t>的算法；</a:t>
-            </a:r>
-          </a:p>
-          <a:p>
-            <a:pPr>
-              <a:lnSpc>
-                <a:spcPct val="150000"/>
-              </a:lnSpc>
-              <a:buFont typeface="Wingdings" panose="05000000000000000000" pitchFamily="2" charset="2"/>
-              <a:buChar char="Ø"/>
-            </a:pPr>
-            <a:r>
-              <a:rPr lang="en-US" altLang="zh-CN" sz="2000" dirty="0">
-                <a:latin typeface="宋体" panose="02010600030101010101" pitchFamily="2" charset="-122"/>
-                <a:ea typeface="宋体" panose="02010600030101010101" pitchFamily="2" charset="-122"/>
-              </a:rPr>
-              <a:t>5</a:t>
-            </a:r>
-            <a:r>
-              <a:rPr lang="zh-CN" altLang="en-US" sz="2000" dirty="0" smtClean="0">
-                <a:latin typeface="宋体" panose="02010600030101010101" pitchFamily="2" charset="-122"/>
-                <a:ea typeface="宋体" panose="02010600030101010101" pitchFamily="2" charset="-122"/>
-              </a:rPr>
-              <a:t>）研究</a:t>
-            </a:r>
-            <a:r>
-              <a:rPr lang="zh-CN" altLang="en-US" sz="2000" dirty="0">
-                <a:latin typeface="宋体" panose="02010600030101010101" pitchFamily="2" charset="-122"/>
-                <a:ea typeface="宋体" panose="02010600030101010101" pitchFamily="2" charset="-122"/>
-              </a:rPr>
-              <a:t>如何单条</a:t>
-            </a:r>
-            <a:r>
-              <a:rPr lang="en-US" altLang="zh-CN" sz="2000" dirty="0">
-                <a:latin typeface="宋体" panose="02010600030101010101" pitchFamily="2" charset="-122"/>
-                <a:ea typeface="宋体" panose="02010600030101010101" pitchFamily="2" charset="-122"/>
-              </a:rPr>
-              <a:t>C</a:t>
-            </a:r>
-            <a:r>
-              <a:rPr lang="zh-CN" altLang="en-US" sz="2000" dirty="0">
-                <a:latin typeface="宋体" panose="02010600030101010101" pitchFamily="2" charset="-122"/>
-                <a:ea typeface="宋体" panose="02010600030101010101" pitchFamily="2" charset="-122"/>
-              </a:rPr>
-              <a:t>文法结构的证明思路扩展到</a:t>
-            </a:r>
-            <a:r>
-              <a:rPr lang="zh-CN" altLang="en-US" sz="2000" dirty="0">
-                <a:solidFill>
-                  <a:srgbClr val="FF0000"/>
-                </a:solidFill>
-                <a:latin typeface="宋体" panose="02010600030101010101" pitchFamily="2" charset="-122"/>
-                <a:ea typeface="宋体" panose="02010600030101010101" pitchFamily="2" charset="-122"/>
-              </a:rPr>
-              <a:t>整个</a:t>
-            </a:r>
-            <a:r>
-              <a:rPr lang="en-US" altLang="zh-CN" sz="2000" dirty="0">
-                <a:solidFill>
-                  <a:srgbClr val="FF0000"/>
-                </a:solidFill>
-                <a:latin typeface="宋体" panose="02010600030101010101" pitchFamily="2" charset="-122"/>
-                <a:ea typeface="宋体" panose="02010600030101010101" pitchFamily="2" charset="-122"/>
-              </a:rPr>
-              <a:t>C</a:t>
-            </a:r>
-            <a:r>
-              <a:rPr lang="zh-CN" altLang="en-US" sz="2000" dirty="0">
-                <a:solidFill>
-                  <a:srgbClr val="FF0000"/>
-                </a:solidFill>
-                <a:latin typeface="宋体" panose="02010600030101010101" pitchFamily="2" charset="-122"/>
-                <a:ea typeface="宋体" panose="02010600030101010101" pitchFamily="2" charset="-122"/>
-              </a:rPr>
-              <a:t>源代码</a:t>
-            </a:r>
-            <a:r>
-              <a:rPr lang="zh-CN" altLang="en-US" sz="2000" dirty="0">
-                <a:latin typeface="宋体" panose="02010600030101010101" pitchFamily="2" charset="-122"/>
-                <a:ea typeface="宋体" panose="02010600030101010101" pitchFamily="2" charset="-122"/>
-              </a:rPr>
-              <a:t>的方法；</a:t>
-            </a:r>
-          </a:p>
-          <a:p>
-            <a:pPr>
-              <a:lnSpc>
-                <a:spcPct val="150000"/>
-              </a:lnSpc>
-              <a:buFont typeface="Wingdings" panose="05000000000000000000" pitchFamily="2" charset="2"/>
-              <a:buChar char="Ø"/>
-            </a:pPr>
-            <a:r>
-              <a:rPr lang="en-US" altLang="zh-CN" sz="2000" dirty="0">
-                <a:latin typeface="宋体" panose="02010600030101010101" pitchFamily="2" charset="-122"/>
-                <a:ea typeface="宋体" panose="02010600030101010101" pitchFamily="2" charset="-122"/>
-              </a:rPr>
-              <a:t>6</a:t>
-            </a:r>
-            <a:r>
-              <a:rPr lang="zh-CN" altLang="en-US" sz="2000" dirty="0" smtClean="0">
-                <a:latin typeface="宋体" panose="02010600030101010101" pitchFamily="2" charset="-122"/>
-                <a:ea typeface="宋体" panose="02010600030101010101" pitchFamily="2" charset="-122"/>
-              </a:rPr>
-              <a:t>）形式化</a:t>
-            </a:r>
-            <a:r>
-              <a:rPr lang="zh-CN" altLang="en-US" sz="2000" dirty="0">
-                <a:latin typeface="宋体" panose="02010600030101010101" pitchFamily="2" charset="-122"/>
-                <a:ea typeface="宋体" panose="02010600030101010101" pitchFamily="2" charset="-122"/>
-              </a:rPr>
-              <a:t>验证</a:t>
-            </a:r>
-            <a:r>
-              <a:rPr lang="zh-CN" altLang="en-US" sz="2000" dirty="0">
-                <a:solidFill>
-                  <a:srgbClr val="FF0000"/>
-                </a:solidFill>
-                <a:latin typeface="宋体" panose="02010600030101010101" pitchFamily="2" charset="-122"/>
-                <a:ea typeface="宋体" panose="02010600030101010101" pitchFamily="2" charset="-122"/>
-              </a:rPr>
-              <a:t>公理库</a:t>
-            </a:r>
-            <a:r>
-              <a:rPr lang="zh-CN" altLang="en-US" sz="2000" dirty="0">
-                <a:latin typeface="宋体" panose="02010600030101010101" pitchFamily="2" charset="-122"/>
-                <a:ea typeface="宋体" panose="02010600030101010101" pitchFamily="2" charset="-122"/>
-              </a:rPr>
-              <a:t>的构建与使用；</a:t>
-            </a:r>
-          </a:p>
-          <a:p>
-            <a:pPr>
-              <a:lnSpc>
-                <a:spcPct val="150000"/>
-              </a:lnSpc>
-              <a:buFont typeface="Wingdings" panose="05000000000000000000" pitchFamily="2" charset="2"/>
-              <a:buChar char="Ø"/>
-            </a:pPr>
-            <a:r>
-              <a:rPr lang="en-US" altLang="zh-CN" sz="2000" dirty="0">
-                <a:latin typeface="宋体" panose="02010600030101010101" pitchFamily="2" charset="-122"/>
-                <a:ea typeface="宋体" panose="02010600030101010101" pitchFamily="2" charset="-122"/>
-              </a:rPr>
-              <a:t>7</a:t>
-            </a:r>
-            <a:r>
-              <a:rPr lang="zh-CN" altLang="en-US" sz="2000" dirty="0" smtClean="0">
-                <a:latin typeface="宋体" panose="02010600030101010101" pitchFamily="2" charset="-122"/>
-                <a:ea typeface="宋体" panose="02010600030101010101" pitchFamily="2" charset="-122"/>
-              </a:rPr>
-              <a:t>）形式化</a:t>
-            </a:r>
-            <a:r>
-              <a:rPr lang="zh-CN" altLang="en-US" sz="2000" dirty="0">
-                <a:latin typeface="宋体" panose="02010600030101010101" pitchFamily="2" charset="-122"/>
-                <a:ea typeface="宋体" panose="02010600030101010101" pitchFamily="2" charset="-122"/>
-              </a:rPr>
-              <a:t>验证工具用户交互</a:t>
-            </a:r>
-            <a:r>
-              <a:rPr lang="zh-CN" altLang="en-US" sz="2000" dirty="0">
-                <a:solidFill>
-                  <a:srgbClr val="FF0000"/>
-                </a:solidFill>
-                <a:latin typeface="宋体" panose="02010600030101010101" pitchFamily="2" charset="-122"/>
-                <a:ea typeface="宋体" panose="02010600030101010101" pitchFamily="2" charset="-122"/>
-              </a:rPr>
-              <a:t>界面</a:t>
-            </a:r>
-            <a:r>
-              <a:rPr lang="zh-CN" altLang="en-US" sz="2000" dirty="0">
-                <a:latin typeface="宋体" panose="02010600030101010101" pitchFamily="2" charset="-122"/>
-                <a:ea typeface="宋体" panose="02010600030101010101" pitchFamily="2" charset="-122"/>
-              </a:rPr>
-              <a:t>的研究与改进；</a:t>
+              <a:rPr lang="zh-CN" altLang="en-US" sz="1800" dirty="0">
+                <a:latin typeface="宋体" panose="02010600030101010101" pitchFamily="2" charset="-122"/>
+                <a:ea typeface="宋体" panose="02010600030101010101" pitchFamily="2" charset="-122"/>
+              </a:rPr>
+              <a:t>所有文法单元的语义和目标代码中指令的语义。</a:t>
             </a:r>
           </a:p>
           <a:p>
@@ -10885,16 +11187,38 @@
             <a:r>
               <a:rPr lang="zh-CN" altLang="en-US" sz="2000" dirty="0" smtClean="0">
                 <a:solidFill>
+                  <a:srgbClr val="FF0000"/>
+                </a:solidFill>
+                <a:latin typeface="宋体" panose="02010600030101010101" pitchFamily="2" charset="-122"/>
+                <a:ea typeface="宋体" panose="02010600030101010101" pitchFamily="2" charset="-122"/>
+                <a:cs typeface="Times New Roman" panose="02020603050405020304" pitchFamily="18" charset="0"/>
+              </a:rPr>
+              <a:t>编译</a:t>
+            </a:r>
+            <a:r>
+              <a:rPr lang="zh-CN" altLang="en-US" sz="2000" dirty="0">
+                <a:solidFill>
+                  <a:srgbClr val="FF0000"/>
+                </a:solidFill>
+                <a:latin typeface="宋体" panose="02010600030101010101" pitchFamily="2" charset="-122"/>
+                <a:ea typeface="宋体" panose="02010600030101010101" pitchFamily="2" charset="-122"/>
+                <a:cs typeface="Times New Roman" panose="02020603050405020304" pitchFamily="18" charset="0"/>
+              </a:rPr>
+              <a:t>模块</a:t>
+            </a:r>
+            <a:r>
+              <a:rPr lang="zh-CN" altLang="en-US" sz="2000" dirty="0">
+                <a:solidFill>
                   <a:prstClr val="black"/>
                 </a:solidFill>
                 <a:latin typeface="宋体" panose="02010600030101010101" pitchFamily="2" charset="-122"/>
                 <a:ea typeface="宋体" panose="02010600030101010101" pitchFamily="2" charset="-122"/>
                 <a:cs typeface="Times New Roman" panose="02020603050405020304" pitchFamily="18" charset="0"/>
               </a:rPr>
-              <a:t>公理</a:t>
-            </a:r>
-            <a:r>
-              <a:rPr lang="zh-CN" altLang="en-US" sz="2000" dirty="0">
+              <a:t>完成基本的</a:t>
+            </a:r>
+            <a:r>
+              <a:rPr lang="zh-CN" altLang="en-US" sz="2000" dirty="0" smtClean="0">
                 <a:solidFill>
                   <a:prstClr val="black"/>
                 </a:solidFill>
@@ -10902,29 +11226,51 @@
                 <a:ea typeface="宋体" panose="02010600030101010101" pitchFamily="2" charset="-122"/>
                 <a:cs typeface="Times New Roman" panose="02020603050405020304" pitchFamily="18" charset="0"/>
               </a:rPr>
-              <a:t>库提供不同</a:t>
+              <a:t>编译                                     处理</a:t>
+            </a:r>
+            <a:r>
+              <a:rPr lang="zh-CN" altLang="en-US" sz="2000" dirty="0">
+                <a:solidFill>
+                  <a:prstClr val="black"/>
+                </a:solidFill>
+                <a:latin typeface="宋体" panose="02010600030101010101" pitchFamily="2" charset="-122"/>
+                <a:ea typeface="宋体" panose="02010600030101010101" pitchFamily="2" charset="-122"/>
+                <a:cs typeface="Times New Roman" panose="02020603050405020304" pitchFamily="18" charset="0"/>
+              </a:rPr>
+              <a:t>过程和安全</a:t>
+            </a:r>
+            <a:r>
+              <a:rPr lang="en-US" altLang="zh-CN" sz="2000" dirty="0">
+                <a:solidFill>
+                  <a:prstClr val="black"/>
+                </a:solidFill>
+                <a:latin typeface="宋体" panose="02010600030101010101" pitchFamily="2" charset="-122"/>
+                <a:ea typeface="宋体" panose="02010600030101010101" pitchFamily="2" charset="-122"/>
+                <a:cs typeface="Times New Roman" panose="02020603050405020304" pitchFamily="18" charset="0"/>
+              </a:rPr>
+              <a:t>C</a:t>
+            </a:r>
+            <a:r>
+              <a:rPr lang="zh-CN" altLang="en-US" sz="2000" dirty="0">
+                <a:solidFill>
+                  <a:prstClr val="black"/>
+                </a:solidFill>
+                <a:latin typeface="宋体" panose="02010600030101010101" pitchFamily="2" charset="-122"/>
+                <a:ea typeface="宋体" panose="02010600030101010101" pitchFamily="2" charset="-122"/>
+                <a:cs typeface="Times New Roman" panose="02020603050405020304" pitchFamily="18" charset="0"/>
+              </a:rPr>
+              <a:t>约束</a:t>
             </a:r>
             <a:r>
               <a:rPr lang="zh-CN" altLang="en-US" sz="2000" dirty="0" smtClean="0">
                 <a:solidFill>
-                  <a:srgbClr val="FF0000"/>
-                </a:solidFill>
-                <a:latin typeface="宋体" panose="02010600030101010101" pitchFamily="2" charset="-122"/>
-                <a:ea typeface="宋体" panose="02010600030101010101" pitchFamily="2" charset="-122"/>
-                <a:cs typeface="Times New Roman" panose="02020603050405020304" pitchFamily="18" charset="0"/>
-              </a:rPr>
-              <a:t>指令集</a:t>
-            </a:r>
-            <a:r>
-              <a:rPr lang="zh-CN" altLang="en-US" sz="2000" dirty="0" smtClean="0">
-                <a:solidFill>
                   <a:prstClr val="black"/>
                 </a:solidFill>
                 <a:latin typeface="宋体" panose="02010600030101010101" pitchFamily="2" charset="-122"/>
                 <a:ea typeface="宋体" panose="02010600030101010101" pitchFamily="2" charset="-122"/>
                 <a:cs typeface="Times New Roman" panose="02020603050405020304" pitchFamily="18" charset="0"/>
               </a:rPr>
-              <a:t>                                      （</a:t>
+              <a:t>规则                                              的</a:t>
             </a:r>
             <a:r>
               <a:rPr lang="zh-CN" altLang="en-US" sz="2000" dirty="0">
@@ -10935,73 +11281,7 @@
                 <a:ea typeface="宋体" panose="02010600030101010101" pitchFamily="2" charset="-122"/>
                 <a:cs typeface="Times New Roman" panose="02020603050405020304" pitchFamily="18" charset="0"/>
               </a:rPr>
-              <a:t>如</a:t>
-            </a:r>
-            <a:r>
-              <a:rPr lang="en-US" altLang="zh-CN" sz="2000" dirty="0">
-                <a:solidFill>
-                  <a:prstClr val="black"/>
-                </a:solidFill>
-                <a:latin typeface="宋体" panose="02010600030101010101" pitchFamily="2" charset="-122"/>
-                <a:ea typeface="宋体" panose="02010600030101010101" pitchFamily="2" charset="-122"/>
-                <a:cs typeface="Times New Roman" panose="02020603050405020304" pitchFamily="18" charset="0"/>
-              </a:rPr>
-              <a:t>MIPS</a:t>
-            </a:r>
-            <a:r>
-              <a:rPr lang="zh-CN" altLang="en-US" sz="2000" dirty="0">
-                <a:solidFill>
-                  <a:prstClr val="black"/>
-                </a:solidFill>
-                <a:latin typeface="宋体" panose="02010600030101010101" pitchFamily="2" charset="-122"/>
-                <a:ea typeface="宋体" panose="02010600030101010101" pitchFamily="2" charset="-122"/>
-                <a:cs typeface="Times New Roman" panose="02020603050405020304" pitchFamily="18" charset="0"/>
-              </a:rPr>
-              <a:t>、</a:t>
-            </a:r>
-            <a:r>
-              <a:rPr lang="en-US" altLang="zh-CN" sz="2000" dirty="0">
-                <a:solidFill>
-                  <a:prstClr val="black"/>
-                </a:solidFill>
-                <a:latin typeface="宋体" panose="02010600030101010101" pitchFamily="2" charset="-122"/>
-                <a:ea typeface="宋体" panose="02010600030101010101" pitchFamily="2" charset="-122"/>
-                <a:cs typeface="Times New Roman" panose="02020603050405020304" pitchFamily="18" charset="0"/>
-              </a:rPr>
-              <a:t>PowerPC</a:t>
-            </a:r>
-            <a:r>
-              <a:rPr lang="zh-CN" altLang="en-US" sz="2000" dirty="0">
-                <a:solidFill>
-                  <a:prstClr val="black"/>
-                </a:solidFill>
-                <a:latin typeface="宋体" panose="02010600030101010101" pitchFamily="2" charset="-122"/>
-                <a:ea typeface="宋体" panose="02010600030101010101" pitchFamily="2" charset="-122"/>
-                <a:cs typeface="Times New Roman" panose="02020603050405020304" pitchFamily="18" charset="0"/>
-              </a:rPr>
-              <a:t>）</a:t>
-            </a:r>
-            <a:r>
-              <a:rPr lang="zh-CN" altLang="en-US" sz="2000" dirty="0" smtClean="0">
-                <a:solidFill>
-                  <a:prstClr val="black"/>
-                </a:solidFill>
-                <a:latin typeface="宋体" panose="02010600030101010101" pitchFamily="2" charset="-122"/>
-                <a:ea typeface="宋体" panose="02010600030101010101" pitchFamily="2" charset="-122"/>
-                <a:cs typeface="Times New Roman" panose="02020603050405020304" pitchFamily="18" charset="0"/>
-              </a:rPr>
-              <a:t>的                                      指称语义</a:t>
-            </a:r>
-            <a:r>
-              <a:rPr lang="zh-CN" altLang="en-US" sz="2000" dirty="0">
-                <a:solidFill>
-                  <a:prstClr val="black"/>
-                </a:solidFill>
-                <a:latin typeface="宋体" panose="02010600030101010101" pitchFamily="2" charset="-122"/>
-                <a:ea typeface="宋体" panose="02010600030101010101" pitchFamily="2" charset="-122"/>
-                <a:cs typeface="Times New Roman" panose="02020603050405020304" pitchFamily="18" charset="0"/>
-              </a:rPr>
-              <a:t>给验证算法使用；</a:t>
+              <a:t>检验；</a:t>
             </a:r>
             <a:endParaRPr lang="en-US" altLang="zh-CN" sz="2000" dirty="0" smtClean="0">
               <a:solidFill>
@@ -11028,19 +11308,33 @@
             </a:pPr>
             <a:r>
               <a:rPr lang="zh-CN" altLang="en-US" sz="2000" dirty="0" smtClean="0">
-                <a:latin typeface="宋体" panose="02010600030101010101" pitchFamily="2" charset="-122"/>
-                <a:ea typeface="宋体" panose="02010600030101010101" pitchFamily="2" charset="-122"/>
-                <a:cs typeface="Times New Roman" panose="02020603050405020304" pitchFamily="18" charset="0"/>
-              </a:rPr>
-              <a:t>程序</a:t>
-            </a:r>
-            <a:r>
-              <a:rPr lang="zh-CN" altLang="en-US" sz="2000" dirty="0">
-                <a:latin typeface="宋体" panose="02010600030101010101" pitchFamily="2" charset="-122"/>
-                <a:ea typeface="宋体" panose="02010600030101010101" pitchFamily="2" charset="-122"/>
-                <a:cs typeface="Times New Roman" panose="02020603050405020304" pitchFamily="18" charset="0"/>
-              </a:rPr>
-              <a:t>规范解析将待证明</a:t>
+                <a:solidFill>
+                  <a:srgbClr val="FF0000"/>
+                </a:solidFill>
+                <a:latin typeface="宋体" panose="02010600030101010101" pitchFamily="2" charset="-122"/>
+                <a:ea typeface="宋体" panose="02010600030101010101" pitchFamily="2" charset="-122"/>
+                <a:cs typeface="Times New Roman" panose="02020603050405020304" pitchFamily="18" charset="0"/>
+              </a:rPr>
+              <a:t>语义</a:t>
+            </a:r>
+            <a:r>
+              <a:rPr lang="zh-CN" altLang="en-US" sz="2000" dirty="0">
+                <a:solidFill>
+                  <a:srgbClr val="FF0000"/>
+                </a:solidFill>
+                <a:latin typeface="宋体" panose="02010600030101010101" pitchFamily="2" charset="-122"/>
+                <a:ea typeface="宋体" panose="02010600030101010101" pitchFamily="2" charset="-122"/>
+                <a:cs typeface="Times New Roman" panose="02020603050405020304" pitchFamily="18" charset="0"/>
+              </a:rPr>
+              <a:t>转化模块</a:t>
+            </a:r>
+            <a:r>
+              <a:rPr lang="zh-CN" altLang="en-US" sz="2000" dirty="0">
+                <a:latin typeface="宋体" panose="02010600030101010101" pitchFamily="2" charset="-122"/>
+                <a:ea typeface="宋体" panose="02010600030101010101" pitchFamily="2" charset="-122"/>
+                <a:cs typeface="Times New Roman" panose="02020603050405020304" pitchFamily="18" charset="0"/>
+              </a:rPr>
+              <a:t>分别求出</a:t>
             </a:r>
             <a:r>
               <a:rPr lang="zh-CN" altLang="en-US" sz="2000" dirty="0" smtClean="0">
@@ -11048,15 +11342,15 @@
                 <a:ea typeface="宋体" panose="02010600030101010101" pitchFamily="2" charset="-122"/>
                 <a:cs typeface="Times New Roman" panose="02020603050405020304" pitchFamily="18" charset="0"/>
               </a:rPr>
-              <a:t>的                                     程序</a:t>
-            </a:r>
-            <a:r>
-              <a:rPr lang="zh-CN" altLang="en-US" sz="2000" dirty="0">
-                <a:latin typeface="宋体" panose="02010600030101010101" pitchFamily="2" charset="-122"/>
-                <a:ea typeface="宋体" panose="02010600030101010101" pitchFamily="2" charset="-122"/>
-                <a:cs typeface="Times New Roman" panose="02020603050405020304" pitchFamily="18" charset="0"/>
-              </a:rPr>
-              <a:t>转化为计算机可读</a:t>
+              <a:t>每                                        个</a:t>
+            </a:r>
+            <a:r>
+              <a:rPr lang="zh-CN" altLang="en-US" sz="2000" dirty="0">
+                <a:latin typeface="宋体" panose="02010600030101010101" pitchFamily="2" charset="-122"/>
+                <a:ea typeface="宋体" panose="02010600030101010101" pitchFamily="2" charset="-122"/>
+                <a:cs typeface="Times New Roman" panose="02020603050405020304" pitchFamily="18" charset="0"/>
+              </a:rPr>
+              <a:t>文法单元和和对应的</a:t>
             </a:r>
             <a:r>
               <a:rPr lang="zh-CN" altLang="en-US" sz="2000" dirty="0" smtClean="0">
@@ -11064,15 +11358,15 @@
                 <a:ea typeface="宋体" panose="02010600030101010101" pitchFamily="2" charset="-122"/>
                 <a:cs typeface="Times New Roman" panose="02020603050405020304" pitchFamily="18" charset="0"/>
               </a:rPr>
-              <a:t>的                                     中间</a:t>
-            </a:r>
-            <a:r>
-              <a:rPr lang="zh-CN" altLang="en-US" sz="2000" dirty="0">
-                <a:latin typeface="宋体" panose="02010600030101010101" pitchFamily="2" charset="-122"/>
-                <a:ea typeface="宋体" panose="02010600030101010101" pitchFamily="2" charset="-122"/>
-                <a:cs typeface="Times New Roman" panose="02020603050405020304" pitchFamily="18" charset="0"/>
-              </a:rPr>
-              <a:t>形式；   </a:t>
+              <a:t>目                                      标</a:t>
+            </a:r>
+            <a:r>
+              <a:rPr lang="zh-CN" altLang="en-US" sz="2000" dirty="0">
+                <a:latin typeface="宋体" panose="02010600030101010101" pitchFamily="2" charset="-122"/>
+                <a:ea typeface="宋体" panose="02010600030101010101" pitchFamily="2" charset="-122"/>
+                <a:cs typeface="Times New Roman" panose="02020603050405020304" pitchFamily="18" charset="0"/>
+              </a:rPr>
+              <a:t>代码段的语义；   </a:t>
             </a:r>
             <a:endParaRPr lang="en-US" altLang="zh-CN" sz="2000" dirty="0" smtClean="0">
               <a:latin typeface="宋体" panose="02010600030101010101" pitchFamily="2" charset="-122"/>
@@ -11096,6 +11390,134 @@
             </a:pPr>
             <a:r>
               <a:rPr lang="zh-CN" altLang="en-US" sz="2000" dirty="0" smtClean="0">
+                <a:solidFill>
+                  <a:srgbClr val="FF0000"/>
+                </a:solidFill>
+                <a:latin typeface="宋体" panose="02010600030101010101" pitchFamily="2" charset="-122"/>
+                <a:ea typeface="宋体" panose="02010600030101010101" pitchFamily="2" charset="-122"/>
+                <a:cs typeface="Times New Roman" panose="02020603050405020304" pitchFamily="18" charset="0"/>
+              </a:rPr>
+              <a:t>形式</a:t>
+            </a:r>
+            <a:r>
+              <a:rPr lang="zh-CN" altLang="en-US" sz="2000" dirty="0">
+                <a:solidFill>
+                  <a:srgbClr val="FF0000"/>
+                </a:solidFill>
+                <a:latin typeface="宋体" panose="02010600030101010101" pitchFamily="2" charset="-122"/>
+                <a:ea typeface="宋体" panose="02010600030101010101" pitchFamily="2" charset="-122"/>
+                <a:cs typeface="Times New Roman" panose="02020603050405020304" pitchFamily="18" charset="0"/>
+              </a:rPr>
+              <a:t>验证模块</a:t>
+            </a:r>
+            <a:r>
+              <a:rPr lang="zh-CN" altLang="en-US" sz="2000" dirty="0">
+                <a:latin typeface="宋体" panose="02010600030101010101" pitchFamily="2" charset="-122"/>
+                <a:ea typeface="宋体" panose="02010600030101010101" pitchFamily="2" charset="-122"/>
+                <a:cs typeface="Times New Roman" panose="02020603050405020304" pitchFamily="18" charset="0"/>
+              </a:rPr>
+              <a:t>实现对</a:t>
+            </a:r>
+            <a:r>
+              <a:rPr lang="zh-CN" altLang="en-US" sz="2000" dirty="0" smtClean="0">
+                <a:latin typeface="宋体" panose="02010600030101010101" pitchFamily="2" charset="-122"/>
+                <a:ea typeface="宋体" panose="02010600030101010101" pitchFamily="2" charset="-122"/>
+                <a:cs typeface="Times New Roman" panose="02020603050405020304" pitchFamily="18" charset="0"/>
+              </a:rPr>
+              <a:t>文法                                        单元</a:t>
+            </a:r>
+            <a:r>
+              <a:rPr lang="zh-CN" altLang="en-US" sz="2000" dirty="0">
+                <a:latin typeface="宋体" panose="02010600030101010101" pitchFamily="2" charset="-122"/>
+                <a:ea typeface="宋体" panose="02010600030101010101" pitchFamily="2" charset="-122"/>
+                <a:cs typeface="Times New Roman" panose="02020603050405020304" pitchFamily="18" charset="0"/>
+              </a:rPr>
+              <a:t>语义和目标代码段</a:t>
+            </a:r>
+            <a:r>
+              <a:rPr lang="zh-CN" altLang="en-US" sz="2000" dirty="0" smtClean="0">
+                <a:latin typeface="宋体" panose="02010600030101010101" pitchFamily="2" charset="-122"/>
+                <a:ea typeface="宋体" panose="02010600030101010101" pitchFamily="2" charset="-122"/>
+                <a:cs typeface="Times New Roman" panose="02020603050405020304" pitchFamily="18" charset="0"/>
+              </a:rPr>
+              <a:t>语                                           义</a:t>
+            </a:r>
+            <a:r>
+              <a:rPr lang="zh-CN" altLang="en-US" sz="2000" dirty="0">
+                <a:latin typeface="宋体" panose="02010600030101010101" pitchFamily="2" charset="-122"/>
+                <a:ea typeface="宋体" panose="02010600030101010101" pitchFamily="2" charset="-122"/>
+                <a:cs typeface="Times New Roman" panose="02020603050405020304" pitchFamily="18" charset="0"/>
+              </a:rPr>
+              <a:t>一致性的确认； </a:t>
+            </a:r>
+            <a:endParaRPr lang="en-US" altLang="zh-CN" sz="2000" dirty="0" smtClean="0">
+              <a:latin typeface="宋体" panose="02010600030101010101" pitchFamily="2" charset="-122"/>
+              <a:ea typeface="宋体" panose="02010600030101010101" pitchFamily="2" charset="-122"/>
+              <a:cs typeface="Times New Roman" panose="02020603050405020304" pitchFamily="18" charset="0"/>
+            </a:endParaRPr>
+          </a:p>
+          <a:p>
+            <a:pPr>
+              <a:spcBef>
+                <a:spcPts val="600"/>
+              </a:spcBef>
+              <a:spcAft>
+                <a:spcPts val="600"/>
+              </a:spcAft>
+              <a:buClr>
+                <a:prstClr val="black"/>
+              </a:buClr>
+              <a:buFont typeface="Wingdings" panose="05000000000000000000" pitchFamily="2" charset="2"/>
+              <a:buChar char="Ø"/>
+            </a:pPr>
+            <a:r>
+              <a:rPr lang="zh-CN" altLang="en-US" sz="2000" dirty="0" smtClean="0">
+                <a:solidFill>
+                  <a:srgbClr val="FF0000"/>
+                </a:solidFill>
+                <a:latin typeface="宋体" panose="02010600030101010101" pitchFamily="2" charset="-122"/>
+                <a:ea typeface="宋体" panose="02010600030101010101" pitchFamily="2" charset="-122"/>
+                <a:cs typeface="Times New Roman" panose="02020603050405020304" pitchFamily="18" charset="0"/>
+              </a:rPr>
+              <a:t>用户</a:t>
+            </a:r>
+            <a:r>
+              <a:rPr lang="zh-CN" altLang="en-US" sz="2000" dirty="0">
+                <a:solidFill>
+                  <a:srgbClr val="FF0000"/>
+                </a:solidFill>
+                <a:latin typeface="宋体" panose="02010600030101010101" pitchFamily="2" charset="-122"/>
+                <a:ea typeface="宋体" panose="02010600030101010101" pitchFamily="2" charset="-122"/>
+                <a:cs typeface="Times New Roman" panose="02020603050405020304" pitchFamily="18" charset="0"/>
+              </a:rPr>
+              <a:t>界面</a:t>
+            </a:r>
+            <a:r>
+              <a:rPr lang="zh-CN" altLang="en-US" sz="2000" dirty="0">
+                <a:latin typeface="宋体" panose="02010600030101010101" pitchFamily="2" charset="-122"/>
+                <a:ea typeface="宋体" panose="02010600030101010101" pitchFamily="2" charset="-122"/>
+                <a:cs typeface="Times New Roman" panose="02020603050405020304" pitchFamily="18" charset="0"/>
+              </a:rPr>
+              <a:t>辅助用户</a:t>
+            </a:r>
+            <a:r>
+              <a:rPr lang="zh-CN" altLang="en-US" sz="2000" dirty="0" smtClean="0">
+                <a:latin typeface="宋体" panose="02010600030101010101" pitchFamily="2" charset="-122"/>
+                <a:ea typeface="宋体" panose="02010600030101010101" pitchFamily="2" charset="-122"/>
+                <a:cs typeface="Times New Roman" panose="02020603050405020304" pitchFamily="18" charset="0"/>
+              </a:rPr>
+              <a:t>进行</a:t>
+            </a:r>
+            <a:r>
+              <a:rPr lang="en-US" altLang="zh-CN" sz="2000" dirty="0" smtClean="0">
+                <a:latin typeface="宋体" panose="02010600030101010101" pitchFamily="2" charset="-122"/>
+                <a:ea typeface="宋体" panose="02010600030101010101" pitchFamily="2" charset="-122"/>
+                <a:cs typeface="Times New Roman" panose="02020603050405020304" pitchFamily="18" charset="0"/>
+              </a:rPr>
+              <a:t>                                        </a:t>
+            </a:r>
+            <a:r>
+              <a:rPr lang="zh-CN" altLang="en-US" sz="2000" dirty="0" smtClean="0">
                 <a:latin typeface="宋体" panose="02010600030101010101" pitchFamily="2" charset="-122"/>
                 <a:ea typeface="宋体" panose="02010600030101010101" pitchFamily="2" charset="-122"/>
                 <a:cs typeface="Times New Roman" panose="02020603050405020304" pitchFamily="18" charset="0"/>
@@ -11108,39 +11530,7 @@
                 <a:ea typeface="宋体" panose="02010600030101010101" pitchFamily="2" charset="-122"/>
                 <a:cs typeface="Times New Roman" panose="02020603050405020304" pitchFamily="18" charset="0"/>
               </a:rPr>
-              <a:t>验证算法为此</a:t>
-            </a:r>
-            <a:r>
-              <a:rPr lang="zh-CN" altLang="en-US" sz="2000" dirty="0" smtClean="0">
-                <a:latin typeface="宋体" panose="02010600030101010101" pitchFamily="2" charset="-122"/>
-                <a:ea typeface="宋体" panose="02010600030101010101" pitchFamily="2" charset="-122"/>
-                <a:cs typeface="Times New Roman" panose="02020603050405020304" pitchFamily="18" charset="0"/>
-              </a:rPr>
-              <a:t>开发                                     工具</a:t>
-            </a:r>
-            <a:r>
-              <a:rPr lang="zh-CN" altLang="en-US" sz="2000" dirty="0">
-                <a:latin typeface="宋体" panose="02010600030101010101" pitchFamily="2" charset="-122"/>
-                <a:ea typeface="宋体" panose="02010600030101010101" pitchFamily="2" charset="-122"/>
-                <a:cs typeface="Times New Roman" panose="02020603050405020304" pitchFamily="18" charset="0"/>
-              </a:rPr>
-              <a:t>的核心，需要完成</a:t>
-            </a:r>
-            <a:r>
-              <a:rPr lang="zh-CN" altLang="en-US" sz="2000" dirty="0" smtClean="0">
-                <a:latin typeface="宋体" panose="02010600030101010101" pitchFamily="2" charset="-122"/>
-                <a:ea typeface="宋体" panose="02010600030101010101" pitchFamily="2" charset="-122"/>
-                <a:cs typeface="Times New Roman" panose="02020603050405020304" pitchFamily="18" charset="0"/>
-              </a:rPr>
-              <a:t>推                                     导</a:t>
-            </a:r>
-            <a:r>
-              <a:rPr lang="zh-CN" altLang="en-US" sz="2000" dirty="0">
-                <a:latin typeface="宋体" panose="02010600030101010101" pitchFamily="2" charset="-122"/>
-                <a:ea typeface="宋体" panose="02010600030101010101" pitchFamily="2" charset="-122"/>
-                <a:cs typeface="Times New Roman" panose="02020603050405020304" pitchFamily="18" charset="0"/>
-              </a:rPr>
-              <a:t>和证明过程；                                           </a:t>
+              <a:t>验证。                                     </a:t>
             </a:r>
             <a:r>
               <a:rPr lang="zh-CN" altLang="en-US" sz="2000" dirty="0" smtClean="0">
@@ -11233,22 +11623,22 @@
       </p:sp>
       <p:pic>
         <p:nvPicPr>
-          <p:cNvPr id="48" name="图片 47"/>
+          <p:cNvPr id="5" name="图片 4"/>
           <p:cNvPicPr>
             <a:picLocks noChangeAspect="1"/>
           </p:cNvPicPr>
           <p:nvPr/>
         </p:nvPicPr>
         <p:blipFill>
-          <a:blip r:embed="rId2"/>
+          <a:blip r:embed="rId3"/>
           <a:stretch>
             <a:fillRect/>
           </a:stretch>
         </p:blipFill>
         <p:spPr>
           <a:xfrm>
-            <a:off x="3962513" y="2468553"/>
-            <a:ext cx="4626866" cy="3604261"/>
+            <a:off x="3973504" y="2578024"/>
+            <a:ext cx="4873662" cy="3230348"/>
           </a:xfrm>
           <a:prstGeom prst="rect">
             <a:avLst/>
@@ -11335,124 +11725,15 @@
           <a:lstStyle/>
           <a:p>
             <a:pPr marL="0" indent="0">
+              <a:lnSpc>
+                <a:spcPct val="150000"/>
+              </a:lnSpc>
               <a:buNone/>
             </a:pPr>
-            <a:endParaRPr lang="en-US" altLang="zh-CN" dirty="0" smtClean="0">
+            <a:endParaRPr lang="en-US" altLang="zh-CN" sz="2000" dirty="0">
               <a:latin typeface="宋体" panose="02010600030101010101" pitchFamily="2" charset="-122"/>
               <a:ea typeface="宋体" panose="02010600030101010101" pitchFamily="2" charset="-122"/>
             </a:endParaRPr>
-          </a:p>
-          <a:p>
-            <a:pPr lvl="2"/>
-            <a:endParaRPr lang="en-US" altLang="zh-CN" dirty="0">
-              <a:latin typeface="宋体" panose="02010600030101010101" pitchFamily="2" charset="-122"/>
-              <a:ea typeface="宋体" panose="02010600030101010101" pitchFamily="2" charset="-122"/>
-            </a:endParaRPr>
-          </a:p>
-          <a:p>
-            <a:pPr lvl="1" algn="just">
-              <a:spcBef>
-                <a:spcPts val="600"/>
-              </a:spcBef>
-              <a:spcAft>
-                <a:spcPts val="600"/>
-              </a:spcAft>
-              <a:buFont typeface="Wingdings" panose="05000000000000000000" pitchFamily="2" charset="2"/>
-              <a:buChar char="Ø"/>
-            </a:pPr>
-            <a:endParaRPr lang="en-US" altLang="zh-CN" sz="1600" dirty="0">
-              <a:latin typeface="宋体" panose="02010600030101010101" pitchFamily="2" charset="-122"/>
-              <a:ea typeface="宋体" panose="02010600030101010101" pitchFamily="2" charset="-122"/>
-              <a:cs typeface="Times New Roman" panose="02020603050405020304" pitchFamily="18" charset="0"/>
-            </a:endParaRPr>
-          </a:p>
-          <a:p>
-            <a:pPr>
-              <a:lnSpc>
-                <a:spcPct val="150000"/>
-              </a:lnSpc>
-              <a:buFont typeface="Wingdings" panose="05000000000000000000" pitchFamily="2" charset="2"/>
-              <a:buChar char="ü"/>
-            </a:pPr>
-            <a:r>
-              <a:rPr lang="zh-CN" altLang="en-US" sz="2000" dirty="0" smtClean="0">
-                <a:latin typeface="宋体" panose="02010600030101010101" pitchFamily="2" charset="-122"/>
-                <a:ea typeface="宋体" panose="02010600030101010101" pitchFamily="2" charset="-122"/>
-              </a:rPr>
-              <a:t>开发</a:t>
-            </a:r>
-            <a:r>
-              <a:rPr lang="zh-CN" altLang="en-US" sz="2000" dirty="0">
-                <a:latin typeface="宋体" panose="02010600030101010101" pitchFamily="2" charset="-122"/>
-                <a:ea typeface="宋体" panose="02010600030101010101" pitchFamily="2" charset="-122"/>
-              </a:rPr>
-              <a:t>不同指令集的指称语义集，如</a:t>
-            </a:r>
-            <a:r>
-              <a:rPr lang="en-US" altLang="zh-CN" sz="2000" dirty="0">
-                <a:latin typeface="宋体" panose="02010600030101010101" pitchFamily="2" charset="-122"/>
-                <a:ea typeface="宋体" panose="02010600030101010101" pitchFamily="2" charset="-122"/>
-              </a:rPr>
-              <a:t>MIPS</a:t>
-            </a:r>
-            <a:r>
-              <a:rPr lang="zh-CN" altLang="en-US" sz="2000" dirty="0">
-                <a:latin typeface="宋体" panose="02010600030101010101" pitchFamily="2" charset="-122"/>
-                <a:ea typeface="宋体" panose="02010600030101010101" pitchFamily="2" charset="-122"/>
-              </a:rPr>
-              <a:t>、</a:t>
-            </a:r>
-            <a:r>
-              <a:rPr lang="en-US" altLang="zh-CN" sz="2000" dirty="0">
-                <a:latin typeface="宋体" panose="02010600030101010101" pitchFamily="2" charset="-122"/>
-                <a:ea typeface="宋体" panose="02010600030101010101" pitchFamily="2" charset="-122"/>
-              </a:rPr>
-              <a:t>PowerPC</a:t>
-            </a:r>
-            <a:r>
-              <a:rPr lang="zh-CN" altLang="en-US" sz="2000" dirty="0">
-                <a:latin typeface="宋体" panose="02010600030101010101" pitchFamily="2" charset="-122"/>
-                <a:ea typeface="宋体" panose="02010600030101010101" pitchFamily="2" charset="-122"/>
-              </a:rPr>
-              <a:t>、</a:t>
-            </a:r>
-            <a:r>
-              <a:rPr lang="en-US" altLang="zh-CN" sz="2000" dirty="0">
-                <a:latin typeface="宋体" panose="02010600030101010101" pitchFamily="2" charset="-122"/>
-                <a:ea typeface="宋体" panose="02010600030101010101" pitchFamily="2" charset="-122"/>
-              </a:rPr>
-              <a:t>Arms</a:t>
-            </a:r>
-            <a:r>
-              <a:rPr lang="zh-CN" altLang="en-US" sz="2000" dirty="0">
-                <a:latin typeface="宋体" panose="02010600030101010101" pitchFamily="2" charset="-122"/>
-                <a:ea typeface="宋体" panose="02010600030101010101" pitchFamily="2" charset="-122"/>
-              </a:rPr>
-              <a:t>等；</a:t>
-            </a:r>
-          </a:p>
-          <a:p>
-            <a:pPr>
-              <a:lnSpc>
-                <a:spcPct val="150000"/>
-              </a:lnSpc>
-              <a:buFont typeface="Wingdings" panose="05000000000000000000" pitchFamily="2" charset="2"/>
-              <a:buChar char="ü"/>
-            </a:pPr>
-            <a:r>
-              <a:rPr lang="zh-CN" altLang="en-US" sz="2000" dirty="0" smtClean="0">
-                <a:latin typeface="宋体" panose="02010600030101010101" pitchFamily="2" charset="-122"/>
-                <a:ea typeface="宋体" panose="02010600030101010101" pitchFamily="2" charset="-122"/>
-              </a:rPr>
-              <a:t>通过</a:t>
-            </a:r>
-            <a:r>
-              <a:rPr lang="zh-CN" altLang="en-US" sz="2000" dirty="0">
-                <a:latin typeface="宋体" panose="02010600030101010101" pitchFamily="2" charset="-122"/>
-                <a:ea typeface="宋体" panose="02010600030101010101" pitchFamily="2" charset="-122"/>
-              </a:rPr>
-              <a:t>交互界面来选择使用不同的指称语义集，语义集必须和源代码对应。</a:t>
-            </a:r>
           </a:p>
           <a:p>
             <a:pPr>
@@ -11462,7 +11743,7 @@
               <a:buFont typeface="Wingdings" panose="05000000000000000000" pitchFamily="2" charset="2"/>
               <a:buChar char="Ø"/>
             </a:pPr>
-            <a:endParaRPr lang="en-US" altLang="zh-CN" sz="2000" dirty="0">
+            <a:endParaRPr lang="en-US" altLang="zh-CN" sz="2000" dirty="0" smtClean="0">
               <a:latin typeface="宋体" panose="02010600030101010101" pitchFamily="2" charset="-122"/>
               <a:ea typeface="宋体" panose="02010600030101010101" pitchFamily="2" charset="-122"/>
             </a:endParaRPr>
@@ -11475,6 +11756,157 @@
               <a:buFont typeface="Wingdings" panose="05000000000000000000" pitchFamily="2" charset="2"/>
               <a:buChar char="Ø"/>
             </a:pPr>
+            <a:r>
+              <a:rPr lang="zh-CN" altLang="en-US" sz="2000" dirty="0" smtClean="0">
+                <a:latin typeface="宋体" panose="02010600030101010101" pitchFamily="2" charset="-122"/>
+                <a:ea typeface="宋体" panose="02010600030101010101" pitchFamily="2" charset="-122"/>
+              </a:rPr>
+              <a:t>把</a:t>
+            </a:r>
+            <a:r>
+              <a:rPr lang="en-US" altLang="zh-CN" sz="2000" dirty="0">
+                <a:latin typeface="宋体" panose="02010600030101010101" pitchFamily="2" charset="-122"/>
+                <a:ea typeface="宋体" panose="02010600030101010101" pitchFamily="2" charset="-122"/>
+              </a:rPr>
+              <a:t>C</a:t>
+            </a:r>
+            <a:r>
+              <a:rPr lang="zh-CN" altLang="en-US" sz="2000" dirty="0">
+                <a:latin typeface="宋体" panose="02010600030101010101" pitchFamily="2" charset="-122"/>
+                <a:ea typeface="宋体" panose="02010600030101010101" pitchFamily="2" charset="-122"/>
+              </a:rPr>
+              <a:t>程序的源代码通过编译处理，从中识别出多条具有完整语义的</a:t>
+            </a:r>
+            <a:r>
+              <a:rPr lang="en-US" altLang="zh-CN" sz="2000" dirty="0">
+                <a:latin typeface="宋体" panose="02010600030101010101" pitchFamily="2" charset="-122"/>
+                <a:ea typeface="宋体" panose="02010600030101010101" pitchFamily="2" charset="-122"/>
+              </a:rPr>
+              <a:t>C</a:t>
+            </a:r>
+            <a:r>
+              <a:rPr lang="zh-CN" altLang="en-US" sz="2000" dirty="0">
+                <a:latin typeface="宋体" panose="02010600030101010101" pitchFamily="2" charset="-122"/>
+                <a:ea typeface="宋体" panose="02010600030101010101" pitchFamily="2" charset="-122"/>
+              </a:rPr>
+              <a:t>文法单元，编译出每个文法单元对应的目标代码</a:t>
+            </a:r>
+            <a:r>
+              <a:rPr lang="zh-CN" altLang="en-US" sz="2000" dirty="0" smtClean="0">
+                <a:latin typeface="宋体" panose="02010600030101010101" pitchFamily="2" charset="-122"/>
+                <a:ea typeface="宋体" panose="02010600030101010101" pitchFamily="2" charset="-122"/>
+              </a:rPr>
+              <a:t>段；</a:t>
+            </a:r>
+            <a:endParaRPr lang="en-US" altLang="zh-CN" sz="2000" dirty="0" smtClean="0">
+              <a:latin typeface="宋体" panose="02010600030101010101" pitchFamily="2" charset="-122"/>
+              <a:ea typeface="宋体" panose="02010600030101010101" pitchFamily="2" charset="-122"/>
+            </a:endParaRPr>
+          </a:p>
+          <a:p>
+            <a:pPr>
+              <a:lnSpc>
+                <a:spcPct val="150000"/>
+              </a:lnSpc>
+              <a:buFont typeface="Wingdings" panose="05000000000000000000" pitchFamily="2" charset="2"/>
+              <a:buChar char="Ø"/>
+            </a:pPr>
+            <a:r>
+              <a:rPr lang="zh-CN" altLang="en-US" sz="2000" dirty="0" smtClean="0">
+                <a:latin typeface="宋体" panose="02010600030101010101" pitchFamily="2" charset="-122"/>
+                <a:ea typeface="宋体" panose="02010600030101010101" pitchFamily="2" charset="-122"/>
+              </a:rPr>
+              <a:t>把</a:t>
+            </a:r>
+            <a:r>
+              <a:rPr lang="zh-CN" altLang="en-US" sz="2000" dirty="0">
+                <a:latin typeface="宋体" panose="02010600030101010101" pitchFamily="2" charset="-122"/>
+                <a:ea typeface="宋体" panose="02010600030101010101" pitchFamily="2" charset="-122"/>
+              </a:rPr>
+              <a:t>文法单元和目标代码段通过专用公理的应用分别转化为指称语义的</a:t>
+            </a:r>
+            <a:r>
+              <a:rPr lang="zh-CN" altLang="en-US" sz="2000" dirty="0" smtClean="0">
+                <a:latin typeface="宋体" panose="02010600030101010101" pitchFamily="2" charset="-122"/>
+                <a:ea typeface="宋体" panose="02010600030101010101" pitchFamily="2" charset="-122"/>
+              </a:rPr>
+              <a:t>形式</a:t>
+            </a:r>
+            <a:r>
+              <a:rPr lang="zh-CN" altLang="en-US" sz="2000" dirty="0">
+                <a:latin typeface="宋体" panose="02010600030101010101" pitchFamily="2" charset="-122"/>
+                <a:ea typeface="宋体" panose="02010600030101010101" pitchFamily="2" charset="-122"/>
+              </a:rPr>
+              <a:t>；</a:t>
+            </a:r>
+            <a:endParaRPr lang="en-US" altLang="zh-CN" sz="2000" dirty="0" smtClean="0">
+              <a:latin typeface="宋体" panose="02010600030101010101" pitchFamily="2" charset="-122"/>
+              <a:ea typeface="宋体" panose="02010600030101010101" pitchFamily="2" charset="-122"/>
+            </a:endParaRPr>
+          </a:p>
+          <a:p>
+            <a:pPr>
+              <a:lnSpc>
+                <a:spcPct val="150000"/>
+              </a:lnSpc>
+              <a:buFont typeface="Wingdings" panose="05000000000000000000" pitchFamily="2" charset="2"/>
+              <a:buChar char="Ø"/>
+            </a:pPr>
+            <a:r>
+              <a:rPr lang="zh-CN" altLang="en-US" sz="2000" dirty="0" smtClean="0">
+                <a:latin typeface="宋体" panose="02010600030101010101" pitchFamily="2" charset="-122"/>
+                <a:ea typeface="宋体" panose="02010600030101010101" pitchFamily="2" charset="-122"/>
+              </a:rPr>
+              <a:t>把</a:t>
+            </a:r>
+            <a:r>
+              <a:rPr lang="zh-CN" altLang="en-US" sz="2000" dirty="0">
+                <a:latin typeface="宋体" panose="02010600030101010101" pitchFamily="2" charset="-122"/>
+                <a:ea typeface="宋体" panose="02010600030101010101" pitchFamily="2" charset="-122"/>
+              </a:rPr>
+              <a:t>文法单元的指称语义和目标代码段的指称语义进行编码，消除二者格式和表达上的</a:t>
+            </a:r>
+            <a:r>
+              <a:rPr lang="zh-CN" altLang="en-US" sz="2000" dirty="0" smtClean="0">
+                <a:latin typeface="宋体" panose="02010600030101010101" pitchFamily="2" charset="-122"/>
+                <a:ea typeface="宋体" panose="02010600030101010101" pitchFamily="2" charset="-122"/>
+              </a:rPr>
+              <a:t>差异</a:t>
+            </a:r>
+            <a:r>
+              <a:rPr lang="zh-CN" altLang="en-US" sz="2000" dirty="0">
+                <a:latin typeface="宋体" panose="02010600030101010101" pitchFamily="2" charset="-122"/>
+                <a:ea typeface="宋体" panose="02010600030101010101" pitchFamily="2" charset="-122"/>
+              </a:rPr>
+              <a:t>；</a:t>
+            </a:r>
+            <a:endParaRPr lang="en-US" altLang="zh-CN" sz="2000" dirty="0" smtClean="0">
+              <a:latin typeface="宋体" panose="02010600030101010101" pitchFamily="2" charset="-122"/>
+              <a:ea typeface="宋体" panose="02010600030101010101" pitchFamily="2" charset="-122"/>
+            </a:endParaRPr>
+          </a:p>
+          <a:p>
+            <a:pPr>
+              <a:lnSpc>
+                <a:spcPct val="150000"/>
+              </a:lnSpc>
+              <a:buFont typeface="Wingdings" panose="05000000000000000000" pitchFamily="2" charset="2"/>
+              <a:buChar char="Ø"/>
+            </a:pPr>
+            <a:r>
+              <a:rPr lang="zh-CN" altLang="en-US" sz="2000" dirty="0" smtClean="0">
+                <a:latin typeface="宋体" panose="02010600030101010101" pitchFamily="2" charset="-122"/>
+                <a:ea typeface="宋体" panose="02010600030101010101" pitchFamily="2" charset="-122"/>
+              </a:rPr>
+              <a:t>通过</a:t>
+            </a:r>
+            <a:r>
+              <a:rPr lang="zh-CN" altLang="en-US" sz="2000" dirty="0">
+                <a:latin typeface="宋体" panose="02010600030101010101" pitchFamily="2" charset="-122"/>
+                <a:ea typeface="宋体" panose="02010600030101010101" pitchFamily="2" charset="-122"/>
+              </a:rPr>
+              <a:t>确认算法判断文法单元的指称语义和目标代码段的指称语义是否一致。</a:t>
+            </a:r>
             <a:endParaRPr lang="zh-CN" altLang="en-US" sz="2000" dirty="0">
               <a:latin typeface="宋体" panose="02010600030101010101" pitchFamily="2" charset="-122"/>
               <a:ea typeface="宋体" panose="02010600030101010101" pitchFamily="2" charset="-122"/>
@@ -11490,7 +11922,7 @@
         </p:nvSpPr>
         <p:spPr bwMode="auto">
           <a:xfrm>
-            <a:off x="559316" y="1714487"/>
+            <a:off x="649468" y="1901231"/>
             <a:ext cx="6072230" cy="571504"/>
           </a:xfrm>
           <a:prstGeom prst="roundRect">
@@ -11533,7 +11965,7 @@
                 <a:ea typeface="宋体" panose="02010600030101010101" pitchFamily="2" charset="-122"/>
                 <a:cs typeface="Times New Roman" panose="02020603050405020304" pitchFamily="18" charset="0"/>
               </a:rPr>
-              <a:t>公理</a:t>
+              <a:t>基于</a:t>
             </a:r>
             <a:r>
               <a:rPr kumimoji="1" lang="zh-CN" altLang="en-US" sz="2000" b="1" dirty="0">
@@ -11544,15 +11976,23 @@
                 <a:ea typeface="宋体" panose="02010600030101010101" pitchFamily="2" charset="-122"/>
                 <a:cs typeface="Times New Roman" panose="02020603050405020304" pitchFamily="18" charset="0"/>
               </a:rPr>
-              <a:t>库的构建与使用</a:t>
-            </a:r>
+              <a:t>语义的形式验证方法</a:t>
+            </a:r>
+            <a:endParaRPr kumimoji="1" lang="zh-CN" altLang="en-US" sz="2000" b="1" dirty="0">
+              <a:solidFill>
+                <a:schemeClr val="tx1"/>
+              </a:solidFill>
+              <a:latin typeface="Times New Roman" panose="02020603050405020304" pitchFamily="18" charset="0"/>
+              <a:ea typeface="宋体" panose="02010600030101010101" pitchFamily="2" charset="-122"/>
+              <a:cs typeface="Times New Roman" panose="02020603050405020304" pitchFamily="18" charset="0"/>
+            </a:endParaRPr>
           </a:p>
         </p:txBody>
       </p:sp>
     </p:spTree>
     <p:extLst>
       <p:ext uri="{BB962C8B-B14F-4D97-AF65-F5344CB8AC3E}">
-        <p14:creationId xmlns:p14="http://schemas.microsoft.com/office/powerpoint/2010/main" val="1439791260"/>
+        <p14:creationId xmlns:p14="http://schemas.microsoft.com/office/powerpoint/2010/main" val="4015541925"/>
       </p:ext>
     </p:extLst>
   </p:cSld>
@@ -11637,359 +12077,16 @@
             </a:endParaRPr>
           </a:p>
           <a:p>
-            <a:pPr lvl="2"/>
-            <a:endParaRPr lang="en-US" altLang="zh-CN" dirty="0">
-              <a:latin typeface="宋体" panose="02010600030101010101" pitchFamily="2" charset="-122"/>
-              <a:ea typeface="宋体" panose="02010600030101010101" pitchFamily="2" charset="-122"/>
-            </a:endParaRPr>
-          </a:p>
-          <a:p>
             <a:pPr marL="0" indent="0">
               <a:lnSpc>
                 <a:spcPct val="150000"/>
               </a:lnSpc>
               <a:buNone/>
             </a:pPr>
-            <a:r>
-              <a:rPr lang="zh-CN" altLang="en-US" sz="2000" dirty="0" smtClean="0">
-                <a:latin typeface="宋体" panose="02010600030101010101" pitchFamily="2" charset="-122"/>
-                <a:ea typeface="宋体" panose="02010600030101010101" pitchFamily="2" charset="-122"/>
-              </a:rPr>
-              <a:t>（</a:t>
-            </a:r>
-            <a:r>
-              <a:rPr lang="en-US" altLang="zh-CN" sz="2000" dirty="0" smtClean="0">
-                <a:latin typeface="宋体" panose="02010600030101010101" pitchFamily="2" charset="-122"/>
-                <a:ea typeface="宋体" panose="02010600030101010101" pitchFamily="2" charset="-122"/>
-              </a:rPr>
-              <a:t>1</a:t>
-            </a:r>
-            <a:r>
-              <a:rPr lang="zh-CN" altLang="en-US" sz="2000" dirty="0" smtClean="0">
-                <a:latin typeface="宋体" panose="02010600030101010101" pitchFamily="2" charset="-122"/>
-                <a:ea typeface="宋体" panose="02010600030101010101" pitchFamily="2" charset="-122"/>
-              </a:rPr>
-              <a:t>）把</a:t>
-            </a:r>
-            <a:r>
-              <a:rPr lang="en-US" altLang="zh-CN" sz="2000" dirty="0">
-                <a:latin typeface="宋体" panose="02010600030101010101" pitchFamily="2" charset="-122"/>
-                <a:ea typeface="宋体" panose="02010600030101010101" pitchFamily="2" charset="-122"/>
-              </a:rPr>
-              <a:t>C</a:t>
-            </a:r>
-            <a:r>
-              <a:rPr lang="zh-CN" altLang="en-US" sz="2000" dirty="0">
-                <a:latin typeface="宋体" panose="02010600030101010101" pitchFamily="2" charset="-122"/>
-                <a:ea typeface="宋体" panose="02010600030101010101" pitchFamily="2" charset="-122"/>
-              </a:rPr>
-              <a:t>程序抽取为</a:t>
-            </a:r>
-            <a:r>
-              <a:rPr lang="zh-CN" altLang="en-US" sz="2000" dirty="0">
-                <a:solidFill>
-                  <a:srgbClr val="FF0000"/>
-                </a:solidFill>
-                <a:latin typeface="宋体" panose="02010600030101010101" pitchFamily="2" charset="-122"/>
-                <a:ea typeface="宋体" panose="02010600030101010101" pitchFamily="2" charset="-122"/>
-              </a:rPr>
-              <a:t>多条</a:t>
-            </a:r>
-            <a:r>
-              <a:rPr lang="zh-CN" altLang="en-US" sz="2000" dirty="0">
-                <a:latin typeface="宋体" panose="02010600030101010101" pitchFamily="2" charset="-122"/>
-                <a:ea typeface="宋体" panose="02010600030101010101" pitchFamily="2" charset="-122"/>
-              </a:rPr>
-              <a:t>具有完整语义的</a:t>
-            </a:r>
-            <a:r>
-              <a:rPr lang="en-US" altLang="zh-CN" sz="2000" dirty="0">
-                <a:solidFill>
-                  <a:srgbClr val="FF0000"/>
-                </a:solidFill>
-                <a:latin typeface="宋体" panose="02010600030101010101" pitchFamily="2" charset="-122"/>
-                <a:ea typeface="宋体" panose="02010600030101010101" pitchFamily="2" charset="-122"/>
-              </a:rPr>
-              <a:t>C</a:t>
-            </a:r>
-            <a:r>
-              <a:rPr lang="zh-CN" altLang="en-US" sz="2000" dirty="0">
-                <a:solidFill>
-                  <a:srgbClr val="FF0000"/>
-                </a:solidFill>
-                <a:latin typeface="宋体" panose="02010600030101010101" pitchFamily="2" charset="-122"/>
-                <a:ea typeface="宋体" panose="02010600030101010101" pitchFamily="2" charset="-122"/>
-              </a:rPr>
-              <a:t>文法结构</a:t>
-            </a:r>
-            <a:r>
-              <a:rPr lang="zh-CN" altLang="en-US" sz="2000" dirty="0">
-                <a:latin typeface="宋体" panose="02010600030101010101" pitchFamily="2" charset="-122"/>
-                <a:ea typeface="宋体" panose="02010600030101010101" pitchFamily="2" charset="-122"/>
-              </a:rPr>
-              <a:t>；</a:t>
-            </a:r>
-          </a:p>
-          <a:p>
-            <a:pPr marL="0" indent="0">
-              <a:lnSpc>
-                <a:spcPct val="150000"/>
-              </a:lnSpc>
-              <a:buNone/>
-            </a:pPr>
-            <a:r>
-              <a:rPr lang="zh-CN" altLang="en-US" sz="2000" dirty="0" smtClean="0">
-                <a:latin typeface="宋体" panose="02010600030101010101" pitchFamily="2" charset="-122"/>
-                <a:ea typeface="宋体" panose="02010600030101010101" pitchFamily="2" charset="-122"/>
-              </a:rPr>
-              <a:t>（</a:t>
-            </a:r>
-            <a:r>
-              <a:rPr lang="en-US" altLang="zh-CN" sz="2000" dirty="0" smtClean="0">
-                <a:latin typeface="宋体" panose="02010600030101010101" pitchFamily="2" charset="-122"/>
-                <a:ea typeface="宋体" panose="02010600030101010101" pitchFamily="2" charset="-122"/>
-              </a:rPr>
-              <a:t>2</a:t>
-            </a:r>
-            <a:r>
-              <a:rPr lang="zh-CN" altLang="en-US" sz="2000" dirty="0" smtClean="0">
-                <a:latin typeface="宋体" panose="02010600030101010101" pitchFamily="2" charset="-122"/>
-                <a:ea typeface="宋体" panose="02010600030101010101" pitchFamily="2" charset="-122"/>
-              </a:rPr>
-              <a:t>）把</a:t>
-            </a:r>
-            <a:r>
-              <a:rPr lang="zh-CN" altLang="en-US" sz="2000" dirty="0">
-                <a:latin typeface="宋体" panose="02010600030101010101" pitchFamily="2" charset="-122"/>
-                <a:ea typeface="宋体" panose="02010600030101010101" pitchFamily="2" charset="-122"/>
-              </a:rPr>
-              <a:t>每条</a:t>
-            </a:r>
-            <a:r>
-              <a:rPr lang="en-US" altLang="zh-CN" sz="2000" dirty="0">
-                <a:latin typeface="宋体" panose="02010600030101010101" pitchFamily="2" charset="-122"/>
-                <a:ea typeface="宋体" panose="02010600030101010101" pitchFamily="2" charset="-122"/>
-              </a:rPr>
-              <a:t>C</a:t>
-            </a:r>
-            <a:r>
-              <a:rPr lang="zh-CN" altLang="en-US" sz="2000" dirty="0">
-                <a:latin typeface="宋体" panose="02010600030101010101" pitchFamily="2" charset="-122"/>
-                <a:ea typeface="宋体" panose="02010600030101010101" pitchFamily="2" charset="-122"/>
-              </a:rPr>
-              <a:t>文法结构</a:t>
-            </a:r>
-            <a:r>
-              <a:rPr lang="zh-CN" altLang="en-US" sz="2000" dirty="0">
-                <a:solidFill>
-                  <a:srgbClr val="FF0000"/>
-                </a:solidFill>
-                <a:latin typeface="宋体" panose="02010600030101010101" pitchFamily="2" charset="-122"/>
-                <a:ea typeface="宋体" panose="02010600030101010101" pitchFamily="2" charset="-122"/>
-              </a:rPr>
-              <a:t>用指称语义进行形式化</a:t>
-            </a:r>
-            <a:r>
-              <a:rPr lang="zh-CN" altLang="en-US" sz="2000" dirty="0">
-                <a:latin typeface="宋体" panose="02010600030101010101" pitchFamily="2" charset="-122"/>
-                <a:ea typeface="宋体" panose="02010600030101010101" pitchFamily="2" charset="-122"/>
-              </a:rPr>
-              <a:t>，直接得到</a:t>
-            </a:r>
-            <a:r>
-              <a:rPr lang="en-US" altLang="zh-CN" sz="2000" dirty="0">
-                <a:latin typeface="宋体" panose="02010600030101010101" pitchFamily="2" charset="-122"/>
-                <a:ea typeface="宋体" panose="02010600030101010101" pitchFamily="2" charset="-122"/>
-              </a:rPr>
-              <a:t>C</a:t>
-            </a:r>
-            <a:r>
-              <a:rPr lang="zh-CN" altLang="en-US" sz="2000" dirty="0">
-                <a:latin typeface="宋体" panose="02010600030101010101" pitchFamily="2" charset="-122"/>
-                <a:ea typeface="宋体" panose="02010600030101010101" pitchFamily="2" charset="-122"/>
-              </a:rPr>
-              <a:t>文法所代表的指称语义；</a:t>
-            </a:r>
-          </a:p>
-          <a:p>
-            <a:pPr marL="0" indent="0">
-              <a:lnSpc>
-                <a:spcPct val="150000"/>
-              </a:lnSpc>
-              <a:buNone/>
-            </a:pPr>
-            <a:r>
-              <a:rPr lang="zh-CN" altLang="en-US" sz="2000" dirty="0" smtClean="0">
-                <a:latin typeface="宋体" panose="02010600030101010101" pitchFamily="2" charset="-122"/>
-                <a:ea typeface="宋体" panose="02010600030101010101" pitchFamily="2" charset="-122"/>
-              </a:rPr>
-              <a:t>（</a:t>
-            </a:r>
-            <a:r>
-              <a:rPr lang="en-US" altLang="zh-CN" sz="2000" dirty="0" smtClean="0">
-                <a:latin typeface="宋体" panose="02010600030101010101" pitchFamily="2" charset="-122"/>
-                <a:ea typeface="宋体" panose="02010600030101010101" pitchFamily="2" charset="-122"/>
-              </a:rPr>
-              <a:t>3</a:t>
-            </a:r>
-            <a:r>
-              <a:rPr lang="zh-CN" altLang="en-US" sz="2000" dirty="0" smtClean="0">
-                <a:latin typeface="宋体" panose="02010600030101010101" pitchFamily="2" charset="-122"/>
-                <a:ea typeface="宋体" panose="02010600030101010101" pitchFamily="2" charset="-122"/>
-              </a:rPr>
-              <a:t>）把</a:t>
-            </a:r>
-            <a:r>
-              <a:rPr lang="zh-CN" altLang="en-US" sz="2000" dirty="0">
-                <a:latin typeface="宋体" panose="02010600030101010101" pitchFamily="2" charset="-122"/>
-                <a:ea typeface="宋体" panose="02010600030101010101" pitchFamily="2" charset="-122"/>
-              </a:rPr>
-              <a:t>每条具有完整语义的</a:t>
-            </a:r>
-            <a:r>
-              <a:rPr lang="en-US" altLang="zh-CN" sz="2000" dirty="0">
-                <a:latin typeface="宋体" panose="02010600030101010101" pitchFamily="2" charset="-122"/>
-                <a:ea typeface="宋体" panose="02010600030101010101" pitchFamily="2" charset="-122"/>
-              </a:rPr>
-              <a:t>C</a:t>
-            </a:r>
-            <a:r>
-              <a:rPr lang="zh-CN" altLang="en-US" sz="2000" dirty="0">
-                <a:latin typeface="宋体" panose="02010600030101010101" pitchFamily="2" charset="-122"/>
-                <a:ea typeface="宋体" panose="02010600030101010101" pitchFamily="2" charset="-122"/>
-              </a:rPr>
-              <a:t>文法结构编译生成的</a:t>
-            </a:r>
-            <a:r>
-              <a:rPr lang="zh-CN" altLang="en-US" sz="2000" dirty="0">
-                <a:solidFill>
-                  <a:srgbClr val="FF0000"/>
-                </a:solidFill>
-                <a:latin typeface="宋体" panose="02010600030101010101" pitchFamily="2" charset="-122"/>
-                <a:ea typeface="宋体" panose="02010600030101010101" pitchFamily="2" charset="-122"/>
-              </a:rPr>
-              <a:t>目标代码代换为指称语义</a:t>
-            </a:r>
-            <a:r>
-              <a:rPr lang="zh-CN" altLang="en-US" sz="2000" dirty="0">
-                <a:latin typeface="宋体" panose="02010600030101010101" pitchFamily="2" charset="-122"/>
-                <a:ea typeface="宋体" panose="02010600030101010101" pitchFamily="2" charset="-122"/>
-              </a:rPr>
-              <a:t>的形式；</a:t>
-            </a:r>
-          </a:p>
-          <a:p>
-            <a:pPr marL="0" indent="0">
-              <a:lnSpc>
-                <a:spcPct val="150000"/>
-              </a:lnSpc>
-              <a:buNone/>
-            </a:pPr>
-            <a:r>
-              <a:rPr lang="zh-CN" altLang="en-US" sz="2000" dirty="0" smtClean="0">
-                <a:latin typeface="宋体" panose="02010600030101010101" pitchFamily="2" charset="-122"/>
-                <a:ea typeface="宋体" panose="02010600030101010101" pitchFamily="2" charset="-122"/>
-              </a:rPr>
-              <a:t>（</a:t>
-            </a:r>
-            <a:r>
-              <a:rPr lang="en-US" altLang="zh-CN" sz="2000" dirty="0" smtClean="0">
-                <a:latin typeface="宋体" panose="02010600030101010101" pitchFamily="2" charset="-122"/>
-                <a:ea typeface="宋体" panose="02010600030101010101" pitchFamily="2" charset="-122"/>
-              </a:rPr>
-              <a:t>4</a:t>
-            </a:r>
-            <a:r>
-              <a:rPr lang="zh-CN" altLang="en-US" sz="2000" dirty="0" smtClean="0">
-                <a:latin typeface="宋体" panose="02010600030101010101" pitchFamily="2" charset="-122"/>
-                <a:ea typeface="宋体" panose="02010600030101010101" pitchFamily="2" charset="-122"/>
-              </a:rPr>
-              <a:t>）基于</a:t>
-            </a:r>
-            <a:r>
-              <a:rPr lang="zh-CN" altLang="en-US" sz="2000" dirty="0">
-                <a:latin typeface="宋体" panose="02010600030101010101" pitchFamily="2" charset="-122"/>
-                <a:ea typeface="宋体" panose="02010600030101010101" pitchFamily="2" charset="-122"/>
-              </a:rPr>
-              <a:t>得到的指称语义形式进行</a:t>
-            </a:r>
-            <a:r>
-              <a:rPr lang="zh-CN" altLang="en-US" sz="2000" dirty="0">
-                <a:solidFill>
-                  <a:srgbClr val="FF0000"/>
-                </a:solidFill>
-                <a:latin typeface="宋体" panose="02010600030101010101" pitchFamily="2" charset="-122"/>
-                <a:ea typeface="宋体" panose="02010600030101010101" pitchFamily="2" charset="-122"/>
-              </a:rPr>
-              <a:t>推理</a:t>
-            </a:r>
-            <a:r>
-              <a:rPr lang="zh-CN" altLang="en-US" sz="2000" dirty="0">
-                <a:latin typeface="宋体" panose="02010600030101010101" pitchFamily="2" charset="-122"/>
-                <a:ea typeface="宋体" panose="02010600030101010101" pitchFamily="2" charset="-122"/>
-              </a:rPr>
-              <a:t>，获得目标代码的最简指称形式；</a:t>
-            </a:r>
-          </a:p>
-          <a:p>
-            <a:pPr marL="0" indent="0">
-              <a:lnSpc>
-                <a:spcPct val="150000"/>
-              </a:lnSpc>
-              <a:buNone/>
-            </a:pPr>
-            <a:r>
-              <a:rPr lang="zh-CN" altLang="en-US" sz="2000" dirty="0" smtClean="0">
-                <a:latin typeface="宋体" panose="02010600030101010101" pitchFamily="2" charset="-122"/>
-                <a:ea typeface="宋体" panose="02010600030101010101" pitchFamily="2" charset="-122"/>
-              </a:rPr>
-              <a:t>（</a:t>
-            </a:r>
-            <a:r>
-              <a:rPr lang="en-US" altLang="zh-CN" sz="2000" dirty="0" smtClean="0">
-                <a:latin typeface="宋体" panose="02010600030101010101" pitchFamily="2" charset="-122"/>
-                <a:ea typeface="宋体" panose="02010600030101010101" pitchFamily="2" charset="-122"/>
-              </a:rPr>
-              <a:t>5</a:t>
-            </a:r>
-            <a:r>
-              <a:rPr lang="zh-CN" altLang="en-US" sz="2000" dirty="0" smtClean="0">
-                <a:latin typeface="宋体" panose="02010600030101010101" pitchFamily="2" charset="-122"/>
-                <a:ea typeface="宋体" panose="02010600030101010101" pitchFamily="2" charset="-122"/>
-              </a:rPr>
-              <a:t>）</a:t>
-            </a:r>
-            <a:r>
-              <a:rPr lang="zh-CN" altLang="en-US" sz="2000" dirty="0" smtClean="0">
-                <a:solidFill>
-                  <a:srgbClr val="FF0000"/>
-                </a:solidFill>
-                <a:latin typeface="宋体" panose="02010600030101010101" pitchFamily="2" charset="-122"/>
-                <a:ea typeface="宋体" panose="02010600030101010101" pitchFamily="2" charset="-122"/>
-              </a:rPr>
-              <a:t>确认</a:t>
-            </a:r>
-            <a:r>
-              <a:rPr lang="zh-CN" altLang="en-US" sz="2000" dirty="0">
-                <a:latin typeface="宋体" panose="02010600030101010101" pitchFamily="2" charset="-122"/>
-                <a:ea typeface="宋体" panose="02010600030101010101" pitchFamily="2" charset="-122"/>
-              </a:rPr>
-              <a:t>每条</a:t>
-            </a:r>
-            <a:r>
-              <a:rPr lang="en-US" altLang="zh-CN" sz="2000" dirty="0">
-                <a:latin typeface="宋体" panose="02010600030101010101" pitchFamily="2" charset="-122"/>
-                <a:ea typeface="宋体" panose="02010600030101010101" pitchFamily="2" charset="-122"/>
-              </a:rPr>
-              <a:t>C</a:t>
-            </a:r>
-            <a:r>
-              <a:rPr lang="zh-CN" altLang="en-US" sz="2000" dirty="0">
-                <a:latin typeface="宋体" panose="02010600030101010101" pitchFamily="2" charset="-122"/>
-                <a:ea typeface="宋体" panose="02010600030101010101" pitchFamily="2" charset="-122"/>
-              </a:rPr>
-              <a:t>文法结构的语义是否和编译后的目标代码的语义一致。</a:t>
-            </a:r>
+            <a:endParaRPr lang="en-US" altLang="zh-CN" sz="2000" dirty="0">
+              <a:latin typeface="宋体" panose="02010600030101010101" pitchFamily="2" charset="-122"/>
+              <a:ea typeface="宋体" panose="02010600030101010101" pitchFamily="2" charset="-122"/>
+            </a:endParaRPr>
           </a:p>
           <a:p>
             <a:pPr>
@@ -11997,12 +12094,95 @@
                 <a:spcPct val="150000"/>
               </a:lnSpc>
               <a:buFont typeface="Wingdings" panose="05000000000000000000" pitchFamily="2" charset="2"/>
-              <a:buChar char="Ø"/>
+              <a:buChar char="ü"/>
             </a:pPr>
-            <a:endParaRPr lang="en-US" altLang="zh-CN" sz="2000" dirty="0">
-              <a:latin typeface="宋体" panose="02010600030101010101" pitchFamily="2" charset="-122"/>
-              <a:ea typeface="宋体" panose="02010600030101010101" pitchFamily="2" charset="-122"/>
-            </a:endParaRPr>
+            <a:r>
+              <a:rPr lang="zh-CN" altLang="en-US" sz="2000" dirty="0" smtClean="0">
+                <a:latin typeface="宋体" panose="02010600030101010101" pitchFamily="2" charset="-122"/>
+                <a:ea typeface="宋体" panose="02010600030101010101" pitchFamily="2" charset="-122"/>
+              </a:rPr>
+              <a:t>加入</a:t>
+            </a:r>
+            <a:r>
+              <a:rPr lang="zh-CN" altLang="en-US" sz="2000" dirty="0">
+                <a:latin typeface="宋体" panose="02010600030101010101" pitchFamily="2" charset="-122"/>
+                <a:ea typeface="宋体" panose="02010600030101010101" pitchFamily="2" charset="-122"/>
+              </a:rPr>
+              <a:t>实时的提示功能，向用户显示程序的</a:t>
+            </a:r>
+            <a:r>
+              <a:rPr lang="zh-CN" altLang="en-US" sz="2000" dirty="0">
+                <a:solidFill>
+                  <a:srgbClr val="FF0000"/>
+                </a:solidFill>
+                <a:latin typeface="宋体" panose="02010600030101010101" pitchFamily="2" charset="-122"/>
+                <a:ea typeface="宋体" panose="02010600030101010101" pitchFamily="2" charset="-122"/>
+              </a:rPr>
+              <a:t>运行进度</a:t>
+            </a:r>
+            <a:r>
+              <a:rPr lang="zh-CN" altLang="en-US" sz="2000" dirty="0">
+                <a:latin typeface="宋体" panose="02010600030101010101" pitchFamily="2" charset="-122"/>
+                <a:ea typeface="宋体" panose="02010600030101010101" pitchFamily="2" charset="-122"/>
+              </a:rPr>
+              <a:t>；</a:t>
+            </a:r>
+          </a:p>
+          <a:p>
+            <a:pPr>
+              <a:lnSpc>
+                <a:spcPct val="150000"/>
+              </a:lnSpc>
+              <a:buFont typeface="Wingdings" panose="05000000000000000000" pitchFamily="2" charset="2"/>
+              <a:buChar char="ü"/>
+            </a:pPr>
+            <a:r>
+              <a:rPr lang="zh-CN" altLang="en-US" sz="2000" dirty="0" smtClean="0">
+                <a:latin typeface="宋体" panose="02010600030101010101" pitchFamily="2" charset="-122"/>
+                <a:ea typeface="宋体" panose="02010600030101010101" pitchFamily="2" charset="-122"/>
+              </a:rPr>
+              <a:t>开发</a:t>
+            </a:r>
+            <a:r>
+              <a:rPr lang="zh-CN" altLang="en-US" sz="2000" dirty="0">
+                <a:solidFill>
+                  <a:srgbClr val="FF0000"/>
+                </a:solidFill>
+                <a:latin typeface="宋体" panose="02010600030101010101" pitchFamily="2" charset="-122"/>
+                <a:ea typeface="宋体" panose="02010600030101010101" pitchFamily="2" charset="-122"/>
+              </a:rPr>
+              <a:t>用户交互接口</a:t>
+            </a:r>
+            <a:r>
+              <a:rPr lang="zh-CN" altLang="en-US" sz="2000" dirty="0">
+                <a:latin typeface="宋体" panose="02010600030101010101" pitchFamily="2" charset="-122"/>
+                <a:ea typeface="宋体" panose="02010600030101010101" pitchFamily="2" charset="-122"/>
+              </a:rPr>
+              <a:t>，使用户能做出一些决策，辅助证明过程；</a:t>
+            </a:r>
+          </a:p>
+          <a:p>
+            <a:pPr>
+              <a:lnSpc>
+                <a:spcPct val="150000"/>
+              </a:lnSpc>
+              <a:buFont typeface="Wingdings" panose="05000000000000000000" pitchFamily="2" charset="2"/>
+              <a:buChar char="ü"/>
+            </a:pPr>
+            <a:r>
+              <a:rPr lang="zh-CN" altLang="en-US" sz="2000" dirty="0" smtClean="0">
+                <a:latin typeface="宋体" panose="02010600030101010101" pitchFamily="2" charset="-122"/>
+                <a:ea typeface="宋体" panose="02010600030101010101" pitchFamily="2" charset="-122"/>
+              </a:rPr>
+              <a:t>手动</a:t>
+            </a:r>
+            <a:r>
+              <a:rPr lang="zh-CN" altLang="en-US" sz="2000" dirty="0">
+                <a:latin typeface="宋体" panose="02010600030101010101" pitchFamily="2" charset="-122"/>
+                <a:ea typeface="宋体" panose="02010600030101010101" pitchFamily="2" charset="-122"/>
+              </a:rPr>
+              <a:t>精简证明序列，删除冗余证明项。</a:t>
+            </a:r>
           </a:p>
           <a:p>
             <a:pPr>
@@ -12070,7 +12250,7 @@
                 <a:ea typeface="宋体" panose="02010600030101010101" pitchFamily="2" charset="-122"/>
                 <a:cs typeface="Times New Roman" panose="02020603050405020304" pitchFamily="18" charset="0"/>
               </a:rPr>
-              <a:t>形式化</a:t>
+              <a:t>用户</a:t>
             </a:r>
             <a:r>
               <a:rPr kumimoji="1" lang="zh-CN" altLang="en-US" sz="2000" b="1" dirty="0">
@@ -12081,15 +12261,23 @@
                 <a:ea typeface="宋体" panose="02010600030101010101" pitchFamily="2" charset="-122"/>
                 <a:cs typeface="Times New Roman" panose="02020603050405020304" pitchFamily="18" charset="0"/>
               </a:rPr>
-              <a:t>验证算法</a:t>
-            </a:r>
+              <a:t>交互界面的开发</a:t>
+            </a:r>
+            <a:endParaRPr kumimoji="1" lang="zh-CN" altLang="en-US" sz="2000" b="1" dirty="0">
+              <a:solidFill>
+                <a:schemeClr val="tx1"/>
+              </a:solidFill>
+              <a:latin typeface="Times New Roman" panose="02020603050405020304" pitchFamily="18" charset="0"/>
+              <a:ea typeface="宋体" panose="02010600030101010101" pitchFamily="2" charset="-122"/>
+              <a:cs typeface="Times New Roman" panose="02020603050405020304" pitchFamily="18" charset="0"/>
+            </a:endParaRPr>
           </a:p>
         </p:txBody>
       </p:sp>
     </p:spTree>
     <p:extLst>
       <p:ext uri="{BB962C8B-B14F-4D97-AF65-F5344CB8AC3E}">
-        <p14:creationId xmlns:p14="http://schemas.microsoft.com/office/powerpoint/2010/main" val="4015541925"/>
+        <p14:creationId xmlns:p14="http://schemas.microsoft.com/office/powerpoint/2010/main" val="1439791260"/>
       </p:ext>
     </p:extLst>
   </p:cSld>
@@ -12765,20 +12953,190 @@
               <a:buChar char="Ø"/>
             </a:pPr>
             <a:r>
+              <a:rPr lang="zh-CN" altLang="en-US" sz="2000" dirty="0">
+                <a:solidFill>
+                  <a:srgbClr val="FF0000"/>
+                </a:solidFill>
+                <a:latin typeface="Times New Roman" panose="02020603050405020304" pitchFamily="18" charset="0"/>
+                <a:ea typeface="宋体" panose="02010600030101010101" pitchFamily="2" charset="-122"/>
+                <a:cs typeface="Times New Roman" panose="02020603050405020304" pitchFamily="18" charset="0"/>
+              </a:rPr>
+              <a:t>语境</a:t>
+            </a:r>
+            <a:r>
+              <a:rPr lang="zh-CN" altLang="en-US" sz="2000" dirty="0">
+                <a:latin typeface="Times New Roman" panose="02020603050405020304" pitchFamily="18" charset="0"/>
+                <a:ea typeface="宋体" panose="02010600030101010101" pitchFamily="2" charset="-122"/>
+                <a:cs typeface="Times New Roman" panose="02020603050405020304" pitchFamily="18" charset="0"/>
+              </a:rPr>
+              <a:t>表示待证明序列中每一个证明项所在的环境和上下文，蒙太古语用学中指出相同对象在不同语境中语义不同。从</a:t>
+            </a:r>
+            <a:r>
+              <a:rPr lang="en-US" altLang="zh-CN" sz="2000" dirty="0">
+                <a:latin typeface="Times New Roman" panose="02020603050405020304" pitchFamily="18" charset="0"/>
+                <a:ea typeface="宋体" panose="02010600030101010101" pitchFamily="2" charset="-122"/>
+                <a:cs typeface="Times New Roman" panose="02020603050405020304" pitchFamily="18" charset="0"/>
+              </a:rPr>
+              <a:t>C</a:t>
+            </a:r>
+            <a:r>
+              <a:rPr lang="zh-CN" altLang="en-US" sz="2000" dirty="0">
+                <a:latin typeface="Times New Roman" panose="02020603050405020304" pitchFamily="18" charset="0"/>
+                <a:ea typeface="宋体" panose="02010600030101010101" pitchFamily="2" charset="-122"/>
+                <a:cs typeface="Times New Roman" panose="02020603050405020304" pitchFamily="18" charset="0"/>
+              </a:rPr>
+              <a:t>源代码中</a:t>
+            </a:r>
+            <a:r>
+              <a:rPr lang="zh-CN" altLang="en-US" sz="2000" dirty="0">
+                <a:solidFill>
+                  <a:srgbClr val="FF0000"/>
+                </a:solidFill>
+                <a:latin typeface="Times New Roman" panose="02020603050405020304" pitchFamily="18" charset="0"/>
+                <a:ea typeface="宋体" panose="02010600030101010101" pitchFamily="2" charset="-122"/>
+                <a:cs typeface="Times New Roman" panose="02020603050405020304" pitchFamily="18" charset="0"/>
+              </a:rPr>
+              <a:t>识别</a:t>
+            </a:r>
+            <a:r>
+              <a:rPr lang="zh-CN" altLang="en-US" sz="2000" dirty="0">
+                <a:latin typeface="Times New Roman" panose="02020603050405020304" pitchFamily="18" charset="0"/>
+                <a:ea typeface="宋体" panose="02010600030101010101" pitchFamily="2" charset="-122"/>
+                <a:cs typeface="Times New Roman" panose="02020603050405020304" pitchFamily="18" charset="0"/>
+              </a:rPr>
+              <a:t>出多条</a:t>
+            </a:r>
+            <a:r>
+              <a:rPr lang="en-US" altLang="zh-CN" sz="2000" dirty="0">
+                <a:solidFill>
+                  <a:srgbClr val="FF0000"/>
+                </a:solidFill>
+                <a:latin typeface="Times New Roman" panose="02020603050405020304" pitchFamily="18" charset="0"/>
+                <a:ea typeface="宋体" panose="02010600030101010101" pitchFamily="2" charset="-122"/>
+                <a:cs typeface="Times New Roman" panose="02020603050405020304" pitchFamily="18" charset="0"/>
+              </a:rPr>
+              <a:t>C</a:t>
+            </a:r>
+            <a:r>
+              <a:rPr lang="zh-CN" altLang="en-US" sz="2000" dirty="0">
+                <a:solidFill>
+                  <a:srgbClr val="FF0000"/>
+                </a:solidFill>
+                <a:latin typeface="Times New Roman" panose="02020603050405020304" pitchFamily="18" charset="0"/>
+                <a:ea typeface="宋体" panose="02010600030101010101" pitchFamily="2" charset="-122"/>
+                <a:cs typeface="Times New Roman" panose="02020603050405020304" pitchFamily="18" charset="0"/>
+              </a:rPr>
+              <a:t>文法单元</a:t>
+            </a:r>
+            <a:r>
+              <a:rPr lang="zh-CN" altLang="en-US" sz="2000" dirty="0">
+                <a:latin typeface="Times New Roman" panose="02020603050405020304" pitchFamily="18" charset="0"/>
+                <a:ea typeface="宋体" panose="02010600030101010101" pitchFamily="2" charset="-122"/>
+                <a:cs typeface="Times New Roman" panose="02020603050405020304" pitchFamily="18" charset="0"/>
+              </a:rPr>
+              <a:t>，如</a:t>
+            </a:r>
+            <a:r>
+              <a:rPr lang="en-US" altLang="zh-CN" sz="2000" dirty="0">
+                <a:latin typeface="Times New Roman" panose="02020603050405020304" pitchFamily="18" charset="0"/>
+                <a:ea typeface="宋体" panose="02010600030101010101" pitchFamily="2" charset="-122"/>
+                <a:cs typeface="Times New Roman" panose="02020603050405020304" pitchFamily="18" charset="0"/>
+              </a:rPr>
+              <a:t>if</a:t>
+            </a:r>
+            <a:r>
+              <a:rPr lang="zh-CN" altLang="en-US" sz="2000" dirty="0">
+                <a:latin typeface="Times New Roman" panose="02020603050405020304" pitchFamily="18" charset="0"/>
+                <a:ea typeface="宋体" panose="02010600030101010101" pitchFamily="2" charset="-122"/>
+                <a:cs typeface="Times New Roman" panose="02020603050405020304" pitchFamily="18" charset="0"/>
+              </a:rPr>
+              <a:t>语句、</a:t>
+            </a:r>
+            <a:r>
+              <a:rPr lang="en-US" altLang="zh-CN" sz="2000" dirty="0">
+                <a:latin typeface="Times New Roman" panose="02020603050405020304" pitchFamily="18" charset="0"/>
+                <a:ea typeface="宋体" panose="02010600030101010101" pitchFamily="2" charset="-122"/>
+                <a:cs typeface="Times New Roman" panose="02020603050405020304" pitchFamily="18" charset="0"/>
+              </a:rPr>
+              <a:t>while</a:t>
+            </a:r>
+            <a:r>
+              <a:rPr lang="zh-CN" altLang="en-US" sz="2000" dirty="0">
+                <a:latin typeface="Times New Roman" panose="02020603050405020304" pitchFamily="18" charset="0"/>
+                <a:ea typeface="宋体" panose="02010600030101010101" pitchFamily="2" charset="-122"/>
+                <a:cs typeface="Times New Roman" panose="02020603050405020304" pitchFamily="18" charset="0"/>
+              </a:rPr>
+              <a:t>语句等，由于其</a:t>
+            </a:r>
+            <a:r>
+              <a:rPr lang="zh-CN" altLang="en-US" sz="2000" dirty="0">
+                <a:solidFill>
+                  <a:srgbClr val="FF0000"/>
+                </a:solidFill>
+                <a:latin typeface="Times New Roman" panose="02020603050405020304" pitchFamily="18" charset="0"/>
+                <a:ea typeface="宋体" panose="02010600030101010101" pitchFamily="2" charset="-122"/>
+                <a:cs typeface="Times New Roman" panose="02020603050405020304" pitchFamily="18" charset="0"/>
+              </a:rPr>
+              <a:t>语境确定</a:t>
+            </a:r>
+            <a:r>
+              <a:rPr lang="zh-CN" altLang="en-US" sz="2000" dirty="0">
+                <a:latin typeface="Times New Roman" panose="02020603050405020304" pitchFamily="18" charset="0"/>
+                <a:ea typeface="宋体" panose="02010600030101010101" pitchFamily="2" charset="-122"/>
+                <a:cs typeface="Times New Roman" panose="02020603050405020304" pitchFamily="18" charset="0"/>
+              </a:rPr>
+              <a:t>（主要由局部变量和全局变量等组成），则每个</a:t>
+            </a:r>
+            <a:r>
+              <a:rPr lang="en-US" altLang="zh-CN" sz="2000" dirty="0">
+                <a:latin typeface="Times New Roman" panose="02020603050405020304" pitchFamily="18" charset="0"/>
+                <a:ea typeface="宋体" panose="02010600030101010101" pitchFamily="2" charset="-122"/>
+                <a:cs typeface="Times New Roman" panose="02020603050405020304" pitchFamily="18" charset="0"/>
+              </a:rPr>
+              <a:t>C</a:t>
+            </a:r>
+            <a:r>
+              <a:rPr lang="zh-CN" altLang="en-US" sz="2000" dirty="0">
+                <a:latin typeface="Times New Roman" panose="02020603050405020304" pitchFamily="18" charset="0"/>
+                <a:ea typeface="宋体" panose="02010600030101010101" pitchFamily="2" charset="-122"/>
+                <a:cs typeface="Times New Roman" panose="02020603050405020304" pitchFamily="18" charset="0"/>
+              </a:rPr>
+              <a:t>文法单元对象的</a:t>
+            </a:r>
+            <a:r>
+              <a:rPr lang="zh-CN" altLang="en-US" sz="2000" dirty="0">
+                <a:solidFill>
+                  <a:srgbClr val="FF0000"/>
+                </a:solidFill>
+                <a:latin typeface="Times New Roman" panose="02020603050405020304" pitchFamily="18" charset="0"/>
+                <a:ea typeface="宋体" panose="02010600030101010101" pitchFamily="2" charset="-122"/>
+                <a:cs typeface="Times New Roman" panose="02020603050405020304" pitchFamily="18" charset="0"/>
+              </a:rPr>
+              <a:t>语义就确定</a:t>
+            </a:r>
+            <a:r>
+              <a:rPr lang="zh-CN" altLang="en-US" sz="2000" dirty="0">
+                <a:latin typeface="Times New Roman" panose="02020603050405020304" pitchFamily="18" charset="0"/>
+                <a:ea typeface="宋体" panose="02010600030101010101" pitchFamily="2" charset="-122"/>
+                <a:cs typeface="Times New Roman" panose="02020603050405020304" pitchFamily="18" charset="0"/>
+              </a:rPr>
+              <a:t>，</a:t>
+            </a:r>
+            <a:r>
               <a:rPr lang="zh-CN" altLang="en-US" sz="2000" dirty="0" smtClean="0">
                 <a:latin typeface="Times New Roman" panose="02020603050405020304" pitchFamily="18" charset="0"/>
                 <a:ea typeface="宋体" panose="02010600030101010101" pitchFamily="2" charset="-122"/>
                 <a:cs typeface="Times New Roman" panose="02020603050405020304" pitchFamily="18" charset="0"/>
               </a:rPr>
-              <a:t>语境</a:t>
-            </a:r>
-            <a:r>
-              <a:rPr lang="zh-CN" altLang="en-US" sz="2000" dirty="0">
-                <a:latin typeface="Times New Roman" panose="02020603050405020304" pitchFamily="18" charset="0"/>
-                <a:ea typeface="宋体" panose="02010600030101010101" pitchFamily="2" charset="-122"/>
-                <a:cs typeface="Times New Roman" panose="02020603050405020304" pitchFamily="18" charset="0"/>
-              </a:rPr>
-              <a:t>表示待证明序列中每一个证明项所在的环境和上下文，蒙太古语用学</a:t>
+              <a:t>于是便</a:t>
+            </a:r>
+            <a:r>
+              <a:rPr lang="zh-CN" altLang="en-US" sz="2000" dirty="0">
+                <a:latin typeface="Times New Roman" panose="02020603050405020304" pitchFamily="18" charset="0"/>
+                <a:ea typeface="宋体" panose="02010600030101010101" pitchFamily="2" charset="-122"/>
+                <a:cs typeface="Times New Roman" panose="02020603050405020304" pitchFamily="18" charset="0"/>
+              </a:rPr>
+              <a:t>可以基于每个文法单元的语义进行形式验证</a:t>
             </a:r>
             <a:r>
               <a:rPr lang="zh-CN" altLang="en-US" sz="2000" dirty="0" smtClean="0">
@@ -12786,112 +13144,13 @@
                 <a:ea typeface="宋体" panose="02010600030101010101" pitchFamily="2" charset="-122"/>
                 <a:cs typeface="Times New Roman" panose="02020603050405020304" pitchFamily="18" charset="0"/>
               </a:rPr>
-              <a:t>中</a:t>
-            </a:r>
-            <a:r>
-              <a:rPr lang="zh-CN" altLang="en-US" sz="2000" dirty="0">
-                <a:latin typeface="Times New Roman" panose="02020603050405020304" pitchFamily="18" charset="0"/>
-                <a:ea typeface="宋体" panose="02010600030101010101" pitchFamily="2" charset="-122"/>
-                <a:cs typeface="Times New Roman" panose="02020603050405020304" pitchFamily="18" charset="0"/>
-              </a:rPr>
-              <a:t>指出</a:t>
-            </a:r>
-            <a:r>
-              <a:rPr lang="zh-CN" altLang="en-US" sz="2000" dirty="0" smtClean="0">
-                <a:latin typeface="Times New Roman" panose="02020603050405020304" pitchFamily="18" charset="0"/>
-                <a:ea typeface="宋体" panose="02010600030101010101" pitchFamily="2" charset="-122"/>
-                <a:cs typeface="Times New Roman" panose="02020603050405020304" pitchFamily="18" charset="0"/>
-              </a:rPr>
-              <a:t>相同</a:t>
-            </a:r>
-            <a:r>
-              <a:rPr lang="zh-CN" altLang="en-US" sz="2000" dirty="0">
-                <a:latin typeface="Times New Roman" panose="02020603050405020304" pitchFamily="18" charset="0"/>
-                <a:ea typeface="宋体" panose="02010600030101010101" pitchFamily="2" charset="-122"/>
-                <a:cs typeface="Times New Roman" panose="02020603050405020304" pitchFamily="18" charset="0"/>
-              </a:rPr>
-              <a:t>对象在不同语境中语义不同。因而，在把</a:t>
-            </a:r>
-            <a:r>
-              <a:rPr lang="en-US" altLang="zh-CN" sz="2000" dirty="0">
-                <a:latin typeface="Times New Roman" panose="02020603050405020304" pitchFamily="18" charset="0"/>
-                <a:ea typeface="宋体" panose="02010600030101010101" pitchFamily="2" charset="-122"/>
-                <a:cs typeface="Times New Roman" panose="02020603050405020304" pitchFamily="18" charset="0"/>
-              </a:rPr>
-              <a:t>C</a:t>
-            </a:r>
-            <a:r>
-              <a:rPr lang="zh-CN" altLang="en-US" sz="2000" dirty="0">
-                <a:latin typeface="Times New Roman" panose="02020603050405020304" pitchFamily="18" charset="0"/>
-                <a:ea typeface="宋体" panose="02010600030101010101" pitchFamily="2" charset="-122"/>
-                <a:cs typeface="Times New Roman" panose="02020603050405020304" pitchFamily="18" charset="0"/>
-              </a:rPr>
-              <a:t>程序抽取为多条</a:t>
-            </a:r>
-            <a:r>
-              <a:rPr lang="en-US" altLang="zh-CN" sz="2000" dirty="0">
-                <a:latin typeface="Times New Roman" panose="02020603050405020304" pitchFamily="18" charset="0"/>
-                <a:ea typeface="宋体" panose="02010600030101010101" pitchFamily="2" charset="-122"/>
-                <a:cs typeface="Times New Roman" panose="02020603050405020304" pitchFamily="18" charset="0"/>
-              </a:rPr>
-              <a:t>C</a:t>
-            </a:r>
-            <a:r>
-              <a:rPr lang="zh-CN" altLang="en-US" sz="2000" dirty="0">
-                <a:latin typeface="Times New Roman" panose="02020603050405020304" pitchFamily="18" charset="0"/>
-                <a:ea typeface="宋体" panose="02010600030101010101" pitchFamily="2" charset="-122"/>
-                <a:cs typeface="Times New Roman" panose="02020603050405020304" pitchFamily="18" charset="0"/>
-              </a:rPr>
-              <a:t>文法结构，如</a:t>
-            </a:r>
-            <a:r>
-              <a:rPr lang="en-US" altLang="zh-CN" sz="2000" dirty="0">
-                <a:latin typeface="Times New Roman" panose="02020603050405020304" pitchFamily="18" charset="0"/>
-                <a:ea typeface="宋体" panose="02010600030101010101" pitchFamily="2" charset="-122"/>
-                <a:cs typeface="Times New Roman" panose="02020603050405020304" pitchFamily="18" charset="0"/>
-              </a:rPr>
-              <a:t>if</a:t>
-            </a:r>
-            <a:r>
-              <a:rPr lang="zh-CN" altLang="en-US" sz="2000" dirty="0">
-                <a:latin typeface="Times New Roman" panose="02020603050405020304" pitchFamily="18" charset="0"/>
-                <a:ea typeface="宋体" panose="02010600030101010101" pitchFamily="2" charset="-122"/>
-                <a:cs typeface="Times New Roman" panose="02020603050405020304" pitchFamily="18" charset="0"/>
-              </a:rPr>
-              <a:t>语句、</a:t>
-            </a:r>
-            <a:r>
-              <a:rPr lang="en-US" altLang="zh-CN" sz="2000" dirty="0">
-                <a:latin typeface="Times New Roman" panose="02020603050405020304" pitchFamily="18" charset="0"/>
-                <a:ea typeface="宋体" panose="02010600030101010101" pitchFamily="2" charset="-122"/>
-                <a:cs typeface="Times New Roman" panose="02020603050405020304" pitchFamily="18" charset="0"/>
-              </a:rPr>
-              <a:t>while</a:t>
-            </a:r>
-            <a:r>
-              <a:rPr lang="zh-CN" altLang="en-US" sz="2000" dirty="0">
-                <a:latin typeface="Times New Roman" panose="02020603050405020304" pitchFamily="18" charset="0"/>
-                <a:ea typeface="宋体" panose="02010600030101010101" pitchFamily="2" charset="-122"/>
-                <a:cs typeface="Times New Roman" panose="02020603050405020304" pitchFamily="18" charset="0"/>
-              </a:rPr>
-              <a:t>语句等，由于其语境确定（主要由局部变量和全局变量等组成），则每个</a:t>
-            </a:r>
-            <a:r>
-              <a:rPr lang="en-US" altLang="zh-CN" sz="2000" dirty="0">
-                <a:latin typeface="Times New Roman" panose="02020603050405020304" pitchFamily="18" charset="0"/>
-                <a:ea typeface="宋体" panose="02010600030101010101" pitchFamily="2" charset="-122"/>
-                <a:cs typeface="Times New Roman" panose="02020603050405020304" pitchFamily="18" charset="0"/>
-              </a:rPr>
-              <a:t>C</a:t>
-            </a:r>
-            <a:r>
-              <a:rPr lang="zh-CN" altLang="en-US" sz="2000" dirty="0">
-                <a:latin typeface="Times New Roman" panose="02020603050405020304" pitchFamily="18" charset="0"/>
-                <a:ea typeface="宋体" panose="02010600030101010101" pitchFamily="2" charset="-122"/>
-                <a:cs typeface="Times New Roman" panose="02020603050405020304" pitchFamily="18" charset="0"/>
-              </a:rPr>
-              <a:t>文法结构就具有完整的语义，于是便可以基于每个文法的语义进行形式验证。</a:t>
-            </a:r>
+              <a:t>。</a:t>
+            </a:r>
+            <a:endParaRPr lang="en-US" altLang="zh-CN" sz="2000" dirty="0" smtClean="0">
+              <a:latin typeface="Times New Roman" panose="02020603050405020304" pitchFamily="18" charset="0"/>
+              <a:ea typeface="宋体" panose="02010600030101010101" pitchFamily="2" charset="-122"/>
+              <a:cs typeface="Times New Roman" panose="02020603050405020304" pitchFamily="18" charset="0"/>
+            </a:endParaRPr>
           </a:p>
           <a:p>
             <a:pPr>
@@ -12902,20 +13161,28 @@
               <a:buChar char="Ø"/>
             </a:pPr>
             <a:r>
-              <a:rPr lang="zh-CN" altLang="en-US" sz="2000" dirty="0" smtClean="0">
-                <a:latin typeface="Times New Roman" panose="02020603050405020304" pitchFamily="18" charset="0"/>
-                <a:ea typeface="宋体" panose="02010600030101010101" pitchFamily="2" charset="-122"/>
-                <a:cs typeface="Times New Roman" panose="02020603050405020304" pitchFamily="18" charset="0"/>
-              </a:rPr>
-              <a:t>难点</a:t>
-            </a:r>
-            <a:r>
-              <a:rPr lang="zh-CN" altLang="en-US" sz="2000" dirty="0">
-                <a:latin typeface="Times New Roman" panose="02020603050405020304" pitchFamily="18" charset="0"/>
-                <a:ea typeface="宋体" panose="02010600030101010101" pitchFamily="2" charset="-122"/>
-                <a:cs typeface="Times New Roman" panose="02020603050405020304" pitchFamily="18" charset="0"/>
-              </a:rPr>
-              <a:t>在于</a:t>
+              <a:rPr lang="zh-CN" altLang="en-US" sz="2000" dirty="0">
+                <a:latin typeface="Times New Roman" panose="02020603050405020304" pitchFamily="18" charset="0"/>
+                <a:ea typeface="宋体" panose="02010600030101010101" pitchFamily="2" charset="-122"/>
+                <a:cs typeface="Times New Roman" panose="02020603050405020304" pitchFamily="18" charset="0"/>
+              </a:rPr>
+              <a:t>如何设计从</a:t>
+            </a:r>
+            <a:r>
+              <a:rPr lang="en-US" altLang="zh-CN" sz="2000" dirty="0">
+                <a:latin typeface="Times New Roman" panose="02020603050405020304" pitchFamily="18" charset="0"/>
+                <a:ea typeface="宋体" panose="02010600030101010101" pitchFamily="2" charset="-122"/>
+                <a:cs typeface="Times New Roman" panose="02020603050405020304" pitchFamily="18" charset="0"/>
+              </a:rPr>
+              <a:t>C</a:t>
+            </a:r>
+            <a:r>
+              <a:rPr lang="zh-CN" altLang="en-US" sz="2000" dirty="0">
+                <a:latin typeface="Times New Roman" panose="02020603050405020304" pitchFamily="18" charset="0"/>
+                <a:ea typeface="宋体" panose="02010600030101010101" pitchFamily="2" charset="-122"/>
+                <a:cs typeface="Times New Roman" panose="02020603050405020304" pitchFamily="18" charset="0"/>
+              </a:rPr>
+              <a:t>源代码中</a:t>
             </a:r>
             <a:r>
               <a:rPr lang="zh-CN" altLang="en-US" sz="2000" dirty="0">
@@ -12926,7 +13193,7 @@
                 <a:ea typeface="宋体" panose="02010600030101010101" pitchFamily="2" charset="-122"/>
                 <a:cs typeface="Times New Roman" panose="02020603050405020304" pitchFamily="18" charset="0"/>
               </a:rPr>
-              <a:t>把</a:t>
+              <a:t>识别出多个</a:t>
             </a:r>
             <a:r>
               <a:rPr lang="en-US" altLang="zh-CN" sz="2000" dirty="0">
@@ -12948,10 +13215,18 @@
                 <a:ea typeface="宋体" panose="02010600030101010101" pitchFamily="2" charset="-122"/>
                 <a:cs typeface="Times New Roman" panose="02020603050405020304" pitchFamily="18" charset="0"/>
               </a:rPr>
-              <a:t>程序代码抽取为多个</a:t>
-            </a:r>
-            <a:r>
-              <a:rPr lang="en-US" altLang="zh-CN" sz="2000" dirty="0">
+              <a:t>文法单元</a:t>
+            </a:r>
+            <a:r>
+              <a:rPr lang="zh-CN" altLang="en-US" sz="2000" dirty="0">
+                <a:latin typeface="Times New Roman" panose="02020603050405020304" pitchFamily="18" charset="0"/>
+                <a:ea typeface="宋体" panose="02010600030101010101" pitchFamily="2" charset="-122"/>
+                <a:cs typeface="Times New Roman" panose="02020603050405020304" pitchFamily="18" charset="0"/>
+              </a:rPr>
+              <a:t>及</a:t>
+            </a:r>
+            <a:r>
+              <a:rPr lang="zh-CN" altLang="en-US" sz="2000" dirty="0">
                 <a:solidFill>
                   <a:srgbClr val="FF0000"/>
                 </a:solidFill>
@@ -12959,36 +13234,16 @@
                 <a:ea typeface="宋体" panose="02010600030101010101" pitchFamily="2" charset="-122"/>
                 <a:cs typeface="Times New Roman" panose="02020603050405020304" pitchFamily="18" charset="0"/>
               </a:rPr>
-              <a:t>C</a:t>
-            </a:r>
-            <a:r>
-              <a:rPr lang="zh-CN" altLang="en-US" sz="2000" dirty="0">
-                <a:solidFill>
-                  <a:srgbClr val="FF0000"/>
-                </a:solidFill>
-                <a:latin typeface="Times New Roman" panose="02020603050405020304" pitchFamily="18" charset="0"/>
-                <a:ea typeface="宋体" panose="02010600030101010101" pitchFamily="2" charset="-122"/>
-                <a:cs typeface="Times New Roman" panose="02020603050405020304" pitchFamily="18" charset="0"/>
-              </a:rPr>
-              <a:t>文法结构的算法的设计</a:t>
-            </a:r>
-            <a:r>
-              <a:rPr lang="zh-CN" altLang="en-US" sz="2000" dirty="0">
-                <a:latin typeface="Times New Roman" panose="02020603050405020304" pitchFamily="18" charset="0"/>
-                <a:ea typeface="宋体" panose="02010600030101010101" pitchFamily="2" charset="-122"/>
-                <a:cs typeface="Times New Roman" panose="02020603050405020304" pitchFamily="18" charset="0"/>
-              </a:rPr>
-              <a:t>，这是课题研究的基础。</a:t>
-            </a:r>
-          </a:p>
-          <a:p>
-            <a:pPr>
-              <a:lnSpc>
-                <a:spcPct val="150000"/>
-              </a:lnSpc>
-              <a:buFont typeface="Wingdings" panose="05000000000000000000" pitchFamily="2" charset="2"/>
-              <a:buChar char="Ø"/>
-            </a:pPr>
+              <a:t>生成</a:t>
+            </a:r>
+            <a:r>
+              <a:rPr lang="zh-CN" altLang="en-US" sz="2000" dirty="0">
+                <a:latin typeface="Times New Roman" panose="02020603050405020304" pitchFamily="18" charset="0"/>
+                <a:ea typeface="宋体" panose="02010600030101010101" pitchFamily="2" charset="-122"/>
+                <a:cs typeface="Times New Roman" panose="02020603050405020304" pitchFamily="18" charset="0"/>
+              </a:rPr>
+              <a:t>其对应的目标代码段的算法，这是课题研究的难点。</a:t>
+            </a:r>
             <a:endParaRPr lang="zh-CN" altLang="en-US" sz="2000" dirty="0">
               <a:latin typeface="Times New Roman" panose="02020603050405020304" pitchFamily="18" charset="0"/>
               <a:ea typeface="宋体" panose="02010600030101010101" pitchFamily="2" charset="-122"/>
@@ -13051,6 +13306,17 @@
               <a:t>C</a:t>
             </a:r>
             <a:r>
+              <a:rPr kumimoji="1" lang="zh-CN" altLang="en-US" sz="2000" b="1" dirty="0" smtClean="0">
+                <a:solidFill>
+                  <a:schemeClr val="tx1"/>
+                </a:solidFill>
+                <a:latin typeface="Times New Roman" panose="02020603050405020304" pitchFamily="18" charset="0"/>
+                <a:ea typeface="宋体" panose="02010600030101010101" pitchFamily="2" charset="-122"/>
+                <a:cs typeface="Times New Roman" panose="02020603050405020304" pitchFamily="18" charset="0"/>
+              </a:rPr>
+              <a:t>文法</a:t>
+            </a:r>
+            <a:r>
               <a:rPr kumimoji="1" lang="zh-CN" altLang="en-US" sz="2000" b="1" dirty="0">
                 <a:solidFill>
                   <a:schemeClr val="tx1"/>
@@ -13059,8 +13325,16 @@
                 <a:ea typeface="宋体" panose="02010600030101010101" pitchFamily="2" charset="-122"/>
                 <a:cs typeface="Times New Roman" panose="02020603050405020304" pitchFamily="18" charset="0"/>
               </a:rPr>
-              <a:t>文法结构</a:t>
-            </a:r>
+              <a:t>单元</a:t>
+            </a:r>
+            <a:endParaRPr kumimoji="1" lang="zh-CN" altLang="en-US" sz="2000" b="1" dirty="0">
+              <a:solidFill>
+                <a:schemeClr val="tx1"/>
+              </a:solidFill>
+              <a:latin typeface="Times New Roman" panose="02020603050405020304" pitchFamily="18" charset="0"/>
+              <a:ea typeface="宋体" panose="02010600030101010101" pitchFamily="2" charset="-122"/>
+              <a:cs typeface="Times New Roman" panose="02020603050405020304" pitchFamily="18" charset="0"/>
+            </a:endParaRPr>
           </a:p>
         </p:txBody>
       </p:sp>
@@ -13170,11 +13444,22 @@
             </a:pPr>
             <a:r>
               <a:rPr lang="zh-CN" altLang="en-US" sz="2000" dirty="0">
-                <a:latin typeface="Times New Roman" panose="02020603050405020304" pitchFamily="18" charset="0"/>
-                <a:ea typeface="宋体" panose="02010600030101010101" pitchFamily="2" charset="-122"/>
-                <a:cs typeface="Times New Roman" panose="02020603050405020304" pitchFamily="18" charset="0"/>
-              </a:rPr>
-              <a:t>指称语义是采用形式系统方法，用相应的数学对象（如</a:t>
+                <a:solidFill>
+                  <a:srgbClr val="FF0000"/>
+                </a:solidFill>
+                <a:latin typeface="Times New Roman" panose="02020603050405020304" pitchFamily="18" charset="0"/>
+                <a:ea typeface="宋体" panose="02010600030101010101" pitchFamily="2" charset="-122"/>
+                <a:cs typeface="Times New Roman" panose="02020603050405020304" pitchFamily="18" charset="0"/>
+              </a:rPr>
+              <a:t>指称语义</a:t>
+            </a:r>
+            <a:r>
+              <a:rPr lang="zh-CN" altLang="en-US" sz="2000" dirty="0">
+                <a:latin typeface="Times New Roman" panose="02020603050405020304" pitchFamily="18" charset="0"/>
+                <a:ea typeface="宋体" panose="02010600030101010101" pitchFamily="2" charset="-122"/>
+                <a:cs typeface="Times New Roman" panose="02020603050405020304" pitchFamily="18" charset="0"/>
+              </a:rPr>
+              <a:t>是采用形式系统方法，用相应的数学对象（如</a:t>
             </a:r>
             <a:r>
               <a:rPr lang="en-US" altLang="zh-CN" sz="2000" dirty="0">
@@ -13190,7 +13475,7 @@
                 <a:ea typeface="宋体" panose="02010600030101010101" pitchFamily="2" charset="-122"/>
                 <a:cs typeface="Times New Roman" panose="02020603050405020304" pitchFamily="18" charset="0"/>
               </a:rPr>
-              <a:t>等）对一个即定形式语言的语义进行注释的学问。指称语义还可以解释为：存在着两个域，一个是语法域，在语法域中定义了一个形式语言</a:t>
+              <a:t>等）对一个即定形式语言的语义进行注释的学问</a:t>
             </a:r>
             <a:r>
               <a:rPr lang="zh-CN" altLang="en-US" sz="2000" dirty="0" smtClean="0">
@@ -13198,23 +13483,7 @@
                 <a:ea typeface="宋体" panose="02010600030101010101" pitchFamily="2" charset="-122"/>
                 <a:cs typeface="Times New Roman" panose="02020603050405020304" pitchFamily="18" charset="0"/>
               </a:rPr>
-              <a:t>系统；另外</a:t>
-            </a:r>
-            <a:r>
-              <a:rPr lang="zh-CN" altLang="en-US" sz="2000" dirty="0">
-                <a:latin typeface="Times New Roman" panose="02020603050405020304" pitchFamily="18" charset="0"/>
-                <a:ea typeface="宋体" panose="02010600030101010101" pitchFamily="2" charset="-122"/>
-                <a:cs typeface="Times New Roman" panose="02020603050405020304" pitchFamily="18" charset="0"/>
-              </a:rPr>
-              <a:t>一个是数学域（或称之为已知语义的形式系统）</a:t>
-            </a:r>
-            <a:r>
-              <a:rPr lang="zh-CN" altLang="en-US" sz="2000" dirty="0" smtClean="0">
-                <a:latin typeface="Times New Roman" panose="02020603050405020304" pitchFamily="18" charset="0"/>
-                <a:ea typeface="宋体" panose="02010600030101010101" pitchFamily="2" charset="-122"/>
-                <a:cs typeface="Times New Roman" panose="02020603050405020304" pitchFamily="18" charset="0"/>
-              </a:rPr>
-              <a:t>。</a:t>
+              <a:t>。。</a:t>
             </a:r>
             <a:endParaRPr lang="en-US" altLang="zh-CN" sz="2000" dirty="0" smtClean="0">
               <a:latin typeface="Times New Roman" panose="02020603050405020304" pitchFamily="18" charset="0"/>
@@ -13244,7 +13513,23 @@
                 <a:ea typeface="宋体" panose="02010600030101010101" pitchFamily="2" charset="-122"/>
                 <a:cs typeface="Times New Roman" panose="02020603050405020304" pitchFamily="18" charset="0"/>
               </a:rPr>
-              <a:t>中我们将</a:t>
+              <a:t>中我们将用指称语义的方法来分别表示</a:t>
+            </a:r>
+            <a:r>
+              <a:rPr lang="en-US" altLang="zh-CN" sz="2000" dirty="0">
+                <a:latin typeface="Times New Roman" panose="02020603050405020304" pitchFamily="18" charset="0"/>
+                <a:ea typeface="宋体" panose="02010600030101010101" pitchFamily="2" charset="-122"/>
+                <a:cs typeface="Times New Roman" panose="02020603050405020304" pitchFamily="18" charset="0"/>
+              </a:rPr>
+              <a:t>C</a:t>
+            </a:r>
+            <a:r>
+              <a:rPr lang="zh-CN" altLang="en-US" sz="2000" dirty="0">
+                <a:latin typeface="Times New Roman" panose="02020603050405020304" pitchFamily="18" charset="0"/>
+                <a:ea typeface="宋体" panose="02010600030101010101" pitchFamily="2" charset="-122"/>
+                <a:cs typeface="Times New Roman" panose="02020603050405020304" pitchFamily="18" charset="0"/>
+              </a:rPr>
+              <a:t>文法结构和目标代码的语义，难点在于如何正确的对它们</a:t>
             </a:r>
             <a:r>
               <a:rPr lang="zh-CN" altLang="en-US" sz="2000" dirty="0">
@@ -13255,10 +13540,10 @@
                 <a:ea typeface="宋体" panose="02010600030101010101" pitchFamily="2" charset="-122"/>
                 <a:cs typeface="Times New Roman" panose="02020603050405020304" pitchFamily="18" charset="0"/>
               </a:rPr>
-              <a:t>用指称语义的方法来分别表示</a:t>
-            </a:r>
-            <a:r>
-              <a:rPr lang="en-US" altLang="zh-CN" sz="2000" dirty="0">
+              <a:t>进行建模和形式化</a:t>
+            </a:r>
+            <a:r>
+              <a:rPr lang="zh-CN" altLang="en-US" sz="2000" dirty="0" smtClean="0">
                 <a:solidFill>
                   <a:srgbClr val="FF0000"/>
                 </a:solidFill>
@@ -13266,26 +13551,7 @@
                 <a:ea typeface="宋体" panose="02010600030101010101" pitchFamily="2" charset="-122"/>
                 <a:cs typeface="Times New Roman" panose="02020603050405020304" pitchFamily="18" charset="0"/>
               </a:rPr>
-              <a:t>C</a:t>
-            </a:r>
-            <a:r>
-              <a:rPr lang="zh-CN" altLang="en-US" sz="2000" dirty="0">
-                <a:solidFill>
-                  <a:srgbClr val="FF0000"/>
-                </a:solidFill>
-                <a:latin typeface="Times New Roman" panose="02020603050405020304" pitchFamily="18" charset="0"/>
-                <a:ea typeface="宋体" panose="02010600030101010101" pitchFamily="2" charset="-122"/>
-                <a:cs typeface="Times New Roman" panose="02020603050405020304" pitchFamily="18" charset="0"/>
-              </a:rPr>
-              <a:t>文法结构和目标代码的语义</a:t>
-            </a:r>
-            <a:r>
-              <a:rPr lang="zh-CN" altLang="en-US" sz="2000" dirty="0">
-                <a:latin typeface="Times New Roman" panose="02020603050405020304" pitchFamily="18" charset="0"/>
-                <a:ea typeface="宋体" panose="02010600030101010101" pitchFamily="2" charset="-122"/>
-                <a:cs typeface="Times New Roman" panose="02020603050405020304" pitchFamily="18" charset="0"/>
-              </a:rPr>
-              <a:t>，难点在于如何正确的对它们进行建模和形式化</a:t>
+              <a:t>表示</a:t>
             </a:r>
             <a:r>
               <a:rPr lang="zh-CN" altLang="en-US" sz="2000" dirty="0" smtClean="0">
@@ -13293,23 +13559,9 @@
                 <a:ea typeface="宋体" panose="02010600030101010101" pitchFamily="2" charset="-122"/>
                 <a:cs typeface="Times New Roman" panose="02020603050405020304" pitchFamily="18" charset="0"/>
               </a:rPr>
-              <a:t>表示。</a:t>
+              <a:t>。</a:t>
             </a:r>
             <a:endParaRPr lang="en-US" altLang="zh-CN" sz="2000" dirty="0">
-              <a:latin typeface="Times New Roman" panose="02020603050405020304" pitchFamily="18" charset="0"/>
-              <a:ea typeface="宋体" panose="02010600030101010101" pitchFamily="2" charset="-122"/>
-              <a:cs typeface="Times New Roman" panose="02020603050405020304" pitchFamily="18" charset="0"/>
-            </a:endParaRPr>
-          </a:p>
-          <a:p>
-            <a:pPr>
-              <a:lnSpc>
-                <a:spcPct val="150000"/>
-              </a:lnSpc>
-              <a:buFont typeface="Wingdings" panose="05000000000000000000" pitchFamily="2" charset="2"/>
-              <a:buChar char="Ø"/>
-            </a:pPr>
-            <a:endParaRPr lang="zh-CN" altLang="en-US" sz="2000" dirty="0">
               <a:latin typeface="Times New Roman" panose="02020603050405020304" pitchFamily="18" charset="0"/>
               <a:ea typeface="宋体" panose="02010600030101010101" pitchFamily="2" charset="-122"/>
               <a:cs typeface="Times New Roman" panose="02020603050405020304" pitchFamily="18" charset="0"/>
@@ -13491,7 +13743,26 @@
                 <a:ea typeface="宋体" panose="02010600030101010101" pitchFamily="2" charset="-122"/>
                 <a:cs typeface="Times New Roman" panose="02020603050405020304" pitchFamily="18" charset="0"/>
               </a:rPr>
-              <a:t>编译器的任务是将正确的源程序翻译为正确的目标程序。编译器自身的可信判断的依据就是编译变换过程是否使得源代码与编译生成的目标代码之间具有一致的语义。因而课题中需要构造一个确认器（</a:t>
+              <a:t>编译器的任务是将源代码正确的编译为目标代码，而确认源代码与编译生成的目标代码之间是否具有一致的语义是判断编译过程是否正确的有效方法。因此，课题中需要构造一个</a:t>
+            </a:r>
+            <a:r>
+              <a:rPr lang="zh-CN" altLang="en-US" sz="2000" dirty="0">
+                <a:solidFill>
+                  <a:srgbClr val="FF0000"/>
+                </a:solidFill>
+                <a:latin typeface="Times New Roman" panose="02020603050405020304" pitchFamily="18" charset="0"/>
+                <a:ea typeface="宋体" panose="02010600030101010101" pitchFamily="2" charset="-122"/>
+                <a:cs typeface="Times New Roman" panose="02020603050405020304" pitchFamily="18" charset="0"/>
+              </a:rPr>
+              <a:t>确认器</a:t>
+            </a:r>
+            <a:r>
+              <a:rPr lang="zh-CN" altLang="en-US" sz="2000" dirty="0">
+                <a:latin typeface="Times New Roman" panose="02020603050405020304" pitchFamily="18" charset="0"/>
+                <a:ea typeface="宋体" panose="02010600030101010101" pitchFamily="2" charset="-122"/>
+                <a:cs typeface="Times New Roman" panose="02020603050405020304" pitchFamily="18" charset="0"/>
+              </a:rPr>
+              <a:t>（</a:t>
             </a:r>
             <a:r>
               <a:rPr lang="en-US" altLang="zh-CN" sz="2000" dirty="0">
@@ -13507,7 +13778,7 @@
                 <a:ea typeface="宋体" panose="02010600030101010101" pitchFamily="2" charset="-122"/>
                 <a:cs typeface="Times New Roman" panose="02020603050405020304" pitchFamily="18" charset="0"/>
               </a:rPr>
-              <a:t>）来验证源代码和目标代码的语义是否一致。</a:t>
+              <a:t>）来验证源代码的文法单元和目标代码段的语义是否一致。</a:t>
             </a:r>
           </a:p>
           <a:p>
@@ -13519,15 +13790,39 @@
               <a:buChar char="Ø"/>
             </a:pPr>
             <a:r>
-              <a:rPr lang="zh-CN" altLang="en-US" sz="2000" dirty="0">
-                <a:latin typeface="Times New Roman" panose="02020603050405020304" pitchFamily="18" charset="0"/>
-                <a:ea typeface="宋体" panose="02010600030101010101" pitchFamily="2" charset="-122"/>
-                <a:cs typeface="Times New Roman" panose="02020603050405020304" pitchFamily="18" charset="0"/>
-              </a:rPr>
-              <a:t>虽然源代码和目标代码的语义都是用指称语义的形式表示，但两种语言的抽象层次不同，即目标代码为汇编语言更接近于硬件，因此二者的指称语义表达形式有较大的差异，如何</a:t>
-            </a:r>
-            <a:r>
-              <a:rPr lang="zh-CN" altLang="en-US" sz="2000" dirty="0">
+              <a:rPr lang="zh-CN" altLang="en-US" sz="2000" dirty="0" smtClean="0">
+                <a:latin typeface="Times New Roman" panose="02020603050405020304" pitchFamily="18" charset="0"/>
+                <a:ea typeface="宋体" panose="02010600030101010101" pitchFamily="2" charset="-122"/>
+                <a:cs typeface="Times New Roman" panose="02020603050405020304" pitchFamily="18" charset="0"/>
+              </a:rPr>
+              <a:t>如何设计</a:t>
+            </a:r>
+            <a:r>
+              <a:rPr lang="zh-CN" altLang="en-US" sz="2000" dirty="0">
+                <a:latin typeface="Times New Roman" panose="02020603050405020304" pitchFamily="18" charset="0"/>
+                <a:ea typeface="宋体" panose="02010600030101010101" pitchFamily="2" charset="-122"/>
+                <a:cs typeface="Times New Roman" panose="02020603050405020304" pitchFamily="18" charset="0"/>
+              </a:rPr>
+              <a:t>确认</a:t>
+            </a:r>
+            <a:r>
+              <a:rPr lang="zh-CN" altLang="en-US" sz="2000" dirty="0" smtClean="0">
+                <a:latin typeface="Times New Roman" panose="02020603050405020304" pitchFamily="18" charset="0"/>
+                <a:ea typeface="宋体" panose="02010600030101010101" pitchFamily="2" charset="-122"/>
+                <a:cs typeface="Times New Roman" panose="02020603050405020304" pitchFamily="18" charset="0"/>
+              </a:rPr>
+              <a:t>器</a:t>
+            </a:r>
+            <a:r>
+              <a:rPr lang="zh-CN" altLang="en-US" sz="2000" dirty="0">
+                <a:latin typeface="Times New Roman" panose="02020603050405020304" pitchFamily="18" charset="0"/>
+                <a:ea typeface="宋体" panose="02010600030101010101" pitchFamily="2" charset="-122"/>
+                <a:cs typeface="Times New Roman" panose="02020603050405020304" pitchFamily="18" charset="0"/>
+              </a:rPr>
+              <a:t>的</a:t>
+            </a:r>
+            <a:r>
+              <a:rPr lang="zh-CN" altLang="en-US" sz="2000" dirty="0" smtClean="0">
                 <a:solidFill>
                   <a:srgbClr val="FF0000"/>
                 </a:solidFill>
@@ -13535,30 +13830,24 @@
                 <a:ea typeface="宋体" panose="02010600030101010101" pitchFamily="2" charset="-122"/>
                 <a:cs typeface="Times New Roman" panose="02020603050405020304" pitchFamily="18" charset="0"/>
               </a:rPr>
-              <a:t>为确认器设计算法</a:t>
-            </a:r>
-            <a:r>
-              <a:rPr lang="zh-CN" altLang="en-US" sz="2000" dirty="0">
-                <a:latin typeface="Times New Roman" panose="02020603050405020304" pitchFamily="18" charset="0"/>
-                <a:ea typeface="宋体" panose="02010600030101010101" pitchFamily="2" charset="-122"/>
-                <a:cs typeface="Times New Roman" panose="02020603050405020304" pitchFamily="18" charset="0"/>
-              </a:rPr>
-              <a:t>来关注本质的东西而忽略掉差异是课一个有待解决的难题。</a:t>
-            </a:r>
-          </a:p>
-          <a:p>
-            <a:pPr>
-              <a:lnSpc>
-                <a:spcPct val="150000"/>
-              </a:lnSpc>
-              <a:buFont typeface="Wingdings" panose="05000000000000000000" pitchFamily="2" charset="2"/>
-              <a:buChar char="Ø"/>
-            </a:pPr>
-            <a:endParaRPr lang="zh-CN" altLang="en-US" sz="2000" dirty="0">
-              <a:latin typeface="Times New Roman" panose="02020603050405020304" pitchFamily="18" charset="0"/>
-              <a:ea typeface="宋体" panose="02010600030101010101" pitchFamily="2" charset="-122"/>
-              <a:cs typeface="Times New Roman" panose="02020603050405020304" pitchFamily="18" charset="0"/>
-            </a:endParaRPr>
+              <a:t>语义一致性验证算法</a:t>
+            </a:r>
+            <a:r>
+              <a:rPr lang="zh-CN" altLang="en-US" sz="2000" dirty="0" smtClean="0">
+                <a:latin typeface="Times New Roman" panose="02020603050405020304" pitchFamily="18" charset="0"/>
+                <a:ea typeface="宋体" panose="02010600030101010101" pitchFamily="2" charset="-122"/>
+                <a:cs typeface="Times New Roman" panose="02020603050405020304" pitchFamily="18" charset="0"/>
+              </a:rPr>
+              <a:t>是</a:t>
+            </a:r>
+            <a:r>
+              <a:rPr lang="zh-CN" altLang="en-US" sz="2000" dirty="0">
+                <a:latin typeface="Times New Roman" panose="02020603050405020304" pitchFamily="18" charset="0"/>
+                <a:ea typeface="宋体" panose="02010600030101010101" pitchFamily="2" charset="-122"/>
+                <a:cs typeface="Times New Roman" panose="02020603050405020304" pitchFamily="18" charset="0"/>
+              </a:rPr>
+              <a:t>当前研究的难点。 </a:t>
+            </a:r>
           </a:p>
         </p:txBody>
       </p:sp>
@@ -16052,7 +16341,7 @@
                 <a:ea typeface="宋体" panose="02010600030101010101" pitchFamily="2" charset="-122"/>
                 <a:cs typeface="Times New Roman" panose="02020603050405020304" pitchFamily="18" charset="0"/>
               </a:rPr>
-              <a:t>Schürmann</a:t>
+              <a:t>Owre</a:t>
             </a:r>
             <a:r>
               <a:rPr lang="en-US" altLang="zh-CN" sz="1400" dirty="0">
@@ -16060,7 +16349,7 @@
                 <a:ea typeface="宋体" panose="02010600030101010101" pitchFamily="2" charset="-122"/>
                 <a:cs typeface="Times New Roman" panose="02020603050405020304" pitchFamily="18" charset="0"/>
               </a:rPr>
-              <a:t> C. The </a:t>
+              <a:t> S, </a:t>
             </a:r>
             <a:r>
               <a:rPr lang="en-US" altLang="zh-CN" sz="1400" dirty="0" err="1">
@@ -16068,7 +16357,7 @@
                 <a:ea typeface="宋体" panose="02010600030101010101" pitchFamily="2" charset="-122"/>
                 <a:cs typeface="Times New Roman" panose="02020603050405020304" pitchFamily="18" charset="0"/>
               </a:rPr>
-              <a:t>Twelf</a:t>
+              <a:t>Rushby</a:t>
             </a:r>
             <a:r>
               <a:rPr lang="en-US" altLang="zh-CN" sz="1400" dirty="0">
@@ -16076,7 +16365,55 @@
                 <a:ea typeface="宋体" panose="02010600030101010101" pitchFamily="2" charset="-122"/>
                 <a:cs typeface="Times New Roman" panose="02020603050405020304" pitchFamily="18" charset="0"/>
               </a:rPr>
-              <a:t> proof assistant[M]//Theorem Proving in Higher Order Logics. Springer Berlin Heidelberg, 2009: 79-83.</a:t>
+              <a:t> J, Shankar N. PVS specification and verification system[J]. URL: </a:t>
+            </a:r>
+            <a:r>
+              <a:rPr lang="en-US" altLang="zh-CN" sz="1400" dirty="0" err="1">
+                <a:latin typeface="Times New Roman" panose="02020603050405020304" pitchFamily="18" charset="0"/>
+                <a:ea typeface="宋体" panose="02010600030101010101" pitchFamily="2" charset="-122"/>
+                <a:cs typeface="Times New Roman" panose="02020603050405020304" pitchFamily="18" charset="0"/>
+              </a:rPr>
+              <a:t>pvs</a:t>
+            </a:r>
+            <a:r>
+              <a:rPr lang="en-US" altLang="zh-CN" sz="1400" dirty="0">
+                <a:latin typeface="Times New Roman" panose="02020603050405020304" pitchFamily="18" charset="0"/>
+                <a:ea typeface="宋体" panose="02010600030101010101" pitchFamily="2" charset="-122"/>
+                <a:cs typeface="Times New Roman" panose="02020603050405020304" pitchFamily="18" charset="0"/>
+              </a:rPr>
+              <a:t>. </a:t>
+            </a:r>
+            <a:r>
+              <a:rPr lang="en-US" altLang="zh-CN" sz="1400" dirty="0" err="1">
+                <a:latin typeface="Times New Roman" panose="02020603050405020304" pitchFamily="18" charset="0"/>
+                <a:ea typeface="宋体" panose="02010600030101010101" pitchFamily="2" charset="-122"/>
+                <a:cs typeface="Times New Roman" panose="02020603050405020304" pitchFamily="18" charset="0"/>
+              </a:rPr>
+              <a:t>csl</a:t>
+            </a:r>
+            <a:r>
+              <a:rPr lang="en-US" altLang="zh-CN" sz="1400" dirty="0">
+                <a:latin typeface="Times New Roman" panose="02020603050405020304" pitchFamily="18" charset="0"/>
+                <a:ea typeface="宋体" panose="02010600030101010101" pitchFamily="2" charset="-122"/>
+                <a:cs typeface="Times New Roman" panose="02020603050405020304" pitchFamily="18" charset="0"/>
+              </a:rPr>
+              <a:t>. </a:t>
+            </a:r>
+            <a:r>
+              <a:rPr lang="en-US" altLang="zh-CN" sz="1400" dirty="0" err="1">
+                <a:latin typeface="Times New Roman" panose="02020603050405020304" pitchFamily="18" charset="0"/>
+                <a:ea typeface="宋体" panose="02010600030101010101" pitchFamily="2" charset="-122"/>
+                <a:cs typeface="Times New Roman" panose="02020603050405020304" pitchFamily="18" charset="0"/>
+              </a:rPr>
+              <a:t>sri</a:t>
+            </a:r>
+            <a:r>
+              <a:rPr lang="en-US" altLang="zh-CN" sz="1400" dirty="0">
+                <a:latin typeface="Times New Roman" panose="02020603050405020304" pitchFamily="18" charset="0"/>
+                <a:ea typeface="宋体" panose="02010600030101010101" pitchFamily="2" charset="-122"/>
+                <a:cs typeface="Times New Roman" panose="02020603050405020304" pitchFamily="18" charset="0"/>
+              </a:rPr>
+              <a:t>. com, 2001.</a:t>
             </a:r>
           </a:p>
           <a:p>
@@ -16087,12 +16424,20 @@
               <a:buNone/>
             </a:pPr>
             <a:r>
+              <a:rPr lang="en-US" altLang="zh-CN" sz="1400" dirty="0" smtClean="0">
+                <a:latin typeface="Times New Roman" panose="02020603050405020304" pitchFamily="18" charset="0"/>
+                <a:ea typeface="宋体" panose="02010600030101010101" pitchFamily="2" charset="-122"/>
+                <a:cs typeface="Times New Roman" panose="02020603050405020304" pitchFamily="18" charset="0"/>
+              </a:rPr>
+              <a:t>[</a:t>
+            </a:r>
+            <a:r>
               <a:rPr lang="en-US" altLang="zh-CN" sz="1400" dirty="0">
                 <a:latin typeface="Times New Roman" panose="02020603050405020304" pitchFamily="18" charset="0"/>
                 <a:ea typeface="宋体" panose="02010600030101010101" pitchFamily="2" charset="-122"/>
                 <a:cs typeface="Times New Roman" panose="02020603050405020304" pitchFamily="18" charset="0"/>
               </a:rPr>
-              <a:t>[18</a:t>
+              <a:t>18</a:t>
             </a:r>
             <a:r>
               <a:rPr lang="en-US" altLang="zh-CN" sz="1400" dirty="0" smtClean="0">
@@ -16276,7 +16621,7 @@
                 <a:ea typeface="宋体" panose="02010600030101010101" pitchFamily="2" charset="-122"/>
                 <a:cs typeface="Times New Roman" panose="02020603050405020304" pitchFamily="18" charset="0"/>
               </a:rPr>
-              <a:t>[21</a:t>
+              <a:t>[21] </a:t>
             </a:r>
             <a:r>
               <a:rPr lang="en-US" altLang="zh-CN" sz="1400" dirty="0" smtClean="0">
@@ -16284,7 +16629,7 @@
                 <a:ea typeface="宋体" panose="02010600030101010101" pitchFamily="2" charset="-122"/>
                 <a:cs typeface="Times New Roman" panose="02020603050405020304" pitchFamily="18" charset="0"/>
               </a:rPr>
-              <a:t>] </a:t>
+              <a:t>Yang </a:t>
             </a:r>
             <a:r>
               <a:rPr lang="en-US" altLang="zh-CN" sz="1400" dirty="0">
@@ -16292,7 +16637,7 @@
                 <a:ea typeface="宋体" panose="02010600030101010101" pitchFamily="2" charset="-122"/>
                 <a:cs typeface="Times New Roman" panose="02020603050405020304" pitchFamily="18" charset="0"/>
               </a:rPr>
-              <a:t>McCarthy J, Painter J. Correctness of a compiler for arithmetical expressions[C]//Mathematical Aspects of Computer Science 19: </a:t>
+              <a:t>X, Chen Y, </a:t>
             </a:r>
             <a:r>
               <a:rPr lang="en-US" altLang="zh-CN" sz="1400" dirty="0" err="1">
@@ -16300,7 +16645,7 @@
                 <a:ea typeface="宋体" panose="02010600030101010101" pitchFamily="2" charset="-122"/>
                 <a:cs typeface="Times New Roman" panose="02020603050405020304" pitchFamily="18" charset="0"/>
               </a:rPr>
-              <a:t>Proc</a:t>
+              <a:t>Eide</a:t>
             </a:r>
             <a:r>
               <a:rPr lang="en-US" altLang="zh-CN" sz="1400" dirty="0">
@@ -16308,16 +16653,8 @@
                 <a:ea typeface="宋体" panose="02010600030101010101" pitchFamily="2" charset="-122"/>
                 <a:cs typeface="Times New Roman" panose="02020603050405020304" pitchFamily="18" charset="0"/>
               </a:rPr>
-              <a:t> of Symposia in Applied Mathematics, 1967: 33−41.</a:t>
-            </a:r>
-          </a:p>
-          <a:p>
-            <a:pPr marL="0" indent="0" algn="just">
-              <a:lnSpc>
-                <a:spcPct val="150000"/>
-              </a:lnSpc>
-              <a:buNone/>
-            </a:pPr>
+              <a:t> E, et al. Finding and understanding bugs in C compilers[C]//ACM SIGPLAN Notices. ACM, 2011, 46(6): 283-294.</a:t>
+            </a:r>
             <a:endParaRPr lang="en-US" altLang="zh-CN" sz="1400" dirty="0" smtClean="0">
               <a:latin typeface="Times New Roman" panose="02020603050405020304" pitchFamily="18" charset="0"/>
               <a:ea typeface="宋体" panose="02010600030101010101" pitchFamily="2" charset="-122"/>
@@ -16935,20 +17272,47 @@
               <a:buChar char="Ø"/>
             </a:pPr>
             <a:r>
+              <a:rPr lang="zh-CN" altLang="en-US" sz="2000" dirty="0">
+                <a:latin typeface="Times New Roman" panose="02020603050405020304" pitchFamily="18" charset="0"/>
+                <a:ea typeface="宋体" panose="02010600030101010101" pitchFamily="2" charset="-122"/>
+                <a:cs typeface="Times New Roman" panose="02020603050405020304" pitchFamily="18" charset="0"/>
+              </a:rPr>
+              <a:t>随着计算机应用的飞速发展，软件已渗透到国民经济和国防建设的各个领域，在信息社会中扮演着至关重要的角色。</a:t>
+            </a:r>
+            <a:r>
+              <a:rPr lang="zh-CN" altLang="en-US" sz="2000" dirty="0">
+                <a:solidFill>
+                  <a:srgbClr val="FF0000"/>
+                </a:solidFill>
+                <a:latin typeface="Times New Roman" panose="02020603050405020304" pitchFamily="18" charset="0"/>
+                <a:ea typeface="宋体" panose="02010600030101010101" pitchFamily="2" charset="-122"/>
+                <a:cs typeface="Times New Roman" panose="02020603050405020304" pitchFamily="18" charset="0"/>
+              </a:rPr>
+              <a:t>安全攸关软件</a:t>
+            </a:r>
+            <a:r>
+              <a:rPr lang="zh-CN" altLang="en-US" sz="2000" dirty="0">
+                <a:latin typeface="Times New Roman" panose="02020603050405020304" pitchFamily="18" charset="0"/>
+                <a:ea typeface="宋体" panose="02010600030101010101" pitchFamily="2" charset="-122"/>
+                <a:cs typeface="Times New Roman" panose="02020603050405020304" pitchFamily="18" charset="0"/>
+              </a:rPr>
+              <a:t>，如航空机载软件，作为各类安全关键系统的构成部分，其内部结构越来越复杂、应用环境越来越</a:t>
+            </a:r>
+            <a:r>
               <a:rPr lang="zh-CN" altLang="en-US" sz="2000" dirty="0" smtClean="0">
                 <a:latin typeface="Times New Roman" panose="02020603050405020304" pitchFamily="18" charset="0"/>
                 <a:ea typeface="宋体" panose="02010600030101010101" pitchFamily="2" charset="-122"/>
                 <a:cs typeface="Times New Roman" panose="02020603050405020304" pitchFamily="18" charset="0"/>
               </a:rPr>
-              <a:t>随着</a:t>
-            </a:r>
-            <a:r>
-              <a:rPr lang="zh-CN" altLang="en-US" sz="2000" dirty="0">
-                <a:latin typeface="Times New Roman" panose="02020603050405020304" pitchFamily="18" charset="0"/>
-                <a:ea typeface="宋体" panose="02010600030101010101" pitchFamily="2" charset="-122"/>
-                <a:cs typeface="Times New Roman" panose="02020603050405020304" pitchFamily="18" charset="0"/>
-              </a:rPr>
-              <a:t>计算机应用的飞速发展，软件已渗透到国民经济和国防建设的各个</a:t>
+              <a:t>开放</a:t>
+            </a:r>
+            <a:r>
+              <a:rPr lang="zh-CN" altLang="en-US" sz="2000" dirty="0">
+                <a:latin typeface="Times New Roman" panose="02020603050405020304" pitchFamily="18" charset="0"/>
+                <a:ea typeface="宋体" panose="02010600030101010101" pitchFamily="2" charset="-122"/>
+                <a:cs typeface="Times New Roman" panose="02020603050405020304" pitchFamily="18" charset="0"/>
+              </a:rPr>
+              <a:t>，</a:t>
             </a:r>
             <a:r>
               <a:rPr lang="zh-CN" altLang="en-US" sz="2000" dirty="0" smtClean="0">
@@ -16956,10 +17320,18 @@
                 <a:ea typeface="宋体" panose="02010600030101010101" pitchFamily="2" charset="-122"/>
                 <a:cs typeface="Times New Roman" panose="02020603050405020304" pitchFamily="18" charset="0"/>
               </a:rPr>
-              <a:t>领域。</a:t>
-            </a:r>
-            <a:r>
-              <a:rPr lang="zh-CN" altLang="en-US" sz="2000" dirty="0" smtClean="0">
+              <a:t>因此</a:t>
+            </a:r>
+            <a:r>
+              <a:rPr lang="zh-CN" altLang="en-US" sz="2000" dirty="0">
+                <a:latin typeface="Times New Roman" panose="02020603050405020304" pitchFamily="18" charset="0"/>
+                <a:ea typeface="宋体" panose="02010600030101010101" pitchFamily="2" charset="-122"/>
+                <a:cs typeface="Times New Roman" panose="02020603050405020304" pitchFamily="18" charset="0"/>
+              </a:rPr>
+              <a:t>，对航空机载软件尤其是大型客机机载软件进行安全性分析、设计以及适航</a:t>
+            </a:r>
+            <a:r>
+              <a:rPr lang="zh-CN" altLang="en-US" sz="2000" dirty="0">
                 <a:solidFill>
                   <a:srgbClr val="FF0000"/>
                 </a:solidFill>
@@ -16967,45 +17339,15 @@
                 <a:ea typeface="宋体" panose="02010600030101010101" pitchFamily="2" charset="-122"/>
                 <a:cs typeface="Times New Roman" panose="02020603050405020304" pitchFamily="18" charset="0"/>
               </a:rPr>
-              <a:t>安全</a:t>
-            </a:r>
-            <a:r>
-              <a:rPr lang="zh-CN" altLang="en-US" sz="2000" dirty="0">
-                <a:solidFill>
-                  <a:srgbClr val="FF0000"/>
-                </a:solidFill>
-                <a:latin typeface="Times New Roman" panose="02020603050405020304" pitchFamily="18" charset="0"/>
-                <a:ea typeface="宋体" panose="02010600030101010101" pitchFamily="2" charset="-122"/>
-                <a:cs typeface="Times New Roman" panose="02020603050405020304" pitchFamily="18" charset="0"/>
-              </a:rPr>
-              <a:t>攸关软件</a:t>
-            </a:r>
-            <a:r>
-              <a:rPr lang="zh-CN" altLang="en-US" sz="2000" dirty="0">
-                <a:latin typeface="Times New Roman" panose="02020603050405020304" pitchFamily="18" charset="0"/>
-                <a:ea typeface="宋体" panose="02010600030101010101" pitchFamily="2" charset="-122"/>
-                <a:cs typeface="Times New Roman" panose="02020603050405020304" pitchFamily="18" charset="0"/>
-              </a:rPr>
-              <a:t>，如航空机载软件，作为各类安全关键系统的构成部分，其内部结构越来越复杂、应用环境越来越开放，这些因素使得人们更加关注其</a:t>
-            </a:r>
-            <a:r>
-              <a:rPr lang="zh-CN" altLang="en-US" sz="2000" dirty="0">
-                <a:solidFill>
-                  <a:srgbClr val="FF0000"/>
-                </a:solidFill>
-                <a:latin typeface="Times New Roman" panose="02020603050405020304" pitchFamily="18" charset="0"/>
-                <a:ea typeface="宋体" panose="02010600030101010101" pitchFamily="2" charset="-122"/>
-                <a:cs typeface="Times New Roman" panose="02020603050405020304" pitchFamily="18" charset="0"/>
-              </a:rPr>
-              <a:t>可信性</a:t>
-            </a:r>
-            <a:r>
-              <a:rPr lang="zh-CN" altLang="en-US" sz="2000" dirty="0">
-                <a:latin typeface="Times New Roman" panose="02020603050405020304" pitchFamily="18" charset="0"/>
-                <a:ea typeface="宋体" panose="02010600030101010101" pitchFamily="2" charset="-122"/>
-                <a:cs typeface="Times New Roman" panose="02020603050405020304" pitchFamily="18" charset="0"/>
-              </a:rPr>
-              <a:t>问题</a:t>
+              <a:t>验证</a:t>
+            </a:r>
+            <a:r>
+              <a:rPr lang="zh-CN" altLang="en-US" sz="2000" dirty="0">
+                <a:latin typeface="Times New Roman" panose="02020603050405020304" pitchFamily="18" charset="0"/>
+                <a:ea typeface="宋体" panose="02010600030101010101" pitchFamily="2" charset="-122"/>
+                <a:cs typeface="Times New Roman" panose="02020603050405020304" pitchFamily="18" charset="0"/>
+              </a:rPr>
+              <a:t>变得尤为重要</a:t>
             </a:r>
             <a:r>
               <a:rPr lang="zh-CN" altLang="en-US" sz="2000" dirty="0" smtClean="0">
@@ -17030,6 +17372,54 @@
               <a:buChar char="Ø"/>
             </a:pPr>
             <a:r>
+              <a:rPr lang="zh-CN" altLang="en-US" sz="2000" dirty="0">
+                <a:latin typeface="Times New Roman" panose="02020603050405020304" pitchFamily="18" charset="0"/>
+                <a:ea typeface="宋体" panose="02010600030101010101" pitchFamily="2" charset="-122"/>
+                <a:cs typeface="Times New Roman" panose="02020603050405020304" pitchFamily="18" charset="0"/>
+              </a:rPr>
+              <a:t>机载软件适航验证标准</a:t>
+            </a:r>
+            <a:r>
+              <a:rPr lang="en-US" altLang="zh-CN" sz="2000" dirty="0" smtClean="0">
+                <a:latin typeface="Times New Roman" panose="02020603050405020304" pitchFamily="18" charset="0"/>
+                <a:ea typeface="宋体" panose="02010600030101010101" pitchFamily="2" charset="-122"/>
+                <a:cs typeface="Times New Roman" panose="02020603050405020304" pitchFamily="18" charset="0"/>
+              </a:rPr>
+              <a:t>DO-178B</a:t>
+            </a:r>
+            <a:r>
+              <a:rPr lang="zh-CN" altLang="en-US" sz="2000" dirty="0" smtClean="0">
+                <a:latin typeface="Times New Roman" panose="02020603050405020304" pitchFamily="18" charset="0"/>
+                <a:ea typeface="宋体" panose="02010600030101010101" pitchFamily="2" charset="-122"/>
+                <a:cs typeface="Times New Roman" panose="02020603050405020304" pitchFamily="18" charset="0"/>
+              </a:rPr>
+              <a:t>和</a:t>
+            </a:r>
+            <a:r>
+              <a:rPr lang="en-US" altLang="zh-CN" sz="2000" dirty="0" smtClean="0">
+                <a:latin typeface="Times New Roman" panose="02020603050405020304" pitchFamily="18" charset="0"/>
+                <a:ea typeface="宋体" panose="02010600030101010101" pitchFamily="2" charset="-122"/>
+                <a:cs typeface="Times New Roman" panose="02020603050405020304" pitchFamily="18" charset="0"/>
+              </a:rPr>
+              <a:t>DO-178C</a:t>
+            </a:r>
+            <a:r>
+              <a:rPr lang="zh-CN" altLang="en-US" sz="2000" dirty="0" smtClean="0">
+                <a:latin typeface="Times New Roman" panose="02020603050405020304" pitchFamily="18" charset="0"/>
+                <a:ea typeface="宋体" panose="02010600030101010101" pitchFamily="2" charset="-122"/>
+                <a:cs typeface="Times New Roman" panose="02020603050405020304" pitchFamily="18" charset="0"/>
+              </a:rPr>
+              <a:t>的</a:t>
+            </a:r>
+            <a:r>
+              <a:rPr lang="zh-CN" altLang="en-US" sz="2000" dirty="0">
+                <a:latin typeface="Times New Roman" panose="02020603050405020304" pitchFamily="18" charset="0"/>
+                <a:ea typeface="宋体" panose="02010600030101010101" pitchFamily="2" charset="-122"/>
+                <a:cs typeface="Times New Roman" panose="02020603050405020304" pitchFamily="18" charset="0"/>
+              </a:rPr>
+              <a:t>提出。新的适航验证标准</a:t>
+            </a:r>
+            <a:r>
               <a:rPr lang="en-US" altLang="zh-CN" sz="2000" dirty="0">
                 <a:solidFill>
                   <a:srgbClr val="FF0000"/>
@@ -17038,7 +17428,15 @@
                 <a:ea typeface="宋体" panose="02010600030101010101" pitchFamily="2" charset="-122"/>
                 <a:cs typeface="Times New Roman" panose="02020603050405020304" pitchFamily="18" charset="0"/>
               </a:rPr>
-              <a:t>TCG</a:t>
+              <a:t>DO-178C</a:t>
+            </a:r>
+            <a:r>
+              <a:rPr lang="zh-CN" altLang="en-US" sz="2000" dirty="0">
+                <a:latin typeface="Times New Roman" panose="02020603050405020304" pitchFamily="18" charset="0"/>
+                <a:ea typeface="宋体" panose="02010600030101010101" pitchFamily="2" charset="-122"/>
+                <a:cs typeface="Times New Roman" panose="02020603050405020304" pitchFamily="18" charset="0"/>
+              </a:rPr>
+              <a:t>针对</a:t>
             </a:r>
             <a:r>
               <a:rPr lang="en-US" altLang="zh-CN" sz="2000" dirty="0">
@@ -17046,15 +17444,15 @@
                 <a:ea typeface="宋体" panose="02010600030101010101" pitchFamily="2" charset="-122"/>
                 <a:cs typeface="Times New Roman" panose="02020603050405020304" pitchFamily="18" charset="0"/>
               </a:rPr>
-              <a:t>(trusted computing </a:t>
-            </a:r>
-            <a:r>
-              <a:rPr lang="en-US" altLang="zh-CN" sz="2000" dirty="0" smtClean="0">
-                <a:latin typeface="Times New Roman" panose="02020603050405020304" pitchFamily="18" charset="0"/>
-                <a:ea typeface="宋体" panose="02010600030101010101" pitchFamily="2" charset="-122"/>
-                <a:cs typeface="Times New Roman" panose="02020603050405020304" pitchFamily="18" charset="0"/>
-              </a:rPr>
-              <a:t>group</a:t>
+              <a:t>DO-178B</a:t>
+            </a:r>
+            <a:r>
+              <a:rPr lang="zh-CN" altLang="en-US" sz="2000" dirty="0">
+                <a:latin typeface="Times New Roman" panose="02020603050405020304" pitchFamily="18" charset="0"/>
+                <a:ea typeface="宋体" panose="02010600030101010101" pitchFamily="2" charset="-122"/>
+                <a:cs typeface="Times New Roman" panose="02020603050405020304" pitchFamily="18" charset="0"/>
+              </a:rPr>
+              <a:t>的不足，</a:t>
             </a:r>
             <a:r>
               <a:rPr lang="zh-CN" altLang="en-US" sz="2000" dirty="0" smtClean="0">
@@ -17062,62 +17460,61 @@
                 <a:ea typeface="宋体" panose="02010600030101010101" pitchFamily="2" charset="-122"/>
                 <a:cs typeface="Times New Roman" panose="02020603050405020304" pitchFamily="18" charset="0"/>
               </a:rPr>
-              <a:t>，可信计算组织</a:t>
-            </a:r>
-            <a:r>
-              <a:rPr lang="en-US" altLang="zh-CN" sz="2000" dirty="0" smtClean="0">
-                <a:latin typeface="Times New Roman" panose="02020603050405020304" pitchFamily="18" charset="0"/>
-                <a:ea typeface="宋体" panose="02010600030101010101" pitchFamily="2" charset="-122"/>
-                <a:cs typeface="Times New Roman" panose="02020603050405020304" pitchFamily="18" charset="0"/>
-              </a:rPr>
-              <a:t>)</a:t>
-            </a:r>
-            <a:r>
-              <a:rPr lang="zh-CN" altLang="en-US" sz="2000" dirty="0">
-                <a:latin typeface="Times New Roman" panose="02020603050405020304" pitchFamily="18" charset="0"/>
-                <a:ea typeface="宋体" panose="02010600030101010101" pitchFamily="2" charset="-122"/>
-                <a:cs typeface="Times New Roman" panose="02020603050405020304" pitchFamily="18" charset="0"/>
-              </a:rPr>
-              <a:t>对可信的定义是：一个实体在实现预定目标时，若其行为总是符合预期，则该实体是可信的。</a:t>
-            </a:r>
-            <a:r>
-              <a:rPr lang="zh-CN" altLang="en-US" sz="2000" u="sng" dirty="0">
-                <a:effectLst>
-                  <a:outerShdw blurRad="38100" dist="38100" dir="2700000" algn="tl">
-                    <a:srgbClr val="000000">
-                      <a:alpha val="43137"/>
-                    </a:srgbClr>
-                  </a:outerShdw>
-                </a:effectLst>
-                <a:latin typeface="Times New Roman" panose="02020603050405020304" pitchFamily="18" charset="0"/>
-                <a:ea typeface="宋体" panose="02010600030101010101" pitchFamily="2" charset="-122"/>
-                <a:cs typeface="Times New Roman" panose="02020603050405020304" pitchFamily="18" charset="0"/>
-              </a:rPr>
-              <a:t>一个软件若是可信的，则必然是正确的，能够如预期那样工作</a:t>
-            </a:r>
-            <a:r>
-              <a:rPr lang="zh-CN" altLang="en-US" sz="2000" u="sng" dirty="0" smtClean="0">
-                <a:effectLst>
-                  <a:outerShdw blurRad="38100" dist="38100" dir="2700000" algn="tl">
-                    <a:srgbClr val="000000">
-                      <a:alpha val="43137"/>
-                    </a:srgbClr>
-                  </a:outerShdw>
-                </a:effectLst>
-                <a:latin typeface="Times New Roman" panose="02020603050405020304" pitchFamily="18" charset="0"/>
-                <a:ea typeface="宋体" panose="02010600030101010101" pitchFamily="2" charset="-122"/>
-                <a:cs typeface="Times New Roman" panose="02020603050405020304" pitchFamily="18" charset="0"/>
-              </a:rPr>
-              <a:t>。</a:t>
-            </a:r>
-            <a:endParaRPr lang="en-US" altLang="zh-CN" sz="2000" u="sng" dirty="0">
-              <a:effectLst>
-                <a:outerShdw blurRad="38100" dist="38100" dir="2700000" algn="tl">
-                  <a:srgbClr val="000000">
-                    <a:alpha val="43137"/>
-                  </a:srgbClr>
-                </a:outerShdw>
-              </a:effectLst>
+              <a:t>将</a:t>
+            </a:r>
+            <a:r>
+              <a:rPr lang="zh-CN" altLang="en-US" sz="2000" dirty="0" smtClean="0">
+                <a:solidFill>
+                  <a:srgbClr val="FF0000"/>
+                </a:solidFill>
+                <a:latin typeface="Times New Roman" panose="02020603050405020304" pitchFamily="18" charset="0"/>
+                <a:ea typeface="宋体" panose="02010600030101010101" pitchFamily="2" charset="-122"/>
+                <a:cs typeface="Times New Roman" panose="02020603050405020304" pitchFamily="18" charset="0"/>
+              </a:rPr>
+              <a:t>形式验证</a:t>
+            </a:r>
+            <a:r>
+              <a:rPr lang="zh-CN" altLang="en-US" sz="2000" dirty="0" smtClean="0">
+                <a:latin typeface="Times New Roman" panose="02020603050405020304" pitchFamily="18" charset="0"/>
+                <a:ea typeface="宋体" panose="02010600030101010101" pitchFamily="2" charset="-122"/>
+                <a:cs typeface="Times New Roman" panose="02020603050405020304" pitchFamily="18" charset="0"/>
+              </a:rPr>
+              <a:t>的方法</a:t>
+            </a:r>
+            <a:r>
+              <a:rPr lang="zh-CN" altLang="en-US" sz="2000" dirty="0">
+                <a:latin typeface="Times New Roman" panose="02020603050405020304" pitchFamily="18" charset="0"/>
+                <a:ea typeface="宋体" panose="02010600030101010101" pitchFamily="2" charset="-122"/>
+                <a:cs typeface="Times New Roman" panose="02020603050405020304" pitchFamily="18" charset="0"/>
+              </a:rPr>
+              <a:t>引入到机载软件的</a:t>
+            </a:r>
+            <a:r>
+              <a:rPr lang="zh-CN" altLang="en-US" sz="2000" dirty="0" smtClean="0">
+                <a:latin typeface="Times New Roman" panose="02020603050405020304" pitchFamily="18" charset="0"/>
+                <a:ea typeface="宋体" panose="02010600030101010101" pitchFamily="2" charset="-122"/>
+                <a:cs typeface="Times New Roman" panose="02020603050405020304" pitchFamily="18" charset="0"/>
+              </a:rPr>
+              <a:t>开发过程</a:t>
+            </a:r>
+            <a:r>
+              <a:rPr lang="zh-CN" altLang="en-US" sz="2000" dirty="0">
+                <a:latin typeface="Times New Roman" panose="02020603050405020304" pitchFamily="18" charset="0"/>
+                <a:ea typeface="宋体" panose="02010600030101010101" pitchFamily="2" charset="-122"/>
+                <a:cs typeface="Times New Roman" panose="02020603050405020304" pitchFamily="18" charset="0"/>
+              </a:rPr>
+              <a:t>中。</a:t>
+            </a:r>
+          </a:p>
+          <a:p>
+            <a:pPr>
+              <a:lnSpc>
+                <a:spcPct val="150000"/>
+              </a:lnSpc>
+              <a:buFont typeface="Wingdings" panose="05000000000000000000" pitchFamily="2" charset="2"/>
+              <a:buChar char="Ø"/>
+            </a:pPr>
+            <a:endParaRPr lang="en-US" altLang="zh-CN" sz="2000" dirty="0" smtClean="0">
               <a:latin typeface="Times New Roman" panose="02020603050405020304" pitchFamily="18" charset="0"/>
               <a:ea typeface="宋体" panose="02010600030101010101" pitchFamily="2" charset="-122"/>
               <a:cs typeface="Times New Roman" panose="02020603050405020304" pitchFamily="18" charset="0"/>
@@ -17241,15 +17638,39 @@
                 <a:ea typeface="宋体" panose="02010600030101010101" pitchFamily="2" charset="-122"/>
                 <a:cs typeface="Times New Roman" panose="02020603050405020304" pitchFamily="18" charset="0"/>
               </a:rPr>
-              <a:t>如果其不</a:t>
-            </a:r>
-            <a:r>
-              <a:rPr lang="zh-CN" altLang="en-US" sz="2000" dirty="0">
-                <a:latin typeface="Times New Roman" panose="02020603050405020304" pitchFamily="18" charset="0"/>
-                <a:ea typeface="宋体" panose="02010600030101010101" pitchFamily="2" charset="-122"/>
-                <a:cs typeface="Times New Roman" panose="02020603050405020304" pitchFamily="18" charset="0"/>
-              </a:rPr>
-              <a:t>可信，则无法保证其所生成代码的可信性，非可信编译器在对程序代码进行编译的过程中，很可能篡改其</a:t>
+              <a:t>如果其</a:t>
+            </a:r>
+            <a:r>
+              <a:rPr lang="zh-CN" altLang="en-US" sz="2000" dirty="0" smtClean="0">
+                <a:latin typeface="Times New Roman" panose="02020603050405020304" pitchFamily="18" charset="0"/>
+                <a:ea typeface="宋体" panose="02010600030101010101" pitchFamily="2" charset="-122"/>
+                <a:cs typeface="Times New Roman" panose="02020603050405020304" pitchFamily="18" charset="0"/>
+              </a:rPr>
+              <a:t>不安全，</a:t>
+            </a:r>
+            <a:r>
+              <a:rPr lang="zh-CN" altLang="en-US" sz="2000" dirty="0">
+                <a:latin typeface="Times New Roman" panose="02020603050405020304" pitchFamily="18" charset="0"/>
+                <a:ea typeface="宋体" panose="02010600030101010101" pitchFamily="2" charset="-122"/>
+                <a:cs typeface="Times New Roman" panose="02020603050405020304" pitchFamily="18" charset="0"/>
+              </a:rPr>
+              <a:t>则无法保证其所生成代码</a:t>
+            </a:r>
+            <a:r>
+              <a:rPr lang="zh-CN" altLang="en-US" sz="2000" dirty="0" smtClean="0">
+                <a:latin typeface="Times New Roman" panose="02020603050405020304" pitchFamily="18" charset="0"/>
+                <a:ea typeface="宋体" panose="02010600030101010101" pitchFamily="2" charset="-122"/>
+                <a:cs typeface="Times New Roman" panose="02020603050405020304" pitchFamily="18" charset="0"/>
+              </a:rPr>
+              <a:t>的安全可靠性，非可靠的编译器</a:t>
+            </a:r>
+            <a:r>
+              <a:rPr lang="zh-CN" altLang="en-US" sz="2000" dirty="0">
+                <a:latin typeface="Times New Roman" panose="02020603050405020304" pitchFamily="18" charset="0"/>
+                <a:ea typeface="宋体" panose="02010600030101010101" pitchFamily="2" charset="-122"/>
+                <a:cs typeface="Times New Roman" panose="02020603050405020304" pitchFamily="18" charset="0"/>
+              </a:rPr>
+              <a:t>在对程序代码进行编译的过程中，很可能篡改其</a:t>
             </a:r>
             <a:r>
               <a:rPr lang="zh-CN" altLang="en-US" sz="2000" dirty="0">
@@ -17397,22 +17818,40 @@
                 <a:latin typeface="宋体" panose="02010600030101010101" pitchFamily="2" charset="-122"/>
                 <a:ea typeface="宋体" panose="02010600030101010101" pitchFamily="2" charset="-122"/>
               </a:rPr>
-              <a:t>完全覆盖，并不能充分地保证编译器的安全</a:t>
+              <a:t>完全覆盖，并不能充分</a:t>
             </a:r>
             <a:r>
               <a:rPr lang="zh-CN" altLang="en-US" sz="2000" dirty="0" smtClean="0">
                 <a:latin typeface="宋体" panose="02010600030101010101" pitchFamily="2" charset="-122"/>
                 <a:ea typeface="宋体" panose="02010600030101010101" pitchFamily="2" charset="-122"/>
               </a:rPr>
-              <a:t>可信</a:t>
-            </a:r>
-            <a:r>
-              <a:rPr lang="zh-CN" altLang="en-US" sz="2000" dirty="0">
+              <a:t>地满足安全攸关软件开发中编译器</a:t>
+            </a:r>
+            <a:r>
+              <a:rPr lang="zh-CN" altLang="en-US" sz="2000" dirty="0">
+                <a:latin typeface="宋体" panose="02010600030101010101" pitchFamily="2" charset="-122"/>
+                <a:ea typeface="宋体" panose="02010600030101010101" pitchFamily="2" charset="-122"/>
+              </a:rPr>
+              <a:t>的</a:t>
+            </a:r>
+            <a:r>
+              <a:rPr lang="zh-CN" altLang="en-US" sz="2000" dirty="0" smtClean="0">
+                <a:latin typeface="宋体" panose="02010600030101010101" pitchFamily="2" charset="-122"/>
+                <a:ea typeface="宋体" panose="02010600030101010101" pitchFamily="2" charset="-122"/>
+              </a:rPr>
+              <a:t>安全可靠性需求</a:t>
+            </a:r>
+            <a:r>
+              <a:rPr lang="zh-CN" altLang="en-US" sz="2000" dirty="0" smtClean="0">
                 <a:latin typeface="宋体" panose="02010600030101010101" pitchFamily="2" charset="-122"/>
                 <a:ea typeface="宋体" panose="02010600030101010101" pitchFamily="2" charset="-122"/>
               </a:rPr>
               <a:t>。</a:t>
             </a:r>
+            <a:endParaRPr lang="zh-CN" altLang="en-US" sz="2000" dirty="0">
+              <a:latin typeface="宋体" panose="02010600030101010101" pitchFamily="2" charset="-122"/>
+              <a:ea typeface="宋体" panose="02010600030101010101" pitchFamily="2" charset="-122"/>
+            </a:endParaRPr>
           </a:p>
         </p:txBody>
       </p:sp>
@@ -17546,14 +17985,14 @@
                 <a:latin typeface="宋体" panose="02010600030101010101" pitchFamily="2" charset="-122"/>
                 <a:ea typeface="宋体" panose="02010600030101010101" pitchFamily="2" charset="-122"/>
               </a:rPr>
-              <a:t>进行证明，能够充分地保证编译器可信性</a:t>
+              <a:t>进行证明，能够充分地保证</a:t>
             </a:r>
             <a:r>
               <a:rPr lang="zh-CN" altLang="en-US" sz="2000" dirty="0" smtClean="0">
                 <a:latin typeface="宋体" panose="02010600030101010101" pitchFamily="2" charset="-122"/>
                 <a:ea typeface="宋体" panose="02010600030101010101" pitchFamily="2" charset="-122"/>
               </a:rPr>
-              <a:t>。</a:t>
+              <a:t>编译器安全可靠。</a:t>
             </a:r>
             <a:endParaRPr lang="en-US" altLang="zh-CN" sz="2000" dirty="0">
               <a:latin typeface="宋体" panose="02010600030101010101" pitchFamily="2" charset="-122"/>
@@ -18039,15 +18478,15 @@
                 <a:ea typeface="宋体" panose="02010600030101010101" pitchFamily="2" charset="-122"/>
                 <a:cs typeface="Times New Roman" panose="02020603050405020304" pitchFamily="18" charset="0"/>
               </a:rPr>
-              <a:t>是</a:t>
-            </a:r>
-            <a:r>
-              <a:rPr lang="zh-CN" altLang="en-US" sz="2000" dirty="0">
-                <a:latin typeface="Times New Roman" panose="02020603050405020304" pitchFamily="18" charset="0"/>
-                <a:ea typeface="宋体" panose="02010600030101010101" pitchFamily="2" charset="-122"/>
-                <a:cs typeface="Times New Roman" panose="02020603050405020304" pitchFamily="18" charset="0"/>
-              </a:rPr>
-              <a:t>可信软件开发中一个</a:t>
+              <a:t>是软件开发</a:t>
+            </a:r>
+            <a:r>
+              <a:rPr lang="zh-CN" altLang="en-US" sz="2000" dirty="0">
+                <a:latin typeface="Times New Roman" panose="02020603050405020304" pitchFamily="18" charset="0"/>
+                <a:ea typeface="宋体" panose="02010600030101010101" pitchFamily="2" charset="-122"/>
+                <a:cs typeface="Times New Roman" panose="02020603050405020304" pitchFamily="18" charset="0"/>
+              </a:rPr>
+              <a:t>中一个</a:t>
             </a:r>
             <a:r>
               <a:rPr lang="zh-CN" altLang="en-US" sz="2000" dirty="0">
@@ -18066,7 +18505,39 @@
                 <a:ea typeface="宋体" panose="02010600030101010101" pitchFamily="2" charset="-122"/>
                 <a:cs typeface="Times New Roman" panose="02020603050405020304" pitchFamily="18" charset="0"/>
               </a:rPr>
-              <a:t>评估软件可信性的方法</a:t>
+              <a:t>评估</a:t>
+            </a:r>
+            <a:r>
+              <a:rPr lang="zh-CN" altLang="en-US" sz="2000" dirty="0" smtClean="0">
+                <a:latin typeface="Times New Roman" panose="02020603050405020304" pitchFamily="18" charset="0"/>
+                <a:ea typeface="宋体" panose="02010600030101010101" pitchFamily="2" charset="-122"/>
+                <a:cs typeface="Times New Roman" panose="02020603050405020304" pitchFamily="18" charset="0"/>
+              </a:rPr>
+              <a:t>软件</a:t>
+            </a:r>
+            <a:r>
+              <a:rPr lang="zh-CN" altLang="en-US" sz="2000" dirty="0">
+                <a:latin typeface="Times New Roman" panose="02020603050405020304" pitchFamily="18" charset="0"/>
+                <a:ea typeface="宋体" panose="02010600030101010101" pitchFamily="2" charset="-122"/>
+                <a:cs typeface="Times New Roman" panose="02020603050405020304" pitchFamily="18" charset="0"/>
+              </a:rPr>
+              <a:t>可靠</a:t>
+            </a:r>
+            <a:r>
+              <a:rPr lang="zh-CN" altLang="en-US" sz="2000" dirty="0" smtClean="0">
+                <a:latin typeface="Times New Roman" panose="02020603050405020304" pitchFamily="18" charset="0"/>
+                <a:ea typeface="宋体" panose="02010600030101010101" pitchFamily="2" charset="-122"/>
+                <a:cs typeface="Times New Roman" panose="02020603050405020304" pitchFamily="18" charset="0"/>
+              </a:rPr>
+              <a:t>性</a:t>
+            </a:r>
+            <a:r>
+              <a:rPr lang="zh-CN" altLang="en-US" sz="2000" dirty="0">
+                <a:latin typeface="Times New Roman" panose="02020603050405020304" pitchFamily="18" charset="0"/>
+                <a:ea typeface="宋体" panose="02010600030101010101" pitchFamily="2" charset="-122"/>
+                <a:cs typeface="Times New Roman" panose="02020603050405020304" pitchFamily="18" charset="0"/>
+              </a:rPr>
+              <a:t>的方法</a:t>
             </a:r>
             <a:r>
               <a:rPr lang="zh-CN" altLang="en-US" sz="2000" dirty="0" smtClean="0">

--- a/开题/SY1406108_陈志伟_开题ppt.pptx
+++ b/开题/SY1406108_陈志伟_开题ppt.pptx
@@ -237,7 +237,7 @@
           <a:p>
             <a:fld id="{70B15314-E3FC-4C9D-A25B-E4CA7D8DC52F}" type="datetimeFigureOut">
               <a:rPr lang="zh-CN" altLang="en-US" smtClean="0"/>
-              <a:t>2015/12/13</a:t>
+              <a:t>2015/12/19</a:t>
             </a:fld>
             <a:endParaRPr lang="zh-CN" altLang="en-US"/>
           </a:p>
@@ -2040,7 +2040,7 @@
           <a:p>
             <a:fld id="{236DEB8F-1078-4B41-AFE9-1FE79B8C146D}" type="datetimeFigureOut">
               <a:rPr lang="zh-CN" altLang="en-US" smtClean="0"/>
-              <a:t>2015/12/13</a:t>
+              <a:t>2015/12/19</a:t>
             </a:fld>
             <a:endParaRPr lang="zh-CN" altLang="en-US"/>
           </a:p>
@@ -2309,7 +2309,7 @@
           <a:p>
             <a:fld id="{236DEB8F-1078-4B41-AFE9-1FE79B8C146D}" type="datetimeFigureOut">
               <a:rPr lang="zh-CN" altLang="en-US" smtClean="0"/>
-              <a:t>2015/12/13</a:t>
+              <a:t>2015/12/19</a:t>
             </a:fld>
             <a:endParaRPr lang="zh-CN" altLang="en-US"/>
           </a:p>
@@ -2501,7 +2501,7 @@
           <a:p>
             <a:fld id="{236DEB8F-1078-4B41-AFE9-1FE79B8C146D}" type="datetimeFigureOut">
               <a:rPr lang="zh-CN" altLang="en-US" smtClean="0"/>
-              <a:t>2015/12/13</a:t>
+              <a:t>2015/12/19</a:t>
             </a:fld>
             <a:endParaRPr lang="zh-CN" altLang="en-US"/>
           </a:p>
@@ -2812,7 +2812,7 @@
           <a:p>
             <a:fld id="{236DEB8F-1078-4B41-AFE9-1FE79B8C146D}" type="datetimeFigureOut">
               <a:rPr lang="zh-CN" altLang="en-US" smtClean="0"/>
-              <a:t>2015/12/13</a:t>
+              <a:t>2015/12/19</a:t>
             </a:fld>
             <a:endParaRPr lang="zh-CN" altLang="en-US"/>
           </a:p>
@@ -2924,7 +2924,7 @@
           <a:graphicData uri="http://schemas.openxmlformats.org/presentationml/2006/ole">
             <mc:AlternateContent xmlns:mc="http://schemas.openxmlformats.org/markup-compatibility/2006">
               <mc:Choice xmlns:v="urn:schemas-microsoft-com:vml" Requires="v">
-                <p:oleObj spid="_x0000_s1687" name="Image" r:id="rId3" imgW="8228571" imgH="8711111" progId="">
+                <p:oleObj spid="_x0000_s1714" name="Image" r:id="rId3" imgW="8228571" imgH="8711111" progId="">
                   <p:embed/>
                 </p:oleObj>
               </mc:Choice>
@@ -4494,7 +4494,7 @@
           <a:p>
             <a:fld id="{236DEB8F-1078-4B41-AFE9-1FE79B8C146D}" type="datetimeFigureOut">
               <a:rPr lang="zh-CN" altLang="en-US" smtClean="0"/>
-              <a:t>2015/12/13</a:t>
+              <a:t>2015/12/19</a:t>
             </a:fld>
             <a:endParaRPr lang="zh-CN" altLang="en-US"/>
           </a:p>
@@ -4705,7 +4705,7 @@
           <a:p>
             <a:fld id="{236DEB8F-1078-4B41-AFE9-1FE79B8C146D}" type="datetimeFigureOut">
               <a:rPr lang="zh-CN" altLang="en-US" smtClean="0"/>
-              <a:t>2015/12/13</a:t>
+              <a:t>2015/12/19</a:t>
             </a:fld>
             <a:endParaRPr lang="zh-CN" altLang="en-US"/>
           </a:p>
@@ -5012,7 +5012,7 @@
           <a:p>
             <a:fld id="{236DEB8F-1078-4B41-AFE9-1FE79B8C146D}" type="datetimeFigureOut">
               <a:rPr lang="zh-CN" altLang="en-US" smtClean="0"/>
-              <a:t>2015/12/13</a:t>
+              <a:t>2015/12/19</a:t>
             </a:fld>
             <a:endParaRPr lang="zh-CN" altLang="en-US"/>
           </a:p>
@@ -5458,7 +5458,7 @@
           <a:p>
             <a:fld id="{236DEB8F-1078-4B41-AFE9-1FE79B8C146D}" type="datetimeFigureOut">
               <a:rPr lang="zh-CN" altLang="en-US" smtClean="0"/>
-              <a:t>2015/12/13</a:t>
+              <a:t>2015/12/19</a:t>
             </a:fld>
             <a:endParaRPr lang="zh-CN" altLang="en-US"/>
           </a:p>
@@ -5588,7 +5588,7 @@
           <a:p>
             <a:fld id="{236DEB8F-1078-4B41-AFE9-1FE79B8C146D}" type="datetimeFigureOut">
               <a:rPr lang="zh-CN" altLang="en-US" smtClean="0"/>
-              <a:t>2015/12/13</a:t>
+              <a:t>2015/12/19</a:t>
             </a:fld>
             <a:endParaRPr lang="zh-CN" altLang="en-US"/>
           </a:p>
@@ -5695,7 +5695,7 @@
           <a:p>
             <a:fld id="{236DEB8F-1078-4B41-AFE9-1FE79B8C146D}" type="datetimeFigureOut">
               <a:rPr lang="zh-CN" altLang="en-US" smtClean="0"/>
-              <a:t>2015/12/13</a:t>
+              <a:t>2015/12/19</a:t>
             </a:fld>
             <a:endParaRPr lang="zh-CN" altLang="en-US"/>
           </a:p>
@@ -5984,7 +5984,7 @@
           <a:p>
             <a:fld id="{236DEB8F-1078-4B41-AFE9-1FE79B8C146D}" type="datetimeFigureOut">
               <a:rPr lang="zh-CN" altLang="en-US" smtClean="0"/>
-              <a:t>2015/12/13</a:t>
+              <a:t>2015/12/19</a:t>
             </a:fld>
             <a:endParaRPr lang="zh-CN" altLang="en-US"/>
           </a:p>
@@ -6253,7 +6253,7 @@
           <a:p>
             <a:fld id="{236DEB8F-1078-4B41-AFE9-1FE79B8C146D}" type="datetimeFigureOut">
               <a:rPr lang="zh-CN" altLang="en-US" smtClean="0"/>
-              <a:t>2015/12/13</a:t>
+              <a:t>2015/12/19</a:t>
             </a:fld>
             <a:endParaRPr lang="zh-CN" altLang="en-US"/>
           </a:p>
@@ -6535,7 +6535,7 @@
           <a:p>
             <a:fld id="{236DEB8F-1078-4B41-AFE9-1FE79B8C146D}" type="datetimeFigureOut">
               <a:rPr lang="zh-CN" altLang="en-US" smtClean="0"/>
-              <a:t>2015/12/13</a:t>
+              <a:t>2015/12/19</a:t>
             </a:fld>
             <a:endParaRPr lang="zh-CN" altLang="en-US"/>
           </a:p>
@@ -7774,7 +7774,23 @@
                 <a:ea typeface="宋体" panose="02010600030101010101" pitchFamily="2" charset="-122"/>
                 <a:cs typeface="Times New Roman" panose="02020603050405020304" pitchFamily="18" charset="0"/>
               </a:rPr>
-              <a:t>可信验证的一种重要方法。</a:t>
+              <a:t>形式</a:t>
+            </a:r>
+            <a:r>
+              <a:rPr lang="zh-CN" altLang="en-US" sz="2000" dirty="0" smtClean="0">
+                <a:latin typeface="Times New Roman" panose="02020603050405020304" pitchFamily="18" charset="0"/>
+                <a:ea typeface="宋体" panose="02010600030101010101" pitchFamily="2" charset="-122"/>
+                <a:cs typeface="Times New Roman" panose="02020603050405020304" pitchFamily="18" charset="0"/>
+              </a:rPr>
+              <a:t>验证</a:t>
+            </a:r>
+            <a:r>
+              <a:rPr lang="zh-CN" altLang="en-US" sz="2000" dirty="0">
+                <a:latin typeface="Times New Roman" panose="02020603050405020304" pitchFamily="18" charset="0"/>
+                <a:ea typeface="宋体" panose="02010600030101010101" pitchFamily="2" charset="-122"/>
+                <a:cs typeface="Times New Roman" panose="02020603050405020304" pitchFamily="18" charset="0"/>
+              </a:rPr>
+              <a:t>的一种重要方法。</a:t>
             </a:r>
             <a:endParaRPr lang="zh-CN" altLang="en-US" sz="2000" dirty="0" smtClean="0">
               <a:latin typeface="Times New Roman" panose="02020603050405020304" pitchFamily="18" charset="0"/>
@@ -7802,15 +7818,23 @@
                 <a:ea typeface="宋体" panose="02010600030101010101" pitchFamily="2" charset="-122"/>
                 <a:cs typeface="Times New Roman" panose="02020603050405020304" pitchFamily="18" charset="0"/>
               </a:rPr>
-              <a:t>定理证明</a:t>
-            </a:r>
-            <a:r>
-              <a:rPr lang="zh-CN" altLang="en-US" sz="2000" dirty="0">
-                <a:latin typeface="Times New Roman" panose="02020603050405020304" pitchFamily="18" charset="0"/>
-                <a:ea typeface="宋体" panose="02010600030101010101" pitchFamily="2" charset="-122"/>
-                <a:cs typeface="Times New Roman" panose="02020603050405020304" pitchFamily="18" charset="0"/>
-              </a:rPr>
-              <a:t>的方法需要考虑</a:t>
+              <a:t>目前</a:t>
+            </a:r>
+            <a:r>
+              <a:rPr lang="zh-CN" altLang="en-US" sz="2000" dirty="0">
+                <a:latin typeface="Times New Roman" panose="02020603050405020304" pitchFamily="18" charset="0"/>
+                <a:ea typeface="宋体" panose="02010600030101010101" pitchFamily="2" charset="-122"/>
+                <a:cs typeface="Times New Roman" panose="02020603050405020304" pitchFamily="18" charset="0"/>
+              </a:rPr>
+              <a:t>比较</a:t>
+            </a:r>
+            <a:r>
+              <a:rPr lang="zh-CN" altLang="en-US" sz="2000" dirty="0">
+                <a:latin typeface="Times New Roman" panose="02020603050405020304" pitchFamily="18" charset="0"/>
+                <a:ea typeface="宋体" panose="02010600030101010101" pitchFamily="2" charset="-122"/>
+                <a:cs typeface="Times New Roman" panose="02020603050405020304" pitchFamily="18" charset="0"/>
+              </a:rPr>
+              <a:t>好的</a:t>
             </a:r>
             <a:r>
               <a:rPr lang="zh-CN" altLang="en-US" sz="2000" dirty="0" smtClean="0">
@@ -7818,31 +7842,75 @@
                 <a:ea typeface="宋体" panose="02010600030101010101" pitchFamily="2" charset="-122"/>
                 <a:cs typeface="Times New Roman" panose="02020603050405020304" pitchFamily="18" charset="0"/>
               </a:rPr>
-              <a:t>采用哪一种逻辑系统、逻辑</a:t>
-            </a:r>
-            <a:r>
-              <a:rPr lang="zh-CN" altLang="en-US" sz="2000" dirty="0">
-                <a:latin typeface="Times New Roman" panose="02020603050405020304" pitchFamily="18" charset="0"/>
-                <a:ea typeface="宋体" panose="02010600030101010101" pitchFamily="2" charset="-122"/>
-                <a:cs typeface="Times New Roman" panose="02020603050405020304" pitchFamily="18" charset="0"/>
-              </a:rPr>
-              <a:t>表示、</a:t>
+              <a:t>定理证明方式</a:t>
+            </a:r>
+            <a:r>
+              <a:rPr lang="zh-CN" altLang="en-US" sz="2000" dirty="0">
+                <a:latin typeface="Times New Roman" panose="02020603050405020304" pitchFamily="18" charset="0"/>
+                <a:ea typeface="宋体" panose="02010600030101010101" pitchFamily="2" charset="-122"/>
+                <a:cs typeface="Times New Roman" panose="02020603050405020304" pitchFamily="18" charset="0"/>
+              </a:rPr>
+              <a:t>是使用</a:t>
+            </a:r>
+            <a:r>
+              <a:rPr lang="zh-CN" altLang="en-US" sz="2000" dirty="0">
+                <a:solidFill>
+                  <a:srgbClr val="FF0000"/>
+                </a:solidFill>
+                <a:latin typeface="Times New Roman" panose="02020603050405020304" pitchFamily="18" charset="0"/>
+                <a:ea typeface="宋体" panose="02010600030101010101" pitchFamily="2" charset="-122"/>
+                <a:cs typeface="Times New Roman" panose="02020603050405020304" pitchFamily="18" charset="0"/>
+              </a:rPr>
+              <a:t>编程和</a:t>
             </a:r>
             <a:r>
               <a:rPr lang="zh-CN" altLang="en-US" sz="2000" dirty="0" smtClean="0">
-                <a:latin typeface="Times New Roman" panose="02020603050405020304" pitchFamily="18" charset="0"/>
-                <a:ea typeface="宋体" panose="02010600030101010101" pitchFamily="2" charset="-122"/>
-                <a:cs typeface="Times New Roman" panose="02020603050405020304" pitchFamily="18" charset="0"/>
-              </a:rPr>
-              <a:t>定理证明器</a:t>
-            </a:r>
-            <a:r>
-              <a:rPr lang="zh-CN" altLang="en-US" sz="2000" dirty="0">
-                <a:latin typeface="Times New Roman" panose="02020603050405020304" pitchFamily="18" charset="0"/>
-                <a:ea typeface="宋体" panose="02010600030101010101" pitchFamily="2" charset="-122"/>
-                <a:cs typeface="Times New Roman" panose="02020603050405020304" pitchFamily="18" charset="0"/>
-              </a:rPr>
-              <a:t>及</a:t>
+                <a:solidFill>
+                  <a:srgbClr val="FF0000"/>
+                </a:solidFill>
+                <a:latin typeface="Times New Roman" panose="02020603050405020304" pitchFamily="18" charset="0"/>
+                <a:ea typeface="宋体" panose="02010600030101010101" pitchFamily="2" charset="-122"/>
+                <a:cs typeface="Times New Roman" panose="02020603050405020304" pitchFamily="18" charset="0"/>
+              </a:rPr>
+              <a:t>证明统一</a:t>
+            </a:r>
+            <a:r>
+              <a:rPr lang="zh-CN" altLang="en-US" sz="2000" dirty="0">
+                <a:solidFill>
+                  <a:srgbClr val="FF0000"/>
+                </a:solidFill>
+                <a:latin typeface="Times New Roman" panose="02020603050405020304" pitchFamily="18" charset="0"/>
+                <a:ea typeface="宋体" panose="02010600030101010101" pitchFamily="2" charset="-122"/>
+                <a:cs typeface="Times New Roman" panose="02020603050405020304" pitchFamily="18" charset="0"/>
+              </a:rPr>
+              <a:t>的逻辑框架</a:t>
+            </a:r>
+            <a:r>
+              <a:rPr lang="en-US" altLang="zh-CN" sz="2000" dirty="0">
+                <a:latin typeface="Times New Roman" panose="02020603050405020304" pitchFamily="18" charset="0"/>
+                <a:ea typeface="宋体" panose="02010600030101010101" pitchFamily="2" charset="-122"/>
+                <a:cs typeface="Times New Roman" panose="02020603050405020304" pitchFamily="18" charset="0"/>
+              </a:rPr>
+              <a:t>, </a:t>
+            </a:r>
+            <a:r>
+              <a:rPr lang="zh-CN" altLang="en-US" sz="2000" dirty="0">
+                <a:latin typeface="Times New Roman" panose="02020603050405020304" pitchFamily="18" charset="0"/>
+                <a:ea typeface="宋体" panose="02010600030101010101" pitchFamily="2" charset="-122"/>
+                <a:cs typeface="Times New Roman" panose="02020603050405020304" pitchFamily="18" charset="0"/>
+              </a:rPr>
+              <a:t>如 </a:t>
+            </a:r>
+            <a:r>
+              <a:rPr lang="en-US" altLang="zh-CN" sz="2000" dirty="0">
+                <a:solidFill>
+                  <a:srgbClr val="FF0000"/>
+                </a:solidFill>
+                <a:latin typeface="Times New Roman" panose="02020603050405020304" pitchFamily="18" charset="0"/>
+                <a:ea typeface="宋体" panose="02010600030101010101" pitchFamily="2" charset="-122"/>
+                <a:cs typeface="Times New Roman" panose="02020603050405020304" pitchFamily="18" charset="0"/>
+              </a:rPr>
+              <a:t>Coq</a:t>
             </a:r>
             <a:r>
               <a:rPr lang="zh-CN" altLang="en-US" sz="2000" dirty="0" smtClean="0">
@@ -7850,15 +7918,15 @@
                 <a:ea typeface="宋体" panose="02010600030101010101" pitchFamily="2" charset="-122"/>
                 <a:cs typeface="Times New Roman" panose="02020603050405020304" pitchFamily="18" charset="0"/>
               </a:rPr>
-              <a:t>如何</a:t>
-            </a:r>
-            <a:r>
-              <a:rPr lang="zh-CN" altLang="en-US" sz="2000" dirty="0">
-                <a:latin typeface="Times New Roman" panose="02020603050405020304" pitchFamily="18" charset="0"/>
-                <a:ea typeface="宋体" panose="02010600030101010101" pitchFamily="2" charset="-122"/>
-                <a:cs typeface="Times New Roman" panose="02020603050405020304" pitchFamily="18" charset="0"/>
-              </a:rPr>
-              <a:t>得到可执行的</a:t>
+              <a:t>、</a:t>
+            </a:r>
+            <a:r>
+              <a:rPr lang="en-US" altLang="zh-CN" sz="2000" dirty="0" smtClean="0">
+                <a:latin typeface="Times New Roman" panose="02020603050405020304" pitchFamily="18" charset="0"/>
+                <a:ea typeface="宋体" panose="02010600030101010101" pitchFamily="2" charset="-122"/>
+                <a:cs typeface="Times New Roman" panose="02020603050405020304" pitchFamily="18" charset="0"/>
+              </a:rPr>
+              <a:t>PVS</a:t>
             </a:r>
             <a:r>
               <a:rPr lang="zh-CN" altLang="en-US" sz="2000" dirty="0" smtClean="0">
@@ -7866,72 +7934,23 @@
                 <a:ea typeface="宋体" panose="02010600030101010101" pitchFamily="2" charset="-122"/>
                 <a:cs typeface="Times New Roman" panose="02020603050405020304" pitchFamily="18" charset="0"/>
               </a:rPr>
-              <a:t>编译器代码</a:t>
-            </a:r>
-            <a:r>
-              <a:rPr lang="zh-CN" altLang="en-US" sz="2000" dirty="0">
-                <a:latin typeface="Times New Roman" panose="02020603050405020304" pitchFamily="18" charset="0"/>
-                <a:ea typeface="宋体" panose="02010600030101010101" pitchFamily="2" charset="-122"/>
-                <a:cs typeface="Times New Roman" panose="02020603050405020304" pitchFamily="18" charset="0"/>
-              </a:rPr>
-              <a:t>等问题。目前比较好的方式是使用</a:t>
-            </a:r>
-            <a:r>
-              <a:rPr lang="zh-CN" altLang="en-US" sz="2000" dirty="0">
-                <a:solidFill>
-                  <a:srgbClr val="FF0000"/>
-                </a:solidFill>
-                <a:latin typeface="Times New Roman" panose="02020603050405020304" pitchFamily="18" charset="0"/>
-                <a:ea typeface="宋体" panose="02010600030101010101" pitchFamily="2" charset="-122"/>
-                <a:cs typeface="Times New Roman" panose="02020603050405020304" pitchFamily="18" charset="0"/>
-              </a:rPr>
-              <a:t>编程和</a:t>
+              <a:t>、</a:t>
+            </a:r>
+            <a:r>
+              <a:rPr lang="en-US" altLang="zh-CN" sz="2000" dirty="0">
+                <a:latin typeface="Times New Roman" panose="02020603050405020304" pitchFamily="18" charset="0"/>
+                <a:ea typeface="宋体" panose="02010600030101010101" pitchFamily="2" charset="-122"/>
+                <a:cs typeface="Times New Roman" panose="02020603050405020304" pitchFamily="18" charset="0"/>
+              </a:rPr>
+              <a:t>Isabelle </a:t>
             </a:r>
             <a:r>
               <a:rPr lang="zh-CN" altLang="en-US" sz="2000" dirty="0" smtClean="0">
-                <a:solidFill>
-                  <a:srgbClr val="FF0000"/>
-                </a:solidFill>
-                <a:latin typeface="Times New Roman" panose="02020603050405020304" pitchFamily="18" charset="0"/>
-                <a:ea typeface="宋体" panose="02010600030101010101" pitchFamily="2" charset="-122"/>
-                <a:cs typeface="Times New Roman" panose="02020603050405020304" pitchFamily="18" charset="0"/>
-              </a:rPr>
-              <a:t>证明统一</a:t>
-            </a:r>
-            <a:r>
-              <a:rPr lang="zh-CN" altLang="en-US" sz="2000" dirty="0">
-                <a:solidFill>
-                  <a:srgbClr val="FF0000"/>
-                </a:solidFill>
-                <a:latin typeface="Times New Roman" panose="02020603050405020304" pitchFamily="18" charset="0"/>
-                <a:ea typeface="宋体" panose="02010600030101010101" pitchFamily="2" charset="-122"/>
-                <a:cs typeface="Times New Roman" panose="02020603050405020304" pitchFamily="18" charset="0"/>
-              </a:rPr>
-              <a:t>的逻辑框架</a:t>
-            </a:r>
-            <a:r>
-              <a:rPr lang="en-US" altLang="zh-CN" sz="2000" dirty="0">
-                <a:latin typeface="Times New Roman" panose="02020603050405020304" pitchFamily="18" charset="0"/>
-                <a:ea typeface="宋体" panose="02010600030101010101" pitchFamily="2" charset="-122"/>
-                <a:cs typeface="Times New Roman" panose="02020603050405020304" pitchFamily="18" charset="0"/>
-              </a:rPr>
-              <a:t>, </a:t>
-            </a:r>
-            <a:r>
-              <a:rPr lang="zh-CN" altLang="en-US" sz="2000" dirty="0">
-                <a:latin typeface="Times New Roman" panose="02020603050405020304" pitchFamily="18" charset="0"/>
-                <a:ea typeface="宋体" panose="02010600030101010101" pitchFamily="2" charset="-122"/>
-                <a:cs typeface="Times New Roman" panose="02020603050405020304" pitchFamily="18" charset="0"/>
-              </a:rPr>
-              <a:t>如 </a:t>
-            </a:r>
-            <a:r>
-              <a:rPr lang="en-US" altLang="zh-CN" sz="2000" dirty="0">
-                <a:latin typeface="Times New Roman" panose="02020603050405020304" pitchFamily="18" charset="0"/>
-                <a:ea typeface="宋体" panose="02010600030101010101" pitchFamily="2" charset="-122"/>
-                <a:cs typeface="Times New Roman" panose="02020603050405020304" pitchFamily="18" charset="0"/>
-              </a:rPr>
-              <a:t>Coq</a:t>
+                <a:latin typeface="Times New Roman" panose="02020603050405020304" pitchFamily="18" charset="0"/>
+                <a:ea typeface="宋体" panose="02010600030101010101" pitchFamily="2" charset="-122"/>
+                <a:cs typeface="Times New Roman" panose="02020603050405020304" pitchFamily="18" charset="0"/>
+              </a:rPr>
+              <a:t>等</a:t>
             </a:r>
             <a:r>
               <a:rPr lang="zh-CN" altLang="en-US" sz="2000" dirty="0" smtClean="0">
@@ -7939,57 +7958,8 @@
                 <a:ea typeface="宋体" panose="02010600030101010101" pitchFamily="2" charset="-122"/>
                 <a:cs typeface="Times New Roman" panose="02020603050405020304" pitchFamily="18" charset="0"/>
               </a:rPr>
-              <a:t>、</a:t>
-            </a:r>
-            <a:r>
-              <a:rPr lang="en-US" altLang="zh-CN" sz="2000" dirty="0" smtClean="0">
-                <a:latin typeface="Times New Roman" panose="02020603050405020304" pitchFamily="18" charset="0"/>
-                <a:ea typeface="宋体" panose="02010600030101010101" pitchFamily="2" charset="-122"/>
-                <a:cs typeface="Times New Roman" panose="02020603050405020304" pitchFamily="18" charset="0"/>
-              </a:rPr>
-              <a:t>PVS</a:t>
-            </a:r>
-            <a:r>
-              <a:rPr lang="zh-CN" altLang="en-US" sz="2000" dirty="0" smtClean="0">
-                <a:latin typeface="Times New Roman" panose="02020603050405020304" pitchFamily="18" charset="0"/>
-                <a:ea typeface="宋体" panose="02010600030101010101" pitchFamily="2" charset="-122"/>
-                <a:cs typeface="Times New Roman" panose="02020603050405020304" pitchFamily="18" charset="0"/>
-              </a:rPr>
-              <a:t>、</a:t>
-            </a:r>
-            <a:r>
-              <a:rPr lang="en-US" altLang="zh-CN" sz="2000" dirty="0">
-                <a:latin typeface="Times New Roman" panose="02020603050405020304" pitchFamily="18" charset="0"/>
-                <a:ea typeface="宋体" panose="02010600030101010101" pitchFamily="2" charset="-122"/>
-                <a:cs typeface="Times New Roman" panose="02020603050405020304" pitchFamily="18" charset="0"/>
-              </a:rPr>
-              <a:t>Isabelle </a:t>
-            </a:r>
-            <a:r>
-              <a:rPr lang="zh-CN" altLang="en-US" sz="2000" dirty="0" smtClean="0">
-                <a:latin typeface="Times New Roman" panose="02020603050405020304" pitchFamily="18" charset="0"/>
-                <a:ea typeface="宋体" panose="02010600030101010101" pitchFamily="2" charset="-122"/>
-                <a:cs typeface="Times New Roman" panose="02020603050405020304" pitchFamily="18" charset="0"/>
-              </a:rPr>
-              <a:t>等。</a:t>
-            </a:r>
-            <a:endParaRPr lang="en-US" altLang="zh-CN" sz="2000" dirty="0">
-              <a:latin typeface="Times New Roman" panose="02020603050405020304" pitchFamily="18" charset="0"/>
-              <a:ea typeface="宋体" panose="02010600030101010101" pitchFamily="2" charset="-122"/>
-              <a:cs typeface="Times New Roman" panose="02020603050405020304" pitchFamily="18" charset="0"/>
-            </a:endParaRPr>
-          </a:p>
-          <a:p>
-            <a:pPr algn="just">
-              <a:spcBef>
-                <a:spcPts val="600"/>
-              </a:spcBef>
-              <a:spcAft>
-                <a:spcPts val="600"/>
-              </a:spcAft>
-              <a:buFont typeface="Wingdings" panose="05000000000000000000" pitchFamily="2" charset="2"/>
-              <a:buChar char="Ø"/>
-            </a:pPr>
+              <a:t>。</a:t>
+            </a:r>
             <a:endParaRPr lang="en-US" altLang="zh-CN" sz="2000" dirty="0">
               <a:latin typeface="Times New Roman" panose="02020603050405020304" pitchFamily="18" charset="0"/>
               <a:ea typeface="宋体" panose="02010600030101010101" pitchFamily="2" charset="-122"/>
@@ -8320,26 +8290,115 @@
                 <a:ea typeface="宋体" panose="02010600030101010101" pitchFamily="2" charset="-122"/>
                 <a:cs typeface="Times New Roman" panose="02020603050405020304" pitchFamily="18" charset="0"/>
               </a:rPr>
+              <a:t>，他们采用辅助定理证明</a:t>
+            </a:r>
+            <a:r>
+              <a:rPr lang="zh-CN" altLang="en-US" sz="2000" dirty="0" smtClean="0">
+                <a:latin typeface="Times New Roman" panose="02020603050405020304" pitchFamily="18" charset="0"/>
+                <a:ea typeface="宋体" panose="02010600030101010101" pitchFamily="2" charset="-122"/>
+                <a:cs typeface="Times New Roman" panose="02020603050405020304" pitchFamily="18" charset="0"/>
+              </a:rPr>
+              <a:t>工具</a:t>
+            </a:r>
+            <a:r>
+              <a:rPr lang="en-US" altLang="zh-CN" sz="2000" dirty="0" smtClean="0">
+                <a:solidFill>
+                  <a:srgbClr val="FF0000"/>
+                </a:solidFill>
+                <a:latin typeface="Times New Roman" panose="02020603050405020304" pitchFamily="18" charset="0"/>
+                <a:ea typeface="宋体" panose="02010600030101010101" pitchFamily="2" charset="-122"/>
+                <a:cs typeface="Times New Roman" panose="02020603050405020304" pitchFamily="18" charset="0"/>
+              </a:rPr>
+              <a:t>Coq Assistant</a:t>
+            </a:r>
+            <a:r>
+              <a:rPr lang="zh-CN" altLang="en-US" sz="2000" dirty="0">
+                <a:latin typeface="Times New Roman" panose="02020603050405020304" pitchFamily="18" charset="0"/>
+                <a:ea typeface="宋体" panose="02010600030101010101" pitchFamily="2" charset="-122"/>
+                <a:cs typeface="Times New Roman" panose="02020603050405020304" pitchFamily="18" charset="0"/>
+              </a:rPr>
+              <a:t>对编译过程进行重新构造</a:t>
+            </a:r>
+            <a:r>
+              <a:rPr lang="zh-CN" altLang="en-US" sz="2000" dirty="0" smtClean="0">
+                <a:latin typeface="Times New Roman" panose="02020603050405020304" pitchFamily="18" charset="0"/>
+                <a:ea typeface="宋体" panose="02010600030101010101" pitchFamily="2" charset="-122"/>
+                <a:cs typeface="Times New Roman" panose="02020603050405020304" pitchFamily="18" charset="0"/>
+              </a:rPr>
+              <a:t>，首次</a:t>
+            </a:r>
+            <a:r>
+              <a:rPr lang="zh-CN" altLang="en-US" sz="2000" dirty="0">
+                <a:latin typeface="Times New Roman" panose="02020603050405020304" pitchFamily="18" charset="0"/>
+                <a:ea typeface="宋体" panose="02010600030101010101" pitchFamily="2" charset="-122"/>
+                <a:cs typeface="Times New Roman" panose="02020603050405020304" pitchFamily="18" charset="0"/>
+              </a:rPr>
+              <a:t>完成了对一个完整且实际</a:t>
+            </a:r>
+            <a:r>
+              <a:rPr lang="zh-CN" altLang="en-US" sz="2000" dirty="0" smtClean="0">
+                <a:latin typeface="Times New Roman" panose="02020603050405020304" pitchFamily="18" charset="0"/>
+                <a:ea typeface="宋体" panose="02010600030101010101" pitchFamily="2" charset="-122"/>
+                <a:cs typeface="Times New Roman" panose="02020603050405020304" pitchFamily="18" charset="0"/>
+              </a:rPr>
+              <a:t>的编译</a:t>
+            </a:r>
+            <a:r>
+              <a:rPr lang="zh-CN" altLang="en-US" sz="2000" dirty="0">
+                <a:latin typeface="Times New Roman" panose="02020603050405020304" pitchFamily="18" charset="0"/>
+                <a:ea typeface="宋体" panose="02010600030101010101" pitchFamily="2" charset="-122"/>
+                <a:cs typeface="Times New Roman" panose="02020603050405020304" pitchFamily="18" charset="0"/>
+              </a:rPr>
+              <a:t>过程的</a:t>
+            </a:r>
+            <a:r>
+              <a:rPr lang="zh-CN" altLang="en-US" sz="2000" dirty="0">
+                <a:solidFill>
+                  <a:srgbClr val="FF0000"/>
+                </a:solidFill>
+                <a:latin typeface="Times New Roman" panose="02020603050405020304" pitchFamily="18" charset="0"/>
+                <a:ea typeface="宋体" panose="02010600030101010101" pitchFamily="2" charset="-122"/>
+                <a:cs typeface="Times New Roman" panose="02020603050405020304" pitchFamily="18" charset="0"/>
+              </a:rPr>
+              <a:t>正确性形式化</a:t>
+            </a:r>
+            <a:r>
+              <a:rPr lang="zh-CN" altLang="en-US" sz="2000" dirty="0" smtClean="0">
+                <a:solidFill>
+                  <a:srgbClr val="FF0000"/>
+                </a:solidFill>
+                <a:latin typeface="Times New Roman" panose="02020603050405020304" pitchFamily="18" charset="0"/>
+                <a:ea typeface="宋体" panose="02010600030101010101" pitchFamily="2" charset="-122"/>
+                <a:cs typeface="Times New Roman" panose="02020603050405020304" pitchFamily="18" charset="0"/>
+              </a:rPr>
+              <a:t>验证</a:t>
+            </a:r>
+            <a:r>
+              <a:rPr lang="zh-CN" altLang="en-US" sz="2000" dirty="0" smtClean="0">
+                <a:latin typeface="Times New Roman" panose="02020603050405020304" pitchFamily="18" charset="0"/>
+                <a:ea typeface="宋体" panose="02010600030101010101" pitchFamily="2" charset="-122"/>
+                <a:cs typeface="Times New Roman" panose="02020603050405020304" pitchFamily="18" charset="0"/>
+              </a:rPr>
               <a:t>，</a:t>
             </a:r>
             <a:r>
-              <a:rPr lang="zh-CN" altLang="en-US" sz="2000" dirty="0">
-                <a:latin typeface="Times New Roman" panose="02020603050405020304" pitchFamily="18" charset="0"/>
-                <a:ea typeface="宋体" panose="02010600030101010101" pitchFamily="2" charset="-122"/>
-                <a:cs typeface="Times New Roman" panose="02020603050405020304" pitchFamily="18" charset="0"/>
-              </a:rPr>
-              <a:t>他们采用辅助定理证明</a:t>
+              <a:rPr lang="en-US" altLang="zh-CN" sz="2000" dirty="0" smtClean="0">
+                <a:latin typeface="Times New Roman" panose="02020603050405020304" pitchFamily="18" charset="0"/>
+                <a:ea typeface="宋体" panose="02010600030101010101" pitchFamily="2" charset="-122"/>
+                <a:cs typeface="Times New Roman" panose="02020603050405020304" pitchFamily="18" charset="0"/>
+              </a:rPr>
+              <a:t> </a:t>
+            </a:r>
+            <a:r>
+              <a:rPr lang="zh-CN" altLang="en-US" sz="2000" dirty="0">
+                <a:latin typeface="Times New Roman" panose="02020603050405020304" pitchFamily="18" charset="0"/>
+                <a:ea typeface="宋体" panose="02010600030101010101" pitchFamily="2" charset="-122"/>
+                <a:cs typeface="Times New Roman" panose="02020603050405020304" pitchFamily="18" charset="0"/>
+              </a:rPr>
+              <a:t>整个证明过程</a:t>
             </a:r>
             <a:r>
               <a:rPr lang="zh-CN" altLang="en-US" sz="2000" dirty="0" smtClean="0">
-                <a:latin typeface="Times New Roman" panose="02020603050405020304" pitchFamily="18" charset="0"/>
-                <a:ea typeface="宋体" panose="02010600030101010101" pitchFamily="2" charset="-122"/>
-                <a:cs typeface="Times New Roman" panose="02020603050405020304" pitchFamily="18" charset="0"/>
-              </a:rPr>
-              <a:t>工具</a:t>
-            </a:r>
-            <a:r>
-              <a:rPr lang="en-US" altLang="zh-CN" sz="2000" dirty="0" smtClean="0">
                 <a:solidFill>
                   <a:srgbClr val="FF0000"/>
                 </a:solidFill>
@@ -8347,86 +8406,6 @@
                 <a:ea typeface="宋体" panose="02010600030101010101" pitchFamily="2" charset="-122"/>
                 <a:cs typeface="Times New Roman" panose="02020603050405020304" pitchFamily="18" charset="0"/>
               </a:rPr>
-              <a:t>Coq Assistant</a:t>
-            </a:r>
-            <a:r>
-              <a:rPr lang="zh-CN" altLang="en-US" sz="2000" dirty="0">
-                <a:latin typeface="Times New Roman" panose="02020603050405020304" pitchFamily="18" charset="0"/>
-                <a:ea typeface="宋体" panose="02010600030101010101" pitchFamily="2" charset="-122"/>
-                <a:cs typeface="Times New Roman" panose="02020603050405020304" pitchFamily="18" charset="0"/>
-              </a:rPr>
-              <a:t>对编译过程进行重新构造</a:t>
-            </a:r>
-            <a:r>
-              <a:rPr lang="zh-CN" altLang="en-US" sz="2000" dirty="0" smtClean="0">
-                <a:latin typeface="Times New Roman" panose="02020603050405020304" pitchFamily="18" charset="0"/>
-                <a:ea typeface="宋体" panose="02010600030101010101" pitchFamily="2" charset="-122"/>
-                <a:cs typeface="Times New Roman" panose="02020603050405020304" pitchFamily="18" charset="0"/>
-              </a:rPr>
-              <a:t>，</a:t>
-            </a:r>
-            <a:r>
-              <a:rPr lang="zh-CN" altLang="en-US" sz="2000" dirty="0" smtClean="0">
-                <a:latin typeface="Times New Roman" panose="02020603050405020304" pitchFamily="18" charset="0"/>
-                <a:ea typeface="宋体" panose="02010600030101010101" pitchFamily="2" charset="-122"/>
-                <a:cs typeface="Times New Roman" panose="02020603050405020304" pitchFamily="18" charset="0"/>
-              </a:rPr>
-              <a:t>首次</a:t>
-            </a:r>
-            <a:r>
-              <a:rPr lang="zh-CN" altLang="en-US" sz="2000" dirty="0">
-                <a:latin typeface="Times New Roman" panose="02020603050405020304" pitchFamily="18" charset="0"/>
-                <a:ea typeface="宋体" panose="02010600030101010101" pitchFamily="2" charset="-122"/>
-                <a:cs typeface="Times New Roman" panose="02020603050405020304" pitchFamily="18" charset="0"/>
-              </a:rPr>
-              <a:t>完成了对一个完整且实际</a:t>
-            </a:r>
-            <a:r>
-              <a:rPr lang="zh-CN" altLang="en-US" sz="2000" dirty="0" smtClean="0">
-                <a:latin typeface="Times New Roman" panose="02020603050405020304" pitchFamily="18" charset="0"/>
-                <a:ea typeface="宋体" panose="02010600030101010101" pitchFamily="2" charset="-122"/>
-                <a:cs typeface="Times New Roman" panose="02020603050405020304" pitchFamily="18" charset="0"/>
-              </a:rPr>
-              <a:t>的编译</a:t>
-            </a:r>
-            <a:r>
-              <a:rPr lang="zh-CN" altLang="en-US" sz="2000" dirty="0">
-                <a:latin typeface="Times New Roman" panose="02020603050405020304" pitchFamily="18" charset="0"/>
-                <a:ea typeface="宋体" panose="02010600030101010101" pitchFamily="2" charset="-122"/>
-                <a:cs typeface="Times New Roman" panose="02020603050405020304" pitchFamily="18" charset="0"/>
-              </a:rPr>
-              <a:t>过程的正确性形式化</a:t>
-            </a:r>
-            <a:r>
-              <a:rPr lang="zh-CN" altLang="en-US" sz="2000" dirty="0" smtClean="0">
-                <a:latin typeface="Times New Roman" panose="02020603050405020304" pitchFamily="18" charset="0"/>
-                <a:ea typeface="宋体" panose="02010600030101010101" pitchFamily="2" charset="-122"/>
-                <a:cs typeface="Times New Roman" panose="02020603050405020304" pitchFamily="18" charset="0"/>
-              </a:rPr>
-              <a:t>验证，</a:t>
-            </a:r>
-            <a:r>
-              <a:rPr lang="en-US" altLang="zh-CN" sz="2000" dirty="0" smtClean="0">
-                <a:latin typeface="Times New Roman" panose="02020603050405020304" pitchFamily="18" charset="0"/>
-                <a:ea typeface="宋体" panose="02010600030101010101" pitchFamily="2" charset="-122"/>
-                <a:cs typeface="Times New Roman" panose="02020603050405020304" pitchFamily="18" charset="0"/>
-              </a:rPr>
-              <a:t> </a:t>
-            </a:r>
-            <a:r>
-              <a:rPr lang="zh-CN" altLang="en-US" sz="2000" dirty="0">
-                <a:latin typeface="Times New Roman" panose="02020603050405020304" pitchFamily="18" charset="0"/>
-                <a:ea typeface="宋体" panose="02010600030101010101" pitchFamily="2" charset="-122"/>
-                <a:cs typeface="Times New Roman" panose="02020603050405020304" pitchFamily="18" charset="0"/>
-              </a:rPr>
-              <a:t>整个证明过程</a:t>
-            </a:r>
-            <a:r>
-              <a:rPr lang="zh-CN" altLang="en-US" sz="2000" dirty="0" smtClean="0">
-                <a:latin typeface="Times New Roman" panose="02020603050405020304" pitchFamily="18" charset="0"/>
-                <a:ea typeface="宋体" panose="02010600030101010101" pitchFamily="2" charset="-122"/>
-                <a:cs typeface="Times New Roman" panose="02020603050405020304" pitchFamily="18" charset="0"/>
-              </a:rPr>
               <a:t>完全形式化</a:t>
             </a:r>
             <a:r>
@@ -8435,7 +8414,26 @@
                 <a:ea typeface="宋体" panose="02010600030101010101" pitchFamily="2" charset="-122"/>
                 <a:cs typeface="Times New Roman" panose="02020603050405020304" pitchFamily="18" charset="0"/>
               </a:rPr>
-              <a:t>且是机器自动生成的</a:t>
+              <a:t>且是</a:t>
+            </a:r>
+            <a:r>
+              <a:rPr lang="zh-CN" altLang="en-US" sz="2000" dirty="0">
+                <a:solidFill>
+                  <a:srgbClr val="FF0000"/>
+                </a:solidFill>
+                <a:latin typeface="Times New Roman" panose="02020603050405020304" pitchFamily="18" charset="0"/>
+                <a:ea typeface="宋体" panose="02010600030101010101" pitchFamily="2" charset="-122"/>
+                <a:cs typeface="Times New Roman" panose="02020603050405020304" pitchFamily="18" charset="0"/>
+              </a:rPr>
+              <a:t>机器自动生成</a:t>
+            </a:r>
+            <a:r>
+              <a:rPr lang="zh-CN" altLang="en-US" sz="2000" dirty="0">
+                <a:latin typeface="Times New Roman" panose="02020603050405020304" pitchFamily="18" charset="0"/>
+                <a:ea typeface="宋体" panose="02010600030101010101" pitchFamily="2" charset="-122"/>
+                <a:cs typeface="Times New Roman" panose="02020603050405020304" pitchFamily="18" charset="0"/>
+              </a:rPr>
+              <a:t>的</a:t>
             </a:r>
             <a:r>
               <a:rPr lang="zh-CN" altLang="en-US" sz="2000" dirty="0" smtClean="0">
@@ -9384,66 +9382,6 @@
               <a:ea typeface="宋体" panose="02010600030101010101" pitchFamily="2" charset="-122"/>
               <a:cs typeface="Times New Roman" panose="02020603050405020304" pitchFamily="18" charset="0"/>
             </a:endParaRPr>
-          </a:p>
-          <a:p>
-            <a:pPr>
-              <a:lnSpc>
-                <a:spcPct val="150000"/>
-              </a:lnSpc>
-              <a:buFont typeface="Wingdings" panose="05000000000000000000" pitchFamily="2" charset="2"/>
-              <a:buChar char="Ø"/>
-            </a:pPr>
-            <a:r>
-              <a:rPr lang="zh-CN" altLang="en-US" sz="2000" dirty="0" smtClean="0">
-                <a:latin typeface="Times New Roman" panose="02020603050405020304" pitchFamily="18" charset="0"/>
-                <a:ea typeface="宋体" panose="02010600030101010101" pitchFamily="2" charset="-122"/>
-                <a:cs typeface="Times New Roman" panose="02020603050405020304" pitchFamily="18" charset="0"/>
-              </a:rPr>
-              <a:t>翻译</a:t>
-            </a:r>
-            <a:r>
-              <a:rPr lang="zh-CN" altLang="en-US" sz="2000" dirty="0">
-                <a:latin typeface="Times New Roman" panose="02020603050405020304" pitchFamily="18" charset="0"/>
-                <a:ea typeface="宋体" panose="02010600030101010101" pitchFamily="2" charset="-122"/>
-                <a:cs typeface="Times New Roman" panose="02020603050405020304" pitchFamily="18" charset="0"/>
-              </a:rPr>
-              <a:t>确认方法需要构造一个</a:t>
-            </a:r>
-            <a:r>
-              <a:rPr lang="zh-CN" altLang="en-US" sz="2000" dirty="0">
-                <a:solidFill>
-                  <a:srgbClr val="FF0000"/>
-                </a:solidFill>
-                <a:latin typeface="Times New Roman" panose="02020603050405020304" pitchFamily="18" charset="0"/>
-                <a:ea typeface="宋体" panose="02010600030101010101" pitchFamily="2" charset="-122"/>
-                <a:cs typeface="Times New Roman" panose="02020603050405020304" pitchFamily="18" charset="0"/>
-              </a:rPr>
-              <a:t>确认器</a:t>
-            </a:r>
-            <a:r>
-              <a:rPr lang="zh-CN" altLang="en-US" sz="2000" dirty="0">
-                <a:latin typeface="Times New Roman" panose="02020603050405020304" pitchFamily="18" charset="0"/>
-                <a:ea typeface="宋体" panose="02010600030101010101" pitchFamily="2" charset="-122"/>
-                <a:cs typeface="Times New Roman" panose="02020603050405020304" pitchFamily="18" charset="0"/>
-              </a:rPr>
-              <a:t>（</a:t>
-            </a:r>
-            <a:r>
-              <a:rPr lang="en-US" altLang="zh-CN" sz="2000" dirty="0">
-                <a:latin typeface="Times New Roman" panose="02020603050405020304" pitchFamily="18" charset="0"/>
-                <a:ea typeface="宋体" panose="02010600030101010101" pitchFamily="2" charset="-122"/>
-                <a:cs typeface="Times New Roman" panose="02020603050405020304" pitchFamily="18" charset="0"/>
-              </a:rPr>
-              <a:t>validator</a:t>
-            </a:r>
-            <a:r>
-              <a:rPr lang="zh-CN" altLang="en-US" sz="2000" dirty="0">
-                <a:latin typeface="Times New Roman" panose="02020603050405020304" pitchFamily="18" charset="0"/>
-                <a:ea typeface="宋体" panose="02010600030101010101" pitchFamily="2" charset="-122"/>
-                <a:cs typeface="Times New Roman" panose="02020603050405020304" pitchFamily="18" charset="0"/>
-              </a:rPr>
-              <a:t>），确认器在编译器每一次运行后形式化地证明生成的目标代码是源代码的一个正确翻译。</a:t>
-            </a:r>
           </a:p>
         </p:txBody>
       </p:sp>
@@ -10237,7 +10175,15 @@
                 <a:ea typeface="宋体" panose="02010600030101010101" pitchFamily="2" charset="-122"/>
                 <a:cs typeface="Times New Roman" panose="02020603050405020304" pitchFamily="18" charset="0"/>
               </a:rPr>
-              <a:t>本课题的研究目标是构建一个</a:t>
+              <a:t>本课题的研究目标是构建一</a:t>
+            </a:r>
+            <a:r>
+              <a:rPr lang="zh-CN" altLang="en-US" sz="2000" dirty="0" smtClean="0">
+                <a:latin typeface="Times New Roman" panose="02020603050405020304" pitchFamily="18" charset="0"/>
+                <a:ea typeface="宋体" panose="02010600030101010101" pitchFamily="2" charset="-122"/>
+                <a:cs typeface="Times New Roman" panose="02020603050405020304" pitchFamily="18" charset="0"/>
+              </a:rPr>
+              <a:t>个</a:t>
             </a:r>
             <a:r>
               <a:rPr lang="zh-CN" altLang="en-US" sz="2000" dirty="0">
@@ -10248,15 +10194,59 @@
                 <a:ea typeface="宋体" panose="02010600030101010101" pitchFamily="2" charset="-122"/>
                 <a:cs typeface="Times New Roman" panose="02020603050405020304" pitchFamily="18" charset="0"/>
               </a:rPr>
-              <a:t>带有形式验证功能的编译工具</a:t>
+              <a:t>具</a:t>
             </a:r>
             <a:r>
               <a:rPr lang="zh-CN" altLang="en-US" sz="2000" dirty="0" smtClean="0">
-                <a:latin typeface="Times New Roman" panose="02020603050405020304" pitchFamily="18" charset="0"/>
-                <a:ea typeface="宋体" panose="02010600030101010101" pitchFamily="2" charset="-122"/>
-                <a:cs typeface="Times New Roman" panose="02020603050405020304" pitchFamily="18" charset="0"/>
-              </a:rPr>
-              <a:t>。该</a:t>
+                <a:solidFill>
+                  <a:srgbClr val="FF0000"/>
+                </a:solidFill>
+                <a:latin typeface="Times New Roman" panose="02020603050405020304" pitchFamily="18" charset="0"/>
+                <a:ea typeface="宋体" panose="02010600030101010101" pitchFamily="2" charset="-122"/>
+                <a:cs typeface="Times New Roman" panose="02020603050405020304" pitchFamily="18" charset="0"/>
+              </a:rPr>
+              <a:t>有</a:t>
+            </a:r>
+            <a:r>
+              <a:rPr lang="zh-CN" altLang="en-US" sz="2000" dirty="0">
+                <a:solidFill>
+                  <a:srgbClr val="FF0000"/>
+                </a:solidFill>
+                <a:latin typeface="Times New Roman" panose="02020603050405020304" pitchFamily="18" charset="0"/>
+                <a:ea typeface="宋体" panose="02010600030101010101" pitchFamily="2" charset="-122"/>
+                <a:cs typeface="Times New Roman" panose="02020603050405020304" pitchFamily="18" charset="0"/>
+              </a:rPr>
+              <a:t>形式验证功能的编译工具</a:t>
+            </a:r>
+            <a:r>
+              <a:rPr lang="zh-CN" altLang="en-US" sz="2000" dirty="0" smtClean="0">
+                <a:latin typeface="Times New Roman" panose="02020603050405020304" pitchFamily="18" charset="0"/>
+                <a:ea typeface="宋体" panose="02010600030101010101" pitchFamily="2" charset="-122"/>
+                <a:cs typeface="Times New Roman" panose="02020603050405020304" pitchFamily="18" charset="0"/>
+              </a:rPr>
+              <a:t>。</a:t>
+            </a:r>
+            <a:endParaRPr lang="en-US" altLang="zh-CN" sz="2000" dirty="0" smtClean="0">
+              <a:latin typeface="Times New Roman" panose="02020603050405020304" pitchFamily="18" charset="0"/>
+              <a:ea typeface="宋体" panose="02010600030101010101" pitchFamily="2" charset="-122"/>
+              <a:cs typeface="Times New Roman" panose="02020603050405020304" pitchFamily="18" charset="0"/>
+            </a:endParaRPr>
+          </a:p>
+          <a:p>
+            <a:pPr>
+              <a:lnSpc>
+                <a:spcPct val="150000"/>
+              </a:lnSpc>
+              <a:buFont typeface="Wingdings" panose="05000000000000000000" pitchFamily="2" charset="2"/>
+              <a:buChar char="Ø"/>
+            </a:pPr>
+            <a:r>
+              <a:rPr lang="zh-CN" altLang="en-US" sz="2000" dirty="0" smtClean="0">
+                <a:latin typeface="Times New Roman" panose="02020603050405020304" pitchFamily="18" charset="0"/>
+                <a:ea typeface="宋体" panose="02010600030101010101" pitchFamily="2" charset="-122"/>
+                <a:cs typeface="Times New Roman" panose="02020603050405020304" pitchFamily="18" charset="0"/>
+              </a:rPr>
+              <a:t>该</a:t>
             </a:r>
             <a:r>
               <a:rPr lang="zh-CN" altLang="en-US" sz="2000" dirty="0">
@@ -11907,10 +11897,6 @@
               </a:rPr>
               <a:t>确认算法判断文法单元的指称语义和目标代码段的指称语义是否一致。</a:t>
             </a:r>
-            <a:endParaRPr lang="zh-CN" altLang="en-US" sz="2000" dirty="0">
-              <a:latin typeface="宋体" panose="02010600030101010101" pitchFamily="2" charset="-122"/>
-              <a:ea typeface="宋体" panose="02010600030101010101" pitchFamily="2" charset="-122"/>
-            </a:endParaRPr>
           </a:p>
         </p:txBody>
       </p:sp>
@@ -11978,14 +11964,6 @@
               </a:rPr>
               <a:t>语义的形式验证方法</a:t>
             </a:r>
-            <a:endParaRPr kumimoji="1" lang="zh-CN" altLang="en-US" sz="2000" b="1" dirty="0">
-              <a:solidFill>
-                <a:schemeClr val="tx1"/>
-              </a:solidFill>
-              <a:latin typeface="Times New Roman" panose="02020603050405020304" pitchFamily="18" charset="0"/>
-              <a:ea typeface="宋体" panose="02010600030101010101" pitchFamily="2" charset="-122"/>
-              <a:cs typeface="Times New Roman" panose="02020603050405020304" pitchFamily="18" charset="0"/>
-            </a:endParaRPr>
           </a:p>
         </p:txBody>
       </p:sp>
@@ -12263,14 +12241,6 @@
               </a:rPr>
               <a:t>交互界面的开发</a:t>
             </a:r>
-            <a:endParaRPr kumimoji="1" lang="zh-CN" altLang="en-US" sz="2000" b="1" dirty="0">
-              <a:solidFill>
-                <a:schemeClr val="tx1"/>
-              </a:solidFill>
-              <a:latin typeface="Times New Roman" panose="02020603050405020304" pitchFamily="18" charset="0"/>
-              <a:ea typeface="宋体" panose="02010600030101010101" pitchFamily="2" charset="-122"/>
-              <a:cs typeface="Times New Roman" panose="02020603050405020304" pitchFamily="18" charset="0"/>
-            </a:endParaRPr>
           </a:p>
         </p:txBody>
       </p:sp>
@@ -13244,11 +13214,6 @@
               </a:rPr>
               <a:t>其对应的目标代码段的算法，这是课题研究的难点。</a:t>
             </a:r>
-            <a:endParaRPr lang="zh-CN" altLang="en-US" sz="2000" dirty="0">
-              <a:latin typeface="Times New Roman" panose="02020603050405020304" pitchFamily="18" charset="0"/>
-              <a:ea typeface="宋体" panose="02010600030101010101" pitchFamily="2" charset="-122"/>
-              <a:cs typeface="Times New Roman" panose="02020603050405020304" pitchFamily="18" charset="0"/>
-            </a:endParaRPr>
           </a:p>
         </p:txBody>
       </p:sp>
@@ -13327,14 +13292,6 @@
               </a:rPr>
               <a:t>单元</a:t>
             </a:r>
-            <a:endParaRPr kumimoji="1" lang="zh-CN" altLang="en-US" sz="2000" b="1" dirty="0">
-              <a:solidFill>
-                <a:schemeClr val="tx1"/>
-              </a:solidFill>
-              <a:latin typeface="Times New Roman" panose="02020603050405020304" pitchFamily="18" charset="0"/>
-              <a:ea typeface="宋体" panose="02010600030101010101" pitchFamily="2" charset="-122"/>
-              <a:cs typeface="Times New Roman" panose="02020603050405020304" pitchFamily="18" charset="0"/>
-            </a:endParaRPr>
           </a:p>
         </p:txBody>
       </p:sp>
@@ -13475,7 +13432,7 @@
                 <a:ea typeface="宋体" panose="02010600030101010101" pitchFamily="2" charset="-122"/>
                 <a:cs typeface="Times New Roman" panose="02020603050405020304" pitchFamily="18" charset="0"/>
               </a:rPr>
-              <a:t>等）对一个即定形式语言的语义进行注释的学问</a:t>
+              <a:t>等）对一个即定形式语言的语义进行注释的</a:t>
             </a:r>
             <a:r>
               <a:rPr lang="zh-CN" altLang="en-US" sz="2000" dirty="0" smtClean="0">
@@ -13483,7 +13440,15 @@
                 <a:ea typeface="宋体" panose="02010600030101010101" pitchFamily="2" charset="-122"/>
                 <a:cs typeface="Times New Roman" panose="02020603050405020304" pitchFamily="18" charset="0"/>
               </a:rPr>
-              <a:t>。。</a:t>
+              <a:t>学问</a:t>
+            </a:r>
+            <a:r>
+              <a:rPr lang="zh-CN" altLang="en-US" sz="2000" dirty="0">
+                <a:latin typeface="Times New Roman" panose="02020603050405020304" pitchFamily="18" charset="0"/>
+                <a:ea typeface="宋体" panose="02010600030101010101" pitchFamily="2" charset="-122"/>
+                <a:cs typeface="Times New Roman" panose="02020603050405020304" pitchFamily="18" charset="0"/>
+              </a:rPr>
+              <a:t>。</a:t>
             </a:r>
             <a:endParaRPr lang="en-US" altLang="zh-CN" sz="2000" dirty="0" smtClean="0">
               <a:latin typeface="Times New Roman" panose="02020603050405020304" pitchFamily="18" charset="0"/>
@@ -13513,7 +13478,39 @@
                 <a:ea typeface="宋体" panose="02010600030101010101" pitchFamily="2" charset="-122"/>
                 <a:cs typeface="Times New Roman" panose="02020603050405020304" pitchFamily="18" charset="0"/>
               </a:rPr>
-              <a:t>中我们将用指称语义的方法来分别表示</a:t>
+              <a:t>中我们将用指称语义</a:t>
+            </a:r>
+            <a:r>
+              <a:rPr lang="zh-CN" altLang="en-US" sz="2000" dirty="0" smtClean="0">
+                <a:latin typeface="Times New Roman" panose="02020603050405020304" pitchFamily="18" charset="0"/>
+                <a:ea typeface="宋体" panose="02010600030101010101" pitchFamily="2" charset="-122"/>
+                <a:cs typeface="Times New Roman" panose="02020603050405020304" pitchFamily="18" charset="0"/>
+              </a:rPr>
+              <a:t>的</a:t>
+            </a:r>
+            <a:r>
+              <a:rPr lang="zh-CN" altLang="en-US" sz="2000" dirty="0">
+                <a:latin typeface="Times New Roman" panose="02020603050405020304" pitchFamily="18" charset="0"/>
+                <a:ea typeface="宋体" panose="02010600030101010101" pitchFamily="2" charset="-122"/>
+                <a:cs typeface="Times New Roman" panose="02020603050405020304" pitchFamily="18" charset="0"/>
+              </a:rPr>
+              <a:t>方式</a:t>
+            </a:r>
+            <a:r>
+              <a:rPr lang="zh-CN" altLang="en-US" sz="2000" dirty="0" smtClean="0">
+                <a:latin typeface="Times New Roman" panose="02020603050405020304" pitchFamily="18" charset="0"/>
+                <a:ea typeface="宋体" panose="02010600030101010101" pitchFamily="2" charset="-122"/>
+                <a:cs typeface="Times New Roman" panose="02020603050405020304" pitchFamily="18" charset="0"/>
+              </a:rPr>
+              <a:t>来</a:t>
+            </a:r>
+            <a:r>
+              <a:rPr lang="zh-CN" altLang="en-US" sz="2000" dirty="0">
+                <a:latin typeface="Times New Roman" panose="02020603050405020304" pitchFamily="18" charset="0"/>
+                <a:ea typeface="宋体" panose="02010600030101010101" pitchFamily="2" charset="-122"/>
+                <a:cs typeface="Times New Roman" panose="02020603050405020304" pitchFamily="18" charset="0"/>
+              </a:rPr>
+              <a:t>分别表示</a:t>
             </a:r>
             <a:r>
               <a:rPr lang="en-US" altLang="zh-CN" sz="2000" dirty="0">
@@ -13524,12 +13521,36 @@
               <a:t>C</a:t>
             </a:r>
             <a:r>
-              <a:rPr lang="zh-CN" altLang="en-US" sz="2000" dirty="0">
-                <a:latin typeface="Times New Roman" panose="02020603050405020304" pitchFamily="18" charset="0"/>
-                <a:ea typeface="宋体" panose="02010600030101010101" pitchFamily="2" charset="-122"/>
-                <a:cs typeface="Times New Roman" panose="02020603050405020304" pitchFamily="18" charset="0"/>
-              </a:rPr>
-              <a:t>文法结构和目标代码的语义，难点在于如何正确的对它们</a:t>
+              <a:rPr lang="zh-CN" altLang="en-US" sz="2000" dirty="0" smtClean="0">
+                <a:latin typeface="Times New Roman" panose="02020603050405020304" pitchFamily="18" charset="0"/>
+                <a:ea typeface="宋体" panose="02010600030101010101" pitchFamily="2" charset="-122"/>
+                <a:cs typeface="Times New Roman" panose="02020603050405020304" pitchFamily="18" charset="0"/>
+              </a:rPr>
+              <a:t>文法</a:t>
+            </a:r>
+            <a:r>
+              <a:rPr lang="zh-CN" altLang="en-US" sz="2000" dirty="0">
+                <a:latin typeface="Times New Roman" panose="02020603050405020304" pitchFamily="18" charset="0"/>
+                <a:ea typeface="宋体" panose="02010600030101010101" pitchFamily="2" charset="-122"/>
+                <a:cs typeface="Times New Roman" panose="02020603050405020304" pitchFamily="18" charset="0"/>
+              </a:rPr>
+              <a:t>单元</a:t>
+            </a:r>
+            <a:r>
+              <a:rPr lang="zh-CN" altLang="en-US" sz="2000" dirty="0" smtClean="0">
+                <a:latin typeface="Times New Roman" panose="02020603050405020304" pitchFamily="18" charset="0"/>
+                <a:ea typeface="宋体" panose="02010600030101010101" pitchFamily="2" charset="-122"/>
+                <a:cs typeface="Times New Roman" panose="02020603050405020304" pitchFamily="18" charset="0"/>
+              </a:rPr>
+              <a:t>和目标代码段的</a:t>
+            </a:r>
+            <a:r>
+              <a:rPr lang="zh-CN" altLang="en-US" sz="2000" dirty="0">
+                <a:latin typeface="Times New Roman" panose="02020603050405020304" pitchFamily="18" charset="0"/>
+                <a:ea typeface="宋体" panose="02010600030101010101" pitchFamily="2" charset="-122"/>
+                <a:cs typeface="Times New Roman" panose="02020603050405020304" pitchFamily="18" charset="0"/>
+              </a:rPr>
+              <a:t>语义，难点在于如何正确的对它们</a:t>
             </a:r>
             <a:r>
               <a:rPr lang="zh-CN" altLang="en-US" sz="2000" dirty="0">
@@ -13559,7 +13580,7 @@
                 <a:ea typeface="宋体" panose="02010600030101010101" pitchFamily="2" charset="-122"/>
                 <a:cs typeface="Times New Roman" panose="02020603050405020304" pitchFamily="18" charset="0"/>
               </a:rPr>
-              <a:t>。</a:t>
+              <a:t>（求出指称语义）。</a:t>
             </a:r>
             <a:endParaRPr lang="en-US" altLang="zh-CN" sz="2000" dirty="0">
               <a:latin typeface="Times New Roman" panose="02020603050405020304" pitchFamily="18" charset="0"/>
@@ -13743,43 +13764,21 @@
                 <a:ea typeface="宋体" panose="02010600030101010101" pitchFamily="2" charset="-122"/>
                 <a:cs typeface="Times New Roman" panose="02020603050405020304" pitchFamily="18" charset="0"/>
               </a:rPr>
-              <a:t>编译器的任务是将源代码正确的编译为目标代码，而确认源代码与编译生成的目标代码之间是否具有一致的语义是判断编译过程是否正确的有效方法。因此，课题中需要构造一个</a:t>
-            </a:r>
-            <a:r>
-              <a:rPr lang="zh-CN" altLang="en-US" sz="2000" dirty="0">
-                <a:solidFill>
-                  <a:srgbClr val="FF0000"/>
-                </a:solidFill>
-                <a:latin typeface="Times New Roman" panose="02020603050405020304" pitchFamily="18" charset="0"/>
-                <a:ea typeface="宋体" panose="02010600030101010101" pitchFamily="2" charset="-122"/>
-                <a:cs typeface="Times New Roman" panose="02020603050405020304" pitchFamily="18" charset="0"/>
-              </a:rPr>
-              <a:t>确认器</a:t>
-            </a:r>
-            <a:r>
-              <a:rPr lang="zh-CN" altLang="en-US" sz="2000" dirty="0">
-                <a:latin typeface="Times New Roman" panose="02020603050405020304" pitchFamily="18" charset="0"/>
-                <a:ea typeface="宋体" panose="02010600030101010101" pitchFamily="2" charset="-122"/>
-                <a:cs typeface="Times New Roman" panose="02020603050405020304" pitchFamily="18" charset="0"/>
-              </a:rPr>
-              <a:t>（</a:t>
-            </a:r>
-            <a:r>
-              <a:rPr lang="en-US" altLang="zh-CN" sz="2000" dirty="0">
-                <a:latin typeface="Times New Roman" panose="02020603050405020304" pitchFamily="18" charset="0"/>
-                <a:ea typeface="宋体" panose="02010600030101010101" pitchFamily="2" charset="-122"/>
-                <a:cs typeface="Times New Roman" panose="02020603050405020304" pitchFamily="18" charset="0"/>
-              </a:rPr>
-              <a:t>validator</a:t>
-            </a:r>
-            <a:r>
-              <a:rPr lang="zh-CN" altLang="en-US" sz="2000" dirty="0">
-                <a:latin typeface="Times New Roman" panose="02020603050405020304" pitchFamily="18" charset="0"/>
-                <a:ea typeface="宋体" panose="02010600030101010101" pitchFamily="2" charset="-122"/>
-                <a:cs typeface="Times New Roman" panose="02020603050405020304" pitchFamily="18" charset="0"/>
-              </a:rPr>
-              <a:t>）来验证源代码的文法单元和目标代码段的语义是否一致。</a:t>
-            </a:r>
+              <a:t>编译器的任务是将源代码正确的编译为目标代码，而确认源代码与编译生成的目标代码之间是否具有一致的语义是判断编译过程是否正确的有效方法</a:t>
+            </a:r>
+            <a:r>
+              <a:rPr lang="zh-CN" altLang="en-US" sz="2000" dirty="0" smtClean="0">
+                <a:latin typeface="Times New Roman" panose="02020603050405020304" pitchFamily="18" charset="0"/>
+                <a:ea typeface="宋体" panose="02010600030101010101" pitchFamily="2" charset="-122"/>
+                <a:cs typeface="Times New Roman" panose="02020603050405020304" pitchFamily="18" charset="0"/>
+              </a:rPr>
+              <a:t>。</a:t>
+            </a:r>
+            <a:endParaRPr lang="en-US" altLang="zh-CN" sz="2000" dirty="0">
+              <a:latin typeface="Times New Roman" panose="02020603050405020304" pitchFamily="18" charset="0"/>
+              <a:ea typeface="宋体" panose="02010600030101010101" pitchFamily="2" charset="-122"/>
+              <a:cs typeface="Times New Roman" panose="02020603050405020304" pitchFamily="18" charset="0"/>
+            </a:endParaRPr>
           </a:p>
           <a:p>
             <a:pPr>
@@ -13795,7 +13794,66 @@
                 <a:ea typeface="宋体" panose="02010600030101010101" pitchFamily="2" charset="-122"/>
                 <a:cs typeface="Times New Roman" panose="02020603050405020304" pitchFamily="18" charset="0"/>
               </a:rPr>
-              <a:t>如何设计</a:t>
+              <a:t>课题</a:t>
+            </a:r>
+            <a:r>
+              <a:rPr lang="zh-CN" altLang="en-US" sz="2000" dirty="0">
+                <a:latin typeface="Times New Roman" panose="02020603050405020304" pitchFamily="18" charset="0"/>
+                <a:ea typeface="宋体" panose="02010600030101010101" pitchFamily="2" charset="-122"/>
+                <a:cs typeface="Times New Roman" panose="02020603050405020304" pitchFamily="18" charset="0"/>
+              </a:rPr>
+              <a:t>中需要构造一个</a:t>
+            </a:r>
+            <a:r>
+              <a:rPr lang="zh-CN" altLang="en-US" sz="2000" dirty="0">
+                <a:solidFill>
+                  <a:srgbClr val="FF0000"/>
+                </a:solidFill>
+                <a:latin typeface="Times New Roman" panose="02020603050405020304" pitchFamily="18" charset="0"/>
+                <a:ea typeface="宋体" panose="02010600030101010101" pitchFamily="2" charset="-122"/>
+                <a:cs typeface="Times New Roman" panose="02020603050405020304" pitchFamily="18" charset="0"/>
+              </a:rPr>
+              <a:t>确认器</a:t>
+            </a:r>
+            <a:r>
+              <a:rPr lang="zh-CN" altLang="en-US" sz="2000" dirty="0">
+                <a:latin typeface="Times New Roman" panose="02020603050405020304" pitchFamily="18" charset="0"/>
+                <a:ea typeface="宋体" panose="02010600030101010101" pitchFamily="2" charset="-122"/>
+                <a:cs typeface="Times New Roman" panose="02020603050405020304" pitchFamily="18" charset="0"/>
+              </a:rPr>
+              <a:t>（</a:t>
+            </a:r>
+            <a:r>
+              <a:rPr lang="en-US" altLang="zh-CN" sz="2000" dirty="0">
+                <a:latin typeface="Times New Roman" panose="02020603050405020304" pitchFamily="18" charset="0"/>
+                <a:ea typeface="宋体" panose="02010600030101010101" pitchFamily="2" charset="-122"/>
+                <a:cs typeface="Times New Roman" panose="02020603050405020304" pitchFamily="18" charset="0"/>
+              </a:rPr>
+              <a:t>validator</a:t>
+            </a:r>
+            <a:r>
+              <a:rPr lang="zh-CN" altLang="en-US" sz="2000" dirty="0">
+                <a:latin typeface="Times New Roman" panose="02020603050405020304" pitchFamily="18" charset="0"/>
+                <a:ea typeface="宋体" panose="02010600030101010101" pitchFamily="2" charset="-122"/>
+                <a:cs typeface="Times New Roman" panose="02020603050405020304" pitchFamily="18" charset="0"/>
+              </a:rPr>
+              <a:t>）来验证源代码的文法单元和目标代码段的语义是否一致</a:t>
+            </a:r>
+            <a:r>
+              <a:rPr lang="zh-CN" altLang="en-US" sz="2000" dirty="0" smtClean="0">
+                <a:latin typeface="Times New Roman" panose="02020603050405020304" pitchFamily="18" charset="0"/>
+                <a:ea typeface="宋体" panose="02010600030101010101" pitchFamily="2" charset="-122"/>
+                <a:cs typeface="Times New Roman" panose="02020603050405020304" pitchFamily="18" charset="0"/>
+              </a:rPr>
+              <a:t>。如何</a:t>
+            </a:r>
+            <a:r>
+              <a:rPr lang="zh-CN" altLang="en-US" sz="2000" dirty="0" smtClean="0">
+                <a:latin typeface="Times New Roman" panose="02020603050405020304" pitchFamily="18" charset="0"/>
+                <a:ea typeface="宋体" panose="02010600030101010101" pitchFamily="2" charset="-122"/>
+                <a:cs typeface="Times New Roman" panose="02020603050405020304" pitchFamily="18" charset="0"/>
+              </a:rPr>
+              <a:t>设计</a:t>
             </a:r>
             <a:r>
               <a:rPr lang="zh-CN" altLang="en-US" sz="2000" dirty="0">
@@ -17277,7 +17335,23 @@
                 <a:ea typeface="宋体" panose="02010600030101010101" pitchFamily="2" charset="-122"/>
                 <a:cs typeface="Times New Roman" panose="02020603050405020304" pitchFamily="18" charset="0"/>
               </a:rPr>
-              <a:t>随着计算机应用的飞速发展，软件已渗透到国民经济和国防建设的各个领域，在信息社会中扮演着至关重要的角色。</a:t>
+              <a:t>随着</a:t>
+            </a:r>
+            <a:r>
+              <a:rPr lang="zh-CN" altLang="en-US" sz="2000" dirty="0" smtClean="0">
+                <a:latin typeface="Times New Roman" panose="02020603050405020304" pitchFamily="18" charset="0"/>
+                <a:ea typeface="宋体" panose="02010600030101010101" pitchFamily="2" charset="-122"/>
+                <a:cs typeface="Times New Roman" panose="02020603050405020304" pitchFamily="18" charset="0"/>
+              </a:rPr>
+              <a:t>计算机应用技术的</a:t>
+            </a:r>
+            <a:r>
+              <a:rPr lang="zh-CN" altLang="en-US" sz="2000" dirty="0">
+                <a:latin typeface="Times New Roman" panose="02020603050405020304" pitchFamily="18" charset="0"/>
+                <a:ea typeface="宋体" panose="02010600030101010101" pitchFamily="2" charset="-122"/>
+                <a:cs typeface="Times New Roman" panose="02020603050405020304" pitchFamily="18" charset="0"/>
+              </a:rPr>
+              <a:t>飞速发展，软件已渗透到国民经济和国防建设的各个领域，在信息社会中扮演着至关重要的角色。</a:t>
             </a:r>
             <a:r>
               <a:rPr lang="zh-CN" altLang="en-US" sz="2000" dirty="0">
@@ -17304,31 +17378,15 @@
                 <a:ea typeface="宋体" panose="02010600030101010101" pitchFamily="2" charset="-122"/>
                 <a:cs typeface="Times New Roman" panose="02020603050405020304" pitchFamily="18" charset="0"/>
               </a:rPr>
-              <a:t>开放</a:t>
-            </a:r>
-            <a:r>
-              <a:rPr lang="zh-CN" altLang="en-US" sz="2000" dirty="0">
-                <a:latin typeface="Times New Roman" panose="02020603050405020304" pitchFamily="18" charset="0"/>
-                <a:ea typeface="宋体" panose="02010600030101010101" pitchFamily="2" charset="-122"/>
-                <a:cs typeface="Times New Roman" panose="02020603050405020304" pitchFamily="18" charset="0"/>
-              </a:rPr>
-              <a:t>，</a:t>
-            </a:r>
-            <a:r>
-              <a:rPr lang="zh-CN" altLang="en-US" sz="2000" dirty="0" smtClean="0">
-                <a:latin typeface="Times New Roman" panose="02020603050405020304" pitchFamily="18" charset="0"/>
-                <a:ea typeface="宋体" panose="02010600030101010101" pitchFamily="2" charset="-122"/>
-                <a:cs typeface="Times New Roman" panose="02020603050405020304" pitchFamily="18" charset="0"/>
-              </a:rPr>
-              <a:t>因此</a:t>
-            </a:r>
-            <a:r>
-              <a:rPr lang="zh-CN" altLang="en-US" sz="2000" dirty="0">
-                <a:latin typeface="Times New Roman" panose="02020603050405020304" pitchFamily="18" charset="0"/>
-                <a:ea typeface="宋体" panose="02010600030101010101" pitchFamily="2" charset="-122"/>
-                <a:cs typeface="Times New Roman" panose="02020603050405020304" pitchFamily="18" charset="0"/>
-              </a:rPr>
-              <a:t>，对航空机载软件尤其是大型客机机载软件进行安全性分析、设计以及适航</a:t>
+              <a:t>开放，对其进行</a:t>
+            </a:r>
+            <a:r>
+              <a:rPr lang="zh-CN" altLang="en-US" sz="2000" dirty="0">
+                <a:latin typeface="Times New Roman" panose="02020603050405020304" pitchFamily="18" charset="0"/>
+                <a:ea typeface="宋体" panose="02010600030101010101" pitchFamily="2" charset="-122"/>
+                <a:cs typeface="Times New Roman" panose="02020603050405020304" pitchFamily="18" charset="0"/>
+              </a:rPr>
+              <a:t>安全性分析、设计以及适航</a:t>
             </a:r>
             <a:r>
               <a:rPr lang="zh-CN" altLang="en-US" sz="2000" dirty="0">
@@ -17377,7 +17435,7 @@
                 <a:ea typeface="宋体" panose="02010600030101010101" pitchFamily="2" charset="-122"/>
                 <a:cs typeface="Times New Roman" panose="02020603050405020304" pitchFamily="18" charset="0"/>
               </a:rPr>
-              <a:t>机载软件适航验证标准</a:t>
+              <a:t>目前航空领域中主要采用的验证标准是航空适航认证标准体系</a:t>
             </a:r>
             <a:r>
               <a:rPr lang="en-US" altLang="zh-CN" sz="2000" dirty="0" smtClean="0">
@@ -17409,15 +17467,15 @@
                 <a:ea typeface="宋体" panose="02010600030101010101" pitchFamily="2" charset="-122"/>
                 <a:cs typeface="Times New Roman" panose="02020603050405020304" pitchFamily="18" charset="0"/>
               </a:rPr>
-              <a:t>的</a:t>
-            </a:r>
-            <a:r>
-              <a:rPr lang="zh-CN" altLang="en-US" sz="2000" dirty="0">
-                <a:latin typeface="Times New Roman" panose="02020603050405020304" pitchFamily="18" charset="0"/>
-                <a:ea typeface="宋体" panose="02010600030101010101" pitchFamily="2" charset="-122"/>
-                <a:cs typeface="Times New Roman" panose="02020603050405020304" pitchFamily="18" charset="0"/>
-              </a:rPr>
-              <a:t>提出。新的适航验证标准</a:t>
+              <a:t>。</a:t>
+            </a:r>
+            <a:r>
+              <a:rPr lang="zh-CN" altLang="en-US" sz="2000" dirty="0">
+                <a:latin typeface="Times New Roman" panose="02020603050405020304" pitchFamily="18" charset="0"/>
+                <a:ea typeface="宋体" panose="02010600030101010101" pitchFamily="2" charset="-122"/>
+                <a:cs typeface="Times New Roman" panose="02020603050405020304" pitchFamily="18" charset="0"/>
+              </a:rPr>
+              <a:t>新的适航验证标准</a:t>
             </a:r>
             <a:r>
               <a:rPr lang="en-US" altLang="zh-CN" sz="2000" dirty="0">
@@ -17503,18 +17561,17 @@
                 <a:ea typeface="宋体" panose="02010600030101010101" pitchFamily="2" charset="-122"/>
                 <a:cs typeface="Times New Roman" panose="02020603050405020304" pitchFamily="18" charset="0"/>
               </a:rPr>
-              <a:t>中。</a:t>
-            </a:r>
-          </a:p>
-          <a:p>
-            <a:pPr>
-              <a:lnSpc>
-                <a:spcPct val="150000"/>
-              </a:lnSpc>
-              <a:buFont typeface="Wingdings" panose="05000000000000000000" pitchFamily="2" charset="2"/>
-              <a:buChar char="Ø"/>
-            </a:pPr>
-            <a:endParaRPr lang="en-US" altLang="zh-CN" sz="2000" dirty="0" smtClean="0">
+              <a:t>中</a:t>
+            </a:r>
+            <a:r>
+              <a:rPr lang="zh-CN" altLang="en-US" sz="2000" dirty="0" smtClean="0">
+                <a:latin typeface="Times New Roman" panose="02020603050405020304" pitchFamily="18" charset="0"/>
+                <a:ea typeface="宋体" panose="02010600030101010101" pitchFamily="2" charset="-122"/>
+                <a:cs typeface="Times New Roman" panose="02020603050405020304" pitchFamily="18" charset="0"/>
+              </a:rPr>
+              <a:t>。</a:t>
+            </a:r>
+            <a:endParaRPr lang="zh-CN" altLang="en-US" sz="2000" dirty="0">
               <a:latin typeface="Times New Roman" panose="02020603050405020304" pitchFamily="18" charset="0"/>
               <a:ea typeface="宋体" panose="02010600030101010101" pitchFamily="2" charset="-122"/>
               <a:cs typeface="Times New Roman" panose="02020603050405020304" pitchFamily="18" charset="0"/>
@@ -17598,7 +17655,7 @@
         </p:nvSpPr>
         <p:spPr>
           <a:xfrm>
-            <a:off x="457200" y="1835524"/>
+            <a:off x="457200" y="1738933"/>
             <a:ext cx="8229600" cy="4617664"/>
           </a:xfrm>
         </p:spPr>
@@ -17638,7 +17695,15 @@
                 <a:ea typeface="宋体" panose="02010600030101010101" pitchFamily="2" charset="-122"/>
                 <a:cs typeface="Times New Roman" panose="02020603050405020304" pitchFamily="18" charset="0"/>
               </a:rPr>
-              <a:t>如果其</a:t>
+              <a:t>如果其不安全，</a:t>
+            </a:r>
+            <a:r>
+              <a:rPr lang="zh-CN" altLang="en-US" sz="2000" dirty="0">
+                <a:latin typeface="Times New Roman" panose="02020603050405020304" pitchFamily="18" charset="0"/>
+                <a:ea typeface="宋体" panose="02010600030101010101" pitchFamily="2" charset="-122"/>
+                <a:cs typeface="Times New Roman" panose="02020603050405020304" pitchFamily="18" charset="0"/>
+              </a:rPr>
+              <a:t>则无法保证其所生成代码</a:t>
             </a:r>
             <a:r>
               <a:rPr lang="zh-CN" altLang="en-US" sz="2000" dirty="0" smtClean="0">
@@ -17646,34 +17711,37 @@
                 <a:ea typeface="宋体" panose="02010600030101010101" pitchFamily="2" charset="-122"/>
                 <a:cs typeface="Times New Roman" panose="02020603050405020304" pitchFamily="18" charset="0"/>
               </a:rPr>
-              <a:t>不安全，</a:t>
-            </a:r>
-            <a:r>
-              <a:rPr lang="zh-CN" altLang="en-US" sz="2000" dirty="0">
-                <a:latin typeface="Times New Roman" panose="02020603050405020304" pitchFamily="18" charset="0"/>
-                <a:ea typeface="宋体" panose="02010600030101010101" pitchFamily="2" charset="-122"/>
-                <a:cs typeface="Times New Roman" panose="02020603050405020304" pitchFamily="18" charset="0"/>
-              </a:rPr>
-              <a:t>则无法保证其所生成代码</a:t>
+              <a:t>的安全，非安全的编译器</a:t>
+            </a:r>
+            <a:r>
+              <a:rPr lang="zh-CN" altLang="en-US" sz="2000" dirty="0">
+                <a:latin typeface="Times New Roman" panose="02020603050405020304" pitchFamily="18" charset="0"/>
+                <a:ea typeface="宋体" panose="02010600030101010101" pitchFamily="2" charset="-122"/>
+                <a:cs typeface="Times New Roman" panose="02020603050405020304" pitchFamily="18" charset="0"/>
+              </a:rPr>
+              <a:t>在对程序代码进行编译的过程中，很可能篡改其</a:t>
+            </a:r>
+            <a:r>
+              <a:rPr lang="zh-CN" altLang="en-US" sz="2000" dirty="0">
+                <a:solidFill>
+                  <a:srgbClr val="FF0000"/>
+                </a:solidFill>
+                <a:latin typeface="Times New Roman" panose="02020603050405020304" pitchFamily="18" charset="0"/>
+                <a:ea typeface="宋体" panose="02010600030101010101" pitchFamily="2" charset="-122"/>
+                <a:cs typeface="Times New Roman" panose="02020603050405020304" pitchFamily="18" charset="0"/>
+              </a:rPr>
+              <a:t>原本语义</a:t>
+            </a:r>
+            <a:r>
+              <a:rPr lang="zh-CN" altLang="en-US" sz="2000" dirty="0">
+                <a:latin typeface="Times New Roman" panose="02020603050405020304" pitchFamily="18" charset="0"/>
+                <a:ea typeface="宋体" panose="02010600030101010101" pitchFamily="2" charset="-122"/>
+                <a:cs typeface="Times New Roman" panose="02020603050405020304" pitchFamily="18" charset="0"/>
+              </a:rPr>
+              <a:t>，生成不安全的</a:t>
             </a:r>
             <a:r>
               <a:rPr lang="zh-CN" altLang="en-US" sz="2000" dirty="0" smtClean="0">
-                <a:latin typeface="Times New Roman" panose="02020603050405020304" pitchFamily="18" charset="0"/>
-                <a:ea typeface="宋体" panose="02010600030101010101" pitchFamily="2" charset="-122"/>
-                <a:cs typeface="Times New Roman" panose="02020603050405020304" pitchFamily="18" charset="0"/>
-              </a:rPr>
-              <a:t>的安全可靠性，非可靠的编译器</a:t>
-            </a:r>
-            <a:r>
-              <a:rPr lang="zh-CN" altLang="en-US" sz="2000" dirty="0">
-                <a:latin typeface="Times New Roman" panose="02020603050405020304" pitchFamily="18" charset="0"/>
-                <a:ea typeface="宋体" panose="02010600030101010101" pitchFamily="2" charset="-122"/>
-                <a:cs typeface="Times New Roman" panose="02020603050405020304" pitchFamily="18" charset="0"/>
-              </a:rPr>
-              <a:t>在对程序代码进行编译的过程中，很可能篡改其</a:t>
-            </a:r>
-            <a:r>
-              <a:rPr lang="zh-CN" altLang="en-US" sz="2000" dirty="0">
                 <a:solidFill>
                   <a:srgbClr val="FF0000"/>
                 </a:solidFill>
@@ -17681,34 +17749,15 @@
                 <a:ea typeface="宋体" panose="02010600030101010101" pitchFamily="2" charset="-122"/>
                 <a:cs typeface="Times New Roman" panose="02020603050405020304" pitchFamily="18" charset="0"/>
               </a:rPr>
-              <a:t>原本语义</a:t>
-            </a:r>
-            <a:r>
-              <a:rPr lang="zh-CN" altLang="en-US" sz="2000" dirty="0">
-                <a:latin typeface="Times New Roman" panose="02020603050405020304" pitchFamily="18" charset="0"/>
-                <a:ea typeface="宋体" panose="02010600030101010101" pitchFamily="2" charset="-122"/>
-                <a:cs typeface="Times New Roman" panose="02020603050405020304" pitchFamily="18" charset="0"/>
-              </a:rPr>
-              <a:t>，生成不安全的</a:t>
-            </a:r>
-            <a:r>
-              <a:rPr lang="zh-CN" altLang="en-US" sz="2000" dirty="0">
-                <a:solidFill>
-                  <a:srgbClr val="FF0000"/>
-                </a:solidFill>
-                <a:latin typeface="Times New Roman" panose="02020603050405020304" pitchFamily="18" charset="0"/>
-                <a:ea typeface="宋体" panose="02010600030101010101" pitchFamily="2" charset="-122"/>
-                <a:cs typeface="Times New Roman" panose="02020603050405020304" pitchFamily="18" charset="0"/>
-              </a:rPr>
               <a:t>目标代码</a:t>
             </a:r>
             <a:r>
-              <a:rPr lang="zh-CN" altLang="en-US" sz="2000" dirty="0">
-                <a:latin typeface="Times New Roman" panose="02020603050405020304" pitchFamily="18" charset="0"/>
-                <a:ea typeface="宋体" panose="02010600030101010101" pitchFamily="2" charset="-122"/>
-                <a:cs typeface="Times New Roman" panose="02020603050405020304" pitchFamily="18" charset="0"/>
-              </a:rPr>
-              <a:t>。</a:t>
+              <a:rPr lang="zh-CN" altLang="en-US" sz="2000" dirty="0" smtClean="0">
+                <a:latin typeface="Times New Roman" panose="02020603050405020304" pitchFamily="18" charset="0"/>
+                <a:ea typeface="宋体" panose="02010600030101010101" pitchFamily="2" charset="-122"/>
+                <a:cs typeface="Times New Roman" panose="02020603050405020304" pitchFamily="18" charset="0"/>
+              </a:rPr>
+              <a:t>，造成严重的后果。</a:t>
             </a:r>
             <a:endParaRPr lang="en-US" altLang="zh-CN" sz="2000" dirty="0">
               <a:latin typeface="Times New Roman" panose="02020603050405020304" pitchFamily="18" charset="0"/>
@@ -17764,7 +17813,21 @@
                 <a:latin typeface="宋体" panose="02010600030101010101" pitchFamily="2" charset="-122"/>
                 <a:ea typeface="宋体" panose="02010600030101010101" pitchFamily="2" charset="-122"/>
               </a:rPr>
-              <a:t>年，由于软件故障，导致美国海军的一架无人直升机发生系统故障，闯进华盛顿上空的禁飞区。</a:t>
+              <a:t>年，由于软件故障，导致美国海军的一架无人直升机发生系统故障，闯进华盛顿上空</a:t>
+            </a:r>
+            <a:r>
+              <a:rPr lang="zh-CN" altLang="en-US" sz="2000">
+                <a:latin typeface="宋体" panose="02010600030101010101" pitchFamily="2" charset="-122"/>
+                <a:ea typeface="宋体" panose="02010600030101010101" pitchFamily="2" charset="-122"/>
+              </a:rPr>
+              <a:t>的</a:t>
+            </a:r>
+            <a:r>
+              <a:rPr lang="zh-CN" altLang="en-US" sz="2000" smtClean="0">
+                <a:latin typeface="宋体" panose="02010600030101010101" pitchFamily="2" charset="-122"/>
+                <a:ea typeface="宋体" panose="02010600030101010101" pitchFamily="2" charset="-122"/>
+              </a:rPr>
+              <a:t>禁飞区，险遭击落。</a:t>
             </a:r>
             <a:endParaRPr lang="en-US" altLang="zh-CN" sz="2000" dirty="0">
               <a:latin typeface="宋体" panose="02010600030101010101" pitchFamily="2" charset="-122"/>
@@ -17839,14 +17902,7 @@
                 <a:latin typeface="宋体" panose="02010600030101010101" pitchFamily="2" charset="-122"/>
                 <a:ea typeface="宋体" panose="02010600030101010101" pitchFamily="2" charset="-122"/>
               </a:rPr>
-              <a:t>安全可靠性需求</a:t>
-            </a:r>
-            <a:r>
-              <a:rPr lang="zh-CN" altLang="en-US" sz="2000" dirty="0" smtClean="0">
-                <a:latin typeface="宋体" panose="02010600030101010101" pitchFamily="2" charset="-122"/>
-                <a:ea typeface="宋体" panose="02010600030101010101" pitchFamily="2" charset="-122"/>
-              </a:rPr>
-              <a:t>。</a:t>
+              <a:t>安全可靠性需求。</a:t>
             </a:r>
             <a:endParaRPr lang="zh-CN" altLang="en-US" sz="2000" dirty="0">
               <a:latin typeface="宋体" panose="02010600030101010101" pitchFamily="2" charset="-122"/>
@@ -17968,7 +18024,21 @@
                 <a:latin typeface="宋体" panose="02010600030101010101" pitchFamily="2" charset="-122"/>
                 <a:ea typeface="宋体" panose="02010600030101010101" pitchFamily="2" charset="-122"/>
               </a:rPr>
-              <a:t>在编译器的可信性验证中得到了持续的关注。形式化验证方法可以从数学角度对编译器进行描述，对编译过程的语义和语言属性的</a:t>
+              <a:t>在编译器</a:t>
+            </a:r>
+            <a:r>
+              <a:rPr lang="zh-CN" altLang="en-US" sz="2000" dirty="0" smtClean="0">
+                <a:latin typeface="宋体" panose="02010600030101010101" pitchFamily="2" charset="-122"/>
+                <a:ea typeface="宋体" panose="02010600030101010101" pitchFamily="2" charset="-122"/>
+              </a:rPr>
+              <a:t>的验证</a:t>
+            </a:r>
+            <a:r>
+              <a:rPr lang="zh-CN" altLang="en-US" sz="2000" dirty="0">
+                <a:latin typeface="宋体" panose="02010600030101010101" pitchFamily="2" charset="-122"/>
+                <a:ea typeface="宋体" panose="02010600030101010101" pitchFamily="2" charset="-122"/>
+              </a:rPr>
+              <a:t>中得到了持续的关注。形式化验证方法可以从数学角度对编译器进行描述，对编译过程的语义和语言属性的</a:t>
             </a:r>
             <a:r>
               <a:rPr lang="zh-CN" altLang="en-US" sz="2000" dirty="0">
@@ -18015,18 +18085,32 @@
               <a:t>现有</a:t>
             </a:r>
             <a:r>
-              <a:rPr lang="zh-CN" altLang="en-US" sz="2000" dirty="0">
+              <a:rPr lang="zh-CN" altLang="en-US" sz="2000">
                 <a:latin typeface="宋体" panose="02010600030101010101" pitchFamily="2" charset="-122"/>
                 <a:ea typeface="宋体" panose="02010600030101010101" pitchFamily="2" charset="-122"/>
               </a:rPr>
               <a:t>的</a:t>
             </a:r>
             <a:r>
-              <a:rPr lang="zh-CN" altLang="zh-CN" sz="2000" dirty="0">
-                <a:latin typeface="宋体" panose="02010600030101010101" pitchFamily="2" charset="-122"/>
-                <a:ea typeface="宋体" panose="02010600030101010101" pitchFamily="2" charset="-122"/>
-              </a:rPr>
-              <a:t>形式化方法</a:t>
+              <a:rPr lang="zh-CN" altLang="zh-CN" sz="2000" smtClean="0">
+                <a:latin typeface="宋体" panose="02010600030101010101" pitchFamily="2" charset="-122"/>
+                <a:ea typeface="宋体" panose="02010600030101010101" pitchFamily="2" charset="-122"/>
+              </a:rPr>
+              <a:t>形式化</a:t>
+            </a:r>
+            <a:r>
+              <a:rPr lang="zh-CN" altLang="en-US" sz="2000" smtClean="0">
+                <a:latin typeface="宋体" panose="02010600030101010101" pitchFamily="2" charset="-122"/>
+                <a:ea typeface="宋体" panose="02010600030101010101" pitchFamily="2" charset="-122"/>
+              </a:rPr>
+              <a:t>验证</a:t>
+            </a:r>
+            <a:r>
+              <a:rPr lang="zh-CN" altLang="zh-CN" sz="2000" smtClean="0">
+                <a:latin typeface="宋体" panose="02010600030101010101" pitchFamily="2" charset="-122"/>
+                <a:ea typeface="宋体" panose="02010600030101010101" pitchFamily="2" charset="-122"/>
+              </a:rPr>
+              <a:t>方法</a:t>
             </a:r>
             <a:r>
               <a:rPr lang="zh-CN" altLang="en-US" sz="2000" dirty="0" smtClean="0">
